--- a/presentation/graduation/bit Composer3 .pptx
+++ b/presentation/graduation/bit Composer3 .pptx
@@ -5,26 +5,28 @@
     <p:sldMasterId id="2147483696" r:id="rId1"/>
   </p:sldMasterIdLst>
   <p:notesMasterIdLst>
-    <p:notesMasterId r:id="rId19"/>
+    <p:notesMasterId r:id="rId21"/>
   </p:notesMasterIdLst>
   <p:sldIdLst>
     <p:sldId id="259" r:id="rId2"/>
     <p:sldId id="260" r:id="rId3"/>
-    <p:sldId id="297" r:id="rId4"/>
-    <p:sldId id="295" r:id="rId5"/>
-    <p:sldId id="276" r:id="rId6"/>
-    <p:sldId id="300" r:id="rId7"/>
-    <p:sldId id="303" r:id="rId8"/>
-    <p:sldId id="302" r:id="rId9"/>
-    <p:sldId id="305" r:id="rId10"/>
-    <p:sldId id="298" r:id="rId11"/>
-    <p:sldId id="283" r:id="rId12"/>
-    <p:sldId id="304" r:id="rId13"/>
-    <p:sldId id="286" r:id="rId14"/>
-    <p:sldId id="288" r:id="rId15"/>
-    <p:sldId id="299" r:id="rId16"/>
-    <p:sldId id="296" r:id="rId17"/>
-    <p:sldId id="266" r:id="rId18"/>
+    <p:sldId id="307" r:id="rId4"/>
+    <p:sldId id="276" r:id="rId5"/>
+    <p:sldId id="300" r:id="rId6"/>
+    <p:sldId id="303" r:id="rId7"/>
+    <p:sldId id="302" r:id="rId8"/>
+    <p:sldId id="305" r:id="rId9"/>
+    <p:sldId id="298" r:id="rId10"/>
+    <p:sldId id="283" r:id="rId11"/>
+    <p:sldId id="304" r:id="rId12"/>
+    <p:sldId id="286" r:id="rId13"/>
+    <p:sldId id="288" r:id="rId14"/>
+    <p:sldId id="299" r:id="rId15"/>
+    <p:sldId id="295" r:id="rId16"/>
+    <p:sldId id="308" r:id="rId17"/>
+    <p:sldId id="296" r:id="rId18"/>
+    <p:sldId id="306" r:id="rId19"/>
+    <p:sldId id="266" r:id="rId20"/>
   </p:sldIdLst>
   <p:sldSz cx="12192000" cy="6858000"/>
   <p:notesSz cx="6858000" cy="9144000"/>
@@ -4036,7 +4038,7 @@
           <a:p>
             <a:fld id="{CFE7C3F7-5C92-45C1-81B6-3020317CA2CB}" type="datetimeFigureOut">
               <a:rPr kumimoji="1" lang="ja-JP" altLang="en-US" smtClean="0"/>
-              <a:t>2022/1/12</a:t>
+              <a:t>2022/1/17</a:t>
             </a:fld>
             <a:endParaRPr kumimoji="1" lang="ja-JP" altLang="en-US"/>
           </a:p>
@@ -4407,37 +4409,6 @@
                   </a:extLst>
                 </a:hlinkClick>
               </a:rPr>
-              <a:t>渡辺様  富樫様</a:t>
-            </a:r>
-            <a:r>
-              <a:rPr lang="ja-JP" altLang="en-US" sz="1200" b="1" dirty="0"/>
-              <a:t> </a:t>
-            </a:r>
-            <a:r>
-              <a:rPr lang="ja-JP" altLang="en-US" sz="1200" b="1" u="sng" dirty="0"/>
-              <a:t>前山様 杉山理事長様</a:t>
-            </a:r>
-            <a:endParaRPr lang="en-US" altLang="ja-JP" sz="1200" b="1" u="sng" dirty="0">
-              <a:hlinkClick r:id="rId3">
-                <a:extLst>
-                  <a:ext uri="{A12FA001-AC4F-418D-AE19-62706E023703}">
-                    <ahyp:hlinkClr xmlns:ahyp="http://schemas.microsoft.com/office/drawing/2018/hyperlinkcolor" val="tx"/>
-                  </a:ext>
-                </a:extLst>
-              </a:hlinkClick>
-            </a:endParaRPr>
-          </a:p>
-          <a:p>
-            <a:r>
-              <a:rPr lang="ja-JP" altLang="en-US" sz="1200" b="1" dirty="0">
-                <a:hlinkClick r:id="rId3">
-                  <a:extLst>
-                    <a:ext uri="{A12FA001-AC4F-418D-AE19-62706E023703}">
-                      <ahyp:hlinkClr xmlns:ahyp="http://schemas.microsoft.com/office/drawing/2018/hyperlinkcolor" val="tx"/>
-                    </a:ext>
-                  </a:extLst>
-                </a:hlinkClick>
-              </a:rPr>
               <a:t>リンクへのアクセスをお願い致します。</a:t>
             </a:r>
             <a:endParaRPr lang="en-US" altLang="ja-JP" sz="1200" b="1" dirty="0">
@@ -4651,67 +4622,51 @@
           <a:p>
             <a:r>
               <a:rPr kumimoji="1" lang="en-US" altLang="ja-JP" dirty="0"/>
-              <a:t>1 </a:t>
+              <a:t>Web</a:t>
             </a:r>
             <a:r>
               <a:rPr kumimoji="1" lang="ja-JP" altLang="en-US" dirty="0"/>
-              <a:t>作る</a:t>
-            </a:r>
-            <a:r>
-              <a:rPr kumimoji="1" lang="ja-JP" altLang="en-US" dirty="0" err="1"/>
-              <a:t>を</a:t>
+              <a:t>アプリケーションとして</a:t>
+            </a:r>
+            <a:r>
+              <a:rPr kumimoji="1" lang="ja-JP" altLang="en-US" sz="1200" b="0" i="0" kern="1200" dirty="0">
+                <a:solidFill>
+                  <a:schemeClr val="tx1"/>
+                </a:solidFill>
+                <a:effectLst/>
+                <a:latin typeface="+mn-lt"/>
+                <a:ea typeface="+mn-ea"/>
+                <a:cs typeface="+mn-cs"/>
+              </a:rPr>
+              <a:t>ローカル</a:t>
+            </a:r>
+            <a:r>
+              <a:rPr kumimoji="1" lang="en-US" altLang="ja-JP" sz="1200" b="0" i="0" kern="1200" dirty="0">
+                <a:solidFill>
+                  <a:schemeClr val="tx1"/>
+                </a:solidFill>
+                <a:effectLst/>
+                <a:latin typeface="+mn-lt"/>
+                <a:ea typeface="+mn-ea"/>
+                <a:cs typeface="+mn-cs"/>
+              </a:rPr>
+              <a:t>IP</a:t>
+            </a:r>
+            <a:r>
+              <a:rPr kumimoji="1" lang="ja-JP" altLang="en-US" sz="1200" b="0" i="0" kern="1200" dirty="0">
+                <a:solidFill>
+                  <a:schemeClr val="tx1"/>
+                </a:solidFill>
+                <a:effectLst/>
+                <a:latin typeface="+mn-lt"/>
+                <a:ea typeface="+mn-ea"/>
+                <a:cs typeface="+mn-cs"/>
+              </a:rPr>
+              <a:t>アドレスを</a:t>
             </a:r>
             <a:r>
               <a:rPr kumimoji="1" lang="ja-JP" altLang="en-US" dirty="0"/>
-              <a:t>クリック</a:t>
-            </a:r>
-            <a:endParaRPr kumimoji="1" lang="en-US" altLang="ja-JP" dirty="0"/>
-          </a:p>
-          <a:p>
-            <a:r>
-              <a:rPr kumimoji="1" lang="en-US" altLang="ja-JP" dirty="0"/>
-              <a:t>2 </a:t>
-            </a:r>
-            <a:r>
-              <a:rPr kumimoji="1" lang="ja-JP" altLang="en-US" dirty="0"/>
-              <a:t>キーボードで鍵盤を弾いてください</a:t>
-            </a:r>
-            <a:endParaRPr kumimoji="1" lang="en-US" altLang="ja-JP" dirty="0"/>
-          </a:p>
-          <a:p>
-            <a:r>
-              <a:rPr kumimoji="1" lang="en-US" altLang="ja-JP" dirty="0"/>
-              <a:t>3</a:t>
-            </a:r>
-            <a:r>
-              <a:rPr kumimoji="1" lang="ja-JP" altLang="en-US" dirty="0"/>
-              <a:t>　送信ボタンを押したら</a:t>
-            </a:r>
-            <a:endParaRPr kumimoji="1" lang="en-US" altLang="ja-JP" dirty="0"/>
-          </a:p>
-          <a:p>
-            <a:r>
-              <a:rPr kumimoji="1" lang="en-US" altLang="ja-JP" dirty="0"/>
-              <a:t>4</a:t>
-            </a:r>
-            <a:r>
-              <a:rPr kumimoji="1" lang="ja-JP" altLang="en-US" dirty="0"/>
-              <a:t>　曲が流れます。</a:t>
-            </a:r>
-            <a:endParaRPr kumimoji="1" lang="en-US" altLang="ja-JP" dirty="0"/>
-          </a:p>
-          <a:p>
-            <a:r>
-              <a:rPr kumimoji="1" lang="ja-JP" altLang="en-US" dirty="0"/>
-              <a:t>注意</a:t>
-            </a:r>
-            <a:r>
-              <a:rPr kumimoji="1" lang="en-US" altLang="ja-JP" dirty="0"/>
-              <a:t>AI</a:t>
-            </a:r>
-            <a:r>
-              <a:rPr kumimoji="1" lang="ja-JP" altLang="en-US" dirty="0"/>
-              <a:t>が入っていなかった場合次のバージョンで入れる予定と発表</a:t>
+              <a:t>公開しているのでユーザはサーバにアクセスしてアプリケーションを使います。</a:t>
             </a:r>
             <a:endParaRPr kumimoji="1" lang="en-US" altLang="ja-JP" dirty="0"/>
           </a:p>
@@ -4743,7 +4698,7 @@
     </p:spTree>
     <p:extLst>
       <p:ext uri="{BB962C8B-B14F-4D97-AF65-F5344CB8AC3E}">
-        <p14:creationId xmlns:p14="http://schemas.microsoft.com/office/powerpoint/2010/main" val="3836402520"/>
+        <p14:creationId xmlns:p14="http://schemas.microsoft.com/office/powerpoint/2010/main" val="810124780"/>
       </p:ext>
     </p:extLst>
   </p:cSld>
@@ -4798,54 +4753,51 @@
           <a:lstStyle/>
           <a:p>
             <a:r>
-              <a:rPr kumimoji="1" lang="en-US" altLang="ja-JP" dirty="0"/>
-              <a:t>Web</a:t>
-            </a:r>
-            <a:r>
-              <a:rPr kumimoji="1" lang="ja-JP" altLang="en-US" dirty="0"/>
-              <a:t>アプリケーションとして</a:t>
-            </a:r>
-            <a:r>
-              <a:rPr kumimoji="1" lang="ja-JP" altLang="en-US" sz="1200" b="0" i="0" kern="1200" dirty="0">
-                <a:solidFill>
-                  <a:schemeClr val="tx1"/>
-                </a:solidFill>
-                <a:effectLst/>
-                <a:latin typeface="+mn-lt"/>
-                <a:ea typeface="+mn-ea"/>
-                <a:cs typeface="+mn-cs"/>
-              </a:rPr>
-              <a:t>ローカル</a:t>
-            </a:r>
-            <a:r>
-              <a:rPr kumimoji="1" lang="en-US" altLang="ja-JP" sz="1200" b="0" i="0" kern="1200" dirty="0">
-                <a:solidFill>
-                  <a:schemeClr val="tx1"/>
-                </a:solidFill>
-                <a:effectLst/>
-                <a:latin typeface="+mn-lt"/>
-                <a:ea typeface="+mn-ea"/>
-                <a:cs typeface="+mn-cs"/>
-              </a:rPr>
-              <a:t>IP</a:t>
-            </a:r>
-            <a:r>
-              <a:rPr kumimoji="1" lang="ja-JP" altLang="en-US" sz="1200" b="0" i="0" kern="1200" dirty="0">
-                <a:solidFill>
-                  <a:schemeClr val="tx1"/>
-                </a:solidFill>
-                <a:effectLst/>
-                <a:latin typeface="+mn-lt"/>
-                <a:ea typeface="+mn-ea"/>
-                <a:cs typeface="+mn-cs"/>
-              </a:rPr>
-              <a:t>アドレスを</a:t>
-            </a:r>
-            <a:r>
-              <a:rPr kumimoji="1" lang="ja-JP" altLang="en-US" dirty="0"/>
-              <a:t>公開しているのでユーザはサーバにアクセスしてアプリケーションを使います。</a:t>
-            </a:r>
-            <a:endParaRPr kumimoji="1" lang="en-US" altLang="ja-JP" dirty="0"/>
+              <a:rPr lang="ja-JP" altLang="en-US" sz="1200" dirty="0"/>
+              <a:t>どうやって作曲させるのかというと</a:t>
+            </a:r>
+            <a:endParaRPr lang="en-US" altLang="ja-JP" sz="1200" dirty="0"/>
+          </a:p>
+          <a:p>
+            <a:r>
+              <a:rPr lang="ja-JP" altLang="en-US" sz="1200" dirty="0"/>
+              <a:t>リカレントニューラルネットワーク</a:t>
+            </a:r>
+            <a:r>
+              <a:rPr lang="en-US" altLang="ja-JP" sz="1200" dirty="0"/>
+              <a:t>(RNN)</a:t>
+            </a:r>
+            <a:r>
+              <a:rPr lang="ja-JP" altLang="en-US" sz="1200" dirty="0"/>
+              <a:t>で学習をさせた</a:t>
+            </a:r>
+            <a:r>
+              <a:rPr lang="en-US" altLang="ja-JP" sz="1200" dirty="0"/>
+              <a:t>AI</a:t>
+            </a:r>
+            <a:r>
+              <a:rPr lang="ja-JP" altLang="en-US" sz="1200" dirty="0"/>
+              <a:t>で作曲をします。</a:t>
+            </a:r>
+            <a:endParaRPr lang="en-US" altLang="ja-JP" sz="1200" dirty="0"/>
+          </a:p>
+          <a:p>
+            <a:r>
+              <a:rPr lang="en-US" altLang="ja-JP" sz="1200" dirty="0"/>
+              <a:t>RNN</a:t>
+            </a:r>
+            <a:r>
+              <a:rPr lang="ja-JP" altLang="en-US" sz="1200" dirty="0"/>
+              <a:t>は時系列ごとデータを学習させることができることが特徴です。</a:t>
+            </a:r>
+            <a:endParaRPr lang="en-US" altLang="ja-JP" sz="1200" dirty="0"/>
+          </a:p>
+          <a:p>
+            <a:r>
+              <a:rPr lang="ja-JP" altLang="en-US" sz="1200" dirty="0"/>
+              <a:t>自然言語処理の単語の予測でよく使われます。</a:t>
+            </a:r>
+            <a:endParaRPr lang="en-US" altLang="ja-JP" sz="1200" dirty="0"/>
           </a:p>
         </p:txBody>
       </p:sp>
@@ -4866,7 +4818,7 @@
           <a:p>
             <a:fld id="{FD808316-81CD-4B36-BDD1-D6460C124C29}" type="slidenum">
               <a:rPr kumimoji="1" lang="ja-JP" altLang="en-US" smtClean="0"/>
-              <a:t>5</a:t>
+              <a:t>10</a:t>
             </a:fld>
             <a:endParaRPr kumimoji="1" lang="ja-JP" altLang="en-US"/>
           </a:p>
@@ -4875,7 +4827,7 @@
     </p:spTree>
     <p:extLst>
       <p:ext uri="{BB962C8B-B14F-4D97-AF65-F5344CB8AC3E}">
-        <p14:creationId xmlns:p14="http://schemas.microsoft.com/office/powerpoint/2010/main" val="810124780"/>
+        <p14:creationId xmlns:p14="http://schemas.microsoft.com/office/powerpoint/2010/main" val="3280372040"/>
       </p:ext>
     </p:extLst>
   </p:cSld>
@@ -4930,51 +4882,16 @@
           <a:lstStyle/>
           <a:p>
             <a:r>
-              <a:rPr lang="ja-JP" altLang="en-US" sz="1200" dirty="0"/>
-              <a:t>どうやって作曲させるのかというと</a:t>
-            </a:r>
-            <a:endParaRPr lang="en-US" altLang="ja-JP" sz="1200" dirty="0"/>
-          </a:p>
-          <a:p>
-            <a:r>
-              <a:rPr lang="ja-JP" altLang="en-US" sz="1200" dirty="0"/>
-              <a:t>リカレントニューラルネットワーク</a:t>
-            </a:r>
-            <a:r>
-              <a:rPr lang="en-US" altLang="ja-JP" sz="1200" dirty="0"/>
-              <a:t>(RNN)</a:t>
-            </a:r>
-            <a:r>
-              <a:rPr lang="ja-JP" altLang="en-US" sz="1200" dirty="0"/>
-              <a:t>で学習をさせた</a:t>
-            </a:r>
-            <a:r>
-              <a:rPr lang="en-US" altLang="ja-JP" sz="1200" dirty="0"/>
-              <a:t>AI</a:t>
-            </a:r>
-            <a:r>
-              <a:rPr lang="ja-JP" altLang="en-US" sz="1200" dirty="0"/>
-              <a:t>で作曲をします。</a:t>
-            </a:r>
-            <a:endParaRPr lang="en-US" altLang="ja-JP" sz="1200" dirty="0"/>
-          </a:p>
-          <a:p>
-            <a:r>
-              <a:rPr lang="en-US" altLang="ja-JP" sz="1200" dirty="0"/>
-              <a:t>RNN</a:t>
-            </a:r>
-            <a:r>
-              <a:rPr lang="ja-JP" altLang="en-US" sz="1200" dirty="0"/>
-              <a:t>は時系列ごとデータを学習させることができることが特徴です。</a:t>
-            </a:r>
-            <a:endParaRPr lang="en-US" altLang="ja-JP" sz="1200" dirty="0"/>
-          </a:p>
-          <a:p>
-            <a:r>
-              <a:rPr lang="ja-JP" altLang="en-US" sz="1200" dirty="0"/>
-              <a:t>自然言語処理の単語の予測でよく使われます。</a:t>
-            </a:r>
-            <a:endParaRPr lang="en-US" altLang="ja-JP" sz="1200" dirty="0"/>
+              <a:rPr kumimoji="1" lang="ja-JP" altLang="en-US" dirty="0"/>
+              <a:t>音楽生成にすると</a:t>
+            </a:r>
+            <a:endParaRPr kumimoji="1" lang="en-US" altLang="ja-JP" dirty="0"/>
+          </a:p>
+          <a:p>
+            <a:r>
+              <a:rPr kumimoji="1" lang="ja-JP" altLang="en-US" dirty="0"/>
+              <a:t>単語のみで生成されたショパンの曲です。</a:t>
+            </a:r>
           </a:p>
         </p:txBody>
       </p:sp>
@@ -4995,7 +4912,7 @@
           <a:p>
             <a:fld id="{FD808316-81CD-4B36-BDD1-D6460C124C29}" type="slidenum">
               <a:rPr kumimoji="1" lang="ja-JP" altLang="en-US" smtClean="0"/>
-              <a:t>11</a:t>
+              <a:t>12</a:t>
             </a:fld>
             <a:endParaRPr kumimoji="1" lang="ja-JP" altLang="en-US"/>
           </a:p>
@@ -5004,7 +4921,7 @@
     </p:spTree>
     <p:extLst>
       <p:ext uri="{BB962C8B-B14F-4D97-AF65-F5344CB8AC3E}">
-        <p14:creationId xmlns:p14="http://schemas.microsoft.com/office/powerpoint/2010/main" val="3280372040"/>
+        <p14:creationId xmlns:p14="http://schemas.microsoft.com/office/powerpoint/2010/main" val="1543091431"/>
       </p:ext>
     </p:extLst>
   </p:cSld>
@@ -5058,17 +4975,7 @@
           <a:bodyPr/>
           <a:lstStyle/>
           <a:p>
-            <a:r>
-              <a:rPr kumimoji="1" lang="ja-JP" altLang="en-US" dirty="0"/>
-              <a:t>音楽生成にすると</a:t>
-            </a:r>
-            <a:endParaRPr kumimoji="1" lang="en-US" altLang="ja-JP" dirty="0"/>
-          </a:p>
-          <a:p>
-            <a:r>
-              <a:rPr kumimoji="1" lang="ja-JP" altLang="en-US" dirty="0"/>
-              <a:t>単語のみで生成されたショパンの曲です。</a:t>
-            </a:r>
+            <a:endParaRPr kumimoji="1" lang="ja-JP" altLang="en-US" dirty="0"/>
           </a:p>
         </p:txBody>
       </p:sp>
@@ -5098,7 +5005,7 @@
     </p:spTree>
     <p:extLst>
       <p:ext uri="{BB962C8B-B14F-4D97-AF65-F5344CB8AC3E}">
-        <p14:creationId xmlns:p14="http://schemas.microsoft.com/office/powerpoint/2010/main" val="1543091431"/>
+        <p14:creationId xmlns:p14="http://schemas.microsoft.com/office/powerpoint/2010/main" val="2041038370"/>
       </p:ext>
     </p:extLst>
   </p:cSld>
@@ -5152,7 +5059,71 @@
           <a:bodyPr/>
           <a:lstStyle/>
           <a:p>
-            <a:endParaRPr kumimoji="1" lang="ja-JP" altLang="en-US" dirty="0"/>
+            <a:r>
+              <a:rPr kumimoji="1" lang="en-US" altLang="ja-JP" dirty="0"/>
+              <a:t>1 </a:t>
+            </a:r>
+            <a:r>
+              <a:rPr kumimoji="1" lang="ja-JP" altLang="en-US" dirty="0"/>
+              <a:t>作る</a:t>
+            </a:r>
+            <a:r>
+              <a:rPr kumimoji="1" lang="ja-JP" altLang="en-US" dirty="0" err="1"/>
+              <a:t>を</a:t>
+            </a:r>
+            <a:r>
+              <a:rPr kumimoji="1" lang="ja-JP" altLang="en-US" dirty="0"/>
+              <a:t>クリック</a:t>
+            </a:r>
+            <a:endParaRPr kumimoji="1" lang="en-US" altLang="ja-JP" dirty="0"/>
+          </a:p>
+          <a:p>
+            <a:r>
+              <a:rPr kumimoji="1" lang="en-US" altLang="ja-JP" dirty="0"/>
+              <a:t>2 </a:t>
+            </a:r>
+            <a:r>
+              <a:rPr kumimoji="1" lang="ja-JP" altLang="en-US" dirty="0"/>
+              <a:t>キーボードで鍵盤を弾いてください</a:t>
+            </a:r>
+            <a:endParaRPr kumimoji="1" lang="en-US" altLang="ja-JP" dirty="0"/>
+          </a:p>
+          <a:p>
+            <a:r>
+              <a:rPr kumimoji="1" lang="en-US" altLang="ja-JP" dirty="0"/>
+              <a:t>3</a:t>
+            </a:r>
+            <a:r>
+              <a:rPr kumimoji="1" lang="ja-JP" altLang="en-US" dirty="0"/>
+              <a:t>　送信ボタンを押したら</a:t>
+            </a:r>
+            <a:endParaRPr kumimoji="1" lang="en-US" altLang="ja-JP" dirty="0"/>
+          </a:p>
+          <a:p>
+            <a:r>
+              <a:rPr kumimoji="1" lang="en-US" altLang="ja-JP" dirty="0"/>
+              <a:t>4</a:t>
+            </a:r>
+            <a:r>
+              <a:rPr kumimoji="1" lang="ja-JP" altLang="en-US" dirty="0"/>
+              <a:t>　曲が流れます。</a:t>
+            </a:r>
+            <a:endParaRPr kumimoji="1" lang="en-US" altLang="ja-JP" dirty="0"/>
+          </a:p>
+          <a:p>
+            <a:r>
+              <a:rPr kumimoji="1" lang="ja-JP" altLang="en-US" dirty="0"/>
+              <a:t>注意</a:t>
+            </a:r>
+            <a:r>
+              <a:rPr kumimoji="1" lang="en-US" altLang="ja-JP" dirty="0"/>
+              <a:t>AI</a:t>
+            </a:r>
+            <a:r>
+              <a:rPr kumimoji="1" lang="ja-JP" altLang="en-US" dirty="0"/>
+              <a:t>が入っていなかった場合次のバージョンで入れる予定と発表</a:t>
+            </a:r>
+            <a:endParaRPr kumimoji="1" lang="en-US" altLang="ja-JP" dirty="0"/>
           </a:p>
         </p:txBody>
       </p:sp>
@@ -5173,7 +5144,7 @@
           <a:p>
             <a:fld id="{FD808316-81CD-4B36-BDD1-D6460C124C29}" type="slidenum">
               <a:rPr kumimoji="1" lang="ja-JP" altLang="en-US" smtClean="0"/>
-              <a:t>14</a:t>
+              <a:t>15</a:t>
             </a:fld>
             <a:endParaRPr kumimoji="1" lang="ja-JP" altLang="en-US"/>
           </a:p>
@@ -5182,7 +5153,7 @@
     </p:spTree>
     <p:extLst>
       <p:ext uri="{BB962C8B-B14F-4D97-AF65-F5344CB8AC3E}">
-        <p14:creationId xmlns:p14="http://schemas.microsoft.com/office/powerpoint/2010/main" val="2041038370"/>
+        <p14:creationId xmlns:p14="http://schemas.microsoft.com/office/powerpoint/2010/main" val="3836402520"/>
       </p:ext>
     </p:extLst>
   </p:cSld>
@@ -5331,7 +5302,7 @@
           <a:p>
             <a:fld id="{FD808316-81CD-4B36-BDD1-D6460C124C29}" type="slidenum">
               <a:rPr kumimoji="1" lang="ja-JP" altLang="en-US" smtClean="0"/>
-              <a:t>16</a:t>
+              <a:t>17</a:t>
             </a:fld>
             <a:endParaRPr kumimoji="1" lang="ja-JP" altLang="en-US"/>
           </a:p>
@@ -5419,7 +5390,7 @@
           <a:p>
             <a:fld id="{FD808316-81CD-4B36-BDD1-D6460C124C29}" type="slidenum">
               <a:rPr kumimoji="1" lang="ja-JP" altLang="en-US" smtClean="0"/>
-              <a:t>17</a:t>
+              <a:t>19</a:t>
             </a:fld>
             <a:endParaRPr kumimoji="1" lang="ja-JP" altLang="en-US"/>
           </a:p>
@@ -5585,7 +5556,7 @@
           <a:p>
             <a:fld id="{4A6B28F3-BB62-4EA0-99DF-EF5932BC4FCF}" type="datetimeFigureOut">
               <a:rPr kumimoji="1" lang="ja-JP" altLang="en-US" smtClean="0"/>
-              <a:t>2022/1/12</a:t>
+              <a:t>2022/1/17</a:t>
             </a:fld>
             <a:endParaRPr kumimoji="1" lang="ja-JP" altLang="en-US"/>
           </a:p>
@@ -5827,7 +5798,7 @@
           <a:p>
             <a:fld id="{4A6B28F3-BB62-4EA0-99DF-EF5932BC4FCF}" type="datetimeFigureOut">
               <a:rPr kumimoji="1" lang="ja-JP" altLang="en-US" smtClean="0"/>
-              <a:t>2022/1/12</a:t>
+              <a:t>2022/1/17</a:t>
             </a:fld>
             <a:endParaRPr kumimoji="1" lang="ja-JP" altLang="en-US"/>
           </a:p>
@@ -6079,7 +6050,7 @@
           <a:p>
             <a:fld id="{4A6B28F3-BB62-4EA0-99DF-EF5932BC4FCF}" type="datetimeFigureOut">
               <a:rPr kumimoji="1" lang="ja-JP" altLang="en-US" smtClean="0"/>
-              <a:t>2022/1/12</a:t>
+              <a:t>2022/1/17</a:t>
             </a:fld>
             <a:endParaRPr kumimoji="1" lang="ja-JP" altLang="en-US"/>
           </a:p>
@@ -6321,7 +6292,7 @@
           <a:p>
             <a:fld id="{4A6B28F3-BB62-4EA0-99DF-EF5932BC4FCF}" type="datetimeFigureOut">
               <a:rPr kumimoji="1" lang="ja-JP" altLang="en-US" smtClean="0"/>
-              <a:t>2022/1/12</a:t>
+              <a:t>2022/1/17</a:t>
             </a:fld>
             <a:endParaRPr kumimoji="1" lang="ja-JP" altLang="en-US"/>
           </a:p>
@@ -6608,7 +6579,7 @@
           <a:p>
             <a:fld id="{4A6B28F3-BB62-4EA0-99DF-EF5932BC4FCF}" type="datetimeFigureOut">
               <a:rPr kumimoji="1" lang="ja-JP" altLang="en-US" smtClean="0"/>
-              <a:t>2022/1/12</a:t>
+              <a:t>2022/1/17</a:t>
             </a:fld>
             <a:endParaRPr kumimoji="1" lang="ja-JP" altLang="en-US"/>
           </a:p>
@@ -6949,7 +6920,7 @@
           <a:p>
             <a:fld id="{4A6B28F3-BB62-4EA0-99DF-EF5932BC4FCF}" type="datetimeFigureOut">
               <a:rPr kumimoji="1" lang="ja-JP" altLang="en-US" smtClean="0"/>
-              <a:t>2022/1/12</a:t>
+              <a:t>2022/1/17</a:t>
             </a:fld>
             <a:endParaRPr kumimoji="1" lang="ja-JP" altLang="en-US"/>
           </a:p>
@@ -7437,7 +7408,7 @@
           <a:p>
             <a:fld id="{4A6B28F3-BB62-4EA0-99DF-EF5932BC4FCF}" type="datetimeFigureOut">
               <a:rPr kumimoji="1" lang="ja-JP" altLang="en-US" smtClean="0"/>
-              <a:t>2022/1/12</a:t>
+              <a:t>2022/1/17</a:t>
             </a:fld>
             <a:endParaRPr kumimoji="1" lang="ja-JP" altLang="en-US"/>
           </a:p>
@@ -7590,7 +7561,7 @@
           <a:p>
             <a:fld id="{4A6B28F3-BB62-4EA0-99DF-EF5932BC4FCF}" type="datetimeFigureOut">
               <a:rPr kumimoji="1" lang="ja-JP" altLang="en-US" smtClean="0"/>
-              <a:t>2022/1/12</a:t>
+              <a:t>2022/1/17</a:t>
             </a:fld>
             <a:endParaRPr kumimoji="1" lang="ja-JP" altLang="en-US"/>
           </a:p>
@@ -7715,7 +7686,7 @@
           <a:p>
             <a:fld id="{4A6B28F3-BB62-4EA0-99DF-EF5932BC4FCF}" type="datetimeFigureOut">
               <a:rPr kumimoji="1" lang="ja-JP" altLang="en-US" smtClean="0"/>
-              <a:t>2022/1/12</a:t>
+              <a:t>2022/1/17</a:t>
             </a:fld>
             <a:endParaRPr kumimoji="1" lang="ja-JP" altLang="en-US"/>
           </a:p>
@@ -8070,7 +8041,7 @@
           <a:p>
             <a:fld id="{4A6B28F3-BB62-4EA0-99DF-EF5932BC4FCF}" type="datetimeFigureOut">
               <a:rPr kumimoji="1" lang="ja-JP" altLang="en-US" smtClean="0"/>
-              <a:t>2022/1/12</a:t>
+              <a:t>2022/1/17</a:t>
             </a:fld>
             <a:endParaRPr kumimoji="1" lang="ja-JP" altLang="en-US"/>
           </a:p>
@@ -8370,7 +8341,7 @@
           <a:p>
             <a:fld id="{4A6B28F3-BB62-4EA0-99DF-EF5932BC4FCF}" type="datetimeFigureOut">
               <a:rPr kumimoji="1" lang="ja-JP" altLang="en-US" smtClean="0"/>
-              <a:t>2022/1/12</a:t>
+              <a:t>2022/1/17</a:t>
             </a:fld>
             <a:endParaRPr kumimoji="1" lang="ja-JP" altLang="en-US"/>
           </a:p>
@@ -8676,7 +8647,7 @@
           <a:p>
             <a:fld id="{4A6B28F3-BB62-4EA0-99DF-EF5932BC4FCF}" type="datetimeFigureOut">
               <a:rPr kumimoji="1" lang="ja-JP" altLang="en-US" smtClean="0"/>
-              <a:t>2022/1/12</a:t>
+              <a:t>2022/1/17</a:t>
             </a:fld>
             <a:endParaRPr kumimoji="1" lang="ja-JP" altLang="en-US"/>
           </a:p>
@@ -9105,55 +9076,6 @@
           <a:chExt cx="0" cy="0"/>
         </a:xfrm>
       </p:grpSpPr>
-      <p:sp>
-        <p:nvSpPr>
-          <p:cNvPr id="9" name="テキスト ボックス 8">
-            <a:extLst>
-              <a:ext uri="{FF2B5EF4-FFF2-40B4-BE49-F238E27FC236}">
-                <a16:creationId xmlns:a16="http://schemas.microsoft.com/office/drawing/2014/main" id="{9A1FF739-FC77-4A47-80C8-273F8A86C4BA}"/>
-              </a:ext>
-            </a:extLst>
-          </p:cNvPr>
-          <p:cNvSpPr txBox="1"/>
-          <p:nvPr/>
-        </p:nvSpPr>
-        <p:spPr>
-          <a:xfrm>
-            <a:off x="6096000" y="3252349"/>
-            <a:ext cx="4242955" cy="1787241"/>
-          </a:xfrm>
-          <a:prstGeom prst="rect">
-            <a:avLst/>
-          </a:prstGeom>
-          <a:noFill/>
-        </p:spPr>
-        <p:txBody>
-          <a:bodyPr wrap="square" rtlCol="0">
-            <a:spAutoFit/>
-          </a:bodyPr>
-          <a:lstStyle/>
-          <a:p>
-            <a:r>
-              <a:rPr kumimoji="1" lang="ja-JP" altLang="en-US" sz="3600" dirty="0"/>
-              <a:t>野崎　拓海</a:t>
-            </a:r>
-            <a:endParaRPr kumimoji="1" lang="en-US" altLang="ja-JP" sz="3600" dirty="0"/>
-          </a:p>
-          <a:p>
-            <a:r>
-              <a:rPr lang="ja-JP" altLang="en-US" sz="3600" dirty="0"/>
-              <a:t>吉川　孟志</a:t>
-            </a:r>
-            <a:endParaRPr lang="en-US" altLang="ja-JP" sz="3600" dirty="0"/>
-          </a:p>
-          <a:p>
-            <a:r>
-              <a:rPr kumimoji="1" lang="ja-JP" altLang="en-US" sz="3600" dirty="0"/>
-              <a:t>長島　光琉</a:t>
-            </a:r>
-          </a:p>
-        </p:txBody>
-      </p:sp>
       <p:pic>
         <p:nvPicPr>
           <p:cNvPr id="4" name="図 3">
@@ -9182,7 +9104,7 @@
         </p:blipFill>
         <p:spPr>
           <a:xfrm>
-            <a:off x="863200" y="705696"/>
+            <a:off x="701964" y="1729104"/>
             <a:ext cx="4662171" cy="4662171"/>
           </a:xfrm>
           <a:prstGeom prst="rect">
@@ -9255,10 +9177,10 @@
       </p:sp>
       <p:sp>
         <p:nvSpPr>
-          <p:cNvPr id="3" name="タイトル 2">
+          <p:cNvPr id="5" name="タイトル 4">
             <a:extLst>
               <a:ext uri="{FF2B5EF4-FFF2-40B4-BE49-F238E27FC236}">
-                <a16:creationId xmlns:a16="http://schemas.microsoft.com/office/drawing/2014/main" id="{6AD8B991-02F1-47B2-9B53-72B78D33EC7E}"/>
+                <a16:creationId xmlns:a16="http://schemas.microsoft.com/office/drawing/2014/main" id="{8849F057-CC1B-4AF0-86ED-99369A33AA2D}"/>
               </a:ext>
             </a:extLst>
           </p:cNvPr>
@@ -9271,30 +9193,21 @@
         </p:nvSpPr>
         <p:spPr>
           <a:xfrm>
-            <a:off x="6096000" y="2296391"/>
-            <a:ext cx="2892136" cy="955959"/>
+            <a:off x="304800" y="365125"/>
+            <a:ext cx="7645400" cy="1602220"/>
           </a:xfrm>
         </p:spPr>
         <p:txBody>
-          <a:bodyPr/>
+          <a:bodyPr>
+            <a:normAutofit/>
+          </a:bodyPr>
           <a:lstStyle/>
           <a:p>
-            <a:pPr rtl="0" eaLnBrk="1" latinLnBrk="0" hangingPunct="1"/>
-            <a:r>
-              <a:rPr kumimoji="1" lang="ja-JP" altLang="ja-JP" sz="3200" b="1" kern="1200" dirty="0">
-                <a:solidFill>
-                  <a:srgbClr val="000000"/>
-                </a:solidFill>
-                <a:effectLst/>
-                <a:latin typeface="游ゴシック" panose="020B0400000000000000" pitchFamily="50" charset="-128"/>
-                <a:ea typeface="游ゴシック" panose="020B0400000000000000" pitchFamily="50" charset="-128"/>
-                <a:cs typeface="+mn-cs"/>
-              </a:rPr>
-              <a:t>メンバー紹介</a:t>
-            </a:r>
-            <a:endParaRPr lang="ja-JP" altLang="ja-JP" b="1" dirty="0">
-              <a:effectLst/>
-            </a:endParaRPr>
+            <a:r>
+              <a:rPr lang="ja-JP" altLang="en-US" b="1" dirty="0"/>
+              <a:t>第三回プレゼンテーション</a:t>
+            </a:r>
+            <a:endParaRPr kumimoji="1" lang="ja-JP" altLang="en-US" b="1" dirty="0"/>
           </a:p>
         </p:txBody>
       </p:sp>
@@ -9324,205 +9237,6 @@
 </file>
 
 <file path=ppt/slides/slide10.xml><?xml version="1.0" encoding="utf-8"?>
-<p:sld xmlns:a="http://schemas.openxmlformats.org/drawingml/2006/main" xmlns:r="http://schemas.openxmlformats.org/officeDocument/2006/relationships" xmlns:p="http://schemas.openxmlformats.org/presentationml/2006/main">
-  <p:cSld>
-    <p:spTree>
-      <p:nvGrpSpPr>
-        <p:cNvPr id="1" name=""/>
-        <p:cNvGrpSpPr/>
-        <p:nvPr/>
-      </p:nvGrpSpPr>
-      <p:grpSpPr>
-        <a:xfrm>
-          <a:off x="0" y="0"/>
-          <a:ext cx="0" cy="0"/>
-          <a:chOff x="0" y="0"/>
-          <a:chExt cx="0" cy="0"/>
-        </a:xfrm>
-      </p:grpSpPr>
-      <p:sp>
-        <p:nvSpPr>
-          <p:cNvPr id="2" name="タイトル 1">
-            <a:extLst>
-              <a:ext uri="{FF2B5EF4-FFF2-40B4-BE49-F238E27FC236}">
-                <a16:creationId xmlns:a16="http://schemas.microsoft.com/office/drawing/2014/main" id="{1954BC50-3672-4E36-B845-B0805C656BB2}"/>
-              </a:ext>
-            </a:extLst>
-          </p:cNvPr>
-          <p:cNvSpPr>
-            <a:spLocks noGrp="1"/>
-          </p:cNvSpPr>
-          <p:nvPr>
-            <p:ph type="ctrTitle"/>
-          </p:nvPr>
-        </p:nvSpPr>
-        <p:spPr>
-          <a:xfrm>
-            <a:off x="718456" y="674914"/>
-            <a:ext cx="8186058" cy="761999"/>
-          </a:xfrm>
-        </p:spPr>
-        <p:txBody>
-          <a:bodyPr>
-            <a:normAutofit/>
-          </a:bodyPr>
-          <a:lstStyle/>
-          <a:p>
-            <a:pPr algn="l"/>
-            <a:r>
-              <a:rPr kumimoji="1" lang="ja-JP" altLang="en-US" sz="4400" dirty="0"/>
-              <a:t>自動作曲の方法について①</a:t>
-            </a:r>
-          </a:p>
-        </p:txBody>
-      </p:sp>
-      <p:sp>
-        <p:nvSpPr>
-          <p:cNvPr id="3" name="字幕 2">
-            <a:extLst>
-              <a:ext uri="{FF2B5EF4-FFF2-40B4-BE49-F238E27FC236}">
-                <a16:creationId xmlns:a16="http://schemas.microsoft.com/office/drawing/2014/main" id="{E0C25DE3-0B4C-4CF0-BA61-8328FBB67271}"/>
-              </a:ext>
-            </a:extLst>
-          </p:cNvPr>
-          <p:cNvSpPr>
-            <a:spLocks noGrp="1"/>
-          </p:cNvSpPr>
-          <p:nvPr>
-            <p:ph type="subTitle" idx="1"/>
-          </p:nvPr>
-        </p:nvSpPr>
-        <p:spPr>
-          <a:xfrm>
-            <a:off x="718456" y="1436913"/>
-            <a:ext cx="6487886" cy="566058"/>
-          </a:xfrm>
-        </p:spPr>
-        <p:txBody>
-          <a:bodyPr>
-            <a:noAutofit/>
-          </a:bodyPr>
-          <a:lstStyle/>
-          <a:p>
-            <a:pPr algn="l"/>
-            <a:r>
-              <a:rPr lang="ja-JP" altLang="en-US" sz="3200" dirty="0"/>
-              <a:t>入力から出力までの工程</a:t>
-            </a:r>
-            <a:endParaRPr lang="en-US" altLang="ja-JP" sz="3200" dirty="0"/>
-          </a:p>
-        </p:txBody>
-      </p:sp>
-      <p:sp>
-        <p:nvSpPr>
-          <p:cNvPr id="4" name="正方形/長方形 3">
-            <a:extLst>
-              <a:ext uri="{FF2B5EF4-FFF2-40B4-BE49-F238E27FC236}">
-                <a16:creationId xmlns:a16="http://schemas.microsoft.com/office/drawing/2014/main" id="{69CD0D9E-E9E7-46E2-B83D-0FDBEAE480FF}"/>
-              </a:ext>
-            </a:extLst>
-          </p:cNvPr>
-          <p:cNvSpPr/>
-          <p:nvPr/>
-        </p:nvSpPr>
-        <p:spPr>
-          <a:xfrm>
-            <a:off x="8645237" y="0"/>
-            <a:ext cx="3546764" cy="1967345"/>
-          </a:xfrm>
-          <a:prstGeom prst="rect">
-            <a:avLst/>
-          </a:prstGeom>
-          <a:solidFill>
-            <a:schemeClr val="bg2">
-              <a:lumMod val="50000"/>
-            </a:schemeClr>
-          </a:solidFill>
-          <a:ln>
-            <a:solidFill>
-              <a:schemeClr val="tx1"/>
-            </a:solidFill>
-          </a:ln>
-        </p:spPr>
-        <p:style>
-          <a:lnRef idx="2">
-            <a:schemeClr val="accent1">
-              <a:shade val="50000"/>
-            </a:schemeClr>
-          </a:lnRef>
-          <a:fillRef idx="1">
-            <a:schemeClr val="accent1"/>
-          </a:fillRef>
-          <a:effectRef idx="0">
-            <a:schemeClr val="accent1"/>
-          </a:effectRef>
-          <a:fontRef idx="minor">
-            <a:schemeClr val="lt1"/>
-          </a:fontRef>
-        </p:style>
-        <p:txBody>
-          <a:bodyPr rtlCol="0" anchor="ctr"/>
-          <a:lstStyle/>
-          <a:p>
-            <a:pPr algn="ctr"/>
-            <a:endParaRPr kumimoji="1" lang="ja-JP" altLang="en-US"/>
-          </a:p>
-        </p:txBody>
-      </p:sp>
-      <p:graphicFrame>
-        <p:nvGraphicFramePr>
-          <p:cNvPr id="9" name="図表 8">
-            <a:extLst>
-              <a:ext uri="{FF2B5EF4-FFF2-40B4-BE49-F238E27FC236}">
-                <a16:creationId xmlns:a16="http://schemas.microsoft.com/office/drawing/2014/main" id="{873D5251-D0E9-4E04-B6EB-993451D4EEE9}"/>
-              </a:ext>
-            </a:extLst>
-          </p:cNvPr>
-          <p:cNvGraphicFramePr/>
-          <p:nvPr>
-            <p:extLst>
-              <p:ext uri="{D42A27DB-BD31-4B8C-83A1-F6EECF244321}">
-                <p14:modId xmlns:p14="http://schemas.microsoft.com/office/powerpoint/2010/main" val="3767436721"/>
-              </p:ext>
-            </p:extLst>
-          </p:nvPr>
-        </p:nvGraphicFramePr>
-        <p:xfrm>
-          <a:off x="718455" y="2373086"/>
-          <a:ext cx="10537373" cy="3810000"/>
-        </p:xfrm>
-        <a:graphic>
-          <a:graphicData uri="http://schemas.openxmlformats.org/drawingml/2006/diagram">
-            <dgm:relIds xmlns:dgm="http://schemas.openxmlformats.org/drawingml/2006/diagram" xmlns:r="http://schemas.openxmlformats.org/officeDocument/2006/relationships" r:dm="rId2" r:lo="rId3" r:qs="rId4" r:cs="rId5"/>
-          </a:graphicData>
-        </a:graphic>
-      </p:graphicFrame>
-    </p:spTree>
-    <p:extLst>
-      <p:ext uri="{BB962C8B-B14F-4D97-AF65-F5344CB8AC3E}">
-        <p14:creationId xmlns:p14="http://schemas.microsoft.com/office/powerpoint/2010/main" val="798640705"/>
-      </p:ext>
-    </p:extLst>
-  </p:cSld>
-  <p:clrMapOvr>
-    <a:masterClrMapping/>
-  </p:clrMapOvr>
-  <mc:AlternateContent xmlns:mc="http://schemas.openxmlformats.org/markup-compatibility/2006" xmlns:p14="http://schemas.microsoft.com/office/powerpoint/2010/main">
-    <mc:Choice Requires="p14">
-      <p:transition spd="slow" p14:dur="800">
-        <p:circle/>
-      </p:transition>
-    </mc:Choice>
-    <mc:Fallback xmlns="">
-      <p:transition spd="slow">
-        <p:circle/>
-      </p:transition>
-    </mc:Fallback>
-  </mc:AlternateContent>
-</p:sld>
-</file>
-
-<file path=ppt/slides/slide11.xml><?xml version="1.0" encoding="utf-8"?>
 <p:sld xmlns:a="http://schemas.openxmlformats.org/drawingml/2006/main" xmlns:r="http://schemas.openxmlformats.org/officeDocument/2006/relationships" xmlns:p="http://schemas.openxmlformats.org/presentationml/2006/main">
   <p:cSld>
     <p:spTree>
@@ -12148,7 +11862,7 @@
 </p:sld>
 </file>
 
-<file path=ppt/slides/slide12.xml><?xml version="1.0" encoding="utf-8"?>
+<file path=ppt/slides/slide11.xml><?xml version="1.0" encoding="utf-8"?>
 <p:sld xmlns:a="http://schemas.openxmlformats.org/drawingml/2006/main" xmlns:r="http://schemas.openxmlformats.org/officeDocument/2006/relationships" xmlns:p="http://schemas.openxmlformats.org/presentationml/2006/main">
   <p:cSld>
     <p:spTree>
@@ -12385,7 +12099,7 @@
 </p:sld>
 </file>
 
-<file path=ppt/slides/slide13.xml><?xml version="1.0" encoding="utf-8"?>
+<file path=ppt/slides/slide12.xml><?xml version="1.0" encoding="utf-8"?>
 <p:sld xmlns:a="http://schemas.openxmlformats.org/drawingml/2006/main" xmlns:r="http://schemas.openxmlformats.org/officeDocument/2006/relationships" xmlns:p="http://schemas.openxmlformats.org/presentationml/2006/main">
   <p:cSld>
     <p:spTree>
@@ -12744,7 +12458,7 @@
 </p:sld>
 </file>
 
-<file path=ppt/slides/slide14.xml><?xml version="1.0" encoding="utf-8"?>
+<file path=ppt/slides/slide13.xml><?xml version="1.0" encoding="utf-8"?>
 <p:sld xmlns:a="http://schemas.openxmlformats.org/drawingml/2006/main" xmlns:r="http://schemas.openxmlformats.org/officeDocument/2006/relationships" xmlns:p="http://schemas.openxmlformats.org/presentationml/2006/main">
   <p:cSld>
     <p:spTree>
@@ -13091,7 +12805,7 @@
 </p:sld>
 </file>
 
-<file path=ppt/slides/slide15.xml><?xml version="1.0" encoding="utf-8"?>
+<file path=ppt/slides/slide14.xml><?xml version="1.0" encoding="utf-8"?>
 <p:sld xmlns:a="http://schemas.openxmlformats.org/drawingml/2006/main" xmlns:r="http://schemas.openxmlformats.org/officeDocument/2006/relationships" xmlns:p="http://schemas.openxmlformats.org/presentationml/2006/main">
   <p:cSld>
     <p:spTree>
@@ -13130,14 +12844,14 @@
           <a:lstStyle/>
           <a:p>
             <a:r>
-              <a:rPr kumimoji="1" lang="ja-JP" altLang="en-US" dirty="0"/>
-              <a:t>他社様との</a:t>
-            </a:r>
-            <a:r>
-              <a:rPr lang="ja-JP" altLang="en-US" dirty="0"/>
+              <a:rPr kumimoji="1" lang="ja-JP" altLang="en-US" b="1" dirty="0"/>
+              <a:t>既存アプリとの</a:t>
+            </a:r>
+            <a:r>
+              <a:rPr lang="ja-JP" altLang="en-US" b="1" dirty="0"/>
               <a:t>優位性</a:t>
             </a:r>
-            <a:endParaRPr kumimoji="1" lang="ja-JP" altLang="en-US" dirty="0"/>
+            <a:endParaRPr kumimoji="1" lang="ja-JP" altLang="en-US" b="1" dirty="0"/>
           </a:p>
         </p:txBody>
       </p:sp>
@@ -13157,92 +12871,61 @@
             <p:ph sz="half" idx="1"/>
           </p:nvPr>
         </p:nvSpPr>
-        <p:spPr/>
+        <p:spPr>
+          <a:xfrm>
+            <a:off x="838200" y="2213813"/>
+            <a:ext cx="9025647" cy="3525506"/>
+          </a:xfrm>
+        </p:spPr>
         <p:txBody>
-          <a:bodyPr/>
+          <a:bodyPr>
+            <a:normAutofit fontScale="92500"/>
+          </a:bodyPr>
           <a:lstStyle/>
           <a:p>
             <a:r>
-              <a:rPr lang="en-US" altLang="ja-JP" dirty="0" err="1"/>
+              <a:rPr lang="en-US" altLang="ja-JP" sz="4800" b="1" i="1" dirty="0" err="1"/>
               <a:t>b</a:t>
             </a:r>
             <a:r>
-              <a:rPr kumimoji="1" lang="en-US" altLang="ja-JP" dirty="0" err="1"/>
+              <a:rPr kumimoji="1" lang="en-US" altLang="ja-JP" sz="4800" b="1" i="1" dirty="0" err="1"/>
               <a:t>itComporser</a:t>
             </a:r>
+            <a:endParaRPr kumimoji="1" lang="en-US" altLang="ja-JP" sz="4800" b="1" i="1" dirty="0"/>
+          </a:p>
+          <a:p>
+            <a:r>
+              <a:rPr lang="ja-JP" altLang="en-US" sz="3500" dirty="0"/>
+              <a:t>ゲーム音楽と唯一無二のジャンルが作成できる</a:t>
+            </a:r>
+            <a:endParaRPr kumimoji="1" lang="en-US" altLang="ja-JP" sz="3500" dirty="0"/>
+          </a:p>
+          <a:p>
+            <a:r>
+              <a:rPr kumimoji="1" lang="ja-JP" altLang="en-US" sz="3500" dirty="0"/>
+              <a:t>操作が分かりやすく音符を一から設定できる。</a:t>
+            </a:r>
+            <a:endParaRPr kumimoji="1" lang="en-US" altLang="ja-JP" sz="3500" dirty="0"/>
+          </a:p>
+          <a:p>
+            <a:r>
+              <a:rPr kumimoji="1" lang="ja-JP" altLang="en-US" sz="3500" dirty="0"/>
+              <a:t>音楽の読み込みが軽い。</a:t>
+            </a:r>
+            <a:endParaRPr kumimoji="1" lang="en-US" altLang="ja-JP" sz="3500" dirty="0"/>
+          </a:p>
+          <a:p>
+            <a:r>
+              <a:rPr kumimoji="1" lang="ja-JP" altLang="en-US" sz="3500" dirty="0"/>
+              <a:t>登録が不必要</a:t>
+            </a:r>
+            <a:endParaRPr lang="en-US" altLang="ja-JP" sz="3500" dirty="0"/>
+          </a:p>
+          <a:p>
             <a:endParaRPr kumimoji="1" lang="en-US" altLang="ja-JP" dirty="0"/>
           </a:p>
           <a:p>
-            <a:r>
-              <a:rPr lang="ja-JP" altLang="en-US" dirty="0"/>
-              <a:t>直感的に操作が分かりやすく。</a:t>
-            </a:r>
-            <a:endParaRPr lang="en-US" altLang="ja-JP" dirty="0"/>
-          </a:p>
-          <a:p>
-            <a:r>
-              <a:rPr lang="ja-JP" altLang="en-US" dirty="0"/>
-              <a:t>すぐに曲をダウンロードができる</a:t>
-            </a:r>
-            <a:endParaRPr lang="en-US" altLang="ja-JP" dirty="0"/>
-          </a:p>
-          <a:p>
-            <a:endParaRPr lang="en-US" altLang="ja-JP" dirty="0"/>
-          </a:p>
-        </p:txBody>
-      </p:sp>
-      <p:sp>
-        <p:nvSpPr>
-          <p:cNvPr id="4" name="コンテンツ プレースホルダー 3">
-            <a:extLst>
-              <a:ext uri="{FF2B5EF4-FFF2-40B4-BE49-F238E27FC236}">
-                <a16:creationId xmlns:a16="http://schemas.microsoft.com/office/drawing/2014/main" id="{CD4ED76D-ACC6-4E23-83E4-B581F2A2635D}"/>
-              </a:ext>
-            </a:extLst>
-          </p:cNvPr>
-          <p:cNvSpPr>
-            <a:spLocks noGrp="1"/>
-          </p:cNvSpPr>
-          <p:nvPr>
-            <p:ph sz="half" idx="2"/>
-          </p:nvPr>
-        </p:nvSpPr>
-        <p:spPr/>
-        <p:txBody>
-          <a:bodyPr/>
-          <a:lstStyle/>
-          <a:p>
-            <a:r>
-              <a:rPr lang="ja-JP" altLang="en-US" dirty="0"/>
-              <a:t>他社</a:t>
-            </a:r>
-            <a:endParaRPr lang="en-US" altLang="ja-JP" dirty="0"/>
-          </a:p>
-          <a:p>
-            <a:r>
-              <a:rPr kumimoji="1" lang="ja-JP" altLang="en-US" dirty="0"/>
-              <a:t>操作が分かりにくい</a:t>
-            </a:r>
             <a:endParaRPr kumimoji="1" lang="en-US" altLang="ja-JP" dirty="0"/>
-          </a:p>
-          <a:p>
-            <a:r>
-              <a:rPr lang="ja-JP" altLang="en-US" dirty="0"/>
-              <a:t>曲をダウンロードに多少時間がかかる</a:t>
-            </a:r>
-            <a:endParaRPr lang="en-US" altLang="ja-JP" dirty="0"/>
-          </a:p>
-          <a:p>
-            <a:pPr marL="0" indent="0">
-              <a:buNone/>
-            </a:pPr>
-            <a:endParaRPr lang="en-US" altLang="ja-JP" dirty="0"/>
-          </a:p>
-          <a:p>
-            <a:endParaRPr kumimoji="1" lang="en-US" altLang="ja-JP" dirty="0"/>
-          </a:p>
-          <a:p>
-            <a:endParaRPr kumimoji="1" lang="ja-JP" altLang="en-US" dirty="0"/>
           </a:p>
         </p:txBody>
       </p:sp>
@@ -13327,7 +13010,551 @@
 </p:sld>
 </file>
 
+<file path=ppt/slides/slide15.xml><?xml version="1.0" encoding="utf-8"?>
+<p:sld xmlns:a="http://schemas.openxmlformats.org/drawingml/2006/main" xmlns:r="http://schemas.openxmlformats.org/officeDocument/2006/relationships" xmlns:p="http://schemas.openxmlformats.org/presentationml/2006/main">
+  <p:cSld>
+    <p:spTree>
+      <p:nvGrpSpPr>
+        <p:cNvPr id="1" name=""/>
+        <p:cNvGrpSpPr/>
+        <p:nvPr/>
+      </p:nvGrpSpPr>
+      <p:grpSpPr>
+        <a:xfrm>
+          <a:off x="0" y="0"/>
+          <a:ext cx="0" cy="0"/>
+          <a:chOff x="0" y="0"/>
+          <a:chExt cx="0" cy="0"/>
+        </a:xfrm>
+      </p:grpSpPr>
+      <p:sp>
+        <p:nvSpPr>
+          <p:cNvPr id="2" name="タイトル 1">
+            <a:extLst>
+              <a:ext uri="{FF2B5EF4-FFF2-40B4-BE49-F238E27FC236}">
+                <a16:creationId xmlns:a16="http://schemas.microsoft.com/office/drawing/2014/main" id="{025C00AC-50C2-4AEE-B119-C8EF0488D58A}"/>
+              </a:ext>
+            </a:extLst>
+          </p:cNvPr>
+          <p:cNvSpPr>
+            <a:spLocks noGrp="1"/>
+          </p:cNvSpPr>
+          <p:nvPr>
+            <p:ph type="title"/>
+          </p:nvPr>
+        </p:nvSpPr>
+        <p:spPr>
+          <a:xfrm>
+            <a:off x="838201" y="365125"/>
+            <a:ext cx="7391400" cy="1325563"/>
+          </a:xfrm>
+        </p:spPr>
+        <p:txBody>
+          <a:bodyPr>
+            <a:normAutofit/>
+          </a:bodyPr>
+          <a:lstStyle/>
+          <a:p>
+            <a:r>
+              <a:rPr kumimoji="1" lang="ja-JP" altLang="en-US" sz="3200" b="1" dirty="0"/>
+              <a:t>アプリの使い方</a:t>
+            </a:r>
+            <a:r>
+              <a:rPr kumimoji="1" lang="en-US" altLang="ja-JP" sz="3200" b="1" dirty="0"/>
+              <a:t>(</a:t>
+            </a:r>
+            <a:r>
+              <a:rPr kumimoji="1" lang="ja-JP" altLang="en-US" sz="3200" b="1" dirty="0"/>
+              <a:t>デモンストレーション</a:t>
+            </a:r>
+            <a:r>
+              <a:rPr kumimoji="1" lang="en-US" altLang="ja-JP" sz="3200" dirty="0"/>
+              <a:t>)</a:t>
+            </a:r>
+            <a:endParaRPr kumimoji="1" lang="ja-JP" altLang="en-US" sz="3200" dirty="0"/>
+          </a:p>
+        </p:txBody>
+      </p:sp>
+      <p:sp>
+        <p:nvSpPr>
+          <p:cNvPr id="3" name="テキスト ボックス 2">
+            <a:extLst>
+              <a:ext uri="{FF2B5EF4-FFF2-40B4-BE49-F238E27FC236}">
+                <a16:creationId xmlns:a16="http://schemas.microsoft.com/office/drawing/2014/main" id="{5A11D7B1-58DD-4CF5-A1C5-3743A5F603E7}"/>
+              </a:ext>
+            </a:extLst>
+          </p:cNvPr>
+          <p:cNvSpPr txBox="1"/>
+          <p:nvPr/>
+        </p:nvSpPr>
+        <p:spPr>
+          <a:xfrm>
+            <a:off x="441860" y="2061172"/>
+            <a:ext cx="7723911" cy="646331"/>
+          </a:xfrm>
+          <a:prstGeom prst="rect">
+            <a:avLst/>
+          </a:prstGeom>
+          <a:noFill/>
+        </p:spPr>
+        <p:txBody>
+          <a:bodyPr wrap="square" rtlCol="0">
+            <a:spAutoFit/>
+          </a:bodyPr>
+          <a:lstStyle/>
+          <a:p>
+            <a:r>
+              <a:rPr lang="en-US" altLang="ja-JP" sz="3600" b="1" dirty="0">
+                <a:hlinkClick r:id="rId3">
+                  <a:extLst>
+                    <a:ext uri="{A12FA001-AC4F-418D-AE19-62706E023703}">
+                      <ahyp:hlinkClr xmlns:ahyp="http://schemas.microsoft.com/office/drawing/2018/hyperlinkcolor" val="tx"/>
+                    </a:ext>
+                  </a:extLst>
+                </a:hlinkClick>
+              </a:rPr>
+              <a:t>http://172.16.220.149:5000/</a:t>
+            </a:r>
+            <a:endParaRPr lang="en-US" altLang="ja-JP" sz="3600" b="1" dirty="0"/>
+          </a:p>
+        </p:txBody>
+      </p:sp>
+      <p:sp>
+        <p:nvSpPr>
+          <p:cNvPr id="5" name="テキスト ボックス 4">
+            <a:extLst>
+              <a:ext uri="{FF2B5EF4-FFF2-40B4-BE49-F238E27FC236}">
+                <a16:creationId xmlns:a16="http://schemas.microsoft.com/office/drawing/2014/main" id="{4BE0FAFE-D088-40D5-95FA-AD210674E3BC}"/>
+              </a:ext>
+            </a:extLst>
+          </p:cNvPr>
+          <p:cNvSpPr txBox="1"/>
+          <p:nvPr/>
+        </p:nvSpPr>
+        <p:spPr>
+          <a:xfrm>
+            <a:off x="6513534" y="3734431"/>
+            <a:ext cx="4992915" cy="954107"/>
+          </a:xfrm>
+          <a:prstGeom prst="rect">
+            <a:avLst/>
+          </a:prstGeom>
+          <a:noFill/>
+        </p:spPr>
+        <p:txBody>
+          <a:bodyPr wrap="square" rtlCol="0">
+            <a:spAutoFit/>
+          </a:bodyPr>
+          <a:lstStyle/>
+          <a:p>
+            <a:r>
+              <a:rPr lang="ja-JP" altLang="en-US" sz="2800" dirty="0"/>
+              <a:t>音楽を</a:t>
+            </a:r>
+            <a:r>
+              <a:rPr kumimoji="1" lang="ja-JP" altLang="en-US" sz="2800" dirty="0"/>
+              <a:t>作成できたら</a:t>
+            </a:r>
+            <a:endParaRPr kumimoji="1" lang="en-US" altLang="ja-JP" sz="2800" dirty="0"/>
+          </a:p>
+          <a:p>
+            <a:r>
+              <a:rPr lang="ja-JP" altLang="en-US" sz="2800" dirty="0">
+                <a:solidFill>
+                  <a:srgbClr val="FF0000"/>
+                </a:solidFill>
+              </a:rPr>
+              <a:t>送信ボタン</a:t>
+            </a:r>
+            <a:r>
+              <a:rPr lang="ja-JP" altLang="en-US" sz="2800" dirty="0"/>
+              <a:t>を押してください</a:t>
+            </a:r>
+            <a:endParaRPr kumimoji="1" lang="ja-JP" altLang="en-US" sz="2800" dirty="0"/>
+          </a:p>
+        </p:txBody>
+      </p:sp>
+      <p:sp>
+        <p:nvSpPr>
+          <p:cNvPr id="6" name="テキスト ボックス 5">
+            <a:extLst>
+              <a:ext uri="{FF2B5EF4-FFF2-40B4-BE49-F238E27FC236}">
+                <a16:creationId xmlns:a16="http://schemas.microsoft.com/office/drawing/2014/main" id="{1EED7E17-895F-498A-AB79-2986A9065572}"/>
+              </a:ext>
+            </a:extLst>
+          </p:cNvPr>
+          <p:cNvSpPr txBox="1"/>
+          <p:nvPr/>
+        </p:nvSpPr>
+        <p:spPr>
+          <a:xfrm>
+            <a:off x="6456219" y="4967740"/>
+            <a:ext cx="3546764" cy="400110"/>
+          </a:xfrm>
+          <a:prstGeom prst="rect">
+            <a:avLst/>
+          </a:prstGeom>
+          <a:noFill/>
+        </p:spPr>
+        <p:txBody>
+          <a:bodyPr wrap="square" rtlCol="0">
+            <a:spAutoFit/>
+          </a:bodyPr>
+          <a:lstStyle/>
+          <a:p>
+            <a:r>
+              <a:rPr kumimoji="1" lang="ja-JP" altLang="en-US" sz="2000" dirty="0">
+                <a:solidFill>
+                  <a:srgbClr val="FF0000"/>
+                </a:solidFill>
+                <a:highlight>
+                  <a:srgbClr val="FFFF00"/>
+                </a:highlight>
+              </a:rPr>
+              <a:t>生成に約一分掛かります</a:t>
+            </a:r>
+            <a:r>
+              <a:rPr lang="ja-JP" altLang="en-US" sz="2000" dirty="0">
+                <a:solidFill>
+                  <a:srgbClr val="FF0000"/>
+                </a:solidFill>
+                <a:highlight>
+                  <a:srgbClr val="FFFF00"/>
+                </a:highlight>
+              </a:rPr>
+              <a:t>。</a:t>
+            </a:r>
+            <a:endParaRPr kumimoji="1" lang="ja-JP" altLang="en-US" sz="2000" dirty="0">
+              <a:solidFill>
+                <a:srgbClr val="FF0000"/>
+              </a:solidFill>
+              <a:highlight>
+                <a:srgbClr val="FFFF00"/>
+              </a:highlight>
+            </a:endParaRPr>
+          </a:p>
+        </p:txBody>
+      </p:sp>
+      <p:sp>
+        <p:nvSpPr>
+          <p:cNvPr id="7" name="正方形/長方形 6">
+            <a:extLst>
+              <a:ext uri="{FF2B5EF4-FFF2-40B4-BE49-F238E27FC236}">
+                <a16:creationId xmlns:a16="http://schemas.microsoft.com/office/drawing/2014/main" id="{FBA0EE7E-F114-45C1-AC10-7408CA7D971A}"/>
+              </a:ext>
+            </a:extLst>
+          </p:cNvPr>
+          <p:cNvSpPr/>
+          <p:nvPr/>
+        </p:nvSpPr>
+        <p:spPr>
+          <a:xfrm>
+            <a:off x="8645237" y="0"/>
+            <a:ext cx="3546764" cy="1967345"/>
+          </a:xfrm>
+          <a:prstGeom prst="rect">
+            <a:avLst/>
+          </a:prstGeom>
+          <a:solidFill>
+            <a:schemeClr val="bg2">
+              <a:lumMod val="50000"/>
+            </a:schemeClr>
+          </a:solidFill>
+          <a:ln>
+            <a:solidFill>
+              <a:schemeClr val="tx1"/>
+            </a:solidFill>
+          </a:ln>
+        </p:spPr>
+        <p:style>
+          <a:lnRef idx="2">
+            <a:schemeClr val="accent1">
+              <a:shade val="50000"/>
+            </a:schemeClr>
+          </a:lnRef>
+          <a:fillRef idx="1">
+            <a:schemeClr val="accent1"/>
+          </a:fillRef>
+          <a:effectRef idx="0">
+            <a:schemeClr val="accent1"/>
+          </a:effectRef>
+          <a:fontRef idx="minor">
+            <a:schemeClr val="lt1"/>
+          </a:fontRef>
+        </p:style>
+        <p:txBody>
+          <a:bodyPr rtlCol="0" anchor="ctr"/>
+          <a:lstStyle/>
+          <a:p>
+            <a:pPr algn="ctr"/>
+            <a:endParaRPr kumimoji="1" lang="ja-JP" altLang="en-US"/>
+          </a:p>
+        </p:txBody>
+      </p:sp>
+      <p:sp>
+        <p:nvSpPr>
+          <p:cNvPr id="8" name="正方形/長方形 7">
+            <a:extLst>
+              <a:ext uri="{FF2B5EF4-FFF2-40B4-BE49-F238E27FC236}">
+                <a16:creationId xmlns:a16="http://schemas.microsoft.com/office/drawing/2014/main" id="{1BEE24F6-7641-4BFD-B136-01A2ED1D96E9}"/>
+              </a:ext>
+            </a:extLst>
+          </p:cNvPr>
+          <p:cNvSpPr/>
+          <p:nvPr/>
+        </p:nvSpPr>
+        <p:spPr>
+          <a:xfrm>
+            <a:off x="505690" y="3605890"/>
+            <a:ext cx="5590310" cy="2723700"/>
+          </a:xfrm>
+          <a:prstGeom prst="rect">
+            <a:avLst/>
+          </a:prstGeom>
+          <a:solidFill>
+            <a:schemeClr val="accent2">
+              <a:lumMod val="75000"/>
+            </a:schemeClr>
+          </a:solidFill>
+          <a:ln>
+            <a:solidFill>
+              <a:schemeClr val="tx1"/>
+            </a:solidFill>
+          </a:ln>
+        </p:spPr>
+        <p:style>
+          <a:lnRef idx="2">
+            <a:schemeClr val="accent1">
+              <a:shade val="50000"/>
+            </a:schemeClr>
+          </a:lnRef>
+          <a:fillRef idx="1">
+            <a:schemeClr val="accent1"/>
+          </a:fillRef>
+          <a:effectRef idx="0">
+            <a:schemeClr val="accent1"/>
+          </a:effectRef>
+          <a:fontRef idx="minor">
+            <a:schemeClr val="lt1"/>
+          </a:fontRef>
+        </p:style>
+        <p:txBody>
+          <a:bodyPr rtlCol="0" anchor="ctr"/>
+          <a:lstStyle/>
+          <a:p>
+            <a:pPr algn="ctr"/>
+            <a:r>
+              <a:rPr lang="ja-JP" altLang="en-US" dirty="0"/>
+              <a:t>デモンストレーションの動画</a:t>
+            </a:r>
+            <a:endParaRPr kumimoji="1" lang="ja-JP" altLang="en-US" dirty="0"/>
+          </a:p>
+        </p:txBody>
+      </p:sp>
+    </p:spTree>
+    <p:extLst>
+      <p:ext uri="{BB962C8B-B14F-4D97-AF65-F5344CB8AC3E}">
+        <p14:creationId xmlns:p14="http://schemas.microsoft.com/office/powerpoint/2010/main" val="3562155098"/>
+      </p:ext>
+    </p:extLst>
+  </p:cSld>
+  <p:clrMapOvr>
+    <a:masterClrMapping/>
+  </p:clrMapOvr>
+  <mc:AlternateContent xmlns:mc="http://schemas.openxmlformats.org/markup-compatibility/2006" xmlns:p14="http://schemas.microsoft.com/office/powerpoint/2010/main">
+    <mc:Choice Requires="p14">
+      <p:transition spd="slow" p14:dur="800">
+        <p:circle/>
+      </p:transition>
+    </mc:Choice>
+    <mc:Fallback xmlns="">
+      <p:transition spd="slow">
+        <p:circle/>
+      </p:transition>
+    </mc:Fallback>
+  </mc:AlternateContent>
+</p:sld>
+</file>
+
 <file path=ppt/slides/slide16.xml><?xml version="1.0" encoding="utf-8"?>
+<p:sld xmlns:a="http://schemas.openxmlformats.org/drawingml/2006/main" xmlns:r="http://schemas.openxmlformats.org/officeDocument/2006/relationships" xmlns:p="http://schemas.openxmlformats.org/presentationml/2006/main">
+  <p:cSld>
+    <p:spTree>
+      <p:nvGrpSpPr>
+        <p:cNvPr id="1" name=""/>
+        <p:cNvGrpSpPr/>
+        <p:nvPr/>
+      </p:nvGrpSpPr>
+      <p:grpSpPr>
+        <a:xfrm>
+          <a:off x="0" y="0"/>
+          <a:ext cx="0" cy="0"/>
+          <a:chOff x="0" y="0"/>
+          <a:chExt cx="0" cy="0"/>
+        </a:xfrm>
+      </p:grpSpPr>
+      <p:sp>
+        <p:nvSpPr>
+          <p:cNvPr id="2" name="タイトル 1">
+            <a:extLst>
+              <a:ext uri="{FF2B5EF4-FFF2-40B4-BE49-F238E27FC236}">
+                <a16:creationId xmlns:a16="http://schemas.microsoft.com/office/drawing/2014/main" id="{5AB505EB-7361-4611-BBC5-B9CED7437F70}"/>
+              </a:ext>
+            </a:extLst>
+          </p:cNvPr>
+          <p:cNvSpPr>
+            <a:spLocks noGrp="1"/>
+          </p:cNvSpPr>
+          <p:nvPr>
+            <p:ph type="ctrTitle"/>
+          </p:nvPr>
+        </p:nvSpPr>
+        <p:spPr>
+          <a:xfrm>
+            <a:off x="1524000" y="1122363"/>
+            <a:ext cx="9144000" cy="1373187"/>
+          </a:xfrm>
+        </p:spPr>
+        <p:txBody>
+          <a:bodyPr/>
+          <a:lstStyle/>
+          <a:p>
+            <a:pPr algn="l"/>
+            <a:r>
+              <a:rPr lang="ja-JP" altLang="en-US" dirty="0"/>
+              <a:t>開発で苦労した点</a:t>
+            </a:r>
+            <a:endParaRPr kumimoji="1" lang="ja-JP" altLang="en-US" dirty="0"/>
+          </a:p>
+        </p:txBody>
+      </p:sp>
+      <p:sp>
+        <p:nvSpPr>
+          <p:cNvPr id="3" name="字幕 2">
+            <a:extLst>
+              <a:ext uri="{FF2B5EF4-FFF2-40B4-BE49-F238E27FC236}">
+                <a16:creationId xmlns:a16="http://schemas.microsoft.com/office/drawing/2014/main" id="{D55DAD4E-92B5-4442-BF9C-C13919BE8642}"/>
+              </a:ext>
+            </a:extLst>
+          </p:cNvPr>
+          <p:cNvSpPr>
+            <a:spLocks noGrp="1"/>
+          </p:cNvSpPr>
+          <p:nvPr>
+            <p:ph type="subTitle" idx="1"/>
+          </p:nvPr>
+        </p:nvSpPr>
+        <p:spPr>
+          <a:xfrm>
+            <a:off x="1524000" y="2847975"/>
+            <a:ext cx="9144000" cy="3650102"/>
+          </a:xfrm>
+        </p:spPr>
+        <p:txBody>
+          <a:bodyPr>
+            <a:normAutofit/>
+          </a:bodyPr>
+          <a:lstStyle/>
+          <a:p>
+            <a:pPr algn="l"/>
+            <a:r>
+              <a:rPr lang="en-US" altLang="ja-JP" sz="2800" dirty="0"/>
+              <a:t>JavaScript</a:t>
+            </a:r>
+            <a:r>
+              <a:rPr lang="ja-JP" altLang="en-US" sz="2800" dirty="0"/>
+              <a:t>に慣れていない時に</a:t>
+            </a:r>
+            <a:endParaRPr lang="en-US" altLang="ja-JP" sz="2800" dirty="0"/>
+          </a:p>
+          <a:p>
+            <a:pPr algn="l"/>
+            <a:r>
+              <a:rPr lang="en-US" altLang="ja-JP" sz="2800" dirty="0"/>
+              <a:t>abc.js</a:t>
+            </a:r>
+            <a:r>
+              <a:rPr lang="ja-JP" altLang="en-US" sz="2800" dirty="0"/>
+              <a:t>で楽譜表示させるために最初はサーバで表示させようとしましたが楽譜の表示できないのでプラグコードをダウンロードして対応しました。</a:t>
+            </a:r>
+            <a:endParaRPr lang="en-US" altLang="ja-JP" sz="2800" dirty="0"/>
+          </a:p>
+          <a:p>
+            <a:pPr algn="l"/>
+            <a:r>
+              <a:rPr lang="en-US" altLang="ja-JP" sz="2800" dirty="0"/>
+              <a:t>0</a:t>
+            </a:r>
+            <a:r>
+              <a:rPr lang="ja-JP" altLang="en-US" sz="2800" dirty="0"/>
+              <a:t>から</a:t>
+            </a:r>
+            <a:r>
+              <a:rPr lang="en-US" altLang="ja-JP" sz="2800" dirty="0"/>
+              <a:t>1</a:t>
+            </a:r>
+            <a:r>
+              <a:rPr lang="ja-JP" altLang="en-US" sz="2800" dirty="0"/>
+              <a:t>を作るのは難しくはないですが</a:t>
+            </a:r>
+            <a:r>
+              <a:rPr lang="en-US" altLang="ja-JP" sz="2800" dirty="0"/>
+              <a:t>1</a:t>
+            </a:r>
+            <a:r>
+              <a:rPr lang="ja-JP" altLang="en-US" sz="2800" dirty="0"/>
+              <a:t>から</a:t>
+            </a:r>
+            <a:r>
+              <a:rPr lang="en-US" altLang="ja-JP" sz="2800" dirty="0"/>
+              <a:t>2</a:t>
+            </a:r>
+            <a:r>
+              <a:rPr lang="ja-JP" altLang="en-US" sz="2800" dirty="0"/>
+              <a:t>を作るのは難しい。</a:t>
+            </a:r>
+            <a:endParaRPr lang="en-US" altLang="ja-JP" sz="2800" dirty="0"/>
+          </a:p>
+          <a:p>
+            <a:pPr algn="l"/>
+            <a:r>
+              <a:rPr lang="en-US" altLang="ja-JP" sz="2800" dirty="0"/>
+              <a:t>By</a:t>
+            </a:r>
+            <a:r>
+              <a:rPr lang="ja-JP" altLang="en-US" sz="2800" dirty="0"/>
+              <a:t>　長島光琉</a:t>
+            </a:r>
+            <a:endParaRPr lang="en-US" altLang="ja-JP" sz="2800" dirty="0"/>
+          </a:p>
+        </p:txBody>
+      </p:sp>
+    </p:spTree>
+    <p:extLst>
+      <p:ext uri="{BB962C8B-B14F-4D97-AF65-F5344CB8AC3E}">
+        <p14:creationId xmlns:p14="http://schemas.microsoft.com/office/powerpoint/2010/main" val="2532543123"/>
+      </p:ext>
+    </p:extLst>
+  </p:cSld>
+  <p:clrMapOvr>
+    <a:masterClrMapping/>
+  </p:clrMapOvr>
+  <mc:AlternateContent xmlns:mc="http://schemas.openxmlformats.org/markup-compatibility/2006" xmlns:p14="http://schemas.microsoft.com/office/powerpoint/2010/main">
+    <mc:Choice Requires="p14">
+      <p:transition spd="slow" p14:dur="800">
+        <p:circle/>
+      </p:transition>
+    </mc:Choice>
+    <mc:Fallback xmlns="">
+      <p:transition spd="slow">
+        <p:circle/>
+      </p:transition>
+    </mc:Fallback>
+  </mc:AlternateContent>
+</p:sld>
+</file>
+
+<file path=ppt/slides/slide17.xml><?xml version="1.0" encoding="utf-8"?>
 <p:sld xmlns:a="http://schemas.openxmlformats.org/drawingml/2006/main" xmlns:r="http://schemas.openxmlformats.org/officeDocument/2006/relationships" xmlns:p="http://schemas.openxmlformats.org/presentationml/2006/main">
   <p:cSld>
     <p:spTree>
@@ -13373,7 +13600,7 @@
           <a:lstStyle/>
           <a:p>
             <a:r>
-              <a:rPr lang="ja-JP" altLang="en-US" sz="4000" b="1" dirty="0">
+              <a:rPr lang="ja-JP" altLang="en-US" b="1" dirty="0">
                 <a:solidFill>
                   <a:schemeClr val="tx1">
                     <a:lumMod val="65000"/>
@@ -13381,9 +13608,9 @@
                   </a:schemeClr>
                 </a:solidFill>
               </a:rPr>
-              <a:t>やり残した事</a:t>
-            </a:r>
-            <a:endParaRPr kumimoji="1" lang="ja-JP" altLang="en-US" sz="4000" b="1" dirty="0">
+              <a:t>今後の課題</a:t>
+            </a:r>
+            <a:endParaRPr kumimoji="1" lang="ja-JP" altLang="en-US" b="1" dirty="0">
               <a:solidFill>
                 <a:schemeClr val="tx1">
                   <a:lumMod val="65000"/>
@@ -13423,53 +13650,76 @@
           <a:lstStyle/>
           <a:p>
             <a:r>
+              <a:rPr lang="ja-JP" altLang="en-US" sz="3600" dirty="0"/>
+              <a:t>伴奏を加えられなかった。</a:t>
+            </a:r>
+            <a:endParaRPr lang="en-US" altLang="ja-JP" sz="3600" dirty="0"/>
+          </a:p>
+          <a:p>
+            <a:r>
+              <a:rPr lang="ja-JP" altLang="en-US" sz="3600" dirty="0"/>
+              <a:t>スマホでのアクセスができない。</a:t>
+            </a:r>
+            <a:endParaRPr lang="en-US" altLang="ja-JP" sz="3600" dirty="0"/>
+          </a:p>
+          <a:p>
+            <a:r>
+              <a:rPr lang="ja-JP" altLang="en-US" sz="3600" dirty="0"/>
+              <a:t>事前に用意した</a:t>
+            </a:r>
+            <a:r>
+              <a:rPr lang="en-US" altLang="ja-JP" sz="3600" dirty="0"/>
+              <a:t>MIDI</a:t>
+            </a:r>
+            <a:r>
+              <a:rPr lang="ja-JP" altLang="en-US" sz="3600" dirty="0"/>
+              <a:t>ファイルが読みこめない。</a:t>
+            </a:r>
+            <a:r>
+              <a:rPr lang="en-US" altLang="ja-JP" sz="3600" dirty="0"/>
+              <a:t>(</a:t>
+            </a:r>
+            <a:r>
+              <a:rPr lang="ja-JP" altLang="en-US" sz="3600" dirty="0"/>
+              <a:t>ピアノ演奏のみでしか使えない</a:t>
+            </a:r>
+            <a:r>
+              <a:rPr lang="en-US" altLang="ja-JP" sz="3600" dirty="0"/>
+              <a:t>)</a:t>
+            </a:r>
+          </a:p>
+          <a:p>
+            <a:r>
+              <a:rPr lang="ja-JP" altLang="en-US" sz="3600" dirty="0"/>
+              <a:t>サウンドエフェクトの実装。</a:t>
+            </a:r>
+            <a:endParaRPr lang="en-US" altLang="ja-JP" sz="3600" dirty="0"/>
+          </a:p>
+          <a:p>
+            <a:r>
+              <a:rPr lang="en-US" altLang="ja-JP" sz="3600" dirty="0"/>
+              <a:t>AI</a:t>
+            </a:r>
+            <a:r>
+              <a:rPr lang="ja-JP" altLang="en-US" sz="3600" dirty="0"/>
+              <a:t>モデルが一つしか実装出来なかった。</a:t>
+            </a:r>
+            <a:endParaRPr lang="en-US" altLang="ja-JP" sz="3600" dirty="0"/>
+          </a:p>
+          <a:p>
+            <a:r>
+              <a:rPr lang="en-US" altLang="ja-JP" sz="3600" dirty="0"/>
+              <a:t>AI</a:t>
+            </a:r>
+            <a:r>
+              <a:rPr lang="ja-JP" altLang="en-US" sz="3600" dirty="0"/>
+              <a:t>作成後に編集が出来ない</a:t>
+            </a:r>
+            <a:r>
               <a:rPr lang="ja-JP" altLang="en-US" dirty="0"/>
-              <a:t>伴奏を加えられなかった。</a:t>
+              <a:t>。</a:t>
             </a:r>
             <a:endParaRPr lang="en-US" altLang="ja-JP" dirty="0"/>
-          </a:p>
-          <a:p>
-            <a:r>
-              <a:rPr lang="ja-JP" altLang="en-US" dirty="0"/>
-              <a:t>スマホでのアクセスができない。</a:t>
-            </a:r>
-            <a:endParaRPr lang="en-US" altLang="ja-JP" dirty="0"/>
-          </a:p>
-          <a:p>
-            <a:r>
-              <a:rPr lang="ja-JP" altLang="en-US" dirty="0"/>
-              <a:t>事前に用意した</a:t>
-            </a:r>
-            <a:r>
-              <a:rPr lang="en-US" altLang="ja-JP" dirty="0"/>
-              <a:t>MIDI</a:t>
-            </a:r>
-            <a:r>
-              <a:rPr lang="ja-JP" altLang="en-US" dirty="0"/>
-              <a:t>ファイルが読みこめない。</a:t>
-            </a:r>
-            <a:r>
-              <a:rPr lang="en-US" altLang="ja-JP" dirty="0"/>
-              <a:t>(</a:t>
-            </a:r>
-            <a:r>
-              <a:rPr lang="ja-JP" altLang="en-US" dirty="0"/>
-              <a:t>ピアノ演奏のみでしか使えない</a:t>
-            </a:r>
-            <a:r>
-              <a:rPr lang="en-US" altLang="ja-JP" dirty="0"/>
-              <a:t>)</a:t>
-            </a:r>
-          </a:p>
-          <a:p>
-            <a:r>
-              <a:rPr lang="ja-JP" altLang="en-US" dirty="0"/>
-              <a:t>サウンドエフェクトの実装</a:t>
-            </a:r>
-            <a:endParaRPr lang="en-US" altLang="ja-JP" dirty="0"/>
-          </a:p>
-          <a:p>
-            <a:endParaRPr kumimoji="1" lang="ja-JP" altLang="en-US" dirty="0"/>
           </a:p>
         </p:txBody>
       </p:sp>
@@ -13554,7 +13804,218 @@
 </p:sld>
 </file>
 
-<file path=ppt/slides/slide17.xml><?xml version="1.0" encoding="utf-8"?>
+<file path=ppt/slides/slide18.xml><?xml version="1.0" encoding="utf-8"?>
+<p:sld xmlns:a="http://schemas.openxmlformats.org/drawingml/2006/main" xmlns:r="http://schemas.openxmlformats.org/officeDocument/2006/relationships" xmlns:p="http://schemas.openxmlformats.org/presentationml/2006/main">
+  <p:cSld>
+    <p:spTree>
+      <p:nvGrpSpPr>
+        <p:cNvPr id="1" name=""/>
+        <p:cNvGrpSpPr/>
+        <p:nvPr/>
+      </p:nvGrpSpPr>
+      <p:grpSpPr>
+        <a:xfrm>
+          <a:off x="0" y="0"/>
+          <a:ext cx="0" cy="0"/>
+          <a:chOff x="0" y="0"/>
+          <a:chExt cx="0" cy="0"/>
+        </a:xfrm>
+      </p:grpSpPr>
+      <p:sp>
+        <p:nvSpPr>
+          <p:cNvPr id="2" name="タイトル 1">
+            <a:extLst>
+              <a:ext uri="{FF2B5EF4-FFF2-40B4-BE49-F238E27FC236}">
+                <a16:creationId xmlns:a16="http://schemas.microsoft.com/office/drawing/2014/main" id="{70949F04-CCFC-4095-97E8-22A29D9269AF}"/>
+              </a:ext>
+            </a:extLst>
+          </p:cNvPr>
+          <p:cNvSpPr>
+            <a:spLocks noGrp="1"/>
+          </p:cNvSpPr>
+          <p:nvPr>
+            <p:ph type="title"/>
+          </p:nvPr>
+        </p:nvSpPr>
+        <p:spPr/>
+        <p:txBody>
+          <a:bodyPr/>
+          <a:lstStyle/>
+          <a:p>
+            <a:r>
+              <a:rPr lang="ja-JP" altLang="ja-JP" b="1" dirty="0">
+                <a:solidFill>
+                  <a:srgbClr val="000000"/>
+                </a:solidFill>
+                <a:latin typeface="游ゴシック" panose="020B0400000000000000" pitchFamily="50" charset="-128"/>
+                <a:ea typeface="游ゴシック" panose="020B0400000000000000" pitchFamily="50" charset="-128"/>
+              </a:rPr>
+              <a:t>メンバー紹介</a:t>
+            </a:r>
+            <a:endParaRPr kumimoji="1" lang="ja-JP" altLang="en-US" dirty="0"/>
+          </a:p>
+        </p:txBody>
+      </p:sp>
+      <p:sp>
+        <p:nvSpPr>
+          <p:cNvPr id="3" name="コンテンツ プレースホルダー 2">
+            <a:extLst>
+              <a:ext uri="{FF2B5EF4-FFF2-40B4-BE49-F238E27FC236}">
+                <a16:creationId xmlns:a16="http://schemas.microsoft.com/office/drawing/2014/main" id="{F75BFA54-4956-44E3-A200-A79B237D1B62}"/>
+              </a:ext>
+            </a:extLst>
+          </p:cNvPr>
+          <p:cNvSpPr>
+            <a:spLocks noGrp="1"/>
+          </p:cNvSpPr>
+          <p:nvPr>
+            <p:ph idx="1"/>
+          </p:nvPr>
+        </p:nvSpPr>
+        <p:spPr>
+          <a:xfrm>
+            <a:off x="4775200" y="2062302"/>
+            <a:ext cx="6578600" cy="4114661"/>
+          </a:xfrm>
+        </p:spPr>
+        <p:txBody>
+          <a:bodyPr/>
+          <a:lstStyle/>
+          <a:p>
+            <a:endParaRPr kumimoji="1" lang="ja-JP" altLang="en-US" dirty="0"/>
+          </a:p>
+        </p:txBody>
+      </p:sp>
+      <p:sp>
+        <p:nvSpPr>
+          <p:cNvPr id="4" name="正方形/長方形 3">
+            <a:extLst>
+              <a:ext uri="{FF2B5EF4-FFF2-40B4-BE49-F238E27FC236}">
+                <a16:creationId xmlns:a16="http://schemas.microsoft.com/office/drawing/2014/main" id="{4109503C-CC5B-4043-A7D0-02BA375E478E}"/>
+              </a:ext>
+            </a:extLst>
+          </p:cNvPr>
+          <p:cNvSpPr/>
+          <p:nvPr/>
+        </p:nvSpPr>
+        <p:spPr>
+          <a:xfrm>
+            <a:off x="838200" y="2062302"/>
+            <a:ext cx="4368800" cy="1938992"/>
+          </a:xfrm>
+          <a:prstGeom prst="rect">
+            <a:avLst/>
+          </a:prstGeom>
+        </p:spPr>
+        <p:txBody>
+          <a:bodyPr wrap="square">
+            <a:spAutoFit/>
+          </a:bodyPr>
+          <a:lstStyle/>
+          <a:p>
+            <a:r>
+              <a:rPr lang="ja-JP" altLang="en-US" sz="4000" dirty="0"/>
+              <a:t>野崎　拓海</a:t>
+            </a:r>
+            <a:endParaRPr lang="en-US" altLang="ja-JP" sz="4000" dirty="0"/>
+          </a:p>
+          <a:p>
+            <a:r>
+              <a:rPr lang="ja-JP" altLang="en-US" sz="4000" dirty="0"/>
+              <a:t>吉川　孟志</a:t>
+            </a:r>
+            <a:endParaRPr lang="en-US" altLang="ja-JP" sz="4000" dirty="0"/>
+          </a:p>
+          <a:p>
+            <a:r>
+              <a:rPr lang="ja-JP" altLang="en-US" sz="4000" dirty="0"/>
+              <a:t>長島　光琉</a:t>
+            </a:r>
+          </a:p>
+        </p:txBody>
+      </p:sp>
+      <p:sp>
+        <p:nvSpPr>
+          <p:cNvPr id="6" name="正方形/長方形 5">
+            <a:extLst>
+              <a:ext uri="{FF2B5EF4-FFF2-40B4-BE49-F238E27FC236}">
+                <a16:creationId xmlns:a16="http://schemas.microsoft.com/office/drawing/2014/main" id="{3E23BB3D-8146-498D-AE6D-1AE59B420774}"/>
+              </a:ext>
+            </a:extLst>
+          </p:cNvPr>
+          <p:cNvSpPr/>
+          <p:nvPr/>
+        </p:nvSpPr>
+        <p:spPr>
+          <a:xfrm>
+            <a:off x="8645236" y="-39110"/>
+            <a:ext cx="3546764" cy="1967345"/>
+          </a:xfrm>
+          <a:prstGeom prst="rect">
+            <a:avLst/>
+          </a:prstGeom>
+          <a:solidFill>
+            <a:schemeClr val="bg2">
+              <a:lumMod val="50000"/>
+            </a:schemeClr>
+          </a:solidFill>
+          <a:ln>
+            <a:solidFill>
+              <a:schemeClr val="tx1"/>
+            </a:solidFill>
+          </a:ln>
+        </p:spPr>
+        <p:style>
+          <a:lnRef idx="2">
+            <a:schemeClr val="accent1">
+              <a:shade val="50000"/>
+            </a:schemeClr>
+          </a:lnRef>
+          <a:fillRef idx="1">
+            <a:schemeClr val="accent1"/>
+          </a:fillRef>
+          <a:effectRef idx="0">
+            <a:schemeClr val="accent1"/>
+          </a:effectRef>
+          <a:fontRef idx="minor">
+            <a:schemeClr val="lt1"/>
+          </a:fontRef>
+        </p:style>
+        <p:txBody>
+          <a:bodyPr rtlCol="0" anchor="ctr"/>
+          <a:lstStyle/>
+          <a:p>
+            <a:pPr algn="ctr"/>
+            <a:endParaRPr kumimoji="1" lang="ja-JP" altLang="en-US"/>
+          </a:p>
+        </p:txBody>
+      </p:sp>
+    </p:spTree>
+    <p:extLst>
+      <p:ext uri="{BB962C8B-B14F-4D97-AF65-F5344CB8AC3E}">
+        <p14:creationId xmlns:p14="http://schemas.microsoft.com/office/powerpoint/2010/main" val="1047491915"/>
+      </p:ext>
+    </p:extLst>
+  </p:cSld>
+  <p:clrMapOvr>
+    <a:masterClrMapping/>
+  </p:clrMapOvr>
+  <mc:AlternateContent xmlns:mc="http://schemas.openxmlformats.org/markup-compatibility/2006" xmlns:p14="http://schemas.microsoft.com/office/powerpoint/2010/main">
+    <mc:Choice Requires="p14">
+      <p:transition spd="slow" p14:dur="800">
+        <p:circle/>
+      </p:transition>
+    </mc:Choice>
+    <mc:Fallback xmlns="">
+      <p:transition spd="slow">
+        <p:circle/>
+      </p:transition>
+    </mc:Fallback>
+  </mc:AlternateContent>
+</p:sld>
+</file>
+
+<file path=ppt/slides/slide19.xml><?xml version="1.0" encoding="utf-8"?>
 <p:sld xmlns:a="http://schemas.openxmlformats.org/drawingml/2006/main" xmlns:r="http://schemas.openxmlformats.org/officeDocument/2006/relationships" xmlns:p="http://schemas.openxmlformats.org/presentationml/2006/main">
   <p:cSld>
     <p:spTree>
@@ -13673,7 +14134,7 @@
         <p:spPr>
           <a:xfrm>
             <a:off x="508000" y="2433729"/>
-            <a:ext cx="10913979" cy="3447098"/>
+            <a:ext cx="10913979" cy="4401205"/>
           </a:xfrm>
           <a:prstGeom prst="rect">
             <a:avLst/>
@@ -13732,12 +14193,24 @@
             </a:pPr>
             <a:r>
               <a:rPr lang="ja-JP" altLang="en-US" sz="4000" dirty="0"/>
-              <a:t>短いメロディをユーザが入力</a:t>
+              <a:t>本プロジェクトは既存の音楽を</a:t>
+            </a:r>
+            <a:r>
+              <a:rPr lang="en-US" altLang="ja-JP" sz="4000" dirty="0"/>
+              <a:t>AI</a:t>
+            </a:r>
+            <a:r>
+              <a:rPr lang="ja-JP" altLang="en-US" sz="4000" dirty="0"/>
+              <a:t>の学習をして新しい曲を作る。</a:t>
             </a:r>
             <a:endParaRPr lang="en-US" altLang="ja-JP" sz="4000" dirty="0"/>
           </a:p>
           <a:p>
-            <a:endParaRPr lang="en-US" altLang="ja-JP" dirty="0"/>
+            <a:pPr marL="457200" indent="-457200">
+              <a:buFont typeface="Arial" panose="020B0604020202020204" pitchFamily="34" charset="0"/>
+              <a:buChar char="•"/>
+            </a:pPr>
+            <a:endParaRPr lang="en-US" altLang="ja-JP" sz="4000" dirty="0"/>
           </a:p>
         </p:txBody>
       </p:sp>
@@ -13913,7 +14386,7 @@
           <p:cNvPr id="2" name="タイトル 1">
             <a:extLst>
               <a:ext uri="{FF2B5EF4-FFF2-40B4-BE49-F238E27FC236}">
-                <a16:creationId xmlns:a16="http://schemas.microsoft.com/office/drawing/2014/main" id="{B78FFA15-7784-431F-A051-FE9DC9D3B675}"/>
+                <a16:creationId xmlns:a16="http://schemas.microsoft.com/office/drawing/2014/main" id="{CC40428C-C842-4E9B-9753-D4AEB8ACD5CC}"/>
               </a:ext>
             </a:extLst>
           </p:cNvPr>
@@ -13924,29 +14397,27 @@
             <p:ph type="title"/>
           </p:nvPr>
         </p:nvSpPr>
-        <p:spPr>
-          <a:xfrm>
-            <a:off x="710046" y="641782"/>
-            <a:ext cx="5673436" cy="1325563"/>
-          </a:xfrm>
-        </p:spPr>
+        <p:spPr/>
         <p:txBody>
-          <a:bodyPr/>
+          <a:bodyPr>
+            <a:normAutofit/>
+          </a:bodyPr>
           <a:lstStyle/>
           <a:p>
             <a:r>
-              <a:rPr kumimoji="1" lang="ja-JP" altLang="en-US" dirty="0"/>
-              <a:t>ゲーム音楽とは</a:t>
-            </a:r>
+              <a:rPr lang="ja-JP" altLang="en-US" sz="4800" dirty="0"/>
+              <a:t>目次</a:t>
+            </a:r>
+            <a:endParaRPr kumimoji="1" lang="ja-JP" altLang="en-US" sz="4800" dirty="0"/>
           </a:p>
         </p:txBody>
       </p:sp>
       <p:sp>
         <p:nvSpPr>
-          <p:cNvPr id="4" name="テキスト ボックス 3">
+          <p:cNvPr id="3" name="テキスト ボックス 2">
             <a:extLst>
               <a:ext uri="{FF2B5EF4-FFF2-40B4-BE49-F238E27FC236}">
-                <a16:creationId xmlns:a16="http://schemas.microsoft.com/office/drawing/2014/main" id="{638A8F8E-A573-4A09-ABB2-8DF4FE422918}"/>
+                <a16:creationId xmlns:a16="http://schemas.microsoft.com/office/drawing/2014/main" id="{9733422F-0C07-4AEE-A9DB-DB7984FD0928}"/>
               </a:ext>
             </a:extLst>
           </p:cNvPr>
@@ -13955,8 +14426,8 @@
         </p:nvSpPr>
         <p:spPr>
           <a:xfrm>
-            <a:off x="616526" y="2604655"/>
-            <a:ext cx="10285936" cy="2554545"/>
+            <a:off x="872836" y="2057400"/>
+            <a:ext cx="10515600" cy="5847755"/>
           </a:xfrm>
           <a:prstGeom prst="rect">
             <a:avLst/>
@@ -13969,42 +14440,132 @@
           </a:bodyPr>
           <a:lstStyle/>
           <a:p>
-            <a:r>
-              <a:rPr lang="ja-JP" altLang="en-US" sz="4000" dirty="0"/>
-              <a:t>コンピューターゲームに付随する音楽のことである。</a:t>
-            </a:r>
-            <a:endParaRPr lang="en-US" altLang="ja-JP" sz="4000" dirty="0"/>
-          </a:p>
-          <a:p>
-            <a:r>
-              <a:rPr lang="ja-JP" altLang="en-US" sz="4000" dirty="0"/>
-              <a:t>本プロジェクトは既存の音楽を</a:t>
-            </a:r>
-            <a:r>
-              <a:rPr lang="en-US" altLang="ja-JP" sz="4000" dirty="0"/>
-              <a:t>AI</a:t>
-            </a:r>
-            <a:r>
-              <a:rPr lang="ja-JP" altLang="en-US" sz="4000" dirty="0"/>
-              <a:t>学習させ</a:t>
-            </a:r>
-            <a:endParaRPr lang="en-US" altLang="ja-JP" sz="4000" dirty="0"/>
-          </a:p>
-          <a:p>
-            <a:r>
-              <a:rPr lang="ja-JP" altLang="en-US" sz="4000" dirty="0"/>
-              <a:t>新たな曲を作る。</a:t>
-            </a:r>
-            <a:endParaRPr lang="en-US" altLang="ja-JP" sz="4000" dirty="0"/>
+            <a:pPr marL="342900" indent="-342900">
+              <a:buFont typeface="+mj-ea"/>
+              <a:buAutoNum type="circleNumDbPlain"/>
+            </a:pPr>
+            <a:r>
+              <a:rPr kumimoji="1" lang="ja-JP" altLang="en-US" sz="3200" dirty="0"/>
+              <a:t>システム構成</a:t>
+            </a:r>
+            <a:endParaRPr kumimoji="1" lang="en-US" altLang="ja-JP" sz="3200" dirty="0"/>
+          </a:p>
+          <a:p>
+            <a:pPr marL="342900" indent="-342900">
+              <a:buFont typeface="+mj-ea"/>
+              <a:buAutoNum type="circleNumDbPlain"/>
+            </a:pPr>
+            <a:r>
+              <a:rPr lang="ja-JP" altLang="en-US" sz="3200" dirty="0"/>
+              <a:t>各ライブラリの紹介</a:t>
+            </a:r>
+            <a:endParaRPr lang="en-US" altLang="ja-JP" sz="3200" dirty="0"/>
+          </a:p>
+          <a:p>
+            <a:pPr marL="342900" indent="-342900">
+              <a:buFont typeface="+mj-ea"/>
+              <a:buAutoNum type="circleNumDbPlain"/>
+            </a:pPr>
+            <a:r>
+              <a:rPr lang="ja-JP" altLang="en-US" sz="3200" dirty="0"/>
+              <a:t>自動作曲の仕組み</a:t>
+            </a:r>
+            <a:endParaRPr lang="en-US" altLang="ja-JP" sz="3200" dirty="0"/>
+          </a:p>
+          <a:p>
+            <a:pPr marL="342900" indent="-342900">
+              <a:buFont typeface="+mj-ea"/>
+              <a:buAutoNum type="circleNumDbPlain"/>
+            </a:pPr>
+            <a:r>
+              <a:rPr lang="ja-JP" altLang="en-US" sz="3200" dirty="0"/>
+              <a:t>既存のアプリとの比較</a:t>
+            </a:r>
+            <a:endParaRPr lang="en-US" altLang="ja-JP" sz="3200" dirty="0"/>
+          </a:p>
+          <a:p>
+            <a:pPr marL="342900" indent="-342900">
+              <a:buFont typeface="+mj-ea"/>
+              <a:buAutoNum type="circleNumDbPlain"/>
+            </a:pPr>
+            <a:r>
+              <a:rPr lang="ja-JP" altLang="en-US" sz="3200" dirty="0"/>
+              <a:t>デモンストレーション</a:t>
+            </a:r>
+            <a:endParaRPr lang="en-US" altLang="ja-JP" sz="3200" dirty="0"/>
+          </a:p>
+          <a:p>
+            <a:pPr marL="342900" indent="-342900">
+              <a:buFont typeface="+mj-ea"/>
+              <a:buAutoNum type="circleNumDbPlain"/>
+            </a:pPr>
+            <a:r>
+              <a:rPr lang="ja-JP" altLang="en-US" sz="3200" dirty="0"/>
+              <a:t>今後の課題</a:t>
+            </a:r>
+            <a:endParaRPr lang="en-US" altLang="ja-JP" sz="3200" dirty="0"/>
+          </a:p>
+          <a:p>
+            <a:pPr marL="342900" indent="-342900">
+              <a:buFont typeface="+mj-ea"/>
+              <a:buAutoNum type="circleNumDbPlain"/>
+            </a:pPr>
+            <a:r>
+              <a:rPr lang="ja-JP" altLang="en-US" sz="3200" dirty="0"/>
+              <a:t>開発で苦労した点</a:t>
+            </a:r>
+            <a:endParaRPr lang="en-US" altLang="ja-JP" sz="3200" dirty="0"/>
+          </a:p>
+          <a:p>
+            <a:pPr marL="342900" indent="-342900">
+              <a:buFont typeface="+mj-ea"/>
+              <a:buAutoNum type="circleNumDbPlain"/>
+            </a:pPr>
+            <a:r>
+              <a:rPr lang="ja-JP" altLang="en-US" sz="3200" dirty="0"/>
+              <a:t>メンバー紹介</a:t>
+            </a:r>
+            <a:endParaRPr lang="en-US" altLang="ja-JP" sz="3200" dirty="0"/>
+          </a:p>
+          <a:p>
+            <a:endParaRPr lang="en-US" altLang="ja-JP" sz="3200" dirty="0"/>
+          </a:p>
+          <a:p>
+            <a:pPr marL="342900" indent="-342900">
+              <a:buFont typeface="+mj-ea"/>
+              <a:buAutoNum type="circleNumDbPlain"/>
+            </a:pPr>
+            <a:endParaRPr lang="en-US" altLang="ja-JP" sz="3200" dirty="0"/>
+          </a:p>
+          <a:p>
+            <a:pPr marL="342900" indent="-342900">
+              <a:buFont typeface="+mj-ea"/>
+              <a:buAutoNum type="circleNumDbPlain"/>
+            </a:pPr>
+            <a:endParaRPr lang="en-US" altLang="ja-JP" dirty="0"/>
+          </a:p>
+          <a:p>
+            <a:pPr marL="342900" indent="-342900">
+              <a:buFont typeface="+mj-ea"/>
+              <a:buAutoNum type="circleNumDbPlain"/>
+            </a:pPr>
+            <a:endParaRPr lang="en-US" altLang="ja-JP" dirty="0"/>
+          </a:p>
+          <a:p>
+            <a:pPr marL="342900" indent="-342900">
+              <a:buFont typeface="+mj-ea"/>
+              <a:buAutoNum type="circleNumDbPlain"/>
+            </a:pPr>
+            <a:endParaRPr kumimoji="1" lang="en-US" altLang="ja-JP" dirty="0"/>
           </a:p>
         </p:txBody>
       </p:sp>
       <p:sp>
         <p:nvSpPr>
-          <p:cNvPr id="5" name="正方形/長方形 4">
+          <p:cNvPr id="4" name="正方形/長方形 3">
             <a:extLst>
               <a:ext uri="{FF2B5EF4-FFF2-40B4-BE49-F238E27FC236}">
-                <a16:creationId xmlns:a16="http://schemas.microsoft.com/office/drawing/2014/main" id="{4AEB3074-4C3D-4CF4-8F01-1D31E75CE7E8}"/>
+                <a16:creationId xmlns:a16="http://schemas.microsoft.com/office/drawing/2014/main" id="{54788BCE-6C4C-4A71-AC63-E51B55C1D7F1}"/>
               </a:ext>
             </a:extLst>
           </p:cNvPr>
@@ -14051,14 +14612,14 @@
           <a:lstStyle/>
           <a:p>
             <a:pPr algn="ctr"/>
-            <a:endParaRPr kumimoji="1" lang="ja-JP" altLang="en-US"/>
+            <a:endParaRPr kumimoji="1" lang="ja-JP" altLang="en-US" dirty="0"/>
           </a:p>
         </p:txBody>
       </p:sp>
     </p:spTree>
     <p:extLst>
       <p:ext uri="{BB962C8B-B14F-4D97-AF65-F5344CB8AC3E}">
-        <p14:creationId xmlns:p14="http://schemas.microsoft.com/office/powerpoint/2010/main" val="1667958324"/>
+        <p14:creationId xmlns:p14="http://schemas.microsoft.com/office/powerpoint/2010/main" val="3396380034"/>
       </p:ext>
     </p:extLst>
   </p:cSld>
@@ -14081,372 +14642,6 @@
 </file>
 
 <file path=ppt/slides/slide4.xml><?xml version="1.0" encoding="utf-8"?>
-<p:sld xmlns:a="http://schemas.openxmlformats.org/drawingml/2006/main" xmlns:r="http://schemas.openxmlformats.org/officeDocument/2006/relationships" xmlns:p="http://schemas.openxmlformats.org/presentationml/2006/main">
-  <p:cSld>
-    <p:spTree>
-      <p:nvGrpSpPr>
-        <p:cNvPr id="1" name=""/>
-        <p:cNvGrpSpPr/>
-        <p:nvPr/>
-      </p:nvGrpSpPr>
-      <p:grpSpPr>
-        <a:xfrm>
-          <a:off x="0" y="0"/>
-          <a:ext cx="0" cy="0"/>
-          <a:chOff x="0" y="0"/>
-          <a:chExt cx="0" cy="0"/>
-        </a:xfrm>
-      </p:grpSpPr>
-      <p:sp>
-        <p:nvSpPr>
-          <p:cNvPr id="2" name="タイトル 1">
-            <a:extLst>
-              <a:ext uri="{FF2B5EF4-FFF2-40B4-BE49-F238E27FC236}">
-                <a16:creationId xmlns:a16="http://schemas.microsoft.com/office/drawing/2014/main" id="{025C00AC-50C2-4AEE-B119-C8EF0488D58A}"/>
-              </a:ext>
-            </a:extLst>
-          </p:cNvPr>
-          <p:cNvSpPr>
-            <a:spLocks noGrp="1"/>
-          </p:cNvSpPr>
-          <p:nvPr>
-            <p:ph type="title"/>
-          </p:nvPr>
-        </p:nvSpPr>
-        <p:spPr>
-          <a:xfrm>
-            <a:off x="838201" y="365125"/>
-            <a:ext cx="7391400" cy="1325563"/>
-          </a:xfrm>
-        </p:spPr>
-        <p:txBody>
-          <a:bodyPr>
-            <a:normAutofit/>
-          </a:bodyPr>
-          <a:lstStyle/>
-          <a:p>
-            <a:r>
-              <a:rPr kumimoji="1" lang="ja-JP" altLang="en-US" sz="3200" b="1" dirty="0"/>
-              <a:t>アプリの使い方</a:t>
-            </a:r>
-            <a:r>
-              <a:rPr kumimoji="1" lang="en-US" altLang="ja-JP" sz="3200" b="1" dirty="0"/>
-              <a:t>(</a:t>
-            </a:r>
-            <a:r>
-              <a:rPr kumimoji="1" lang="ja-JP" altLang="en-US" sz="3200" b="1" dirty="0"/>
-              <a:t>デモンストレーション</a:t>
-            </a:r>
-            <a:r>
-              <a:rPr kumimoji="1" lang="en-US" altLang="ja-JP" sz="3200" dirty="0"/>
-              <a:t>)</a:t>
-            </a:r>
-            <a:endParaRPr kumimoji="1" lang="ja-JP" altLang="en-US" sz="3200" dirty="0"/>
-          </a:p>
-        </p:txBody>
-      </p:sp>
-      <p:sp>
-        <p:nvSpPr>
-          <p:cNvPr id="3" name="テキスト ボックス 2">
-            <a:extLst>
-              <a:ext uri="{FF2B5EF4-FFF2-40B4-BE49-F238E27FC236}">
-                <a16:creationId xmlns:a16="http://schemas.microsoft.com/office/drawing/2014/main" id="{5A11D7B1-58DD-4CF5-A1C5-3743A5F603E7}"/>
-              </a:ext>
-            </a:extLst>
-          </p:cNvPr>
-          <p:cNvSpPr txBox="1"/>
-          <p:nvPr/>
-        </p:nvSpPr>
-        <p:spPr>
-          <a:xfrm>
-            <a:off x="441860" y="2061172"/>
-            <a:ext cx="7723911" cy="646331"/>
-          </a:xfrm>
-          <a:prstGeom prst="rect">
-            <a:avLst/>
-          </a:prstGeom>
-          <a:noFill/>
-        </p:spPr>
-        <p:txBody>
-          <a:bodyPr wrap="square" rtlCol="0">
-            <a:spAutoFit/>
-          </a:bodyPr>
-          <a:lstStyle/>
-          <a:p>
-            <a:r>
-              <a:rPr lang="en-US" altLang="ja-JP" sz="3600" b="1" dirty="0">
-                <a:hlinkClick r:id="rId3">
-                  <a:extLst>
-                    <a:ext uri="{A12FA001-AC4F-418D-AE19-62706E023703}">
-                      <ahyp:hlinkClr xmlns:ahyp="http://schemas.microsoft.com/office/drawing/2018/hyperlinkcolor" val="tx"/>
-                    </a:ext>
-                  </a:extLst>
-                </a:hlinkClick>
-              </a:rPr>
-              <a:t>http://172.16.220.149:5000/</a:t>
-            </a:r>
-            <a:endParaRPr kumimoji="1" lang="en-US" altLang="ja-JP" sz="3600" b="1" dirty="0"/>
-          </a:p>
-        </p:txBody>
-      </p:sp>
-      <p:sp>
-        <p:nvSpPr>
-          <p:cNvPr id="5" name="テキスト ボックス 4">
-            <a:extLst>
-              <a:ext uri="{FF2B5EF4-FFF2-40B4-BE49-F238E27FC236}">
-                <a16:creationId xmlns:a16="http://schemas.microsoft.com/office/drawing/2014/main" id="{4BE0FAFE-D088-40D5-95FA-AD210674E3BC}"/>
-              </a:ext>
-            </a:extLst>
-          </p:cNvPr>
-          <p:cNvSpPr txBox="1"/>
-          <p:nvPr/>
-        </p:nvSpPr>
-        <p:spPr>
-          <a:xfrm>
-            <a:off x="6513534" y="3734431"/>
-            <a:ext cx="4992915" cy="954107"/>
-          </a:xfrm>
-          <a:prstGeom prst="rect">
-            <a:avLst/>
-          </a:prstGeom>
-          <a:noFill/>
-        </p:spPr>
-        <p:txBody>
-          <a:bodyPr wrap="square" rtlCol="0">
-            <a:spAutoFit/>
-          </a:bodyPr>
-          <a:lstStyle/>
-          <a:p>
-            <a:r>
-              <a:rPr lang="ja-JP" altLang="en-US" sz="2800" dirty="0"/>
-              <a:t>音楽を</a:t>
-            </a:r>
-            <a:r>
-              <a:rPr kumimoji="1" lang="ja-JP" altLang="en-US" sz="2800" dirty="0"/>
-              <a:t>作成できたら</a:t>
-            </a:r>
-            <a:endParaRPr kumimoji="1" lang="en-US" altLang="ja-JP" sz="2800" dirty="0"/>
-          </a:p>
-          <a:p>
-            <a:r>
-              <a:rPr lang="ja-JP" altLang="en-US" sz="2800" dirty="0">
-                <a:solidFill>
-                  <a:srgbClr val="FF0000"/>
-                </a:solidFill>
-              </a:rPr>
-              <a:t>送信ボタン</a:t>
-            </a:r>
-            <a:r>
-              <a:rPr lang="ja-JP" altLang="en-US" sz="2800" dirty="0"/>
-              <a:t>を押してください</a:t>
-            </a:r>
-            <a:endParaRPr kumimoji="1" lang="ja-JP" altLang="en-US" sz="2800" dirty="0"/>
-          </a:p>
-        </p:txBody>
-      </p:sp>
-      <p:sp>
-        <p:nvSpPr>
-          <p:cNvPr id="6" name="テキスト ボックス 5">
-            <a:extLst>
-              <a:ext uri="{FF2B5EF4-FFF2-40B4-BE49-F238E27FC236}">
-                <a16:creationId xmlns:a16="http://schemas.microsoft.com/office/drawing/2014/main" id="{1EED7E17-895F-498A-AB79-2986A9065572}"/>
-              </a:ext>
-            </a:extLst>
-          </p:cNvPr>
-          <p:cNvSpPr txBox="1"/>
-          <p:nvPr/>
-        </p:nvSpPr>
-        <p:spPr>
-          <a:xfrm>
-            <a:off x="6456219" y="4967740"/>
-            <a:ext cx="3546764" cy="400110"/>
-          </a:xfrm>
-          <a:prstGeom prst="rect">
-            <a:avLst/>
-          </a:prstGeom>
-          <a:noFill/>
-        </p:spPr>
-        <p:txBody>
-          <a:bodyPr wrap="square" rtlCol="0">
-            <a:spAutoFit/>
-          </a:bodyPr>
-          <a:lstStyle/>
-          <a:p>
-            <a:r>
-              <a:rPr kumimoji="1" lang="ja-JP" altLang="en-US" sz="2000" dirty="0">
-                <a:solidFill>
-                  <a:srgbClr val="FF0000"/>
-                </a:solidFill>
-                <a:highlight>
-                  <a:srgbClr val="FFFF00"/>
-                </a:highlight>
-              </a:rPr>
-              <a:t>生成に約一分掛かります</a:t>
-            </a:r>
-            <a:r>
-              <a:rPr lang="ja-JP" altLang="en-US" sz="2000" dirty="0">
-                <a:solidFill>
-                  <a:srgbClr val="FF0000"/>
-                </a:solidFill>
-                <a:highlight>
-                  <a:srgbClr val="FFFF00"/>
-                </a:highlight>
-              </a:rPr>
-              <a:t>。</a:t>
-            </a:r>
-            <a:endParaRPr kumimoji="1" lang="ja-JP" altLang="en-US" sz="2000" dirty="0">
-              <a:solidFill>
-                <a:srgbClr val="FF0000"/>
-              </a:solidFill>
-              <a:highlight>
-                <a:srgbClr val="FFFF00"/>
-              </a:highlight>
-            </a:endParaRPr>
-          </a:p>
-        </p:txBody>
-      </p:sp>
-      <p:sp>
-        <p:nvSpPr>
-          <p:cNvPr id="7" name="正方形/長方形 6">
-            <a:extLst>
-              <a:ext uri="{FF2B5EF4-FFF2-40B4-BE49-F238E27FC236}">
-                <a16:creationId xmlns:a16="http://schemas.microsoft.com/office/drawing/2014/main" id="{FBA0EE7E-F114-45C1-AC10-7408CA7D971A}"/>
-              </a:ext>
-            </a:extLst>
-          </p:cNvPr>
-          <p:cNvSpPr/>
-          <p:nvPr/>
-        </p:nvSpPr>
-        <p:spPr>
-          <a:xfrm>
-            <a:off x="8645237" y="0"/>
-            <a:ext cx="3546764" cy="1967345"/>
-          </a:xfrm>
-          <a:prstGeom prst="rect">
-            <a:avLst/>
-          </a:prstGeom>
-          <a:solidFill>
-            <a:schemeClr val="bg2">
-              <a:lumMod val="50000"/>
-            </a:schemeClr>
-          </a:solidFill>
-          <a:ln>
-            <a:solidFill>
-              <a:schemeClr val="tx1"/>
-            </a:solidFill>
-          </a:ln>
-        </p:spPr>
-        <p:style>
-          <a:lnRef idx="2">
-            <a:schemeClr val="accent1">
-              <a:shade val="50000"/>
-            </a:schemeClr>
-          </a:lnRef>
-          <a:fillRef idx="1">
-            <a:schemeClr val="accent1"/>
-          </a:fillRef>
-          <a:effectRef idx="0">
-            <a:schemeClr val="accent1"/>
-          </a:effectRef>
-          <a:fontRef idx="minor">
-            <a:schemeClr val="lt1"/>
-          </a:fontRef>
-        </p:style>
-        <p:txBody>
-          <a:bodyPr rtlCol="0" anchor="ctr"/>
-          <a:lstStyle/>
-          <a:p>
-            <a:pPr algn="ctr"/>
-            <a:endParaRPr kumimoji="1" lang="ja-JP" altLang="en-US"/>
-          </a:p>
-        </p:txBody>
-      </p:sp>
-      <p:sp>
-        <p:nvSpPr>
-          <p:cNvPr id="8" name="正方形/長方形 7">
-            <a:extLst>
-              <a:ext uri="{FF2B5EF4-FFF2-40B4-BE49-F238E27FC236}">
-                <a16:creationId xmlns:a16="http://schemas.microsoft.com/office/drawing/2014/main" id="{1BEE24F6-7641-4BFD-B136-01A2ED1D96E9}"/>
-              </a:ext>
-            </a:extLst>
-          </p:cNvPr>
-          <p:cNvSpPr/>
-          <p:nvPr/>
-        </p:nvSpPr>
-        <p:spPr>
-          <a:xfrm>
-            <a:off x="441860" y="3910120"/>
-            <a:ext cx="5590310" cy="2723700"/>
-          </a:xfrm>
-          <a:prstGeom prst="rect">
-            <a:avLst/>
-          </a:prstGeom>
-          <a:solidFill>
-            <a:schemeClr val="accent2">
-              <a:lumMod val="75000"/>
-            </a:schemeClr>
-          </a:solidFill>
-          <a:ln>
-            <a:solidFill>
-              <a:schemeClr val="tx1"/>
-            </a:solidFill>
-          </a:ln>
-        </p:spPr>
-        <p:style>
-          <a:lnRef idx="2">
-            <a:schemeClr val="accent1">
-              <a:shade val="50000"/>
-            </a:schemeClr>
-          </a:lnRef>
-          <a:fillRef idx="1">
-            <a:schemeClr val="accent1"/>
-          </a:fillRef>
-          <a:effectRef idx="0">
-            <a:schemeClr val="accent1"/>
-          </a:effectRef>
-          <a:fontRef idx="minor">
-            <a:schemeClr val="lt1"/>
-          </a:fontRef>
-        </p:style>
-        <p:txBody>
-          <a:bodyPr rtlCol="0" anchor="ctr"/>
-          <a:lstStyle/>
-          <a:p>
-            <a:pPr algn="ctr"/>
-            <a:r>
-              <a:rPr lang="ja-JP" altLang="en-US" dirty="0"/>
-              <a:t>デモンストレーションの動画</a:t>
-            </a:r>
-            <a:endParaRPr kumimoji="1" lang="ja-JP" altLang="en-US" dirty="0"/>
-          </a:p>
-        </p:txBody>
-      </p:sp>
-    </p:spTree>
-    <p:extLst>
-      <p:ext uri="{BB962C8B-B14F-4D97-AF65-F5344CB8AC3E}">
-        <p14:creationId xmlns:p14="http://schemas.microsoft.com/office/powerpoint/2010/main" val="3562155098"/>
-      </p:ext>
-    </p:extLst>
-  </p:cSld>
-  <p:clrMapOvr>
-    <a:masterClrMapping/>
-  </p:clrMapOvr>
-  <mc:AlternateContent xmlns:mc="http://schemas.openxmlformats.org/markup-compatibility/2006" xmlns:p14="http://schemas.microsoft.com/office/powerpoint/2010/main">
-    <mc:Choice Requires="p14">
-      <p:transition spd="slow" p14:dur="800">
-        <p:circle/>
-      </p:transition>
-    </mc:Choice>
-    <mc:Fallback xmlns="">
-      <p:transition spd="slow">
-        <p:circle/>
-      </p:transition>
-    </mc:Fallback>
-  </mc:AlternateContent>
-</p:sld>
-</file>
-
-<file path=ppt/slides/slide5.xml><?xml version="1.0" encoding="utf-8"?>
 <p:sld xmlns:a="http://schemas.openxmlformats.org/drawingml/2006/main" xmlns:r="http://schemas.openxmlformats.org/officeDocument/2006/relationships" xmlns:p="http://schemas.openxmlformats.org/presentationml/2006/main">
   <p:cSld>
     <p:spTree>
@@ -15363,7 +15558,7 @@
 </p:sld>
 </file>
 
-<file path=ppt/slides/slide6.xml><?xml version="1.0" encoding="utf-8"?>
+<file path=ppt/slides/slide5.xml><?xml version="1.0" encoding="utf-8"?>
 <p:sld xmlns:a="http://schemas.openxmlformats.org/drawingml/2006/main" xmlns:r="http://schemas.openxmlformats.org/officeDocument/2006/relationships" xmlns:p="http://schemas.openxmlformats.org/presentationml/2006/main">
   <p:cSld>
     <p:spTree>
@@ -15694,7 +15889,7 @@
 </p:sld>
 </file>
 
-<file path=ppt/slides/slide7.xml><?xml version="1.0" encoding="utf-8"?>
+<file path=ppt/slides/slide6.xml><?xml version="1.0" encoding="utf-8"?>
 <p:sld xmlns:a="http://schemas.openxmlformats.org/drawingml/2006/main" xmlns:r="http://schemas.openxmlformats.org/officeDocument/2006/relationships" xmlns:p="http://schemas.openxmlformats.org/presentationml/2006/main">
   <p:cSld>
     <p:spTree>
@@ -16058,7 +16253,7 @@
 </p:sld>
 </file>
 
-<file path=ppt/slides/slide8.xml><?xml version="1.0" encoding="utf-8"?>
+<file path=ppt/slides/slide7.xml><?xml version="1.0" encoding="utf-8"?>
 <p:sld xmlns:a="http://schemas.openxmlformats.org/drawingml/2006/main" xmlns:r="http://schemas.openxmlformats.org/officeDocument/2006/relationships" xmlns:p="http://schemas.openxmlformats.org/presentationml/2006/main">
   <p:cSld>
     <p:spTree>
@@ -16480,7 +16675,7 @@
 </p:sld>
 </file>
 
-<file path=ppt/slides/slide9.xml><?xml version="1.0" encoding="utf-8"?>
+<file path=ppt/slides/slide8.xml><?xml version="1.0" encoding="utf-8"?>
 <p:sld xmlns:a="http://schemas.openxmlformats.org/drawingml/2006/main" xmlns:r="http://schemas.openxmlformats.org/officeDocument/2006/relationships" xmlns:p="http://schemas.openxmlformats.org/presentationml/2006/main">
   <p:cSld>
     <p:spTree>
@@ -16767,6 +16962,205 @@
     <p:extLst>
       <p:ext uri="{BB962C8B-B14F-4D97-AF65-F5344CB8AC3E}">
         <p14:creationId xmlns:p14="http://schemas.microsoft.com/office/powerpoint/2010/main" val="2163784394"/>
+      </p:ext>
+    </p:extLst>
+  </p:cSld>
+  <p:clrMapOvr>
+    <a:masterClrMapping/>
+  </p:clrMapOvr>
+  <mc:AlternateContent xmlns:mc="http://schemas.openxmlformats.org/markup-compatibility/2006" xmlns:p14="http://schemas.microsoft.com/office/powerpoint/2010/main">
+    <mc:Choice Requires="p14">
+      <p:transition spd="slow" p14:dur="800">
+        <p:circle/>
+      </p:transition>
+    </mc:Choice>
+    <mc:Fallback xmlns="">
+      <p:transition spd="slow">
+        <p:circle/>
+      </p:transition>
+    </mc:Fallback>
+  </mc:AlternateContent>
+</p:sld>
+</file>
+
+<file path=ppt/slides/slide9.xml><?xml version="1.0" encoding="utf-8"?>
+<p:sld xmlns:a="http://schemas.openxmlformats.org/drawingml/2006/main" xmlns:r="http://schemas.openxmlformats.org/officeDocument/2006/relationships" xmlns:p="http://schemas.openxmlformats.org/presentationml/2006/main">
+  <p:cSld>
+    <p:spTree>
+      <p:nvGrpSpPr>
+        <p:cNvPr id="1" name=""/>
+        <p:cNvGrpSpPr/>
+        <p:nvPr/>
+      </p:nvGrpSpPr>
+      <p:grpSpPr>
+        <a:xfrm>
+          <a:off x="0" y="0"/>
+          <a:ext cx="0" cy="0"/>
+          <a:chOff x="0" y="0"/>
+          <a:chExt cx="0" cy="0"/>
+        </a:xfrm>
+      </p:grpSpPr>
+      <p:sp>
+        <p:nvSpPr>
+          <p:cNvPr id="2" name="タイトル 1">
+            <a:extLst>
+              <a:ext uri="{FF2B5EF4-FFF2-40B4-BE49-F238E27FC236}">
+                <a16:creationId xmlns:a16="http://schemas.microsoft.com/office/drawing/2014/main" id="{1954BC50-3672-4E36-B845-B0805C656BB2}"/>
+              </a:ext>
+            </a:extLst>
+          </p:cNvPr>
+          <p:cNvSpPr>
+            <a:spLocks noGrp="1"/>
+          </p:cNvSpPr>
+          <p:nvPr>
+            <p:ph type="ctrTitle"/>
+          </p:nvPr>
+        </p:nvSpPr>
+        <p:spPr>
+          <a:xfrm>
+            <a:off x="718456" y="674914"/>
+            <a:ext cx="8186058" cy="761999"/>
+          </a:xfrm>
+        </p:spPr>
+        <p:txBody>
+          <a:bodyPr>
+            <a:normAutofit/>
+          </a:bodyPr>
+          <a:lstStyle/>
+          <a:p>
+            <a:pPr algn="l"/>
+            <a:r>
+              <a:rPr kumimoji="1" lang="ja-JP" altLang="en-US" sz="4400" dirty="0"/>
+              <a:t>自動作曲の方法について①</a:t>
+            </a:r>
+          </a:p>
+        </p:txBody>
+      </p:sp>
+      <p:sp>
+        <p:nvSpPr>
+          <p:cNvPr id="3" name="字幕 2">
+            <a:extLst>
+              <a:ext uri="{FF2B5EF4-FFF2-40B4-BE49-F238E27FC236}">
+                <a16:creationId xmlns:a16="http://schemas.microsoft.com/office/drawing/2014/main" id="{E0C25DE3-0B4C-4CF0-BA61-8328FBB67271}"/>
+              </a:ext>
+            </a:extLst>
+          </p:cNvPr>
+          <p:cNvSpPr>
+            <a:spLocks noGrp="1"/>
+          </p:cNvSpPr>
+          <p:nvPr>
+            <p:ph type="subTitle" idx="1"/>
+          </p:nvPr>
+        </p:nvSpPr>
+        <p:spPr>
+          <a:xfrm>
+            <a:off x="718456" y="1436913"/>
+            <a:ext cx="6487886" cy="566058"/>
+          </a:xfrm>
+        </p:spPr>
+        <p:txBody>
+          <a:bodyPr>
+            <a:noAutofit/>
+          </a:bodyPr>
+          <a:lstStyle/>
+          <a:p>
+            <a:pPr algn="l"/>
+            <a:r>
+              <a:rPr lang="ja-JP" altLang="en-US" sz="3200" dirty="0"/>
+              <a:t>入力から出力までの工程</a:t>
+            </a:r>
+            <a:endParaRPr lang="en-US" altLang="ja-JP" sz="3200" dirty="0"/>
+          </a:p>
+        </p:txBody>
+      </p:sp>
+      <p:sp>
+        <p:nvSpPr>
+          <p:cNvPr id="4" name="正方形/長方形 3">
+            <a:extLst>
+              <a:ext uri="{FF2B5EF4-FFF2-40B4-BE49-F238E27FC236}">
+                <a16:creationId xmlns:a16="http://schemas.microsoft.com/office/drawing/2014/main" id="{69CD0D9E-E9E7-46E2-B83D-0FDBEAE480FF}"/>
+              </a:ext>
+            </a:extLst>
+          </p:cNvPr>
+          <p:cNvSpPr/>
+          <p:nvPr/>
+        </p:nvSpPr>
+        <p:spPr>
+          <a:xfrm>
+            <a:off x="8645237" y="0"/>
+            <a:ext cx="3546764" cy="1967345"/>
+          </a:xfrm>
+          <a:prstGeom prst="rect">
+            <a:avLst/>
+          </a:prstGeom>
+          <a:solidFill>
+            <a:schemeClr val="bg2">
+              <a:lumMod val="50000"/>
+            </a:schemeClr>
+          </a:solidFill>
+          <a:ln>
+            <a:solidFill>
+              <a:schemeClr val="tx1"/>
+            </a:solidFill>
+          </a:ln>
+        </p:spPr>
+        <p:style>
+          <a:lnRef idx="2">
+            <a:schemeClr val="accent1">
+              <a:shade val="50000"/>
+            </a:schemeClr>
+          </a:lnRef>
+          <a:fillRef idx="1">
+            <a:schemeClr val="accent1"/>
+          </a:fillRef>
+          <a:effectRef idx="0">
+            <a:schemeClr val="accent1"/>
+          </a:effectRef>
+          <a:fontRef idx="minor">
+            <a:schemeClr val="lt1"/>
+          </a:fontRef>
+        </p:style>
+        <p:txBody>
+          <a:bodyPr rtlCol="0" anchor="ctr"/>
+          <a:lstStyle/>
+          <a:p>
+            <a:pPr algn="ctr"/>
+            <a:endParaRPr kumimoji="1" lang="ja-JP" altLang="en-US"/>
+          </a:p>
+        </p:txBody>
+      </p:sp>
+      <p:graphicFrame>
+        <p:nvGraphicFramePr>
+          <p:cNvPr id="9" name="図表 8">
+            <a:extLst>
+              <a:ext uri="{FF2B5EF4-FFF2-40B4-BE49-F238E27FC236}">
+                <a16:creationId xmlns:a16="http://schemas.microsoft.com/office/drawing/2014/main" id="{873D5251-D0E9-4E04-B6EB-993451D4EEE9}"/>
+              </a:ext>
+            </a:extLst>
+          </p:cNvPr>
+          <p:cNvGraphicFramePr/>
+          <p:nvPr>
+            <p:extLst>
+              <p:ext uri="{D42A27DB-BD31-4B8C-83A1-F6EECF244321}">
+                <p14:modId xmlns:p14="http://schemas.microsoft.com/office/powerpoint/2010/main" val="3767436721"/>
+              </p:ext>
+            </p:extLst>
+          </p:nvPr>
+        </p:nvGraphicFramePr>
+        <p:xfrm>
+          <a:off x="718455" y="2373086"/>
+          <a:ext cx="10537373" cy="3810000"/>
+        </p:xfrm>
+        <a:graphic>
+          <a:graphicData uri="http://schemas.openxmlformats.org/drawingml/2006/diagram">
+            <dgm:relIds xmlns:dgm="http://schemas.openxmlformats.org/drawingml/2006/diagram" xmlns:r="http://schemas.openxmlformats.org/officeDocument/2006/relationships" r:dm="rId2" r:lo="rId3" r:qs="rId4" r:cs="rId5"/>
+          </a:graphicData>
+        </a:graphic>
+      </p:graphicFrame>
+    </p:spTree>
+    <p:extLst>
+      <p:ext uri="{BB962C8B-B14F-4D97-AF65-F5344CB8AC3E}">
+        <p14:creationId xmlns:p14="http://schemas.microsoft.com/office/powerpoint/2010/main" val="798640705"/>
       </p:ext>
     </p:extLst>
   </p:cSld>

--- a/presentation/graduation/bit Composer3 .pptx
+++ b/presentation/graduation/bit Composer3 .pptx
@@ -5,28 +5,25 @@
     <p:sldMasterId id="2147483696" r:id="rId1"/>
   </p:sldMasterIdLst>
   <p:notesMasterIdLst>
-    <p:notesMasterId r:id="rId21"/>
+    <p:notesMasterId r:id="rId18"/>
   </p:notesMasterIdLst>
   <p:sldIdLst>
     <p:sldId id="259" r:id="rId2"/>
-    <p:sldId id="260" r:id="rId3"/>
-    <p:sldId id="307" r:id="rId4"/>
-    <p:sldId id="276" r:id="rId5"/>
-    <p:sldId id="300" r:id="rId6"/>
-    <p:sldId id="303" r:id="rId7"/>
-    <p:sldId id="302" r:id="rId8"/>
-    <p:sldId id="305" r:id="rId9"/>
-    <p:sldId id="298" r:id="rId10"/>
-    <p:sldId id="283" r:id="rId11"/>
-    <p:sldId id="304" r:id="rId12"/>
-    <p:sldId id="286" r:id="rId13"/>
-    <p:sldId id="288" r:id="rId14"/>
-    <p:sldId id="299" r:id="rId15"/>
-    <p:sldId id="295" r:id="rId16"/>
-    <p:sldId id="308" r:id="rId17"/>
-    <p:sldId id="296" r:id="rId18"/>
-    <p:sldId id="306" r:id="rId19"/>
-    <p:sldId id="266" r:id="rId20"/>
+    <p:sldId id="307" r:id="rId3"/>
+    <p:sldId id="260" r:id="rId4"/>
+    <p:sldId id="309" r:id="rId5"/>
+    <p:sldId id="276" r:id="rId6"/>
+    <p:sldId id="298" r:id="rId7"/>
+    <p:sldId id="283" r:id="rId8"/>
+    <p:sldId id="302" r:id="rId9"/>
+    <p:sldId id="305" r:id="rId10"/>
+    <p:sldId id="295" r:id="rId11"/>
+    <p:sldId id="308" r:id="rId12"/>
+    <p:sldId id="296" r:id="rId13"/>
+    <p:sldId id="306" r:id="rId14"/>
+    <p:sldId id="266" r:id="rId15"/>
+    <p:sldId id="299" r:id="rId16"/>
+    <p:sldId id="303" r:id="rId17"/>
   </p:sldIdLst>
   <p:sldSz cx="12192000" cy="6858000"/>
   <p:notesSz cx="6858000" cy="9144000"/>
@@ -153,6 +150,13 @@
     <p:extLst>
       <p:ext uri="{19B8F6BF-5375-455C-9EA6-DF929625EA0E}">
         <p15:presenceInfo xmlns:p15="http://schemas.microsoft.com/office/powerpoint/2012/main" userId="S-1-5-21-4206470692-4146437883-2304300903-2492" providerId="AD"/>
+      </p:ext>
+    </p:extLst>
+  </p:cmAuthor>
+  <p:cmAuthor id="2" name="長島 光琉" initials="長島" lastIdx="1" clrIdx="1">
+    <p:extLst>
+      <p:ext uri="{19B8F6BF-5375-455C-9EA6-DF929625EA0E}">
+        <p15:presenceInfo xmlns:p15="http://schemas.microsoft.com/office/powerpoint/2012/main" userId="S-1-5-21-4206470692-4146437883-2304300903-2481" providerId="AD"/>
       </p:ext>
     </p:extLst>
   </p:cmAuthor>
@@ -922,7 +926,11 @@
     </dgm:pt>
     <dgm:pt modelId="{9AF39F16-B3BA-488E-8267-C9C4B2403B90}">
       <dgm:prSet phldrT="[テキスト]"/>
-      <dgm:spPr/>
+      <dgm:spPr>
+        <a:solidFill>
+          <a:schemeClr val="accent1"/>
+        </a:solidFill>
+      </dgm:spPr>
       <dgm:t>
         <a:bodyPr/>
         <a:lstStyle/>
@@ -983,6 +991,7 @@
             <a:rPr kumimoji="1" lang="ja-JP" altLang="en-US" dirty="0"/>
             <a:t>連想配列</a:t>
           </a:r>
+          <a:endParaRPr kumimoji="1" lang="en-US" altLang="ja-JP" dirty="0"/>
         </a:p>
       </dgm:t>
     </dgm:pt>
@@ -1017,8 +1026,16 @@
         <a:p>
           <a:r>
             <a:rPr kumimoji="1" lang="ja-JP" altLang="en-US" dirty="0"/>
-            <a:t>数値のベースの表現</a:t>
+            <a:t>数値データ</a:t>
           </a:r>
+          <a:endParaRPr kumimoji="1" lang="en-US" altLang="ja-JP" dirty="0"/>
+        </a:p>
+        <a:p>
+          <a:r>
+            <a:rPr kumimoji="1" lang="en-US" altLang="ja-JP" dirty="0"/>
+            <a:t>(music21)</a:t>
+          </a:r>
+          <a:endParaRPr kumimoji="1" lang="ja-JP" altLang="en-US" dirty="0"/>
         </a:p>
       </dgm:t>
     </dgm:pt>
@@ -1046,7 +1063,11 @@
     </dgm:pt>
     <dgm:pt modelId="{89886C00-1287-4D4A-AD18-AEC322F6C85E}">
       <dgm:prSet phldrT="[テキスト]"/>
-      <dgm:spPr/>
+      <dgm:spPr>
+        <a:solidFill>
+          <a:srgbClr val="00B050"/>
+        </a:solidFill>
+      </dgm:spPr>
       <dgm:t>
         <a:bodyPr/>
         <a:lstStyle/>
@@ -1063,7 +1084,7 @@
           </a:r>
           <a:r>
             <a:rPr kumimoji="1" lang="ja-JP" altLang="en-US" dirty="0"/>
-            <a:t>学習</a:t>
+            <a:t>の予測</a:t>
           </a:r>
           <a:r>
             <a:rPr kumimoji="1" lang="en-US" altLang="ja-JP" dirty="0"/>
@@ -1104,7 +1125,7 @@
         <a:p>
           <a:r>
             <a:rPr kumimoji="1" lang="ja-JP" altLang="en-US" dirty="0"/>
-            <a:t>数値のベース表現</a:t>
+            <a:t>数値データ</a:t>
           </a:r>
         </a:p>
       </dgm:t>
@@ -1217,7 +1238,11 @@
     </dgm:pt>
     <dgm:pt modelId="{662EDF6E-C8D6-4068-A6D4-09F9EAB72A58}">
       <dgm:prSet phldrT="[テキスト]"/>
-      <dgm:spPr/>
+      <dgm:spPr>
+        <a:solidFill>
+          <a:schemeClr val="accent2"/>
+        </a:solidFill>
+      </dgm:spPr>
       <dgm:t>
         <a:bodyPr/>
         <a:lstStyle/>
@@ -1549,12 +1574,7 @@
           <a:avLst/>
         </a:prstGeom>
         <a:solidFill>
-          <a:schemeClr val="accent1">
-            <a:hueOff val="0"/>
-            <a:satOff val="0"/>
-            <a:lumOff val="0"/>
-            <a:alphaOff val="0"/>
-          </a:schemeClr>
+          <a:schemeClr val="accent1"/>
         </a:solidFill>
         <a:ln w="12700" cap="flat" cmpd="sng" algn="ctr">
           <a:solidFill>
@@ -1793,6 +1813,7 @@
             <a:rPr kumimoji="1" lang="ja-JP" altLang="en-US" sz="2200" kern="1200" dirty="0"/>
             <a:t>連想配列</a:t>
           </a:r>
+          <a:endParaRPr kumimoji="1" lang="en-US" altLang="ja-JP" sz="2200" kern="1200" dirty="0"/>
         </a:p>
       </dsp:txBody>
       <dsp:txXfrm>
@@ -1950,8 +1971,28 @@
           </a:pPr>
           <a:r>
             <a:rPr kumimoji="1" lang="ja-JP" altLang="en-US" sz="2200" kern="1200" dirty="0"/>
-            <a:t>数値のベースの表現</a:t>
+            <a:t>数値データ</a:t>
           </a:r>
+          <a:endParaRPr kumimoji="1" lang="en-US" altLang="ja-JP" sz="2200" kern="1200" dirty="0"/>
+        </a:p>
+        <a:p>
+          <a:pPr marL="0" lvl="0" indent="0" algn="ctr" defTabSz="977900">
+            <a:lnSpc>
+              <a:spcPct val="90000"/>
+            </a:lnSpc>
+            <a:spcBef>
+              <a:spcPct val="0"/>
+            </a:spcBef>
+            <a:spcAft>
+              <a:spcPct val="35000"/>
+            </a:spcAft>
+            <a:buNone/>
+          </a:pPr>
+          <a:r>
+            <a:rPr kumimoji="1" lang="en-US" altLang="ja-JP" sz="2200" kern="1200" dirty="0"/>
+            <a:t>(music21)</a:t>
+          </a:r>
+          <a:endParaRPr kumimoji="1" lang="ja-JP" altLang="en-US" sz="2200" kern="1200" dirty="0"/>
         </a:p>
       </dsp:txBody>
       <dsp:txXfrm>
@@ -2060,12 +2101,7 @@
           <a:avLst/>
         </a:prstGeom>
         <a:solidFill>
-          <a:schemeClr val="accent1">
-            <a:hueOff val="0"/>
-            <a:satOff val="0"/>
-            <a:lumOff val="0"/>
-            <a:alphaOff val="0"/>
-          </a:schemeClr>
+          <a:srgbClr val="00B050"/>
         </a:solidFill>
         <a:ln w="12700" cap="flat" cmpd="sng" algn="ctr">
           <a:solidFill>
@@ -2137,7 +2173,7 @@
           </a:r>
           <a:r>
             <a:rPr kumimoji="1" lang="ja-JP" altLang="en-US" sz="2200" kern="1200" dirty="0"/>
-            <a:t>学習</a:t>
+            <a:t>の予測</a:t>
           </a:r>
           <a:r>
             <a:rPr kumimoji="1" lang="en-US" altLang="ja-JP" sz="2200" kern="1200" dirty="0"/>
@@ -2301,7 +2337,7 @@
           </a:pPr>
           <a:r>
             <a:rPr kumimoji="1" lang="ja-JP" altLang="en-US" sz="2200" kern="1200" dirty="0"/>
-            <a:t>数値のベース表現</a:t>
+            <a:t>数値データ</a:t>
           </a:r>
         </a:p>
       </dsp:txBody>
@@ -2666,12 +2702,7 @@
           <a:avLst/>
         </a:prstGeom>
         <a:solidFill>
-          <a:schemeClr val="accent1">
-            <a:hueOff val="0"/>
-            <a:satOff val="0"/>
-            <a:lumOff val="0"/>
-            <a:alphaOff val="0"/>
-          </a:schemeClr>
+          <a:schemeClr val="accent2"/>
         </a:solidFill>
         <a:ln w="12700" cap="flat" cmpd="sng" algn="ctr">
           <a:solidFill>
@@ -4038,7 +4069,7 @@
           <a:p>
             <a:fld id="{CFE7C3F7-5C92-45C1-81B6-3020317CA2CB}" type="datetimeFigureOut">
               <a:rPr kumimoji="1" lang="ja-JP" altLang="en-US" smtClean="0"/>
-              <a:t>2022/1/17</a:t>
+              <a:t>2022/1/24</a:t>
             </a:fld>
             <a:endParaRPr kumimoji="1" lang="ja-JP" altLang="en-US"/>
           </a:p>
@@ -4400,28 +4431,29 @@
           </a:p>
           <a:p>
             <a:r>
-              <a:rPr lang="ja-JP" altLang="en-US" sz="1200" b="1" dirty="0">
-                <a:hlinkClick r:id="rId3">
-                  <a:extLst>
-                    <a:ext uri="{A12FA001-AC4F-418D-AE19-62706E023703}">
-                      <ahyp:hlinkClr xmlns:ahyp="http://schemas.microsoft.com/office/drawing/2018/hyperlinkcolor" val="tx"/>
-                    </a:ext>
-                  </a:extLst>
-                </a:hlinkClick>
-              </a:rPr>
+              <a:rPr lang="ja-JP" altLang="en-US" sz="1200" b="1" dirty="0"/>
               <a:t>リンクへのアクセスをお願い致します。</a:t>
             </a:r>
-            <a:endParaRPr lang="en-US" altLang="ja-JP" sz="1200" b="1" dirty="0">
-              <a:hlinkClick r:id="rId3">
-                <a:extLst>
-                  <a:ext uri="{A12FA001-AC4F-418D-AE19-62706E023703}">
-                    <ahyp:hlinkClr xmlns:ahyp="http://schemas.microsoft.com/office/drawing/2018/hyperlinkcolor" val="tx"/>
-                  </a:ext>
-                </a:extLst>
-              </a:hlinkClick>
-            </a:endParaRPr>
-          </a:p>
-          <a:p>
+            <a:endParaRPr lang="en-US" altLang="ja-JP" sz="1200" b="1" dirty="0"/>
+          </a:p>
+          <a:p>
+            <a:pPr marL="0" marR="0" lvl="0" indent="0" algn="l" defTabSz="914400" rtl="0" eaLnBrk="1" fontAlgn="auto" latinLnBrk="0" hangingPunct="1">
+              <a:lnSpc>
+                <a:spcPct val="100000"/>
+              </a:lnSpc>
+              <a:spcBef>
+                <a:spcPts val="0"/>
+              </a:spcBef>
+              <a:spcAft>
+                <a:spcPts val="0"/>
+              </a:spcAft>
+              <a:buClrTx/>
+              <a:buSzTx/>
+              <a:buFontTx/>
+              <a:buNone/>
+              <a:tabLst/>
+              <a:defRPr/>
+            </a:pPr>
             <a:r>
               <a:rPr lang="en-US" altLang="ja-JP" sz="1200" b="1" dirty="0">
                 <a:hlinkClick r:id="rId3">
@@ -4432,8 +4464,11 @@
                   </a:extLst>
                 </a:hlinkClick>
               </a:rPr>
-              <a:t>http://172.16.220.149:5000/</a:t>
-            </a:r>
+              <a:t>http://172.16.220.145/</a:t>
+            </a:r>
+            <a:endParaRPr lang="en-US" altLang="ja-JP" sz="1200" b="1" dirty="0"/>
+          </a:p>
+          <a:p>
             <a:endParaRPr kumimoji="1" lang="en-US" altLang="ja-JP" sz="1200" b="1" dirty="0"/>
           </a:p>
           <a:p>
@@ -4557,7 +4592,7 @@
           <a:p>
             <a:fld id="{FD808316-81CD-4B36-BDD1-D6460C124C29}" type="slidenum">
               <a:rPr kumimoji="1" lang="ja-JP" altLang="en-US" smtClean="0"/>
-              <a:t>2</a:t>
+              <a:t>3</a:t>
             </a:fld>
             <a:endParaRPr kumimoji="1" lang="ja-JP" altLang="en-US"/>
           </a:p>
@@ -4689,7 +4724,7 @@
           <a:p>
             <a:fld id="{FD808316-81CD-4B36-BDD1-D6460C124C29}" type="slidenum">
               <a:rPr kumimoji="1" lang="ja-JP" altLang="en-US" smtClean="0"/>
-              <a:t>4</a:t>
+              <a:t>5</a:t>
             </a:fld>
             <a:endParaRPr kumimoji="1" lang="ja-JP" altLang="en-US"/>
           </a:p>
@@ -4818,7 +4853,7 @@
           <a:p>
             <a:fld id="{FD808316-81CD-4B36-BDD1-D6460C124C29}" type="slidenum">
               <a:rPr kumimoji="1" lang="ja-JP" altLang="en-US" smtClean="0"/>
-              <a:t>10</a:t>
+              <a:t>7</a:t>
             </a:fld>
             <a:endParaRPr kumimoji="1" lang="ja-JP" altLang="en-US"/>
           </a:p>
@@ -4882,16 +4917,70 @@
           <a:lstStyle/>
           <a:p>
             <a:r>
+              <a:rPr kumimoji="1" lang="en-US" altLang="ja-JP" dirty="0"/>
+              <a:t>1 </a:t>
+            </a:r>
+            <a:r>
               <a:rPr kumimoji="1" lang="ja-JP" altLang="en-US" dirty="0"/>
-              <a:t>音楽生成にすると</a:t>
+              <a:t>作る</a:t>
+            </a:r>
+            <a:r>
+              <a:rPr kumimoji="1" lang="ja-JP" altLang="en-US" dirty="0" err="1"/>
+              <a:t>を</a:t>
+            </a:r>
+            <a:r>
+              <a:rPr kumimoji="1" lang="ja-JP" altLang="en-US" dirty="0"/>
+              <a:t>クリック</a:t>
             </a:r>
             <a:endParaRPr kumimoji="1" lang="en-US" altLang="ja-JP" dirty="0"/>
           </a:p>
           <a:p>
             <a:r>
+              <a:rPr kumimoji="1" lang="en-US" altLang="ja-JP" dirty="0"/>
+              <a:t>2 </a:t>
+            </a:r>
+            <a:r>
               <a:rPr kumimoji="1" lang="ja-JP" altLang="en-US" dirty="0"/>
-              <a:t>単語のみで生成されたショパンの曲です。</a:t>
-            </a:r>
+              <a:t>キーボードで鍵盤を弾いてください</a:t>
+            </a:r>
+            <a:endParaRPr kumimoji="1" lang="en-US" altLang="ja-JP" dirty="0"/>
+          </a:p>
+          <a:p>
+            <a:r>
+              <a:rPr kumimoji="1" lang="en-US" altLang="ja-JP" dirty="0"/>
+              <a:t>3</a:t>
+            </a:r>
+            <a:r>
+              <a:rPr kumimoji="1" lang="ja-JP" altLang="en-US" dirty="0"/>
+              <a:t>　送信ボタンを押したら</a:t>
+            </a:r>
+            <a:endParaRPr kumimoji="1" lang="en-US" altLang="ja-JP" dirty="0"/>
+          </a:p>
+          <a:p>
+            <a:r>
+              <a:rPr kumimoji="1" lang="en-US" altLang="ja-JP" dirty="0"/>
+              <a:t>4</a:t>
+            </a:r>
+            <a:r>
+              <a:rPr kumimoji="1" lang="ja-JP" altLang="en-US" dirty="0"/>
+              <a:t>　曲が流れます。</a:t>
+            </a:r>
+            <a:endParaRPr kumimoji="1" lang="en-US" altLang="ja-JP" dirty="0"/>
+          </a:p>
+          <a:p>
+            <a:r>
+              <a:rPr kumimoji="1" lang="ja-JP" altLang="en-US" dirty="0"/>
+              <a:t>注意</a:t>
+            </a:r>
+            <a:r>
+              <a:rPr kumimoji="1" lang="en-US" altLang="ja-JP" dirty="0"/>
+              <a:t>AI</a:t>
+            </a:r>
+            <a:r>
+              <a:rPr kumimoji="1" lang="ja-JP" altLang="en-US" dirty="0"/>
+              <a:t>が入っていなかった場合次のバージョンで入れる予定と発表</a:t>
+            </a:r>
+            <a:endParaRPr kumimoji="1" lang="en-US" altLang="ja-JP" dirty="0"/>
           </a:p>
         </p:txBody>
       </p:sp>
@@ -4912,7 +5001,7 @@
           <a:p>
             <a:fld id="{FD808316-81CD-4B36-BDD1-D6460C124C29}" type="slidenum">
               <a:rPr kumimoji="1" lang="ja-JP" altLang="en-US" smtClean="0"/>
-              <a:t>12</a:t>
+              <a:t>10</a:t>
             </a:fld>
             <a:endParaRPr kumimoji="1" lang="ja-JP" altLang="en-US"/>
           </a:p>
@@ -4921,7 +5010,7 @@
     </p:spTree>
     <p:extLst>
       <p:ext uri="{BB962C8B-B14F-4D97-AF65-F5344CB8AC3E}">
-        <p14:creationId xmlns:p14="http://schemas.microsoft.com/office/powerpoint/2010/main" val="1543091431"/>
+        <p14:creationId xmlns:p14="http://schemas.microsoft.com/office/powerpoint/2010/main" val="3836402520"/>
       </p:ext>
     </p:extLst>
   </p:cSld>
@@ -4975,7 +5064,81 @@
           <a:bodyPr/>
           <a:lstStyle/>
           <a:p>
-            <a:endParaRPr kumimoji="1" lang="ja-JP" altLang="en-US" dirty="0"/>
+            <a:r>
+              <a:rPr lang="ja-JP" altLang="en-US" sz="1200" dirty="0"/>
+              <a:t>・伴奏を加えてより音楽風に近づける。</a:t>
+            </a:r>
+            <a:endParaRPr lang="en-US" altLang="ja-JP" sz="1200" dirty="0"/>
+          </a:p>
+          <a:p>
+            <a:pPr marL="0" marR="0" lvl="0" indent="0" algn="l" defTabSz="914400" rtl="0" eaLnBrk="1" fontAlgn="auto" latinLnBrk="0" hangingPunct="1">
+              <a:lnSpc>
+                <a:spcPct val="100000"/>
+              </a:lnSpc>
+              <a:spcBef>
+                <a:spcPts val="0"/>
+              </a:spcBef>
+              <a:spcAft>
+                <a:spcPts val="0"/>
+              </a:spcAft>
+              <a:buClrTx/>
+              <a:buSzTx/>
+              <a:buFontTx/>
+              <a:buNone/>
+              <a:tabLst/>
+              <a:defRPr/>
+            </a:pPr>
+            <a:r>
+              <a:rPr lang="ja-JP" altLang="en-US" sz="1200" dirty="0"/>
+              <a:t>・</a:t>
+            </a:r>
+            <a:r>
+              <a:rPr lang="ja-JP" altLang="en-US" dirty="0"/>
+              <a:t>事前に用意した</a:t>
+            </a:r>
+            <a:r>
+              <a:rPr lang="en-US" altLang="ja-JP" dirty="0"/>
+              <a:t>MIDI</a:t>
+            </a:r>
+            <a:r>
+              <a:rPr lang="ja-JP" altLang="en-US" dirty="0"/>
+              <a:t>ファイルが読みこめない</a:t>
+            </a:r>
+            <a:r>
+              <a:rPr lang="en-US" altLang="ja-JP" dirty="0"/>
+              <a:t>(</a:t>
+            </a:r>
+            <a:r>
+              <a:rPr lang="ja-JP" altLang="en-US" dirty="0"/>
+              <a:t>ピアノ演奏のみでしか使えない</a:t>
+            </a:r>
+            <a:r>
+              <a:rPr lang="en-US" altLang="ja-JP" dirty="0"/>
+              <a:t>)</a:t>
+            </a:r>
+          </a:p>
+          <a:p>
+            <a:pPr marL="0" marR="0" lvl="0" indent="0" algn="l" defTabSz="914400" rtl="0" eaLnBrk="1" fontAlgn="auto" latinLnBrk="0" hangingPunct="1">
+              <a:lnSpc>
+                <a:spcPct val="100000"/>
+              </a:lnSpc>
+              <a:spcBef>
+                <a:spcPts val="0"/>
+              </a:spcBef>
+              <a:spcAft>
+                <a:spcPts val="0"/>
+              </a:spcAft>
+              <a:buClrTx/>
+              <a:buSzTx/>
+              <a:buFontTx/>
+              <a:buNone/>
+              <a:tabLst/>
+              <a:defRPr/>
+            </a:pPr>
+            <a:r>
+              <a:rPr kumimoji="1" lang="ja-JP" altLang="en-US" sz="1200" dirty="0"/>
+              <a:t>・</a:t>
+            </a:r>
           </a:p>
         </p:txBody>
       </p:sp>
@@ -4996,7 +5159,7 @@
           <a:p>
             <a:fld id="{FD808316-81CD-4B36-BDD1-D6460C124C29}" type="slidenum">
               <a:rPr kumimoji="1" lang="ja-JP" altLang="en-US" smtClean="0"/>
-              <a:t>13</a:t>
+              <a:t>12</a:t>
             </a:fld>
             <a:endParaRPr kumimoji="1" lang="ja-JP" altLang="en-US"/>
           </a:p>
@@ -5005,7 +5168,7 @@
     </p:spTree>
     <p:extLst>
       <p:ext uri="{BB962C8B-B14F-4D97-AF65-F5344CB8AC3E}">
-        <p14:creationId xmlns:p14="http://schemas.microsoft.com/office/powerpoint/2010/main" val="2041038370"/>
+        <p14:creationId xmlns:p14="http://schemas.microsoft.com/office/powerpoint/2010/main" val="203302926"/>
       </p:ext>
     </p:extLst>
   </p:cSld>
@@ -5060,70 +5223,10 @@
           <a:lstStyle/>
           <a:p>
             <a:r>
-              <a:rPr kumimoji="1" lang="en-US" altLang="ja-JP" dirty="0"/>
-              <a:t>1 </a:t>
-            </a:r>
-            <a:r>
-              <a:rPr kumimoji="1" lang="ja-JP" altLang="en-US" dirty="0"/>
-              <a:t>作る</a:t>
-            </a:r>
-            <a:r>
-              <a:rPr kumimoji="1" lang="ja-JP" altLang="en-US" dirty="0" err="1"/>
-              <a:t>を</a:t>
-            </a:r>
-            <a:r>
-              <a:rPr kumimoji="1" lang="ja-JP" altLang="en-US" dirty="0"/>
-              <a:t>クリック</a:t>
-            </a:r>
-            <a:endParaRPr kumimoji="1" lang="en-US" altLang="ja-JP" dirty="0"/>
-          </a:p>
-          <a:p>
-            <a:r>
-              <a:rPr kumimoji="1" lang="en-US" altLang="ja-JP" dirty="0"/>
-              <a:t>2 </a:t>
-            </a:r>
-            <a:r>
-              <a:rPr kumimoji="1" lang="ja-JP" altLang="en-US" dirty="0"/>
-              <a:t>キーボードで鍵盤を弾いてください</a:t>
-            </a:r>
-            <a:endParaRPr kumimoji="1" lang="en-US" altLang="ja-JP" dirty="0"/>
-          </a:p>
-          <a:p>
-            <a:r>
-              <a:rPr kumimoji="1" lang="en-US" altLang="ja-JP" dirty="0"/>
-              <a:t>3</a:t>
-            </a:r>
-            <a:r>
-              <a:rPr kumimoji="1" lang="ja-JP" altLang="en-US" dirty="0"/>
-              <a:t>　送信ボタンを押したら</a:t>
-            </a:r>
-            <a:endParaRPr kumimoji="1" lang="en-US" altLang="ja-JP" dirty="0"/>
-          </a:p>
-          <a:p>
-            <a:r>
-              <a:rPr kumimoji="1" lang="en-US" altLang="ja-JP" dirty="0"/>
-              <a:t>4</a:t>
-            </a:r>
-            <a:r>
-              <a:rPr kumimoji="1" lang="ja-JP" altLang="en-US" dirty="0"/>
-              <a:t>　曲が流れます。</a:t>
-            </a:r>
-            <a:endParaRPr kumimoji="1" lang="en-US" altLang="ja-JP" dirty="0"/>
-          </a:p>
-          <a:p>
-            <a:r>
-              <a:rPr kumimoji="1" lang="ja-JP" altLang="en-US" dirty="0"/>
-              <a:t>注意</a:t>
-            </a:r>
-            <a:r>
-              <a:rPr kumimoji="1" lang="en-US" altLang="ja-JP" dirty="0"/>
-              <a:t>AI</a:t>
-            </a:r>
-            <a:r>
-              <a:rPr kumimoji="1" lang="ja-JP" altLang="en-US" dirty="0"/>
-              <a:t>が入っていなかった場合次のバージョンで入れる予定と発表</a:t>
-            </a:r>
-            <a:endParaRPr kumimoji="1" lang="en-US" altLang="ja-JP" dirty="0"/>
+              <a:rPr lang="ja-JP" altLang="en-US" sz="1200" b="1" dirty="0"/>
+              <a:t>ご清聴ありがとうございました</a:t>
+            </a:r>
+            <a:endParaRPr kumimoji="1" lang="ja-JP" altLang="en-US" dirty="0"/>
           </a:p>
         </p:txBody>
       </p:sp>
@@ -5144,253 +5247,7 @@
           <a:p>
             <a:fld id="{FD808316-81CD-4B36-BDD1-D6460C124C29}" type="slidenum">
               <a:rPr kumimoji="1" lang="ja-JP" altLang="en-US" smtClean="0"/>
-              <a:t>15</a:t>
-            </a:fld>
-            <a:endParaRPr kumimoji="1" lang="ja-JP" altLang="en-US"/>
-          </a:p>
-        </p:txBody>
-      </p:sp>
-    </p:spTree>
-    <p:extLst>
-      <p:ext uri="{BB962C8B-B14F-4D97-AF65-F5344CB8AC3E}">
-        <p14:creationId xmlns:p14="http://schemas.microsoft.com/office/powerpoint/2010/main" val="3836402520"/>
-      </p:ext>
-    </p:extLst>
-  </p:cSld>
-  <p:clrMapOvr>
-    <a:masterClrMapping/>
-  </p:clrMapOvr>
-</p:notes>
-</file>
-
-<file path=ppt/notesSlides/notesSlide8.xml><?xml version="1.0" encoding="utf-8"?>
-<p:notes xmlns:a="http://schemas.openxmlformats.org/drawingml/2006/main" xmlns:r="http://schemas.openxmlformats.org/officeDocument/2006/relationships" xmlns:p="http://schemas.openxmlformats.org/presentationml/2006/main">
-  <p:cSld>
-    <p:spTree>
-      <p:nvGrpSpPr>
-        <p:cNvPr id="1" name=""/>
-        <p:cNvGrpSpPr/>
-        <p:nvPr/>
-      </p:nvGrpSpPr>
-      <p:grpSpPr>
-        <a:xfrm>
-          <a:off x="0" y="0"/>
-          <a:ext cx="0" cy="0"/>
-          <a:chOff x="0" y="0"/>
-          <a:chExt cx="0" cy="0"/>
-        </a:xfrm>
-      </p:grpSpPr>
-      <p:sp>
-        <p:nvSpPr>
-          <p:cNvPr id="2" name="スライド イメージ プレースホルダー 1"/>
-          <p:cNvSpPr>
-            <a:spLocks noGrp="1" noRot="1" noChangeAspect="1"/>
-          </p:cNvSpPr>
-          <p:nvPr>
-            <p:ph type="sldImg"/>
-          </p:nvPr>
-        </p:nvSpPr>
-        <p:spPr/>
-      </p:sp>
-      <p:sp>
-        <p:nvSpPr>
-          <p:cNvPr id="3" name="ノート プレースホルダー 2"/>
-          <p:cNvSpPr>
-            <a:spLocks noGrp="1"/>
-          </p:cNvSpPr>
-          <p:nvPr>
-            <p:ph type="body" idx="1"/>
-          </p:nvPr>
-        </p:nvSpPr>
-        <p:spPr/>
-        <p:txBody>
-          <a:bodyPr/>
-          <a:lstStyle/>
-          <a:p>
-            <a:r>
-              <a:rPr lang="ja-JP" altLang="en-US" sz="1200" dirty="0"/>
-              <a:t>・伴奏を加えてより音楽風に近づける。</a:t>
-            </a:r>
-            <a:endParaRPr lang="en-US" altLang="ja-JP" sz="1200" dirty="0"/>
-          </a:p>
-          <a:p>
-            <a:pPr marL="0" marR="0" lvl="0" indent="0" algn="l" defTabSz="914400" rtl="0" eaLnBrk="1" fontAlgn="auto" latinLnBrk="0" hangingPunct="1">
-              <a:lnSpc>
-                <a:spcPct val="100000"/>
-              </a:lnSpc>
-              <a:spcBef>
-                <a:spcPts val="0"/>
-              </a:spcBef>
-              <a:spcAft>
-                <a:spcPts val="0"/>
-              </a:spcAft>
-              <a:buClrTx/>
-              <a:buSzTx/>
-              <a:buFontTx/>
-              <a:buNone/>
-              <a:tabLst/>
-              <a:defRPr/>
-            </a:pPr>
-            <a:r>
-              <a:rPr lang="ja-JP" altLang="en-US" sz="1200" dirty="0"/>
-              <a:t>・</a:t>
-            </a:r>
-            <a:r>
-              <a:rPr lang="ja-JP" altLang="en-US" dirty="0"/>
-              <a:t>事前に用意した</a:t>
-            </a:r>
-            <a:r>
-              <a:rPr lang="en-US" altLang="ja-JP" dirty="0"/>
-              <a:t>MIDI</a:t>
-            </a:r>
-            <a:r>
-              <a:rPr lang="ja-JP" altLang="en-US" dirty="0"/>
-              <a:t>ファイルが読みこめない</a:t>
-            </a:r>
-            <a:r>
-              <a:rPr lang="en-US" altLang="ja-JP" dirty="0"/>
-              <a:t>(</a:t>
-            </a:r>
-            <a:r>
-              <a:rPr lang="ja-JP" altLang="en-US" dirty="0"/>
-              <a:t>ピアノ演奏のみでしか使えない</a:t>
-            </a:r>
-            <a:r>
-              <a:rPr lang="en-US" altLang="ja-JP" dirty="0"/>
-              <a:t>)</a:t>
-            </a:r>
-          </a:p>
-          <a:p>
-            <a:pPr marL="0" marR="0" lvl="0" indent="0" algn="l" defTabSz="914400" rtl="0" eaLnBrk="1" fontAlgn="auto" latinLnBrk="0" hangingPunct="1">
-              <a:lnSpc>
-                <a:spcPct val="100000"/>
-              </a:lnSpc>
-              <a:spcBef>
-                <a:spcPts val="0"/>
-              </a:spcBef>
-              <a:spcAft>
-                <a:spcPts val="0"/>
-              </a:spcAft>
-              <a:buClrTx/>
-              <a:buSzTx/>
-              <a:buFontTx/>
-              <a:buNone/>
-              <a:tabLst/>
-              <a:defRPr/>
-            </a:pPr>
-            <a:r>
-              <a:rPr kumimoji="1" lang="ja-JP" altLang="en-US" sz="1200" dirty="0"/>
-              <a:t>・</a:t>
-            </a:r>
-          </a:p>
-        </p:txBody>
-      </p:sp>
-      <p:sp>
-        <p:nvSpPr>
-          <p:cNvPr id="4" name="スライド番号プレースホルダー 3"/>
-          <p:cNvSpPr>
-            <a:spLocks noGrp="1"/>
-          </p:cNvSpPr>
-          <p:nvPr>
-            <p:ph type="sldNum" sz="quarter" idx="5"/>
-          </p:nvPr>
-        </p:nvSpPr>
-        <p:spPr/>
-        <p:txBody>
-          <a:bodyPr/>
-          <a:lstStyle/>
-          <a:p>
-            <a:fld id="{FD808316-81CD-4B36-BDD1-D6460C124C29}" type="slidenum">
-              <a:rPr kumimoji="1" lang="ja-JP" altLang="en-US" smtClean="0"/>
-              <a:t>17</a:t>
-            </a:fld>
-            <a:endParaRPr kumimoji="1" lang="ja-JP" altLang="en-US"/>
-          </a:p>
-        </p:txBody>
-      </p:sp>
-    </p:spTree>
-    <p:extLst>
-      <p:ext uri="{BB962C8B-B14F-4D97-AF65-F5344CB8AC3E}">
-        <p14:creationId xmlns:p14="http://schemas.microsoft.com/office/powerpoint/2010/main" val="203302926"/>
-      </p:ext>
-    </p:extLst>
-  </p:cSld>
-  <p:clrMapOvr>
-    <a:masterClrMapping/>
-  </p:clrMapOvr>
-</p:notes>
-</file>
-
-<file path=ppt/notesSlides/notesSlide9.xml><?xml version="1.0" encoding="utf-8"?>
-<p:notes xmlns:a="http://schemas.openxmlformats.org/drawingml/2006/main" xmlns:r="http://schemas.openxmlformats.org/officeDocument/2006/relationships" xmlns:p="http://schemas.openxmlformats.org/presentationml/2006/main">
-  <p:cSld>
-    <p:spTree>
-      <p:nvGrpSpPr>
-        <p:cNvPr id="1" name=""/>
-        <p:cNvGrpSpPr/>
-        <p:nvPr/>
-      </p:nvGrpSpPr>
-      <p:grpSpPr>
-        <a:xfrm>
-          <a:off x="0" y="0"/>
-          <a:ext cx="0" cy="0"/>
-          <a:chOff x="0" y="0"/>
-          <a:chExt cx="0" cy="0"/>
-        </a:xfrm>
-      </p:grpSpPr>
-      <p:sp>
-        <p:nvSpPr>
-          <p:cNvPr id="2" name="スライド イメージ プレースホルダー 1"/>
-          <p:cNvSpPr>
-            <a:spLocks noGrp="1" noRot="1" noChangeAspect="1"/>
-          </p:cNvSpPr>
-          <p:nvPr>
-            <p:ph type="sldImg"/>
-          </p:nvPr>
-        </p:nvSpPr>
-        <p:spPr/>
-      </p:sp>
-      <p:sp>
-        <p:nvSpPr>
-          <p:cNvPr id="3" name="ノート プレースホルダー 2"/>
-          <p:cNvSpPr>
-            <a:spLocks noGrp="1"/>
-          </p:cNvSpPr>
-          <p:nvPr>
-            <p:ph type="body" idx="1"/>
-          </p:nvPr>
-        </p:nvSpPr>
-        <p:spPr/>
-        <p:txBody>
-          <a:bodyPr/>
-          <a:lstStyle/>
-          <a:p>
-            <a:r>
-              <a:rPr lang="ja-JP" altLang="en-US" sz="1200" b="1" dirty="0"/>
-              <a:t>ご清聴ありがとうございました</a:t>
-            </a:r>
-            <a:endParaRPr kumimoji="1" lang="ja-JP" altLang="en-US" dirty="0"/>
-          </a:p>
-        </p:txBody>
-      </p:sp>
-      <p:sp>
-        <p:nvSpPr>
-          <p:cNvPr id="4" name="スライド番号プレースホルダー 3"/>
-          <p:cNvSpPr>
-            <a:spLocks noGrp="1"/>
-          </p:cNvSpPr>
-          <p:nvPr>
-            <p:ph type="sldNum" sz="quarter" idx="5"/>
-          </p:nvPr>
-        </p:nvSpPr>
-        <p:spPr/>
-        <p:txBody>
-          <a:bodyPr/>
-          <a:lstStyle/>
-          <a:p>
-            <a:fld id="{FD808316-81CD-4B36-BDD1-D6460C124C29}" type="slidenum">
-              <a:rPr kumimoji="1" lang="ja-JP" altLang="en-US" smtClean="0"/>
-              <a:t>19</a:t>
+              <a:t>14</a:t>
             </a:fld>
             <a:endParaRPr kumimoji="1" lang="ja-JP" altLang="en-US"/>
           </a:p>
@@ -5556,7 +5413,7 @@
           <a:p>
             <a:fld id="{4A6B28F3-BB62-4EA0-99DF-EF5932BC4FCF}" type="datetimeFigureOut">
               <a:rPr kumimoji="1" lang="ja-JP" altLang="en-US" smtClean="0"/>
-              <a:t>2022/1/17</a:t>
+              <a:t>2022/1/24</a:t>
             </a:fld>
             <a:endParaRPr kumimoji="1" lang="ja-JP" altLang="en-US"/>
           </a:p>
@@ -5798,7 +5655,7 @@
           <a:p>
             <a:fld id="{4A6B28F3-BB62-4EA0-99DF-EF5932BC4FCF}" type="datetimeFigureOut">
               <a:rPr kumimoji="1" lang="ja-JP" altLang="en-US" smtClean="0"/>
-              <a:t>2022/1/17</a:t>
+              <a:t>2022/1/24</a:t>
             </a:fld>
             <a:endParaRPr kumimoji="1" lang="ja-JP" altLang="en-US"/>
           </a:p>
@@ -6050,7 +5907,7 @@
           <a:p>
             <a:fld id="{4A6B28F3-BB62-4EA0-99DF-EF5932BC4FCF}" type="datetimeFigureOut">
               <a:rPr kumimoji="1" lang="ja-JP" altLang="en-US" smtClean="0"/>
-              <a:t>2022/1/17</a:t>
+              <a:t>2022/1/24</a:t>
             </a:fld>
             <a:endParaRPr kumimoji="1" lang="ja-JP" altLang="en-US"/>
           </a:p>
@@ -6292,7 +6149,7 @@
           <a:p>
             <a:fld id="{4A6B28F3-BB62-4EA0-99DF-EF5932BC4FCF}" type="datetimeFigureOut">
               <a:rPr kumimoji="1" lang="ja-JP" altLang="en-US" smtClean="0"/>
-              <a:t>2022/1/17</a:t>
+              <a:t>2022/1/24</a:t>
             </a:fld>
             <a:endParaRPr kumimoji="1" lang="ja-JP" altLang="en-US"/>
           </a:p>
@@ -6579,7 +6436,7 @@
           <a:p>
             <a:fld id="{4A6B28F3-BB62-4EA0-99DF-EF5932BC4FCF}" type="datetimeFigureOut">
               <a:rPr kumimoji="1" lang="ja-JP" altLang="en-US" smtClean="0"/>
-              <a:t>2022/1/17</a:t>
+              <a:t>2022/1/24</a:t>
             </a:fld>
             <a:endParaRPr kumimoji="1" lang="ja-JP" altLang="en-US"/>
           </a:p>
@@ -6920,7 +6777,7 @@
           <a:p>
             <a:fld id="{4A6B28F3-BB62-4EA0-99DF-EF5932BC4FCF}" type="datetimeFigureOut">
               <a:rPr kumimoji="1" lang="ja-JP" altLang="en-US" smtClean="0"/>
-              <a:t>2022/1/17</a:t>
+              <a:t>2022/1/24</a:t>
             </a:fld>
             <a:endParaRPr kumimoji="1" lang="ja-JP" altLang="en-US"/>
           </a:p>
@@ -7408,7 +7265,7 @@
           <a:p>
             <a:fld id="{4A6B28F3-BB62-4EA0-99DF-EF5932BC4FCF}" type="datetimeFigureOut">
               <a:rPr kumimoji="1" lang="ja-JP" altLang="en-US" smtClean="0"/>
-              <a:t>2022/1/17</a:t>
+              <a:t>2022/1/24</a:t>
             </a:fld>
             <a:endParaRPr kumimoji="1" lang="ja-JP" altLang="en-US"/>
           </a:p>
@@ -7561,7 +7418,7 @@
           <a:p>
             <a:fld id="{4A6B28F3-BB62-4EA0-99DF-EF5932BC4FCF}" type="datetimeFigureOut">
               <a:rPr kumimoji="1" lang="ja-JP" altLang="en-US" smtClean="0"/>
-              <a:t>2022/1/17</a:t>
+              <a:t>2022/1/24</a:t>
             </a:fld>
             <a:endParaRPr kumimoji="1" lang="ja-JP" altLang="en-US"/>
           </a:p>
@@ -7686,7 +7543,7 @@
           <a:p>
             <a:fld id="{4A6B28F3-BB62-4EA0-99DF-EF5932BC4FCF}" type="datetimeFigureOut">
               <a:rPr kumimoji="1" lang="ja-JP" altLang="en-US" smtClean="0"/>
-              <a:t>2022/1/17</a:t>
+              <a:t>2022/1/24</a:t>
             </a:fld>
             <a:endParaRPr kumimoji="1" lang="ja-JP" altLang="en-US"/>
           </a:p>
@@ -8041,7 +7898,7 @@
           <a:p>
             <a:fld id="{4A6B28F3-BB62-4EA0-99DF-EF5932BC4FCF}" type="datetimeFigureOut">
               <a:rPr kumimoji="1" lang="ja-JP" altLang="en-US" smtClean="0"/>
-              <a:t>2022/1/17</a:t>
+              <a:t>2022/1/24</a:t>
             </a:fld>
             <a:endParaRPr kumimoji="1" lang="ja-JP" altLang="en-US"/>
           </a:p>
@@ -8341,7 +8198,7 @@
           <a:p>
             <a:fld id="{4A6B28F3-BB62-4EA0-99DF-EF5932BC4FCF}" type="datetimeFigureOut">
               <a:rPr kumimoji="1" lang="ja-JP" altLang="en-US" smtClean="0"/>
-              <a:t>2022/1/17</a:t>
+              <a:t>2022/1/24</a:t>
             </a:fld>
             <a:endParaRPr kumimoji="1" lang="ja-JP" altLang="en-US"/>
           </a:p>
@@ -8647,7 +8504,7 @@
           <a:p>
             <a:fld id="{4A6B28F3-BB62-4EA0-99DF-EF5932BC4FCF}" type="datetimeFigureOut">
               <a:rPr kumimoji="1" lang="ja-JP" altLang="en-US" smtClean="0"/>
-              <a:t>2022/1/17</a:t>
+              <a:t>2022/1/24</a:t>
             </a:fld>
             <a:endParaRPr kumimoji="1" lang="ja-JP" altLang="en-US"/>
           </a:p>
@@ -9104,7 +8961,7 @@
         </p:blipFill>
         <p:spPr>
           <a:xfrm>
-            <a:off x="701964" y="1729104"/>
+            <a:off x="1304462" y="1690603"/>
             <a:ext cx="4662171" cy="4662171"/>
           </a:xfrm>
           <a:prstGeom prst="rect">
@@ -9237,6 +9094,3460 @@
 </file>
 
 <file path=ppt/slides/slide10.xml><?xml version="1.0" encoding="utf-8"?>
+<p:sld xmlns:a="http://schemas.openxmlformats.org/drawingml/2006/main" xmlns:r="http://schemas.openxmlformats.org/officeDocument/2006/relationships" xmlns:p="http://schemas.openxmlformats.org/presentationml/2006/main">
+  <p:cSld>
+    <p:spTree>
+      <p:nvGrpSpPr>
+        <p:cNvPr id="1" name=""/>
+        <p:cNvGrpSpPr/>
+        <p:nvPr/>
+      </p:nvGrpSpPr>
+      <p:grpSpPr>
+        <a:xfrm>
+          <a:off x="0" y="0"/>
+          <a:ext cx="0" cy="0"/>
+          <a:chOff x="0" y="0"/>
+          <a:chExt cx="0" cy="0"/>
+        </a:xfrm>
+      </p:grpSpPr>
+      <p:sp>
+        <p:nvSpPr>
+          <p:cNvPr id="2" name="タイトル 1">
+            <a:extLst>
+              <a:ext uri="{FF2B5EF4-FFF2-40B4-BE49-F238E27FC236}">
+                <a16:creationId xmlns:a16="http://schemas.microsoft.com/office/drawing/2014/main" id="{025C00AC-50C2-4AEE-B119-C8EF0488D58A}"/>
+              </a:ext>
+            </a:extLst>
+          </p:cNvPr>
+          <p:cNvSpPr>
+            <a:spLocks noGrp="1"/>
+          </p:cNvSpPr>
+          <p:nvPr>
+            <p:ph type="title"/>
+          </p:nvPr>
+        </p:nvSpPr>
+        <p:spPr>
+          <a:xfrm>
+            <a:off x="838201" y="365125"/>
+            <a:ext cx="7391400" cy="1325563"/>
+          </a:xfrm>
+        </p:spPr>
+        <p:txBody>
+          <a:bodyPr>
+            <a:normAutofit/>
+          </a:bodyPr>
+          <a:lstStyle/>
+          <a:p>
+            <a:r>
+              <a:rPr kumimoji="1" lang="ja-JP" altLang="en-US" sz="3200" b="1" dirty="0"/>
+              <a:t>アプリの使い方</a:t>
+            </a:r>
+            <a:r>
+              <a:rPr kumimoji="1" lang="en-US" altLang="ja-JP" sz="3200" b="1" dirty="0"/>
+              <a:t>(</a:t>
+            </a:r>
+            <a:r>
+              <a:rPr kumimoji="1" lang="ja-JP" altLang="en-US" sz="3200" b="1" dirty="0"/>
+              <a:t>デモンストレーション</a:t>
+            </a:r>
+            <a:r>
+              <a:rPr kumimoji="1" lang="en-US" altLang="ja-JP" sz="3200" dirty="0"/>
+              <a:t>)</a:t>
+            </a:r>
+            <a:endParaRPr kumimoji="1" lang="ja-JP" altLang="en-US" sz="3200" dirty="0"/>
+          </a:p>
+        </p:txBody>
+      </p:sp>
+      <p:sp>
+        <p:nvSpPr>
+          <p:cNvPr id="3" name="テキスト ボックス 2">
+            <a:extLst>
+              <a:ext uri="{FF2B5EF4-FFF2-40B4-BE49-F238E27FC236}">
+                <a16:creationId xmlns:a16="http://schemas.microsoft.com/office/drawing/2014/main" id="{5A11D7B1-58DD-4CF5-A1C5-3743A5F603E7}"/>
+              </a:ext>
+            </a:extLst>
+          </p:cNvPr>
+          <p:cNvSpPr txBox="1"/>
+          <p:nvPr/>
+        </p:nvSpPr>
+        <p:spPr>
+          <a:xfrm>
+            <a:off x="1001729" y="1752851"/>
+            <a:ext cx="7723911" cy="646331"/>
+          </a:xfrm>
+          <a:prstGeom prst="rect">
+            <a:avLst/>
+          </a:prstGeom>
+          <a:noFill/>
+        </p:spPr>
+        <p:txBody>
+          <a:bodyPr wrap="square" rtlCol="0">
+            <a:spAutoFit/>
+          </a:bodyPr>
+          <a:lstStyle/>
+          <a:p>
+            <a:r>
+              <a:rPr lang="en-US" altLang="ja-JP" sz="3600" b="1" dirty="0">
+                <a:hlinkClick r:id="rId3">
+                  <a:extLst>
+                    <a:ext uri="{A12FA001-AC4F-418D-AE19-62706E023703}">
+                      <ahyp:hlinkClr xmlns:ahyp="http://schemas.microsoft.com/office/drawing/2018/hyperlinkcolor" val="tx"/>
+                    </a:ext>
+                  </a:extLst>
+                </a:hlinkClick>
+              </a:rPr>
+              <a:t>http://172.16.220.145/</a:t>
+            </a:r>
+            <a:endParaRPr lang="en-US" altLang="ja-JP" sz="3600" b="1" dirty="0"/>
+          </a:p>
+        </p:txBody>
+      </p:sp>
+      <p:sp>
+        <p:nvSpPr>
+          <p:cNvPr id="5" name="テキスト ボックス 4">
+            <a:extLst>
+              <a:ext uri="{FF2B5EF4-FFF2-40B4-BE49-F238E27FC236}">
+                <a16:creationId xmlns:a16="http://schemas.microsoft.com/office/drawing/2014/main" id="{4BE0FAFE-D088-40D5-95FA-AD210674E3BC}"/>
+              </a:ext>
+            </a:extLst>
+          </p:cNvPr>
+          <p:cNvSpPr txBox="1"/>
+          <p:nvPr/>
+        </p:nvSpPr>
+        <p:spPr>
+          <a:xfrm>
+            <a:off x="6513534" y="3734431"/>
+            <a:ext cx="4992915" cy="954107"/>
+          </a:xfrm>
+          <a:prstGeom prst="rect">
+            <a:avLst/>
+          </a:prstGeom>
+          <a:noFill/>
+        </p:spPr>
+        <p:txBody>
+          <a:bodyPr wrap="square" rtlCol="0">
+            <a:spAutoFit/>
+          </a:bodyPr>
+          <a:lstStyle/>
+          <a:p>
+            <a:r>
+              <a:rPr lang="ja-JP" altLang="en-US" sz="2800" dirty="0"/>
+              <a:t>音楽を</a:t>
+            </a:r>
+            <a:r>
+              <a:rPr kumimoji="1" lang="ja-JP" altLang="en-US" sz="2800" dirty="0"/>
+              <a:t>作成できたら</a:t>
+            </a:r>
+            <a:endParaRPr kumimoji="1" lang="en-US" altLang="ja-JP" sz="2800" dirty="0"/>
+          </a:p>
+          <a:p>
+            <a:r>
+              <a:rPr lang="ja-JP" altLang="en-US" sz="2800" dirty="0">
+                <a:solidFill>
+                  <a:srgbClr val="FF0000"/>
+                </a:solidFill>
+              </a:rPr>
+              <a:t>送信ボタン</a:t>
+            </a:r>
+            <a:r>
+              <a:rPr lang="ja-JP" altLang="en-US" sz="2800" dirty="0"/>
+              <a:t>を押してください</a:t>
+            </a:r>
+            <a:endParaRPr kumimoji="1" lang="ja-JP" altLang="en-US" sz="2800" dirty="0"/>
+          </a:p>
+        </p:txBody>
+      </p:sp>
+      <p:sp>
+        <p:nvSpPr>
+          <p:cNvPr id="6" name="テキスト ボックス 5">
+            <a:extLst>
+              <a:ext uri="{FF2B5EF4-FFF2-40B4-BE49-F238E27FC236}">
+                <a16:creationId xmlns:a16="http://schemas.microsoft.com/office/drawing/2014/main" id="{1EED7E17-895F-498A-AB79-2986A9065572}"/>
+              </a:ext>
+            </a:extLst>
+          </p:cNvPr>
+          <p:cNvSpPr txBox="1"/>
+          <p:nvPr/>
+        </p:nvSpPr>
+        <p:spPr>
+          <a:xfrm>
+            <a:off x="6456219" y="4967740"/>
+            <a:ext cx="3546764" cy="400110"/>
+          </a:xfrm>
+          <a:prstGeom prst="rect">
+            <a:avLst/>
+          </a:prstGeom>
+          <a:noFill/>
+        </p:spPr>
+        <p:txBody>
+          <a:bodyPr wrap="square" rtlCol="0">
+            <a:spAutoFit/>
+          </a:bodyPr>
+          <a:lstStyle/>
+          <a:p>
+            <a:r>
+              <a:rPr kumimoji="1" lang="ja-JP" altLang="en-US" sz="2000" dirty="0">
+                <a:solidFill>
+                  <a:srgbClr val="FF0000"/>
+                </a:solidFill>
+                <a:highlight>
+                  <a:srgbClr val="FFFF00"/>
+                </a:highlight>
+              </a:rPr>
+              <a:t>生成に約一分掛かります</a:t>
+            </a:r>
+            <a:r>
+              <a:rPr lang="ja-JP" altLang="en-US" sz="2000" dirty="0">
+                <a:solidFill>
+                  <a:srgbClr val="FF0000"/>
+                </a:solidFill>
+                <a:highlight>
+                  <a:srgbClr val="FFFF00"/>
+                </a:highlight>
+              </a:rPr>
+              <a:t>。</a:t>
+            </a:r>
+            <a:endParaRPr kumimoji="1" lang="ja-JP" altLang="en-US" sz="2000" dirty="0">
+              <a:solidFill>
+                <a:srgbClr val="FF0000"/>
+              </a:solidFill>
+              <a:highlight>
+                <a:srgbClr val="FFFF00"/>
+              </a:highlight>
+            </a:endParaRPr>
+          </a:p>
+        </p:txBody>
+      </p:sp>
+      <p:sp>
+        <p:nvSpPr>
+          <p:cNvPr id="7" name="正方形/長方形 6">
+            <a:extLst>
+              <a:ext uri="{FF2B5EF4-FFF2-40B4-BE49-F238E27FC236}">
+                <a16:creationId xmlns:a16="http://schemas.microsoft.com/office/drawing/2014/main" id="{FBA0EE7E-F114-45C1-AC10-7408CA7D971A}"/>
+              </a:ext>
+            </a:extLst>
+          </p:cNvPr>
+          <p:cNvSpPr/>
+          <p:nvPr/>
+        </p:nvSpPr>
+        <p:spPr>
+          <a:xfrm>
+            <a:off x="8645237" y="0"/>
+            <a:ext cx="3546764" cy="1967345"/>
+          </a:xfrm>
+          <a:prstGeom prst="rect">
+            <a:avLst/>
+          </a:prstGeom>
+          <a:solidFill>
+            <a:schemeClr val="bg2">
+              <a:lumMod val="50000"/>
+            </a:schemeClr>
+          </a:solidFill>
+          <a:ln>
+            <a:solidFill>
+              <a:schemeClr val="tx1"/>
+            </a:solidFill>
+          </a:ln>
+        </p:spPr>
+        <p:style>
+          <a:lnRef idx="2">
+            <a:schemeClr val="accent1">
+              <a:shade val="50000"/>
+            </a:schemeClr>
+          </a:lnRef>
+          <a:fillRef idx="1">
+            <a:schemeClr val="accent1"/>
+          </a:fillRef>
+          <a:effectRef idx="0">
+            <a:schemeClr val="accent1"/>
+          </a:effectRef>
+          <a:fontRef idx="minor">
+            <a:schemeClr val="lt1"/>
+          </a:fontRef>
+        </p:style>
+        <p:txBody>
+          <a:bodyPr rtlCol="0" anchor="ctr"/>
+          <a:lstStyle/>
+          <a:p>
+            <a:pPr algn="ctr"/>
+            <a:endParaRPr kumimoji="1" lang="ja-JP" altLang="en-US"/>
+          </a:p>
+        </p:txBody>
+      </p:sp>
+      <p:sp>
+        <p:nvSpPr>
+          <p:cNvPr id="8" name="正方形/長方形 7">
+            <a:extLst>
+              <a:ext uri="{FF2B5EF4-FFF2-40B4-BE49-F238E27FC236}">
+                <a16:creationId xmlns:a16="http://schemas.microsoft.com/office/drawing/2014/main" id="{1BEE24F6-7641-4BFD-B136-01A2ED1D96E9}"/>
+              </a:ext>
+            </a:extLst>
+          </p:cNvPr>
+          <p:cNvSpPr/>
+          <p:nvPr/>
+        </p:nvSpPr>
+        <p:spPr>
+          <a:xfrm>
+            <a:off x="505690" y="3605890"/>
+            <a:ext cx="5590310" cy="2723700"/>
+          </a:xfrm>
+          <a:prstGeom prst="rect">
+            <a:avLst/>
+          </a:prstGeom>
+          <a:solidFill>
+            <a:schemeClr val="accent2">
+              <a:lumMod val="75000"/>
+            </a:schemeClr>
+          </a:solidFill>
+          <a:ln>
+            <a:solidFill>
+              <a:schemeClr val="tx1"/>
+            </a:solidFill>
+          </a:ln>
+        </p:spPr>
+        <p:style>
+          <a:lnRef idx="2">
+            <a:schemeClr val="accent1">
+              <a:shade val="50000"/>
+            </a:schemeClr>
+          </a:lnRef>
+          <a:fillRef idx="1">
+            <a:schemeClr val="accent1"/>
+          </a:fillRef>
+          <a:effectRef idx="0">
+            <a:schemeClr val="accent1"/>
+          </a:effectRef>
+          <a:fontRef idx="minor">
+            <a:schemeClr val="lt1"/>
+          </a:fontRef>
+        </p:style>
+        <p:txBody>
+          <a:bodyPr rtlCol="0" anchor="ctr"/>
+          <a:lstStyle/>
+          <a:p>
+            <a:pPr algn="ctr"/>
+            <a:r>
+              <a:rPr lang="ja-JP" altLang="en-US" dirty="0"/>
+              <a:t>デモンストレーションの動画</a:t>
+            </a:r>
+            <a:endParaRPr kumimoji="1" lang="ja-JP" altLang="en-US" dirty="0"/>
+          </a:p>
+        </p:txBody>
+      </p:sp>
+    </p:spTree>
+    <p:extLst>
+      <p:ext uri="{BB962C8B-B14F-4D97-AF65-F5344CB8AC3E}">
+        <p14:creationId xmlns:p14="http://schemas.microsoft.com/office/powerpoint/2010/main" val="3562155098"/>
+      </p:ext>
+    </p:extLst>
+  </p:cSld>
+  <p:clrMapOvr>
+    <a:masterClrMapping/>
+  </p:clrMapOvr>
+  <mc:AlternateContent xmlns:mc="http://schemas.openxmlformats.org/markup-compatibility/2006" xmlns:p14="http://schemas.microsoft.com/office/powerpoint/2010/main">
+    <mc:Choice Requires="p14">
+      <p:transition spd="slow" p14:dur="800">
+        <p:circle/>
+      </p:transition>
+    </mc:Choice>
+    <mc:Fallback xmlns="">
+      <p:transition spd="slow">
+        <p:circle/>
+      </p:transition>
+    </mc:Fallback>
+  </mc:AlternateContent>
+</p:sld>
+</file>
+
+<file path=ppt/slides/slide11.xml><?xml version="1.0" encoding="utf-8"?>
+<p:sld xmlns:a="http://schemas.openxmlformats.org/drawingml/2006/main" xmlns:r="http://schemas.openxmlformats.org/officeDocument/2006/relationships" xmlns:p="http://schemas.openxmlformats.org/presentationml/2006/main">
+  <p:cSld>
+    <p:spTree>
+      <p:nvGrpSpPr>
+        <p:cNvPr id="1" name=""/>
+        <p:cNvGrpSpPr/>
+        <p:nvPr/>
+      </p:nvGrpSpPr>
+      <p:grpSpPr>
+        <a:xfrm>
+          <a:off x="0" y="0"/>
+          <a:ext cx="0" cy="0"/>
+          <a:chOff x="0" y="0"/>
+          <a:chExt cx="0" cy="0"/>
+        </a:xfrm>
+      </p:grpSpPr>
+      <p:sp>
+        <p:nvSpPr>
+          <p:cNvPr id="2" name="タイトル 1">
+            <a:extLst>
+              <a:ext uri="{FF2B5EF4-FFF2-40B4-BE49-F238E27FC236}">
+                <a16:creationId xmlns:a16="http://schemas.microsoft.com/office/drawing/2014/main" id="{1EC5E6CF-14A5-43CB-AFB7-A48397E85A40}"/>
+              </a:ext>
+            </a:extLst>
+          </p:cNvPr>
+          <p:cNvSpPr>
+            <a:spLocks noGrp="1"/>
+          </p:cNvSpPr>
+          <p:nvPr>
+            <p:ph type="title"/>
+          </p:nvPr>
+        </p:nvSpPr>
+        <p:spPr/>
+        <p:txBody>
+          <a:bodyPr/>
+          <a:lstStyle/>
+          <a:p>
+            <a:r>
+              <a:rPr lang="en-US" altLang="ja-JP" dirty="0"/>
+              <a:t>b</a:t>
+            </a:r>
+            <a:r>
+              <a:rPr kumimoji="1" lang="en-US" altLang="ja-JP" dirty="0"/>
+              <a:t>it composer</a:t>
+            </a:r>
+            <a:r>
+              <a:rPr kumimoji="1" lang="ja-JP" altLang="en-US" dirty="0"/>
+              <a:t>のまとめ</a:t>
+            </a:r>
+          </a:p>
+        </p:txBody>
+      </p:sp>
+      <p:sp>
+        <p:nvSpPr>
+          <p:cNvPr id="3" name="コンテンツ プレースホルダー 2">
+            <a:extLst>
+              <a:ext uri="{FF2B5EF4-FFF2-40B4-BE49-F238E27FC236}">
+                <a16:creationId xmlns:a16="http://schemas.microsoft.com/office/drawing/2014/main" id="{FFA44182-5013-423D-84E4-2281D679D593}"/>
+              </a:ext>
+            </a:extLst>
+          </p:cNvPr>
+          <p:cNvSpPr>
+            <a:spLocks noGrp="1"/>
+          </p:cNvSpPr>
+          <p:nvPr>
+            <p:ph idx="1"/>
+          </p:nvPr>
+        </p:nvSpPr>
+        <p:spPr/>
+        <p:txBody>
+          <a:bodyPr/>
+          <a:lstStyle/>
+          <a:p>
+            <a:pPr marL="0" indent="0">
+              <a:buNone/>
+            </a:pPr>
+            <a:r>
+              <a:rPr lang="ja-JP" altLang="en-US" dirty="0"/>
+              <a:t>音楽を知らない人でも作曲できるアプリを目指し作成しました。</a:t>
+            </a:r>
+            <a:endParaRPr lang="en-US" altLang="ja-JP" dirty="0"/>
+          </a:p>
+          <a:p>
+            <a:pPr marL="0" indent="0">
+              <a:buNone/>
+            </a:pPr>
+            <a:r>
+              <a:rPr lang="en-US" altLang="ja-JP" dirty="0"/>
+              <a:t>FLASK</a:t>
+            </a:r>
+            <a:r>
+              <a:rPr lang="ja-JP" altLang="en-US" dirty="0"/>
+              <a:t>でフレームワークを作り楽譜表示には</a:t>
+            </a:r>
+            <a:r>
+              <a:rPr lang="en-US" altLang="ja-JP" dirty="0"/>
+              <a:t>abc.js</a:t>
+            </a:r>
+            <a:r>
+              <a:rPr lang="ja-JP" altLang="en-US" dirty="0"/>
+              <a:t>を使いました。</a:t>
+            </a:r>
+            <a:endParaRPr lang="en-US" altLang="ja-JP" dirty="0"/>
+          </a:p>
+          <a:p>
+            <a:pPr marL="0" indent="0">
+              <a:buNone/>
+            </a:pPr>
+            <a:r>
+              <a:rPr lang="ja-JP" altLang="en-US" dirty="0"/>
+              <a:t>ゲーム音楽の雰囲気を</a:t>
+            </a:r>
+            <a:r>
+              <a:rPr lang="en-US" altLang="ja-JP" dirty="0"/>
+              <a:t>AI</a:t>
+            </a:r>
+            <a:r>
+              <a:rPr lang="ja-JP" altLang="en-US" dirty="0"/>
+              <a:t>で学習してユーザーからの送信を盛り込んだものを作りまして学習データやまだ実装したいものがありましたが</a:t>
+            </a:r>
+            <a:endParaRPr lang="en-US" altLang="ja-JP" dirty="0"/>
+          </a:p>
+          <a:p>
+            <a:pPr marL="0" indent="0">
+              <a:buNone/>
+            </a:pPr>
+            <a:endParaRPr lang="en-US" altLang="ja-JP" dirty="0"/>
+          </a:p>
+          <a:p>
+            <a:pPr marL="0" indent="0">
+              <a:buNone/>
+            </a:pPr>
+            <a:endParaRPr lang="en-US" altLang="ja-JP" dirty="0"/>
+          </a:p>
+          <a:p>
+            <a:pPr marL="0" indent="0">
+              <a:buNone/>
+            </a:pPr>
+            <a:endParaRPr lang="en-US" altLang="ja-JP" dirty="0"/>
+          </a:p>
+          <a:p>
+            <a:pPr marL="0" indent="0">
+              <a:buNone/>
+            </a:pPr>
+            <a:endParaRPr lang="en-US" altLang="ja-JP" dirty="0"/>
+          </a:p>
+          <a:p>
+            <a:pPr marL="0" indent="0">
+              <a:buNone/>
+            </a:pPr>
+            <a:endParaRPr lang="en-US" altLang="ja-JP" dirty="0"/>
+          </a:p>
+        </p:txBody>
+      </p:sp>
+    </p:spTree>
+    <p:extLst>
+      <p:ext uri="{BB962C8B-B14F-4D97-AF65-F5344CB8AC3E}">
+        <p14:creationId xmlns:p14="http://schemas.microsoft.com/office/powerpoint/2010/main" val="2195877202"/>
+      </p:ext>
+    </p:extLst>
+  </p:cSld>
+  <p:clrMapOvr>
+    <a:masterClrMapping/>
+  </p:clrMapOvr>
+  <mc:AlternateContent xmlns:mc="http://schemas.openxmlformats.org/markup-compatibility/2006" xmlns:p14="http://schemas.microsoft.com/office/powerpoint/2010/main">
+    <mc:Choice Requires="p14">
+      <p:transition spd="slow" p14:dur="800">
+        <p:circle/>
+      </p:transition>
+    </mc:Choice>
+    <mc:Fallback xmlns="">
+      <p:transition spd="slow">
+        <p:circle/>
+      </p:transition>
+    </mc:Fallback>
+  </mc:AlternateContent>
+</p:sld>
+</file>
+
+<file path=ppt/slides/slide12.xml><?xml version="1.0" encoding="utf-8"?>
+<p:sld xmlns:a="http://schemas.openxmlformats.org/drawingml/2006/main" xmlns:r="http://schemas.openxmlformats.org/officeDocument/2006/relationships" xmlns:p="http://schemas.openxmlformats.org/presentationml/2006/main">
+  <p:cSld>
+    <p:spTree>
+      <p:nvGrpSpPr>
+        <p:cNvPr id="1" name=""/>
+        <p:cNvGrpSpPr/>
+        <p:nvPr/>
+      </p:nvGrpSpPr>
+      <p:grpSpPr>
+        <a:xfrm>
+          <a:off x="0" y="0"/>
+          <a:ext cx="0" cy="0"/>
+          <a:chOff x="0" y="0"/>
+          <a:chExt cx="0" cy="0"/>
+        </a:xfrm>
+      </p:grpSpPr>
+      <p:sp>
+        <p:nvSpPr>
+          <p:cNvPr id="2" name="タイトル 1">
+            <a:extLst>
+              <a:ext uri="{FF2B5EF4-FFF2-40B4-BE49-F238E27FC236}">
+                <a16:creationId xmlns:a16="http://schemas.microsoft.com/office/drawing/2014/main" id="{A28B3ECD-CB6B-4871-9177-75053AF22875}"/>
+              </a:ext>
+            </a:extLst>
+          </p:cNvPr>
+          <p:cNvSpPr>
+            <a:spLocks noGrp="1"/>
+          </p:cNvSpPr>
+          <p:nvPr>
+            <p:ph type="title"/>
+          </p:nvPr>
+        </p:nvSpPr>
+        <p:spPr>
+          <a:xfrm>
+            <a:off x="838200" y="365125"/>
+            <a:ext cx="8799286" cy="1325563"/>
+          </a:xfrm>
+        </p:spPr>
+        <p:txBody>
+          <a:bodyPr>
+            <a:normAutofit/>
+          </a:bodyPr>
+          <a:lstStyle/>
+          <a:p>
+            <a:r>
+              <a:rPr lang="ja-JP" altLang="en-US" b="1" dirty="0">
+                <a:solidFill>
+                  <a:schemeClr val="tx1">
+                    <a:lumMod val="65000"/>
+                    <a:lumOff val="35000"/>
+                  </a:schemeClr>
+                </a:solidFill>
+              </a:rPr>
+              <a:t>今後の課題</a:t>
+            </a:r>
+            <a:endParaRPr kumimoji="1" lang="ja-JP" altLang="en-US" b="1" dirty="0">
+              <a:solidFill>
+                <a:schemeClr val="tx1">
+                  <a:lumMod val="65000"/>
+                  <a:lumOff val="35000"/>
+                </a:schemeClr>
+              </a:solidFill>
+            </a:endParaRPr>
+          </a:p>
+        </p:txBody>
+      </p:sp>
+      <p:sp>
+        <p:nvSpPr>
+          <p:cNvPr id="5" name="テキスト プレースホルダー 4">
+            <a:extLst>
+              <a:ext uri="{FF2B5EF4-FFF2-40B4-BE49-F238E27FC236}">
+                <a16:creationId xmlns:a16="http://schemas.microsoft.com/office/drawing/2014/main" id="{272666A3-957C-4D00-87A2-86CA1CEA5C52}"/>
+              </a:ext>
+            </a:extLst>
+          </p:cNvPr>
+          <p:cNvSpPr>
+            <a:spLocks noGrp="1"/>
+          </p:cNvSpPr>
+          <p:nvPr>
+            <p:ph type="body" idx="4294967295"/>
+          </p:nvPr>
+        </p:nvSpPr>
+        <p:spPr>
+          <a:xfrm>
+            <a:off x="838200" y="1905001"/>
+            <a:ext cx="10515600" cy="4271962"/>
+          </a:xfrm>
+        </p:spPr>
+        <p:txBody>
+          <a:bodyPr>
+            <a:normAutofit/>
+          </a:bodyPr>
+          <a:lstStyle/>
+          <a:p>
+            <a:r>
+              <a:rPr lang="ja-JP" altLang="en-US" sz="3600" dirty="0"/>
+              <a:t>伴奏を加えられなかった。</a:t>
+            </a:r>
+            <a:endParaRPr lang="en-US" altLang="ja-JP" sz="3600" dirty="0"/>
+          </a:p>
+          <a:p>
+            <a:r>
+              <a:rPr lang="ja-JP" altLang="en-US" sz="3600" dirty="0"/>
+              <a:t>スマホでのアクセスができない。</a:t>
+            </a:r>
+            <a:endParaRPr lang="en-US" altLang="ja-JP" sz="3600" dirty="0"/>
+          </a:p>
+          <a:p>
+            <a:r>
+              <a:rPr lang="ja-JP" altLang="en-US" sz="3600" dirty="0"/>
+              <a:t>事前に用意した</a:t>
+            </a:r>
+            <a:r>
+              <a:rPr lang="en-US" altLang="ja-JP" sz="3600" dirty="0"/>
+              <a:t>MIDI</a:t>
+            </a:r>
+            <a:r>
+              <a:rPr lang="ja-JP" altLang="en-US" sz="3600" dirty="0"/>
+              <a:t>ファイルが読みこめない。</a:t>
+            </a:r>
+            <a:r>
+              <a:rPr lang="en-US" altLang="ja-JP" sz="3600" dirty="0"/>
+              <a:t>(</a:t>
+            </a:r>
+            <a:r>
+              <a:rPr lang="ja-JP" altLang="en-US" sz="3600" dirty="0"/>
+              <a:t>ピアノ演奏のみでしか使えない</a:t>
+            </a:r>
+            <a:r>
+              <a:rPr lang="en-US" altLang="ja-JP" sz="3600" dirty="0"/>
+              <a:t>)</a:t>
+            </a:r>
+          </a:p>
+          <a:p>
+            <a:r>
+              <a:rPr lang="ja-JP" altLang="en-US" sz="3600" dirty="0"/>
+              <a:t>サウンドエフェクトの実装。</a:t>
+            </a:r>
+            <a:endParaRPr lang="en-US" altLang="ja-JP" sz="3600" dirty="0"/>
+          </a:p>
+          <a:p>
+            <a:r>
+              <a:rPr lang="en-US" altLang="ja-JP" sz="3600" dirty="0"/>
+              <a:t>AI</a:t>
+            </a:r>
+            <a:r>
+              <a:rPr lang="ja-JP" altLang="en-US" sz="3600" dirty="0"/>
+              <a:t>モデルが一つしか実装出来なかった。</a:t>
+            </a:r>
+            <a:endParaRPr lang="en-US" altLang="ja-JP" sz="3600" dirty="0"/>
+          </a:p>
+          <a:p>
+            <a:r>
+              <a:rPr lang="en-US" altLang="ja-JP" sz="3600" dirty="0"/>
+              <a:t>AI</a:t>
+            </a:r>
+            <a:r>
+              <a:rPr lang="ja-JP" altLang="en-US" sz="3600" dirty="0"/>
+              <a:t>作成後に編集が出来ない</a:t>
+            </a:r>
+            <a:r>
+              <a:rPr lang="ja-JP" altLang="en-US" dirty="0"/>
+              <a:t>。</a:t>
+            </a:r>
+            <a:endParaRPr lang="en-US" altLang="ja-JP" dirty="0"/>
+          </a:p>
+        </p:txBody>
+      </p:sp>
+      <p:sp>
+        <p:nvSpPr>
+          <p:cNvPr id="6" name="正方形/長方形 5">
+            <a:extLst>
+              <a:ext uri="{FF2B5EF4-FFF2-40B4-BE49-F238E27FC236}">
+                <a16:creationId xmlns:a16="http://schemas.microsoft.com/office/drawing/2014/main" id="{4F021AC6-9B95-496A-972D-9A5D9FACFF69}"/>
+              </a:ext>
+            </a:extLst>
+          </p:cNvPr>
+          <p:cNvSpPr/>
+          <p:nvPr/>
+        </p:nvSpPr>
+        <p:spPr>
+          <a:xfrm>
+            <a:off x="8645236" y="44233"/>
+            <a:ext cx="3546764" cy="1967345"/>
+          </a:xfrm>
+          <a:prstGeom prst="rect">
+            <a:avLst/>
+          </a:prstGeom>
+          <a:solidFill>
+            <a:schemeClr val="bg2">
+              <a:lumMod val="50000"/>
+            </a:schemeClr>
+          </a:solidFill>
+          <a:ln>
+            <a:solidFill>
+              <a:schemeClr val="tx1"/>
+            </a:solidFill>
+          </a:ln>
+        </p:spPr>
+        <p:style>
+          <a:lnRef idx="2">
+            <a:schemeClr val="accent1">
+              <a:shade val="50000"/>
+            </a:schemeClr>
+          </a:lnRef>
+          <a:fillRef idx="1">
+            <a:schemeClr val="accent1"/>
+          </a:fillRef>
+          <a:effectRef idx="0">
+            <a:schemeClr val="accent1"/>
+          </a:effectRef>
+          <a:fontRef idx="minor">
+            <a:schemeClr val="lt1"/>
+          </a:fontRef>
+        </p:style>
+        <p:txBody>
+          <a:bodyPr rtlCol="0" anchor="ctr"/>
+          <a:lstStyle/>
+          <a:p>
+            <a:pPr algn="ctr"/>
+            <a:endParaRPr kumimoji="1" lang="ja-JP" altLang="en-US"/>
+          </a:p>
+        </p:txBody>
+      </p:sp>
+    </p:spTree>
+    <p:extLst>
+      <p:ext uri="{BB962C8B-B14F-4D97-AF65-F5344CB8AC3E}">
+        <p14:creationId xmlns:p14="http://schemas.microsoft.com/office/powerpoint/2010/main" val="4137186957"/>
+      </p:ext>
+    </p:extLst>
+  </p:cSld>
+  <p:clrMapOvr>
+    <a:masterClrMapping/>
+  </p:clrMapOvr>
+  <mc:AlternateContent xmlns:mc="http://schemas.openxmlformats.org/markup-compatibility/2006" xmlns:p14="http://schemas.microsoft.com/office/powerpoint/2010/main">
+    <mc:Choice Requires="p14">
+      <p:transition spd="slow" p14:dur="800">
+        <p:circle/>
+      </p:transition>
+    </mc:Choice>
+    <mc:Fallback xmlns="">
+      <p:transition spd="slow">
+        <p:circle/>
+      </p:transition>
+    </mc:Fallback>
+  </mc:AlternateContent>
+</p:sld>
+</file>
+
+<file path=ppt/slides/slide13.xml><?xml version="1.0" encoding="utf-8"?>
+<p:sld xmlns:a="http://schemas.openxmlformats.org/drawingml/2006/main" xmlns:r="http://schemas.openxmlformats.org/officeDocument/2006/relationships" xmlns:p="http://schemas.openxmlformats.org/presentationml/2006/main">
+  <p:cSld>
+    <p:spTree>
+      <p:nvGrpSpPr>
+        <p:cNvPr id="1" name=""/>
+        <p:cNvGrpSpPr/>
+        <p:nvPr/>
+      </p:nvGrpSpPr>
+      <p:grpSpPr>
+        <a:xfrm>
+          <a:off x="0" y="0"/>
+          <a:ext cx="0" cy="0"/>
+          <a:chOff x="0" y="0"/>
+          <a:chExt cx="0" cy="0"/>
+        </a:xfrm>
+      </p:grpSpPr>
+      <p:sp>
+        <p:nvSpPr>
+          <p:cNvPr id="2" name="タイトル 1">
+            <a:extLst>
+              <a:ext uri="{FF2B5EF4-FFF2-40B4-BE49-F238E27FC236}">
+                <a16:creationId xmlns:a16="http://schemas.microsoft.com/office/drawing/2014/main" id="{70949F04-CCFC-4095-97E8-22A29D9269AF}"/>
+              </a:ext>
+            </a:extLst>
+          </p:cNvPr>
+          <p:cNvSpPr>
+            <a:spLocks noGrp="1"/>
+          </p:cNvSpPr>
+          <p:nvPr>
+            <p:ph type="title"/>
+          </p:nvPr>
+        </p:nvSpPr>
+        <p:spPr/>
+        <p:txBody>
+          <a:bodyPr/>
+          <a:lstStyle/>
+          <a:p>
+            <a:r>
+              <a:rPr lang="ja-JP" altLang="ja-JP" b="1" dirty="0">
+                <a:solidFill>
+                  <a:srgbClr val="000000"/>
+                </a:solidFill>
+                <a:latin typeface="游ゴシック" panose="020B0400000000000000" pitchFamily="50" charset="-128"/>
+                <a:ea typeface="游ゴシック" panose="020B0400000000000000" pitchFamily="50" charset="-128"/>
+              </a:rPr>
+              <a:t>メンバー紹介</a:t>
+            </a:r>
+            <a:endParaRPr kumimoji="1" lang="ja-JP" altLang="en-US" dirty="0"/>
+          </a:p>
+        </p:txBody>
+      </p:sp>
+      <p:sp>
+        <p:nvSpPr>
+          <p:cNvPr id="3" name="コンテンツ プレースホルダー 2">
+            <a:extLst>
+              <a:ext uri="{FF2B5EF4-FFF2-40B4-BE49-F238E27FC236}">
+                <a16:creationId xmlns:a16="http://schemas.microsoft.com/office/drawing/2014/main" id="{F75BFA54-4956-44E3-A200-A79B237D1B62}"/>
+              </a:ext>
+            </a:extLst>
+          </p:cNvPr>
+          <p:cNvSpPr>
+            <a:spLocks noGrp="1"/>
+          </p:cNvSpPr>
+          <p:nvPr>
+            <p:ph idx="1"/>
+          </p:nvPr>
+        </p:nvSpPr>
+        <p:spPr>
+          <a:xfrm>
+            <a:off x="4775200" y="2062302"/>
+            <a:ext cx="6578600" cy="4114661"/>
+          </a:xfrm>
+        </p:spPr>
+        <p:txBody>
+          <a:bodyPr/>
+          <a:lstStyle/>
+          <a:p>
+            <a:endParaRPr kumimoji="1" lang="ja-JP" altLang="en-US" dirty="0"/>
+          </a:p>
+        </p:txBody>
+      </p:sp>
+      <p:sp>
+        <p:nvSpPr>
+          <p:cNvPr id="4" name="正方形/長方形 3">
+            <a:extLst>
+              <a:ext uri="{FF2B5EF4-FFF2-40B4-BE49-F238E27FC236}">
+                <a16:creationId xmlns:a16="http://schemas.microsoft.com/office/drawing/2014/main" id="{4109503C-CC5B-4043-A7D0-02BA375E478E}"/>
+              </a:ext>
+            </a:extLst>
+          </p:cNvPr>
+          <p:cNvSpPr/>
+          <p:nvPr/>
+        </p:nvSpPr>
+        <p:spPr>
+          <a:xfrm>
+            <a:off x="838200" y="2062302"/>
+            <a:ext cx="4368800" cy="1938992"/>
+          </a:xfrm>
+          <a:prstGeom prst="rect">
+            <a:avLst/>
+          </a:prstGeom>
+        </p:spPr>
+        <p:txBody>
+          <a:bodyPr wrap="square">
+            <a:spAutoFit/>
+          </a:bodyPr>
+          <a:lstStyle/>
+          <a:p>
+            <a:r>
+              <a:rPr lang="ja-JP" altLang="en-US" sz="4000" dirty="0"/>
+              <a:t>野崎　拓海</a:t>
+            </a:r>
+            <a:endParaRPr lang="en-US" altLang="ja-JP" sz="4000" dirty="0"/>
+          </a:p>
+          <a:p>
+            <a:r>
+              <a:rPr lang="ja-JP" altLang="en-US" sz="4000" dirty="0"/>
+              <a:t>吉川　孟志</a:t>
+            </a:r>
+            <a:endParaRPr lang="en-US" altLang="ja-JP" sz="4000" dirty="0"/>
+          </a:p>
+          <a:p>
+            <a:r>
+              <a:rPr lang="ja-JP" altLang="en-US" sz="4000" dirty="0"/>
+              <a:t>長島　光琉</a:t>
+            </a:r>
+          </a:p>
+        </p:txBody>
+      </p:sp>
+      <p:sp>
+        <p:nvSpPr>
+          <p:cNvPr id="6" name="正方形/長方形 5">
+            <a:extLst>
+              <a:ext uri="{FF2B5EF4-FFF2-40B4-BE49-F238E27FC236}">
+                <a16:creationId xmlns:a16="http://schemas.microsoft.com/office/drawing/2014/main" id="{3E23BB3D-8146-498D-AE6D-1AE59B420774}"/>
+              </a:ext>
+            </a:extLst>
+          </p:cNvPr>
+          <p:cNvSpPr/>
+          <p:nvPr/>
+        </p:nvSpPr>
+        <p:spPr>
+          <a:xfrm>
+            <a:off x="8645236" y="-39110"/>
+            <a:ext cx="3546764" cy="1967345"/>
+          </a:xfrm>
+          <a:prstGeom prst="rect">
+            <a:avLst/>
+          </a:prstGeom>
+          <a:solidFill>
+            <a:schemeClr val="bg2">
+              <a:lumMod val="50000"/>
+            </a:schemeClr>
+          </a:solidFill>
+          <a:ln>
+            <a:solidFill>
+              <a:schemeClr val="tx1"/>
+            </a:solidFill>
+          </a:ln>
+        </p:spPr>
+        <p:style>
+          <a:lnRef idx="2">
+            <a:schemeClr val="accent1">
+              <a:shade val="50000"/>
+            </a:schemeClr>
+          </a:lnRef>
+          <a:fillRef idx="1">
+            <a:schemeClr val="accent1"/>
+          </a:fillRef>
+          <a:effectRef idx="0">
+            <a:schemeClr val="accent1"/>
+          </a:effectRef>
+          <a:fontRef idx="minor">
+            <a:schemeClr val="lt1"/>
+          </a:fontRef>
+        </p:style>
+        <p:txBody>
+          <a:bodyPr rtlCol="0" anchor="ctr"/>
+          <a:lstStyle/>
+          <a:p>
+            <a:pPr algn="ctr"/>
+            <a:endParaRPr kumimoji="1" lang="ja-JP" altLang="en-US"/>
+          </a:p>
+        </p:txBody>
+      </p:sp>
+    </p:spTree>
+    <p:extLst>
+      <p:ext uri="{BB962C8B-B14F-4D97-AF65-F5344CB8AC3E}">
+        <p14:creationId xmlns:p14="http://schemas.microsoft.com/office/powerpoint/2010/main" val="1047491915"/>
+      </p:ext>
+    </p:extLst>
+  </p:cSld>
+  <p:clrMapOvr>
+    <a:masterClrMapping/>
+  </p:clrMapOvr>
+  <mc:AlternateContent xmlns:mc="http://schemas.openxmlformats.org/markup-compatibility/2006" xmlns:p14="http://schemas.microsoft.com/office/powerpoint/2010/main">
+    <mc:Choice Requires="p14">
+      <p:transition spd="slow" p14:dur="800">
+        <p:circle/>
+      </p:transition>
+    </mc:Choice>
+    <mc:Fallback xmlns="">
+      <p:transition spd="slow">
+        <p:circle/>
+      </p:transition>
+    </mc:Fallback>
+  </mc:AlternateContent>
+</p:sld>
+</file>
+
+<file path=ppt/slides/slide14.xml><?xml version="1.0" encoding="utf-8"?>
+<p:sld xmlns:a="http://schemas.openxmlformats.org/drawingml/2006/main" xmlns:r="http://schemas.openxmlformats.org/officeDocument/2006/relationships" xmlns:p="http://schemas.openxmlformats.org/presentationml/2006/main">
+  <p:cSld>
+    <p:spTree>
+      <p:nvGrpSpPr>
+        <p:cNvPr id="1" name=""/>
+        <p:cNvGrpSpPr/>
+        <p:nvPr/>
+      </p:nvGrpSpPr>
+      <p:grpSpPr>
+        <a:xfrm>
+          <a:off x="0" y="0"/>
+          <a:ext cx="0" cy="0"/>
+          <a:chOff x="0" y="0"/>
+          <a:chExt cx="0" cy="0"/>
+        </a:xfrm>
+      </p:grpSpPr>
+      <p:sp>
+        <p:nvSpPr>
+          <p:cNvPr id="2" name="タイトル 1">
+            <a:extLst>
+              <a:ext uri="{FF2B5EF4-FFF2-40B4-BE49-F238E27FC236}">
+                <a16:creationId xmlns:a16="http://schemas.microsoft.com/office/drawing/2014/main" id="{6A02AA03-3DED-4449-8542-51D6A9F1532E}"/>
+              </a:ext>
+            </a:extLst>
+          </p:cNvPr>
+          <p:cNvSpPr>
+            <a:spLocks noGrp="1"/>
+          </p:cNvSpPr>
+          <p:nvPr>
+            <p:ph type="title"/>
+          </p:nvPr>
+        </p:nvSpPr>
+        <p:spPr>
+          <a:xfrm>
+            <a:off x="342900" y="365125"/>
+            <a:ext cx="11372850" cy="6226175"/>
+          </a:xfrm>
+        </p:spPr>
+        <p:txBody>
+          <a:bodyPr/>
+          <a:lstStyle/>
+          <a:p>
+            <a:pPr algn="ctr"/>
+            <a:r>
+              <a:rPr lang="ja-JP" altLang="en-US" sz="6000" b="1" dirty="0">
+                <a:solidFill>
+                  <a:schemeClr val="tx1">
+                    <a:lumMod val="65000"/>
+                    <a:lumOff val="35000"/>
+                  </a:schemeClr>
+                </a:solidFill>
+              </a:rPr>
+              <a:t>ご清聴ありがとうございました</a:t>
+            </a:r>
+            <a:br>
+              <a:rPr lang="ja-JP" altLang="en-US" b="1" dirty="0"/>
+            </a:br>
+            <a:endParaRPr kumimoji="1" lang="ja-JP" altLang="en-US" dirty="0"/>
+          </a:p>
+        </p:txBody>
+      </p:sp>
+    </p:spTree>
+    <p:extLst>
+      <p:ext uri="{BB962C8B-B14F-4D97-AF65-F5344CB8AC3E}">
+        <p14:creationId xmlns:p14="http://schemas.microsoft.com/office/powerpoint/2010/main" val="3607456526"/>
+      </p:ext>
+    </p:extLst>
+  </p:cSld>
+  <p:clrMapOvr>
+    <a:masterClrMapping/>
+  </p:clrMapOvr>
+  <mc:AlternateContent xmlns:mc="http://schemas.openxmlformats.org/markup-compatibility/2006" xmlns:p14="http://schemas.microsoft.com/office/powerpoint/2010/main">
+    <mc:Choice Requires="p14">
+      <p:transition spd="slow" p14:dur="800">
+        <p:circle/>
+      </p:transition>
+    </mc:Choice>
+    <mc:Fallback xmlns="">
+      <p:transition spd="slow">
+        <p:circle/>
+      </p:transition>
+    </mc:Fallback>
+  </mc:AlternateContent>
+</p:sld>
+</file>
+
+<file path=ppt/slides/slide15.xml><?xml version="1.0" encoding="utf-8"?>
+<p:sld xmlns:a="http://schemas.openxmlformats.org/drawingml/2006/main" xmlns:r="http://schemas.openxmlformats.org/officeDocument/2006/relationships" xmlns:p="http://schemas.openxmlformats.org/presentationml/2006/main">
+  <p:cSld>
+    <p:spTree>
+      <p:nvGrpSpPr>
+        <p:cNvPr id="1" name=""/>
+        <p:cNvGrpSpPr/>
+        <p:nvPr/>
+      </p:nvGrpSpPr>
+      <p:grpSpPr>
+        <a:xfrm>
+          <a:off x="0" y="0"/>
+          <a:ext cx="0" cy="0"/>
+          <a:chOff x="0" y="0"/>
+          <a:chExt cx="0" cy="0"/>
+        </a:xfrm>
+      </p:grpSpPr>
+      <p:sp>
+        <p:nvSpPr>
+          <p:cNvPr id="2" name="タイトル 1">
+            <a:extLst>
+              <a:ext uri="{FF2B5EF4-FFF2-40B4-BE49-F238E27FC236}">
+                <a16:creationId xmlns:a16="http://schemas.microsoft.com/office/drawing/2014/main" id="{FFDF732A-E3FE-4DDA-8C88-627BFFF6B3A4}"/>
+              </a:ext>
+            </a:extLst>
+          </p:cNvPr>
+          <p:cNvSpPr>
+            <a:spLocks noGrp="1"/>
+          </p:cNvSpPr>
+          <p:nvPr>
+            <p:ph type="title"/>
+          </p:nvPr>
+        </p:nvSpPr>
+        <p:spPr/>
+        <p:txBody>
+          <a:bodyPr/>
+          <a:lstStyle/>
+          <a:p>
+            <a:r>
+              <a:rPr kumimoji="1" lang="ja-JP" altLang="en-US" b="1" dirty="0"/>
+              <a:t>既存アプリとの</a:t>
+            </a:r>
+            <a:r>
+              <a:rPr lang="ja-JP" altLang="en-US" b="1" dirty="0"/>
+              <a:t>優位性</a:t>
+            </a:r>
+            <a:endParaRPr kumimoji="1" lang="ja-JP" altLang="en-US" b="1" dirty="0"/>
+          </a:p>
+        </p:txBody>
+      </p:sp>
+      <p:sp>
+        <p:nvSpPr>
+          <p:cNvPr id="3" name="コンテンツ プレースホルダー 2">
+            <a:extLst>
+              <a:ext uri="{FF2B5EF4-FFF2-40B4-BE49-F238E27FC236}">
+                <a16:creationId xmlns:a16="http://schemas.microsoft.com/office/drawing/2014/main" id="{66256E41-A4F2-40BF-A3ED-6B9F4B5EE8F5}"/>
+              </a:ext>
+            </a:extLst>
+          </p:cNvPr>
+          <p:cNvSpPr>
+            <a:spLocks noGrp="1"/>
+          </p:cNvSpPr>
+          <p:nvPr>
+            <p:ph sz="half" idx="1"/>
+          </p:nvPr>
+        </p:nvSpPr>
+        <p:spPr>
+          <a:xfrm>
+            <a:off x="838200" y="2213813"/>
+            <a:ext cx="9025647" cy="3525506"/>
+          </a:xfrm>
+        </p:spPr>
+        <p:txBody>
+          <a:bodyPr>
+            <a:normAutofit lnSpcReduction="10000"/>
+          </a:bodyPr>
+          <a:lstStyle/>
+          <a:p>
+            <a:r>
+              <a:rPr lang="en-US" altLang="ja-JP" sz="4800" b="1" i="1" dirty="0" err="1"/>
+              <a:t>b</a:t>
+            </a:r>
+            <a:r>
+              <a:rPr kumimoji="1" lang="en-US" altLang="ja-JP" sz="4800" b="1" i="1" dirty="0" err="1"/>
+              <a:t>itComporser</a:t>
+            </a:r>
+            <a:endParaRPr kumimoji="1" lang="en-US" altLang="ja-JP" sz="4800" b="1" i="1" dirty="0"/>
+          </a:p>
+          <a:p>
+            <a:r>
+              <a:rPr lang="ja-JP" altLang="en-US" sz="3500" dirty="0"/>
+              <a:t>ゲーム音楽と唯一無二のジャンルが作成できる</a:t>
+            </a:r>
+            <a:endParaRPr kumimoji="1" lang="en-US" altLang="ja-JP" sz="3500" dirty="0"/>
+          </a:p>
+          <a:p>
+            <a:r>
+              <a:rPr kumimoji="1" lang="ja-JP" altLang="en-US" sz="3500" dirty="0"/>
+              <a:t>操作が分かりやすく音符を一から設定できる。</a:t>
+            </a:r>
+            <a:endParaRPr kumimoji="1" lang="en-US" altLang="ja-JP" sz="3500" dirty="0"/>
+          </a:p>
+          <a:p>
+            <a:r>
+              <a:rPr lang="ja-JP" altLang="en-US" sz="3500" dirty="0"/>
+              <a:t>楽譜が見える</a:t>
+            </a:r>
+            <a:endParaRPr lang="en-US" altLang="ja-JP" sz="3500" dirty="0"/>
+          </a:p>
+          <a:p>
+            <a:endParaRPr kumimoji="1" lang="en-US" altLang="ja-JP" dirty="0"/>
+          </a:p>
+          <a:p>
+            <a:endParaRPr kumimoji="1" lang="en-US" altLang="ja-JP" dirty="0"/>
+          </a:p>
+        </p:txBody>
+      </p:sp>
+      <p:sp>
+        <p:nvSpPr>
+          <p:cNvPr id="5" name="正方形/長方形 4">
+            <a:extLst>
+              <a:ext uri="{FF2B5EF4-FFF2-40B4-BE49-F238E27FC236}">
+                <a16:creationId xmlns:a16="http://schemas.microsoft.com/office/drawing/2014/main" id="{B1BDFDF9-1994-4E12-AAF4-FE7746FF7AD0}"/>
+              </a:ext>
+            </a:extLst>
+          </p:cNvPr>
+          <p:cNvSpPr/>
+          <p:nvPr/>
+        </p:nvSpPr>
+        <p:spPr>
+          <a:xfrm>
+            <a:off x="8645237" y="0"/>
+            <a:ext cx="3546764" cy="1967345"/>
+          </a:xfrm>
+          <a:prstGeom prst="rect">
+            <a:avLst/>
+          </a:prstGeom>
+          <a:solidFill>
+            <a:schemeClr val="bg2">
+              <a:lumMod val="50000"/>
+            </a:schemeClr>
+          </a:solidFill>
+          <a:ln>
+            <a:solidFill>
+              <a:schemeClr val="tx1"/>
+            </a:solidFill>
+          </a:ln>
+        </p:spPr>
+        <p:style>
+          <a:lnRef idx="2">
+            <a:schemeClr val="accent1">
+              <a:shade val="50000"/>
+            </a:schemeClr>
+          </a:lnRef>
+          <a:fillRef idx="1">
+            <a:schemeClr val="accent1"/>
+          </a:fillRef>
+          <a:effectRef idx="0">
+            <a:schemeClr val="accent1"/>
+          </a:effectRef>
+          <a:fontRef idx="minor">
+            <a:schemeClr val="lt1"/>
+          </a:fontRef>
+        </p:style>
+        <p:txBody>
+          <a:bodyPr rtlCol="0" anchor="ctr"/>
+          <a:lstStyle/>
+          <a:p>
+            <a:pPr algn="ctr"/>
+            <a:endParaRPr kumimoji="1" lang="ja-JP" altLang="en-US"/>
+          </a:p>
+        </p:txBody>
+      </p:sp>
+    </p:spTree>
+    <p:extLst>
+      <p:ext uri="{BB962C8B-B14F-4D97-AF65-F5344CB8AC3E}">
+        <p14:creationId xmlns:p14="http://schemas.microsoft.com/office/powerpoint/2010/main" val="3832178427"/>
+      </p:ext>
+    </p:extLst>
+  </p:cSld>
+  <p:clrMapOvr>
+    <a:masterClrMapping/>
+  </p:clrMapOvr>
+  <mc:AlternateContent xmlns:mc="http://schemas.openxmlformats.org/markup-compatibility/2006" xmlns:p14="http://schemas.microsoft.com/office/powerpoint/2010/main">
+    <mc:Choice Requires="p14">
+      <p:transition spd="slow" p14:dur="800">
+        <p:circle/>
+      </p:transition>
+    </mc:Choice>
+    <mc:Fallback xmlns="">
+      <p:transition spd="slow">
+        <p:circle/>
+      </p:transition>
+    </mc:Fallback>
+  </mc:AlternateContent>
+</p:sld>
+</file>
+
+<file path=ppt/slides/slide16.xml><?xml version="1.0" encoding="utf-8"?>
+<p:sld xmlns:a="http://schemas.openxmlformats.org/drawingml/2006/main" xmlns:r="http://schemas.openxmlformats.org/officeDocument/2006/relationships" xmlns:p="http://schemas.openxmlformats.org/presentationml/2006/main">
+  <p:cSld>
+    <p:spTree>
+      <p:nvGrpSpPr>
+        <p:cNvPr id="1" name=""/>
+        <p:cNvGrpSpPr/>
+        <p:nvPr/>
+      </p:nvGrpSpPr>
+      <p:grpSpPr>
+        <a:xfrm>
+          <a:off x="0" y="0"/>
+          <a:ext cx="0" cy="0"/>
+          <a:chOff x="0" y="0"/>
+          <a:chExt cx="0" cy="0"/>
+        </a:xfrm>
+      </p:grpSpPr>
+      <p:sp>
+        <p:nvSpPr>
+          <p:cNvPr id="2" name="タイトル 1">
+            <a:extLst>
+              <a:ext uri="{FF2B5EF4-FFF2-40B4-BE49-F238E27FC236}">
+                <a16:creationId xmlns:a16="http://schemas.microsoft.com/office/drawing/2014/main" id="{E24197A6-6AD0-4259-A2CD-EB48FFC12C21}"/>
+              </a:ext>
+            </a:extLst>
+          </p:cNvPr>
+          <p:cNvSpPr>
+            <a:spLocks noGrp="1"/>
+          </p:cNvSpPr>
+          <p:nvPr>
+            <p:ph type="title"/>
+          </p:nvPr>
+        </p:nvSpPr>
+        <p:spPr>
+          <a:xfrm>
+            <a:off x="839788" y="365125"/>
+            <a:ext cx="7665583" cy="1325563"/>
+          </a:xfrm>
+        </p:spPr>
+        <p:txBody>
+          <a:bodyPr>
+            <a:normAutofit/>
+          </a:bodyPr>
+          <a:lstStyle/>
+          <a:p>
+            <a:r>
+              <a:rPr kumimoji="1" lang="en-US" altLang="ja-JP" sz="5400" b="1" dirty="0"/>
+              <a:t>J</a:t>
+            </a:r>
+            <a:r>
+              <a:rPr lang="en-US" altLang="ja-JP" sz="5400" b="1" dirty="0"/>
+              <a:t>avaScript</a:t>
+            </a:r>
+            <a:r>
+              <a:rPr lang="ja-JP" altLang="en-US" sz="5400" b="1" dirty="0"/>
+              <a:t>のライブラリ</a:t>
+            </a:r>
+            <a:endParaRPr kumimoji="1" lang="ja-JP" altLang="en-US" sz="5400" b="1" dirty="0"/>
+          </a:p>
+        </p:txBody>
+      </p:sp>
+      <p:sp>
+        <p:nvSpPr>
+          <p:cNvPr id="3" name="テキスト プレースホルダー 2">
+            <a:extLst>
+              <a:ext uri="{FF2B5EF4-FFF2-40B4-BE49-F238E27FC236}">
+                <a16:creationId xmlns:a16="http://schemas.microsoft.com/office/drawing/2014/main" id="{D104D7CC-F779-433D-AE3C-87186E0F5E42}"/>
+              </a:ext>
+            </a:extLst>
+          </p:cNvPr>
+          <p:cNvSpPr>
+            <a:spLocks noGrp="1"/>
+          </p:cNvSpPr>
+          <p:nvPr>
+            <p:ph type="body" idx="1"/>
+          </p:nvPr>
+        </p:nvSpPr>
+        <p:spPr>
+          <a:xfrm>
+            <a:off x="517835" y="1681163"/>
+            <a:ext cx="3850965" cy="823912"/>
+          </a:xfrm>
+        </p:spPr>
+        <p:txBody>
+          <a:bodyPr>
+            <a:normAutofit/>
+          </a:bodyPr>
+          <a:lstStyle/>
+          <a:p>
+            <a:r>
+              <a:rPr lang="en-US" altLang="ja-JP" sz="4000" dirty="0">
+                <a:solidFill>
+                  <a:srgbClr val="FF0000"/>
+                </a:solidFill>
+              </a:rPr>
+              <a:t>a</a:t>
+            </a:r>
+            <a:r>
+              <a:rPr kumimoji="1" lang="en-US" altLang="ja-JP" sz="4000" dirty="0">
+                <a:solidFill>
+                  <a:srgbClr val="FF0000"/>
+                </a:solidFill>
+              </a:rPr>
+              <a:t>bc.js</a:t>
+            </a:r>
+            <a:endParaRPr kumimoji="1" lang="ja-JP" altLang="en-US" sz="4000" dirty="0">
+              <a:solidFill>
+                <a:srgbClr val="FF0000"/>
+              </a:solidFill>
+            </a:endParaRPr>
+          </a:p>
+        </p:txBody>
+      </p:sp>
+      <p:sp>
+        <p:nvSpPr>
+          <p:cNvPr id="4" name="コンテンツ プレースホルダー 3">
+            <a:extLst>
+              <a:ext uri="{FF2B5EF4-FFF2-40B4-BE49-F238E27FC236}">
+                <a16:creationId xmlns:a16="http://schemas.microsoft.com/office/drawing/2014/main" id="{0C8F4E48-21EF-4E13-80A5-4B121603A094}"/>
+              </a:ext>
+            </a:extLst>
+          </p:cNvPr>
+          <p:cNvSpPr>
+            <a:spLocks noGrp="1"/>
+          </p:cNvSpPr>
+          <p:nvPr>
+            <p:ph sz="half" idx="2"/>
+          </p:nvPr>
+        </p:nvSpPr>
+        <p:spPr>
+          <a:xfrm>
+            <a:off x="447902" y="2505075"/>
+            <a:ext cx="5157787" cy="1776639"/>
+          </a:xfrm>
+        </p:spPr>
+        <p:txBody>
+          <a:bodyPr/>
+          <a:lstStyle/>
+          <a:p>
+            <a:r>
+              <a:rPr lang="en-US" altLang="ja-JP" dirty="0"/>
+              <a:t>abc.js</a:t>
+            </a:r>
+            <a:r>
+              <a:rPr lang="ja-JP" altLang="en-US" dirty="0"/>
+              <a:t>とは、ブラウザ上で</a:t>
+            </a:r>
+            <a:endParaRPr lang="en-US" altLang="ja-JP" dirty="0"/>
+          </a:p>
+          <a:p>
+            <a:pPr marL="0" indent="0">
+              <a:buNone/>
+            </a:pPr>
+            <a:r>
+              <a:rPr lang="ja-JP" altLang="en-US" dirty="0"/>
+              <a:t>楽譜を表示するためのソフトウェアである。</a:t>
+            </a:r>
+            <a:r>
+              <a:rPr lang="en-US" altLang="ja-JP" dirty="0"/>
+              <a:t>JavaScript </a:t>
+            </a:r>
+            <a:r>
+              <a:rPr lang="ja-JP" altLang="en-US" dirty="0"/>
+              <a:t>と </a:t>
+            </a:r>
+            <a:r>
+              <a:rPr lang="en-US" altLang="ja-JP" dirty="0"/>
+              <a:t>SVG </a:t>
+            </a:r>
+            <a:r>
+              <a:rPr lang="ja-JP" altLang="en-US" dirty="0"/>
+              <a:t>の技術を用いている。</a:t>
+            </a:r>
+            <a:endParaRPr kumimoji="1" lang="ja-JP" altLang="en-US" dirty="0"/>
+          </a:p>
+        </p:txBody>
+      </p:sp>
+      <p:sp>
+        <p:nvSpPr>
+          <p:cNvPr id="5" name="テキスト プレースホルダー 4">
+            <a:extLst>
+              <a:ext uri="{FF2B5EF4-FFF2-40B4-BE49-F238E27FC236}">
+                <a16:creationId xmlns:a16="http://schemas.microsoft.com/office/drawing/2014/main" id="{DE5078AA-A5F5-43D0-AEE2-E053876479B8}"/>
+              </a:ext>
+            </a:extLst>
+          </p:cNvPr>
+          <p:cNvSpPr>
+            <a:spLocks noGrp="1"/>
+          </p:cNvSpPr>
+          <p:nvPr>
+            <p:ph type="body" sz="quarter" idx="3"/>
+          </p:nvPr>
+        </p:nvSpPr>
+        <p:spPr>
+          <a:xfrm>
+            <a:off x="5416210" y="1681163"/>
+            <a:ext cx="5183188" cy="823912"/>
+          </a:xfrm>
+        </p:spPr>
+        <p:txBody>
+          <a:bodyPr>
+            <a:normAutofit/>
+          </a:bodyPr>
+          <a:lstStyle/>
+          <a:p>
+            <a:r>
+              <a:rPr lang="en-US" altLang="ja-JP" sz="4000" dirty="0">
+                <a:solidFill>
+                  <a:srgbClr val="FF0000"/>
+                </a:solidFill>
+              </a:rPr>
+              <a:t>Bootstrap</a:t>
+            </a:r>
+            <a:endParaRPr kumimoji="1" lang="ja-JP" altLang="en-US" sz="4000" dirty="0">
+              <a:solidFill>
+                <a:srgbClr val="FF0000"/>
+              </a:solidFill>
+            </a:endParaRPr>
+          </a:p>
+        </p:txBody>
+      </p:sp>
+      <p:sp>
+        <p:nvSpPr>
+          <p:cNvPr id="6" name="コンテンツ プレースホルダー 5">
+            <a:extLst>
+              <a:ext uri="{FF2B5EF4-FFF2-40B4-BE49-F238E27FC236}">
+                <a16:creationId xmlns:a16="http://schemas.microsoft.com/office/drawing/2014/main" id="{CE424D67-54E6-4C54-A76D-CB7F8926EA53}"/>
+              </a:ext>
+            </a:extLst>
+          </p:cNvPr>
+          <p:cNvSpPr>
+            <a:spLocks noGrp="1"/>
+          </p:cNvSpPr>
+          <p:nvPr>
+            <p:ph sz="quarter" idx="4"/>
+          </p:nvPr>
+        </p:nvSpPr>
+        <p:spPr>
+          <a:xfrm>
+            <a:off x="5495471" y="2505075"/>
+            <a:ext cx="6019800" cy="3684588"/>
+          </a:xfrm>
+        </p:spPr>
+        <p:txBody>
+          <a:bodyPr/>
+          <a:lstStyle/>
+          <a:p>
+            <a:pPr marL="0" indent="0" fontAlgn="base">
+              <a:buNone/>
+            </a:pPr>
+            <a:r>
+              <a:rPr lang="ja-JP" altLang="en-US" b="1" dirty="0"/>
+              <a:t>デザイン性の確保</a:t>
+            </a:r>
+            <a:endParaRPr lang="en-US" altLang="ja-JP" b="1" dirty="0"/>
+          </a:p>
+          <a:p>
+            <a:pPr marL="0" indent="0" fontAlgn="base">
+              <a:buNone/>
+            </a:pPr>
+            <a:r>
+              <a:rPr lang="ja-JP" altLang="en-US" dirty="0"/>
+              <a:t>「見やすさ」や「使いやすさ」に関わる見栄えも重要な要素とされています。</a:t>
+            </a:r>
+            <a:r>
+              <a:rPr lang="en-US" altLang="ja-JP" dirty="0"/>
+              <a:t>Bootstrap</a:t>
+            </a:r>
+            <a:r>
+              <a:rPr lang="ja-JP" altLang="en-US" dirty="0"/>
+              <a:t>では、あらかじめ用意されている</a:t>
+            </a:r>
+            <a:r>
+              <a:rPr lang="en-US" altLang="ja-JP" dirty="0"/>
+              <a:t>CSS</a:t>
+            </a:r>
+            <a:r>
+              <a:rPr lang="ja-JP" altLang="en-US" dirty="0"/>
+              <a:t>を適用することで、デザインが全くわからない人でも、ある程度の見栄えを確保することが可能です。</a:t>
+            </a:r>
+          </a:p>
+        </p:txBody>
+      </p:sp>
+      <p:sp>
+        <p:nvSpPr>
+          <p:cNvPr id="7" name="正方形/長方形 6">
+            <a:extLst>
+              <a:ext uri="{FF2B5EF4-FFF2-40B4-BE49-F238E27FC236}">
+                <a16:creationId xmlns:a16="http://schemas.microsoft.com/office/drawing/2014/main" id="{B673B75C-03C8-43E5-ABEB-7DA838FC4C6F}"/>
+              </a:ext>
+            </a:extLst>
+          </p:cNvPr>
+          <p:cNvSpPr/>
+          <p:nvPr/>
+        </p:nvSpPr>
+        <p:spPr>
+          <a:xfrm>
+            <a:off x="8645237" y="0"/>
+            <a:ext cx="3546764" cy="1967345"/>
+          </a:xfrm>
+          <a:prstGeom prst="rect">
+            <a:avLst/>
+          </a:prstGeom>
+          <a:solidFill>
+            <a:schemeClr val="bg2">
+              <a:lumMod val="50000"/>
+            </a:schemeClr>
+          </a:solidFill>
+          <a:ln>
+            <a:solidFill>
+              <a:schemeClr val="tx1"/>
+            </a:solidFill>
+          </a:ln>
+        </p:spPr>
+        <p:style>
+          <a:lnRef idx="2">
+            <a:schemeClr val="accent1">
+              <a:shade val="50000"/>
+            </a:schemeClr>
+          </a:lnRef>
+          <a:fillRef idx="1">
+            <a:schemeClr val="accent1"/>
+          </a:fillRef>
+          <a:effectRef idx="0">
+            <a:schemeClr val="accent1"/>
+          </a:effectRef>
+          <a:fontRef idx="minor">
+            <a:schemeClr val="lt1"/>
+          </a:fontRef>
+        </p:style>
+        <p:txBody>
+          <a:bodyPr rtlCol="0" anchor="ctr"/>
+          <a:lstStyle/>
+          <a:p>
+            <a:pPr algn="ctr"/>
+            <a:endParaRPr kumimoji="1" lang="ja-JP" altLang="en-US" dirty="0"/>
+          </a:p>
+        </p:txBody>
+      </p:sp>
+    </p:spTree>
+    <p:extLst>
+      <p:ext uri="{BB962C8B-B14F-4D97-AF65-F5344CB8AC3E}">
+        <p14:creationId xmlns:p14="http://schemas.microsoft.com/office/powerpoint/2010/main" val="4157861654"/>
+      </p:ext>
+    </p:extLst>
+  </p:cSld>
+  <p:clrMapOvr>
+    <a:masterClrMapping/>
+  </p:clrMapOvr>
+  <mc:AlternateContent xmlns:mc="http://schemas.openxmlformats.org/markup-compatibility/2006" xmlns:p14="http://schemas.microsoft.com/office/powerpoint/2010/main">
+    <mc:Choice Requires="p14">
+      <p:transition spd="slow" p14:dur="800">
+        <p:circle/>
+      </p:transition>
+    </mc:Choice>
+    <mc:Fallback xmlns="">
+      <p:transition spd="slow">
+        <p:circle/>
+      </p:transition>
+    </mc:Fallback>
+  </mc:AlternateContent>
+</p:sld>
+</file>
+
+<file path=ppt/slides/slide2.xml><?xml version="1.0" encoding="utf-8"?>
+<p:sld xmlns:a="http://schemas.openxmlformats.org/drawingml/2006/main" xmlns:r="http://schemas.openxmlformats.org/officeDocument/2006/relationships" xmlns:p="http://schemas.openxmlformats.org/presentationml/2006/main">
+  <p:cSld>
+    <p:spTree>
+      <p:nvGrpSpPr>
+        <p:cNvPr id="1" name=""/>
+        <p:cNvGrpSpPr/>
+        <p:nvPr/>
+      </p:nvGrpSpPr>
+      <p:grpSpPr>
+        <a:xfrm>
+          <a:off x="0" y="0"/>
+          <a:ext cx="0" cy="0"/>
+          <a:chOff x="0" y="0"/>
+          <a:chExt cx="0" cy="0"/>
+        </a:xfrm>
+      </p:grpSpPr>
+      <p:sp>
+        <p:nvSpPr>
+          <p:cNvPr id="2" name="タイトル 1">
+            <a:extLst>
+              <a:ext uri="{FF2B5EF4-FFF2-40B4-BE49-F238E27FC236}">
+                <a16:creationId xmlns:a16="http://schemas.microsoft.com/office/drawing/2014/main" id="{CC40428C-C842-4E9B-9753-D4AEB8ACD5CC}"/>
+              </a:ext>
+            </a:extLst>
+          </p:cNvPr>
+          <p:cNvSpPr>
+            <a:spLocks noGrp="1"/>
+          </p:cNvSpPr>
+          <p:nvPr>
+            <p:ph type="title"/>
+          </p:nvPr>
+        </p:nvSpPr>
+        <p:spPr/>
+        <p:txBody>
+          <a:bodyPr>
+            <a:normAutofit/>
+          </a:bodyPr>
+          <a:lstStyle/>
+          <a:p>
+            <a:r>
+              <a:rPr lang="ja-JP" altLang="en-US" sz="4800" dirty="0"/>
+              <a:t>目次</a:t>
+            </a:r>
+            <a:endParaRPr kumimoji="1" lang="ja-JP" altLang="en-US" sz="4800" dirty="0"/>
+          </a:p>
+        </p:txBody>
+      </p:sp>
+      <p:sp>
+        <p:nvSpPr>
+          <p:cNvPr id="3" name="テキスト ボックス 2">
+            <a:extLst>
+              <a:ext uri="{FF2B5EF4-FFF2-40B4-BE49-F238E27FC236}">
+                <a16:creationId xmlns:a16="http://schemas.microsoft.com/office/drawing/2014/main" id="{9733422F-0C07-4AEE-A9DB-DB7984FD0928}"/>
+              </a:ext>
+            </a:extLst>
+          </p:cNvPr>
+          <p:cNvSpPr txBox="1"/>
+          <p:nvPr/>
+        </p:nvSpPr>
+        <p:spPr>
+          <a:xfrm>
+            <a:off x="733136" y="1462088"/>
+            <a:ext cx="6823364" cy="6832640"/>
+          </a:xfrm>
+          <a:prstGeom prst="rect">
+            <a:avLst/>
+          </a:prstGeom>
+          <a:noFill/>
+        </p:spPr>
+        <p:txBody>
+          <a:bodyPr wrap="square" rtlCol="0">
+            <a:spAutoFit/>
+          </a:bodyPr>
+          <a:lstStyle/>
+          <a:p>
+            <a:pPr marL="342900" indent="-342900">
+              <a:buFont typeface="+mj-ea"/>
+              <a:buAutoNum type="circleNumDbPlain"/>
+            </a:pPr>
+            <a:r>
+              <a:rPr lang="en-US" altLang="ja-JP" sz="3200" dirty="0"/>
+              <a:t>bit composer</a:t>
+            </a:r>
+            <a:r>
+              <a:rPr lang="ja-JP" altLang="en-US" sz="3200" dirty="0"/>
+              <a:t>とは</a:t>
+            </a:r>
+            <a:endParaRPr lang="en-US" altLang="ja-JP" sz="3200" dirty="0"/>
+          </a:p>
+          <a:p>
+            <a:pPr marL="342900" indent="-342900">
+              <a:buFont typeface="+mj-ea"/>
+              <a:buAutoNum type="circleNumDbPlain"/>
+            </a:pPr>
+            <a:r>
+              <a:rPr lang="ja-JP" altLang="en-US" sz="3200" dirty="0"/>
+              <a:t>システム構成</a:t>
+            </a:r>
+            <a:endParaRPr kumimoji="1" lang="en-US" altLang="ja-JP" sz="3200" dirty="0"/>
+          </a:p>
+          <a:p>
+            <a:pPr marL="342900" indent="-342900">
+              <a:buFont typeface="+mj-ea"/>
+              <a:buAutoNum type="circleNumDbPlain"/>
+            </a:pPr>
+            <a:r>
+              <a:rPr lang="ja-JP" altLang="en-US" sz="3200" dirty="0"/>
+              <a:t>自動作曲の仕組み</a:t>
+            </a:r>
+            <a:endParaRPr lang="en-US" altLang="ja-JP" sz="3200" dirty="0"/>
+          </a:p>
+          <a:p>
+            <a:pPr marL="342900" indent="-342900">
+              <a:buFont typeface="+mj-ea"/>
+              <a:buAutoNum type="circleNumDbPlain"/>
+            </a:pPr>
+            <a:r>
+              <a:rPr lang="ja-JP" altLang="en-US" sz="3200" dirty="0"/>
+              <a:t>システムの構成</a:t>
+            </a:r>
+            <a:endParaRPr lang="en-US" altLang="ja-JP" sz="3200" dirty="0"/>
+          </a:p>
+          <a:p>
+            <a:pPr marL="342900" indent="-342900">
+              <a:buFont typeface="+mj-ea"/>
+              <a:buAutoNum type="circleNumDbPlain"/>
+            </a:pPr>
+            <a:r>
+              <a:rPr lang="ja-JP" altLang="en-US" sz="3200" dirty="0"/>
+              <a:t>自動作曲の方法①</a:t>
+            </a:r>
+            <a:r>
+              <a:rPr lang="en-US" altLang="ja-JP" sz="3200" dirty="0"/>
+              <a:t>,</a:t>
+            </a:r>
+            <a:r>
+              <a:rPr lang="ja-JP" altLang="en-US" sz="3200" dirty="0"/>
+              <a:t>②</a:t>
+            </a:r>
+            <a:endParaRPr lang="en-US" altLang="ja-JP" sz="3200" dirty="0"/>
+          </a:p>
+          <a:p>
+            <a:pPr marL="342900" indent="-342900">
+              <a:buFont typeface="+mj-ea"/>
+              <a:buAutoNum type="circleNumDbPlain"/>
+            </a:pPr>
+            <a:r>
+              <a:rPr lang="ja-JP" altLang="en-US" sz="3200" dirty="0"/>
+              <a:t>既存のアプリとの比較</a:t>
+            </a:r>
+            <a:endParaRPr lang="en-US" altLang="ja-JP" sz="3200" dirty="0"/>
+          </a:p>
+          <a:p>
+            <a:pPr marL="342900" indent="-342900">
+              <a:buFont typeface="+mj-ea"/>
+              <a:buAutoNum type="circleNumDbPlain"/>
+            </a:pPr>
+            <a:r>
+              <a:rPr lang="ja-JP" altLang="en-US" sz="3200" dirty="0"/>
+              <a:t>デモンストレーション</a:t>
+            </a:r>
+            <a:endParaRPr lang="en-US" altLang="ja-JP" sz="3200" dirty="0"/>
+          </a:p>
+          <a:p>
+            <a:pPr marL="342900" indent="-342900">
+              <a:buFont typeface="+mj-ea"/>
+              <a:buAutoNum type="circleNumDbPlain"/>
+            </a:pPr>
+            <a:r>
+              <a:rPr lang="ja-JP" altLang="en-US" sz="3200" dirty="0"/>
+              <a:t>今後の課題</a:t>
+            </a:r>
+            <a:endParaRPr lang="en-US" altLang="ja-JP" sz="3200" dirty="0"/>
+          </a:p>
+          <a:p>
+            <a:pPr marL="342900" indent="-342900">
+              <a:buFont typeface="+mj-ea"/>
+              <a:buAutoNum type="circleNumDbPlain"/>
+            </a:pPr>
+            <a:r>
+              <a:rPr lang="ja-JP" altLang="en-US" sz="3200" dirty="0"/>
+              <a:t>開発で苦労した点</a:t>
+            </a:r>
+            <a:endParaRPr lang="en-US" altLang="ja-JP" sz="3200" dirty="0"/>
+          </a:p>
+          <a:p>
+            <a:pPr marL="342900" indent="-342900">
+              <a:buFont typeface="+mj-ea"/>
+              <a:buAutoNum type="circleNumDbPlain"/>
+            </a:pPr>
+            <a:r>
+              <a:rPr lang="ja-JP" altLang="en-US" sz="3200" dirty="0"/>
+              <a:t>メンバー紹介</a:t>
+            </a:r>
+            <a:endParaRPr lang="en-US" altLang="ja-JP" sz="3200" dirty="0"/>
+          </a:p>
+          <a:p>
+            <a:endParaRPr lang="en-US" altLang="ja-JP" sz="3200" dirty="0"/>
+          </a:p>
+          <a:p>
+            <a:pPr marL="342900" indent="-342900">
+              <a:buFont typeface="+mj-ea"/>
+              <a:buAutoNum type="circleNumDbPlain"/>
+            </a:pPr>
+            <a:endParaRPr lang="en-US" altLang="ja-JP" sz="3200" dirty="0"/>
+          </a:p>
+          <a:p>
+            <a:pPr marL="342900" indent="-342900">
+              <a:buFont typeface="+mj-ea"/>
+              <a:buAutoNum type="circleNumDbPlain"/>
+            </a:pPr>
+            <a:endParaRPr lang="en-US" altLang="ja-JP" dirty="0"/>
+          </a:p>
+          <a:p>
+            <a:pPr marL="342900" indent="-342900">
+              <a:buFont typeface="+mj-ea"/>
+              <a:buAutoNum type="circleNumDbPlain"/>
+            </a:pPr>
+            <a:endParaRPr lang="en-US" altLang="ja-JP" dirty="0"/>
+          </a:p>
+          <a:p>
+            <a:pPr marL="342900" indent="-342900">
+              <a:buFont typeface="+mj-ea"/>
+              <a:buAutoNum type="circleNumDbPlain"/>
+            </a:pPr>
+            <a:endParaRPr kumimoji="1" lang="en-US" altLang="ja-JP" dirty="0"/>
+          </a:p>
+        </p:txBody>
+      </p:sp>
+      <p:sp>
+        <p:nvSpPr>
+          <p:cNvPr id="4" name="正方形/長方形 3">
+            <a:extLst>
+              <a:ext uri="{FF2B5EF4-FFF2-40B4-BE49-F238E27FC236}">
+                <a16:creationId xmlns:a16="http://schemas.microsoft.com/office/drawing/2014/main" id="{54788BCE-6C4C-4A71-AC63-E51B55C1D7F1}"/>
+              </a:ext>
+            </a:extLst>
+          </p:cNvPr>
+          <p:cNvSpPr/>
+          <p:nvPr/>
+        </p:nvSpPr>
+        <p:spPr>
+          <a:xfrm>
+            <a:off x="8645237" y="0"/>
+            <a:ext cx="3546764" cy="1967345"/>
+          </a:xfrm>
+          <a:prstGeom prst="rect">
+            <a:avLst/>
+          </a:prstGeom>
+          <a:solidFill>
+            <a:schemeClr val="bg2">
+              <a:lumMod val="50000"/>
+            </a:schemeClr>
+          </a:solidFill>
+          <a:ln>
+            <a:solidFill>
+              <a:schemeClr val="tx1"/>
+            </a:solidFill>
+          </a:ln>
+        </p:spPr>
+        <p:style>
+          <a:lnRef idx="2">
+            <a:schemeClr val="accent1">
+              <a:shade val="50000"/>
+            </a:schemeClr>
+          </a:lnRef>
+          <a:fillRef idx="1">
+            <a:schemeClr val="accent1"/>
+          </a:fillRef>
+          <a:effectRef idx="0">
+            <a:schemeClr val="accent1"/>
+          </a:effectRef>
+          <a:fontRef idx="minor">
+            <a:schemeClr val="lt1"/>
+          </a:fontRef>
+        </p:style>
+        <p:txBody>
+          <a:bodyPr rtlCol="0" anchor="ctr"/>
+          <a:lstStyle/>
+          <a:p>
+            <a:pPr algn="ctr"/>
+            <a:endParaRPr kumimoji="1" lang="ja-JP" altLang="en-US" dirty="0"/>
+          </a:p>
+        </p:txBody>
+      </p:sp>
+    </p:spTree>
+    <p:extLst>
+      <p:ext uri="{BB962C8B-B14F-4D97-AF65-F5344CB8AC3E}">
+        <p14:creationId xmlns:p14="http://schemas.microsoft.com/office/powerpoint/2010/main" val="3396380034"/>
+      </p:ext>
+    </p:extLst>
+  </p:cSld>
+  <p:clrMapOvr>
+    <a:masterClrMapping/>
+  </p:clrMapOvr>
+  <mc:AlternateContent xmlns:mc="http://schemas.openxmlformats.org/markup-compatibility/2006" xmlns:p14="http://schemas.microsoft.com/office/powerpoint/2010/main">
+    <mc:Choice Requires="p14">
+      <p:transition spd="slow" p14:dur="800">
+        <p:circle/>
+      </p:transition>
+    </mc:Choice>
+    <mc:Fallback xmlns="">
+      <p:transition spd="slow">
+        <p:circle/>
+      </p:transition>
+    </mc:Fallback>
+  </mc:AlternateContent>
+</p:sld>
+</file>
+
+<file path=ppt/slides/slide3.xml><?xml version="1.0" encoding="utf-8"?>
+<p:sld xmlns:a="http://schemas.openxmlformats.org/drawingml/2006/main" xmlns:r="http://schemas.openxmlformats.org/officeDocument/2006/relationships" xmlns:p="http://schemas.openxmlformats.org/presentationml/2006/main">
+  <p:cSld>
+    <p:spTree>
+      <p:nvGrpSpPr>
+        <p:cNvPr id="1" name=""/>
+        <p:cNvGrpSpPr/>
+        <p:nvPr/>
+      </p:nvGrpSpPr>
+      <p:grpSpPr>
+        <a:xfrm>
+          <a:off x="0" y="0"/>
+          <a:ext cx="0" cy="0"/>
+          <a:chOff x="0" y="0"/>
+          <a:chExt cx="0" cy="0"/>
+        </a:xfrm>
+      </p:grpSpPr>
+      <p:sp>
+        <p:nvSpPr>
+          <p:cNvPr id="4" name="テキスト ボックス 3">
+            <a:extLst>
+              <a:ext uri="{FF2B5EF4-FFF2-40B4-BE49-F238E27FC236}">
+                <a16:creationId xmlns:a16="http://schemas.microsoft.com/office/drawing/2014/main" id="{711EBC71-EE30-45B1-9051-4FA759C3970F}"/>
+              </a:ext>
+            </a:extLst>
+          </p:cNvPr>
+          <p:cNvSpPr txBox="1"/>
+          <p:nvPr/>
+        </p:nvSpPr>
+        <p:spPr>
+          <a:xfrm>
+            <a:off x="508000" y="2433729"/>
+            <a:ext cx="10913979" cy="1569660"/>
+          </a:xfrm>
+          <a:prstGeom prst="rect">
+            <a:avLst/>
+          </a:prstGeom>
+          <a:noFill/>
+        </p:spPr>
+        <p:txBody>
+          <a:bodyPr wrap="square" rtlCol="0">
+            <a:spAutoFit/>
+          </a:bodyPr>
+          <a:lstStyle/>
+          <a:p>
+            <a:pPr marL="457200" indent="-457200">
+              <a:buFont typeface="Arial" panose="020B0604020202020204" pitchFamily="34" charset="0"/>
+              <a:buChar char="•"/>
+            </a:pPr>
+            <a:r>
+              <a:rPr lang="en-US" altLang="ja-JP" sz="3200" dirty="0"/>
+              <a:t>AI</a:t>
+            </a:r>
+            <a:r>
+              <a:rPr lang="ja-JP" altLang="en-US" sz="3200" dirty="0"/>
+              <a:t>を使ったゲーム音楽風の自動作曲アプリ</a:t>
+            </a:r>
+            <a:endParaRPr lang="en-US" altLang="ja-JP" sz="3200" dirty="0"/>
+          </a:p>
+          <a:p>
+            <a:pPr marL="457200" indent="-457200">
+              <a:buFont typeface="Arial" panose="020B0604020202020204" pitchFamily="34" charset="0"/>
+              <a:buChar char="•"/>
+            </a:pPr>
+            <a:endParaRPr lang="en-US" altLang="ja-JP" sz="3200" dirty="0"/>
+          </a:p>
+          <a:p>
+            <a:pPr marL="457200" indent="-457200">
+              <a:buFont typeface="Arial" panose="020B0604020202020204" pitchFamily="34" charset="0"/>
+              <a:buChar char="•"/>
+            </a:pPr>
+            <a:r>
+              <a:rPr lang="ja-JP" altLang="en-US" sz="3200" dirty="0"/>
+              <a:t>初心者でも簡単に作曲できる</a:t>
+            </a:r>
+          </a:p>
+        </p:txBody>
+      </p:sp>
+      <p:sp>
+        <p:nvSpPr>
+          <p:cNvPr id="2" name="タイトル 1">
+            <a:extLst>
+              <a:ext uri="{FF2B5EF4-FFF2-40B4-BE49-F238E27FC236}">
+                <a16:creationId xmlns:a16="http://schemas.microsoft.com/office/drawing/2014/main" id="{46C3960C-0935-4B79-84EE-CA3EDDF9BE55}"/>
+              </a:ext>
+            </a:extLst>
+          </p:cNvPr>
+          <p:cNvSpPr>
+            <a:spLocks noGrp="1"/>
+          </p:cNvSpPr>
+          <p:nvPr>
+            <p:ph type="title" idx="4294967295"/>
+          </p:nvPr>
+        </p:nvSpPr>
+        <p:spPr>
+          <a:xfrm>
+            <a:off x="508000" y="551542"/>
+            <a:ext cx="6879771" cy="961345"/>
+          </a:xfrm>
+        </p:spPr>
+        <p:txBody>
+          <a:bodyPr>
+            <a:normAutofit/>
+          </a:bodyPr>
+          <a:lstStyle/>
+          <a:p>
+            <a:r>
+              <a:rPr kumimoji="1" lang="en-US" altLang="ja-JP" sz="6000" b="1" kern="1200" dirty="0">
+                <a:solidFill>
+                  <a:schemeClr val="tx1">
+                    <a:lumMod val="65000"/>
+                    <a:lumOff val="35000"/>
+                  </a:schemeClr>
+                </a:solidFill>
+                <a:effectLst/>
+                <a:latin typeface="游ゴシック" panose="020B0400000000000000" pitchFamily="50" charset="-128"/>
+                <a:ea typeface="游ゴシック" panose="020B0400000000000000" pitchFamily="50" charset="-128"/>
+                <a:cs typeface="+mn-cs"/>
+              </a:rPr>
+              <a:t>bit composer</a:t>
+            </a:r>
+            <a:r>
+              <a:rPr kumimoji="1" lang="ja-JP" altLang="ja-JP" sz="6000" b="1" kern="1200" dirty="0">
+                <a:solidFill>
+                  <a:schemeClr val="tx1">
+                    <a:lumMod val="65000"/>
+                    <a:lumOff val="35000"/>
+                  </a:schemeClr>
+                </a:solidFill>
+                <a:effectLst/>
+                <a:latin typeface="游ゴシック" panose="020B0400000000000000" pitchFamily="50" charset="-128"/>
+                <a:ea typeface="游ゴシック" panose="020B0400000000000000" pitchFamily="50" charset="-128"/>
+                <a:cs typeface="+mn-cs"/>
+              </a:rPr>
+              <a:t>とは</a:t>
+            </a:r>
+            <a:endParaRPr kumimoji="1" lang="ja-JP" altLang="en-US" b="1" dirty="0">
+              <a:solidFill>
+                <a:schemeClr val="tx1">
+                  <a:lumMod val="65000"/>
+                  <a:lumOff val="35000"/>
+                </a:schemeClr>
+              </a:solidFill>
+            </a:endParaRPr>
+          </a:p>
+        </p:txBody>
+      </p:sp>
+      <p:sp>
+        <p:nvSpPr>
+          <p:cNvPr id="5" name="正方形/長方形 4">
+            <a:extLst>
+              <a:ext uri="{FF2B5EF4-FFF2-40B4-BE49-F238E27FC236}">
+                <a16:creationId xmlns:a16="http://schemas.microsoft.com/office/drawing/2014/main" id="{2FB9583C-E209-4C7E-AAAE-DC05F43D9F5A}"/>
+              </a:ext>
+            </a:extLst>
+          </p:cNvPr>
+          <p:cNvSpPr/>
+          <p:nvPr/>
+        </p:nvSpPr>
+        <p:spPr>
+          <a:xfrm>
+            <a:off x="8645237" y="0"/>
+            <a:ext cx="3546764" cy="1967345"/>
+          </a:xfrm>
+          <a:prstGeom prst="rect">
+            <a:avLst/>
+          </a:prstGeom>
+          <a:solidFill>
+            <a:schemeClr val="bg2">
+              <a:lumMod val="50000"/>
+            </a:schemeClr>
+          </a:solidFill>
+          <a:ln>
+            <a:solidFill>
+              <a:schemeClr val="tx1"/>
+            </a:solidFill>
+          </a:ln>
+        </p:spPr>
+        <p:style>
+          <a:lnRef idx="2">
+            <a:schemeClr val="accent1">
+              <a:shade val="50000"/>
+            </a:schemeClr>
+          </a:lnRef>
+          <a:fillRef idx="1">
+            <a:schemeClr val="accent1"/>
+          </a:fillRef>
+          <a:effectRef idx="0">
+            <a:schemeClr val="accent1"/>
+          </a:effectRef>
+          <a:fontRef idx="minor">
+            <a:schemeClr val="lt1"/>
+          </a:fontRef>
+        </p:style>
+        <p:txBody>
+          <a:bodyPr rtlCol="0" anchor="ctr"/>
+          <a:lstStyle/>
+          <a:p>
+            <a:pPr algn="ctr"/>
+            <a:endParaRPr kumimoji="1" lang="ja-JP" altLang="en-US" dirty="0"/>
+          </a:p>
+        </p:txBody>
+      </p:sp>
+    </p:spTree>
+    <p:extLst>
+      <p:ext uri="{BB962C8B-B14F-4D97-AF65-F5344CB8AC3E}">
+        <p14:creationId xmlns:p14="http://schemas.microsoft.com/office/powerpoint/2010/main" val="3555805967"/>
+      </p:ext>
+    </p:extLst>
+  </p:cSld>
+  <p:clrMapOvr>
+    <a:masterClrMapping/>
+  </p:clrMapOvr>
+  <mc:AlternateContent xmlns:mc="http://schemas.openxmlformats.org/markup-compatibility/2006" xmlns:p14="http://schemas.microsoft.com/office/powerpoint/2010/main">
+    <mc:Choice Requires="p14">
+      <p:transition spd="slow" p14:dur="800">
+        <p:circle/>
+      </p:transition>
+    </mc:Choice>
+    <mc:Fallback xmlns="">
+      <p:transition spd="slow">
+        <p:circle/>
+      </p:transition>
+    </mc:Fallback>
+  </mc:AlternateContent>
+</p:sld>
+</file>
+
+<file path=ppt/slides/slide4.xml><?xml version="1.0" encoding="utf-8"?>
+<p:sld xmlns:a="http://schemas.openxmlformats.org/drawingml/2006/main" xmlns:r="http://schemas.openxmlformats.org/officeDocument/2006/relationships" xmlns:p="http://schemas.openxmlformats.org/presentationml/2006/main">
+  <p:cSld>
+    <p:spTree>
+      <p:nvGrpSpPr>
+        <p:cNvPr id="1" name=""/>
+        <p:cNvGrpSpPr/>
+        <p:nvPr/>
+      </p:nvGrpSpPr>
+      <p:grpSpPr>
+        <a:xfrm>
+          <a:off x="0" y="0"/>
+          <a:ext cx="0" cy="0"/>
+          <a:chOff x="0" y="0"/>
+          <a:chExt cx="0" cy="0"/>
+        </a:xfrm>
+      </p:grpSpPr>
+      <p:sp>
+        <p:nvSpPr>
+          <p:cNvPr id="2" name="タイトル 1">
+            <a:extLst>
+              <a:ext uri="{FF2B5EF4-FFF2-40B4-BE49-F238E27FC236}">
+                <a16:creationId xmlns:a16="http://schemas.microsoft.com/office/drawing/2014/main" id="{839B07C4-E9DF-4F67-BD06-F0441A00A426}"/>
+              </a:ext>
+            </a:extLst>
+          </p:cNvPr>
+          <p:cNvSpPr>
+            <a:spLocks noGrp="1"/>
+          </p:cNvSpPr>
+          <p:nvPr>
+            <p:ph type="ctrTitle"/>
+          </p:nvPr>
+        </p:nvSpPr>
+        <p:spPr>
+          <a:xfrm>
+            <a:off x="1524000" y="1122363"/>
+            <a:ext cx="9144000" cy="1303337"/>
+          </a:xfrm>
+        </p:spPr>
+        <p:txBody>
+          <a:bodyPr>
+            <a:normAutofit/>
+          </a:bodyPr>
+          <a:lstStyle/>
+          <a:p>
+            <a:pPr algn="l"/>
+            <a:r>
+              <a:rPr lang="en-US" altLang="ja-JP" sz="6600" b="1" dirty="0"/>
+              <a:t>b</a:t>
+            </a:r>
+            <a:r>
+              <a:rPr kumimoji="1" lang="en-US" altLang="ja-JP" sz="6600" b="1" dirty="0"/>
+              <a:t>it composer</a:t>
+            </a:r>
+            <a:r>
+              <a:rPr kumimoji="1" lang="ja-JP" altLang="en-US" sz="6600" b="1" dirty="0"/>
+              <a:t>の機能</a:t>
+            </a:r>
+          </a:p>
+        </p:txBody>
+      </p:sp>
+      <p:sp>
+        <p:nvSpPr>
+          <p:cNvPr id="3" name="字幕 2">
+            <a:extLst>
+              <a:ext uri="{FF2B5EF4-FFF2-40B4-BE49-F238E27FC236}">
+                <a16:creationId xmlns:a16="http://schemas.microsoft.com/office/drawing/2014/main" id="{9CA4ABDA-9BC8-4D55-A847-B4791DFA0080}"/>
+              </a:ext>
+            </a:extLst>
+          </p:cNvPr>
+          <p:cNvSpPr>
+            <a:spLocks noGrp="1"/>
+          </p:cNvSpPr>
+          <p:nvPr>
+            <p:ph type="subTitle" idx="1"/>
+          </p:nvPr>
+        </p:nvSpPr>
+        <p:spPr>
+          <a:xfrm>
+            <a:off x="1524000" y="2601118"/>
+            <a:ext cx="9144000" cy="3253581"/>
+          </a:xfrm>
+        </p:spPr>
+        <p:txBody>
+          <a:bodyPr>
+            <a:normAutofit/>
+          </a:bodyPr>
+          <a:lstStyle/>
+          <a:p>
+            <a:pPr algn="l"/>
+            <a:r>
+              <a:rPr kumimoji="1" lang="ja-JP" altLang="en-US" sz="3600" dirty="0"/>
+              <a:t>・鍵盤から音楽データを</a:t>
+            </a:r>
+            <a:r>
+              <a:rPr kumimoji="1" lang="en-US" altLang="ja-JP" sz="3600" dirty="0"/>
+              <a:t>AI</a:t>
+            </a:r>
+            <a:r>
+              <a:rPr kumimoji="1" lang="ja-JP" altLang="en-US" sz="3600" dirty="0"/>
+              <a:t>のサーバに送信してオリジナルのゲーム音楽風の音楽を作</a:t>
+            </a:r>
+            <a:r>
+              <a:rPr lang="ja-JP" altLang="en-US" sz="3600" dirty="0"/>
+              <a:t>り曲を聴いたり</a:t>
+            </a:r>
+            <a:endParaRPr lang="en-US" altLang="ja-JP" sz="3600" dirty="0"/>
+          </a:p>
+          <a:p>
+            <a:pPr algn="l"/>
+            <a:r>
+              <a:rPr lang="ja-JP" altLang="en-US" sz="3600" dirty="0"/>
+              <a:t>曲をダウンロードできる</a:t>
+            </a:r>
+            <a:endParaRPr kumimoji="1" lang="ja-JP" altLang="en-US" sz="3600" dirty="0"/>
+          </a:p>
+        </p:txBody>
+      </p:sp>
+    </p:spTree>
+    <p:extLst>
+      <p:ext uri="{BB962C8B-B14F-4D97-AF65-F5344CB8AC3E}">
+        <p14:creationId xmlns:p14="http://schemas.microsoft.com/office/powerpoint/2010/main" val="3859487932"/>
+      </p:ext>
+    </p:extLst>
+  </p:cSld>
+  <p:clrMapOvr>
+    <a:masterClrMapping/>
+  </p:clrMapOvr>
+  <mc:AlternateContent xmlns:mc="http://schemas.openxmlformats.org/markup-compatibility/2006" xmlns:p14="http://schemas.microsoft.com/office/powerpoint/2010/main">
+    <mc:Choice Requires="p14">
+      <p:transition spd="slow" p14:dur="800">
+        <p:circle/>
+      </p:transition>
+    </mc:Choice>
+    <mc:Fallback xmlns="">
+      <p:transition spd="slow">
+        <p:circle/>
+      </p:transition>
+    </mc:Fallback>
+  </mc:AlternateContent>
+</p:sld>
+</file>
+
+<file path=ppt/slides/slide5.xml><?xml version="1.0" encoding="utf-8"?>
+<p:sld xmlns:a="http://schemas.openxmlformats.org/drawingml/2006/main" xmlns:r="http://schemas.openxmlformats.org/officeDocument/2006/relationships" xmlns:p="http://schemas.openxmlformats.org/presentationml/2006/main">
+  <p:cSld>
+    <p:spTree>
+      <p:nvGrpSpPr>
+        <p:cNvPr id="1" name=""/>
+        <p:cNvGrpSpPr/>
+        <p:nvPr/>
+      </p:nvGrpSpPr>
+      <p:grpSpPr>
+        <a:xfrm>
+          <a:off x="0" y="0"/>
+          <a:ext cx="0" cy="0"/>
+          <a:chOff x="0" y="0"/>
+          <a:chExt cx="0" cy="0"/>
+        </a:xfrm>
+      </p:grpSpPr>
+      <p:sp>
+        <p:nvSpPr>
+          <p:cNvPr id="4" name="タイトル 3">
+            <a:extLst>
+              <a:ext uri="{FF2B5EF4-FFF2-40B4-BE49-F238E27FC236}">
+                <a16:creationId xmlns:a16="http://schemas.microsoft.com/office/drawing/2014/main" id="{77D4D360-3452-403B-A802-00F2AC9725F0}"/>
+              </a:ext>
+            </a:extLst>
+          </p:cNvPr>
+          <p:cNvSpPr>
+            <a:spLocks noGrp="1"/>
+          </p:cNvSpPr>
+          <p:nvPr>
+            <p:ph type="title"/>
+          </p:nvPr>
+        </p:nvSpPr>
+        <p:spPr>
+          <a:xfrm>
+            <a:off x="977900" y="196980"/>
+            <a:ext cx="3823010" cy="1293028"/>
+          </a:xfrm>
+        </p:spPr>
+        <p:txBody>
+          <a:bodyPr>
+            <a:normAutofit fontScale="90000"/>
+          </a:bodyPr>
+          <a:lstStyle/>
+          <a:p>
+            <a:r>
+              <a:rPr kumimoji="1" lang="ja-JP" altLang="en-US" b="1" dirty="0">
+                <a:solidFill>
+                  <a:schemeClr val="tx1">
+                    <a:lumMod val="65000"/>
+                    <a:lumOff val="35000"/>
+                  </a:schemeClr>
+                </a:solidFill>
+                <a:latin typeface="+mn-lt"/>
+              </a:rPr>
+              <a:t>システムの構成</a:t>
+            </a:r>
+          </a:p>
+        </p:txBody>
+      </p:sp>
+      <p:sp>
+        <p:nvSpPr>
+          <p:cNvPr id="13" name="テキスト ボックス 12">
+            <a:extLst>
+              <a:ext uri="{FF2B5EF4-FFF2-40B4-BE49-F238E27FC236}">
+                <a16:creationId xmlns:a16="http://schemas.microsoft.com/office/drawing/2014/main" id="{D2EC5B4D-3CEA-45D4-8A0C-A52B40544298}"/>
+              </a:ext>
+            </a:extLst>
+          </p:cNvPr>
+          <p:cNvSpPr txBox="1"/>
+          <p:nvPr/>
+        </p:nvSpPr>
+        <p:spPr>
+          <a:xfrm>
+            <a:off x="8500090" y="569071"/>
+            <a:ext cx="2294021" cy="621341"/>
+          </a:xfrm>
+          <a:prstGeom prst="rect">
+            <a:avLst/>
+          </a:prstGeom>
+          <a:noFill/>
+        </p:spPr>
+        <p:txBody>
+          <a:bodyPr wrap="square" rtlCol="0">
+            <a:spAutoFit/>
+          </a:bodyPr>
+          <a:lstStyle/>
+          <a:p>
+            <a:endParaRPr kumimoji="1" lang="ja-JP" altLang="en-US" dirty="0"/>
+          </a:p>
+        </p:txBody>
+      </p:sp>
+      <p:sp>
+        <p:nvSpPr>
+          <p:cNvPr id="6" name="テキスト ボックス 5">
+            <a:extLst>
+              <a:ext uri="{FF2B5EF4-FFF2-40B4-BE49-F238E27FC236}">
+                <a16:creationId xmlns:a16="http://schemas.microsoft.com/office/drawing/2014/main" id="{4560422A-0E17-4CFD-BEB9-7760F9CBBC2F}"/>
+              </a:ext>
+            </a:extLst>
+          </p:cNvPr>
+          <p:cNvSpPr txBox="1"/>
+          <p:nvPr/>
+        </p:nvSpPr>
+        <p:spPr>
+          <a:xfrm>
+            <a:off x="6536746" y="2600875"/>
+            <a:ext cx="1718455" cy="369332"/>
+          </a:xfrm>
+          <a:prstGeom prst="rect">
+            <a:avLst/>
+          </a:prstGeom>
+          <a:noFill/>
+        </p:spPr>
+        <p:txBody>
+          <a:bodyPr wrap="square" rtlCol="0">
+            <a:spAutoFit/>
+          </a:bodyPr>
+          <a:lstStyle/>
+          <a:p>
+            <a:endParaRPr kumimoji="1" lang="ja-JP" altLang="en-US" dirty="0"/>
+          </a:p>
+        </p:txBody>
+      </p:sp>
+      <p:grpSp>
+        <p:nvGrpSpPr>
+          <p:cNvPr id="10" name="グループ化 9">
+            <a:extLst>
+              <a:ext uri="{FF2B5EF4-FFF2-40B4-BE49-F238E27FC236}">
+                <a16:creationId xmlns:a16="http://schemas.microsoft.com/office/drawing/2014/main" id="{BC384ED3-F2CA-4265-81B4-9512F7AFB0AE}"/>
+              </a:ext>
+            </a:extLst>
+          </p:cNvPr>
+          <p:cNvGrpSpPr/>
+          <p:nvPr/>
+        </p:nvGrpSpPr>
+        <p:grpSpPr>
+          <a:xfrm>
+            <a:off x="472617" y="1058779"/>
+            <a:ext cx="10423182" cy="5602241"/>
+            <a:chOff x="981144" y="1836601"/>
+            <a:chExt cx="11086668" cy="4714911"/>
+          </a:xfrm>
+        </p:grpSpPr>
+        <p:cxnSp>
+          <p:nvCxnSpPr>
+            <p:cNvPr id="19" name="直線コネクタ 18">
+              <a:extLst>
+                <a:ext uri="{FF2B5EF4-FFF2-40B4-BE49-F238E27FC236}">
+                  <a16:creationId xmlns:a16="http://schemas.microsoft.com/office/drawing/2014/main" id="{A0D37746-D309-40AE-A0C0-3A39F14887DA}"/>
+                </a:ext>
+              </a:extLst>
+            </p:cNvPr>
+            <p:cNvCxnSpPr>
+              <a:cxnSpLocks/>
+              <a:stCxn id="17" idx="3"/>
+            </p:cNvCxnSpPr>
+            <p:nvPr/>
+          </p:nvCxnSpPr>
+          <p:spPr>
+            <a:xfrm>
+              <a:off x="4917429" y="3415477"/>
+              <a:ext cx="486441" cy="0"/>
+            </a:xfrm>
+            <a:prstGeom prst="line">
+              <a:avLst/>
+            </a:prstGeom>
+          </p:spPr>
+          <p:style>
+            <a:lnRef idx="1">
+              <a:schemeClr val="accent6"/>
+            </a:lnRef>
+            <a:fillRef idx="0">
+              <a:schemeClr val="accent6"/>
+            </a:fillRef>
+            <a:effectRef idx="0">
+              <a:schemeClr val="accent6"/>
+            </a:effectRef>
+            <a:fontRef idx="minor">
+              <a:schemeClr val="tx1"/>
+            </a:fontRef>
+          </p:style>
+        </p:cxnSp>
+        <p:grpSp>
+          <p:nvGrpSpPr>
+            <p:cNvPr id="3" name="グループ化 2">
+              <a:extLst>
+                <a:ext uri="{FF2B5EF4-FFF2-40B4-BE49-F238E27FC236}">
+                  <a16:creationId xmlns:a16="http://schemas.microsoft.com/office/drawing/2014/main" id="{A363515F-582E-486F-8337-D44AC2A6D036}"/>
+                </a:ext>
+              </a:extLst>
+            </p:cNvPr>
+            <p:cNvGrpSpPr/>
+            <p:nvPr/>
+          </p:nvGrpSpPr>
+          <p:grpSpPr>
+            <a:xfrm>
+              <a:off x="981144" y="1836601"/>
+              <a:ext cx="11086668" cy="4714911"/>
+              <a:chOff x="1053901" y="1731748"/>
+              <a:chExt cx="11582255" cy="4867215"/>
+            </a:xfrm>
+          </p:grpSpPr>
+          <p:pic>
+            <p:nvPicPr>
+              <p:cNvPr id="8" name="図 7">
+                <a:extLst>
+                  <a:ext uri="{FF2B5EF4-FFF2-40B4-BE49-F238E27FC236}">
+                    <a16:creationId xmlns:a16="http://schemas.microsoft.com/office/drawing/2014/main" id="{7ECD8D03-A540-4384-92DB-DC4154AD12EB}"/>
+                  </a:ext>
+                </a:extLst>
+              </p:cNvPr>
+              <p:cNvPicPr>
+                <a:picLocks noChangeAspect="1"/>
+              </p:cNvPicPr>
+              <p:nvPr/>
+            </p:nvPicPr>
+            <p:blipFill>
+              <a:blip r:embed="rId3">
+                <a:extLst>
+                  <a:ext uri="{28A0092B-C50C-407E-A947-70E740481C1C}">
+                    <a14:useLocalDpi xmlns:a14="http://schemas.microsoft.com/office/drawing/2010/main" val="0"/>
+                  </a:ext>
+                </a:extLst>
+              </a:blip>
+              <a:stretch>
+                <a:fillRect/>
+              </a:stretch>
+            </p:blipFill>
+            <p:spPr>
+              <a:xfrm flipH="1">
+                <a:off x="1053901" y="2827390"/>
+                <a:ext cx="1516349" cy="1293028"/>
+              </a:xfrm>
+              <a:prstGeom prst="rect">
+                <a:avLst/>
+              </a:prstGeom>
+            </p:spPr>
+          </p:pic>
+          <p:sp>
+            <p:nvSpPr>
+              <p:cNvPr id="9" name="矢印: 右 8">
+                <a:extLst>
+                  <a:ext uri="{FF2B5EF4-FFF2-40B4-BE49-F238E27FC236}">
+                    <a16:creationId xmlns:a16="http://schemas.microsoft.com/office/drawing/2014/main" id="{22232900-CF15-42ED-B61D-004E36DA459A}"/>
+                  </a:ext>
+                </a:extLst>
+              </p:cNvPr>
+              <p:cNvSpPr/>
+              <p:nvPr/>
+            </p:nvSpPr>
+            <p:spPr>
+              <a:xfrm>
+                <a:off x="3061722" y="3145706"/>
+                <a:ext cx="930442" cy="565484"/>
+              </a:xfrm>
+              <a:prstGeom prst="rightArrow">
+                <a:avLst/>
+              </a:prstGeom>
+              <a:solidFill>
+                <a:srgbClr val="00B050"/>
+              </a:solidFill>
+            </p:spPr>
+            <p:style>
+              <a:lnRef idx="2">
+                <a:schemeClr val="accent1">
+                  <a:shade val="50000"/>
+                </a:schemeClr>
+              </a:lnRef>
+              <a:fillRef idx="1">
+                <a:schemeClr val="accent1"/>
+              </a:fillRef>
+              <a:effectRef idx="0">
+                <a:schemeClr val="accent1"/>
+              </a:effectRef>
+              <a:fontRef idx="minor">
+                <a:schemeClr val="lt1"/>
+              </a:fontRef>
+            </p:style>
+            <p:txBody>
+              <a:bodyPr rtlCol="0" anchor="ctr"/>
+              <a:lstStyle/>
+              <a:p>
+                <a:pPr algn="ctr"/>
+                <a:endParaRPr kumimoji="1" lang="ja-JP" altLang="en-US"/>
+              </a:p>
+            </p:txBody>
+          </p:sp>
+          <p:pic>
+            <p:nvPicPr>
+              <p:cNvPr id="17" name="図 16">
+                <a:extLst>
+                  <a:ext uri="{FF2B5EF4-FFF2-40B4-BE49-F238E27FC236}">
+                    <a16:creationId xmlns:a16="http://schemas.microsoft.com/office/drawing/2014/main" id="{F635ED6F-6CE3-4C81-B91F-622759D54AF4}"/>
+                  </a:ext>
+                </a:extLst>
+              </p:cNvPr>
+              <p:cNvPicPr>
+                <a:picLocks noChangeAspect="1"/>
+              </p:cNvPicPr>
+              <p:nvPr/>
+            </p:nvPicPr>
+            <p:blipFill>
+              <a:blip r:embed="rId4">
+                <a:extLst>
+                  <a:ext uri="{28A0092B-C50C-407E-A947-70E740481C1C}">
+                    <a14:useLocalDpi xmlns:a14="http://schemas.microsoft.com/office/drawing/2010/main" val="0"/>
+                  </a:ext>
+                </a:extLst>
+              </a:blip>
+              <a:stretch>
+                <a:fillRect/>
+              </a:stretch>
+            </p:blipFill>
+            <p:spPr>
+              <a:xfrm>
+                <a:off x="3998279" y="2777694"/>
+                <a:ext cx="1167864" cy="1167864"/>
+              </a:xfrm>
+              <a:prstGeom prst="rect">
+                <a:avLst/>
+              </a:prstGeom>
+            </p:spPr>
+          </p:pic>
+          <p:sp>
+            <p:nvSpPr>
+              <p:cNvPr id="20" name="テキスト ボックス 19">
+                <a:extLst>
+                  <a:ext uri="{FF2B5EF4-FFF2-40B4-BE49-F238E27FC236}">
+                    <a16:creationId xmlns:a16="http://schemas.microsoft.com/office/drawing/2014/main" id="{EE46EACE-71CE-49D5-8C38-4DEC4EDA1C9E}"/>
+                  </a:ext>
+                </a:extLst>
+              </p:cNvPr>
+              <p:cNvSpPr txBox="1"/>
+              <p:nvPr/>
+            </p:nvSpPr>
+            <p:spPr>
+              <a:xfrm>
+                <a:off x="1072255" y="4382578"/>
+                <a:ext cx="1718456" cy="369332"/>
+              </a:xfrm>
+              <a:prstGeom prst="rect">
+                <a:avLst/>
+              </a:prstGeom>
+              <a:noFill/>
+            </p:spPr>
+            <p:txBody>
+              <a:bodyPr wrap="square" rtlCol="0">
+                <a:spAutoFit/>
+              </a:bodyPr>
+              <a:lstStyle/>
+              <a:p>
+                <a:pPr algn="ctr"/>
+                <a:r>
+                  <a:rPr kumimoji="1" lang="ja-JP" altLang="en-US" dirty="0"/>
+                  <a:t>ユーザ</a:t>
+                </a:r>
+              </a:p>
+            </p:txBody>
+          </p:sp>
+          <p:grpSp>
+            <p:nvGrpSpPr>
+              <p:cNvPr id="23" name="グループ化 22">
+                <a:extLst>
+                  <a:ext uri="{FF2B5EF4-FFF2-40B4-BE49-F238E27FC236}">
+                    <a16:creationId xmlns:a16="http://schemas.microsoft.com/office/drawing/2014/main" id="{413CACD0-2EF9-40DA-A533-DF471D753942}"/>
+                  </a:ext>
+                </a:extLst>
+              </p:cNvPr>
+              <p:cNvGrpSpPr/>
+              <p:nvPr/>
+            </p:nvGrpSpPr>
+            <p:grpSpPr>
+              <a:xfrm>
+                <a:off x="5912025" y="1973121"/>
+                <a:ext cx="5143125" cy="4399555"/>
+                <a:chOff x="6168761" y="1712782"/>
+                <a:chExt cx="4796670" cy="4399555"/>
+              </a:xfrm>
+            </p:grpSpPr>
+            <p:grpSp>
+              <p:nvGrpSpPr>
+                <p:cNvPr id="15" name="グループ化 14">
+                  <a:extLst>
+                    <a:ext uri="{FF2B5EF4-FFF2-40B4-BE49-F238E27FC236}">
+                      <a16:creationId xmlns:a16="http://schemas.microsoft.com/office/drawing/2014/main" id="{B130732D-09B9-4E65-ADEE-5983671C3596}"/>
+                    </a:ext>
+                  </a:extLst>
+                </p:cNvPr>
+                <p:cNvGrpSpPr/>
+                <p:nvPr/>
+              </p:nvGrpSpPr>
+              <p:grpSpPr>
+                <a:xfrm>
+                  <a:off x="6245045" y="3581188"/>
+                  <a:ext cx="4720386" cy="2531149"/>
+                  <a:chOff x="6018216" y="3918273"/>
+                  <a:chExt cx="4720386" cy="2531149"/>
+                </a:xfrm>
+              </p:grpSpPr>
+              <p:sp>
+                <p:nvSpPr>
+                  <p:cNvPr id="11" name="四角形: 角を丸くする 10">
+                    <a:extLst>
+                      <a:ext uri="{FF2B5EF4-FFF2-40B4-BE49-F238E27FC236}">
+                        <a16:creationId xmlns:a16="http://schemas.microsoft.com/office/drawing/2014/main" id="{93A19059-D052-447A-924F-5E9291ABD726}"/>
+                      </a:ext>
+                    </a:extLst>
+                  </p:cNvPr>
+                  <p:cNvSpPr/>
+                  <p:nvPr/>
+                </p:nvSpPr>
+                <p:spPr>
+                  <a:xfrm>
+                    <a:off x="6018216" y="4804814"/>
+                    <a:ext cx="2556722" cy="1644608"/>
+                  </a:xfrm>
+                  <a:prstGeom prst="roundRect">
+                    <a:avLst/>
+                  </a:prstGeom>
+                  <a:solidFill>
+                    <a:schemeClr val="accent2"/>
+                  </a:solidFill>
+                </p:spPr>
+                <p:style>
+                  <a:lnRef idx="2">
+                    <a:schemeClr val="accent1">
+                      <a:shade val="50000"/>
+                    </a:schemeClr>
+                  </a:lnRef>
+                  <a:fillRef idx="1">
+                    <a:schemeClr val="accent1"/>
+                  </a:fillRef>
+                  <a:effectRef idx="0">
+                    <a:schemeClr val="accent1"/>
+                  </a:effectRef>
+                  <a:fontRef idx="minor">
+                    <a:schemeClr val="lt1"/>
+                  </a:fontRef>
+                </p:style>
+                <p:txBody>
+                  <a:bodyPr rtlCol="0" anchor="ctr"/>
+                  <a:lstStyle/>
+                  <a:p>
+                    <a:pPr algn="ctr"/>
+                    <a:r>
+                      <a:rPr kumimoji="1" lang="ja-JP" altLang="en-US" sz="3200" dirty="0"/>
+                      <a:t>自動作曲</a:t>
+                    </a:r>
+                    <a:r>
+                      <a:rPr kumimoji="1" lang="en-US" altLang="ja-JP" sz="3200" dirty="0"/>
+                      <a:t>AI</a:t>
+                    </a:r>
+                  </a:p>
+                </p:txBody>
+              </p:sp>
+              <p:sp>
+                <p:nvSpPr>
+                  <p:cNvPr id="12" name="テキスト ボックス 11">
+                    <a:extLst>
+                      <a:ext uri="{FF2B5EF4-FFF2-40B4-BE49-F238E27FC236}">
+                        <a16:creationId xmlns:a16="http://schemas.microsoft.com/office/drawing/2014/main" id="{D0E94323-8F75-4A70-A78E-EEA688500E66}"/>
+                      </a:ext>
+                    </a:extLst>
+                  </p:cNvPr>
+                  <p:cNvSpPr txBox="1"/>
+                  <p:nvPr/>
+                </p:nvSpPr>
+                <p:spPr>
+                  <a:xfrm>
+                    <a:off x="9256848" y="3918273"/>
+                    <a:ext cx="1481754" cy="413036"/>
+                  </a:xfrm>
+                  <a:prstGeom prst="rect">
+                    <a:avLst/>
+                  </a:prstGeom>
+                  <a:noFill/>
+                </p:spPr>
+                <p:txBody>
+                  <a:bodyPr wrap="square" rtlCol="0">
+                    <a:spAutoFit/>
+                  </a:bodyPr>
+                  <a:lstStyle/>
+                  <a:p>
+                    <a:endParaRPr kumimoji="1" lang="ja-JP" altLang="en-US" sz="2000" b="1" dirty="0">
+                      <a:solidFill>
+                        <a:schemeClr val="bg1"/>
+                      </a:solidFill>
+                    </a:endParaRPr>
+                  </a:p>
+                </p:txBody>
+              </p:sp>
+            </p:grpSp>
+            <p:sp>
+              <p:nvSpPr>
+                <p:cNvPr id="21" name="四角形: 角を丸くする 20">
+                  <a:extLst>
+                    <a:ext uri="{FF2B5EF4-FFF2-40B4-BE49-F238E27FC236}">
+                      <a16:creationId xmlns:a16="http://schemas.microsoft.com/office/drawing/2014/main" id="{C29707AB-F090-4A48-B64A-2FF4BBC21EE0}"/>
+                    </a:ext>
+                  </a:extLst>
+                </p:cNvPr>
+                <p:cNvSpPr/>
+                <p:nvPr/>
+              </p:nvSpPr>
+              <p:spPr>
+                <a:xfrm>
+                  <a:off x="6168761" y="1712782"/>
+                  <a:ext cx="2599949" cy="1738069"/>
+                </a:xfrm>
+                <a:prstGeom prst="roundRect">
+                  <a:avLst/>
+                </a:prstGeom>
+                <a:solidFill>
+                  <a:srgbClr val="92D050"/>
+                </a:solidFill>
+              </p:spPr>
+              <p:style>
+                <a:lnRef idx="2">
+                  <a:schemeClr val="accent5">
+                    <a:shade val="50000"/>
+                  </a:schemeClr>
+                </a:lnRef>
+                <a:fillRef idx="1">
+                  <a:schemeClr val="accent5"/>
+                </a:fillRef>
+                <a:effectRef idx="0">
+                  <a:schemeClr val="accent5"/>
+                </a:effectRef>
+                <a:fontRef idx="minor">
+                  <a:schemeClr val="lt1"/>
+                </a:fontRef>
+              </p:style>
+              <p:txBody>
+                <a:bodyPr rtlCol="0" anchor="ctr"/>
+                <a:lstStyle/>
+                <a:p>
+                  <a:pPr algn="ctr"/>
+                  <a:r>
+                    <a:rPr kumimoji="1" lang="en-US" altLang="ja-JP" sz="3200" dirty="0"/>
+                    <a:t>Web</a:t>
+                  </a:r>
+                  <a:r>
+                    <a:rPr kumimoji="1" lang="ja-JP" altLang="en-US" sz="3200" dirty="0"/>
+                    <a:t>ページ</a:t>
+                  </a:r>
+                  <a:endParaRPr kumimoji="1" lang="en-US" altLang="ja-JP" sz="3200" dirty="0"/>
+                </a:p>
+              </p:txBody>
+            </p:sp>
+          </p:grpSp>
+          <p:sp>
+            <p:nvSpPr>
+              <p:cNvPr id="27" name="テキスト ボックス 26">
+                <a:extLst>
+                  <a:ext uri="{FF2B5EF4-FFF2-40B4-BE49-F238E27FC236}">
+                    <a16:creationId xmlns:a16="http://schemas.microsoft.com/office/drawing/2014/main" id="{4BA03AC9-8821-48AC-BA65-0549CDC13148}"/>
+                  </a:ext>
+                </a:extLst>
+              </p:cNvPr>
+              <p:cNvSpPr txBox="1"/>
+              <p:nvPr/>
+            </p:nvSpPr>
+            <p:spPr>
+              <a:xfrm>
+                <a:off x="3555063" y="4405670"/>
+                <a:ext cx="1947283" cy="586035"/>
+              </a:xfrm>
+              <a:prstGeom prst="rect">
+                <a:avLst/>
+              </a:prstGeom>
+              <a:noFill/>
+            </p:spPr>
+            <p:txBody>
+              <a:bodyPr wrap="square" rtlCol="0">
+                <a:spAutoFit/>
+              </a:bodyPr>
+              <a:lstStyle/>
+              <a:p>
+                <a:pPr algn="ctr"/>
+                <a:r>
+                  <a:rPr lang="en-US" altLang="ja-JP" b="1" dirty="0"/>
+                  <a:t>Apache</a:t>
+                </a:r>
+              </a:p>
+              <a:p>
+                <a:pPr algn="ctr"/>
+                <a:r>
+                  <a:rPr kumimoji="1" lang="ja-JP" altLang="en-US" dirty="0"/>
+                  <a:t>サーバ</a:t>
+                </a:r>
+              </a:p>
+            </p:txBody>
+          </p:sp>
+          <p:sp>
+            <p:nvSpPr>
+              <p:cNvPr id="2" name="四角形: 角を丸くする 1">
+                <a:extLst>
+                  <a:ext uri="{FF2B5EF4-FFF2-40B4-BE49-F238E27FC236}">
+                    <a16:creationId xmlns:a16="http://schemas.microsoft.com/office/drawing/2014/main" id="{3E4728B6-A949-481A-AA16-4CC4E0B49521}"/>
+                  </a:ext>
+                </a:extLst>
+              </p:cNvPr>
+              <p:cNvSpPr/>
+              <p:nvPr/>
+            </p:nvSpPr>
+            <p:spPr>
+              <a:xfrm>
+                <a:off x="5657617" y="1731748"/>
+                <a:ext cx="6978539" cy="4867215"/>
+              </a:xfrm>
+              <a:prstGeom prst="roundRect">
+                <a:avLst/>
+              </a:prstGeom>
+              <a:noFill/>
+            </p:spPr>
+            <p:style>
+              <a:lnRef idx="2">
+                <a:schemeClr val="accent6"/>
+              </a:lnRef>
+              <a:fillRef idx="1">
+                <a:schemeClr val="lt1"/>
+              </a:fillRef>
+              <a:effectRef idx="0">
+                <a:schemeClr val="accent6"/>
+              </a:effectRef>
+              <a:fontRef idx="minor">
+                <a:schemeClr val="dk1"/>
+              </a:fontRef>
+            </p:style>
+            <p:txBody>
+              <a:bodyPr rtlCol="0" anchor="ctr"/>
+              <a:lstStyle/>
+              <a:p>
+                <a:pPr algn="ctr"/>
+                <a:endParaRPr kumimoji="1" lang="ja-JP" altLang="en-US"/>
+              </a:p>
+            </p:txBody>
+          </p:sp>
+          <p:sp>
+            <p:nvSpPr>
+              <p:cNvPr id="7" name="テキスト ボックス 6">
+                <a:extLst>
+                  <a:ext uri="{FF2B5EF4-FFF2-40B4-BE49-F238E27FC236}">
+                    <a16:creationId xmlns:a16="http://schemas.microsoft.com/office/drawing/2014/main" id="{BF1CD242-3438-41A6-B084-F612C8F20720}"/>
+                  </a:ext>
+                </a:extLst>
+              </p:cNvPr>
+              <p:cNvSpPr txBox="1"/>
+              <p:nvPr/>
+            </p:nvSpPr>
+            <p:spPr>
+              <a:xfrm>
+                <a:off x="5321415" y="2877164"/>
+                <a:ext cx="3628866" cy="381262"/>
+              </a:xfrm>
+              <a:prstGeom prst="rect">
+                <a:avLst/>
+              </a:prstGeom>
+              <a:noFill/>
+            </p:spPr>
+            <p:txBody>
+              <a:bodyPr wrap="square" rtlCol="0">
+                <a:spAutoFit/>
+              </a:bodyPr>
+              <a:lstStyle/>
+              <a:p>
+                <a:pPr algn="ctr"/>
+                <a:endParaRPr lang="en-US" altLang="ja-JP" b="1" dirty="0"/>
+              </a:p>
+            </p:txBody>
+          </p:sp>
+        </p:grpSp>
+      </p:grpSp>
+      <p:sp>
+        <p:nvSpPr>
+          <p:cNvPr id="5" name="矢印: 下 4">
+            <a:extLst>
+              <a:ext uri="{FF2B5EF4-FFF2-40B4-BE49-F238E27FC236}">
+                <a16:creationId xmlns:a16="http://schemas.microsoft.com/office/drawing/2014/main" id="{FCB024A7-5A96-43FB-87BB-5B7A462F3E4C}"/>
+              </a:ext>
+            </a:extLst>
+          </p:cNvPr>
+          <p:cNvSpPr/>
+          <p:nvPr/>
+        </p:nvSpPr>
+        <p:spPr>
+          <a:xfrm>
+            <a:off x="5272203" y="3622719"/>
+            <a:ext cx="870857" cy="897936"/>
+          </a:xfrm>
+          <a:prstGeom prst="downArrow">
+            <a:avLst/>
+          </a:prstGeom>
+          <a:solidFill>
+            <a:srgbClr val="FF0000"/>
+          </a:solidFill>
+        </p:spPr>
+        <p:style>
+          <a:lnRef idx="2">
+            <a:schemeClr val="accent1">
+              <a:shade val="50000"/>
+            </a:schemeClr>
+          </a:lnRef>
+          <a:fillRef idx="1">
+            <a:schemeClr val="accent1"/>
+          </a:fillRef>
+          <a:effectRef idx="0">
+            <a:schemeClr val="accent1"/>
+          </a:effectRef>
+          <a:fontRef idx="minor">
+            <a:schemeClr val="lt1"/>
+          </a:fontRef>
+        </p:style>
+        <p:txBody>
+          <a:bodyPr rtlCol="0" anchor="ctr"/>
+          <a:lstStyle/>
+          <a:p>
+            <a:pPr algn="ctr"/>
+            <a:endParaRPr kumimoji="1" lang="ja-JP" altLang="en-US" dirty="0"/>
+          </a:p>
+        </p:txBody>
+      </p:sp>
+      <p:sp>
+        <p:nvSpPr>
+          <p:cNvPr id="14" name="矢印: 上 13">
+            <a:extLst>
+              <a:ext uri="{FF2B5EF4-FFF2-40B4-BE49-F238E27FC236}">
+                <a16:creationId xmlns:a16="http://schemas.microsoft.com/office/drawing/2014/main" id="{5FE8F1E3-DFBC-4681-AB9C-5DB6E8CA5E85}"/>
+              </a:ext>
+            </a:extLst>
+          </p:cNvPr>
+          <p:cNvSpPr/>
+          <p:nvPr/>
+        </p:nvSpPr>
+        <p:spPr>
+          <a:xfrm>
+            <a:off x="6426153" y="3635113"/>
+            <a:ext cx="827628" cy="867768"/>
+          </a:xfrm>
+          <a:prstGeom prst="upArrow">
+            <a:avLst/>
+          </a:prstGeom>
+        </p:spPr>
+        <p:style>
+          <a:lnRef idx="2">
+            <a:schemeClr val="accent1">
+              <a:shade val="50000"/>
+            </a:schemeClr>
+          </a:lnRef>
+          <a:fillRef idx="1">
+            <a:schemeClr val="accent1"/>
+          </a:fillRef>
+          <a:effectRef idx="0">
+            <a:schemeClr val="accent1"/>
+          </a:effectRef>
+          <a:fontRef idx="minor">
+            <a:schemeClr val="lt1"/>
+          </a:fontRef>
+        </p:style>
+        <p:txBody>
+          <a:bodyPr rtlCol="0" anchor="ctr"/>
+          <a:lstStyle/>
+          <a:p>
+            <a:pPr algn="ctr"/>
+            <a:endParaRPr kumimoji="1" lang="ja-JP" altLang="en-US"/>
+          </a:p>
+        </p:txBody>
+      </p:sp>
+      <p:sp>
+        <p:nvSpPr>
+          <p:cNvPr id="16" name="吹き出し: 四角形 15">
+            <a:extLst>
+              <a:ext uri="{FF2B5EF4-FFF2-40B4-BE49-F238E27FC236}">
+                <a16:creationId xmlns:a16="http://schemas.microsoft.com/office/drawing/2014/main" id="{292416DE-C061-48BB-8487-20174CC81A10}"/>
+              </a:ext>
+            </a:extLst>
+          </p:cNvPr>
+          <p:cNvSpPr/>
+          <p:nvPr/>
+        </p:nvSpPr>
+        <p:spPr>
+          <a:xfrm>
+            <a:off x="7718513" y="2503436"/>
+            <a:ext cx="2115562" cy="1387149"/>
+          </a:xfrm>
+          <a:prstGeom prst="wedgeRectCallout">
+            <a:avLst>
+              <a:gd name="adj1" fmla="val -68475"/>
+              <a:gd name="adj2" fmla="val 89005"/>
+            </a:avLst>
+          </a:prstGeom>
+          <a:solidFill>
+            <a:schemeClr val="accent1"/>
+          </a:solidFill>
+          <a:ln>
+            <a:noFill/>
+          </a:ln>
+        </p:spPr>
+        <p:style>
+          <a:lnRef idx="2">
+            <a:schemeClr val="accent1">
+              <a:shade val="50000"/>
+            </a:schemeClr>
+          </a:lnRef>
+          <a:fillRef idx="1">
+            <a:schemeClr val="accent1"/>
+          </a:fillRef>
+          <a:effectRef idx="0">
+            <a:schemeClr val="accent1"/>
+          </a:effectRef>
+          <a:fontRef idx="minor">
+            <a:schemeClr val="lt1"/>
+          </a:fontRef>
+        </p:style>
+        <p:txBody>
+          <a:bodyPr rtlCol="0" anchor="ctr"/>
+          <a:lstStyle/>
+          <a:p>
+            <a:pPr algn="ctr"/>
+            <a:r>
+              <a:rPr lang="ja-JP" altLang="en-US" dirty="0">
+                <a:solidFill>
+                  <a:schemeClr val="bg1"/>
+                </a:solidFill>
+              </a:rPr>
+              <a:t>ユーザーのメロディから生成された曲が返ってくる</a:t>
+            </a:r>
+            <a:endParaRPr kumimoji="1" lang="ja-JP" altLang="en-US" dirty="0">
+              <a:solidFill>
+                <a:schemeClr val="bg1"/>
+              </a:solidFill>
+            </a:endParaRPr>
+          </a:p>
+        </p:txBody>
+      </p:sp>
+      <p:sp>
+        <p:nvSpPr>
+          <p:cNvPr id="24" name="正方形/長方形 23">
+            <a:extLst>
+              <a:ext uri="{FF2B5EF4-FFF2-40B4-BE49-F238E27FC236}">
+                <a16:creationId xmlns:a16="http://schemas.microsoft.com/office/drawing/2014/main" id="{256C99AA-E322-471C-97CB-3B9102F83566}"/>
+              </a:ext>
+            </a:extLst>
+          </p:cNvPr>
+          <p:cNvSpPr/>
+          <p:nvPr/>
+        </p:nvSpPr>
+        <p:spPr>
+          <a:xfrm>
+            <a:off x="8645237" y="0"/>
+            <a:ext cx="3546764" cy="1967345"/>
+          </a:xfrm>
+          <a:prstGeom prst="rect">
+            <a:avLst/>
+          </a:prstGeom>
+          <a:solidFill>
+            <a:schemeClr val="bg2">
+              <a:lumMod val="50000"/>
+            </a:schemeClr>
+          </a:solidFill>
+          <a:ln>
+            <a:solidFill>
+              <a:schemeClr val="tx1"/>
+            </a:solidFill>
+          </a:ln>
+        </p:spPr>
+        <p:style>
+          <a:lnRef idx="2">
+            <a:schemeClr val="accent1">
+              <a:shade val="50000"/>
+            </a:schemeClr>
+          </a:lnRef>
+          <a:fillRef idx="1">
+            <a:schemeClr val="accent1"/>
+          </a:fillRef>
+          <a:effectRef idx="0">
+            <a:schemeClr val="accent1"/>
+          </a:effectRef>
+          <a:fontRef idx="minor">
+            <a:schemeClr val="lt1"/>
+          </a:fontRef>
+        </p:style>
+        <p:txBody>
+          <a:bodyPr rtlCol="0" anchor="ctr"/>
+          <a:lstStyle/>
+          <a:p>
+            <a:pPr algn="ctr"/>
+            <a:endParaRPr kumimoji="1" lang="ja-JP" altLang="en-US"/>
+          </a:p>
+        </p:txBody>
+      </p:sp>
+    </p:spTree>
+    <p:extLst>
+      <p:ext uri="{BB962C8B-B14F-4D97-AF65-F5344CB8AC3E}">
+        <p14:creationId xmlns:p14="http://schemas.microsoft.com/office/powerpoint/2010/main" val="2826307774"/>
+      </p:ext>
+    </p:extLst>
+  </p:cSld>
+  <p:clrMapOvr>
+    <a:masterClrMapping/>
+  </p:clrMapOvr>
+  <mc:AlternateContent xmlns:mc="http://schemas.openxmlformats.org/markup-compatibility/2006" xmlns:p14="http://schemas.microsoft.com/office/powerpoint/2010/main">
+    <mc:Choice Requires="p14">
+      <p:transition spd="slow" p14:dur="800">
+        <p:circle/>
+      </p:transition>
+    </mc:Choice>
+    <mc:Fallback xmlns="">
+      <p:transition spd="slow">
+        <p:circle/>
+      </p:transition>
+    </mc:Fallback>
+  </mc:AlternateContent>
+</p:sld>
+</file>
+
+<file path=ppt/slides/slide6.xml><?xml version="1.0" encoding="utf-8"?>
+<p:sld xmlns:a="http://schemas.openxmlformats.org/drawingml/2006/main" xmlns:r="http://schemas.openxmlformats.org/officeDocument/2006/relationships" xmlns:p="http://schemas.openxmlformats.org/presentationml/2006/main">
+  <p:cSld>
+    <p:spTree>
+      <p:nvGrpSpPr>
+        <p:cNvPr id="1" name=""/>
+        <p:cNvGrpSpPr/>
+        <p:nvPr/>
+      </p:nvGrpSpPr>
+      <p:grpSpPr>
+        <a:xfrm>
+          <a:off x="0" y="0"/>
+          <a:ext cx="0" cy="0"/>
+          <a:chOff x="0" y="0"/>
+          <a:chExt cx="0" cy="0"/>
+        </a:xfrm>
+      </p:grpSpPr>
+      <p:sp>
+        <p:nvSpPr>
+          <p:cNvPr id="2" name="タイトル 1">
+            <a:extLst>
+              <a:ext uri="{FF2B5EF4-FFF2-40B4-BE49-F238E27FC236}">
+                <a16:creationId xmlns:a16="http://schemas.microsoft.com/office/drawing/2014/main" id="{1954BC50-3672-4E36-B845-B0805C656BB2}"/>
+              </a:ext>
+            </a:extLst>
+          </p:cNvPr>
+          <p:cNvSpPr>
+            <a:spLocks noGrp="1"/>
+          </p:cNvSpPr>
+          <p:nvPr>
+            <p:ph type="ctrTitle"/>
+          </p:nvPr>
+        </p:nvSpPr>
+        <p:spPr>
+          <a:xfrm>
+            <a:off x="718456" y="674914"/>
+            <a:ext cx="8186058" cy="761999"/>
+          </a:xfrm>
+        </p:spPr>
+        <p:txBody>
+          <a:bodyPr>
+            <a:normAutofit/>
+          </a:bodyPr>
+          <a:lstStyle/>
+          <a:p>
+            <a:pPr algn="l"/>
+            <a:r>
+              <a:rPr kumimoji="1" lang="ja-JP" altLang="en-US" sz="4400" dirty="0"/>
+              <a:t>自動作曲の方法について①</a:t>
+            </a:r>
+          </a:p>
+        </p:txBody>
+      </p:sp>
+      <p:sp>
+        <p:nvSpPr>
+          <p:cNvPr id="3" name="字幕 2">
+            <a:extLst>
+              <a:ext uri="{FF2B5EF4-FFF2-40B4-BE49-F238E27FC236}">
+                <a16:creationId xmlns:a16="http://schemas.microsoft.com/office/drawing/2014/main" id="{E0C25DE3-0B4C-4CF0-BA61-8328FBB67271}"/>
+              </a:ext>
+            </a:extLst>
+          </p:cNvPr>
+          <p:cNvSpPr>
+            <a:spLocks noGrp="1"/>
+          </p:cNvSpPr>
+          <p:nvPr>
+            <p:ph type="subTitle" idx="1"/>
+          </p:nvPr>
+        </p:nvSpPr>
+        <p:spPr>
+          <a:xfrm>
+            <a:off x="718456" y="1436913"/>
+            <a:ext cx="6487886" cy="566058"/>
+          </a:xfrm>
+        </p:spPr>
+        <p:txBody>
+          <a:bodyPr>
+            <a:noAutofit/>
+          </a:bodyPr>
+          <a:lstStyle/>
+          <a:p>
+            <a:pPr algn="l"/>
+            <a:r>
+              <a:rPr lang="ja-JP" altLang="en-US" sz="3200" dirty="0"/>
+              <a:t>入力から出力までの工程</a:t>
+            </a:r>
+            <a:endParaRPr lang="en-US" altLang="ja-JP" sz="3200" dirty="0"/>
+          </a:p>
+        </p:txBody>
+      </p:sp>
+      <p:sp>
+        <p:nvSpPr>
+          <p:cNvPr id="4" name="正方形/長方形 3">
+            <a:extLst>
+              <a:ext uri="{FF2B5EF4-FFF2-40B4-BE49-F238E27FC236}">
+                <a16:creationId xmlns:a16="http://schemas.microsoft.com/office/drawing/2014/main" id="{69CD0D9E-E9E7-46E2-B83D-0FDBEAE480FF}"/>
+              </a:ext>
+            </a:extLst>
+          </p:cNvPr>
+          <p:cNvSpPr/>
+          <p:nvPr/>
+        </p:nvSpPr>
+        <p:spPr>
+          <a:xfrm>
+            <a:off x="8645237" y="0"/>
+            <a:ext cx="3546764" cy="1967345"/>
+          </a:xfrm>
+          <a:prstGeom prst="rect">
+            <a:avLst/>
+          </a:prstGeom>
+          <a:solidFill>
+            <a:schemeClr val="bg2">
+              <a:lumMod val="50000"/>
+            </a:schemeClr>
+          </a:solidFill>
+          <a:ln>
+            <a:solidFill>
+              <a:schemeClr val="tx1"/>
+            </a:solidFill>
+          </a:ln>
+        </p:spPr>
+        <p:style>
+          <a:lnRef idx="2">
+            <a:schemeClr val="accent1">
+              <a:shade val="50000"/>
+            </a:schemeClr>
+          </a:lnRef>
+          <a:fillRef idx="1">
+            <a:schemeClr val="accent1"/>
+          </a:fillRef>
+          <a:effectRef idx="0">
+            <a:schemeClr val="accent1"/>
+          </a:effectRef>
+          <a:fontRef idx="minor">
+            <a:schemeClr val="lt1"/>
+          </a:fontRef>
+        </p:style>
+        <p:txBody>
+          <a:bodyPr rtlCol="0" anchor="ctr"/>
+          <a:lstStyle/>
+          <a:p>
+            <a:pPr algn="ctr"/>
+            <a:endParaRPr kumimoji="1" lang="ja-JP" altLang="en-US"/>
+          </a:p>
+        </p:txBody>
+      </p:sp>
+      <p:graphicFrame>
+        <p:nvGraphicFramePr>
+          <p:cNvPr id="9" name="図表 8">
+            <a:extLst>
+              <a:ext uri="{FF2B5EF4-FFF2-40B4-BE49-F238E27FC236}">
+                <a16:creationId xmlns:a16="http://schemas.microsoft.com/office/drawing/2014/main" id="{873D5251-D0E9-4E04-B6EB-993451D4EEE9}"/>
+              </a:ext>
+            </a:extLst>
+          </p:cNvPr>
+          <p:cNvGraphicFramePr/>
+          <p:nvPr>
+            <p:extLst>
+              <p:ext uri="{D42A27DB-BD31-4B8C-83A1-F6EECF244321}">
+                <p14:modId xmlns:p14="http://schemas.microsoft.com/office/powerpoint/2010/main" val="1168711387"/>
+              </p:ext>
+            </p:extLst>
+          </p:nvPr>
+        </p:nvGraphicFramePr>
+        <p:xfrm>
+          <a:off x="718455" y="2373086"/>
+          <a:ext cx="10537373" cy="3810000"/>
+        </p:xfrm>
+        <a:graphic>
+          <a:graphicData uri="http://schemas.openxmlformats.org/drawingml/2006/diagram">
+            <dgm:relIds xmlns:dgm="http://schemas.openxmlformats.org/drawingml/2006/diagram" xmlns:r="http://schemas.openxmlformats.org/officeDocument/2006/relationships" r:dm="rId2" r:lo="rId3" r:qs="rId4" r:cs="rId5"/>
+          </a:graphicData>
+        </a:graphic>
+      </p:graphicFrame>
+    </p:spTree>
+    <p:extLst>
+      <p:ext uri="{BB962C8B-B14F-4D97-AF65-F5344CB8AC3E}">
+        <p14:creationId xmlns:p14="http://schemas.microsoft.com/office/powerpoint/2010/main" val="798640705"/>
+      </p:ext>
+    </p:extLst>
+  </p:cSld>
+  <p:clrMapOvr>
+    <a:masterClrMapping/>
+  </p:clrMapOvr>
+  <mc:AlternateContent xmlns:mc="http://schemas.openxmlformats.org/markup-compatibility/2006" xmlns:p14="http://schemas.microsoft.com/office/powerpoint/2010/main">
+    <mc:Choice Requires="p14">
+      <p:transition spd="slow" p14:dur="800">
+        <p:circle/>
+      </p:transition>
+    </mc:Choice>
+    <mc:Fallback xmlns="">
+      <p:transition spd="slow">
+        <p:circle/>
+      </p:transition>
+    </mc:Fallback>
+  </mc:AlternateContent>
+</p:sld>
+</file>
+
+<file path=ppt/slides/slide7.xml><?xml version="1.0" encoding="utf-8"?>
 <p:sld xmlns:a="http://schemas.openxmlformats.org/drawingml/2006/main" xmlns:r="http://schemas.openxmlformats.org/officeDocument/2006/relationships" xmlns:p="http://schemas.openxmlformats.org/presentationml/2006/main">
   <p:cSld>
     <p:spTree>
@@ -11862,4398 +15173,7 @@
 </p:sld>
 </file>
 
-<file path=ppt/slides/slide11.xml><?xml version="1.0" encoding="utf-8"?>
-<p:sld xmlns:a="http://schemas.openxmlformats.org/drawingml/2006/main" xmlns:r="http://schemas.openxmlformats.org/officeDocument/2006/relationships" xmlns:p="http://schemas.openxmlformats.org/presentationml/2006/main">
-  <p:cSld>
-    <p:spTree>
-      <p:nvGrpSpPr>
-        <p:cNvPr id="1" name=""/>
-        <p:cNvGrpSpPr/>
-        <p:nvPr/>
-      </p:nvGrpSpPr>
-      <p:grpSpPr>
-        <a:xfrm>
-          <a:off x="0" y="0"/>
-          <a:ext cx="0" cy="0"/>
-          <a:chOff x="0" y="0"/>
-          <a:chExt cx="0" cy="0"/>
-        </a:xfrm>
-      </p:grpSpPr>
-      <p:sp>
-        <p:nvSpPr>
-          <p:cNvPr id="2" name="タイトル 1">
-            <a:extLst>
-              <a:ext uri="{FF2B5EF4-FFF2-40B4-BE49-F238E27FC236}">
-                <a16:creationId xmlns:a16="http://schemas.microsoft.com/office/drawing/2014/main" id="{11693060-FB3A-4342-957B-4E0472AB1A05}"/>
-              </a:ext>
-            </a:extLst>
-          </p:cNvPr>
-          <p:cNvSpPr>
-            <a:spLocks noGrp="1"/>
-          </p:cNvSpPr>
-          <p:nvPr>
-            <p:ph type="title"/>
-          </p:nvPr>
-        </p:nvSpPr>
-        <p:spPr>
-          <a:xfrm>
-            <a:off x="650309" y="767444"/>
-            <a:ext cx="5010262" cy="800100"/>
-          </a:xfrm>
-        </p:spPr>
-        <p:txBody>
-          <a:bodyPr>
-            <a:noAutofit/>
-          </a:bodyPr>
-          <a:lstStyle/>
-          <a:p>
-            <a:r>
-              <a:rPr kumimoji="1" lang="ja-JP" altLang="en-US" sz="4400" dirty="0"/>
-              <a:t>学習モデルの作成</a:t>
-            </a:r>
-          </a:p>
-        </p:txBody>
-      </p:sp>
-      <p:pic>
-        <p:nvPicPr>
-          <p:cNvPr id="6" name="図プレースホルダー 5">
-            <a:extLst>
-              <a:ext uri="{FF2B5EF4-FFF2-40B4-BE49-F238E27FC236}">
-                <a16:creationId xmlns:a16="http://schemas.microsoft.com/office/drawing/2014/main" id="{C803342E-5F3C-4F2D-A1CD-0BF2B12D9DBA}"/>
-              </a:ext>
-            </a:extLst>
-          </p:cNvPr>
-          <p:cNvPicPr>
-            <a:picLocks noGrp="1" noChangeAspect="1"/>
-          </p:cNvPicPr>
-          <p:nvPr>
-            <p:ph type="pic" idx="1"/>
-          </p:nvPr>
-        </p:nvPicPr>
-        <p:blipFill>
-          <a:blip r:embed="rId2">
-            <a:extLst>
-              <a:ext uri="{28A0092B-C50C-407E-A947-70E740481C1C}">
-                <a14:useLocalDpi xmlns:a14="http://schemas.microsoft.com/office/drawing/2010/main" val="0"/>
-              </a:ext>
-            </a:extLst>
-          </a:blip>
-          <a:stretch>
-            <a:fillRect/>
-          </a:stretch>
-        </p:blipFill>
-        <p:spPr>
-          <a:xfrm>
-            <a:off x="5118265" y="2148114"/>
-            <a:ext cx="7053943" cy="4709886"/>
-          </a:xfrm>
-        </p:spPr>
-      </p:pic>
-      <p:sp>
-        <p:nvSpPr>
-          <p:cNvPr id="4" name="テキスト プレースホルダー 3">
-            <a:extLst>
-              <a:ext uri="{FF2B5EF4-FFF2-40B4-BE49-F238E27FC236}">
-                <a16:creationId xmlns:a16="http://schemas.microsoft.com/office/drawing/2014/main" id="{D6449AA1-9D8D-4DAC-9A2C-125873DC111D}"/>
-              </a:ext>
-            </a:extLst>
-          </p:cNvPr>
-          <p:cNvSpPr>
-            <a:spLocks noGrp="1"/>
-          </p:cNvSpPr>
-          <p:nvPr>
-            <p:ph type="body" sz="half" idx="2"/>
-          </p:nvPr>
-        </p:nvSpPr>
-        <p:spPr>
-          <a:xfrm>
-            <a:off x="650309" y="2195284"/>
-            <a:ext cx="4284548" cy="4292601"/>
-          </a:xfrm>
-        </p:spPr>
-        <p:txBody>
-          <a:bodyPr>
-            <a:normAutofit/>
-          </a:bodyPr>
-          <a:lstStyle/>
-          <a:p>
-            <a:r>
-              <a:rPr lang="ja-JP" altLang="en-US" sz="3200" dirty="0"/>
-              <a:t>中間層では</a:t>
-            </a:r>
-            <a:r>
-              <a:rPr lang="en-US" altLang="ja-JP" sz="3200" dirty="0"/>
-              <a:t>LSTM</a:t>
-            </a:r>
-            <a:r>
-              <a:rPr lang="ja-JP" altLang="en-US" sz="3200" dirty="0"/>
-              <a:t>を</a:t>
-            </a:r>
-            <a:endParaRPr lang="en-US" altLang="ja-JP" sz="3200" dirty="0"/>
-          </a:p>
-          <a:p>
-            <a:r>
-              <a:rPr lang="ja-JP" altLang="en-US" sz="3200" dirty="0"/>
-              <a:t>使用しており</a:t>
-            </a:r>
-            <a:endParaRPr lang="en-US" altLang="ja-JP" sz="3200" dirty="0"/>
-          </a:p>
-          <a:p>
-            <a:endParaRPr lang="en-US" altLang="ja-JP" sz="3200" dirty="0"/>
-          </a:p>
-          <a:p>
-            <a:r>
-              <a:rPr lang="ja-JP" altLang="en-US" sz="3200" dirty="0"/>
-              <a:t>音程と長さで中間層が</a:t>
-            </a:r>
-            <a:r>
-              <a:rPr lang="en-US" altLang="ja-JP" sz="3200" dirty="0"/>
-              <a:t>3</a:t>
-            </a:r>
-            <a:r>
-              <a:rPr lang="ja-JP" altLang="en-US" sz="3200" dirty="0"/>
-              <a:t>層ずつになっております</a:t>
-            </a:r>
-            <a:endParaRPr lang="en-US" altLang="ja-JP" sz="3200" dirty="0"/>
-          </a:p>
-        </p:txBody>
-      </p:sp>
-      <p:sp>
-        <p:nvSpPr>
-          <p:cNvPr id="7" name="正方形/長方形 6">
-            <a:extLst>
-              <a:ext uri="{FF2B5EF4-FFF2-40B4-BE49-F238E27FC236}">
-                <a16:creationId xmlns:a16="http://schemas.microsoft.com/office/drawing/2014/main" id="{2B620B4F-F6E4-482B-AB47-4EC3A27B8CE6}"/>
-              </a:ext>
-            </a:extLst>
-          </p:cNvPr>
-          <p:cNvSpPr/>
-          <p:nvPr/>
-        </p:nvSpPr>
-        <p:spPr>
-          <a:xfrm>
-            <a:off x="8645237" y="0"/>
-            <a:ext cx="3546764" cy="1967345"/>
-          </a:xfrm>
-          <a:prstGeom prst="rect">
-            <a:avLst/>
-          </a:prstGeom>
-          <a:solidFill>
-            <a:schemeClr val="bg2">
-              <a:lumMod val="50000"/>
-            </a:schemeClr>
-          </a:solidFill>
-          <a:ln>
-            <a:solidFill>
-              <a:schemeClr val="tx1"/>
-            </a:solidFill>
-          </a:ln>
-        </p:spPr>
-        <p:style>
-          <a:lnRef idx="2">
-            <a:schemeClr val="accent1">
-              <a:shade val="50000"/>
-            </a:schemeClr>
-          </a:lnRef>
-          <a:fillRef idx="1">
-            <a:schemeClr val="accent1"/>
-          </a:fillRef>
-          <a:effectRef idx="0">
-            <a:schemeClr val="accent1"/>
-          </a:effectRef>
-          <a:fontRef idx="minor">
-            <a:schemeClr val="lt1"/>
-          </a:fontRef>
-        </p:style>
-        <p:txBody>
-          <a:bodyPr rtlCol="0" anchor="ctr"/>
-          <a:lstStyle/>
-          <a:p>
-            <a:pPr algn="ctr"/>
-            <a:endParaRPr kumimoji="1" lang="ja-JP" altLang="en-US"/>
-          </a:p>
-        </p:txBody>
-      </p:sp>
-    </p:spTree>
-    <p:extLst>
-      <p:ext uri="{BB962C8B-B14F-4D97-AF65-F5344CB8AC3E}">
-        <p14:creationId xmlns:p14="http://schemas.microsoft.com/office/powerpoint/2010/main" val="789611334"/>
-      </p:ext>
-    </p:extLst>
-  </p:cSld>
-  <p:clrMapOvr>
-    <a:masterClrMapping/>
-  </p:clrMapOvr>
-  <mc:AlternateContent xmlns:mc="http://schemas.openxmlformats.org/markup-compatibility/2006" xmlns:p14="http://schemas.microsoft.com/office/powerpoint/2010/main">
-    <mc:Choice Requires="p14">
-      <p:transition spd="slow" p14:dur="800">
-        <p:circle/>
-      </p:transition>
-    </mc:Choice>
-    <mc:Fallback xmlns="">
-      <p:transition spd="slow">
-        <p:circle/>
-      </p:transition>
-    </mc:Fallback>
-  </mc:AlternateContent>
-</p:sld>
-</file>
-
-<file path=ppt/slides/slide12.xml><?xml version="1.0" encoding="utf-8"?>
-<p:sld xmlns:a="http://schemas.openxmlformats.org/drawingml/2006/main" xmlns:r="http://schemas.openxmlformats.org/officeDocument/2006/relationships" xmlns:p="http://schemas.openxmlformats.org/presentationml/2006/main">
-  <p:cSld>
-    <p:spTree>
-      <p:nvGrpSpPr>
-        <p:cNvPr id="1" name=""/>
-        <p:cNvGrpSpPr/>
-        <p:nvPr/>
-      </p:nvGrpSpPr>
-      <p:grpSpPr>
-        <a:xfrm>
-          <a:off x="0" y="0"/>
-          <a:ext cx="0" cy="0"/>
-          <a:chOff x="0" y="0"/>
-          <a:chExt cx="0" cy="0"/>
-        </a:xfrm>
-      </p:grpSpPr>
-      <p:sp>
-        <p:nvSpPr>
-          <p:cNvPr id="2" name="タイトル 1">
-            <a:extLst>
-              <a:ext uri="{FF2B5EF4-FFF2-40B4-BE49-F238E27FC236}">
-                <a16:creationId xmlns:a16="http://schemas.microsoft.com/office/drawing/2014/main" id="{3C38C6E0-D8E5-4DEB-AC30-7CA3744F23AE}"/>
-              </a:ext>
-            </a:extLst>
-          </p:cNvPr>
-          <p:cNvSpPr>
-            <a:spLocks noGrp="1"/>
-          </p:cNvSpPr>
-          <p:nvPr>
-            <p:ph type="title"/>
-          </p:nvPr>
-        </p:nvSpPr>
-        <p:spPr/>
-        <p:txBody>
-          <a:bodyPr/>
-          <a:lstStyle/>
-          <a:p>
-            <a:r>
-              <a:rPr lang="en-US" altLang="ja-JP" dirty="0"/>
-              <a:t>AI</a:t>
-            </a:r>
-            <a:r>
-              <a:rPr lang="ja-JP" altLang="en-US" dirty="0"/>
-              <a:t>で生成された音楽</a:t>
-            </a:r>
-            <a:endParaRPr kumimoji="1" lang="ja-JP" altLang="en-US" dirty="0"/>
-          </a:p>
-        </p:txBody>
-      </p:sp>
-      <p:pic>
-        <p:nvPicPr>
-          <p:cNvPr id="5" name="test_output2 (1)">
-            <a:hlinkClick r:id="" action="ppaction://media"/>
-            <a:extLst>
-              <a:ext uri="{FF2B5EF4-FFF2-40B4-BE49-F238E27FC236}">
-                <a16:creationId xmlns:a16="http://schemas.microsoft.com/office/drawing/2014/main" id="{7363189F-CA3B-4E79-8C70-541007F9D7AA}"/>
-              </a:ext>
-            </a:extLst>
-          </p:cNvPr>
-          <p:cNvPicPr>
-            <a:picLocks noChangeAspect="1"/>
-          </p:cNvPicPr>
-          <p:nvPr>
-            <a:audioFile r:link="rId2"/>
-            <p:extLst>
-              <p:ext uri="{DAA4B4D4-6D71-4841-9C94-3DE7FCFB9230}">
-                <p14:media xmlns:p14="http://schemas.microsoft.com/office/powerpoint/2010/main" r:embed="rId1"/>
-              </p:ext>
-            </p:extLst>
-          </p:nvPr>
-        </p:nvPicPr>
-        <p:blipFill>
-          <a:blip r:embed="rId5"/>
-          <a:stretch>
-            <a:fillRect/>
-          </a:stretch>
-        </p:blipFill>
-        <p:spPr>
-          <a:xfrm>
-            <a:off x="1257299" y="3152001"/>
-            <a:ext cx="1882698" cy="1629965"/>
-          </a:xfrm>
-          <a:prstGeom prst="rect">
-            <a:avLst/>
-          </a:prstGeom>
-        </p:spPr>
-      </p:pic>
-      <p:sp>
-        <p:nvSpPr>
-          <p:cNvPr id="3" name="テキスト プレースホルダー 2">
-            <a:extLst>
-              <a:ext uri="{FF2B5EF4-FFF2-40B4-BE49-F238E27FC236}">
-                <a16:creationId xmlns:a16="http://schemas.microsoft.com/office/drawing/2014/main" id="{63349494-5C7D-41DD-8586-09F005513E33}"/>
-              </a:ext>
-            </a:extLst>
-          </p:cNvPr>
-          <p:cNvSpPr>
-            <a:spLocks noGrp="1"/>
-          </p:cNvSpPr>
-          <p:nvPr>
-            <p:ph type="body" idx="4294967295"/>
-          </p:nvPr>
-        </p:nvSpPr>
-        <p:spPr>
-          <a:xfrm>
-            <a:off x="838199" y="1690688"/>
-            <a:ext cx="7239001" cy="1200329"/>
-          </a:xfrm>
-        </p:spPr>
-        <p:txBody>
-          <a:bodyPr>
-            <a:noAutofit/>
-          </a:bodyPr>
-          <a:lstStyle/>
-          <a:p>
-            <a:r>
-              <a:rPr kumimoji="1" lang="ja-JP" altLang="ja-JP" sz="4400" kern="1200" dirty="0">
-                <a:solidFill>
-                  <a:schemeClr val="tx1"/>
-                </a:solidFill>
-                <a:effectLst/>
-              </a:rPr>
-              <a:t>ショパンを学習させたもの</a:t>
-            </a:r>
-            <a:r>
-              <a:rPr kumimoji="1" lang="en-US" altLang="ja-JP" sz="4400" kern="1200" dirty="0">
-                <a:solidFill>
-                  <a:schemeClr val="tx1"/>
-                </a:solidFill>
-                <a:effectLst/>
-              </a:rPr>
-              <a:t>(</a:t>
-            </a:r>
-            <a:r>
-              <a:rPr lang="ja-JP" altLang="en-US" sz="4400" dirty="0"/>
-              <a:t>音程のみ</a:t>
-            </a:r>
-            <a:r>
-              <a:rPr kumimoji="1" lang="en-US" altLang="ja-JP" sz="4400" kern="1200" dirty="0">
-                <a:solidFill>
-                  <a:schemeClr val="tx1"/>
-                </a:solidFill>
-                <a:effectLst/>
-              </a:rPr>
-              <a:t>)</a:t>
-            </a:r>
-            <a:endParaRPr kumimoji="1" lang="ja-JP" altLang="en-US" sz="4400" dirty="0"/>
-          </a:p>
-        </p:txBody>
-      </p:sp>
-      <p:sp>
-        <p:nvSpPr>
-          <p:cNvPr id="6" name="テキスト ボックス 5">
-            <a:extLst>
-              <a:ext uri="{FF2B5EF4-FFF2-40B4-BE49-F238E27FC236}">
-                <a16:creationId xmlns:a16="http://schemas.microsoft.com/office/drawing/2014/main" id="{164397CF-DA86-48F7-89FB-FABD066B3FBE}"/>
-              </a:ext>
-            </a:extLst>
-          </p:cNvPr>
-          <p:cNvSpPr txBox="1"/>
-          <p:nvPr/>
-        </p:nvSpPr>
-        <p:spPr>
-          <a:xfrm>
-            <a:off x="4740729" y="3016251"/>
-            <a:ext cx="5905500" cy="1200329"/>
-          </a:xfrm>
-          <a:prstGeom prst="rect">
-            <a:avLst/>
-          </a:prstGeom>
-          <a:noFill/>
-        </p:spPr>
-        <p:txBody>
-          <a:bodyPr wrap="square" rtlCol="0">
-            <a:spAutoFit/>
-          </a:bodyPr>
-          <a:lstStyle/>
-          <a:p>
-            <a:r>
-              <a:rPr kumimoji="1" lang="ja-JP" altLang="en-US" sz="3600" dirty="0"/>
-              <a:t>音程のリズムを</a:t>
-            </a:r>
-            <a:endParaRPr kumimoji="1" lang="en-US" altLang="ja-JP" sz="3600" dirty="0"/>
-          </a:p>
-          <a:p>
-            <a:r>
-              <a:rPr lang="ja-JP" altLang="en-US" sz="3600" dirty="0"/>
-              <a:t>お聞きになさってください</a:t>
-            </a:r>
-            <a:endParaRPr kumimoji="1" lang="ja-JP" altLang="en-US" sz="3600" dirty="0"/>
-          </a:p>
-        </p:txBody>
-      </p:sp>
-      <p:sp>
-        <p:nvSpPr>
-          <p:cNvPr id="7" name="正方形/長方形 6">
-            <a:extLst>
-              <a:ext uri="{FF2B5EF4-FFF2-40B4-BE49-F238E27FC236}">
-                <a16:creationId xmlns:a16="http://schemas.microsoft.com/office/drawing/2014/main" id="{B20F8077-A397-4895-967D-5AE5C616391D}"/>
-              </a:ext>
-            </a:extLst>
-          </p:cNvPr>
-          <p:cNvSpPr/>
-          <p:nvPr/>
-        </p:nvSpPr>
-        <p:spPr>
-          <a:xfrm>
-            <a:off x="8645237" y="0"/>
-            <a:ext cx="3546764" cy="1967345"/>
-          </a:xfrm>
-          <a:prstGeom prst="rect">
-            <a:avLst/>
-          </a:prstGeom>
-          <a:solidFill>
-            <a:schemeClr val="bg2">
-              <a:lumMod val="50000"/>
-            </a:schemeClr>
-          </a:solidFill>
-          <a:ln>
-            <a:solidFill>
-              <a:schemeClr val="tx1"/>
-            </a:solidFill>
-          </a:ln>
-        </p:spPr>
-        <p:style>
-          <a:lnRef idx="2">
-            <a:schemeClr val="accent1">
-              <a:shade val="50000"/>
-            </a:schemeClr>
-          </a:lnRef>
-          <a:fillRef idx="1">
-            <a:schemeClr val="accent1"/>
-          </a:fillRef>
-          <a:effectRef idx="0">
-            <a:schemeClr val="accent1"/>
-          </a:effectRef>
-          <a:fontRef idx="minor">
-            <a:schemeClr val="lt1"/>
-          </a:fontRef>
-        </p:style>
-        <p:txBody>
-          <a:bodyPr rtlCol="0" anchor="ctr"/>
-          <a:lstStyle/>
-          <a:p>
-            <a:pPr algn="ctr"/>
-            <a:endParaRPr kumimoji="1" lang="ja-JP" altLang="en-US"/>
-          </a:p>
-        </p:txBody>
-      </p:sp>
-    </p:spTree>
-    <p:extLst>
-      <p:ext uri="{BB962C8B-B14F-4D97-AF65-F5344CB8AC3E}">
-        <p14:creationId xmlns:p14="http://schemas.microsoft.com/office/powerpoint/2010/main" val="3501547791"/>
-      </p:ext>
-    </p:extLst>
-  </p:cSld>
-  <p:clrMapOvr>
-    <a:masterClrMapping/>
-  </p:clrMapOvr>
-  <mc:AlternateContent xmlns:mc="http://schemas.openxmlformats.org/markup-compatibility/2006" xmlns:p14="http://schemas.microsoft.com/office/powerpoint/2010/main">
-    <mc:Choice Requires="p14">
-      <p:transition spd="slow" p14:dur="800">
-        <p:circle/>
-      </p:transition>
-    </mc:Choice>
-    <mc:Fallback xmlns="">
-      <p:transition spd="slow">
-        <p:circle/>
-      </p:transition>
-    </mc:Fallback>
-  </mc:AlternateContent>
-  <p:timing>
-    <p:tnLst>
-      <p:par>
-        <p:cTn id="1" dur="indefinite" restart="never" nodeType="tmRoot">
-          <p:childTnLst>
-            <p:seq concurrent="1" nextAc="seek">
-              <p:cTn id="2" dur="indefinite" nodeType="mainSeq">
-                <p:childTnLst>
-                  <p:par>
-                    <p:cTn id="3" fill="hold">
-                      <p:stCondLst>
-                        <p:cond delay="indefinite"/>
-                      </p:stCondLst>
-                      <p:childTnLst>
-                        <p:par>
-                          <p:cTn id="4" fill="hold">
-                            <p:stCondLst>
-                              <p:cond delay="0"/>
-                            </p:stCondLst>
-                            <p:childTnLst>
-                              <p:par>
-                                <p:cTn id="5" presetID="1" presetClass="mediacall" presetSubtype="0" fill="hold" nodeType="clickEffect">
-                                  <p:stCondLst>
-                                    <p:cond delay="0"/>
-                                  </p:stCondLst>
-                                  <p:childTnLst>
-                                    <p:cmd type="call" cmd="playFrom(0.0)">
-                                      <p:cBhvr>
-                                        <p:cTn id="6" dur="64824" fill="hold"/>
-                                        <p:tgtEl>
-                                          <p:spTgt spid="5"/>
-                                        </p:tgtEl>
-                                      </p:cBhvr>
-                                    </p:cmd>
-                                  </p:childTnLst>
-                                </p:cTn>
-                              </p:par>
-                            </p:childTnLst>
-                          </p:cTn>
-                        </p:par>
-                      </p:childTnLst>
-                    </p:cTn>
-                  </p:par>
-                </p:childTnLst>
-              </p:cTn>
-              <p:prevCondLst>
-                <p:cond evt="onPrev" delay="0">
-                  <p:tgtEl>
-                    <p:sldTgt/>
-                  </p:tgtEl>
-                </p:cond>
-              </p:prevCondLst>
-              <p:nextCondLst>
-                <p:cond evt="onNext" delay="0">
-                  <p:tgtEl>
-                    <p:sldTgt/>
-                  </p:tgtEl>
-                </p:cond>
-              </p:nextCondLst>
-            </p:seq>
-            <p:audio>
-              <p:cMediaNode vol="80000">
-                <p:cTn id="7" fill="hold" display="0">
-                  <p:stCondLst>
-                    <p:cond delay="indefinite"/>
-                  </p:stCondLst>
-                  <p:endCondLst>
-                    <p:cond evt="onStopAudio" delay="0">
-                      <p:tgtEl>
-                        <p:sldTgt/>
-                      </p:tgtEl>
-                    </p:cond>
-                  </p:endCondLst>
-                </p:cTn>
-                <p:tgtEl>
-                  <p:spTgt spid="5"/>
-                </p:tgtEl>
-              </p:cMediaNode>
-            </p:audio>
-          </p:childTnLst>
-        </p:cTn>
-      </p:par>
-    </p:tnLst>
-  </p:timing>
-</p:sld>
-</file>
-
-<file path=ppt/slides/slide13.xml><?xml version="1.0" encoding="utf-8"?>
-<p:sld xmlns:a="http://schemas.openxmlformats.org/drawingml/2006/main" xmlns:r="http://schemas.openxmlformats.org/officeDocument/2006/relationships" xmlns:p="http://schemas.openxmlformats.org/presentationml/2006/main">
-  <p:cSld>
-    <p:spTree>
-      <p:nvGrpSpPr>
-        <p:cNvPr id="1" name=""/>
-        <p:cNvGrpSpPr/>
-        <p:nvPr/>
-      </p:nvGrpSpPr>
-      <p:grpSpPr>
-        <a:xfrm>
-          <a:off x="0" y="0"/>
-          <a:ext cx="0" cy="0"/>
-          <a:chOff x="0" y="0"/>
-          <a:chExt cx="0" cy="0"/>
-        </a:xfrm>
-      </p:grpSpPr>
-      <p:sp>
-        <p:nvSpPr>
-          <p:cNvPr id="2" name="タイトル 1">
-            <a:extLst>
-              <a:ext uri="{FF2B5EF4-FFF2-40B4-BE49-F238E27FC236}">
-                <a16:creationId xmlns:a16="http://schemas.microsoft.com/office/drawing/2014/main" id="{18F0CC66-E5ED-4F1F-9896-8EB2C725114E}"/>
-              </a:ext>
-            </a:extLst>
-          </p:cNvPr>
-          <p:cNvSpPr>
-            <a:spLocks noGrp="1"/>
-          </p:cNvSpPr>
-          <p:nvPr>
-            <p:ph type="title"/>
-          </p:nvPr>
-        </p:nvSpPr>
-        <p:spPr>
-          <a:xfrm>
-            <a:off x="838200" y="365125"/>
-            <a:ext cx="7807037" cy="1325563"/>
-          </a:xfrm>
-        </p:spPr>
-        <p:txBody>
-          <a:bodyPr/>
-          <a:lstStyle/>
-          <a:p>
-            <a:r>
-              <a:rPr kumimoji="1" lang="ja-JP" altLang="en-US" dirty="0"/>
-              <a:t>ゲーム音楽を学習させたもの</a:t>
-            </a:r>
-            <a:r>
-              <a:rPr kumimoji="1" lang="en-US" altLang="ja-JP" dirty="0"/>
-              <a:t>2</a:t>
-            </a:r>
-            <a:endParaRPr kumimoji="1" lang="ja-JP" altLang="en-US" dirty="0"/>
-          </a:p>
-        </p:txBody>
-      </p:sp>
-      <p:sp>
-        <p:nvSpPr>
-          <p:cNvPr id="3" name="テキスト プレースホルダー 2">
-            <a:extLst>
-              <a:ext uri="{FF2B5EF4-FFF2-40B4-BE49-F238E27FC236}">
-                <a16:creationId xmlns:a16="http://schemas.microsoft.com/office/drawing/2014/main" id="{ABE73C08-B258-488A-8431-BB45FF24F28C}"/>
-              </a:ext>
-            </a:extLst>
-          </p:cNvPr>
-          <p:cNvSpPr>
-            <a:spLocks noGrp="1"/>
-          </p:cNvSpPr>
-          <p:nvPr>
-            <p:ph type="body" idx="4294967295"/>
-          </p:nvPr>
-        </p:nvSpPr>
-        <p:spPr>
-          <a:xfrm>
-            <a:off x="838200" y="1825625"/>
-            <a:ext cx="6076950" cy="680045"/>
-          </a:xfrm>
-        </p:spPr>
-        <p:txBody>
-          <a:bodyPr>
-            <a:normAutofit fontScale="85000" lnSpcReduction="10000"/>
-          </a:bodyPr>
-          <a:lstStyle/>
-          <a:p>
-            <a:r>
-              <a:rPr lang="ja-JP" altLang="en-US" sz="4000" dirty="0"/>
-              <a:t>有名なおじさん</a:t>
-            </a:r>
-            <a:r>
-              <a:rPr lang="en-US" altLang="ja-JP" sz="4000" dirty="0"/>
-              <a:t>(</a:t>
-            </a:r>
-            <a:r>
-              <a:rPr lang="ja-JP" altLang="en-US" sz="4000" dirty="0"/>
-              <a:t>音程と長さ</a:t>
-            </a:r>
-            <a:r>
-              <a:rPr lang="en-US" altLang="ja-JP" sz="4000" dirty="0"/>
-              <a:t>)</a:t>
-            </a:r>
-          </a:p>
-          <a:p>
-            <a:endParaRPr kumimoji="1" lang="ja-JP" altLang="en-US" sz="4000" dirty="0"/>
-          </a:p>
-        </p:txBody>
-      </p:sp>
-      <p:pic>
-        <p:nvPicPr>
-          <p:cNvPr id="5" name="8952E1A9">
-            <a:hlinkClick r:id="" action="ppaction://media"/>
-            <a:extLst>
-              <a:ext uri="{FF2B5EF4-FFF2-40B4-BE49-F238E27FC236}">
-                <a16:creationId xmlns:a16="http://schemas.microsoft.com/office/drawing/2014/main" id="{0779A47B-F6C9-4762-BB14-168FC62EF289}"/>
-              </a:ext>
-            </a:extLst>
-          </p:cNvPr>
-          <p:cNvPicPr>
-            <a:picLocks noChangeAspect="1"/>
-          </p:cNvPicPr>
-          <p:nvPr>
-            <a:audioFile r:link="rId2"/>
-            <p:extLst>
-              <p:ext uri="{DAA4B4D4-6D71-4841-9C94-3DE7FCFB9230}">
-                <p14:media xmlns:p14="http://schemas.microsoft.com/office/powerpoint/2010/main" r:embed="rId1"/>
-              </p:ext>
-            </p:extLst>
-          </p:nvPr>
-        </p:nvPicPr>
-        <p:blipFill>
-          <a:blip r:embed="rId5"/>
-          <a:stretch>
-            <a:fillRect/>
-          </a:stretch>
-        </p:blipFill>
-        <p:spPr>
-          <a:xfrm>
-            <a:off x="2083855" y="2712443"/>
-            <a:ext cx="1954746" cy="1616075"/>
-          </a:xfrm>
-          <a:prstGeom prst="rect">
-            <a:avLst/>
-          </a:prstGeom>
-        </p:spPr>
-      </p:pic>
-      <p:sp>
-        <p:nvSpPr>
-          <p:cNvPr id="6" name="正方形/長方形 5">
-            <a:extLst>
-              <a:ext uri="{FF2B5EF4-FFF2-40B4-BE49-F238E27FC236}">
-                <a16:creationId xmlns:a16="http://schemas.microsoft.com/office/drawing/2014/main" id="{16F989B5-D90E-441D-B677-C1D739E7246A}"/>
-              </a:ext>
-            </a:extLst>
-          </p:cNvPr>
-          <p:cNvSpPr/>
-          <p:nvPr/>
-        </p:nvSpPr>
-        <p:spPr>
-          <a:xfrm>
-            <a:off x="8645237" y="0"/>
-            <a:ext cx="3546764" cy="1967345"/>
-          </a:xfrm>
-          <a:prstGeom prst="rect">
-            <a:avLst/>
-          </a:prstGeom>
-          <a:solidFill>
-            <a:schemeClr val="bg2">
-              <a:lumMod val="50000"/>
-            </a:schemeClr>
-          </a:solidFill>
-          <a:ln>
-            <a:solidFill>
-              <a:schemeClr val="tx1"/>
-            </a:solidFill>
-          </a:ln>
-        </p:spPr>
-        <p:style>
-          <a:lnRef idx="2">
-            <a:schemeClr val="accent1">
-              <a:shade val="50000"/>
-            </a:schemeClr>
-          </a:lnRef>
-          <a:fillRef idx="1">
-            <a:schemeClr val="accent1"/>
-          </a:fillRef>
-          <a:effectRef idx="0">
-            <a:schemeClr val="accent1"/>
-          </a:effectRef>
-          <a:fontRef idx="minor">
-            <a:schemeClr val="lt1"/>
-          </a:fontRef>
-        </p:style>
-        <p:txBody>
-          <a:bodyPr rtlCol="0" anchor="ctr"/>
-          <a:lstStyle/>
-          <a:p>
-            <a:pPr algn="ctr"/>
-            <a:endParaRPr kumimoji="1" lang="ja-JP" altLang="en-US"/>
-          </a:p>
-        </p:txBody>
-      </p:sp>
-      <p:sp>
-        <p:nvSpPr>
-          <p:cNvPr id="4" name="テキスト ボックス 3">
-            <a:extLst>
-              <a:ext uri="{FF2B5EF4-FFF2-40B4-BE49-F238E27FC236}">
-                <a16:creationId xmlns:a16="http://schemas.microsoft.com/office/drawing/2014/main" id="{E3519BE3-801B-40D9-9127-CA94450B0E8E}"/>
-              </a:ext>
-            </a:extLst>
-          </p:cNvPr>
-          <p:cNvSpPr txBox="1"/>
-          <p:nvPr/>
-        </p:nvSpPr>
-        <p:spPr>
-          <a:xfrm>
-            <a:off x="4891314" y="2712442"/>
-            <a:ext cx="6604000" cy="923330"/>
-          </a:xfrm>
-          <a:prstGeom prst="rect">
-            <a:avLst/>
-          </a:prstGeom>
-          <a:noFill/>
-        </p:spPr>
-        <p:txBody>
-          <a:bodyPr wrap="square" rtlCol="0">
-            <a:spAutoFit/>
-          </a:bodyPr>
-          <a:lstStyle/>
-          <a:p>
-            <a:r>
-              <a:rPr lang="ja-JP" altLang="en-US" sz="3600" dirty="0"/>
-              <a:t>先程と比べて休符がございます。</a:t>
-            </a:r>
-            <a:endParaRPr lang="en-US" altLang="ja-JP" dirty="0"/>
-          </a:p>
-          <a:p>
-            <a:endParaRPr lang="en-US" altLang="ja-JP" dirty="0"/>
-          </a:p>
-        </p:txBody>
-      </p:sp>
-    </p:spTree>
-    <p:extLst>
-      <p:ext uri="{BB962C8B-B14F-4D97-AF65-F5344CB8AC3E}">
-        <p14:creationId xmlns:p14="http://schemas.microsoft.com/office/powerpoint/2010/main" val="3285759774"/>
-      </p:ext>
-    </p:extLst>
-  </p:cSld>
-  <p:clrMapOvr>
-    <a:masterClrMapping/>
-  </p:clrMapOvr>
-  <mc:AlternateContent xmlns:mc="http://schemas.openxmlformats.org/markup-compatibility/2006" xmlns:p14="http://schemas.microsoft.com/office/powerpoint/2010/main">
-    <mc:Choice Requires="p14">
-      <p:transition spd="slow" p14:dur="800">
-        <p:circle/>
-      </p:transition>
-    </mc:Choice>
-    <mc:Fallback xmlns="">
-      <p:transition spd="slow">
-        <p:circle/>
-      </p:transition>
-    </mc:Fallback>
-  </mc:AlternateContent>
-  <p:timing>
-    <p:tnLst>
-      <p:par>
-        <p:cTn id="1" dur="indefinite" restart="never" nodeType="tmRoot">
-          <p:childTnLst>
-            <p:seq concurrent="1" nextAc="seek">
-              <p:cTn id="2" dur="indefinite" nodeType="mainSeq">
-                <p:childTnLst>
-                  <p:par>
-                    <p:cTn id="3" fill="hold">
-                      <p:stCondLst>
-                        <p:cond delay="indefinite"/>
-                      </p:stCondLst>
-                      <p:childTnLst>
-                        <p:par>
-                          <p:cTn id="4" fill="hold">
-                            <p:stCondLst>
-                              <p:cond delay="0"/>
-                            </p:stCondLst>
-                            <p:childTnLst>
-                              <p:par>
-                                <p:cTn id="5" presetID="1" presetClass="mediacall" presetSubtype="0" fill="hold" nodeType="clickEffect">
-                                  <p:stCondLst>
-                                    <p:cond delay="0"/>
-                                  </p:stCondLst>
-                                  <p:childTnLst>
-                                    <p:cmd type="call" cmd="playFrom(0.0)">
-                                      <p:cBhvr>
-                                        <p:cTn id="6" dur="60414" fill="hold"/>
-                                        <p:tgtEl>
-                                          <p:spTgt spid="5"/>
-                                        </p:tgtEl>
-                                      </p:cBhvr>
-                                    </p:cmd>
-                                  </p:childTnLst>
-                                </p:cTn>
-                              </p:par>
-                            </p:childTnLst>
-                          </p:cTn>
-                        </p:par>
-                      </p:childTnLst>
-                    </p:cTn>
-                  </p:par>
-                </p:childTnLst>
-              </p:cTn>
-              <p:prevCondLst>
-                <p:cond evt="onPrev" delay="0">
-                  <p:tgtEl>
-                    <p:sldTgt/>
-                  </p:tgtEl>
-                </p:cond>
-              </p:prevCondLst>
-              <p:nextCondLst>
-                <p:cond evt="onNext" delay="0">
-                  <p:tgtEl>
-                    <p:sldTgt/>
-                  </p:tgtEl>
-                </p:cond>
-              </p:nextCondLst>
-            </p:seq>
-            <p:audio>
-              <p:cMediaNode vol="59091" mute="1">
-                <p:cTn id="7" fill="hold" display="0">
-                  <p:stCondLst>
-                    <p:cond delay="indefinite"/>
-                  </p:stCondLst>
-                  <p:endCondLst>
-                    <p:cond evt="onStopAudio" delay="0">
-                      <p:tgtEl>
-                        <p:sldTgt/>
-                      </p:tgtEl>
-                    </p:cond>
-                  </p:endCondLst>
-                </p:cTn>
-                <p:tgtEl>
-                  <p:spTgt spid="5"/>
-                </p:tgtEl>
-              </p:cMediaNode>
-            </p:audio>
-          </p:childTnLst>
-        </p:cTn>
-      </p:par>
-    </p:tnLst>
-  </p:timing>
-</p:sld>
-</file>
-
-<file path=ppt/slides/slide14.xml><?xml version="1.0" encoding="utf-8"?>
-<p:sld xmlns:a="http://schemas.openxmlformats.org/drawingml/2006/main" xmlns:r="http://schemas.openxmlformats.org/officeDocument/2006/relationships" xmlns:p="http://schemas.openxmlformats.org/presentationml/2006/main">
-  <p:cSld>
-    <p:spTree>
-      <p:nvGrpSpPr>
-        <p:cNvPr id="1" name=""/>
-        <p:cNvGrpSpPr/>
-        <p:nvPr/>
-      </p:nvGrpSpPr>
-      <p:grpSpPr>
-        <a:xfrm>
-          <a:off x="0" y="0"/>
-          <a:ext cx="0" cy="0"/>
-          <a:chOff x="0" y="0"/>
-          <a:chExt cx="0" cy="0"/>
-        </a:xfrm>
-      </p:grpSpPr>
-      <p:sp>
-        <p:nvSpPr>
-          <p:cNvPr id="2" name="タイトル 1">
-            <a:extLst>
-              <a:ext uri="{FF2B5EF4-FFF2-40B4-BE49-F238E27FC236}">
-                <a16:creationId xmlns:a16="http://schemas.microsoft.com/office/drawing/2014/main" id="{FFDF732A-E3FE-4DDA-8C88-627BFFF6B3A4}"/>
-              </a:ext>
-            </a:extLst>
-          </p:cNvPr>
-          <p:cNvSpPr>
-            <a:spLocks noGrp="1"/>
-          </p:cNvSpPr>
-          <p:nvPr>
-            <p:ph type="title"/>
-          </p:nvPr>
-        </p:nvSpPr>
-        <p:spPr/>
-        <p:txBody>
-          <a:bodyPr/>
-          <a:lstStyle/>
-          <a:p>
-            <a:r>
-              <a:rPr kumimoji="1" lang="ja-JP" altLang="en-US" b="1" dirty="0"/>
-              <a:t>既存アプリとの</a:t>
-            </a:r>
-            <a:r>
-              <a:rPr lang="ja-JP" altLang="en-US" b="1" dirty="0"/>
-              <a:t>優位性</a:t>
-            </a:r>
-            <a:endParaRPr kumimoji="1" lang="ja-JP" altLang="en-US" b="1" dirty="0"/>
-          </a:p>
-        </p:txBody>
-      </p:sp>
-      <p:sp>
-        <p:nvSpPr>
-          <p:cNvPr id="3" name="コンテンツ プレースホルダー 2">
-            <a:extLst>
-              <a:ext uri="{FF2B5EF4-FFF2-40B4-BE49-F238E27FC236}">
-                <a16:creationId xmlns:a16="http://schemas.microsoft.com/office/drawing/2014/main" id="{66256E41-A4F2-40BF-A3ED-6B9F4B5EE8F5}"/>
-              </a:ext>
-            </a:extLst>
-          </p:cNvPr>
-          <p:cNvSpPr>
-            <a:spLocks noGrp="1"/>
-          </p:cNvSpPr>
-          <p:nvPr>
-            <p:ph sz="half" idx="1"/>
-          </p:nvPr>
-        </p:nvSpPr>
-        <p:spPr>
-          <a:xfrm>
-            <a:off x="838200" y="2213813"/>
-            <a:ext cx="9025647" cy="3525506"/>
-          </a:xfrm>
-        </p:spPr>
-        <p:txBody>
-          <a:bodyPr>
-            <a:normAutofit fontScale="92500"/>
-          </a:bodyPr>
-          <a:lstStyle/>
-          <a:p>
-            <a:r>
-              <a:rPr lang="en-US" altLang="ja-JP" sz="4800" b="1" i="1" dirty="0" err="1"/>
-              <a:t>b</a:t>
-            </a:r>
-            <a:r>
-              <a:rPr kumimoji="1" lang="en-US" altLang="ja-JP" sz="4800" b="1" i="1" dirty="0" err="1"/>
-              <a:t>itComporser</a:t>
-            </a:r>
-            <a:endParaRPr kumimoji="1" lang="en-US" altLang="ja-JP" sz="4800" b="1" i="1" dirty="0"/>
-          </a:p>
-          <a:p>
-            <a:r>
-              <a:rPr lang="ja-JP" altLang="en-US" sz="3500" dirty="0"/>
-              <a:t>ゲーム音楽と唯一無二のジャンルが作成できる</a:t>
-            </a:r>
-            <a:endParaRPr kumimoji="1" lang="en-US" altLang="ja-JP" sz="3500" dirty="0"/>
-          </a:p>
-          <a:p>
-            <a:r>
-              <a:rPr kumimoji="1" lang="ja-JP" altLang="en-US" sz="3500" dirty="0"/>
-              <a:t>操作が分かりやすく音符を一から設定できる。</a:t>
-            </a:r>
-            <a:endParaRPr kumimoji="1" lang="en-US" altLang="ja-JP" sz="3500" dirty="0"/>
-          </a:p>
-          <a:p>
-            <a:r>
-              <a:rPr kumimoji="1" lang="ja-JP" altLang="en-US" sz="3500" dirty="0"/>
-              <a:t>音楽の読み込みが軽い。</a:t>
-            </a:r>
-            <a:endParaRPr kumimoji="1" lang="en-US" altLang="ja-JP" sz="3500" dirty="0"/>
-          </a:p>
-          <a:p>
-            <a:r>
-              <a:rPr kumimoji="1" lang="ja-JP" altLang="en-US" sz="3500" dirty="0"/>
-              <a:t>登録が不必要</a:t>
-            </a:r>
-            <a:endParaRPr lang="en-US" altLang="ja-JP" sz="3500" dirty="0"/>
-          </a:p>
-          <a:p>
-            <a:endParaRPr kumimoji="1" lang="en-US" altLang="ja-JP" dirty="0"/>
-          </a:p>
-          <a:p>
-            <a:endParaRPr kumimoji="1" lang="en-US" altLang="ja-JP" dirty="0"/>
-          </a:p>
-        </p:txBody>
-      </p:sp>
-      <p:sp>
-        <p:nvSpPr>
-          <p:cNvPr id="5" name="正方形/長方形 4">
-            <a:extLst>
-              <a:ext uri="{FF2B5EF4-FFF2-40B4-BE49-F238E27FC236}">
-                <a16:creationId xmlns:a16="http://schemas.microsoft.com/office/drawing/2014/main" id="{B1BDFDF9-1994-4E12-AAF4-FE7746FF7AD0}"/>
-              </a:ext>
-            </a:extLst>
-          </p:cNvPr>
-          <p:cNvSpPr/>
-          <p:nvPr/>
-        </p:nvSpPr>
-        <p:spPr>
-          <a:xfrm>
-            <a:off x="8645237" y="0"/>
-            <a:ext cx="3546764" cy="1967345"/>
-          </a:xfrm>
-          <a:prstGeom prst="rect">
-            <a:avLst/>
-          </a:prstGeom>
-          <a:solidFill>
-            <a:schemeClr val="bg2">
-              <a:lumMod val="50000"/>
-            </a:schemeClr>
-          </a:solidFill>
-          <a:ln>
-            <a:solidFill>
-              <a:schemeClr val="tx1"/>
-            </a:solidFill>
-          </a:ln>
-        </p:spPr>
-        <p:style>
-          <a:lnRef idx="2">
-            <a:schemeClr val="accent1">
-              <a:shade val="50000"/>
-            </a:schemeClr>
-          </a:lnRef>
-          <a:fillRef idx="1">
-            <a:schemeClr val="accent1"/>
-          </a:fillRef>
-          <a:effectRef idx="0">
-            <a:schemeClr val="accent1"/>
-          </a:effectRef>
-          <a:fontRef idx="minor">
-            <a:schemeClr val="lt1"/>
-          </a:fontRef>
-        </p:style>
-        <p:txBody>
-          <a:bodyPr rtlCol="0" anchor="ctr"/>
-          <a:lstStyle/>
-          <a:p>
-            <a:pPr algn="ctr"/>
-            <a:endParaRPr kumimoji="1" lang="ja-JP" altLang="en-US"/>
-          </a:p>
-        </p:txBody>
-      </p:sp>
-    </p:spTree>
-    <p:extLst>
-      <p:ext uri="{BB962C8B-B14F-4D97-AF65-F5344CB8AC3E}">
-        <p14:creationId xmlns:p14="http://schemas.microsoft.com/office/powerpoint/2010/main" val="3832178427"/>
-      </p:ext>
-    </p:extLst>
-  </p:cSld>
-  <p:clrMapOvr>
-    <a:masterClrMapping/>
-  </p:clrMapOvr>
-  <mc:AlternateContent xmlns:mc="http://schemas.openxmlformats.org/markup-compatibility/2006" xmlns:p14="http://schemas.microsoft.com/office/powerpoint/2010/main">
-    <mc:Choice Requires="p14">
-      <p:transition spd="slow" p14:dur="800">
-        <p:circle/>
-      </p:transition>
-    </mc:Choice>
-    <mc:Fallback xmlns="">
-      <p:transition spd="slow">
-        <p:circle/>
-      </p:transition>
-    </mc:Fallback>
-  </mc:AlternateContent>
-</p:sld>
-</file>
-
-<file path=ppt/slides/slide15.xml><?xml version="1.0" encoding="utf-8"?>
-<p:sld xmlns:a="http://schemas.openxmlformats.org/drawingml/2006/main" xmlns:r="http://schemas.openxmlformats.org/officeDocument/2006/relationships" xmlns:p="http://schemas.openxmlformats.org/presentationml/2006/main">
-  <p:cSld>
-    <p:spTree>
-      <p:nvGrpSpPr>
-        <p:cNvPr id="1" name=""/>
-        <p:cNvGrpSpPr/>
-        <p:nvPr/>
-      </p:nvGrpSpPr>
-      <p:grpSpPr>
-        <a:xfrm>
-          <a:off x="0" y="0"/>
-          <a:ext cx="0" cy="0"/>
-          <a:chOff x="0" y="0"/>
-          <a:chExt cx="0" cy="0"/>
-        </a:xfrm>
-      </p:grpSpPr>
-      <p:sp>
-        <p:nvSpPr>
-          <p:cNvPr id="2" name="タイトル 1">
-            <a:extLst>
-              <a:ext uri="{FF2B5EF4-FFF2-40B4-BE49-F238E27FC236}">
-                <a16:creationId xmlns:a16="http://schemas.microsoft.com/office/drawing/2014/main" id="{025C00AC-50C2-4AEE-B119-C8EF0488D58A}"/>
-              </a:ext>
-            </a:extLst>
-          </p:cNvPr>
-          <p:cNvSpPr>
-            <a:spLocks noGrp="1"/>
-          </p:cNvSpPr>
-          <p:nvPr>
-            <p:ph type="title"/>
-          </p:nvPr>
-        </p:nvSpPr>
-        <p:spPr>
-          <a:xfrm>
-            <a:off x="838201" y="365125"/>
-            <a:ext cx="7391400" cy="1325563"/>
-          </a:xfrm>
-        </p:spPr>
-        <p:txBody>
-          <a:bodyPr>
-            <a:normAutofit/>
-          </a:bodyPr>
-          <a:lstStyle/>
-          <a:p>
-            <a:r>
-              <a:rPr kumimoji="1" lang="ja-JP" altLang="en-US" sz="3200" b="1" dirty="0"/>
-              <a:t>アプリの使い方</a:t>
-            </a:r>
-            <a:r>
-              <a:rPr kumimoji="1" lang="en-US" altLang="ja-JP" sz="3200" b="1" dirty="0"/>
-              <a:t>(</a:t>
-            </a:r>
-            <a:r>
-              <a:rPr kumimoji="1" lang="ja-JP" altLang="en-US" sz="3200" b="1" dirty="0"/>
-              <a:t>デモンストレーション</a:t>
-            </a:r>
-            <a:r>
-              <a:rPr kumimoji="1" lang="en-US" altLang="ja-JP" sz="3200" dirty="0"/>
-              <a:t>)</a:t>
-            </a:r>
-            <a:endParaRPr kumimoji="1" lang="ja-JP" altLang="en-US" sz="3200" dirty="0"/>
-          </a:p>
-        </p:txBody>
-      </p:sp>
-      <p:sp>
-        <p:nvSpPr>
-          <p:cNvPr id="3" name="テキスト ボックス 2">
-            <a:extLst>
-              <a:ext uri="{FF2B5EF4-FFF2-40B4-BE49-F238E27FC236}">
-                <a16:creationId xmlns:a16="http://schemas.microsoft.com/office/drawing/2014/main" id="{5A11D7B1-58DD-4CF5-A1C5-3743A5F603E7}"/>
-              </a:ext>
-            </a:extLst>
-          </p:cNvPr>
-          <p:cNvSpPr txBox="1"/>
-          <p:nvPr/>
-        </p:nvSpPr>
-        <p:spPr>
-          <a:xfrm>
-            <a:off x="441860" y="2061172"/>
-            <a:ext cx="7723911" cy="646331"/>
-          </a:xfrm>
-          <a:prstGeom prst="rect">
-            <a:avLst/>
-          </a:prstGeom>
-          <a:noFill/>
-        </p:spPr>
-        <p:txBody>
-          <a:bodyPr wrap="square" rtlCol="0">
-            <a:spAutoFit/>
-          </a:bodyPr>
-          <a:lstStyle/>
-          <a:p>
-            <a:r>
-              <a:rPr lang="en-US" altLang="ja-JP" sz="3600" b="1" dirty="0">
-                <a:hlinkClick r:id="rId3">
-                  <a:extLst>
-                    <a:ext uri="{A12FA001-AC4F-418D-AE19-62706E023703}">
-                      <ahyp:hlinkClr xmlns:ahyp="http://schemas.microsoft.com/office/drawing/2018/hyperlinkcolor" val="tx"/>
-                    </a:ext>
-                  </a:extLst>
-                </a:hlinkClick>
-              </a:rPr>
-              <a:t>http://172.16.220.149:5000/</a:t>
-            </a:r>
-            <a:endParaRPr lang="en-US" altLang="ja-JP" sz="3600" b="1" dirty="0"/>
-          </a:p>
-        </p:txBody>
-      </p:sp>
-      <p:sp>
-        <p:nvSpPr>
-          <p:cNvPr id="5" name="テキスト ボックス 4">
-            <a:extLst>
-              <a:ext uri="{FF2B5EF4-FFF2-40B4-BE49-F238E27FC236}">
-                <a16:creationId xmlns:a16="http://schemas.microsoft.com/office/drawing/2014/main" id="{4BE0FAFE-D088-40D5-95FA-AD210674E3BC}"/>
-              </a:ext>
-            </a:extLst>
-          </p:cNvPr>
-          <p:cNvSpPr txBox="1"/>
-          <p:nvPr/>
-        </p:nvSpPr>
-        <p:spPr>
-          <a:xfrm>
-            <a:off x="6513534" y="3734431"/>
-            <a:ext cx="4992915" cy="954107"/>
-          </a:xfrm>
-          <a:prstGeom prst="rect">
-            <a:avLst/>
-          </a:prstGeom>
-          <a:noFill/>
-        </p:spPr>
-        <p:txBody>
-          <a:bodyPr wrap="square" rtlCol="0">
-            <a:spAutoFit/>
-          </a:bodyPr>
-          <a:lstStyle/>
-          <a:p>
-            <a:r>
-              <a:rPr lang="ja-JP" altLang="en-US" sz="2800" dirty="0"/>
-              <a:t>音楽を</a:t>
-            </a:r>
-            <a:r>
-              <a:rPr kumimoji="1" lang="ja-JP" altLang="en-US" sz="2800" dirty="0"/>
-              <a:t>作成できたら</a:t>
-            </a:r>
-            <a:endParaRPr kumimoji="1" lang="en-US" altLang="ja-JP" sz="2800" dirty="0"/>
-          </a:p>
-          <a:p>
-            <a:r>
-              <a:rPr lang="ja-JP" altLang="en-US" sz="2800" dirty="0">
-                <a:solidFill>
-                  <a:srgbClr val="FF0000"/>
-                </a:solidFill>
-              </a:rPr>
-              <a:t>送信ボタン</a:t>
-            </a:r>
-            <a:r>
-              <a:rPr lang="ja-JP" altLang="en-US" sz="2800" dirty="0"/>
-              <a:t>を押してください</a:t>
-            </a:r>
-            <a:endParaRPr kumimoji="1" lang="ja-JP" altLang="en-US" sz="2800" dirty="0"/>
-          </a:p>
-        </p:txBody>
-      </p:sp>
-      <p:sp>
-        <p:nvSpPr>
-          <p:cNvPr id="6" name="テキスト ボックス 5">
-            <a:extLst>
-              <a:ext uri="{FF2B5EF4-FFF2-40B4-BE49-F238E27FC236}">
-                <a16:creationId xmlns:a16="http://schemas.microsoft.com/office/drawing/2014/main" id="{1EED7E17-895F-498A-AB79-2986A9065572}"/>
-              </a:ext>
-            </a:extLst>
-          </p:cNvPr>
-          <p:cNvSpPr txBox="1"/>
-          <p:nvPr/>
-        </p:nvSpPr>
-        <p:spPr>
-          <a:xfrm>
-            <a:off x="6456219" y="4967740"/>
-            <a:ext cx="3546764" cy="400110"/>
-          </a:xfrm>
-          <a:prstGeom prst="rect">
-            <a:avLst/>
-          </a:prstGeom>
-          <a:noFill/>
-        </p:spPr>
-        <p:txBody>
-          <a:bodyPr wrap="square" rtlCol="0">
-            <a:spAutoFit/>
-          </a:bodyPr>
-          <a:lstStyle/>
-          <a:p>
-            <a:r>
-              <a:rPr kumimoji="1" lang="ja-JP" altLang="en-US" sz="2000" dirty="0">
-                <a:solidFill>
-                  <a:srgbClr val="FF0000"/>
-                </a:solidFill>
-                <a:highlight>
-                  <a:srgbClr val="FFFF00"/>
-                </a:highlight>
-              </a:rPr>
-              <a:t>生成に約一分掛かります</a:t>
-            </a:r>
-            <a:r>
-              <a:rPr lang="ja-JP" altLang="en-US" sz="2000" dirty="0">
-                <a:solidFill>
-                  <a:srgbClr val="FF0000"/>
-                </a:solidFill>
-                <a:highlight>
-                  <a:srgbClr val="FFFF00"/>
-                </a:highlight>
-              </a:rPr>
-              <a:t>。</a:t>
-            </a:r>
-            <a:endParaRPr kumimoji="1" lang="ja-JP" altLang="en-US" sz="2000" dirty="0">
-              <a:solidFill>
-                <a:srgbClr val="FF0000"/>
-              </a:solidFill>
-              <a:highlight>
-                <a:srgbClr val="FFFF00"/>
-              </a:highlight>
-            </a:endParaRPr>
-          </a:p>
-        </p:txBody>
-      </p:sp>
-      <p:sp>
-        <p:nvSpPr>
-          <p:cNvPr id="7" name="正方形/長方形 6">
-            <a:extLst>
-              <a:ext uri="{FF2B5EF4-FFF2-40B4-BE49-F238E27FC236}">
-                <a16:creationId xmlns:a16="http://schemas.microsoft.com/office/drawing/2014/main" id="{FBA0EE7E-F114-45C1-AC10-7408CA7D971A}"/>
-              </a:ext>
-            </a:extLst>
-          </p:cNvPr>
-          <p:cNvSpPr/>
-          <p:nvPr/>
-        </p:nvSpPr>
-        <p:spPr>
-          <a:xfrm>
-            <a:off x="8645237" y="0"/>
-            <a:ext cx="3546764" cy="1967345"/>
-          </a:xfrm>
-          <a:prstGeom prst="rect">
-            <a:avLst/>
-          </a:prstGeom>
-          <a:solidFill>
-            <a:schemeClr val="bg2">
-              <a:lumMod val="50000"/>
-            </a:schemeClr>
-          </a:solidFill>
-          <a:ln>
-            <a:solidFill>
-              <a:schemeClr val="tx1"/>
-            </a:solidFill>
-          </a:ln>
-        </p:spPr>
-        <p:style>
-          <a:lnRef idx="2">
-            <a:schemeClr val="accent1">
-              <a:shade val="50000"/>
-            </a:schemeClr>
-          </a:lnRef>
-          <a:fillRef idx="1">
-            <a:schemeClr val="accent1"/>
-          </a:fillRef>
-          <a:effectRef idx="0">
-            <a:schemeClr val="accent1"/>
-          </a:effectRef>
-          <a:fontRef idx="minor">
-            <a:schemeClr val="lt1"/>
-          </a:fontRef>
-        </p:style>
-        <p:txBody>
-          <a:bodyPr rtlCol="0" anchor="ctr"/>
-          <a:lstStyle/>
-          <a:p>
-            <a:pPr algn="ctr"/>
-            <a:endParaRPr kumimoji="1" lang="ja-JP" altLang="en-US"/>
-          </a:p>
-        </p:txBody>
-      </p:sp>
-      <p:sp>
-        <p:nvSpPr>
-          <p:cNvPr id="8" name="正方形/長方形 7">
-            <a:extLst>
-              <a:ext uri="{FF2B5EF4-FFF2-40B4-BE49-F238E27FC236}">
-                <a16:creationId xmlns:a16="http://schemas.microsoft.com/office/drawing/2014/main" id="{1BEE24F6-7641-4BFD-B136-01A2ED1D96E9}"/>
-              </a:ext>
-            </a:extLst>
-          </p:cNvPr>
-          <p:cNvSpPr/>
-          <p:nvPr/>
-        </p:nvSpPr>
-        <p:spPr>
-          <a:xfrm>
-            <a:off x="505690" y="3605890"/>
-            <a:ext cx="5590310" cy="2723700"/>
-          </a:xfrm>
-          <a:prstGeom prst="rect">
-            <a:avLst/>
-          </a:prstGeom>
-          <a:solidFill>
-            <a:schemeClr val="accent2">
-              <a:lumMod val="75000"/>
-            </a:schemeClr>
-          </a:solidFill>
-          <a:ln>
-            <a:solidFill>
-              <a:schemeClr val="tx1"/>
-            </a:solidFill>
-          </a:ln>
-        </p:spPr>
-        <p:style>
-          <a:lnRef idx="2">
-            <a:schemeClr val="accent1">
-              <a:shade val="50000"/>
-            </a:schemeClr>
-          </a:lnRef>
-          <a:fillRef idx="1">
-            <a:schemeClr val="accent1"/>
-          </a:fillRef>
-          <a:effectRef idx="0">
-            <a:schemeClr val="accent1"/>
-          </a:effectRef>
-          <a:fontRef idx="minor">
-            <a:schemeClr val="lt1"/>
-          </a:fontRef>
-        </p:style>
-        <p:txBody>
-          <a:bodyPr rtlCol="0" anchor="ctr"/>
-          <a:lstStyle/>
-          <a:p>
-            <a:pPr algn="ctr"/>
-            <a:r>
-              <a:rPr lang="ja-JP" altLang="en-US" dirty="0"/>
-              <a:t>デモンストレーションの動画</a:t>
-            </a:r>
-            <a:endParaRPr kumimoji="1" lang="ja-JP" altLang="en-US" dirty="0"/>
-          </a:p>
-        </p:txBody>
-      </p:sp>
-    </p:spTree>
-    <p:extLst>
-      <p:ext uri="{BB962C8B-B14F-4D97-AF65-F5344CB8AC3E}">
-        <p14:creationId xmlns:p14="http://schemas.microsoft.com/office/powerpoint/2010/main" val="3562155098"/>
-      </p:ext>
-    </p:extLst>
-  </p:cSld>
-  <p:clrMapOvr>
-    <a:masterClrMapping/>
-  </p:clrMapOvr>
-  <mc:AlternateContent xmlns:mc="http://schemas.openxmlformats.org/markup-compatibility/2006" xmlns:p14="http://schemas.microsoft.com/office/powerpoint/2010/main">
-    <mc:Choice Requires="p14">
-      <p:transition spd="slow" p14:dur="800">
-        <p:circle/>
-      </p:transition>
-    </mc:Choice>
-    <mc:Fallback xmlns="">
-      <p:transition spd="slow">
-        <p:circle/>
-      </p:transition>
-    </mc:Fallback>
-  </mc:AlternateContent>
-</p:sld>
-</file>
-
-<file path=ppt/slides/slide16.xml><?xml version="1.0" encoding="utf-8"?>
-<p:sld xmlns:a="http://schemas.openxmlformats.org/drawingml/2006/main" xmlns:r="http://schemas.openxmlformats.org/officeDocument/2006/relationships" xmlns:p="http://schemas.openxmlformats.org/presentationml/2006/main">
-  <p:cSld>
-    <p:spTree>
-      <p:nvGrpSpPr>
-        <p:cNvPr id="1" name=""/>
-        <p:cNvGrpSpPr/>
-        <p:nvPr/>
-      </p:nvGrpSpPr>
-      <p:grpSpPr>
-        <a:xfrm>
-          <a:off x="0" y="0"/>
-          <a:ext cx="0" cy="0"/>
-          <a:chOff x="0" y="0"/>
-          <a:chExt cx="0" cy="0"/>
-        </a:xfrm>
-      </p:grpSpPr>
-      <p:sp>
-        <p:nvSpPr>
-          <p:cNvPr id="2" name="タイトル 1">
-            <a:extLst>
-              <a:ext uri="{FF2B5EF4-FFF2-40B4-BE49-F238E27FC236}">
-                <a16:creationId xmlns:a16="http://schemas.microsoft.com/office/drawing/2014/main" id="{5AB505EB-7361-4611-BBC5-B9CED7437F70}"/>
-              </a:ext>
-            </a:extLst>
-          </p:cNvPr>
-          <p:cNvSpPr>
-            <a:spLocks noGrp="1"/>
-          </p:cNvSpPr>
-          <p:nvPr>
-            <p:ph type="ctrTitle"/>
-          </p:nvPr>
-        </p:nvSpPr>
-        <p:spPr>
-          <a:xfrm>
-            <a:off x="1524000" y="1122363"/>
-            <a:ext cx="9144000" cy="1373187"/>
-          </a:xfrm>
-        </p:spPr>
-        <p:txBody>
-          <a:bodyPr/>
-          <a:lstStyle/>
-          <a:p>
-            <a:pPr algn="l"/>
-            <a:r>
-              <a:rPr lang="ja-JP" altLang="en-US" dirty="0"/>
-              <a:t>開発で苦労した点</a:t>
-            </a:r>
-            <a:endParaRPr kumimoji="1" lang="ja-JP" altLang="en-US" dirty="0"/>
-          </a:p>
-        </p:txBody>
-      </p:sp>
-      <p:sp>
-        <p:nvSpPr>
-          <p:cNvPr id="3" name="字幕 2">
-            <a:extLst>
-              <a:ext uri="{FF2B5EF4-FFF2-40B4-BE49-F238E27FC236}">
-                <a16:creationId xmlns:a16="http://schemas.microsoft.com/office/drawing/2014/main" id="{D55DAD4E-92B5-4442-BF9C-C13919BE8642}"/>
-              </a:ext>
-            </a:extLst>
-          </p:cNvPr>
-          <p:cNvSpPr>
-            <a:spLocks noGrp="1"/>
-          </p:cNvSpPr>
-          <p:nvPr>
-            <p:ph type="subTitle" idx="1"/>
-          </p:nvPr>
-        </p:nvSpPr>
-        <p:spPr>
-          <a:xfrm>
-            <a:off x="1524000" y="2847975"/>
-            <a:ext cx="9144000" cy="3650102"/>
-          </a:xfrm>
-        </p:spPr>
-        <p:txBody>
-          <a:bodyPr>
-            <a:normAutofit/>
-          </a:bodyPr>
-          <a:lstStyle/>
-          <a:p>
-            <a:pPr algn="l"/>
-            <a:r>
-              <a:rPr lang="en-US" altLang="ja-JP" sz="2800" dirty="0"/>
-              <a:t>JavaScript</a:t>
-            </a:r>
-            <a:r>
-              <a:rPr lang="ja-JP" altLang="en-US" sz="2800" dirty="0"/>
-              <a:t>に慣れていない時に</a:t>
-            </a:r>
-            <a:endParaRPr lang="en-US" altLang="ja-JP" sz="2800" dirty="0"/>
-          </a:p>
-          <a:p>
-            <a:pPr algn="l"/>
-            <a:r>
-              <a:rPr lang="en-US" altLang="ja-JP" sz="2800" dirty="0"/>
-              <a:t>abc.js</a:t>
-            </a:r>
-            <a:r>
-              <a:rPr lang="ja-JP" altLang="en-US" sz="2800" dirty="0"/>
-              <a:t>で楽譜表示させるために最初はサーバで表示させようとしましたが楽譜の表示できないのでプラグコードをダウンロードして対応しました。</a:t>
-            </a:r>
-            <a:endParaRPr lang="en-US" altLang="ja-JP" sz="2800" dirty="0"/>
-          </a:p>
-          <a:p>
-            <a:pPr algn="l"/>
-            <a:r>
-              <a:rPr lang="en-US" altLang="ja-JP" sz="2800" dirty="0"/>
-              <a:t>0</a:t>
-            </a:r>
-            <a:r>
-              <a:rPr lang="ja-JP" altLang="en-US" sz="2800" dirty="0"/>
-              <a:t>から</a:t>
-            </a:r>
-            <a:r>
-              <a:rPr lang="en-US" altLang="ja-JP" sz="2800" dirty="0"/>
-              <a:t>1</a:t>
-            </a:r>
-            <a:r>
-              <a:rPr lang="ja-JP" altLang="en-US" sz="2800" dirty="0"/>
-              <a:t>を作るのは難しくはないですが</a:t>
-            </a:r>
-            <a:r>
-              <a:rPr lang="en-US" altLang="ja-JP" sz="2800" dirty="0"/>
-              <a:t>1</a:t>
-            </a:r>
-            <a:r>
-              <a:rPr lang="ja-JP" altLang="en-US" sz="2800" dirty="0"/>
-              <a:t>から</a:t>
-            </a:r>
-            <a:r>
-              <a:rPr lang="en-US" altLang="ja-JP" sz="2800" dirty="0"/>
-              <a:t>2</a:t>
-            </a:r>
-            <a:r>
-              <a:rPr lang="ja-JP" altLang="en-US" sz="2800" dirty="0"/>
-              <a:t>を作るのは難しい。</a:t>
-            </a:r>
-            <a:endParaRPr lang="en-US" altLang="ja-JP" sz="2800" dirty="0"/>
-          </a:p>
-          <a:p>
-            <a:pPr algn="l"/>
-            <a:r>
-              <a:rPr lang="en-US" altLang="ja-JP" sz="2800" dirty="0"/>
-              <a:t>By</a:t>
-            </a:r>
-            <a:r>
-              <a:rPr lang="ja-JP" altLang="en-US" sz="2800" dirty="0"/>
-              <a:t>　長島光琉</a:t>
-            </a:r>
-            <a:endParaRPr lang="en-US" altLang="ja-JP" sz="2800" dirty="0"/>
-          </a:p>
-        </p:txBody>
-      </p:sp>
-    </p:spTree>
-    <p:extLst>
-      <p:ext uri="{BB962C8B-B14F-4D97-AF65-F5344CB8AC3E}">
-        <p14:creationId xmlns:p14="http://schemas.microsoft.com/office/powerpoint/2010/main" val="2532543123"/>
-      </p:ext>
-    </p:extLst>
-  </p:cSld>
-  <p:clrMapOvr>
-    <a:masterClrMapping/>
-  </p:clrMapOvr>
-  <mc:AlternateContent xmlns:mc="http://schemas.openxmlformats.org/markup-compatibility/2006" xmlns:p14="http://schemas.microsoft.com/office/powerpoint/2010/main">
-    <mc:Choice Requires="p14">
-      <p:transition spd="slow" p14:dur="800">
-        <p:circle/>
-      </p:transition>
-    </mc:Choice>
-    <mc:Fallback xmlns="">
-      <p:transition spd="slow">
-        <p:circle/>
-      </p:transition>
-    </mc:Fallback>
-  </mc:AlternateContent>
-</p:sld>
-</file>
-
-<file path=ppt/slides/slide17.xml><?xml version="1.0" encoding="utf-8"?>
-<p:sld xmlns:a="http://schemas.openxmlformats.org/drawingml/2006/main" xmlns:r="http://schemas.openxmlformats.org/officeDocument/2006/relationships" xmlns:p="http://schemas.openxmlformats.org/presentationml/2006/main">
-  <p:cSld>
-    <p:spTree>
-      <p:nvGrpSpPr>
-        <p:cNvPr id="1" name=""/>
-        <p:cNvGrpSpPr/>
-        <p:nvPr/>
-      </p:nvGrpSpPr>
-      <p:grpSpPr>
-        <a:xfrm>
-          <a:off x="0" y="0"/>
-          <a:ext cx="0" cy="0"/>
-          <a:chOff x="0" y="0"/>
-          <a:chExt cx="0" cy="0"/>
-        </a:xfrm>
-      </p:grpSpPr>
-      <p:sp>
-        <p:nvSpPr>
-          <p:cNvPr id="2" name="タイトル 1">
-            <a:extLst>
-              <a:ext uri="{FF2B5EF4-FFF2-40B4-BE49-F238E27FC236}">
-                <a16:creationId xmlns:a16="http://schemas.microsoft.com/office/drawing/2014/main" id="{A28B3ECD-CB6B-4871-9177-75053AF22875}"/>
-              </a:ext>
-            </a:extLst>
-          </p:cNvPr>
-          <p:cNvSpPr>
-            <a:spLocks noGrp="1"/>
-          </p:cNvSpPr>
-          <p:nvPr>
-            <p:ph type="title"/>
-          </p:nvPr>
-        </p:nvSpPr>
-        <p:spPr>
-          <a:xfrm>
-            <a:off x="838200" y="365125"/>
-            <a:ext cx="8799286" cy="1325563"/>
-          </a:xfrm>
-        </p:spPr>
-        <p:txBody>
-          <a:bodyPr>
-            <a:normAutofit/>
-          </a:bodyPr>
-          <a:lstStyle/>
-          <a:p>
-            <a:r>
-              <a:rPr lang="ja-JP" altLang="en-US" b="1" dirty="0">
-                <a:solidFill>
-                  <a:schemeClr val="tx1">
-                    <a:lumMod val="65000"/>
-                    <a:lumOff val="35000"/>
-                  </a:schemeClr>
-                </a:solidFill>
-              </a:rPr>
-              <a:t>今後の課題</a:t>
-            </a:r>
-            <a:endParaRPr kumimoji="1" lang="ja-JP" altLang="en-US" b="1" dirty="0">
-              <a:solidFill>
-                <a:schemeClr val="tx1">
-                  <a:lumMod val="65000"/>
-                  <a:lumOff val="35000"/>
-                </a:schemeClr>
-              </a:solidFill>
-            </a:endParaRPr>
-          </a:p>
-        </p:txBody>
-      </p:sp>
-      <p:sp>
-        <p:nvSpPr>
-          <p:cNvPr id="5" name="テキスト プレースホルダー 4">
-            <a:extLst>
-              <a:ext uri="{FF2B5EF4-FFF2-40B4-BE49-F238E27FC236}">
-                <a16:creationId xmlns:a16="http://schemas.microsoft.com/office/drawing/2014/main" id="{272666A3-957C-4D00-87A2-86CA1CEA5C52}"/>
-              </a:ext>
-            </a:extLst>
-          </p:cNvPr>
-          <p:cNvSpPr>
-            <a:spLocks noGrp="1"/>
-          </p:cNvSpPr>
-          <p:nvPr>
-            <p:ph type="body" idx="4294967295"/>
-          </p:nvPr>
-        </p:nvSpPr>
-        <p:spPr>
-          <a:xfrm>
-            <a:off x="838200" y="1905001"/>
-            <a:ext cx="10515600" cy="4271962"/>
-          </a:xfrm>
-        </p:spPr>
-        <p:txBody>
-          <a:bodyPr>
-            <a:normAutofit/>
-          </a:bodyPr>
-          <a:lstStyle/>
-          <a:p>
-            <a:r>
-              <a:rPr lang="ja-JP" altLang="en-US" sz="3600" dirty="0"/>
-              <a:t>伴奏を加えられなかった。</a:t>
-            </a:r>
-            <a:endParaRPr lang="en-US" altLang="ja-JP" sz="3600" dirty="0"/>
-          </a:p>
-          <a:p>
-            <a:r>
-              <a:rPr lang="ja-JP" altLang="en-US" sz="3600" dirty="0"/>
-              <a:t>スマホでのアクセスができない。</a:t>
-            </a:r>
-            <a:endParaRPr lang="en-US" altLang="ja-JP" sz="3600" dirty="0"/>
-          </a:p>
-          <a:p>
-            <a:r>
-              <a:rPr lang="ja-JP" altLang="en-US" sz="3600" dirty="0"/>
-              <a:t>事前に用意した</a:t>
-            </a:r>
-            <a:r>
-              <a:rPr lang="en-US" altLang="ja-JP" sz="3600" dirty="0"/>
-              <a:t>MIDI</a:t>
-            </a:r>
-            <a:r>
-              <a:rPr lang="ja-JP" altLang="en-US" sz="3600" dirty="0"/>
-              <a:t>ファイルが読みこめない。</a:t>
-            </a:r>
-            <a:r>
-              <a:rPr lang="en-US" altLang="ja-JP" sz="3600" dirty="0"/>
-              <a:t>(</a:t>
-            </a:r>
-            <a:r>
-              <a:rPr lang="ja-JP" altLang="en-US" sz="3600" dirty="0"/>
-              <a:t>ピアノ演奏のみでしか使えない</a:t>
-            </a:r>
-            <a:r>
-              <a:rPr lang="en-US" altLang="ja-JP" sz="3600" dirty="0"/>
-              <a:t>)</a:t>
-            </a:r>
-          </a:p>
-          <a:p>
-            <a:r>
-              <a:rPr lang="ja-JP" altLang="en-US" sz="3600" dirty="0"/>
-              <a:t>サウンドエフェクトの実装。</a:t>
-            </a:r>
-            <a:endParaRPr lang="en-US" altLang="ja-JP" sz="3600" dirty="0"/>
-          </a:p>
-          <a:p>
-            <a:r>
-              <a:rPr lang="en-US" altLang="ja-JP" sz="3600" dirty="0"/>
-              <a:t>AI</a:t>
-            </a:r>
-            <a:r>
-              <a:rPr lang="ja-JP" altLang="en-US" sz="3600" dirty="0"/>
-              <a:t>モデルが一つしか実装出来なかった。</a:t>
-            </a:r>
-            <a:endParaRPr lang="en-US" altLang="ja-JP" sz="3600" dirty="0"/>
-          </a:p>
-          <a:p>
-            <a:r>
-              <a:rPr lang="en-US" altLang="ja-JP" sz="3600" dirty="0"/>
-              <a:t>AI</a:t>
-            </a:r>
-            <a:r>
-              <a:rPr lang="ja-JP" altLang="en-US" sz="3600" dirty="0"/>
-              <a:t>作成後に編集が出来ない</a:t>
-            </a:r>
-            <a:r>
-              <a:rPr lang="ja-JP" altLang="en-US" dirty="0"/>
-              <a:t>。</a:t>
-            </a:r>
-            <a:endParaRPr lang="en-US" altLang="ja-JP" dirty="0"/>
-          </a:p>
-        </p:txBody>
-      </p:sp>
-      <p:sp>
-        <p:nvSpPr>
-          <p:cNvPr id="6" name="正方形/長方形 5">
-            <a:extLst>
-              <a:ext uri="{FF2B5EF4-FFF2-40B4-BE49-F238E27FC236}">
-                <a16:creationId xmlns:a16="http://schemas.microsoft.com/office/drawing/2014/main" id="{4F021AC6-9B95-496A-972D-9A5D9FACFF69}"/>
-              </a:ext>
-            </a:extLst>
-          </p:cNvPr>
-          <p:cNvSpPr/>
-          <p:nvPr/>
-        </p:nvSpPr>
-        <p:spPr>
-          <a:xfrm>
-            <a:off x="8645236" y="44233"/>
-            <a:ext cx="3546764" cy="1967345"/>
-          </a:xfrm>
-          <a:prstGeom prst="rect">
-            <a:avLst/>
-          </a:prstGeom>
-          <a:solidFill>
-            <a:schemeClr val="bg2">
-              <a:lumMod val="50000"/>
-            </a:schemeClr>
-          </a:solidFill>
-          <a:ln>
-            <a:solidFill>
-              <a:schemeClr val="tx1"/>
-            </a:solidFill>
-          </a:ln>
-        </p:spPr>
-        <p:style>
-          <a:lnRef idx="2">
-            <a:schemeClr val="accent1">
-              <a:shade val="50000"/>
-            </a:schemeClr>
-          </a:lnRef>
-          <a:fillRef idx="1">
-            <a:schemeClr val="accent1"/>
-          </a:fillRef>
-          <a:effectRef idx="0">
-            <a:schemeClr val="accent1"/>
-          </a:effectRef>
-          <a:fontRef idx="minor">
-            <a:schemeClr val="lt1"/>
-          </a:fontRef>
-        </p:style>
-        <p:txBody>
-          <a:bodyPr rtlCol="0" anchor="ctr"/>
-          <a:lstStyle/>
-          <a:p>
-            <a:pPr algn="ctr"/>
-            <a:endParaRPr kumimoji="1" lang="ja-JP" altLang="en-US"/>
-          </a:p>
-        </p:txBody>
-      </p:sp>
-    </p:spTree>
-    <p:extLst>
-      <p:ext uri="{BB962C8B-B14F-4D97-AF65-F5344CB8AC3E}">
-        <p14:creationId xmlns:p14="http://schemas.microsoft.com/office/powerpoint/2010/main" val="4137186957"/>
-      </p:ext>
-    </p:extLst>
-  </p:cSld>
-  <p:clrMapOvr>
-    <a:masterClrMapping/>
-  </p:clrMapOvr>
-  <mc:AlternateContent xmlns:mc="http://schemas.openxmlformats.org/markup-compatibility/2006" xmlns:p14="http://schemas.microsoft.com/office/powerpoint/2010/main">
-    <mc:Choice Requires="p14">
-      <p:transition spd="slow" p14:dur="800">
-        <p:circle/>
-      </p:transition>
-    </mc:Choice>
-    <mc:Fallback xmlns="">
-      <p:transition spd="slow">
-        <p:circle/>
-      </p:transition>
-    </mc:Fallback>
-  </mc:AlternateContent>
-</p:sld>
-</file>
-
-<file path=ppt/slides/slide18.xml><?xml version="1.0" encoding="utf-8"?>
-<p:sld xmlns:a="http://schemas.openxmlformats.org/drawingml/2006/main" xmlns:r="http://schemas.openxmlformats.org/officeDocument/2006/relationships" xmlns:p="http://schemas.openxmlformats.org/presentationml/2006/main">
-  <p:cSld>
-    <p:spTree>
-      <p:nvGrpSpPr>
-        <p:cNvPr id="1" name=""/>
-        <p:cNvGrpSpPr/>
-        <p:nvPr/>
-      </p:nvGrpSpPr>
-      <p:grpSpPr>
-        <a:xfrm>
-          <a:off x="0" y="0"/>
-          <a:ext cx="0" cy="0"/>
-          <a:chOff x="0" y="0"/>
-          <a:chExt cx="0" cy="0"/>
-        </a:xfrm>
-      </p:grpSpPr>
-      <p:sp>
-        <p:nvSpPr>
-          <p:cNvPr id="2" name="タイトル 1">
-            <a:extLst>
-              <a:ext uri="{FF2B5EF4-FFF2-40B4-BE49-F238E27FC236}">
-                <a16:creationId xmlns:a16="http://schemas.microsoft.com/office/drawing/2014/main" id="{70949F04-CCFC-4095-97E8-22A29D9269AF}"/>
-              </a:ext>
-            </a:extLst>
-          </p:cNvPr>
-          <p:cNvSpPr>
-            <a:spLocks noGrp="1"/>
-          </p:cNvSpPr>
-          <p:nvPr>
-            <p:ph type="title"/>
-          </p:nvPr>
-        </p:nvSpPr>
-        <p:spPr/>
-        <p:txBody>
-          <a:bodyPr/>
-          <a:lstStyle/>
-          <a:p>
-            <a:r>
-              <a:rPr lang="ja-JP" altLang="ja-JP" b="1" dirty="0">
-                <a:solidFill>
-                  <a:srgbClr val="000000"/>
-                </a:solidFill>
-                <a:latin typeface="游ゴシック" panose="020B0400000000000000" pitchFamily="50" charset="-128"/>
-                <a:ea typeface="游ゴシック" panose="020B0400000000000000" pitchFamily="50" charset="-128"/>
-              </a:rPr>
-              <a:t>メンバー紹介</a:t>
-            </a:r>
-            <a:endParaRPr kumimoji="1" lang="ja-JP" altLang="en-US" dirty="0"/>
-          </a:p>
-        </p:txBody>
-      </p:sp>
-      <p:sp>
-        <p:nvSpPr>
-          <p:cNvPr id="3" name="コンテンツ プレースホルダー 2">
-            <a:extLst>
-              <a:ext uri="{FF2B5EF4-FFF2-40B4-BE49-F238E27FC236}">
-                <a16:creationId xmlns:a16="http://schemas.microsoft.com/office/drawing/2014/main" id="{F75BFA54-4956-44E3-A200-A79B237D1B62}"/>
-              </a:ext>
-            </a:extLst>
-          </p:cNvPr>
-          <p:cNvSpPr>
-            <a:spLocks noGrp="1"/>
-          </p:cNvSpPr>
-          <p:nvPr>
-            <p:ph idx="1"/>
-          </p:nvPr>
-        </p:nvSpPr>
-        <p:spPr>
-          <a:xfrm>
-            <a:off x="4775200" y="2062302"/>
-            <a:ext cx="6578600" cy="4114661"/>
-          </a:xfrm>
-        </p:spPr>
-        <p:txBody>
-          <a:bodyPr/>
-          <a:lstStyle/>
-          <a:p>
-            <a:endParaRPr kumimoji="1" lang="ja-JP" altLang="en-US" dirty="0"/>
-          </a:p>
-        </p:txBody>
-      </p:sp>
-      <p:sp>
-        <p:nvSpPr>
-          <p:cNvPr id="4" name="正方形/長方形 3">
-            <a:extLst>
-              <a:ext uri="{FF2B5EF4-FFF2-40B4-BE49-F238E27FC236}">
-                <a16:creationId xmlns:a16="http://schemas.microsoft.com/office/drawing/2014/main" id="{4109503C-CC5B-4043-A7D0-02BA375E478E}"/>
-              </a:ext>
-            </a:extLst>
-          </p:cNvPr>
-          <p:cNvSpPr/>
-          <p:nvPr/>
-        </p:nvSpPr>
-        <p:spPr>
-          <a:xfrm>
-            <a:off x="838200" y="2062302"/>
-            <a:ext cx="4368800" cy="1938992"/>
-          </a:xfrm>
-          <a:prstGeom prst="rect">
-            <a:avLst/>
-          </a:prstGeom>
-        </p:spPr>
-        <p:txBody>
-          <a:bodyPr wrap="square">
-            <a:spAutoFit/>
-          </a:bodyPr>
-          <a:lstStyle/>
-          <a:p>
-            <a:r>
-              <a:rPr lang="ja-JP" altLang="en-US" sz="4000" dirty="0"/>
-              <a:t>野崎　拓海</a:t>
-            </a:r>
-            <a:endParaRPr lang="en-US" altLang="ja-JP" sz="4000" dirty="0"/>
-          </a:p>
-          <a:p>
-            <a:r>
-              <a:rPr lang="ja-JP" altLang="en-US" sz="4000" dirty="0"/>
-              <a:t>吉川　孟志</a:t>
-            </a:r>
-            <a:endParaRPr lang="en-US" altLang="ja-JP" sz="4000" dirty="0"/>
-          </a:p>
-          <a:p>
-            <a:r>
-              <a:rPr lang="ja-JP" altLang="en-US" sz="4000" dirty="0"/>
-              <a:t>長島　光琉</a:t>
-            </a:r>
-          </a:p>
-        </p:txBody>
-      </p:sp>
-      <p:sp>
-        <p:nvSpPr>
-          <p:cNvPr id="6" name="正方形/長方形 5">
-            <a:extLst>
-              <a:ext uri="{FF2B5EF4-FFF2-40B4-BE49-F238E27FC236}">
-                <a16:creationId xmlns:a16="http://schemas.microsoft.com/office/drawing/2014/main" id="{3E23BB3D-8146-498D-AE6D-1AE59B420774}"/>
-              </a:ext>
-            </a:extLst>
-          </p:cNvPr>
-          <p:cNvSpPr/>
-          <p:nvPr/>
-        </p:nvSpPr>
-        <p:spPr>
-          <a:xfrm>
-            <a:off x="8645236" y="-39110"/>
-            <a:ext cx="3546764" cy="1967345"/>
-          </a:xfrm>
-          <a:prstGeom prst="rect">
-            <a:avLst/>
-          </a:prstGeom>
-          <a:solidFill>
-            <a:schemeClr val="bg2">
-              <a:lumMod val="50000"/>
-            </a:schemeClr>
-          </a:solidFill>
-          <a:ln>
-            <a:solidFill>
-              <a:schemeClr val="tx1"/>
-            </a:solidFill>
-          </a:ln>
-        </p:spPr>
-        <p:style>
-          <a:lnRef idx="2">
-            <a:schemeClr val="accent1">
-              <a:shade val="50000"/>
-            </a:schemeClr>
-          </a:lnRef>
-          <a:fillRef idx="1">
-            <a:schemeClr val="accent1"/>
-          </a:fillRef>
-          <a:effectRef idx="0">
-            <a:schemeClr val="accent1"/>
-          </a:effectRef>
-          <a:fontRef idx="minor">
-            <a:schemeClr val="lt1"/>
-          </a:fontRef>
-        </p:style>
-        <p:txBody>
-          <a:bodyPr rtlCol="0" anchor="ctr"/>
-          <a:lstStyle/>
-          <a:p>
-            <a:pPr algn="ctr"/>
-            <a:endParaRPr kumimoji="1" lang="ja-JP" altLang="en-US"/>
-          </a:p>
-        </p:txBody>
-      </p:sp>
-    </p:spTree>
-    <p:extLst>
-      <p:ext uri="{BB962C8B-B14F-4D97-AF65-F5344CB8AC3E}">
-        <p14:creationId xmlns:p14="http://schemas.microsoft.com/office/powerpoint/2010/main" val="1047491915"/>
-      </p:ext>
-    </p:extLst>
-  </p:cSld>
-  <p:clrMapOvr>
-    <a:masterClrMapping/>
-  </p:clrMapOvr>
-  <mc:AlternateContent xmlns:mc="http://schemas.openxmlformats.org/markup-compatibility/2006" xmlns:p14="http://schemas.microsoft.com/office/powerpoint/2010/main">
-    <mc:Choice Requires="p14">
-      <p:transition spd="slow" p14:dur="800">
-        <p:circle/>
-      </p:transition>
-    </mc:Choice>
-    <mc:Fallback xmlns="">
-      <p:transition spd="slow">
-        <p:circle/>
-      </p:transition>
-    </mc:Fallback>
-  </mc:AlternateContent>
-</p:sld>
-</file>
-
-<file path=ppt/slides/slide19.xml><?xml version="1.0" encoding="utf-8"?>
-<p:sld xmlns:a="http://schemas.openxmlformats.org/drawingml/2006/main" xmlns:r="http://schemas.openxmlformats.org/officeDocument/2006/relationships" xmlns:p="http://schemas.openxmlformats.org/presentationml/2006/main">
-  <p:cSld>
-    <p:spTree>
-      <p:nvGrpSpPr>
-        <p:cNvPr id="1" name=""/>
-        <p:cNvGrpSpPr/>
-        <p:nvPr/>
-      </p:nvGrpSpPr>
-      <p:grpSpPr>
-        <a:xfrm>
-          <a:off x="0" y="0"/>
-          <a:ext cx="0" cy="0"/>
-          <a:chOff x="0" y="0"/>
-          <a:chExt cx="0" cy="0"/>
-        </a:xfrm>
-      </p:grpSpPr>
-      <p:sp>
-        <p:nvSpPr>
-          <p:cNvPr id="2" name="タイトル 1">
-            <a:extLst>
-              <a:ext uri="{FF2B5EF4-FFF2-40B4-BE49-F238E27FC236}">
-                <a16:creationId xmlns:a16="http://schemas.microsoft.com/office/drawing/2014/main" id="{6A02AA03-3DED-4449-8542-51D6A9F1532E}"/>
-              </a:ext>
-            </a:extLst>
-          </p:cNvPr>
-          <p:cNvSpPr>
-            <a:spLocks noGrp="1"/>
-          </p:cNvSpPr>
-          <p:nvPr>
-            <p:ph type="title"/>
-          </p:nvPr>
-        </p:nvSpPr>
-        <p:spPr>
-          <a:xfrm>
-            <a:off x="342900" y="365125"/>
-            <a:ext cx="11372850" cy="6226175"/>
-          </a:xfrm>
-        </p:spPr>
-        <p:txBody>
-          <a:bodyPr/>
-          <a:lstStyle/>
-          <a:p>
-            <a:pPr algn="ctr"/>
-            <a:r>
-              <a:rPr lang="ja-JP" altLang="en-US" sz="6000" b="1" dirty="0">
-                <a:solidFill>
-                  <a:schemeClr val="tx1">
-                    <a:lumMod val="65000"/>
-                    <a:lumOff val="35000"/>
-                  </a:schemeClr>
-                </a:solidFill>
-              </a:rPr>
-              <a:t>ご清聴ありがとうございました</a:t>
-            </a:r>
-            <a:br>
-              <a:rPr lang="ja-JP" altLang="en-US" b="1" dirty="0"/>
-            </a:br>
-            <a:endParaRPr kumimoji="1" lang="ja-JP" altLang="en-US" dirty="0"/>
-          </a:p>
-        </p:txBody>
-      </p:sp>
-    </p:spTree>
-    <p:extLst>
-      <p:ext uri="{BB962C8B-B14F-4D97-AF65-F5344CB8AC3E}">
-        <p14:creationId xmlns:p14="http://schemas.microsoft.com/office/powerpoint/2010/main" val="3607456526"/>
-      </p:ext>
-    </p:extLst>
-  </p:cSld>
-  <p:clrMapOvr>
-    <a:masterClrMapping/>
-  </p:clrMapOvr>
-  <mc:AlternateContent xmlns:mc="http://schemas.openxmlformats.org/markup-compatibility/2006" xmlns:p14="http://schemas.microsoft.com/office/powerpoint/2010/main">
-    <mc:Choice Requires="p14">
-      <p:transition spd="slow" p14:dur="800">
-        <p:circle/>
-      </p:transition>
-    </mc:Choice>
-    <mc:Fallback xmlns="">
-      <p:transition spd="slow">
-        <p:circle/>
-      </p:transition>
-    </mc:Fallback>
-  </mc:AlternateContent>
-</p:sld>
-</file>
-
-<file path=ppt/slides/slide2.xml><?xml version="1.0" encoding="utf-8"?>
-<p:sld xmlns:a="http://schemas.openxmlformats.org/drawingml/2006/main" xmlns:r="http://schemas.openxmlformats.org/officeDocument/2006/relationships" xmlns:p="http://schemas.openxmlformats.org/presentationml/2006/main">
-  <p:cSld>
-    <p:spTree>
-      <p:nvGrpSpPr>
-        <p:cNvPr id="1" name=""/>
-        <p:cNvGrpSpPr/>
-        <p:nvPr/>
-      </p:nvGrpSpPr>
-      <p:grpSpPr>
-        <a:xfrm>
-          <a:off x="0" y="0"/>
-          <a:ext cx="0" cy="0"/>
-          <a:chOff x="0" y="0"/>
-          <a:chExt cx="0" cy="0"/>
-        </a:xfrm>
-      </p:grpSpPr>
-      <p:sp>
-        <p:nvSpPr>
-          <p:cNvPr id="4" name="テキスト ボックス 3">
-            <a:extLst>
-              <a:ext uri="{FF2B5EF4-FFF2-40B4-BE49-F238E27FC236}">
-                <a16:creationId xmlns:a16="http://schemas.microsoft.com/office/drawing/2014/main" id="{711EBC71-EE30-45B1-9051-4FA759C3970F}"/>
-              </a:ext>
-            </a:extLst>
-          </p:cNvPr>
-          <p:cNvSpPr txBox="1"/>
-          <p:nvPr/>
-        </p:nvSpPr>
-        <p:spPr>
-          <a:xfrm>
-            <a:off x="508000" y="2433729"/>
-            <a:ext cx="10913979" cy="4401205"/>
-          </a:xfrm>
-          <a:prstGeom prst="rect">
-            <a:avLst/>
-          </a:prstGeom>
-          <a:noFill/>
-        </p:spPr>
-        <p:txBody>
-          <a:bodyPr wrap="square" rtlCol="0">
-            <a:spAutoFit/>
-          </a:bodyPr>
-          <a:lstStyle/>
-          <a:p>
-            <a:pPr marL="457200" indent="-457200">
-              <a:buFont typeface="Arial" panose="020B0604020202020204" pitchFamily="34" charset="0"/>
-              <a:buChar char="•"/>
-            </a:pPr>
-            <a:r>
-              <a:rPr lang="en-US" altLang="ja-JP" sz="4000" dirty="0"/>
-              <a:t>AI</a:t>
-            </a:r>
-            <a:r>
-              <a:rPr lang="ja-JP" altLang="en-US" sz="4000" dirty="0"/>
-              <a:t>を使った自動作曲アプリ</a:t>
-            </a:r>
-            <a:endParaRPr lang="en-US" altLang="ja-JP" sz="4000" dirty="0"/>
-          </a:p>
-          <a:p>
-            <a:pPr marL="457200" indent="-457200">
-              <a:buFont typeface="Arial" panose="020B0604020202020204" pitchFamily="34" charset="0"/>
-              <a:buChar char="•"/>
-            </a:pPr>
-            <a:endParaRPr lang="en-US" altLang="ja-JP" sz="4000" dirty="0"/>
-          </a:p>
-          <a:p>
-            <a:pPr marL="457200" indent="-457200">
-              <a:buFont typeface="Arial" panose="020B0604020202020204" pitchFamily="34" charset="0"/>
-              <a:buChar char="•"/>
-            </a:pPr>
-            <a:r>
-              <a:rPr lang="ja-JP" altLang="en-US" sz="4000" dirty="0"/>
-              <a:t>ゲーム音楽風の曲を作る</a:t>
-            </a:r>
-            <a:endParaRPr lang="en-US" altLang="ja-JP" sz="4000" dirty="0"/>
-          </a:p>
-          <a:p>
-            <a:pPr marL="457200" indent="-457200">
-              <a:buFont typeface="Arial" panose="020B0604020202020204" pitchFamily="34" charset="0"/>
-              <a:buChar char="•"/>
-            </a:pPr>
-            <a:endParaRPr lang="en-US" altLang="ja-JP" sz="4000" dirty="0"/>
-          </a:p>
-          <a:p>
-            <a:pPr marL="457200" indent="-457200">
-              <a:buFont typeface="Arial" panose="020B0604020202020204" pitchFamily="34" charset="0"/>
-              <a:buChar char="•"/>
-            </a:pPr>
-            <a:r>
-              <a:rPr lang="ja-JP" altLang="en-US" sz="4000" dirty="0"/>
-              <a:t>本プロジェクトは既存の音楽を</a:t>
-            </a:r>
-            <a:r>
-              <a:rPr lang="en-US" altLang="ja-JP" sz="4000" dirty="0"/>
-              <a:t>AI</a:t>
-            </a:r>
-            <a:r>
-              <a:rPr lang="ja-JP" altLang="en-US" sz="4000" dirty="0"/>
-              <a:t>の学習をして新しい曲を作る。</a:t>
-            </a:r>
-            <a:endParaRPr lang="en-US" altLang="ja-JP" sz="4000" dirty="0"/>
-          </a:p>
-          <a:p>
-            <a:pPr marL="457200" indent="-457200">
-              <a:buFont typeface="Arial" panose="020B0604020202020204" pitchFamily="34" charset="0"/>
-              <a:buChar char="•"/>
-            </a:pPr>
-            <a:endParaRPr lang="en-US" altLang="ja-JP" sz="4000" dirty="0"/>
-          </a:p>
-        </p:txBody>
-      </p:sp>
-      <p:sp>
-        <p:nvSpPr>
-          <p:cNvPr id="2" name="タイトル 1">
-            <a:extLst>
-              <a:ext uri="{FF2B5EF4-FFF2-40B4-BE49-F238E27FC236}">
-                <a16:creationId xmlns:a16="http://schemas.microsoft.com/office/drawing/2014/main" id="{46C3960C-0935-4B79-84EE-CA3EDDF9BE55}"/>
-              </a:ext>
-            </a:extLst>
-          </p:cNvPr>
-          <p:cNvSpPr>
-            <a:spLocks noGrp="1"/>
-          </p:cNvSpPr>
-          <p:nvPr>
-            <p:ph type="title" idx="4294967295"/>
-          </p:nvPr>
-        </p:nvSpPr>
-        <p:spPr>
-          <a:xfrm>
-            <a:off x="508000" y="551542"/>
-            <a:ext cx="6879771" cy="961345"/>
-          </a:xfrm>
-        </p:spPr>
-        <p:txBody>
-          <a:bodyPr>
-            <a:normAutofit/>
-          </a:bodyPr>
-          <a:lstStyle/>
-          <a:p>
-            <a:r>
-              <a:rPr kumimoji="1" lang="en-US" altLang="ja-JP" sz="6000" b="1" kern="1200" dirty="0">
-                <a:solidFill>
-                  <a:schemeClr val="tx1">
-                    <a:lumMod val="65000"/>
-                    <a:lumOff val="35000"/>
-                  </a:schemeClr>
-                </a:solidFill>
-                <a:effectLst/>
-                <a:latin typeface="游ゴシック" panose="020B0400000000000000" pitchFamily="50" charset="-128"/>
-                <a:ea typeface="游ゴシック" panose="020B0400000000000000" pitchFamily="50" charset="-128"/>
-                <a:cs typeface="+mn-cs"/>
-              </a:rPr>
-              <a:t>bit composer</a:t>
-            </a:r>
-            <a:r>
-              <a:rPr kumimoji="1" lang="ja-JP" altLang="ja-JP" sz="6000" b="1" kern="1200" dirty="0">
-                <a:solidFill>
-                  <a:schemeClr val="tx1">
-                    <a:lumMod val="65000"/>
-                    <a:lumOff val="35000"/>
-                  </a:schemeClr>
-                </a:solidFill>
-                <a:effectLst/>
-                <a:latin typeface="游ゴシック" panose="020B0400000000000000" pitchFamily="50" charset="-128"/>
-                <a:ea typeface="游ゴシック" panose="020B0400000000000000" pitchFamily="50" charset="-128"/>
-                <a:cs typeface="+mn-cs"/>
-              </a:rPr>
-              <a:t>とは</a:t>
-            </a:r>
-            <a:endParaRPr kumimoji="1" lang="ja-JP" altLang="en-US" b="1" dirty="0">
-              <a:solidFill>
-                <a:schemeClr val="tx1">
-                  <a:lumMod val="65000"/>
-                  <a:lumOff val="35000"/>
-                </a:schemeClr>
-              </a:solidFill>
-            </a:endParaRPr>
-          </a:p>
-        </p:txBody>
-      </p:sp>
-      <p:sp>
-        <p:nvSpPr>
-          <p:cNvPr id="5" name="正方形/長方形 4">
-            <a:extLst>
-              <a:ext uri="{FF2B5EF4-FFF2-40B4-BE49-F238E27FC236}">
-                <a16:creationId xmlns:a16="http://schemas.microsoft.com/office/drawing/2014/main" id="{2FB9583C-E209-4C7E-AAAE-DC05F43D9F5A}"/>
-              </a:ext>
-            </a:extLst>
-          </p:cNvPr>
-          <p:cNvSpPr/>
-          <p:nvPr/>
-        </p:nvSpPr>
-        <p:spPr>
-          <a:xfrm>
-            <a:off x="8645237" y="0"/>
-            <a:ext cx="3546764" cy="1967345"/>
-          </a:xfrm>
-          <a:prstGeom prst="rect">
-            <a:avLst/>
-          </a:prstGeom>
-          <a:solidFill>
-            <a:schemeClr val="bg2">
-              <a:lumMod val="50000"/>
-            </a:schemeClr>
-          </a:solidFill>
-          <a:ln>
-            <a:solidFill>
-              <a:schemeClr val="tx1"/>
-            </a:solidFill>
-          </a:ln>
-        </p:spPr>
-        <p:style>
-          <a:lnRef idx="2">
-            <a:schemeClr val="accent1">
-              <a:shade val="50000"/>
-            </a:schemeClr>
-          </a:lnRef>
-          <a:fillRef idx="1">
-            <a:schemeClr val="accent1"/>
-          </a:fillRef>
-          <a:effectRef idx="0">
-            <a:schemeClr val="accent1"/>
-          </a:effectRef>
-          <a:fontRef idx="minor">
-            <a:schemeClr val="lt1"/>
-          </a:fontRef>
-        </p:style>
-        <p:txBody>
-          <a:bodyPr rtlCol="0" anchor="ctr"/>
-          <a:lstStyle/>
-          <a:p>
-            <a:pPr algn="ctr"/>
-            <a:endParaRPr kumimoji="1" lang="ja-JP" altLang="en-US" dirty="0"/>
-          </a:p>
-        </p:txBody>
-      </p:sp>
-    </p:spTree>
-    <p:extLst>
-      <p:ext uri="{BB962C8B-B14F-4D97-AF65-F5344CB8AC3E}">
-        <p14:creationId xmlns:p14="http://schemas.microsoft.com/office/powerpoint/2010/main" val="3555805967"/>
-      </p:ext>
-    </p:extLst>
-  </p:cSld>
-  <p:clrMapOvr>
-    <a:masterClrMapping/>
-  </p:clrMapOvr>
-  <mc:AlternateContent xmlns:mc="http://schemas.openxmlformats.org/markup-compatibility/2006" xmlns:p14="http://schemas.microsoft.com/office/powerpoint/2010/main">
-    <mc:Choice Requires="p14">
-      <p:transition spd="slow" p14:dur="800">
-        <p:circle/>
-      </p:transition>
-    </mc:Choice>
-    <mc:Fallback xmlns="">
-      <p:transition spd="slow">
-        <p:circle/>
-      </p:transition>
-    </mc:Fallback>
-  </mc:AlternateContent>
-</p:sld>
-</file>
-
-<file path=ppt/slides/slide3.xml><?xml version="1.0" encoding="utf-8"?>
-<p:sld xmlns:a="http://schemas.openxmlformats.org/drawingml/2006/main" xmlns:r="http://schemas.openxmlformats.org/officeDocument/2006/relationships" xmlns:p="http://schemas.openxmlformats.org/presentationml/2006/main">
-  <p:cSld>
-    <p:spTree>
-      <p:nvGrpSpPr>
-        <p:cNvPr id="1" name=""/>
-        <p:cNvGrpSpPr/>
-        <p:nvPr/>
-      </p:nvGrpSpPr>
-      <p:grpSpPr>
-        <a:xfrm>
-          <a:off x="0" y="0"/>
-          <a:ext cx="0" cy="0"/>
-          <a:chOff x="0" y="0"/>
-          <a:chExt cx="0" cy="0"/>
-        </a:xfrm>
-      </p:grpSpPr>
-      <p:sp>
-        <p:nvSpPr>
-          <p:cNvPr id="2" name="タイトル 1">
-            <a:extLst>
-              <a:ext uri="{FF2B5EF4-FFF2-40B4-BE49-F238E27FC236}">
-                <a16:creationId xmlns:a16="http://schemas.microsoft.com/office/drawing/2014/main" id="{CC40428C-C842-4E9B-9753-D4AEB8ACD5CC}"/>
-              </a:ext>
-            </a:extLst>
-          </p:cNvPr>
-          <p:cNvSpPr>
-            <a:spLocks noGrp="1"/>
-          </p:cNvSpPr>
-          <p:nvPr>
-            <p:ph type="title"/>
-          </p:nvPr>
-        </p:nvSpPr>
-        <p:spPr/>
-        <p:txBody>
-          <a:bodyPr>
-            <a:normAutofit/>
-          </a:bodyPr>
-          <a:lstStyle/>
-          <a:p>
-            <a:r>
-              <a:rPr lang="ja-JP" altLang="en-US" sz="4800" dirty="0"/>
-              <a:t>目次</a:t>
-            </a:r>
-            <a:endParaRPr kumimoji="1" lang="ja-JP" altLang="en-US" sz="4800" dirty="0"/>
-          </a:p>
-        </p:txBody>
-      </p:sp>
-      <p:sp>
-        <p:nvSpPr>
-          <p:cNvPr id="3" name="テキスト ボックス 2">
-            <a:extLst>
-              <a:ext uri="{FF2B5EF4-FFF2-40B4-BE49-F238E27FC236}">
-                <a16:creationId xmlns:a16="http://schemas.microsoft.com/office/drawing/2014/main" id="{9733422F-0C07-4AEE-A9DB-DB7984FD0928}"/>
-              </a:ext>
-            </a:extLst>
-          </p:cNvPr>
-          <p:cNvSpPr txBox="1"/>
-          <p:nvPr/>
-        </p:nvSpPr>
-        <p:spPr>
-          <a:xfrm>
-            <a:off x="872836" y="2057400"/>
-            <a:ext cx="10515600" cy="5847755"/>
-          </a:xfrm>
-          <a:prstGeom prst="rect">
-            <a:avLst/>
-          </a:prstGeom>
-          <a:noFill/>
-        </p:spPr>
-        <p:txBody>
-          <a:bodyPr wrap="square" rtlCol="0">
-            <a:spAutoFit/>
-          </a:bodyPr>
-          <a:lstStyle/>
-          <a:p>
-            <a:pPr marL="342900" indent="-342900">
-              <a:buFont typeface="+mj-ea"/>
-              <a:buAutoNum type="circleNumDbPlain"/>
-            </a:pPr>
-            <a:r>
-              <a:rPr kumimoji="1" lang="ja-JP" altLang="en-US" sz="3200" dirty="0"/>
-              <a:t>システム構成</a:t>
-            </a:r>
-            <a:endParaRPr kumimoji="1" lang="en-US" altLang="ja-JP" sz="3200" dirty="0"/>
-          </a:p>
-          <a:p>
-            <a:pPr marL="342900" indent="-342900">
-              <a:buFont typeface="+mj-ea"/>
-              <a:buAutoNum type="circleNumDbPlain"/>
-            </a:pPr>
-            <a:r>
-              <a:rPr lang="ja-JP" altLang="en-US" sz="3200" dirty="0"/>
-              <a:t>各ライブラリの紹介</a:t>
-            </a:r>
-            <a:endParaRPr lang="en-US" altLang="ja-JP" sz="3200" dirty="0"/>
-          </a:p>
-          <a:p>
-            <a:pPr marL="342900" indent="-342900">
-              <a:buFont typeface="+mj-ea"/>
-              <a:buAutoNum type="circleNumDbPlain"/>
-            </a:pPr>
-            <a:r>
-              <a:rPr lang="ja-JP" altLang="en-US" sz="3200" dirty="0"/>
-              <a:t>自動作曲の仕組み</a:t>
-            </a:r>
-            <a:endParaRPr lang="en-US" altLang="ja-JP" sz="3200" dirty="0"/>
-          </a:p>
-          <a:p>
-            <a:pPr marL="342900" indent="-342900">
-              <a:buFont typeface="+mj-ea"/>
-              <a:buAutoNum type="circleNumDbPlain"/>
-            </a:pPr>
-            <a:r>
-              <a:rPr lang="ja-JP" altLang="en-US" sz="3200" dirty="0"/>
-              <a:t>既存のアプリとの比較</a:t>
-            </a:r>
-            <a:endParaRPr lang="en-US" altLang="ja-JP" sz="3200" dirty="0"/>
-          </a:p>
-          <a:p>
-            <a:pPr marL="342900" indent="-342900">
-              <a:buFont typeface="+mj-ea"/>
-              <a:buAutoNum type="circleNumDbPlain"/>
-            </a:pPr>
-            <a:r>
-              <a:rPr lang="ja-JP" altLang="en-US" sz="3200" dirty="0"/>
-              <a:t>デモンストレーション</a:t>
-            </a:r>
-            <a:endParaRPr lang="en-US" altLang="ja-JP" sz="3200" dirty="0"/>
-          </a:p>
-          <a:p>
-            <a:pPr marL="342900" indent="-342900">
-              <a:buFont typeface="+mj-ea"/>
-              <a:buAutoNum type="circleNumDbPlain"/>
-            </a:pPr>
-            <a:r>
-              <a:rPr lang="ja-JP" altLang="en-US" sz="3200" dirty="0"/>
-              <a:t>今後の課題</a:t>
-            </a:r>
-            <a:endParaRPr lang="en-US" altLang="ja-JP" sz="3200" dirty="0"/>
-          </a:p>
-          <a:p>
-            <a:pPr marL="342900" indent="-342900">
-              <a:buFont typeface="+mj-ea"/>
-              <a:buAutoNum type="circleNumDbPlain"/>
-            </a:pPr>
-            <a:r>
-              <a:rPr lang="ja-JP" altLang="en-US" sz="3200" dirty="0"/>
-              <a:t>開発で苦労した点</a:t>
-            </a:r>
-            <a:endParaRPr lang="en-US" altLang="ja-JP" sz="3200" dirty="0"/>
-          </a:p>
-          <a:p>
-            <a:pPr marL="342900" indent="-342900">
-              <a:buFont typeface="+mj-ea"/>
-              <a:buAutoNum type="circleNumDbPlain"/>
-            </a:pPr>
-            <a:r>
-              <a:rPr lang="ja-JP" altLang="en-US" sz="3200" dirty="0"/>
-              <a:t>メンバー紹介</a:t>
-            </a:r>
-            <a:endParaRPr lang="en-US" altLang="ja-JP" sz="3200" dirty="0"/>
-          </a:p>
-          <a:p>
-            <a:endParaRPr lang="en-US" altLang="ja-JP" sz="3200" dirty="0"/>
-          </a:p>
-          <a:p>
-            <a:pPr marL="342900" indent="-342900">
-              <a:buFont typeface="+mj-ea"/>
-              <a:buAutoNum type="circleNumDbPlain"/>
-            </a:pPr>
-            <a:endParaRPr lang="en-US" altLang="ja-JP" sz="3200" dirty="0"/>
-          </a:p>
-          <a:p>
-            <a:pPr marL="342900" indent="-342900">
-              <a:buFont typeface="+mj-ea"/>
-              <a:buAutoNum type="circleNumDbPlain"/>
-            </a:pPr>
-            <a:endParaRPr lang="en-US" altLang="ja-JP" dirty="0"/>
-          </a:p>
-          <a:p>
-            <a:pPr marL="342900" indent="-342900">
-              <a:buFont typeface="+mj-ea"/>
-              <a:buAutoNum type="circleNumDbPlain"/>
-            </a:pPr>
-            <a:endParaRPr lang="en-US" altLang="ja-JP" dirty="0"/>
-          </a:p>
-          <a:p>
-            <a:pPr marL="342900" indent="-342900">
-              <a:buFont typeface="+mj-ea"/>
-              <a:buAutoNum type="circleNumDbPlain"/>
-            </a:pPr>
-            <a:endParaRPr kumimoji="1" lang="en-US" altLang="ja-JP" dirty="0"/>
-          </a:p>
-        </p:txBody>
-      </p:sp>
-      <p:sp>
-        <p:nvSpPr>
-          <p:cNvPr id="4" name="正方形/長方形 3">
-            <a:extLst>
-              <a:ext uri="{FF2B5EF4-FFF2-40B4-BE49-F238E27FC236}">
-                <a16:creationId xmlns:a16="http://schemas.microsoft.com/office/drawing/2014/main" id="{54788BCE-6C4C-4A71-AC63-E51B55C1D7F1}"/>
-              </a:ext>
-            </a:extLst>
-          </p:cNvPr>
-          <p:cNvSpPr/>
-          <p:nvPr/>
-        </p:nvSpPr>
-        <p:spPr>
-          <a:xfrm>
-            <a:off x="8645237" y="0"/>
-            <a:ext cx="3546764" cy="1967345"/>
-          </a:xfrm>
-          <a:prstGeom prst="rect">
-            <a:avLst/>
-          </a:prstGeom>
-          <a:solidFill>
-            <a:schemeClr val="bg2">
-              <a:lumMod val="50000"/>
-            </a:schemeClr>
-          </a:solidFill>
-          <a:ln>
-            <a:solidFill>
-              <a:schemeClr val="tx1"/>
-            </a:solidFill>
-          </a:ln>
-        </p:spPr>
-        <p:style>
-          <a:lnRef idx="2">
-            <a:schemeClr val="accent1">
-              <a:shade val="50000"/>
-            </a:schemeClr>
-          </a:lnRef>
-          <a:fillRef idx="1">
-            <a:schemeClr val="accent1"/>
-          </a:fillRef>
-          <a:effectRef idx="0">
-            <a:schemeClr val="accent1"/>
-          </a:effectRef>
-          <a:fontRef idx="minor">
-            <a:schemeClr val="lt1"/>
-          </a:fontRef>
-        </p:style>
-        <p:txBody>
-          <a:bodyPr rtlCol="0" anchor="ctr"/>
-          <a:lstStyle/>
-          <a:p>
-            <a:pPr algn="ctr"/>
-            <a:endParaRPr kumimoji="1" lang="ja-JP" altLang="en-US" dirty="0"/>
-          </a:p>
-        </p:txBody>
-      </p:sp>
-    </p:spTree>
-    <p:extLst>
-      <p:ext uri="{BB962C8B-B14F-4D97-AF65-F5344CB8AC3E}">
-        <p14:creationId xmlns:p14="http://schemas.microsoft.com/office/powerpoint/2010/main" val="3396380034"/>
-      </p:ext>
-    </p:extLst>
-  </p:cSld>
-  <p:clrMapOvr>
-    <a:masterClrMapping/>
-  </p:clrMapOvr>
-  <mc:AlternateContent xmlns:mc="http://schemas.openxmlformats.org/markup-compatibility/2006" xmlns:p14="http://schemas.microsoft.com/office/powerpoint/2010/main">
-    <mc:Choice Requires="p14">
-      <p:transition spd="slow" p14:dur="800">
-        <p:circle/>
-      </p:transition>
-    </mc:Choice>
-    <mc:Fallback xmlns="">
-      <p:transition spd="slow">
-        <p:circle/>
-      </p:transition>
-    </mc:Fallback>
-  </mc:AlternateContent>
-</p:sld>
-</file>
-
-<file path=ppt/slides/slide4.xml><?xml version="1.0" encoding="utf-8"?>
-<p:sld xmlns:a="http://schemas.openxmlformats.org/drawingml/2006/main" xmlns:r="http://schemas.openxmlformats.org/officeDocument/2006/relationships" xmlns:p="http://schemas.openxmlformats.org/presentationml/2006/main">
-  <p:cSld>
-    <p:spTree>
-      <p:nvGrpSpPr>
-        <p:cNvPr id="1" name=""/>
-        <p:cNvGrpSpPr/>
-        <p:nvPr/>
-      </p:nvGrpSpPr>
-      <p:grpSpPr>
-        <a:xfrm>
-          <a:off x="0" y="0"/>
-          <a:ext cx="0" cy="0"/>
-          <a:chOff x="0" y="0"/>
-          <a:chExt cx="0" cy="0"/>
-        </a:xfrm>
-      </p:grpSpPr>
-      <p:sp>
-        <p:nvSpPr>
-          <p:cNvPr id="4" name="タイトル 3">
-            <a:extLst>
-              <a:ext uri="{FF2B5EF4-FFF2-40B4-BE49-F238E27FC236}">
-                <a16:creationId xmlns:a16="http://schemas.microsoft.com/office/drawing/2014/main" id="{77D4D360-3452-403B-A802-00F2AC9725F0}"/>
-              </a:ext>
-            </a:extLst>
-          </p:cNvPr>
-          <p:cNvSpPr>
-            <a:spLocks noGrp="1"/>
-          </p:cNvSpPr>
-          <p:nvPr>
-            <p:ph type="title"/>
-          </p:nvPr>
-        </p:nvSpPr>
-        <p:spPr>
-          <a:xfrm>
-            <a:off x="977900" y="196980"/>
-            <a:ext cx="3823010" cy="1293028"/>
-          </a:xfrm>
-        </p:spPr>
-        <p:txBody>
-          <a:bodyPr>
-            <a:normAutofit fontScale="90000"/>
-          </a:bodyPr>
-          <a:lstStyle/>
-          <a:p>
-            <a:r>
-              <a:rPr kumimoji="1" lang="ja-JP" altLang="en-US" b="1" dirty="0">
-                <a:solidFill>
-                  <a:schemeClr val="tx1">
-                    <a:lumMod val="65000"/>
-                    <a:lumOff val="35000"/>
-                  </a:schemeClr>
-                </a:solidFill>
-                <a:latin typeface="+mn-lt"/>
-              </a:rPr>
-              <a:t>システムの構成</a:t>
-            </a:r>
-          </a:p>
-        </p:txBody>
-      </p:sp>
-      <p:sp>
-        <p:nvSpPr>
-          <p:cNvPr id="13" name="テキスト ボックス 12">
-            <a:extLst>
-              <a:ext uri="{FF2B5EF4-FFF2-40B4-BE49-F238E27FC236}">
-                <a16:creationId xmlns:a16="http://schemas.microsoft.com/office/drawing/2014/main" id="{D2EC5B4D-3CEA-45D4-8A0C-A52B40544298}"/>
-              </a:ext>
-            </a:extLst>
-          </p:cNvPr>
-          <p:cNvSpPr txBox="1"/>
-          <p:nvPr/>
-        </p:nvSpPr>
-        <p:spPr>
-          <a:xfrm>
-            <a:off x="8500090" y="569071"/>
-            <a:ext cx="2294021" cy="621341"/>
-          </a:xfrm>
-          <a:prstGeom prst="rect">
-            <a:avLst/>
-          </a:prstGeom>
-          <a:noFill/>
-        </p:spPr>
-        <p:txBody>
-          <a:bodyPr wrap="square" rtlCol="0">
-            <a:spAutoFit/>
-          </a:bodyPr>
-          <a:lstStyle/>
-          <a:p>
-            <a:endParaRPr kumimoji="1" lang="ja-JP" altLang="en-US" dirty="0"/>
-          </a:p>
-        </p:txBody>
-      </p:sp>
-      <p:sp>
-        <p:nvSpPr>
-          <p:cNvPr id="6" name="テキスト ボックス 5">
-            <a:extLst>
-              <a:ext uri="{FF2B5EF4-FFF2-40B4-BE49-F238E27FC236}">
-                <a16:creationId xmlns:a16="http://schemas.microsoft.com/office/drawing/2014/main" id="{4560422A-0E17-4CFD-BEB9-7760F9CBBC2F}"/>
-              </a:ext>
-            </a:extLst>
-          </p:cNvPr>
-          <p:cNvSpPr txBox="1"/>
-          <p:nvPr/>
-        </p:nvSpPr>
-        <p:spPr>
-          <a:xfrm>
-            <a:off x="6536746" y="2600875"/>
-            <a:ext cx="1718455" cy="369332"/>
-          </a:xfrm>
-          <a:prstGeom prst="rect">
-            <a:avLst/>
-          </a:prstGeom>
-          <a:noFill/>
-        </p:spPr>
-        <p:txBody>
-          <a:bodyPr wrap="square" rtlCol="0">
-            <a:spAutoFit/>
-          </a:bodyPr>
-          <a:lstStyle/>
-          <a:p>
-            <a:endParaRPr kumimoji="1" lang="ja-JP" altLang="en-US" dirty="0"/>
-          </a:p>
-        </p:txBody>
-      </p:sp>
-      <p:grpSp>
-        <p:nvGrpSpPr>
-          <p:cNvPr id="10" name="グループ化 9">
-            <a:extLst>
-              <a:ext uri="{FF2B5EF4-FFF2-40B4-BE49-F238E27FC236}">
-                <a16:creationId xmlns:a16="http://schemas.microsoft.com/office/drawing/2014/main" id="{BC384ED3-F2CA-4265-81B4-9512F7AFB0AE}"/>
-              </a:ext>
-            </a:extLst>
-          </p:cNvPr>
-          <p:cNvGrpSpPr/>
-          <p:nvPr/>
-        </p:nvGrpSpPr>
-        <p:grpSpPr>
-          <a:xfrm>
-            <a:off x="559245" y="1328639"/>
-            <a:ext cx="9000392" cy="5367990"/>
-            <a:chOff x="981144" y="1836601"/>
-            <a:chExt cx="9573311" cy="4714911"/>
-          </a:xfrm>
-        </p:grpSpPr>
-        <p:cxnSp>
-          <p:nvCxnSpPr>
-            <p:cNvPr id="19" name="直線コネクタ 18">
-              <a:extLst>
-                <a:ext uri="{FF2B5EF4-FFF2-40B4-BE49-F238E27FC236}">
-                  <a16:creationId xmlns:a16="http://schemas.microsoft.com/office/drawing/2014/main" id="{A0D37746-D309-40AE-A0C0-3A39F14887DA}"/>
-                </a:ext>
-              </a:extLst>
-            </p:cNvPr>
-            <p:cNvCxnSpPr>
-              <a:cxnSpLocks/>
-              <a:stCxn id="17" idx="3"/>
-            </p:cNvCxnSpPr>
-            <p:nvPr/>
-          </p:nvCxnSpPr>
-          <p:spPr>
-            <a:xfrm>
-              <a:off x="4917429" y="3415477"/>
-              <a:ext cx="486441" cy="0"/>
-            </a:xfrm>
-            <a:prstGeom prst="line">
-              <a:avLst/>
-            </a:prstGeom>
-          </p:spPr>
-          <p:style>
-            <a:lnRef idx="1">
-              <a:schemeClr val="accent6"/>
-            </a:lnRef>
-            <a:fillRef idx="0">
-              <a:schemeClr val="accent6"/>
-            </a:fillRef>
-            <a:effectRef idx="0">
-              <a:schemeClr val="accent6"/>
-            </a:effectRef>
-            <a:fontRef idx="minor">
-              <a:schemeClr val="tx1"/>
-            </a:fontRef>
-          </p:style>
-        </p:cxnSp>
-        <p:grpSp>
-          <p:nvGrpSpPr>
-            <p:cNvPr id="3" name="グループ化 2">
-              <a:extLst>
-                <a:ext uri="{FF2B5EF4-FFF2-40B4-BE49-F238E27FC236}">
-                  <a16:creationId xmlns:a16="http://schemas.microsoft.com/office/drawing/2014/main" id="{A363515F-582E-486F-8337-D44AC2A6D036}"/>
-                </a:ext>
-              </a:extLst>
-            </p:cNvPr>
-            <p:cNvGrpSpPr/>
-            <p:nvPr/>
-          </p:nvGrpSpPr>
-          <p:grpSpPr>
-            <a:xfrm>
-              <a:off x="981144" y="1836601"/>
-              <a:ext cx="9573311" cy="4714911"/>
-              <a:chOff x="1053901" y="1731748"/>
-              <a:chExt cx="10001249" cy="4867215"/>
-            </a:xfrm>
-          </p:grpSpPr>
-          <p:pic>
-            <p:nvPicPr>
-              <p:cNvPr id="8" name="図 7">
-                <a:extLst>
-                  <a:ext uri="{FF2B5EF4-FFF2-40B4-BE49-F238E27FC236}">
-                    <a16:creationId xmlns:a16="http://schemas.microsoft.com/office/drawing/2014/main" id="{7ECD8D03-A540-4384-92DB-DC4154AD12EB}"/>
-                  </a:ext>
-                </a:extLst>
-              </p:cNvPr>
-              <p:cNvPicPr>
-                <a:picLocks noChangeAspect="1"/>
-              </p:cNvPicPr>
-              <p:nvPr/>
-            </p:nvPicPr>
-            <p:blipFill>
-              <a:blip r:embed="rId3">
-                <a:extLst>
-                  <a:ext uri="{28A0092B-C50C-407E-A947-70E740481C1C}">
-                    <a14:useLocalDpi xmlns:a14="http://schemas.microsoft.com/office/drawing/2010/main" val="0"/>
-                  </a:ext>
-                </a:extLst>
-              </a:blip>
-              <a:stretch>
-                <a:fillRect/>
-              </a:stretch>
-            </p:blipFill>
-            <p:spPr>
-              <a:xfrm flipH="1">
-                <a:off x="1053901" y="2827390"/>
-                <a:ext cx="1516349" cy="1293028"/>
-              </a:xfrm>
-              <a:prstGeom prst="rect">
-                <a:avLst/>
-              </a:prstGeom>
-            </p:spPr>
-          </p:pic>
-          <p:sp>
-            <p:nvSpPr>
-              <p:cNvPr id="9" name="矢印: 右 8">
-                <a:extLst>
-                  <a:ext uri="{FF2B5EF4-FFF2-40B4-BE49-F238E27FC236}">
-                    <a16:creationId xmlns:a16="http://schemas.microsoft.com/office/drawing/2014/main" id="{22232900-CF15-42ED-B61D-004E36DA459A}"/>
-                  </a:ext>
-                </a:extLst>
-              </p:cNvPr>
-              <p:cNvSpPr/>
-              <p:nvPr/>
-            </p:nvSpPr>
-            <p:spPr>
-              <a:xfrm>
-                <a:off x="3061722" y="3145706"/>
-                <a:ext cx="930442" cy="565484"/>
-              </a:xfrm>
-              <a:prstGeom prst="rightArrow">
-                <a:avLst/>
-              </a:prstGeom>
-              <a:solidFill>
-                <a:srgbClr val="00B050"/>
-              </a:solidFill>
-            </p:spPr>
-            <p:style>
-              <a:lnRef idx="2">
-                <a:schemeClr val="accent1">
-                  <a:shade val="50000"/>
-                </a:schemeClr>
-              </a:lnRef>
-              <a:fillRef idx="1">
-                <a:schemeClr val="accent1"/>
-              </a:fillRef>
-              <a:effectRef idx="0">
-                <a:schemeClr val="accent1"/>
-              </a:effectRef>
-              <a:fontRef idx="minor">
-                <a:schemeClr val="lt1"/>
-              </a:fontRef>
-            </p:style>
-            <p:txBody>
-              <a:bodyPr rtlCol="0" anchor="ctr"/>
-              <a:lstStyle/>
-              <a:p>
-                <a:pPr algn="ctr"/>
-                <a:endParaRPr kumimoji="1" lang="ja-JP" altLang="en-US"/>
-              </a:p>
-            </p:txBody>
-          </p:sp>
-          <p:pic>
-            <p:nvPicPr>
-              <p:cNvPr id="17" name="図 16">
-                <a:extLst>
-                  <a:ext uri="{FF2B5EF4-FFF2-40B4-BE49-F238E27FC236}">
-                    <a16:creationId xmlns:a16="http://schemas.microsoft.com/office/drawing/2014/main" id="{F635ED6F-6CE3-4C81-B91F-622759D54AF4}"/>
-                  </a:ext>
-                </a:extLst>
-              </p:cNvPr>
-              <p:cNvPicPr>
-                <a:picLocks noChangeAspect="1"/>
-              </p:cNvPicPr>
-              <p:nvPr/>
-            </p:nvPicPr>
-            <p:blipFill>
-              <a:blip r:embed="rId4">
-                <a:extLst>
-                  <a:ext uri="{28A0092B-C50C-407E-A947-70E740481C1C}">
-                    <a14:useLocalDpi xmlns:a14="http://schemas.microsoft.com/office/drawing/2010/main" val="0"/>
-                  </a:ext>
-                </a:extLst>
-              </a:blip>
-              <a:stretch>
-                <a:fillRect/>
-              </a:stretch>
-            </p:blipFill>
-            <p:spPr>
-              <a:xfrm>
-                <a:off x="3998279" y="2777694"/>
-                <a:ext cx="1167864" cy="1167864"/>
-              </a:xfrm>
-              <a:prstGeom prst="rect">
-                <a:avLst/>
-              </a:prstGeom>
-            </p:spPr>
-          </p:pic>
-          <p:sp>
-            <p:nvSpPr>
-              <p:cNvPr id="20" name="テキスト ボックス 19">
-                <a:extLst>
-                  <a:ext uri="{FF2B5EF4-FFF2-40B4-BE49-F238E27FC236}">
-                    <a16:creationId xmlns:a16="http://schemas.microsoft.com/office/drawing/2014/main" id="{EE46EACE-71CE-49D5-8C38-4DEC4EDA1C9E}"/>
-                  </a:ext>
-                </a:extLst>
-              </p:cNvPr>
-              <p:cNvSpPr txBox="1"/>
-              <p:nvPr/>
-            </p:nvSpPr>
-            <p:spPr>
-              <a:xfrm>
-                <a:off x="1072255" y="4382578"/>
-                <a:ext cx="1718456" cy="369332"/>
-              </a:xfrm>
-              <a:prstGeom prst="rect">
-                <a:avLst/>
-              </a:prstGeom>
-              <a:noFill/>
-            </p:spPr>
-            <p:txBody>
-              <a:bodyPr wrap="square" rtlCol="0">
-                <a:spAutoFit/>
-              </a:bodyPr>
-              <a:lstStyle/>
-              <a:p>
-                <a:pPr algn="ctr"/>
-                <a:r>
-                  <a:rPr kumimoji="1" lang="ja-JP" altLang="en-US" dirty="0"/>
-                  <a:t>ユーザ</a:t>
-                </a:r>
-              </a:p>
-            </p:txBody>
-          </p:sp>
-          <p:grpSp>
-            <p:nvGrpSpPr>
-              <p:cNvPr id="23" name="グループ化 22">
-                <a:extLst>
-                  <a:ext uri="{FF2B5EF4-FFF2-40B4-BE49-F238E27FC236}">
-                    <a16:creationId xmlns:a16="http://schemas.microsoft.com/office/drawing/2014/main" id="{413CACD0-2EF9-40DA-A533-DF471D753942}"/>
-                  </a:ext>
-                </a:extLst>
-              </p:cNvPr>
-              <p:cNvGrpSpPr/>
-              <p:nvPr/>
-            </p:nvGrpSpPr>
-            <p:grpSpPr>
-              <a:xfrm>
-                <a:off x="5912025" y="1973121"/>
-                <a:ext cx="5143125" cy="4399555"/>
-                <a:chOff x="6168761" y="1712782"/>
-                <a:chExt cx="4796670" cy="4399555"/>
-              </a:xfrm>
-            </p:grpSpPr>
-            <p:grpSp>
-              <p:nvGrpSpPr>
-                <p:cNvPr id="15" name="グループ化 14">
-                  <a:extLst>
-                    <a:ext uri="{FF2B5EF4-FFF2-40B4-BE49-F238E27FC236}">
-                      <a16:creationId xmlns:a16="http://schemas.microsoft.com/office/drawing/2014/main" id="{B130732D-09B9-4E65-ADEE-5983671C3596}"/>
-                    </a:ext>
-                  </a:extLst>
-                </p:cNvPr>
-                <p:cNvGrpSpPr/>
-                <p:nvPr/>
-              </p:nvGrpSpPr>
-              <p:grpSpPr>
-                <a:xfrm>
-                  <a:off x="6245046" y="3581188"/>
-                  <a:ext cx="4720385" cy="2531149"/>
-                  <a:chOff x="6018217" y="3918273"/>
-                  <a:chExt cx="4720385" cy="2531149"/>
-                </a:xfrm>
-              </p:grpSpPr>
-              <p:sp>
-                <p:nvSpPr>
-                  <p:cNvPr id="11" name="四角形: 角を丸くする 10">
-                    <a:extLst>
-                      <a:ext uri="{FF2B5EF4-FFF2-40B4-BE49-F238E27FC236}">
-                        <a16:creationId xmlns:a16="http://schemas.microsoft.com/office/drawing/2014/main" id="{93A19059-D052-447A-924F-5E9291ABD726}"/>
-                      </a:ext>
-                    </a:extLst>
-                  </p:cNvPr>
-                  <p:cNvSpPr/>
-                  <p:nvPr/>
-                </p:nvSpPr>
-                <p:spPr>
-                  <a:xfrm>
-                    <a:off x="6018217" y="4804814"/>
-                    <a:ext cx="2556722" cy="1644608"/>
-                  </a:xfrm>
-                  <a:prstGeom prst="roundRect">
-                    <a:avLst/>
-                  </a:prstGeom>
-                  <a:solidFill>
-                    <a:schemeClr val="accent2"/>
-                  </a:solidFill>
-                </p:spPr>
-                <p:style>
-                  <a:lnRef idx="2">
-                    <a:schemeClr val="accent1">
-                      <a:shade val="50000"/>
-                    </a:schemeClr>
-                  </a:lnRef>
-                  <a:fillRef idx="1">
-                    <a:schemeClr val="accent1"/>
-                  </a:fillRef>
-                  <a:effectRef idx="0">
-                    <a:schemeClr val="accent1"/>
-                  </a:effectRef>
-                  <a:fontRef idx="minor">
-                    <a:schemeClr val="lt1"/>
-                  </a:fontRef>
-                </p:style>
-                <p:txBody>
-                  <a:bodyPr rtlCol="0" anchor="ctr"/>
-                  <a:lstStyle/>
-                  <a:p>
-                    <a:pPr algn="ctr"/>
-                    <a:r>
-                      <a:rPr kumimoji="1" lang="ja-JP" altLang="en-US" sz="3200" dirty="0"/>
-                      <a:t>自動作曲</a:t>
-                    </a:r>
-                    <a:r>
-                      <a:rPr kumimoji="1" lang="en-US" altLang="ja-JP" sz="3200" dirty="0"/>
-                      <a:t>AI</a:t>
-                    </a:r>
-                  </a:p>
-                </p:txBody>
-              </p:sp>
-              <p:sp>
-                <p:nvSpPr>
-                  <p:cNvPr id="12" name="テキスト ボックス 11">
-                    <a:extLst>
-                      <a:ext uri="{FF2B5EF4-FFF2-40B4-BE49-F238E27FC236}">
-                        <a16:creationId xmlns:a16="http://schemas.microsoft.com/office/drawing/2014/main" id="{D0E94323-8F75-4A70-A78E-EEA688500E66}"/>
-                      </a:ext>
-                    </a:extLst>
-                  </p:cNvPr>
-                  <p:cNvSpPr txBox="1"/>
-                  <p:nvPr/>
-                </p:nvSpPr>
-                <p:spPr>
-                  <a:xfrm>
-                    <a:off x="9256848" y="3918273"/>
-                    <a:ext cx="1481754" cy="413036"/>
-                  </a:xfrm>
-                  <a:prstGeom prst="rect">
-                    <a:avLst/>
-                  </a:prstGeom>
-                  <a:noFill/>
-                </p:spPr>
-                <p:txBody>
-                  <a:bodyPr wrap="square" rtlCol="0">
-                    <a:spAutoFit/>
-                  </a:bodyPr>
-                  <a:lstStyle/>
-                  <a:p>
-                    <a:endParaRPr kumimoji="1" lang="ja-JP" altLang="en-US" sz="2000" b="1" dirty="0">
-                      <a:solidFill>
-                        <a:schemeClr val="bg1"/>
-                      </a:solidFill>
-                    </a:endParaRPr>
-                  </a:p>
-                </p:txBody>
-              </p:sp>
-            </p:grpSp>
-            <p:sp>
-              <p:nvSpPr>
-                <p:cNvPr id="21" name="四角形: 角を丸くする 20">
-                  <a:extLst>
-                    <a:ext uri="{FF2B5EF4-FFF2-40B4-BE49-F238E27FC236}">
-                      <a16:creationId xmlns:a16="http://schemas.microsoft.com/office/drawing/2014/main" id="{C29707AB-F090-4A48-B64A-2FF4BBC21EE0}"/>
-                    </a:ext>
-                  </a:extLst>
-                </p:cNvPr>
-                <p:cNvSpPr/>
-                <p:nvPr/>
-              </p:nvSpPr>
-              <p:spPr>
-                <a:xfrm>
-                  <a:off x="6168761" y="1712782"/>
-                  <a:ext cx="2599949" cy="1738069"/>
-                </a:xfrm>
-                <a:prstGeom prst="roundRect">
-                  <a:avLst/>
-                </a:prstGeom>
-                <a:solidFill>
-                  <a:srgbClr val="92D050"/>
-                </a:solidFill>
-              </p:spPr>
-              <p:style>
-                <a:lnRef idx="2">
-                  <a:schemeClr val="accent5">
-                    <a:shade val="50000"/>
-                  </a:schemeClr>
-                </a:lnRef>
-                <a:fillRef idx="1">
-                  <a:schemeClr val="accent5"/>
-                </a:fillRef>
-                <a:effectRef idx="0">
-                  <a:schemeClr val="accent5"/>
-                </a:effectRef>
-                <a:fontRef idx="minor">
-                  <a:schemeClr val="lt1"/>
-                </a:fontRef>
-              </p:style>
-              <p:txBody>
-                <a:bodyPr rtlCol="0" anchor="ctr"/>
-                <a:lstStyle/>
-                <a:p>
-                  <a:pPr algn="ctr"/>
-                  <a:r>
-                    <a:rPr kumimoji="1" lang="en-US" altLang="ja-JP" sz="3200" dirty="0"/>
-                    <a:t>Web</a:t>
-                  </a:r>
-                  <a:r>
-                    <a:rPr kumimoji="1" lang="ja-JP" altLang="en-US" sz="3200" dirty="0"/>
-                    <a:t>ページ</a:t>
-                  </a:r>
-                  <a:endParaRPr kumimoji="1" lang="en-US" altLang="ja-JP" sz="3200" dirty="0"/>
-                </a:p>
-              </p:txBody>
-            </p:sp>
-          </p:grpSp>
-          <p:sp>
-            <p:nvSpPr>
-              <p:cNvPr id="27" name="テキスト ボックス 26">
-                <a:extLst>
-                  <a:ext uri="{FF2B5EF4-FFF2-40B4-BE49-F238E27FC236}">
-                    <a16:creationId xmlns:a16="http://schemas.microsoft.com/office/drawing/2014/main" id="{4BA03AC9-8821-48AC-BA65-0549CDC13148}"/>
-                  </a:ext>
-                </a:extLst>
-              </p:cNvPr>
-              <p:cNvSpPr txBox="1"/>
-              <p:nvPr/>
-            </p:nvSpPr>
-            <p:spPr>
-              <a:xfrm>
-                <a:off x="3555063" y="4405670"/>
-                <a:ext cx="1947283" cy="586035"/>
-              </a:xfrm>
-              <a:prstGeom prst="rect">
-                <a:avLst/>
-              </a:prstGeom>
-              <a:noFill/>
-            </p:spPr>
-            <p:txBody>
-              <a:bodyPr wrap="square" rtlCol="0">
-                <a:spAutoFit/>
-              </a:bodyPr>
-              <a:lstStyle/>
-              <a:p>
-                <a:pPr algn="ctr"/>
-                <a:r>
-                  <a:rPr lang="en-US" altLang="ja-JP" b="1" dirty="0"/>
-                  <a:t>Apache</a:t>
-                </a:r>
-              </a:p>
-              <a:p>
-                <a:pPr algn="ctr"/>
-                <a:r>
-                  <a:rPr kumimoji="1" lang="ja-JP" altLang="en-US" dirty="0"/>
-                  <a:t>サーバ</a:t>
-                </a:r>
-              </a:p>
-            </p:txBody>
-          </p:sp>
-          <p:sp>
-            <p:nvSpPr>
-              <p:cNvPr id="2" name="四角形: 角を丸くする 1">
-                <a:extLst>
-                  <a:ext uri="{FF2B5EF4-FFF2-40B4-BE49-F238E27FC236}">
-                    <a16:creationId xmlns:a16="http://schemas.microsoft.com/office/drawing/2014/main" id="{3E4728B6-A949-481A-AA16-4CC4E0B49521}"/>
-                  </a:ext>
-                </a:extLst>
-              </p:cNvPr>
-              <p:cNvSpPr/>
-              <p:nvPr/>
-            </p:nvSpPr>
-            <p:spPr>
-              <a:xfrm>
-                <a:off x="5657617" y="1731748"/>
-                <a:ext cx="3808754" cy="4867215"/>
-              </a:xfrm>
-              <a:prstGeom prst="roundRect">
-                <a:avLst/>
-              </a:prstGeom>
-              <a:noFill/>
-            </p:spPr>
-            <p:style>
-              <a:lnRef idx="2">
-                <a:schemeClr val="accent6"/>
-              </a:lnRef>
-              <a:fillRef idx="1">
-                <a:schemeClr val="lt1"/>
-              </a:fillRef>
-              <a:effectRef idx="0">
-                <a:schemeClr val="accent6"/>
-              </a:effectRef>
-              <a:fontRef idx="minor">
-                <a:schemeClr val="dk1"/>
-              </a:fontRef>
-            </p:style>
-            <p:txBody>
-              <a:bodyPr rtlCol="0" anchor="ctr"/>
-              <a:lstStyle/>
-              <a:p>
-                <a:pPr algn="ctr"/>
-                <a:endParaRPr kumimoji="1" lang="ja-JP" altLang="en-US"/>
-              </a:p>
-            </p:txBody>
-          </p:sp>
-          <p:sp>
-            <p:nvSpPr>
-              <p:cNvPr id="7" name="テキスト ボックス 6">
-                <a:extLst>
-                  <a:ext uri="{FF2B5EF4-FFF2-40B4-BE49-F238E27FC236}">
-                    <a16:creationId xmlns:a16="http://schemas.microsoft.com/office/drawing/2014/main" id="{BF1CD242-3438-41A6-B084-F612C8F20720}"/>
-                  </a:ext>
-                </a:extLst>
-              </p:cNvPr>
-              <p:cNvSpPr txBox="1"/>
-              <p:nvPr/>
-            </p:nvSpPr>
-            <p:spPr>
-              <a:xfrm>
-                <a:off x="5321415" y="2877164"/>
-                <a:ext cx="3628866" cy="381262"/>
-              </a:xfrm>
-              <a:prstGeom prst="rect">
-                <a:avLst/>
-              </a:prstGeom>
-              <a:noFill/>
-            </p:spPr>
-            <p:txBody>
-              <a:bodyPr wrap="square" rtlCol="0">
-                <a:spAutoFit/>
-              </a:bodyPr>
-              <a:lstStyle/>
-              <a:p>
-                <a:pPr algn="ctr"/>
-                <a:endParaRPr lang="en-US" altLang="ja-JP" b="1" dirty="0"/>
-              </a:p>
-            </p:txBody>
-          </p:sp>
-        </p:grpSp>
-      </p:grpSp>
-      <p:sp>
-        <p:nvSpPr>
-          <p:cNvPr id="5" name="矢印: 下 4">
-            <a:extLst>
-              <a:ext uri="{FF2B5EF4-FFF2-40B4-BE49-F238E27FC236}">
-                <a16:creationId xmlns:a16="http://schemas.microsoft.com/office/drawing/2014/main" id="{FCB024A7-5A96-43FB-87BB-5B7A462F3E4C}"/>
-              </a:ext>
-            </a:extLst>
-          </p:cNvPr>
-          <p:cNvSpPr/>
-          <p:nvPr/>
-        </p:nvSpPr>
-        <p:spPr>
-          <a:xfrm>
-            <a:off x="5272203" y="3622719"/>
-            <a:ext cx="870857" cy="897936"/>
-          </a:xfrm>
-          <a:prstGeom prst="downArrow">
-            <a:avLst/>
-          </a:prstGeom>
-          <a:solidFill>
-            <a:srgbClr val="FF0000"/>
-          </a:solidFill>
-        </p:spPr>
-        <p:style>
-          <a:lnRef idx="2">
-            <a:schemeClr val="accent1">
-              <a:shade val="50000"/>
-            </a:schemeClr>
-          </a:lnRef>
-          <a:fillRef idx="1">
-            <a:schemeClr val="accent1"/>
-          </a:fillRef>
-          <a:effectRef idx="0">
-            <a:schemeClr val="accent1"/>
-          </a:effectRef>
-          <a:fontRef idx="minor">
-            <a:schemeClr val="lt1"/>
-          </a:fontRef>
-        </p:style>
-        <p:txBody>
-          <a:bodyPr rtlCol="0" anchor="ctr"/>
-          <a:lstStyle/>
-          <a:p>
-            <a:pPr algn="ctr"/>
-            <a:endParaRPr kumimoji="1" lang="ja-JP" altLang="en-US" dirty="0"/>
-          </a:p>
-        </p:txBody>
-      </p:sp>
-      <p:sp>
-        <p:nvSpPr>
-          <p:cNvPr id="14" name="矢印: 上 13">
-            <a:extLst>
-              <a:ext uri="{FF2B5EF4-FFF2-40B4-BE49-F238E27FC236}">
-                <a16:creationId xmlns:a16="http://schemas.microsoft.com/office/drawing/2014/main" id="{5FE8F1E3-DFBC-4681-AB9C-5DB6E8CA5E85}"/>
-              </a:ext>
-            </a:extLst>
-          </p:cNvPr>
-          <p:cNvSpPr/>
-          <p:nvPr/>
-        </p:nvSpPr>
-        <p:spPr>
-          <a:xfrm>
-            <a:off x="6426153" y="3635113"/>
-            <a:ext cx="827628" cy="867768"/>
-          </a:xfrm>
-          <a:prstGeom prst="upArrow">
-            <a:avLst/>
-          </a:prstGeom>
-        </p:spPr>
-        <p:style>
-          <a:lnRef idx="2">
-            <a:schemeClr val="accent1">
-              <a:shade val="50000"/>
-            </a:schemeClr>
-          </a:lnRef>
-          <a:fillRef idx="1">
-            <a:schemeClr val="accent1"/>
-          </a:fillRef>
-          <a:effectRef idx="0">
-            <a:schemeClr val="accent1"/>
-          </a:effectRef>
-          <a:fontRef idx="minor">
-            <a:schemeClr val="lt1"/>
-          </a:fontRef>
-        </p:style>
-        <p:txBody>
-          <a:bodyPr rtlCol="0" anchor="ctr"/>
-          <a:lstStyle/>
-          <a:p>
-            <a:pPr algn="ctr"/>
-            <a:endParaRPr kumimoji="1" lang="ja-JP" altLang="en-US"/>
-          </a:p>
-        </p:txBody>
-      </p:sp>
-      <p:sp>
-        <p:nvSpPr>
-          <p:cNvPr id="16" name="吹き出し: 四角形 15">
-            <a:extLst>
-              <a:ext uri="{FF2B5EF4-FFF2-40B4-BE49-F238E27FC236}">
-                <a16:creationId xmlns:a16="http://schemas.microsoft.com/office/drawing/2014/main" id="{292416DE-C061-48BB-8487-20174CC81A10}"/>
-              </a:ext>
-            </a:extLst>
-          </p:cNvPr>
-          <p:cNvSpPr/>
-          <p:nvPr/>
-        </p:nvSpPr>
-        <p:spPr>
-          <a:xfrm>
-            <a:off x="7748605" y="2270580"/>
-            <a:ext cx="2115562" cy="1387149"/>
-          </a:xfrm>
-          <a:prstGeom prst="wedgeRectCallout">
-            <a:avLst>
-              <a:gd name="adj1" fmla="val -68475"/>
-              <a:gd name="adj2" fmla="val 89005"/>
-            </a:avLst>
-          </a:prstGeom>
-          <a:solidFill>
-            <a:schemeClr val="accent1"/>
-          </a:solidFill>
-          <a:ln>
-            <a:noFill/>
-          </a:ln>
-        </p:spPr>
-        <p:style>
-          <a:lnRef idx="2">
-            <a:schemeClr val="accent1">
-              <a:shade val="50000"/>
-            </a:schemeClr>
-          </a:lnRef>
-          <a:fillRef idx="1">
-            <a:schemeClr val="accent1"/>
-          </a:fillRef>
-          <a:effectRef idx="0">
-            <a:schemeClr val="accent1"/>
-          </a:effectRef>
-          <a:fontRef idx="minor">
-            <a:schemeClr val="lt1"/>
-          </a:fontRef>
-        </p:style>
-        <p:txBody>
-          <a:bodyPr rtlCol="0" anchor="ctr"/>
-          <a:lstStyle/>
-          <a:p>
-            <a:pPr algn="ctr"/>
-            <a:r>
-              <a:rPr lang="ja-JP" altLang="en-US" dirty="0">
-                <a:solidFill>
-                  <a:schemeClr val="bg1"/>
-                </a:solidFill>
-              </a:rPr>
-              <a:t>ユーザーのメロディから生成された曲が返ってくる</a:t>
-            </a:r>
-            <a:endParaRPr kumimoji="1" lang="ja-JP" altLang="en-US" dirty="0">
-              <a:solidFill>
-                <a:schemeClr val="bg1"/>
-              </a:solidFill>
-            </a:endParaRPr>
-          </a:p>
-        </p:txBody>
-      </p:sp>
-      <p:sp>
-        <p:nvSpPr>
-          <p:cNvPr id="24" name="正方形/長方形 23">
-            <a:extLst>
-              <a:ext uri="{FF2B5EF4-FFF2-40B4-BE49-F238E27FC236}">
-                <a16:creationId xmlns:a16="http://schemas.microsoft.com/office/drawing/2014/main" id="{256C99AA-E322-471C-97CB-3B9102F83566}"/>
-              </a:ext>
-            </a:extLst>
-          </p:cNvPr>
-          <p:cNvSpPr/>
-          <p:nvPr/>
-        </p:nvSpPr>
-        <p:spPr>
-          <a:xfrm>
-            <a:off x="8645237" y="0"/>
-            <a:ext cx="3546764" cy="1967345"/>
-          </a:xfrm>
-          <a:prstGeom prst="rect">
-            <a:avLst/>
-          </a:prstGeom>
-          <a:solidFill>
-            <a:schemeClr val="bg2">
-              <a:lumMod val="50000"/>
-            </a:schemeClr>
-          </a:solidFill>
-          <a:ln>
-            <a:solidFill>
-              <a:schemeClr val="tx1"/>
-            </a:solidFill>
-          </a:ln>
-        </p:spPr>
-        <p:style>
-          <a:lnRef idx="2">
-            <a:schemeClr val="accent1">
-              <a:shade val="50000"/>
-            </a:schemeClr>
-          </a:lnRef>
-          <a:fillRef idx="1">
-            <a:schemeClr val="accent1"/>
-          </a:fillRef>
-          <a:effectRef idx="0">
-            <a:schemeClr val="accent1"/>
-          </a:effectRef>
-          <a:fontRef idx="minor">
-            <a:schemeClr val="lt1"/>
-          </a:fontRef>
-        </p:style>
-        <p:txBody>
-          <a:bodyPr rtlCol="0" anchor="ctr"/>
-          <a:lstStyle/>
-          <a:p>
-            <a:pPr algn="ctr"/>
-            <a:endParaRPr kumimoji="1" lang="ja-JP" altLang="en-US"/>
-          </a:p>
-        </p:txBody>
-      </p:sp>
-    </p:spTree>
-    <p:extLst>
-      <p:ext uri="{BB962C8B-B14F-4D97-AF65-F5344CB8AC3E}">
-        <p14:creationId xmlns:p14="http://schemas.microsoft.com/office/powerpoint/2010/main" val="2826307774"/>
-      </p:ext>
-    </p:extLst>
-  </p:cSld>
-  <p:clrMapOvr>
-    <a:masterClrMapping/>
-  </p:clrMapOvr>
-  <mc:AlternateContent xmlns:mc="http://schemas.openxmlformats.org/markup-compatibility/2006" xmlns:p14="http://schemas.microsoft.com/office/powerpoint/2010/main">
-    <mc:Choice Requires="p14">
-      <p:transition spd="slow" p14:dur="800">
-        <p:circle/>
-      </p:transition>
-    </mc:Choice>
-    <mc:Fallback xmlns="">
-      <p:transition spd="slow">
-        <p:circle/>
-      </p:transition>
-    </mc:Fallback>
-  </mc:AlternateContent>
-</p:sld>
-</file>
-
-<file path=ppt/slides/slide5.xml><?xml version="1.0" encoding="utf-8"?>
-<p:sld xmlns:a="http://schemas.openxmlformats.org/drawingml/2006/main" xmlns:r="http://schemas.openxmlformats.org/officeDocument/2006/relationships" xmlns:p="http://schemas.openxmlformats.org/presentationml/2006/main">
-  <p:cSld>
-    <p:spTree>
-      <p:nvGrpSpPr>
-        <p:cNvPr id="1" name=""/>
-        <p:cNvGrpSpPr/>
-        <p:nvPr/>
-      </p:nvGrpSpPr>
-      <p:grpSpPr>
-        <a:xfrm>
-          <a:off x="0" y="0"/>
-          <a:ext cx="0" cy="0"/>
-          <a:chOff x="0" y="0"/>
-          <a:chExt cx="0" cy="0"/>
-        </a:xfrm>
-      </p:grpSpPr>
-      <p:sp>
-        <p:nvSpPr>
-          <p:cNvPr id="2" name="タイトル 1">
-            <a:extLst>
-              <a:ext uri="{FF2B5EF4-FFF2-40B4-BE49-F238E27FC236}">
-                <a16:creationId xmlns:a16="http://schemas.microsoft.com/office/drawing/2014/main" id="{0B3411E2-6640-4F87-9607-25F63FCAFDF8}"/>
-              </a:ext>
-            </a:extLst>
-          </p:cNvPr>
-          <p:cNvSpPr>
-            <a:spLocks noGrp="1"/>
-          </p:cNvSpPr>
-          <p:nvPr>
-            <p:ph type="title"/>
-          </p:nvPr>
-        </p:nvSpPr>
-        <p:spPr>
-          <a:xfrm>
-            <a:off x="232230" y="713468"/>
-            <a:ext cx="3932237" cy="547914"/>
-          </a:xfrm>
-        </p:spPr>
-        <p:txBody>
-          <a:bodyPr>
-            <a:noAutofit/>
-          </a:bodyPr>
-          <a:lstStyle/>
-          <a:p>
-            <a:r>
-              <a:rPr lang="en-US" altLang="ja-JP" sz="3600" b="1" dirty="0"/>
-              <a:t>Flask</a:t>
-            </a:r>
-            <a:r>
-              <a:rPr lang="ja-JP" altLang="en-US" sz="3600" b="1" dirty="0"/>
-              <a:t>の実装</a:t>
-            </a:r>
-            <a:endParaRPr kumimoji="1" lang="ja-JP" altLang="en-US" sz="3600" b="1" dirty="0"/>
-          </a:p>
-        </p:txBody>
-      </p:sp>
-      <p:sp>
-        <p:nvSpPr>
-          <p:cNvPr id="4" name="テキスト プレースホルダー 3">
-            <a:extLst>
-              <a:ext uri="{FF2B5EF4-FFF2-40B4-BE49-F238E27FC236}">
-                <a16:creationId xmlns:a16="http://schemas.microsoft.com/office/drawing/2014/main" id="{1E4D0C85-9DE0-4AAE-BBC1-D8A0ADA86FC5}"/>
-              </a:ext>
-            </a:extLst>
-          </p:cNvPr>
-          <p:cNvSpPr>
-            <a:spLocks noGrp="1"/>
-          </p:cNvSpPr>
-          <p:nvPr>
-            <p:ph type="body" sz="half" idx="2"/>
-          </p:nvPr>
-        </p:nvSpPr>
-        <p:spPr>
-          <a:xfrm>
-            <a:off x="232230" y="1261383"/>
-            <a:ext cx="4539795" cy="5596618"/>
-          </a:xfrm>
-        </p:spPr>
-        <p:txBody>
-          <a:bodyPr>
-            <a:normAutofit lnSpcReduction="10000"/>
-          </a:bodyPr>
-          <a:lstStyle/>
-          <a:p>
-            <a:r>
-              <a:rPr lang="en-US" altLang="ja-JP" sz="3200" b="1" dirty="0">
-                <a:solidFill>
-                  <a:srgbClr val="FF0000"/>
-                </a:solidFill>
-              </a:rPr>
-              <a:t>Flask</a:t>
-            </a:r>
-            <a:r>
-              <a:rPr lang="ja-JP" altLang="en-US" sz="2000" dirty="0"/>
-              <a:t>（フラスコ</a:t>
-            </a:r>
-            <a:r>
-              <a:rPr lang="en-US" altLang="ja-JP" sz="2000" dirty="0"/>
-              <a:t>/</a:t>
-            </a:r>
-            <a:r>
-              <a:rPr lang="ja-JP" altLang="en-US" sz="2000" dirty="0"/>
-              <a:t>フラスク）は</a:t>
-            </a:r>
-            <a:r>
-              <a:rPr lang="en-US" altLang="ja-JP" sz="2000" dirty="0"/>
-              <a:t>Python</a:t>
-            </a:r>
-            <a:r>
-              <a:rPr lang="ja-JP" altLang="en-US" sz="2000" dirty="0"/>
-              <a:t>の</a:t>
-            </a:r>
-            <a:r>
-              <a:rPr lang="en-US" altLang="ja-JP" sz="2000" dirty="0"/>
-              <a:t>Web</a:t>
-            </a:r>
-            <a:r>
-              <a:rPr lang="ja-JP" altLang="en-US" sz="2000" dirty="0"/>
-              <a:t>アプリケーションフレームワークで、小規模向けの簡単な</a:t>
-            </a:r>
-            <a:r>
-              <a:rPr lang="en-US" altLang="ja-JP" sz="2000" dirty="0"/>
-              <a:t>Web</a:t>
-            </a:r>
-            <a:r>
-              <a:rPr lang="ja-JP" altLang="en-US" sz="2000" dirty="0"/>
-              <a:t>アプリケーションを作るのに適しています。</a:t>
-            </a:r>
-            <a:br>
-              <a:rPr lang="ja-JP" altLang="en-US" sz="2000" dirty="0"/>
-            </a:br>
-            <a:r>
-              <a:rPr lang="en-US" altLang="ja-JP" sz="2000" dirty="0"/>
-              <a:t>Web</a:t>
-            </a:r>
-            <a:r>
-              <a:rPr lang="ja-JP" altLang="en-US" sz="2000" dirty="0"/>
-              <a:t>フレームワークとは、ウェブサイトやウェブアプリケーションを作るための機能を提供し、ウェブフレームワークを使わない時よりもより容易に</a:t>
-            </a:r>
-            <a:r>
-              <a:rPr lang="en-US" altLang="ja-JP" sz="2000" dirty="0"/>
-              <a:t>Web</a:t>
-            </a:r>
-            <a:r>
-              <a:rPr lang="ja-JP" altLang="en-US" sz="2000" dirty="0"/>
-              <a:t>アプリケーションを作ることができるものです。</a:t>
-            </a:r>
-            <a:endParaRPr lang="en-US" altLang="ja-JP" sz="2000" dirty="0"/>
-          </a:p>
-          <a:p>
-            <a:r>
-              <a:rPr lang="en-US" altLang="ja-JP" sz="2000" b="1" dirty="0"/>
-              <a:t>Django</a:t>
-            </a:r>
-            <a:r>
-              <a:rPr lang="ja-JP" altLang="en-US" sz="2000" dirty="0"/>
-              <a:t>に比べて</a:t>
-            </a:r>
-            <a:endParaRPr lang="en-US" altLang="ja-JP" sz="2000" dirty="0"/>
-          </a:p>
-          <a:p>
-            <a:r>
-              <a:rPr lang="en-US" altLang="ja-JP" sz="2000" dirty="0"/>
-              <a:t>Flask</a:t>
-            </a:r>
-            <a:r>
-              <a:rPr lang="ja-JP" altLang="en-US" sz="2000" dirty="0"/>
-              <a:t>のメリットは、シンプルで、使い始めるときのハードルが低いことです。</a:t>
-            </a:r>
-          </a:p>
-          <a:p>
-            <a:r>
-              <a:rPr lang="ja-JP" altLang="en-US" sz="2000" dirty="0"/>
-              <a:t>最低でも複数のファイルが必要な</a:t>
-            </a:r>
-            <a:r>
-              <a:rPr lang="en-US" altLang="ja-JP" sz="2000" dirty="0"/>
-              <a:t>Django</a:t>
-            </a:r>
-            <a:r>
-              <a:rPr lang="ja-JP" altLang="en-US" sz="2000" dirty="0"/>
-              <a:t>と異なり、</a:t>
-            </a:r>
-            <a:r>
-              <a:rPr lang="en-US" altLang="ja-JP" sz="2000" dirty="0"/>
-              <a:t>Flask</a:t>
-            </a:r>
-            <a:r>
-              <a:rPr lang="ja-JP" altLang="en-US" sz="2000" dirty="0"/>
-              <a:t>は</a:t>
-            </a:r>
-            <a:r>
-              <a:rPr lang="en-US" altLang="ja-JP" sz="2000" dirty="0"/>
-              <a:t>1</a:t>
-            </a:r>
-            <a:r>
-              <a:rPr lang="ja-JP" altLang="en-US" sz="2000" dirty="0"/>
-              <a:t>ファイルだけでも</a:t>
-            </a:r>
-            <a:r>
-              <a:rPr lang="en-US" altLang="ja-JP" sz="2000" dirty="0"/>
-              <a:t>Web</a:t>
-            </a:r>
-            <a:r>
-              <a:rPr lang="ja-JP" altLang="en-US" sz="2000" dirty="0"/>
-              <a:t>アプリケーションを実装できます。</a:t>
-            </a:r>
-          </a:p>
-          <a:p>
-            <a:endParaRPr kumimoji="1" lang="ja-JP" altLang="en-US" dirty="0"/>
-          </a:p>
-        </p:txBody>
-      </p:sp>
-      <p:pic>
-        <p:nvPicPr>
-          <p:cNvPr id="9" name="図プレースホルダー 8">
-            <a:extLst>
-              <a:ext uri="{FF2B5EF4-FFF2-40B4-BE49-F238E27FC236}">
-                <a16:creationId xmlns:a16="http://schemas.microsoft.com/office/drawing/2014/main" id="{1644E0F4-2FC6-4E35-957C-1ABE9CE9E9B1}"/>
-              </a:ext>
-            </a:extLst>
-          </p:cNvPr>
-          <p:cNvPicPr>
-            <a:picLocks noGrp="1" noChangeAspect="1"/>
-          </p:cNvPicPr>
-          <p:nvPr>
-            <p:ph type="pic" idx="1"/>
-          </p:nvPr>
-        </p:nvPicPr>
-        <p:blipFill>
-          <a:blip r:embed="rId2">
-            <a:extLst>
-              <a:ext uri="{28A0092B-C50C-407E-A947-70E740481C1C}">
-                <a14:useLocalDpi xmlns:a14="http://schemas.microsoft.com/office/drawing/2010/main" val="0"/>
-              </a:ext>
-            </a:extLst>
-          </a:blip>
-          <a:srcRect l="14381" r="14381"/>
-          <a:stretch>
-            <a:fillRect/>
-          </a:stretch>
-        </p:blipFill>
-        <p:spPr>
-          <a:xfrm>
-            <a:off x="5183188" y="987425"/>
-            <a:ext cx="6602412" cy="5210175"/>
-          </a:xfrm>
-        </p:spPr>
-      </p:pic>
-      <p:sp>
-        <p:nvSpPr>
-          <p:cNvPr id="10" name="正方形/長方形 9">
-            <a:extLst>
-              <a:ext uri="{FF2B5EF4-FFF2-40B4-BE49-F238E27FC236}">
-                <a16:creationId xmlns:a16="http://schemas.microsoft.com/office/drawing/2014/main" id="{F17FE985-AD13-4DB7-B34B-9B1E76597364}"/>
-              </a:ext>
-            </a:extLst>
-          </p:cNvPr>
-          <p:cNvSpPr/>
-          <p:nvPr/>
-        </p:nvSpPr>
-        <p:spPr>
-          <a:xfrm>
-            <a:off x="8645237" y="0"/>
-            <a:ext cx="3546764" cy="1967345"/>
-          </a:xfrm>
-          <a:prstGeom prst="rect">
-            <a:avLst/>
-          </a:prstGeom>
-          <a:solidFill>
-            <a:schemeClr val="bg2">
-              <a:lumMod val="50000"/>
-            </a:schemeClr>
-          </a:solidFill>
-          <a:ln>
-            <a:solidFill>
-              <a:schemeClr val="tx1"/>
-            </a:solidFill>
-          </a:ln>
-        </p:spPr>
-        <p:style>
-          <a:lnRef idx="2">
-            <a:schemeClr val="accent1">
-              <a:shade val="50000"/>
-            </a:schemeClr>
-          </a:lnRef>
-          <a:fillRef idx="1">
-            <a:schemeClr val="accent1"/>
-          </a:fillRef>
-          <a:effectRef idx="0">
-            <a:schemeClr val="accent1"/>
-          </a:effectRef>
-          <a:fontRef idx="minor">
-            <a:schemeClr val="lt1"/>
-          </a:fontRef>
-        </p:style>
-        <p:txBody>
-          <a:bodyPr rtlCol="0" anchor="ctr"/>
-          <a:lstStyle/>
-          <a:p>
-            <a:pPr algn="ctr"/>
-            <a:endParaRPr kumimoji="1" lang="ja-JP" altLang="en-US"/>
-          </a:p>
-        </p:txBody>
-      </p:sp>
-    </p:spTree>
-    <p:extLst>
-      <p:ext uri="{BB962C8B-B14F-4D97-AF65-F5344CB8AC3E}">
-        <p14:creationId xmlns:p14="http://schemas.microsoft.com/office/powerpoint/2010/main" val="2124037351"/>
-      </p:ext>
-    </p:extLst>
-  </p:cSld>
-  <p:clrMapOvr>
-    <a:masterClrMapping/>
-  </p:clrMapOvr>
-  <mc:AlternateContent xmlns:mc="http://schemas.openxmlformats.org/markup-compatibility/2006" xmlns:p14="http://schemas.microsoft.com/office/powerpoint/2010/main">
-    <mc:Choice Requires="p14">
-      <p:transition spd="slow" p14:dur="800">
-        <p:circle/>
-      </p:transition>
-    </mc:Choice>
-    <mc:Fallback xmlns="">
-      <p:transition spd="slow">
-        <p:circle/>
-      </p:transition>
-    </mc:Fallback>
-  </mc:AlternateContent>
-</p:sld>
-</file>
-
-<file path=ppt/slides/slide6.xml><?xml version="1.0" encoding="utf-8"?>
-<p:sld xmlns:a="http://schemas.openxmlformats.org/drawingml/2006/main" xmlns:r="http://schemas.openxmlformats.org/officeDocument/2006/relationships" xmlns:p="http://schemas.openxmlformats.org/presentationml/2006/main">
-  <p:cSld>
-    <p:spTree>
-      <p:nvGrpSpPr>
-        <p:cNvPr id="1" name=""/>
-        <p:cNvGrpSpPr/>
-        <p:nvPr/>
-      </p:nvGrpSpPr>
-      <p:grpSpPr>
-        <a:xfrm>
-          <a:off x="0" y="0"/>
-          <a:ext cx="0" cy="0"/>
-          <a:chOff x="0" y="0"/>
-          <a:chExt cx="0" cy="0"/>
-        </a:xfrm>
-      </p:grpSpPr>
-      <p:sp>
-        <p:nvSpPr>
-          <p:cNvPr id="2" name="タイトル 1">
-            <a:extLst>
-              <a:ext uri="{FF2B5EF4-FFF2-40B4-BE49-F238E27FC236}">
-                <a16:creationId xmlns:a16="http://schemas.microsoft.com/office/drawing/2014/main" id="{E24197A6-6AD0-4259-A2CD-EB48FFC12C21}"/>
-              </a:ext>
-            </a:extLst>
-          </p:cNvPr>
-          <p:cNvSpPr>
-            <a:spLocks noGrp="1"/>
-          </p:cNvSpPr>
-          <p:nvPr>
-            <p:ph type="title"/>
-          </p:nvPr>
-        </p:nvSpPr>
-        <p:spPr>
-          <a:xfrm>
-            <a:off x="839788" y="365125"/>
-            <a:ext cx="7665583" cy="1325563"/>
-          </a:xfrm>
-        </p:spPr>
-        <p:txBody>
-          <a:bodyPr>
-            <a:normAutofit/>
-          </a:bodyPr>
-          <a:lstStyle/>
-          <a:p>
-            <a:r>
-              <a:rPr kumimoji="1" lang="en-US" altLang="ja-JP" sz="5400" b="1" dirty="0"/>
-              <a:t>J</a:t>
-            </a:r>
-            <a:r>
-              <a:rPr lang="en-US" altLang="ja-JP" sz="5400" b="1" dirty="0"/>
-              <a:t>avaScript</a:t>
-            </a:r>
-            <a:r>
-              <a:rPr lang="ja-JP" altLang="en-US" sz="5400" b="1" dirty="0"/>
-              <a:t>のライブラリ</a:t>
-            </a:r>
-            <a:endParaRPr kumimoji="1" lang="ja-JP" altLang="en-US" sz="5400" b="1" dirty="0"/>
-          </a:p>
-        </p:txBody>
-      </p:sp>
-      <p:sp>
-        <p:nvSpPr>
-          <p:cNvPr id="3" name="テキスト プレースホルダー 2">
-            <a:extLst>
-              <a:ext uri="{FF2B5EF4-FFF2-40B4-BE49-F238E27FC236}">
-                <a16:creationId xmlns:a16="http://schemas.microsoft.com/office/drawing/2014/main" id="{D104D7CC-F779-433D-AE3C-87186E0F5E42}"/>
-              </a:ext>
-            </a:extLst>
-          </p:cNvPr>
-          <p:cNvSpPr>
-            <a:spLocks noGrp="1"/>
-          </p:cNvSpPr>
-          <p:nvPr>
-            <p:ph type="body" idx="1"/>
-          </p:nvPr>
-        </p:nvSpPr>
-        <p:spPr>
-          <a:xfrm>
-            <a:off x="517835" y="1681163"/>
-            <a:ext cx="3850965" cy="823912"/>
-          </a:xfrm>
-        </p:spPr>
-        <p:txBody>
-          <a:bodyPr>
-            <a:normAutofit/>
-          </a:bodyPr>
-          <a:lstStyle/>
-          <a:p>
-            <a:r>
-              <a:rPr lang="en-US" altLang="ja-JP" sz="4000" dirty="0">
-                <a:solidFill>
-                  <a:srgbClr val="FF0000"/>
-                </a:solidFill>
-              </a:rPr>
-              <a:t>a</a:t>
-            </a:r>
-            <a:r>
-              <a:rPr kumimoji="1" lang="en-US" altLang="ja-JP" sz="4000" dirty="0">
-                <a:solidFill>
-                  <a:srgbClr val="FF0000"/>
-                </a:solidFill>
-              </a:rPr>
-              <a:t>bc.js</a:t>
-            </a:r>
-            <a:endParaRPr kumimoji="1" lang="ja-JP" altLang="en-US" sz="4000" dirty="0">
-              <a:solidFill>
-                <a:srgbClr val="FF0000"/>
-              </a:solidFill>
-            </a:endParaRPr>
-          </a:p>
-        </p:txBody>
-      </p:sp>
-      <p:sp>
-        <p:nvSpPr>
-          <p:cNvPr id="4" name="コンテンツ プレースホルダー 3">
-            <a:extLst>
-              <a:ext uri="{FF2B5EF4-FFF2-40B4-BE49-F238E27FC236}">
-                <a16:creationId xmlns:a16="http://schemas.microsoft.com/office/drawing/2014/main" id="{0C8F4E48-21EF-4E13-80A5-4B121603A094}"/>
-              </a:ext>
-            </a:extLst>
-          </p:cNvPr>
-          <p:cNvSpPr>
-            <a:spLocks noGrp="1"/>
-          </p:cNvSpPr>
-          <p:nvPr>
-            <p:ph sz="half" idx="2"/>
-          </p:nvPr>
-        </p:nvSpPr>
-        <p:spPr>
-          <a:xfrm>
-            <a:off x="447902" y="2505075"/>
-            <a:ext cx="5157787" cy="1776639"/>
-          </a:xfrm>
-        </p:spPr>
-        <p:txBody>
-          <a:bodyPr/>
-          <a:lstStyle/>
-          <a:p>
-            <a:r>
-              <a:rPr lang="en-US" altLang="ja-JP" dirty="0"/>
-              <a:t>abc.js</a:t>
-            </a:r>
-            <a:r>
-              <a:rPr lang="ja-JP" altLang="en-US" dirty="0"/>
-              <a:t>とは、ブラウザ上で</a:t>
-            </a:r>
-            <a:endParaRPr lang="en-US" altLang="ja-JP" dirty="0"/>
-          </a:p>
-          <a:p>
-            <a:pPr marL="0" indent="0">
-              <a:buNone/>
-            </a:pPr>
-            <a:r>
-              <a:rPr lang="ja-JP" altLang="en-US" dirty="0"/>
-              <a:t>楽譜を表示するためのソフトウェアである。</a:t>
-            </a:r>
-            <a:r>
-              <a:rPr lang="en-US" altLang="ja-JP" dirty="0"/>
-              <a:t>JavaScript </a:t>
-            </a:r>
-            <a:r>
-              <a:rPr lang="ja-JP" altLang="en-US" dirty="0"/>
-              <a:t>と </a:t>
-            </a:r>
-            <a:r>
-              <a:rPr lang="en-US" altLang="ja-JP" dirty="0"/>
-              <a:t>SVG </a:t>
-            </a:r>
-            <a:r>
-              <a:rPr lang="ja-JP" altLang="en-US" dirty="0"/>
-              <a:t>の技術を用いている。</a:t>
-            </a:r>
-            <a:endParaRPr kumimoji="1" lang="ja-JP" altLang="en-US" dirty="0"/>
-          </a:p>
-        </p:txBody>
-      </p:sp>
-      <p:sp>
-        <p:nvSpPr>
-          <p:cNvPr id="5" name="テキスト プレースホルダー 4">
-            <a:extLst>
-              <a:ext uri="{FF2B5EF4-FFF2-40B4-BE49-F238E27FC236}">
-                <a16:creationId xmlns:a16="http://schemas.microsoft.com/office/drawing/2014/main" id="{DE5078AA-A5F5-43D0-AEE2-E053876479B8}"/>
-              </a:ext>
-            </a:extLst>
-          </p:cNvPr>
-          <p:cNvSpPr>
-            <a:spLocks noGrp="1"/>
-          </p:cNvSpPr>
-          <p:nvPr>
-            <p:ph type="body" sz="quarter" idx="3"/>
-          </p:nvPr>
-        </p:nvSpPr>
-        <p:spPr>
-          <a:xfrm>
-            <a:off x="5416210" y="1681163"/>
-            <a:ext cx="5183188" cy="823912"/>
-          </a:xfrm>
-        </p:spPr>
-        <p:txBody>
-          <a:bodyPr>
-            <a:normAutofit/>
-          </a:bodyPr>
-          <a:lstStyle/>
-          <a:p>
-            <a:r>
-              <a:rPr lang="en-US" altLang="ja-JP" sz="4000" dirty="0">
-                <a:solidFill>
-                  <a:srgbClr val="FF0000"/>
-                </a:solidFill>
-              </a:rPr>
-              <a:t>Bootstrap</a:t>
-            </a:r>
-            <a:endParaRPr kumimoji="1" lang="ja-JP" altLang="en-US" sz="4000" dirty="0">
-              <a:solidFill>
-                <a:srgbClr val="FF0000"/>
-              </a:solidFill>
-            </a:endParaRPr>
-          </a:p>
-        </p:txBody>
-      </p:sp>
-      <p:sp>
-        <p:nvSpPr>
-          <p:cNvPr id="6" name="コンテンツ プレースホルダー 5">
-            <a:extLst>
-              <a:ext uri="{FF2B5EF4-FFF2-40B4-BE49-F238E27FC236}">
-                <a16:creationId xmlns:a16="http://schemas.microsoft.com/office/drawing/2014/main" id="{CE424D67-54E6-4C54-A76D-CB7F8926EA53}"/>
-              </a:ext>
-            </a:extLst>
-          </p:cNvPr>
-          <p:cNvSpPr>
-            <a:spLocks noGrp="1"/>
-          </p:cNvSpPr>
-          <p:nvPr>
-            <p:ph sz="quarter" idx="4"/>
-          </p:nvPr>
-        </p:nvSpPr>
-        <p:spPr>
-          <a:xfrm>
-            <a:off x="5495471" y="2505075"/>
-            <a:ext cx="6019800" cy="3684588"/>
-          </a:xfrm>
-        </p:spPr>
-        <p:txBody>
-          <a:bodyPr/>
-          <a:lstStyle/>
-          <a:p>
-            <a:pPr marL="0" indent="0" fontAlgn="base">
-              <a:buNone/>
-            </a:pPr>
-            <a:r>
-              <a:rPr lang="ja-JP" altLang="en-US" b="1" dirty="0"/>
-              <a:t>デザイン性の確保</a:t>
-            </a:r>
-            <a:endParaRPr lang="en-US" altLang="ja-JP" b="1" dirty="0"/>
-          </a:p>
-          <a:p>
-            <a:pPr marL="0" indent="0" fontAlgn="base">
-              <a:buNone/>
-            </a:pPr>
-            <a:r>
-              <a:rPr lang="ja-JP" altLang="en-US" dirty="0"/>
-              <a:t>「見やすさ」や「使いやすさ」に関わる見栄えも重要な要素とされています。</a:t>
-            </a:r>
-            <a:r>
-              <a:rPr lang="en-US" altLang="ja-JP" dirty="0"/>
-              <a:t>Bootstrap</a:t>
-            </a:r>
-            <a:r>
-              <a:rPr lang="ja-JP" altLang="en-US" dirty="0"/>
-              <a:t>では、あらかじめ用意されている</a:t>
-            </a:r>
-            <a:r>
-              <a:rPr lang="en-US" altLang="ja-JP" dirty="0"/>
-              <a:t>CSS</a:t>
-            </a:r>
-            <a:r>
-              <a:rPr lang="ja-JP" altLang="en-US" dirty="0"/>
-              <a:t>を適用することで、デザインが全くわからない人でも、ある程度の見栄えを確保することが可能です。</a:t>
-            </a:r>
-          </a:p>
-        </p:txBody>
-      </p:sp>
-      <p:sp>
-        <p:nvSpPr>
-          <p:cNvPr id="7" name="正方形/長方形 6">
-            <a:extLst>
-              <a:ext uri="{FF2B5EF4-FFF2-40B4-BE49-F238E27FC236}">
-                <a16:creationId xmlns:a16="http://schemas.microsoft.com/office/drawing/2014/main" id="{B673B75C-03C8-43E5-ABEB-7DA838FC4C6F}"/>
-              </a:ext>
-            </a:extLst>
-          </p:cNvPr>
-          <p:cNvSpPr/>
-          <p:nvPr/>
-        </p:nvSpPr>
-        <p:spPr>
-          <a:xfrm>
-            <a:off x="8645237" y="0"/>
-            <a:ext cx="3546764" cy="1967345"/>
-          </a:xfrm>
-          <a:prstGeom prst="rect">
-            <a:avLst/>
-          </a:prstGeom>
-          <a:solidFill>
-            <a:schemeClr val="bg2">
-              <a:lumMod val="50000"/>
-            </a:schemeClr>
-          </a:solidFill>
-          <a:ln>
-            <a:solidFill>
-              <a:schemeClr val="tx1"/>
-            </a:solidFill>
-          </a:ln>
-        </p:spPr>
-        <p:style>
-          <a:lnRef idx="2">
-            <a:schemeClr val="accent1">
-              <a:shade val="50000"/>
-            </a:schemeClr>
-          </a:lnRef>
-          <a:fillRef idx="1">
-            <a:schemeClr val="accent1"/>
-          </a:fillRef>
-          <a:effectRef idx="0">
-            <a:schemeClr val="accent1"/>
-          </a:effectRef>
-          <a:fontRef idx="minor">
-            <a:schemeClr val="lt1"/>
-          </a:fontRef>
-        </p:style>
-        <p:txBody>
-          <a:bodyPr rtlCol="0" anchor="ctr"/>
-          <a:lstStyle/>
-          <a:p>
-            <a:pPr algn="ctr"/>
-            <a:endParaRPr kumimoji="1" lang="ja-JP" altLang="en-US" dirty="0"/>
-          </a:p>
-        </p:txBody>
-      </p:sp>
-    </p:spTree>
-    <p:extLst>
-      <p:ext uri="{BB962C8B-B14F-4D97-AF65-F5344CB8AC3E}">
-        <p14:creationId xmlns:p14="http://schemas.microsoft.com/office/powerpoint/2010/main" val="4157861654"/>
-      </p:ext>
-    </p:extLst>
-  </p:cSld>
-  <p:clrMapOvr>
-    <a:masterClrMapping/>
-  </p:clrMapOvr>
-  <mc:AlternateContent xmlns:mc="http://schemas.openxmlformats.org/markup-compatibility/2006" xmlns:p14="http://schemas.microsoft.com/office/powerpoint/2010/main">
-    <mc:Choice Requires="p14">
-      <p:transition spd="slow" p14:dur="800">
-        <p:circle/>
-      </p:transition>
-    </mc:Choice>
-    <mc:Fallback xmlns="">
-      <p:transition spd="slow">
-        <p:circle/>
-      </p:transition>
-    </mc:Fallback>
-  </mc:AlternateContent>
-</p:sld>
-</file>
-
-<file path=ppt/slides/slide7.xml><?xml version="1.0" encoding="utf-8"?>
+<file path=ppt/slides/slide8.xml><?xml version="1.0" encoding="utf-8"?>
 <p:sld xmlns:a="http://schemas.openxmlformats.org/drawingml/2006/main" xmlns:r="http://schemas.openxmlformats.org/officeDocument/2006/relationships" xmlns:p="http://schemas.openxmlformats.org/presentationml/2006/main">
   <p:cSld>
     <p:spTree>
@@ -16375,7 +15295,9 @@
           </a:xfrm>
         </p:spPr>
         <p:txBody>
-          <a:bodyPr/>
+          <a:bodyPr>
+            <a:normAutofit/>
+          </a:bodyPr>
           <a:lstStyle/>
           <a:p>
             <a:r>
@@ -16459,38 +15381,44 @@
           </a:xfrm>
         </p:spPr>
         <p:txBody>
-          <a:bodyPr/>
+          <a:bodyPr>
+            <a:normAutofit/>
+          </a:bodyPr>
           <a:lstStyle/>
           <a:p>
             <a:r>
-              <a:rPr lang="en-US" altLang="ja-JP" dirty="0"/>
+              <a:rPr lang="en-US" altLang="ja-JP" sz="3000" dirty="0"/>
               <a:t>music21</a:t>
             </a:r>
             <a:r>
+              <a:rPr lang="ja-JP" altLang="en-US" sz="3000" dirty="0"/>
+              <a:t>は、</a:t>
+            </a:r>
+            <a:r>
+              <a:rPr lang="en-US" altLang="ja-JP" sz="3000" dirty="0"/>
+              <a:t>Python</a:t>
+            </a:r>
+            <a:r>
+              <a:rPr lang="ja-JP" altLang="en-US" sz="3000" dirty="0"/>
+              <a:t>の音楽情報処理ライブラリです。</a:t>
+            </a:r>
+            <a:br>
+              <a:rPr lang="ja-JP" altLang="en-US" sz="3000" dirty="0"/>
+            </a:br>
+            <a:r>
+              <a:rPr lang="ja-JP" altLang="en-US" sz="3000" dirty="0"/>
+              <a:t>楽譜や音声を分析するために、利用されています。</a:t>
+            </a:r>
+            <a:endParaRPr lang="en-US" altLang="ja-JP" sz="3000" dirty="0"/>
+          </a:p>
+          <a:p>
+            <a:r>
+              <a:rPr lang="ja-JP" altLang="en-US" sz="3000" dirty="0"/>
+              <a:t>文字列から数値のベースにするために使用しています</a:t>
+            </a:r>
+            <a:r>
               <a:rPr lang="ja-JP" altLang="en-US" dirty="0"/>
-              <a:t>は、</a:t>
-            </a:r>
-            <a:r>
-              <a:rPr lang="en-US" altLang="ja-JP" dirty="0"/>
-              <a:t>Python</a:t>
-            </a:r>
-            <a:r>
-              <a:rPr lang="ja-JP" altLang="en-US" dirty="0"/>
-              <a:t>の音楽情報処理ライブラリです。</a:t>
-            </a:r>
-            <a:br>
-              <a:rPr lang="ja-JP" altLang="en-US" dirty="0"/>
-            </a:br>
-            <a:r>
-              <a:rPr lang="ja-JP" altLang="en-US" dirty="0"/>
-              <a:t>楽譜や音声を分析するために、利用されています。</a:t>
-            </a:r>
-            <a:endParaRPr lang="en-US" altLang="ja-JP" dirty="0"/>
-          </a:p>
-          <a:p>
-            <a:r>
-              <a:rPr lang="ja-JP" altLang="en-US" dirty="0"/>
-              <a:t>文字列から数値のベースにするために使用しています。</a:t>
+              <a:t>。</a:t>
             </a:r>
             <a:endParaRPr kumimoji="1" lang="ja-JP" altLang="en-US" dirty="0"/>
           </a:p>
@@ -16602,7 +15530,7 @@
         </p:nvSpPr>
         <p:spPr>
           <a:xfrm>
-            <a:off x="5428342" y="3585290"/>
+            <a:off x="5359626" y="3454992"/>
             <a:ext cx="2786743" cy="1325563"/>
           </a:xfrm>
           <a:prstGeom prst="wedgeRectCallout">
@@ -16632,7 +15560,7 @@
           <a:lstStyle/>
           <a:p>
             <a:r>
-              <a:rPr lang="en-US" altLang="ja-JP" dirty="0"/>
+              <a:rPr lang="en-US" altLang="ja-JP" dirty="0" err="1"/>
               <a:t>abc</a:t>
             </a:r>
             <a:r>
@@ -16675,7 +15603,7 @@
 </p:sld>
 </file>
 
-<file path=ppt/slides/slide8.xml><?xml version="1.0" encoding="utf-8"?>
+<file path=ppt/slides/slide9.xml><?xml version="1.0" encoding="utf-8"?>
 <p:sld xmlns:a="http://schemas.openxmlformats.org/drawingml/2006/main" xmlns:r="http://schemas.openxmlformats.org/officeDocument/2006/relationships" xmlns:p="http://schemas.openxmlformats.org/presentationml/2006/main">
   <p:cSld>
     <p:spTree>
@@ -16889,7 +15817,7 @@
         <p:spPr>
           <a:xfrm>
             <a:off x="436585" y="2463426"/>
-            <a:ext cx="5945554" cy="3785652"/>
+            <a:ext cx="5945554" cy="4154984"/>
           </a:xfrm>
           <a:prstGeom prst="rect">
             <a:avLst/>
@@ -16937,24 +15865,42 @@
               </a:rPr>
               <a:t>）が学習や推論など、人間と同じような高度な判断を行うために必要なものです。</a:t>
             </a:r>
-          </a:p>
-          <a:p>
-            <a:r>
-              <a:rPr lang="ja-JP" altLang="en-US" sz="2400" dirty="0">
-                <a:solidFill>
-                  <a:srgbClr val="3D3D3D"/>
-                </a:solidFill>
-                <a:latin typeface="Roboto"/>
-              </a:rPr>
-              <a:t>ニューラルネットワークを活用することで、機械が人間と同じような論理的思考、学習を行うことができるようになります。</a:t>
-            </a:r>
-            <a:endParaRPr lang="ja-JP" altLang="en-US" sz="2400" b="0" i="0" dirty="0">
+            <a:endParaRPr lang="en-US" altLang="ja-JP" sz="2400" dirty="0">
               <a:solidFill>
                 <a:srgbClr val="3D3D3D"/>
               </a:solidFill>
-              <a:effectLst/>
               <a:latin typeface="Roboto"/>
             </a:endParaRPr>
+          </a:p>
+          <a:p>
+            <a:endParaRPr lang="en-US" altLang="ja-JP" sz="2400" dirty="0">
+              <a:solidFill>
+                <a:srgbClr val="3D3D3D"/>
+              </a:solidFill>
+              <a:latin typeface="Roboto"/>
+            </a:endParaRPr>
+          </a:p>
+          <a:p>
+            <a:r>
+              <a:rPr lang="ja-JP" altLang="en-US" sz="2400" dirty="0"/>
+              <a:t>本プロジェクトでは</a:t>
+            </a:r>
+            <a:endParaRPr lang="en-US" altLang="ja-JP" sz="2400" dirty="0"/>
+          </a:p>
+          <a:p>
+            <a:r>
+              <a:rPr lang="ja-JP" altLang="en-US" sz="2400" dirty="0"/>
+              <a:t>音程と長さでそれぞれ中間層が</a:t>
+            </a:r>
+            <a:r>
+              <a:rPr lang="en-US" altLang="ja-JP" sz="2400" dirty="0"/>
+              <a:t>3</a:t>
+            </a:r>
+            <a:r>
+              <a:rPr lang="ja-JP" altLang="en-US" sz="2400" dirty="0"/>
+              <a:t>層ずつになっております</a:t>
+            </a:r>
+            <a:endParaRPr lang="en-US" altLang="ja-JP" sz="2400" dirty="0"/>
           </a:p>
         </p:txBody>
       </p:sp>
@@ -16962,205 +15908,6 @@
     <p:extLst>
       <p:ext uri="{BB962C8B-B14F-4D97-AF65-F5344CB8AC3E}">
         <p14:creationId xmlns:p14="http://schemas.microsoft.com/office/powerpoint/2010/main" val="2163784394"/>
-      </p:ext>
-    </p:extLst>
-  </p:cSld>
-  <p:clrMapOvr>
-    <a:masterClrMapping/>
-  </p:clrMapOvr>
-  <mc:AlternateContent xmlns:mc="http://schemas.openxmlformats.org/markup-compatibility/2006" xmlns:p14="http://schemas.microsoft.com/office/powerpoint/2010/main">
-    <mc:Choice Requires="p14">
-      <p:transition spd="slow" p14:dur="800">
-        <p:circle/>
-      </p:transition>
-    </mc:Choice>
-    <mc:Fallback xmlns="">
-      <p:transition spd="slow">
-        <p:circle/>
-      </p:transition>
-    </mc:Fallback>
-  </mc:AlternateContent>
-</p:sld>
-</file>
-
-<file path=ppt/slides/slide9.xml><?xml version="1.0" encoding="utf-8"?>
-<p:sld xmlns:a="http://schemas.openxmlformats.org/drawingml/2006/main" xmlns:r="http://schemas.openxmlformats.org/officeDocument/2006/relationships" xmlns:p="http://schemas.openxmlformats.org/presentationml/2006/main">
-  <p:cSld>
-    <p:spTree>
-      <p:nvGrpSpPr>
-        <p:cNvPr id="1" name=""/>
-        <p:cNvGrpSpPr/>
-        <p:nvPr/>
-      </p:nvGrpSpPr>
-      <p:grpSpPr>
-        <a:xfrm>
-          <a:off x="0" y="0"/>
-          <a:ext cx="0" cy="0"/>
-          <a:chOff x="0" y="0"/>
-          <a:chExt cx="0" cy="0"/>
-        </a:xfrm>
-      </p:grpSpPr>
-      <p:sp>
-        <p:nvSpPr>
-          <p:cNvPr id="2" name="タイトル 1">
-            <a:extLst>
-              <a:ext uri="{FF2B5EF4-FFF2-40B4-BE49-F238E27FC236}">
-                <a16:creationId xmlns:a16="http://schemas.microsoft.com/office/drawing/2014/main" id="{1954BC50-3672-4E36-B845-B0805C656BB2}"/>
-              </a:ext>
-            </a:extLst>
-          </p:cNvPr>
-          <p:cNvSpPr>
-            <a:spLocks noGrp="1"/>
-          </p:cNvSpPr>
-          <p:nvPr>
-            <p:ph type="ctrTitle"/>
-          </p:nvPr>
-        </p:nvSpPr>
-        <p:spPr>
-          <a:xfrm>
-            <a:off x="718456" y="674914"/>
-            <a:ext cx="8186058" cy="761999"/>
-          </a:xfrm>
-        </p:spPr>
-        <p:txBody>
-          <a:bodyPr>
-            <a:normAutofit/>
-          </a:bodyPr>
-          <a:lstStyle/>
-          <a:p>
-            <a:pPr algn="l"/>
-            <a:r>
-              <a:rPr kumimoji="1" lang="ja-JP" altLang="en-US" sz="4400" dirty="0"/>
-              <a:t>自動作曲の方法について①</a:t>
-            </a:r>
-          </a:p>
-        </p:txBody>
-      </p:sp>
-      <p:sp>
-        <p:nvSpPr>
-          <p:cNvPr id="3" name="字幕 2">
-            <a:extLst>
-              <a:ext uri="{FF2B5EF4-FFF2-40B4-BE49-F238E27FC236}">
-                <a16:creationId xmlns:a16="http://schemas.microsoft.com/office/drawing/2014/main" id="{E0C25DE3-0B4C-4CF0-BA61-8328FBB67271}"/>
-              </a:ext>
-            </a:extLst>
-          </p:cNvPr>
-          <p:cNvSpPr>
-            <a:spLocks noGrp="1"/>
-          </p:cNvSpPr>
-          <p:nvPr>
-            <p:ph type="subTitle" idx="1"/>
-          </p:nvPr>
-        </p:nvSpPr>
-        <p:spPr>
-          <a:xfrm>
-            <a:off x="718456" y="1436913"/>
-            <a:ext cx="6487886" cy="566058"/>
-          </a:xfrm>
-        </p:spPr>
-        <p:txBody>
-          <a:bodyPr>
-            <a:noAutofit/>
-          </a:bodyPr>
-          <a:lstStyle/>
-          <a:p>
-            <a:pPr algn="l"/>
-            <a:r>
-              <a:rPr lang="ja-JP" altLang="en-US" sz="3200" dirty="0"/>
-              <a:t>入力から出力までの工程</a:t>
-            </a:r>
-            <a:endParaRPr lang="en-US" altLang="ja-JP" sz="3200" dirty="0"/>
-          </a:p>
-        </p:txBody>
-      </p:sp>
-      <p:sp>
-        <p:nvSpPr>
-          <p:cNvPr id="4" name="正方形/長方形 3">
-            <a:extLst>
-              <a:ext uri="{FF2B5EF4-FFF2-40B4-BE49-F238E27FC236}">
-                <a16:creationId xmlns:a16="http://schemas.microsoft.com/office/drawing/2014/main" id="{69CD0D9E-E9E7-46E2-B83D-0FDBEAE480FF}"/>
-              </a:ext>
-            </a:extLst>
-          </p:cNvPr>
-          <p:cNvSpPr/>
-          <p:nvPr/>
-        </p:nvSpPr>
-        <p:spPr>
-          <a:xfrm>
-            <a:off x="8645237" y="0"/>
-            <a:ext cx="3546764" cy="1967345"/>
-          </a:xfrm>
-          <a:prstGeom prst="rect">
-            <a:avLst/>
-          </a:prstGeom>
-          <a:solidFill>
-            <a:schemeClr val="bg2">
-              <a:lumMod val="50000"/>
-            </a:schemeClr>
-          </a:solidFill>
-          <a:ln>
-            <a:solidFill>
-              <a:schemeClr val="tx1"/>
-            </a:solidFill>
-          </a:ln>
-        </p:spPr>
-        <p:style>
-          <a:lnRef idx="2">
-            <a:schemeClr val="accent1">
-              <a:shade val="50000"/>
-            </a:schemeClr>
-          </a:lnRef>
-          <a:fillRef idx="1">
-            <a:schemeClr val="accent1"/>
-          </a:fillRef>
-          <a:effectRef idx="0">
-            <a:schemeClr val="accent1"/>
-          </a:effectRef>
-          <a:fontRef idx="minor">
-            <a:schemeClr val="lt1"/>
-          </a:fontRef>
-        </p:style>
-        <p:txBody>
-          <a:bodyPr rtlCol="0" anchor="ctr"/>
-          <a:lstStyle/>
-          <a:p>
-            <a:pPr algn="ctr"/>
-            <a:endParaRPr kumimoji="1" lang="ja-JP" altLang="en-US"/>
-          </a:p>
-        </p:txBody>
-      </p:sp>
-      <p:graphicFrame>
-        <p:nvGraphicFramePr>
-          <p:cNvPr id="9" name="図表 8">
-            <a:extLst>
-              <a:ext uri="{FF2B5EF4-FFF2-40B4-BE49-F238E27FC236}">
-                <a16:creationId xmlns:a16="http://schemas.microsoft.com/office/drawing/2014/main" id="{873D5251-D0E9-4E04-B6EB-993451D4EEE9}"/>
-              </a:ext>
-            </a:extLst>
-          </p:cNvPr>
-          <p:cNvGraphicFramePr/>
-          <p:nvPr>
-            <p:extLst>
-              <p:ext uri="{D42A27DB-BD31-4B8C-83A1-F6EECF244321}">
-                <p14:modId xmlns:p14="http://schemas.microsoft.com/office/powerpoint/2010/main" val="3767436721"/>
-              </p:ext>
-            </p:extLst>
-          </p:nvPr>
-        </p:nvGraphicFramePr>
-        <p:xfrm>
-          <a:off x="718455" y="2373086"/>
-          <a:ext cx="10537373" cy="3810000"/>
-        </p:xfrm>
-        <a:graphic>
-          <a:graphicData uri="http://schemas.openxmlformats.org/drawingml/2006/diagram">
-            <dgm:relIds xmlns:dgm="http://schemas.openxmlformats.org/drawingml/2006/diagram" xmlns:r="http://schemas.openxmlformats.org/officeDocument/2006/relationships" r:dm="rId2" r:lo="rId3" r:qs="rId4" r:cs="rId5"/>
-          </a:graphicData>
-        </a:graphic>
-      </p:graphicFrame>
-    </p:spTree>
-    <p:extLst>
-      <p:ext uri="{BB962C8B-B14F-4D97-AF65-F5344CB8AC3E}">
-        <p14:creationId xmlns:p14="http://schemas.microsoft.com/office/powerpoint/2010/main" val="798640705"/>
       </p:ext>
     </p:extLst>
   </p:cSld>

--- a/presentation/graduation/bit Composer3 .pptx
+++ b/presentation/graduation/bit Composer3 .pptx
@@ -5,25 +5,26 @@
     <p:sldMasterId id="2147483696" r:id="rId1"/>
   </p:sldMasterIdLst>
   <p:notesMasterIdLst>
-    <p:notesMasterId r:id="rId18"/>
+    <p:notesMasterId r:id="rId19"/>
   </p:notesMasterIdLst>
   <p:sldIdLst>
     <p:sldId id="259" r:id="rId2"/>
     <p:sldId id="307" r:id="rId3"/>
     <p:sldId id="260" r:id="rId4"/>
     <p:sldId id="309" r:id="rId5"/>
-    <p:sldId id="276" r:id="rId6"/>
-    <p:sldId id="298" r:id="rId7"/>
+    <p:sldId id="310" r:id="rId6"/>
+    <p:sldId id="276" r:id="rId7"/>
     <p:sldId id="283" r:id="rId8"/>
-    <p:sldId id="302" r:id="rId9"/>
-    <p:sldId id="305" r:id="rId10"/>
+    <p:sldId id="298" r:id="rId9"/>
+    <p:sldId id="311" r:id="rId10"/>
     <p:sldId id="295" r:id="rId11"/>
-    <p:sldId id="308" r:id="rId12"/>
-    <p:sldId id="296" r:id="rId13"/>
+    <p:sldId id="296" r:id="rId12"/>
+    <p:sldId id="308" r:id="rId13"/>
     <p:sldId id="306" r:id="rId14"/>
     <p:sldId id="266" r:id="rId15"/>
-    <p:sldId id="299" r:id="rId16"/>
-    <p:sldId id="303" r:id="rId17"/>
+    <p:sldId id="302" r:id="rId16"/>
+    <p:sldId id="305" r:id="rId17"/>
+    <p:sldId id="303" r:id="rId18"/>
   </p:sldIdLst>
   <p:sldSz cx="12192000" cy="6858000"/>
   <p:notesSz cx="6858000" cy="9144000"/>
@@ -1026,7 +1027,7 @@
         <a:p>
           <a:r>
             <a:rPr kumimoji="1" lang="ja-JP" altLang="en-US" dirty="0"/>
-            <a:t>数値データ</a:t>
+            <a:t>音データ</a:t>
           </a:r>
           <a:endParaRPr kumimoji="1" lang="en-US" altLang="ja-JP" dirty="0"/>
         </a:p>
@@ -1074,21 +1075,18 @@
         <a:p>
           <a:r>
             <a:rPr kumimoji="1" lang="en-US" altLang="ja-JP" dirty="0"/>
-            <a:t>TensorFlow</a:t>
-          </a:r>
-        </a:p>
-        <a:p>
-          <a:r>
-            <a:rPr kumimoji="1" lang="en-US" altLang="ja-JP" dirty="0"/>
-            <a:t>(AI</a:t>
+            <a:t>AI</a:t>
           </a:r>
           <a:r>
             <a:rPr kumimoji="1" lang="ja-JP" altLang="en-US" dirty="0"/>
             <a:t>の予測</a:t>
           </a:r>
+          <a:endParaRPr kumimoji="1" lang="en-US" altLang="ja-JP" dirty="0"/>
+        </a:p>
+        <a:p>
           <a:r>
             <a:rPr kumimoji="1" lang="en-US" altLang="ja-JP" dirty="0"/>
-            <a:t>)</a:t>
+            <a:t>(TensorFlow)</a:t>
           </a:r>
           <a:endParaRPr kumimoji="1" lang="ja-JP" altLang="en-US" dirty="0"/>
         </a:p>
@@ -1125,8 +1123,16 @@
         <a:p>
           <a:r>
             <a:rPr kumimoji="1" lang="ja-JP" altLang="en-US" dirty="0"/>
-            <a:t>数値データ</a:t>
+            <a:t>音データ</a:t>
           </a:r>
+          <a:endParaRPr kumimoji="1" lang="en-US" altLang="ja-JP" dirty="0"/>
+        </a:p>
+        <a:p>
+          <a:r>
+            <a:rPr kumimoji="1" lang="en-US" altLang="ja-JP" dirty="0"/>
+            <a:t>(music21)</a:t>
+          </a:r>
+          <a:endParaRPr kumimoji="1" lang="ja-JP" altLang="en-US" dirty="0"/>
         </a:p>
       </dgm:t>
     </dgm:pt>
@@ -1163,6 +1169,14 @@
             <a:rPr kumimoji="1" lang="ja-JP" altLang="en-US" dirty="0"/>
             <a:t>連想配列</a:t>
           </a:r>
+          <a:endParaRPr kumimoji="1" lang="en-US" altLang="ja-JP" dirty="0"/>
+        </a:p>
+        <a:p>
+          <a:r>
+            <a:rPr kumimoji="1" lang="en-US" altLang="ja-JP" dirty="0"/>
+            <a:t>(music21)</a:t>
+          </a:r>
+          <a:endParaRPr kumimoji="1" lang="ja-JP" altLang="en-US" dirty="0"/>
         </a:p>
       </dgm:t>
     </dgm:pt>
@@ -1201,7 +1215,7 @@
           </a:r>
           <a:r>
             <a:rPr kumimoji="1" lang="ja-JP" altLang="en-US" dirty="0"/>
-            <a:t>データ</a:t>
+            <a:t>ファイル</a:t>
           </a:r>
           <a:endParaRPr kumimoji="1" lang="en-US" altLang="ja-JP" dirty="0"/>
         </a:p>
@@ -1249,7 +1263,13 @@
         <a:p>
           <a:r>
             <a:rPr kumimoji="1" lang="en-US" altLang="ja-JP" dirty="0"/>
-            <a:t>mp3</a:t>
+            <a:t>Mp3</a:t>
+          </a:r>
+        </a:p>
+        <a:p>
+          <a:r>
+            <a:rPr kumimoji="1" lang="en-US" altLang="ja-JP" dirty="0"/>
+            <a:t>(wav)</a:t>
           </a:r>
         </a:p>
       </dgm:t>
@@ -1398,7 +1418,7 @@
       <dgm:spPr/>
     </dgm:pt>
     <dgm:pt modelId="{AE8A7875-20CF-4E99-9A32-A0162D9ED8A5}" type="pres">
-      <dgm:prSet presAssocID="{662EDF6E-C8D6-4068-A6D4-09F9EAB72A58}" presName="node" presStyleLbl="node1" presStyleIdx="7" presStyleCnt="8">
+      <dgm:prSet presAssocID="{662EDF6E-C8D6-4068-A6D4-09F9EAB72A58}" presName="node" presStyleLbl="node1" presStyleIdx="7" presStyleCnt="8" custLinFactNeighborX="-4601" custLinFactNeighborY="716">
         <dgm:presLayoutVars>
           <dgm:bulletEnabled val="1"/>
         </dgm:presLayoutVars>
@@ -1465,7 +1485,7 @@
   <dgm:whole/>
   <dgm:extLst>
     <a:ext uri="http://schemas.microsoft.com/office/drawing/2008/diagram">
-      <dsp:dataModelExt xmlns:dsp="http://schemas.microsoft.com/office/drawing/2008/diagram" relId="rId6" minVer="http://schemas.openxmlformats.org/drawingml/2006/diagram"/>
+      <dsp:dataModelExt xmlns:dsp="http://schemas.microsoft.com/office/drawing/2008/diagram" relId="rId7" minVer="http://schemas.openxmlformats.org/drawingml/2006/diagram"/>
     </a:ext>
   </dgm:extLst>
 </dgm:dataModel>
@@ -1971,7 +1991,7 @@
           </a:pPr>
           <a:r>
             <a:rPr kumimoji="1" lang="ja-JP" altLang="en-US" sz="2200" kern="1200" dirty="0"/>
-            <a:t>数値データ</a:t>
+            <a:t>音データ</a:t>
           </a:r>
           <a:endParaRPr kumimoji="1" lang="en-US" altLang="ja-JP" sz="2200" kern="1200" dirty="0"/>
         </a:p>
@@ -2151,8 +2171,13 @@
           </a:pPr>
           <a:r>
             <a:rPr kumimoji="1" lang="en-US" altLang="ja-JP" sz="2200" kern="1200" dirty="0"/>
-            <a:t>TensorFlow</a:t>
+            <a:t>AI</a:t>
           </a:r>
+          <a:r>
+            <a:rPr kumimoji="1" lang="ja-JP" altLang="en-US" sz="2200" kern="1200" dirty="0"/>
+            <a:t>の予測</a:t>
+          </a:r>
+          <a:endParaRPr kumimoji="1" lang="en-US" altLang="ja-JP" sz="2200" kern="1200" dirty="0"/>
         </a:p>
         <a:p>
           <a:pPr marL="0" lvl="0" indent="0" algn="ctr" defTabSz="977900">
@@ -2169,15 +2194,7 @@
           </a:pPr>
           <a:r>
             <a:rPr kumimoji="1" lang="en-US" altLang="ja-JP" sz="2200" kern="1200" dirty="0"/>
-            <a:t>(AI</a:t>
-          </a:r>
-          <a:r>
-            <a:rPr kumimoji="1" lang="ja-JP" altLang="en-US" sz="2200" kern="1200" dirty="0"/>
-            <a:t>の予測</a:t>
-          </a:r>
-          <a:r>
-            <a:rPr kumimoji="1" lang="en-US" altLang="ja-JP" sz="2200" kern="1200" dirty="0"/>
-            <a:t>)</a:t>
+            <a:t>(TensorFlow)</a:t>
           </a:r>
           <a:endParaRPr kumimoji="1" lang="ja-JP" altLang="en-US" sz="2200" kern="1200" dirty="0"/>
         </a:p>
@@ -2337,8 +2354,28 @@
           </a:pPr>
           <a:r>
             <a:rPr kumimoji="1" lang="ja-JP" altLang="en-US" sz="2200" kern="1200" dirty="0"/>
-            <a:t>数値データ</a:t>
+            <a:t>音データ</a:t>
           </a:r>
+          <a:endParaRPr kumimoji="1" lang="en-US" altLang="ja-JP" sz="2200" kern="1200" dirty="0"/>
+        </a:p>
+        <a:p>
+          <a:pPr marL="0" lvl="0" indent="0" algn="ctr" defTabSz="977900">
+            <a:lnSpc>
+              <a:spcPct val="90000"/>
+            </a:lnSpc>
+            <a:spcBef>
+              <a:spcPct val="0"/>
+            </a:spcBef>
+            <a:spcAft>
+              <a:spcPct val="35000"/>
+            </a:spcAft>
+            <a:buNone/>
+          </a:pPr>
+          <a:r>
+            <a:rPr kumimoji="1" lang="en-US" altLang="ja-JP" sz="2200" kern="1200" dirty="0"/>
+            <a:t>(music21)</a:t>
+          </a:r>
+          <a:endParaRPr kumimoji="1" lang="ja-JP" altLang="en-US" sz="2200" kern="1200" dirty="0"/>
         </a:p>
       </dsp:txBody>
       <dsp:txXfrm>
@@ -2498,6 +2535,26 @@
             <a:rPr kumimoji="1" lang="ja-JP" altLang="en-US" sz="2200" kern="1200" dirty="0"/>
             <a:t>連想配列</a:t>
           </a:r>
+          <a:endParaRPr kumimoji="1" lang="en-US" altLang="ja-JP" sz="2200" kern="1200" dirty="0"/>
+        </a:p>
+        <a:p>
+          <a:pPr marL="0" lvl="0" indent="0" algn="ctr" defTabSz="977900">
+            <a:lnSpc>
+              <a:spcPct val="90000"/>
+            </a:lnSpc>
+            <a:spcBef>
+              <a:spcPct val="0"/>
+            </a:spcBef>
+            <a:spcAft>
+              <a:spcPct val="35000"/>
+            </a:spcAft>
+            <a:buNone/>
+          </a:pPr>
+          <a:r>
+            <a:rPr kumimoji="1" lang="en-US" altLang="ja-JP" sz="2200" kern="1200" dirty="0"/>
+            <a:t>(music21)</a:t>
+          </a:r>
+          <a:endParaRPr kumimoji="1" lang="ja-JP" altLang="en-US" sz="2200" kern="1200" dirty="0"/>
         </a:p>
       </dsp:txBody>
       <dsp:txXfrm>
@@ -2513,7 +2570,7 @@
       <dsp:spPr>
         <a:xfrm>
           <a:off x="7771043" y="2791320"/>
-          <a:ext cx="485952" cy="91440"/>
+          <a:ext cx="382619" cy="91440"/>
         </a:xfrm>
         <a:custGeom>
           <a:avLst/>
@@ -2527,7 +2584,13 @@
                 <a:pt x="0" y="45720"/>
               </a:moveTo>
               <a:lnTo>
-                <a:pt x="485952" y="45720"/>
+                <a:pt x="208409" y="45720"/>
+              </a:lnTo>
+              <a:lnTo>
+                <a:pt x="208409" y="55368"/>
+              </a:lnTo>
+              <a:lnTo>
+                <a:pt x="382619" y="55368"/>
               </a:lnTo>
             </a:path>
           </a:pathLst>
@@ -2582,8 +2645,8 @@
         </a:p>
       </dsp:txBody>
       <dsp:txXfrm>
-        <a:off x="8001105" y="2834457"/>
-        <a:ext cx="25827" cy="5165"/>
+        <a:off x="7952019" y="2834457"/>
+        <a:ext cx="20666" cy="5165"/>
       </dsp:txXfrm>
     </dsp:sp>
     <dsp:sp modelId="{4AE0AFB3-1C69-4F98-9AD8-CCCB2E80AE5D}">
@@ -2659,7 +2722,7 @@
           </a:r>
           <a:r>
             <a:rPr kumimoji="1" lang="ja-JP" altLang="en-US" sz="2200" kern="1200" dirty="0"/>
-            <a:t>データ</a:t>
+            <a:t>ファイル</a:t>
           </a:r>
           <a:endParaRPr kumimoji="1" lang="en-US" altLang="ja-JP" sz="2200" kern="1200" dirty="0"/>
         </a:p>
@@ -2695,7 +2758,7 @@
       </dsp:nvSpPr>
       <dsp:spPr>
         <a:xfrm>
-          <a:off x="8289395" y="2163276"/>
+          <a:off x="8186062" y="2172924"/>
           <a:ext cx="2245880" cy="1347528"/>
         </a:xfrm>
         <a:prstGeom prst="rect">
@@ -2752,12 +2815,30 @@
           </a:pPr>
           <a:r>
             <a:rPr kumimoji="1" lang="en-US" altLang="ja-JP" sz="2200" kern="1200" dirty="0"/>
-            <a:t>mp3</a:t>
+            <a:t>Mp3</a:t>
+          </a:r>
+        </a:p>
+        <a:p>
+          <a:pPr marL="0" lvl="0" indent="0" algn="ctr" defTabSz="977900">
+            <a:lnSpc>
+              <a:spcPct val="90000"/>
+            </a:lnSpc>
+            <a:spcBef>
+              <a:spcPct val="0"/>
+            </a:spcBef>
+            <a:spcAft>
+              <a:spcPct val="35000"/>
+            </a:spcAft>
+            <a:buNone/>
+          </a:pPr>
+          <a:r>
+            <a:rPr kumimoji="1" lang="en-US" altLang="ja-JP" sz="2200" kern="1200" dirty="0"/>
+            <a:t>(wav)</a:t>
           </a:r>
         </a:p>
       </dsp:txBody>
       <dsp:txXfrm>
-        <a:off x="8289395" y="2163276"/>
+        <a:off x="8186062" y="2172924"/>
         <a:ext cx="2245880" cy="1347528"/>
       </dsp:txXfrm>
     </dsp:sp>
@@ -4069,7 +4150,7 @@
           <a:p>
             <a:fld id="{CFE7C3F7-5C92-45C1-81B6-3020317CA2CB}" type="datetimeFigureOut">
               <a:rPr kumimoji="1" lang="ja-JP" altLang="en-US" smtClean="0"/>
-              <a:t>2022/1/24</a:t>
+              <a:t>2022/1/26</a:t>
             </a:fld>
             <a:endParaRPr kumimoji="1" lang="ja-JP" altLang="en-US"/>
           </a:p>
@@ -4512,6 +4593,252 @@
 </p:notes>
 </file>
 
+<file path=ppt/notesSlides/notesSlide10.xml><?xml version="1.0" encoding="utf-8"?>
+<p:notes xmlns:a="http://schemas.openxmlformats.org/drawingml/2006/main" xmlns:r="http://schemas.openxmlformats.org/officeDocument/2006/relationships" xmlns:p="http://schemas.openxmlformats.org/presentationml/2006/main">
+  <p:cSld>
+    <p:spTree>
+      <p:nvGrpSpPr>
+        <p:cNvPr id="1" name=""/>
+        <p:cNvGrpSpPr/>
+        <p:nvPr/>
+      </p:nvGrpSpPr>
+      <p:grpSpPr>
+        <a:xfrm>
+          <a:off x="0" y="0"/>
+          <a:ext cx="0" cy="0"/>
+          <a:chOff x="0" y="0"/>
+          <a:chExt cx="0" cy="0"/>
+        </a:xfrm>
+      </p:grpSpPr>
+      <p:sp>
+        <p:nvSpPr>
+          <p:cNvPr id="2" name="スライド イメージ プレースホルダー 1"/>
+          <p:cNvSpPr>
+            <a:spLocks noGrp="1" noRot="1" noChangeAspect="1"/>
+          </p:cNvSpPr>
+          <p:nvPr>
+            <p:ph type="sldImg"/>
+          </p:nvPr>
+        </p:nvSpPr>
+        <p:spPr/>
+      </p:sp>
+      <p:sp>
+        <p:nvSpPr>
+          <p:cNvPr id="3" name="ノート プレースホルダー 2"/>
+          <p:cNvSpPr>
+            <a:spLocks noGrp="1"/>
+          </p:cNvSpPr>
+          <p:nvPr>
+            <p:ph type="body" idx="1"/>
+          </p:nvPr>
+        </p:nvSpPr>
+        <p:spPr/>
+        <p:txBody>
+          <a:bodyPr/>
+          <a:lstStyle/>
+          <a:p>
+            <a:r>
+              <a:rPr lang="ja-JP" altLang="en-US" sz="1200" dirty="0"/>
+              <a:t>・伴奏を加えてより音楽風に近づける。</a:t>
+            </a:r>
+            <a:endParaRPr lang="en-US" altLang="ja-JP" sz="1200" dirty="0"/>
+          </a:p>
+          <a:p>
+            <a:pPr marL="0" marR="0" lvl="0" indent="0" algn="l" defTabSz="914400" rtl="0" eaLnBrk="1" fontAlgn="auto" latinLnBrk="0" hangingPunct="1">
+              <a:lnSpc>
+                <a:spcPct val="100000"/>
+              </a:lnSpc>
+              <a:spcBef>
+                <a:spcPts val="0"/>
+              </a:spcBef>
+              <a:spcAft>
+                <a:spcPts val="0"/>
+              </a:spcAft>
+              <a:buClrTx/>
+              <a:buSzTx/>
+              <a:buFontTx/>
+              <a:buNone/>
+              <a:tabLst/>
+              <a:defRPr/>
+            </a:pPr>
+            <a:r>
+              <a:rPr lang="ja-JP" altLang="en-US" sz="1200" dirty="0"/>
+              <a:t>・</a:t>
+            </a:r>
+            <a:r>
+              <a:rPr lang="ja-JP" altLang="en-US" dirty="0"/>
+              <a:t>事前に用意した</a:t>
+            </a:r>
+            <a:r>
+              <a:rPr lang="en-US" altLang="ja-JP" dirty="0"/>
+              <a:t>MIDI</a:t>
+            </a:r>
+            <a:r>
+              <a:rPr lang="ja-JP" altLang="en-US" dirty="0"/>
+              <a:t>ファイルが読みこめない</a:t>
+            </a:r>
+            <a:r>
+              <a:rPr lang="en-US" altLang="ja-JP" dirty="0"/>
+              <a:t>(</a:t>
+            </a:r>
+            <a:r>
+              <a:rPr lang="ja-JP" altLang="en-US" dirty="0"/>
+              <a:t>ピアノ演奏のみでしか使えない</a:t>
+            </a:r>
+            <a:r>
+              <a:rPr lang="en-US" altLang="ja-JP" dirty="0"/>
+              <a:t>)</a:t>
+            </a:r>
+          </a:p>
+          <a:p>
+            <a:pPr marL="0" marR="0" lvl="0" indent="0" algn="l" defTabSz="914400" rtl="0" eaLnBrk="1" fontAlgn="auto" latinLnBrk="0" hangingPunct="1">
+              <a:lnSpc>
+                <a:spcPct val="100000"/>
+              </a:lnSpc>
+              <a:spcBef>
+                <a:spcPts val="0"/>
+              </a:spcBef>
+              <a:spcAft>
+                <a:spcPts val="0"/>
+              </a:spcAft>
+              <a:buClrTx/>
+              <a:buSzTx/>
+              <a:buFontTx/>
+              <a:buNone/>
+              <a:tabLst/>
+              <a:defRPr/>
+            </a:pPr>
+            <a:r>
+              <a:rPr kumimoji="1" lang="ja-JP" altLang="en-US" sz="1200" dirty="0"/>
+              <a:t>・</a:t>
+            </a:r>
+          </a:p>
+        </p:txBody>
+      </p:sp>
+      <p:sp>
+        <p:nvSpPr>
+          <p:cNvPr id="4" name="スライド番号プレースホルダー 3"/>
+          <p:cNvSpPr>
+            <a:spLocks noGrp="1"/>
+          </p:cNvSpPr>
+          <p:nvPr>
+            <p:ph type="sldNum" sz="quarter" idx="5"/>
+          </p:nvPr>
+        </p:nvSpPr>
+        <p:spPr/>
+        <p:txBody>
+          <a:bodyPr/>
+          <a:lstStyle/>
+          <a:p>
+            <a:fld id="{FD808316-81CD-4B36-BDD1-D6460C124C29}" type="slidenum">
+              <a:rPr kumimoji="1" lang="ja-JP" altLang="en-US" smtClean="0"/>
+              <a:t>11</a:t>
+            </a:fld>
+            <a:endParaRPr kumimoji="1" lang="ja-JP" altLang="en-US"/>
+          </a:p>
+        </p:txBody>
+      </p:sp>
+    </p:spTree>
+    <p:extLst>
+      <p:ext uri="{BB962C8B-B14F-4D97-AF65-F5344CB8AC3E}">
+        <p14:creationId xmlns:p14="http://schemas.microsoft.com/office/powerpoint/2010/main" val="203302926"/>
+      </p:ext>
+    </p:extLst>
+  </p:cSld>
+  <p:clrMapOvr>
+    <a:masterClrMapping/>
+  </p:clrMapOvr>
+</p:notes>
+</file>
+
+<file path=ppt/notesSlides/notesSlide11.xml><?xml version="1.0" encoding="utf-8"?>
+<p:notes xmlns:a="http://schemas.openxmlformats.org/drawingml/2006/main" xmlns:r="http://schemas.openxmlformats.org/officeDocument/2006/relationships" xmlns:p="http://schemas.openxmlformats.org/presentationml/2006/main">
+  <p:cSld>
+    <p:spTree>
+      <p:nvGrpSpPr>
+        <p:cNvPr id="1" name=""/>
+        <p:cNvGrpSpPr/>
+        <p:nvPr/>
+      </p:nvGrpSpPr>
+      <p:grpSpPr>
+        <a:xfrm>
+          <a:off x="0" y="0"/>
+          <a:ext cx="0" cy="0"/>
+          <a:chOff x="0" y="0"/>
+          <a:chExt cx="0" cy="0"/>
+        </a:xfrm>
+      </p:grpSpPr>
+      <p:sp>
+        <p:nvSpPr>
+          <p:cNvPr id="2" name="スライド イメージ プレースホルダー 1"/>
+          <p:cNvSpPr>
+            <a:spLocks noGrp="1" noRot="1" noChangeAspect="1"/>
+          </p:cNvSpPr>
+          <p:nvPr>
+            <p:ph type="sldImg"/>
+          </p:nvPr>
+        </p:nvSpPr>
+        <p:spPr/>
+      </p:sp>
+      <p:sp>
+        <p:nvSpPr>
+          <p:cNvPr id="3" name="ノート プレースホルダー 2"/>
+          <p:cNvSpPr>
+            <a:spLocks noGrp="1"/>
+          </p:cNvSpPr>
+          <p:nvPr>
+            <p:ph type="body" idx="1"/>
+          </p:nvPr>
+        </p:nvSpPr>
+        <p:spPr/>
+        <p:txBody>
+          <a:bodyPr/>
+          <a:lstStyle/>
+          <a:p>
+            <a:r>
+              <a:rPr lang="ja-JP" altLang="en-US" sz="1200" b="1" dirty="0"/>
+              <a:t>ご清聴ありがとうございました</a:t>
+            </a:r>
+            <a:endParaRPr kumimoji="1" lang="ja-JP" altLang="en-US" dirty="0"/>
+          </a:p>
+        </p:txBody>
+      </p:sp>
+      <p:sp>
+        <p:nvSpPr>
+          <p:cNvPr id="4" name="スライド番号プレースホルダー 3"/>
+          <p:cNvSpPr>
+            <a:spLocks noGrp="1"/>
+          </p:cNvSpPr>
+          <p:nvPr>
+            <p:ph type="sldNum" sz="quarter" idx="5"/>
+          </p:nvPr>
+        </p:nvSpPr>
+        <p:spPr/>
+        <p:txBody>
+          <a:bodyPr/>
+          <a:lstStyle/>
+          <a:p>
+            <a:fld id="{FD808316-81CD-4B36-BDD1-D6460C124C29}" type="slidenum">
+              <a:rPr kumimoji="1" lang="ja-JP" altLang="en-US" smtClean="0"/>
+              <a:t>14</a:t>
+            </a:fld>
+            <a:endParaRPr kumimoji="1" lang="ja-JP" altLang="en-US"/>
+          </a:p>
+        </p:txBody>
+      </p:sp>
+    </p:spTree>
+    <p:extLst>
+      <p:ext uri="{BB962C8B-B14F-4D97-AF65-F5344CB8AC3E}">
+        <p14:creationId xmlns:p14="http://schemas.microsoft.com/office/powerpoint/2010/main" val="895368357"/>
+      </p:ext>
+    </p:extLst>
+  </p:cSld>
+  <p:clrMapOvr>
+    <a:masterClrMapping/>
+  </p:clrMapOvr>
+</p:notes>
+</file>
+
 <file path=ppt/notesSlides/notesSlide2.xml><?xml version="1.0" encoding="utf-8"?>
 <p:notes xmlns:a="http://schemas.openxmlformats.org/drawingml/2006/main" xmlns:r="http://schemas.openxmlformats.org/officeDocument/2006/relationships" xmlns:p="http://schemas.openxmlformats.org/presentationml/2006/main">
   <p:cSld>
@@ -4557,20 +4884,8 @@
           <a:lstStyle/>
           <a:p>
             <a:r>
-              <a:rPr kumimoji="1" lang="en-US" altLang="ja-JP" dirty="0"/>
-              <a:t>bit composer </a:t>
-            </a:r>
-            <a:r>
               <a:rPr kumimoji="1" lang="ja-JP" altLang="en-US" dirty="0"/>
-              <a:t>とは</a:t>
-            </a:r>
-            <a:r>
-              <a:rPr kumimoji="1" lang="en-US" altLang="ja-JP" dirty="0"/>
-              <a:t>AI</a:t>
-            </a:r>
-            <a:r>
-              <a:rPr kumimoji="1" lang="ja-JP" altLang="en-US" dirty="0"/>
-              <a:t>を使った自動作曲アプリです。ゲーム音楽をイメージできるような曲を作曲します。</a:t>
+              <a:t>以下の通りに説明します</a:t>
             </a:r>
           </a:p>
         </p:txBody>
@@ -4592,7 +4907,7 @@
           <a:p>
             <a:fld id="{FD808316-81CD-4B36-BDD1-D6460C124C29}" type="slidenum">
               <a:rPr kumimoji="1" lang="ja-JP" altLang="en-US" smtClean="0"/>
-              <a:t>3</a:t>
+              <a:t>2</a:t>
             </a:fld>
             <a:endParaRPr kumimoji="1" lang="ja-JP" altLang="en-US"/>
           </a:p>
@@ -4601,7 +4916,7 @@
     </p:spTree>
     <p:extLst>
       <p:ext uri="{BB962C8B-B14F-4D97-AF65-F5344CB8AC3E}">
-        <p14:creationId xmlns:p14="http://schemas.microsoft.com/office/powerpoint/2010/main" val="3241431223"/>
+        <p14:creationId xmlns:p14="http://schemas.microsoft.com/office/powerpoint/2010/main" val="2022380420"/>
       </p:ext>
     </p:extLst>
   </p:cSld>
@@ -4657,53 +4972,27 @@
           <a:p>
             <a:r>
               <a:rPr kumimoji="1" lang="en-US" altLang="ja-JP" dirty="0"/>
-              <a:t>Web</a:t>
+              <a:t>bit composer </a:t>
             </a:r>
             <a:r>
               <a:rPr kumimoji="1" lang="ja-JP" altLang="en-US" dirty="0"/>
-              <a:t>アプリケーションとして</a:t>
-            </a:r>
-            <a:r>
-              <a:rPr kumimoji="1" lang="ja-JP" altLang="en-US" sz="1200" b="0" i="0" kern="1200" dirty="0">
-                <a:solidFill>
-                  <a:schemeClr val="tx1"/>
-                </a:solidFill>
-                <a:effectLst/>
-                <a:latin typeface="+mn-lt"/>
-                <a:ea typeface="+mn-ea"/>
-                <a:cs typeface="+mn-cs"/>
-              </a:rPr>
-              <a:t>ローカル</a:t>
-            </a:r>
-            <a:r>
-              <a:rPr kumimoji="1" lang="en-US" altLang="ja-JP" sz="1200" b="0" i="0" kern="1200" dirty="0">
-                <a:solidFill>
-                  <a:schemeClr val="tx1"/>
-                </a:solidFill>
-                <a:effectLst/>
-                <a:latin typeface="+mn-lt"/>
-                <a:ea typeface="+mn-ea"/>
-                <a:cs typeface="+mn-cs"/>
-              </a:rPr>
-              <a:t>IP</a:t>
-            </a:r>
-            <a:r>
-              <a:rPr kumimoji="1" lang="ja-JP" altLang="en-US" sz="1200" b="0" i="0" kern="1200" dirty="0">
-                <a:solidFill>
-                  <a:schemeClr val="tx1"/>
-                </a:solidFill>
-                <a:effectLst/>
-                <a:latin typeface="+mn-lt"/>
-                <a:ea typeface="+mn-ea"/>
-                <a:cs typeface="+mn-cs"/>
-              </a:rPr>
-              <a:t>アドレスを</a:t>
+              <a:t>とは</a:t>
+            </a:r>
+            <a:r>
+              <a:rPr kumimoji="1" lang="en-US" altLang="ja-JP" dirty="0"/>
+              <a:t>AI</a:t>
             </a:r>
             <a:r>
               <a:rPr kumimoji="1" lang="ja-JP" altLang="en-US" dirty="0"/>
-              <a:t>公開しているのでユーザはサーバにアクセスしてアプリケーションを使います。</a:t>
+              <a:t>を使ったゲーム音楽風の曲を作曲するアプリです。</a:t>
             </a:r>
             <a:endParaRPr kumimoji="1" lang="en-US" altLang="ja-JP" dirty="0"/>
+          </a:p>
+          <a:p>
+            <a:r>
+              <a:rPr kumimoji="1" lang="ja-JP" altLang="en-US" dirty="0"/>
+              <a:t>音楽初心者でも簡単に作曲出来るのが特徴です。</a:t>
+            </a:r>
           </a:p>
         </p:txBody>
       </p:sp>
@@ -4724,7 +5013,7 @@
           <a:p>
             <a:fld id="{FD808316-81CD-4B36-BDD1-D6460C124C29}" type="slidenum">
               <a:rPr kumimoji="1" lang="ja-JP" altLang="en-US" smtClean="0"/>
-              <a:t>5</a:t>
+              <a:t>3</a:t>
             </a:fld>
             <a:endParaRPr kumimoji="1" lang="ja-JP" altLang="en-US"/>
           </a:p>
@@ -4733,7 +5022,7 @@
     </p:spTree>
     <p:extLst>
       <p:ext uri="{BB962C8B-B14F-4D97-AF65-F5344CB8AC3E}">
-        <p14:creationId xmlns:p14="http://schemas.microsoft.com/office/powerpoint/2010/main" val="810124780"/>
+        <p14:creationId xmlns:p14="http://schemas.microsoft.com/office/powerpoint/2010/main" val="3241431223"/>
       </p:ext>
     </p:extLst>
   </p:cSld>
@@ -4788,51 +5077,49 @@
           <a:lstStyle/>
           <a:p>
             <a:r>
+              <a:rPr lang="en-US" altLang="ja-JP" sz="1200" b="1" dirty="0"/>
+              <a:t>b</a:t>
+            </a:r>
+            <a:r>
+              <a:rPr kumimoji="1" lang="en-US" altLang="ja-JP" sz="1200" b="1" dirty="0"/>
+              <a:t>it composer</a:t>
+            </a:r>
+            <a:r>
+              <a:rPr kumimoji="1" lang="ja-JP" altLang="en-US" sz="1200" b="1" dirty="0"/>
+              <a:t>の機能</a:t>
+            </a:r>
+            <a:endParaRPr kumimoji="1" lang="en-US" altLang="ja-JP" sz="1200" b="1" dirty="0"/>
+          </a:p>
+          <a:p>
+            <a:pPr algn="l"/>
+            <a:r>
+              <a:rPr kumimoji="1" lang="ja-JP" altLang="en-US" sz="1200" dirty="0"/>
+              <a:t> 鍵盤から音楽データを</a:t>
+            </a:r>
+            <a:r>
+              <a:rPr kumimoji="1" lang="en-US" altLang="ja-JP" sz="1200" dirty="0"/>
+              <a:t>AI</a:t>
+            </a:r>
+            <a:r>
+              <a:rPr kumimoji="1" lang="ja-JP" altLang="en-US" sz="1200" dirty="0"/>
+              <a:t>のサーバに送信してオリジナルのゲーム音楽風の</a:t>
+            </a:r>
+            <a:r>
               <a:rPr lang="ja-JP" altLang="en-US" sz="1200" dirty="0"/>
-              <a:t>どうやって作曲させるのかというと</a:t>
+              <a:t>曲を聴いたり</a:t>
             </a:r>
             <a:endParaRPr lang="en-US" altLang="ja-JP" sz="1200" dirty="0"/>
           </a:p>
           <a:p>
+            <a:pPr algn="l"/>
             <a:r>
               <a:rPr lang="ja-JP" altLang="en-US" sz="1200" dirty="0"/>
-              <a:t>リカレントニューラルネットワーク</a:t>
-            </a:r>
-            <a:r>
-              <a:rPr lang="en-US" altLang="ja-JP" sz="1200" dirty="0"/>
-              <a:t>(RNN)</a:t>
-            </a:r>
-            <a:r>
-              <a:rPr lang="ja-JP" altLang="en-US" sz="1200" dirty="0"/>
-              <a:t>で学習をさせた</a:t>
-            </a:r>
-            <a:r>
-              <a:rPr lang="en-US" altLang="ja-JP" sz="1200" dirty="0"/>
-              <a:t>AI</a:t>
-            </a:r>
-            <a:r>
-              <a:rPr lang="ja-JP" altLang="en-US" sz="1200" dirty="0"/>
-              <a:t>で作曲をします。</a:t>
-            </a:r>
-            <a:endParaRPr lang="en-US" altLang="ja-JP" sz="1200" dirty="0"/>
-          </a:p>
-          <a:p>
-            <a:r>
-              <a:rPr lang="en-US" altLang="ja-JP" sz="1200" dirty="0"/>
-              <a:t>RNN</a:t>
-            </a:r>
-            <a:r>
-              <a:rPr lang="ja-JP" altLang="en-US" sz="1200" dirty="0"/>
-              <a:t>は時系列ごとデータを学習させることができることが特徴です。</a:t>
-            </a:r>
-            <a:endParaRPr lang="en-US" altLang="ja-JP" sz="1200" dirty="0"/>
-          </a:p>
-          <a:p>
-            <a:r>
-              <a:rPr lang="ja-JP" altLang="en-US" sz="1200" dirty="0"/>
-              <a:t>自然言語処理の単語の予測でよく使われます。</a:t>
-            </a:r>
-            <a:endParaRPr lang="en-US" altLang="ja-JP" sz="1200" dirty="0"/>
+              <a:t>・曲をダウンロードできる</a:t>
+            </a:r>
+            <a:endParaRPr kumimoji="1" lang="ja-JP" altLang="en-US" sz="1200" dirty="0"/>
+          </a:p>
+          <a:p>
+            <a:endParaRPr kumimoji="1" lang="ja-JP" altLang="en-US" dirty="0"/>
           </a:p>
         </p:txBody>
       </p:sp>
@@ -4853,7 +5140,7 @@
           <a:p>
             <a:fld id="{FD808316-81CD-4B36-BDD1-D6460C124C29}" type="slidenum">
               <a:rPr kumimoji="1" lang="ja-JP" altLang="en-US" smtClean="0"/>
-              <a:t>7</a:t>
+              <a:t>4</a:t>
             </a:fld>
             <a:endParaRPr kumimoji="1" lang="ja-JP" altLang="en-US"/>
           </a:p>
@@ -4862,7 +5149,7 @@
     </p:spTree>
     <p:extLst>
       <p:ext uri="{BB962C8B-B14F-4D97-AF65-F5344CB8AC3E}">
-        <p14:creationId xmlns:p14="http://schemas.microsoft.com/office/powerpoint/2010/main" val="3280372040"/>
+        <p14:creationId xmlns:p14="http://schemas.microsoft.com/office/powerpoint/2010/main" val="1695418619"/>
       </p:ext>
     </p:extLst>
   </p:cSld>
@@ -4916,71 +5203,7 @@
           <a:bodyPr/>
           <a:lstStyle/>
           <a:p>
-            <a:r>
-              <a:rPr kumimoji="1" lang="en-US" altLang="ja-JP" dirty="0"/>
-              <a:t>1 </a:t>
-            </a:r>
-            <a:r>
-              <a:rPr kumimoji="1" lang="ja-JP" altLang="en-US" dirty="0"/>
-              <a:t>作る</a:t>
-            </a:r>
-            <a:r>
-              <a:rPr kumimoji="1" lang="ja-JP" altLang="en-US" dirty="0" err="1"/>
-              <a:t>を</a:t>
-            </a:r>
-            <a:r>
-              <a:rPr kumimoji="1" lang="ja-JP" altLang="en-US" dirty="0"/>
-              <a:t>クリック</a:t>
-            </a:r>
-            <a:endParaRPr kumimoji="1" lang="en-US" altLang="ja-JP" dirty="0"/>
-          </a:p>
-          <a:p>
-            <a:r>
-              <a:rPr kumimoji="1" lang="en-US" altLang="ja-JP" dirty="0"/>
-              <a:t>2 </a:t>
-            </a:r>
-            <a:r>
-              <a:rPr kumimoji="1" lang="ja-JP" altLang="en-US" dirty="0"/>
-              <a:t>キーボードで鍵盤を弾いてください</a:t>
-            </a:r>
-            <a:endParaRPr kumimoji="1" lang="en-US" altLang="ja-JP" dirty="0"/>
-          </a:p>
-          <a:p>
-            <a:r>
-              <a:rPr kumimoji="1" lang="en-US" altLang="ja-JP" dirty="0"/>
-              <a:t>3</a:t>
-            </a:r>
-            <a:r>
-              <a:rPr kumimoji="1" lang="ja-JP" altLang="en-US" dirty="0"/>
-              <a:t>　送信ボタンを押したら</a:t>
-            </a:r>
-            <a:endParaRPr kumimoji="1" lang="en-US" altLang="ja-JP" dirty="0"/>
-          </a:p>
-          <a:p>
-            <a:r>
-              <a:rPr kumimoji="1" lang="en-US" altLang="ja-JP" dirty="0"/>
-              <a:t>4</a:t>
-            </a:r>
-            <a:r>
-              <a:rPr kumimoji="1" lang="ja-JP" altLang="en-US" dirty="0"/>
-              <a:t>　曲が流れます。</a:t>
-            </a:r>
-            <a:endParaRPr kumimoji="1" lang="en-US" altLang="ja-JP" dirty="0"/>
-          </a:p>
-          <a:p>
-            <a:r>
-              <a:rPr kumimoji="1" lang="ja-JP" altLang="en-US" dirty="0"/>
-              <a:t>注意</a:t>
-            </a:r>
-            <a:r>
-              <a:rPr kumimoji="1" lang="en-US" altLang="ja-JP" dirty="0"/>
-              <a:t>AI</a:t>
-            </a:r>
-            <a:r>
-              <a:rPr kumimoji="1" lang="ja-JP" altLang="en-US" dirty="0"/>
-              <a:t>が入っていなかった場合次のバージョンで入れる予定と発表</a:t>
-            </a:r>
-            <a:endParaRPr kumimoji="1" lang="en-US" altLang="ja-JP" dirty="0"/>
+            <a:endParaRPr kumimoji="1" lang="ja-JP" altLang="en-US" dirty="0"/>
           </a:p>
         </p:txBody>
       </p:sp>
@@ -5001,7 +5224,7 @@
           <a:p>
             <a:fld id="{FD808316-81CD-4B36-BDD1-D6460C124C29}" type="slidenum">
               <a:rPr kumimoji="1" lang="ja-JP" altLang="en-US" smtClean="0"/>
-              <a:t>10</a:t>
+              <a:t>5</a:t>
             </a:fld>
             <a:endParaRPr kumimoji="1" lang="ja-JP" altLang="en-US"/>
           </a:p>
@@ -5010,7 +5233,7 @@
     </p:spTree>
     <p:extLst>
       <p:ext uri="{BB962C8B-B14F-4D97-AF65-F5344CB8AC3E}">
-        <p14:creationId xmlns:p14="http://schemas.microsoft.com/office/powerpoint/2010/main" val="3836402520"/>
+        <p14:creationId xmlns:p14="http://schemas.microsoft.com/office/powerpoint/2010/main" val="133561700"/>
       </p:ext>
     </p:extLst>
   </p:cSld>
@@ -5065,80 +5288,25 @@
           <a:lstStyle/>
           <a:p>
             <a:r>
-              <a:rPr lang="ja-JP" altLang="en-US" sz="1200" dirty="0"/>
-              <a:t>・伴奏を加えてより音楽風に近づける。</a:t>
-            </a:r>
-            <a:endParaRPr lang="en-US" altLang="ja-JP" sz="1200" dirty="0"/>
-          </a:p>
-          <a:p>
-            <a:pPr marL="0" marR="0" lvl="0" indent="0" algn="l" defTabSz="914400" rtl="0" eaLnBrk="1" fontAlgn="auto" latinLnBrk="0" hangingPunct="1">
-              <a:lnSpc>
-                <a:spcPct val="100000"/>
-              </a:lnSpc>
-              <a:spcBef>
-                <a:spcPts val="0"/>
-              </a:spcBef>
-              <a:spcAft>
-                <a:spcPts val="0"/>
-              </a:spcAft>
-              <a:buClrTx/>
-              <a:buSzTx/>
-              <a:buFontTx/>
-              <a:buNone/>
-              <a:tabLst/>
-              <a:defRPr/>
-            </a:pPr>
-            <a:r>
-              <a:rPr lang="ja-JP" altLang="en-US" sz="1200" dirty="0"/>
-              <a:t>・</a:t>
-            </a:r>
-            <a:r>
-              <a:rPr lang="ja-JP" altLang="en-US" dirty="0"/>
-              <a:t>事前に用意した</a:t>
-            </a:r>
-            <a:r>
-              <a:rPr lang="en-US" altLang="ja-JP" dirty="0"/>
-              <a:t>MIDI</a:t>
-            </a:r>
-            <a:r>
-              <a:rPr lang="ja-JP" altLang="en-US" dirty="0"/>
-              <a:t>ファイルが読みこめない</a:t>
-            </a:r>
-            <a:r>
-              <a:rPr lang="en-US" altLang="ja-JP" dirty="0"/>
-              <a:t>(</a:t>
-            </a:r>
-            <a:r>
-              <a:rPr lang="ja-JP" altLang="en-US" dirty="0"/>
-              <a:t>ピアノ演奏のみでしか使えない</a:t>
-            </a:r>
-            <a:r>
-              <a:rPr lang="en-US" altLang="ja-JP" dirty="0"/>
-              <a:t>)</a:t>
-            </a:r>
-          </a:p>
-          <a:p>
-            <a:pPr marL="0" marR="0" lvl="0" indent="0" algn="l" defTabSz="914400" rtl="0" eaLnBrk="1" fontAlgn="auto" latinLnBrk="0" hangingPunct="1">
-              <a:lnSpc>
-                <a:spcPct val="100000"/>
-              </a:lnSpc>
-              <a:spcBef>
-                <a:spcPts val="0"/>
-              </a:spcBef>
-              <a:spcAft>
-                <a:spcPts val="0"/>
-              </a:spcAft>
-              <a:buClrTx/>
-              <a:buSzTx/>
-              <a:buFontTx/>
-              <a:buNone/>
-              <a:tabLst/>
-              <a:defRPr/>
-            </a:pPr>
-            <a:r>
-              <a:rPr kumimoji="1" lang="ja-JP" altLang="en-US" sz="1200" dirty="0"/>
-              <a:t>・</a:t>
-            </a:r>
+              <a:rPr kumimoji="1" lang="en-US" altLang="ja-JP" dirty="0"/>
+              <a:t>Web</a:t>
+            </a:r>
+            <a:r>
+              <a:rPr kumimoji="1" lang="ja-JP" altLang="en-US" dirty="0"/>
+              <a:t>サーバを公開しているのでユーザーは</a:t>
+            </a:r>
+            <a:r>
+              <a:rPr kumimoji="1" lang="en-US" altLang="ja-JP" dirty="0"/>
+              <a:t>URL</a:t>
+            </a:r>
+            <a:r>
+              <a:rPr kumimoji="1" lang="ja-JP" altLang="en-US" dirty="0"/>
+              <a:t>から参加できます。</a:t>
+            </a:r>
+            <a:endParaRPr kumimoji="1" lang="en-US" altLang="ja-JP" dirty="0"/>
+          </a:p>
+          <a:p>
+            <a:endParaRPr kumimoji="1" lang="en-US" altLang="ja-JP" dirty="0"/>
           </a:p>
         </p:txBody>
       </p:sp>
@@ -5159,7 +5327,7 @@
           <a:p>
             <a:fld id="{FD808316-81CD-4B36-BDD1-D6460C124C29}" type="slidenum">
               <a:rPr kumimoji="1" lang="ja-JP" altLang="en-US" smtClean="0"/>
-              <a:t>12</a:t>
+              <a:t>6</a:t>
             </a:fld>
             <a:endParaRPr kumimoji="1" lang="ja-JP" altLang="en-US"/>
           </a:p>
@@ -5168,7 +5336,7 @@
     </p:spTree>
     <p:extLst>
       <p:ext uri="{BB962C8B-B14F-4D97-AF65-F5344CB8AC3E}">
-        <p14:creationId xmlns:p14="http://schemas.microsoft.com/office/powerpoint/2010/main" val="203302926"/>
+        <p14:creationId xmlns:p14="http://schemas.microsoft.com/office/powerpoint/2010/main" val="810124780"/>
       </p:ext>
     </p:extLst>
   </p:cSld>
@@ -5223,10 +5391,51 @@
           <a:lstStyle/>
           <a:p>
             <a:r>
-              <a:rPr lang="ja-JP" altLang="en-US" sz="1200" b="1" dirty="0"/>
-              <a:t>ご清聴ありがとうございました</a:t>
-            </a:r>
-            <a:endParaRPr kumimoji="1" lang="ja-JP" altLang="en-US" dirty="0"/>
+              <a:rPr lang="ja-JP" altLang="en-US" sz="1200" dirty="0"/>
+              <a:t>どうやって作曲させるのかというと</a:t>
+            </a:r>
+            <a:endParaRPr lang="en-US" altLang="ja-JP" sz="1200" dirty="0"/>
+          </a:p>
+          <a:p>
+            <a:r>
+              <a:rPr lang="ja-JP" altLang="en-US" sz="1200" dirty="0"/>
+              <a:t>リカレントニューラルネットワーク</a:t>
+            </a:r>
+            <a:r>
+              <a:rPr lang="en-US" altLang="ja-JP" sz="1200" dirty="0"/>
+              <a:t>(RNN)</a:t>
+            </a:r>
+            <a:r>
+              <a:rPr lang="ja-JP" altLang="en-US" sz="1200" dirty="0"/>
+              <a:t>で学習をさせた</a:t>
+            </a:r>
+            <a:r>
+              <a:rPr lang="en-US" altLang="ja-JP" sz="1200" dirty="0"/>
+              <a:t>AI</a:t>
+            </a:r>
+            <a:r>
+              <a:rPr lang="ja-JP" altLang="en-US" sz="1200" dirty="0"/>
+              <a:t>で作曲をします。</a:t>
+            </a:r>
+            <a:endParaRPr lang="en-US" altLang="ja-JP" sz="1200" dirty="0"/>
+          </a:p>
+          <a:p>
+            <a:r>
+              <a:rPr lang="en-US" altLang="ja-JP" sz="1200" dirty="0"/>
+              <a:t>RNN</a:t>
+            </a:r>
+            <a:r>
+              <a:rPr lang="ja-JP" altLang="en-US" sz="1200" dirty="0"/>
+              <a:t>は時系列ごとデータを学習させることができることが特徴です。</a:t>
+            </a:r>
+            <a:endParaRPr lang="en-US" altLang="ja-JP" sz="1200" dirty="0"/>
+          </a:p>
+          <a:p>
+            <a:r>
+              <a:rPr lang="ja-JP" altLang="en-US" sz="1200" dirty="0"/>
+              <a:t>自然言語処理の単語の予測でよく使われます。</a:t>
+            </a:r>
+            <a:endParaRPr lang="en-US" altLang="ja-JP" sz="1200" dirty="0"/>
           </a:p>
         </p:txBody>
       </p:sp>
@@ -5247,7 +5456,7 @@
           <a:p>
             <a:fld id="{FD808316-81CD-4B36-BDD1-D6460C124C29}" type="slidenum">
               <a:rPr kumimoji="1" lang="ja-JP" altLang="en-US" smtClean="0"/>
-              <a:t>14</a:t>
+              <a:t>7</a:t>
             </a:fld>
             <a:endParaRPr kumimoji="1" lang="ja-JP" altLang="en-US"/>
           </a:p>
@@ -5256,7 +5465,274 @@
     </p:spTree>
     <p:extLst>
       <p:ext uri="{BB962C8B-B14F-4D97-AF65-F5344CB8AC3E}">
-        <p14:creationId xmlns:p14="http://schemas.microsoft.com/office/powerpoint/2010/main" val="895368357"/>
+        <p14:creationId xmlns:p14="http://schemas.microsoft.com/office/powerpoint/2010/main" val="3280372040"/>
+      </p:ext>
+    </p:extLst>
+  </p:cSld>
+  <p:clrMapOvr>
+    <a:masterClrMapping/>
+  </p:clrMapOvr>
+</p:notes>
+</file>
+
+<file path=ppt/notesSlides/notesSlide8.xml><?xml version="1.0" encoding="utf-8"?>
+<p:notes xmlns:a="http://schemas.openxmlformats.org/drawingml/2006/main" xmlns:r="http://schemas.openxmlformats.org/officeDocument/2006/relationships" xmlns:p="http://schemas.openxmlformats.org/presentationml/2006/main">
+  <p:cSld>
+    <p:spTree>
+      <p:nvGrpSpPr>
+        <p:cNvPr id="1" name=""/>
+        <p:cNvGrpSpPr/>
+        <p:nvPr/>
+      </p:nvGrpSpPr>
+      <p:grpSpPr>
+        <a:xfrm>
+          <a:off x="0" y="0"/>
+          <a:ext cx="0" cy="0"/>
+          <a:chOff x="0" y="0"/>
+          <a:chExt cx="0" cy="0"/>
+        </a:xfrm>
+      </p:grpSpPr>
+      <p:sp>
+        <p:nvSpPr>
+          <p:cNvPr id="2" name="スライド イメージ プレースホルダー 1"/>
+          <p:cNvSpPr>
+            <a:spLocks noGrp="1" noRot="1" noChangeAspect="1"/>
+          </p:cNvSpPr>
+          <p:nvPr>
+            <p:ph type="sldImg"/>
+          </p:nvPr>
+        </p:nvSpPr>
+        <p:spPr/>
+      </p:sp>
+      <p:sp>
+        <p:nvSpPr>
+          <p:cNvPr id="3" name="ノート プレースホルダー 2"/>
+          <p:cNvSpPr>
+            <a:spLocks noGrp="1"/>
+          </p:cNvSpPr>
+          <p:nvPr>
+            <p:ph type="body" idx="1"/>
+          </p:nvPr>
+        </p:nvSpPr>
+        <p:spPr/>
+        <p:txBody>
+          <a:bodyPr/>
+          <a:lstStyle/>
+          <a:p>
+            <a:r>
+              <a:rPr kumimoji="1" lang="ja-JP" altLang="en-US" dirty="0"/>
+              <a:t>送信されて</a:t>
+            </a:r>
+            <a:r>
+              <a:rPr kumimoji="1" lang="en-US" altLang="ja-JP" dirty="0" err="1"/>
+              <a:t>abc</a:t>
+            </a:r>
+            <a:r>
+              <a:rPr kumimoji="1" lang="ja-JP" altLang="en-US" dirty="0"/>
+              <a:t>記法から数値データに変換して</a:t>
+            </a:r>
+            <a:r>
+              <a:rPr kumimoji="1" lang="en-US" altLang="ja-JP" dirty="0"/>
+              <a:t>AI</a:t>
+            </a:r>
+            <a:r>
+              <a:rPr kumimoji="1" lang="ja-JP" altLang="en-US" dirty="0"/>
+              <a:t>で予測しその後</a:t>
+            </a:r>
+            <a:r>
+              <a:rPr kumimoji="1" lang="en-US" altLang="ja-JP" dirty="0"/>
+              <a:t>MIDI</a:t>
+            </a:r>
+            <a:r>
+              <a:rPr kumimoji="1" lang="ja-JP" altLang="en-US" dirty="0"/>
+              <a:t>データに変換して</a:t>
+            </a:r>
+            <a:r>
+              <a:rPr kumimoji="1" lang="en-US" altLang="ja-JP" dirty="0"/>
+              <a:t>MP3</a:t>
+            </a:r>
+            <a:r>
+              <a:rPr kumimoji="1" lang="ja-JP" altLang="en-US" dirty="0"/>
+              <a:t>等のファイルとして出力します。</a:t>
+            </a:r>
+          </a:p>
+        </p:txBody>
+      </p:sp>
+      <p:sp>
+        <p:nvSpPr>
+          <p:cNvPr id="4" name="スライド番号プレースホルダー 3"/>
+          <p:cNvSpPr>
+            <a:spLocks noGrp="1"/>
+          </p:cNvSpPr>
+          <p:nvPr>
+            <p:ph type="sldNum" sz="quarter" idx="5"/>
+          </p:nvPr>
+        </p:nvSpPr>
+        <p:spPr/>
+        <p:txBody>
+          <a:bodyPr/>
+          <a:lstStyle/>
+          <a:p>
+            <a:fld id="{FD808316-81CD-4B36-BDD1-D6460C124C29}" type="slidenum">
+              <a:rPr kumimoji="1" lang="ja-JP" altLang="en-US" smtClean="0"/>
+              <a:t>8</a:t>
+            </a:fld>
+            <a:endParaRPr kumimoji="1" lang="ja-JP" altLang="en-US"/>
+          </a:p>
+        </p:txBody>
+      </p:sp>
+    </p:spTree>
+    <p:extLst>
+      <p:ext uri="{BB962C8B-B14F-4D97-AF65-F5344CB8AC3E}">
+        <p14:creationId xmlns:p14="http://schemas.microsoft.com/office/powerpoint/2010/main" val="2525734282"/>
+      </p:ext>
+    </p:extLst>
+  </p:cSld>
+  <p:clrMapOvr>
+    <a:masterClrMapping/>
+  </p:clrMapOvr>
+</p:notes>
+</file>
+
+<file path=ppt/notesSlides/notesSlide9.xml><?xml version="1.0" encoding="utf-8"?>
+<p:notes xmlns:a="http://schemas.openxmlformats.org/drawingml/2006/main" xmlns:r="http://schemas.openxmlformats.org/officeDocument/2006/relationships" xmlns:p="http://schemas.openxmlformats.org/presentationml/2006/main">
+  <p:cSld>
+    <p:spTree>
+      <p:nvGrpSpPr>
+        <p:cNvPr id="1" name=""/>
+        <p:cNvGrpSpPr/>
+        <p:nvPr/>
+      </p:nvGrpSpPr>
+      <p:grpSpPr>
+        <a:xfrm>
+          <a:off x="0" y="0"/>
+          <a:ext cx="0" cy="0"/>
+          <a:chOff x="0" y="0"/>
+          <a:chExt cx="0" cy="0"/>
+        </a:xfrm>
+      </p:grpSpPr>
+      <p:sp>
+        <p:nvSpPr>
+          <p:cNvPr id="2" name="スライド イメージ プレースホルダー 1"/>
+          <p:cNvSpPr>
+            <a:spLocks noGrp="1" noRot="1" noChangeAspect="1"/>
+          </p:cNvSpPr>
+          <p:nvPr>
+            <p:ph type="sldImg"/>
+          </p:nvPr>
+        </p:nvSpPr>
+        <p:spPr/>
+      </p:sp>
+      <p:sp>
+        <p:nvSpPr>
+          <p:cNvPr id="3" name="ノート プレースホルダー 2"/>
+          <p:cNvSpPr>
+            <a:spLocks noGrp="1"/>
+          </p:cNvSpPr>
+          <p:nvPr>
+            <p:ph type="body" idx="1"/>
+          </p:nvPr>
+        </p:nvSpPr>
+        <p:spPr/>
+        <p:txBody>
+          <a:bodyPr/>
+          <a:lstStyle/>
+          <a:p>
+            <a:r>
+              <a:rPr kumimoji="1" lang="en-US" altLang="ja-JP" dirty="0"/>
+              <a:t>1 </a:t>
+            </a:r>
+            <a:r>
+              <a:rPr kumimoji="1" lang="ja-JP" altLang="en-US" dirty="0"/>
+              <a:t>作る</a:t>
+            </a:r>
+            <a:r>
+              <a:rPr kumimoji="1" lang="ja-JP" altLang="en-US" dirty="0" err="1"/>
+              <a:t>を</a:t>
+            </a:r>
+            <a:r>
+              <a:rPr kumimoji="1" lang="ja-JP" altLang="en-US" dirty="0"/>
+              <a:t>クリック</a:t>
+            </a:r>
+            <a:endParaRPr kumimoji="1" lang="en-US" altLang="ja-JP" dirty="0"/>
+          </a:p>
+          <a:p>
+            <a:r>
+              <a:rPr kumimoji="1" lang="en-US" altLang="ja-JP" dirty="0"/>
+              <a:t>2 </a:t>
+            </a:r>
+            <a:r>
+              <a:rPr kumimoji="1" lang="ja-JP" altLang="en-US" dirty="0"/>
+              <a:t>キーボードで鍵盤を弾いてください</a:t>
+            </a:r>
+            <a:endParaRPr kumimoji="1" lang="en-US" altLang="ja-JP" dirty="0"/>
+          </a:p>
+          <a:p>
+            <a:r>
+              <a:rPr kumimoji="1" lang="en-US" altLang="ja-JP" dirty="0"/>
+              <a:t>3</a:t>
+            </a:r>
+            <a:r>
+              <a:rPr kumimoji="1" lang="ja-JP" altLang="en-US" dirty="0"/>
+              <a:t>　送信ボタンを押したら</a:t>
+            </a:r>
+            <a:endParaRPr kumimoji="1" lang="en-US" altLang="ja-JP" dirty="0"/>
+          </a:p>
+          <a:p>
+            <a:r>
+              <a:rPr kumimoji="1" lang="en-US" altLang="ja-JP" dirty="0"/>
+              <a:t>4</a:t>
+            </a:r>
+            <a:r>
+              <a:rPr kumimoji="1" lang="ja-JP" altLang="en-US" dirty="0"/>
+              <a:t>　曲が流れます。</a:t>
+            </a:r>
+            <a:endParaRPr kumimoji="1" lang="en-US" altLang="ja-JP" dirty="0"/>
+          </a:p>
+          <a:p>
+            <a:r>
+              <a:rPr kumimoji="1" lang="ja-JP" altLang="en-US" dirty="0"/>
+              <a:t>注意</a:t>
+            </a:r>
+            <a:r>
+              <a:rPr kumimoji="1" lang="en-US" altLang="ja-JP" dirty="0"/>
+              <a:t>AI</a:t>
+            </a:r>
+            <a:r>
+              <a:rPr kumimoji="1" lang="ja-JP" altLang="en-US" dirty="0"/>
+              <a:t>が入っていなかった場合次のバージョンで入れる予定と発表</a:t>
+            </a:r>
+            <a:endParaRPr kumimoji="1" lang="en-US" altLang="ja-JP" dirty="0"/>
+          </a:p>
+        </p:txBody>
+      </p:sp>
+      <p:sp>
+        <p:nvSpPr>
+          <p:cNvPr id="4" name="スライド番号プレースホルダー 3"/>
+          <p:cNvSpPr>
+            <a:spLocks noGrp="1"/>
+          </p:cNvSpPr>
+          <p:nvPr>
+            <p:ph type="sldNum" sz="quarter" idx="5"/>
+          </p:nvPr>
+        </p:nvSpPr>
+        <p:spPr/>
+        <p:txBody>
+          <a:bodyPr/>
+          <a:lstStyle/>
+          <a:p>
+            <a:fld id="{FD808316-81CD-4B36-BDD1-D6460C124C29}" type="slidenum">
+              <a:rPr kumimoji="1" lang="ja-JP" altLang="en-US" smtClean="0"/>
+              <a:t>10</a:t>
+            </a:fld>
+            <a:endParaRPr kumimoji="1" lang="ja-JP" altLang="en-US"/>
+          </a:p>
+        </p:txBody>
+      </p:sp>
+    </p:spTree>
+    <p:extLst>
+      <p:ext uri="{BB962C8B-B14F-4D97-AF65-F5344CB8AC3E}">
+        <p14:creationId xmlns:p14="http://schemas.microsoft.com/office/powerpoint/2010/main" val="3836402520"/>
       </p:ext>
     </p:extLst>
   </p:cSld>
@@ -5413,7 +5889,7 @@
           <a:p>
             <a:fld id="{4A6B28F3-BB62-4EA0-99DF-EF5932BC4FCF}" type="datetimeFigureOut">
               <a:rPr kumimoji="1" lang="ja-JP" altLang="en-US" smtClean="0"/>
-              <a:t>2022/1/24</a:t>
+              <a:t>2022/1/26</a:t>
             </a:fld>
             <a:endParaRPr kumimoji="1" lang="ja-JP" altLang="en-US"/>
           </a:p>
@@ -5655,7 +6131,7 @@
           <a:p>
             <a:fld id="{4A6B28F3-BB62-4EA0-99DF-EF5932BC4FCF}" type="datetimeFigureOut">
               <a:rPr kumimoji="1" lang="ja-JP" altLang="en-US" smtClean="0"/>
-              <a:t>2022/1/24</a:t>
+              <a:t>2022/1/26</a:t>
             </a:fld>
             <a:endParaRPr kumimoji="1" lang="ja-JP" altLang="en-US"/>
           </a:p>
@@ -5907,7 +6383,7 @@
           <a:p>
             <a:fld id="{4A6B28F3-BB62-4EA0-99DF-EF5932BC4FCF}" type="datetimeFigureOut">
               <a:rPr kumimoji="1" lang="ja-JP" altLang="en-US" smtClean="0"/>
-              <a:t>2022/1/24</a:t>
+              <a:t>2022/1/26</a:t>
             </a:fld>
             <a:endParaRPr kumimoji="1" lang="ja-JP" altLang="en-US"/>
           </a:p>
@@ -6149,7 +6625,7 @@
           <a:p>
             <a:fld id="{4A6B28F3-BB62-4EA0-99DF-EF5932BC4FCF}" type="datetimeFigureOut">
               <a:rPr kumimoji="1" lang="ja-JP" altLang="en-US" smtClean="0"/>
-              <a:t>2022/1/24</a:t>
+              <a:t>2022/1/26</a:t>
             </a:fld>
             <a:endParaRPr kumimoji="1" lang="ja-JP" altLang="en-US"/>
           </a:p>
@@ -6436,7 +6912,7 @@
           <a:p>
             <a:fld id="{4A6B28F3-BB62-4EA0-99DF-EF5932BC4FCF}" type="datetimeFigureOut">
               <a:rPr kumimoji="1" lang="ja-JP" altLang="en-US" smtClean="0"/>
-              <a:t>2022/1/24</a:t>
+              <a:t>2022/1/26</a:t>
             </a:fld>
             <a:endParaRPr kumimoji="1" lang="ja-JP" altLang="en-US"/>
           </a:p>
@@ -6777,7 +7253,7 @@
           <a:p>
             <a:fld id="{4A6B28F3-BB62-4EA0-99DF-EF5932BC4FCF}" type="datetimeFigureOut">
               <a:rPr kumimoji="1" lang="ja-JP" altLang="en-US" smtClean="0"/>
-              <a:t>2022/1/24</a:t>
+              <a:t>2022/1/26</a:t>
             </a:fld>
             <a:endParaRPr kumimoji="1" lang="ja-JP" altLang="en-US"/>
           </a:p>
@@ -7265,7 +7741,7 @@
           <a:p>
             <a:fld id="{4A6B28F3-BB62-4EA0-99DF-EF5932BC4FCF}" type="datetimeFigureOut">
               <a:rPr kumimoji="1" lang="ja-JP" altLang="en-US" smtClean="0"/>
-              <a:t>2022/1/24</a:t>
+              <a:t>2022/1/26</a:t>
             </a:fld>
             <a:endParaRPr kumimoji="1" lang="ja-JP" altLang="en-US"/>
           </a:p>
@@ -7418,7 +7894,7 @@
           <a:p>
             <a:fld id="{4A6B28F3-BB62-4EA0-99DF-EF5932BC4FCF}" type="datetimeFigureOut">
               <a:rPr kumimoji="1" lang="ja-JP" altLang="en-US" smtClean="0"/>
-              <a:t>2022/1/24</a:t>
+              <a:t>2022/1/26</a:t>
             </a:fld>
             <a:endParaRPr kumimoji="1" lang="ja-JP" altLang="en-US"/>
           </a:p>
@@ -7543,7 +8019,7 @@
           <a:p>
             <a:fld id="{4A6B28F3-BB62-4EA0-99DF-EF5932BC4FCF}" type="datetimeFigureOut">
               <a:rPr kumimoji="1" lang="ja-JP" altLang="en-US" smtClean="0"/>
-              <a:t>2022/1/24</a:t>
+              <a:t>2022/1/26</a:t>
             </a:fld>
             <a:endParaRPr kumimoji="1" lang="ja-JP" altLang="en-US"/>
           </a:p>
@@ -7898,7 +8374,7 @@
           <a:p>
             <a:fld id="{4A6B28F3-BB62-4EA0-99DF-EF5932BC4FCF}" type="datetimeFigureOut">
               <a:rPr kumimoji="1" lang="ja-JP" altLang="en-US" smtClean="0"/>
-              <a:t>2022/1/24</a:t>
+              <a:t>2022/1/26</a:t>
             </a:fld>
             <a:endParaRPr kumimoji="1" lang="ja-JP" altLang="en-US"/>
           </a:p>
@@ -8198,7 +8674,7 @@
           <a:p>
             <a:fld id="{4A6B28F3-BB62-4EA0-99DF-EF5932BC4FCF}" type="datetimeFigureOut">
               <a:rPr kumimoji="1" lang="ja-JP" altLang="en-US" smtClean="0"/>
-              <a:t>2022/1/24</a:t>
+              <a:t>2022/1/26</a:t>
             </a:fld>
             <a:endParaRPr kumimoji="1" lang="ja-JP" altLang="en-US"/>
           </a:p>
@@ -8504,7 +8980,7 @@
           <a:p>
             <a:fld id="{4A6B28F3-BB62-4EA0-99DF-EF5932BC4FCF}" type="datetimeFigureOut">
               <a:rPr kumimoji="1" lang="ja-JP" altLang="en-US" smtClean="0"/>
-              <a:t>2022/1/24</a:t>
+              <a:t>2022/1/26</a:t>
             </a:fld>
             <a:endParaRPr kumimoji="1" lang="ja-JP" altLang="en-US"/>
           </a:p>
@@ -8983,8 +9459,8 @@
         </p:nvSpPr>
         <p:spPr>
           <a:xfrm>
-            <a:off x="8645236" y="0"/>
-            <a:ext cx="3546764" cy="1967345"/>
+            <a:off x="8287352" y="0"/>
+            <a:ext cx="3904648" cy="1967345"/>
           </a:xfrm>
           <a:prstGeom prst="rect">
             <a:avLst/>
@@ -9332,8 +9808,8 @@
         </p:nvSpPr>
         <p:spPr>
           <a:xfrm>
-            <a:off x="8645237" y="0"/>
-            <a:ext cx="3546764" cy="1967345"/>
+            <a:off x="8229601" y="0"/>
+            <a:ext cx="3962400" cy="1967345"/>
           </a:xfrm>
           <a:prstGeom prst="rect">
             <a:avLst/>
@@ -9481,7 +9957,7 @@
           <p:cNvPr id="2" name="タイトル 1">
             <a:extLst>
               <a:ext uri="{FF2B5EF4-FFF2-40B4-BE49-F238E27FC236}">
-                <a16:creationId xmlns:a16="http://schemas.microsoft.com/office/drawing/2014/main" id="{1EC5E6CF-14A5-43CB-AFB7-A48397E85A40}"/>
+                <a16:creationId xmlns:a16="http://schemas.microsoft.com/office/drawing/2014/main" id="{A28B3ECD-CB6B-4871-9177-75053AF22875}"/>
               </a:ext>
             </a:extLst>
           </p:cNvPr>
@@ -9492,32 +9968,46 @@
             <p:ph type="title"/>
           </p:nvPr>
         </p:nvSpPr>
-        <p:spPr/>
+        <p:spPr>
+          <a:xfrm>
+            <a:off x="838200" y="365125"/>
+            <a:ext cx="8799286" cy="1325563"/>
+          </a:xfrm>
+        </p:spPr>
         <p:txBody>
-          <a:bodyPr/>
+          <a:bodyPr>
+            <a:normAutofit/>
+          </a:bodyPr>
           <a:lstStyle/>
           <a:p>
             <a:r>
-              <a:rPr lang="en-US" altLang="ja-JP" dirty="0"/>
-              <a:t>b</a:t>
-            </a:r>
-            <a:r>
-              <a:rPr kumimoji="1" lang="en-US" altLang="ja-JP" dirty="0"/>
-              <a:t>it composer</a:t>
-            </a:r>
-            <a:r>
-              <a:rPr kumimoji="1" lang="ja-JP" altLang="en-US" dirty="0"/>
-              <a:t>のまとめ</a:t>
-            </a:r>
+              <a:rPr lang="ja-JP" altLang="en-US" b="1" dirty="0">
+                <a:solidFill>
+                  <a:schemeClr val="tx1">
+                    <a:lumMod val="65000"/>
+                    <a:lumOff val="35000"/>
+                  </a:schemeClr>
+                </a:solidFill>
+              </a:rPr>
+              <a:t>今後の課題</a:t>
+            </a:r>
+            <a:endParaRPr kumimoji="1" lang="ja-JP" altLang="en-US" b="1" dirty="0">
+              <a:solidFill>
+                <a:schemeClr val="tx1">
+                  <a:lumMod val="65000"/>
+                  <a:lumOff val="35000"/>
+                </a:schemeClr>
+              </a:solidFill>
+            </a:endParaRPr>
           </a:p>
         </p:txBody>
       </p:sp>
       <p:sp>
         <p:nvSpPr>
-          <p:cNvPr id="3" name="コンテンツ プレースホルダー 2">
+          <p:cNvPr id="5" name="テキスト プレースホルダー 4">
             <a:extLst>
               <a:ext uri="{FF2B5EF4-FFF2-40B4-BE49-F238E27FC236}">
-                <a16:creationId xmlns:a16="http://schemas.microsoft.com/office/drawing/2014/main" id="{FFA44182-5013-423D-84E4-2281D679D593}"/>
+                <a16:creationId xmlns:a16="http://schemas.microsoft.com/office/drawing/2014/main" id="{272666A3-957C-4D00-87A2-86CA1CEA5C52}"/>
               </a:ext>
             </a:extLst>
           </p:cNvPr>
@@ -9525,99 +10015,178 @@
             <a:spLocks noGrp="1"/>
           </p:cNvSpPr>
           <p:nvPr>
-            <p:ph idx="1"/>
+            <p:ph type="body" idx="4294967295"/>
           </p:nvPr>
         </p:nvSpPr>
-        <p:spPr/>
+        <p:spPr>
+          <a:xfrm>
+            <a:off x="838200" y="2088681"/>
+            <a:ext cx="10515600" cy="4088281"/>
+          </a:xfrm>
+        </p:spPr>
         <p:txBody>
-          <a:bodyPr/>
+          <a:bodyPr>
+            <a:normAutofit/>
+          </a:bodyPr>
           <a:lstStyle/>
+          <a:p>
+            <a:r>
+              <a:rPr lang="ja-JP" altLang="en-US" sz="3600" dirty="0"/>
+              <a:t>伴奏を加えると表現豊かになります。</a:t>
+            </a:r>
+            <a:endParaRPr lang="en-US" altLang="ja-JP" sz="3600" dirty="0"/>
+          </a:p>
+          <a:p>
+            <a:r>
+              <a:rPr lang="ja-JP" altLang="en-US" sz="3600" dirty="0"/>
+              <a:t>ユーザーの用意した</a:t>
+            </a:r>
+            <a:r>
+              <a:rPr lang="en-US" altLang="ja-JP" sz="3600" dirty="0"/>
+              <a:t>MIDI</a:t>
+            </a:r>
+            <a:r>
+              <a:rPr lang="ja-JP" altLang="en-US" sz="3600" dirty="0"/>
+              <a:t>ファイルが使えると</a:t>
+            </a:r>
+            <a:endParaRPr lang="en-US" altLang="ja-JP" sz="3600" dirty="0"/>
+          </a:p>
           <a:p>
             <a:pPr marL="0" indent="0">
               <a:buNone/>
             </a:pPr>
             <a:r>
-              <a:rPr lang="ja-JP" altLang="en-US" dirty="0"/>
-              <a:t>音楽を知らない人でも作曲できるアプリを目指し作成しました。</a:t>
-            </a:r>
-            <a:endParaRPr lang="en-US" altLang="ja-JP" dirty="0"/>
+              <a:rPr lang="en-US" altLang="ja-JP" sz="3600" dirty="0"/>
+              <a:t>AI</a:t>
+            </a:r>
+            <a:r>
+              <a:rPr lang="ja-JP" altLang="en-US" sz="3600" dirty="0"/>
+              <a:t>モデル作成の幅が広がります。</a:t>
+            </a:r>
+            <a:endParaRPr lang="en-US" altLang="ja-JP" sz="3600" dirty="0"/>
           </a:p>
           <a:p>
             <a:pPr marL="0" indent="0">
               <a:buNone/>
             </a:pPr>
             <a:r>
-              <a:rPr lang="en-US" altLang="ja-JP" dirty="0"/>
-              <a:t>FLASK</a:t>
-            </a:r>
-            <a:r>
-              <a:rPr lang="ja-JP" altLang="en-US" dirty="0"/>
-              <a:t>でフレームワークを作り楽譜表示には</a:t>
-            </a:r>
-            <a:r>
-              <a:rPr lang="en-US" altLang="ja-JP" dirty="0"/>
-              <a:t>abc.js</a:t>
-            </a:r>
-            <a:r>
-              <a:rPr lang="ja-JP" altLang="en-US" dirty="0"/>
-              <a:t>を使いました。</a:t>
-            </a:r>
-            <a:endParaRPr lang="en-US" altLang="ja-JP" dirty="0"/>
-          </a:p>
-          <a:p>
-            <a:pPr marL="0" indent="0">
-              <a:buNone/>
-            </a:pPr>
-            <a:r>
-              <a:rPr lang="ja-JP" altLang="en-US" dirty="0"/>
-              <a:t>ゲーム音楽の雰囲気を</a:t>
-            </a:r>
-            <a:r>
-              <a:rPr lang="en-US" altLang="ja-JP" dirty="0"/>
-              <a:t>AI</a:t>
-            </a:r>
-            <a:r>
-              <a:rPr lang="ja-JP" altLang="en-US" dirty="0"/>
-              <a:t>で学習してユーザーからの送信を盛り込んだものを作りまして学習データやまだ実装したいものがありましたが</a:t>
-            </a:r>
-            <a:endParaRPr lang="en-US" altLang="ja-JP" dirty="0"/>
-          </a:p>
-          <a:p>
-            <a:pPr marL="0" indent="0">
-              <a:buNone/>
-            </a:pPr>
-            <a:endParaRPr lang="en-US" altLang="ja-JP" dirty="0"/>
-          </a:p>
-          <a:p>
-            <a:pPr marL="0" indent="0">
-              <a:buNone/>
-            </a:pPr>
-            <a:endParaRPr lang="en-US" altLang="ja-JP" dirty="0"/>
-          </a:p>
-          <a:p>
-            <a:pPr marL="0" indent="0">
-              <a:buNone/>
-            </a:pPr>
-            <a:endParaRPr lang="en-US" altLang="ja-JP" dirty="0"/>
-          </a:p>
-          <a:p>
-            <a:pPr marL="0" indent="0">
-              <a:buNone/>
-            </a:pPr>
-            <a:endParaRPr lang="en-US" altLang="ja-JP" dirty="0"/>
-          </a:p>
-          <a:p>
-            <a:pPr marL="0" indent="0">
-              <a:buNone/>
-            </a:pPr>
-            <a:endParaRPr lang="en-US" altLang="ja-JP" dirty="0"/>
+              <a:rPr lang="en-US" altLang="ja-JP" sz="3600" dirty="0"/>
+              <a:t>(</a:t>
+            </a:r>
+            <a:r>
+              <a:rPr lang="ja-JP" altLang="en-US" sz="3600" dirty="0"/>
+              <a:t>ピアノ演奏のみでしか使えない</a:t>
+            </a:r>
+            <a:r>
+              <a:rPr lang="en-US" altLang="ja-JP" sz="3600" dirty="0"/>
+              <a:t>)</a:t>
+            </a:r>
+          </a:p>
+          <a:p>
+            <a:r>
+              <a:rPr lang="ja-JP" altLang="en-US" sz="3600" dirty="0"/>
+              <a:t>サウンドエフェクトの実装。</a:t>
+            </a:r>
+            <a:endParaRPr lang="en-US" altLang="ja-JP" sz="3600" dirty="0"/>
           </a:p>
         </p:txBody>
       </p:sp>
+      <p:sp>
+        <p:nvSpPr>
+          <p:cNvPr id="6" name="正方形/長方形 5">
+            <a:extLst>
+              <a:ext uri="{FF2B5EF4-FFF2-40B4-BE49-F238E27FC236}">
+                <a16:creationId xmlns:a16="http://schemas.microsoft.com/office/drawing/2014/main" id="{4F021AC6-9B95-496A-972D-9A5D9FACFF69}"/>
+              </a:ext>
+            </a:extLst>
+          </p:cNvPr>
+          <p:cNvSpPr/>
+          <p:nvPr/>
+        </p:nvSpPr>
+        <p:spPr>
+          <a:xfrm>
+            <a:off x="8268101" y="44233"/>
+            <a:ext cx="3923899" cy="1967345"/>
+          </a:xfrm>
+          <a:prstGeom prst="rect">
+            <a:avLst/>
+          </a:prstGeom>
+          <a:solidFill>
+            <a:schemeClr val="bg2">
+              <a:lumMod val="50000"/>
+            </a:schemeClr>
+          </a:solidFill>
+          <a:ln>
+            <a:solidFill>
+              <a:schemeClr val="tx1"/>
+            </a:solidFill>
+          </a:ln>
+        </p:spPr>
+        <p:style>
+          <a:lnRef idx="2">
+            <a:schemeClr val="accent1">
+              <a:shade val="50000"/>
+            </a:schemeClr>
+          </a:lnRef>
+          <a:fillRef idx="1">
+            <a:schemeClr val="accent1"/>
+          </a:fillRef>
+          <a:effectRef idx="0">
+            <a:schemeClr val="accent1"/>
+          </a:effectRef>
+          <a:fontRef idx="minor">
+            <a:schemeClr val="lt1"/>
+          </a:fontRef>
+        </p:style>
+        <p:txBody>
+          <a:bodyPr rtlCol="0" anchor="ctr"/>
+          <a:lstStyle/>
+          <a:p>
+            <a:pPr algn="ctr"/>
+            <a:endParaRPr kumimoji="1" lang="ja-JP" altLang="en-US"/>
+          </a:p>
+        </p:txBody>
+      </p:sp>
+      <p:pic>
+        <p:nvPicPr>
+          <p:cNvPr id="4" name="図 3">
+            <a:extLst>
+              <a:ext uri="{FF2B5EF4-FFF2-40B4-BE49-F238E27FC236}">
+                <a16:creationId xmlns:a16="http://schemas.microsoft.com/office/drawing/2014/main" id="{840F4079-FF1B-458C-B624-92C0EA078A9E}"/>
+              </a:ext>
+            </a:extLst>
+          </p:cNvPr>
+          <p:cNvPicPr>
+            <a:picLocks noChangeAspect="1"/>
+          </p:cNvPicPr>
+          <p:nvPr/>
+        </p:nvPicPr>
+        <p:blipFill>
+          <a:blip r:embed="rId3">
+            <a:extLst>
+              <a:ext uri="{28A0092B-C50C-407E-A947-70E740481C1C}">
+                <a14:useLocalDpi xmlns:a14="http://schemas.microsoft.com/office/drawing/2010/main" val="0"/>
+              </a:ext>
+            </a:extLst>
+          </a:blip>
+          <a:stretch>
+            <a:fillRect/>
+          </a:stretch>
+        </p:blipFill>
+        <p:spPr>
+          <a:xfrm>
+            <a:off x="7719461" y="3429000"/>
+            <a:ext cx="4257263" cy="3356442"/>
+          </a:xfrm>
+          <a:prstGeom prst="rect">
+            <a:avLst/>
+          </a:prstGeom>
+        </p:spPr>
+      </p:pic>
     </p:spTree>
     <p:extLst>
       <p:ext uri="{BB962C8B-B14F-4D97-AF65-F5344CB8AC3E}">
-        <p14:creationId xmlns:p14="http://schemas.microsoft.com/office/powerpoint/2010/main" val="2195877202"/>
+        <p14:creationId xmlns:p14="http://schemas.microsoft.com/office/powerpoint/2010/main" val="4137186957"/>
       </p:ext>
     </p:extLst>
   </p:cSld>
@@ -9661,7 +10230,7 @@
           <p:cNvPr id="2" name="タイトル 1">
             <a:extLst>
               <a:ext uri="{FF2B5EF4-FFF2-40B4-BE49-F238E27FC236}">
-                <a16:creationId xmlns:a16="http://schemas.microsoft.com/office/drawing/2014/main" id="{A28B3ECD-CB6B-4871-9177-75053AF22875}"/>
+                <a16:creationId xmlns:a16="http://schemas.microsoft.com/office/drawing/2014/main" id="{1EC5E6CF-14A5-43CB-AFB7-A48397E85A40}"/>
               </a:ext>
             </a:extLst>
           </p:cNvPr>
@@ -9672,46 +10241,32 @@
             <p:ph type="title"/>
           </p:nvPr>
         </p:nvSpPr>
-        <p:spPr>
-          <a:xfrm>
-            <a:off x="838200" y="365125"/>
-            <a:ext cx="8799286" cy="1325563"/>
-          </a:xfrm>
-        </p:spPr>
+        <p:spPr/>
         <p:txBody>
-          <a:bodyPr>
-            <a:normAutofit/>
-          </a:bodyPr>
+          <a:bodyPr/>
           <a:lstStyle/>
           <a:p>
             <a:r>
-              <a:rPr lang="ja-JP" altLang="en-US" b="1" dirty="0">
-                <a:solidFill>
-                  <a:schemeClr val="tx1">
-                    <a:lumMod val="65000"/>
-                    <a:lumOff val="35000"/>
-                  </a:schemeClr>
-                </a:solidFill>
-              </a:rPr>
-              <a:t>今後の課題</a:t>
-            </a:r>
-            <a:endParaRPr kumimoji="1" lang="ja-JP" altLang="en-US" b="1" dirty="0">
-              <a:solidFill>
-                <a:schemeClr val="tx1">
-                  <a:lumMod val="65000"/>
-                  <a:lumOff val="35000"/>
-                </a:schemeClr>
-              </a:solidFill>
-            </a:endParaRPr>
+              <a:rPr lang="en-US" altLang="ja-JP" b="1" dirty="0"/>
+              <a:t>b</a:t>
+            </a:r>
+            <a:r>
+              <a:rPr kumimoji="1" lang="en-US" altLang="ja-JP" b="1" dirty="0"/>
+              <a:t>it composer</a:t>
+            </a:r>
+            <a:r>
+              <a:rPr kumimoji="1" lang="ja-JP" altLang="en-US" dirty="0"/>
+              <a:t>のまとめ</a:t>
+            </a:r>
           </a:p>
         </p:txBody>
       </p:sp>
       <p:sp>
         <p:nvSpPr>
-          <p:cNvPr id="5" name="テキスト プレースホルダー 4">
+          <p:cNvPr id="3" name="コンテンツ プレースホルダー 2">
             <a:extLst>
               <a:ext uri="{FF2B5EF4-FFF2-40B4-BE49-F238E27FC236}">
-                <a16:creationId xmlns:a16="http://schemas.microsoft.com/office/drawing/2014/main" id="{272666A3-957C-4D00-87A2-86CA1CEA5C52}"/>
+                <a16:creationId xmlns:a16="http://schemas.microsoft.com/office/drawing/2014/main" id="{FFA44182-5013-423D-84E4-2281D679D593}"/>
               </a:ext>
             </a:extLst>
           </p:cNvPr>
@@ -9719,101 +10274,118 @@
             <a:spLocks noGrp="1"/>
           </p:cNvSpPr>
           <p:nvPr>
-            <p:ph type="body" idx="4294967295"/>
+            <p:ph idx="1"/>
           </p:nvPr>
         </p:nvSpPr>
         <p:spPr>
           <a:xfrm>
-            <a:off x="838200" y="1905001"/>
-            <a:ext cx="10515600" cy="4271962"/>
+            <a:off x="838200" y="2332469"/>
+            <a:ext cx="10515600" cy="3844493"/>
           </a:xfrm>
         </p:spPr>
         <p:txBody>
-          <a:bodyPr>
-            <a:normAutofit/>
-          </a:bodyPr>
+          <a:bodyPr/>
           <a:lstStyle/>
           <a:p>
-            <a:r>
-              <a:rPr lang="ja-JP" altLang="en-US" sz="3600" dirty="0"/>
-              <a:t>伴奏を加えられなかった。</a:t>
-            </a:r>
-            <a:endParaRPr lang="en-US" altLang="ja-JP" sz="3600" dirty="0"/>
-          </a:p>
-          <a:p>
-            <a:r>
-              <a:rPr lang="ja-JP" altLang="en-US" sz="3600" dirty="0"/>
-              <a:t>スマホでのアクセスができない。</a:t>
-            </a:r>
-            <a:endParaRPr lang="en-US" altLang="ja-JP" sz="3600" dirty="0"/>
-          </a:p>
-          <a:p>
-            <a:r>
-              <a:rPr lang="ja-JP" altLang="en-US" sz="3600" dirty="0"/>
-              <a:t>事前に用意した</a:t>
-            </a:r>
-            <a:r>
-              <a:rPr lang="en-US" altLang="ja-JP" sz="3600" dirty="0"/>
-              <a:t>MIDI</a:t>
-            </a:r>
-            <a:r>
-              <a:rPr lang="ja-JP" altLang="en-US" sz="3600" dirty="0"/>
-              <a:t>ファイルが読みこめない。</a:t>
-            </a:r>
-            <a:r>
-              <a:rPr lang="en-US" altLang="ja-JP" sz="3600" dirty="0"/>
-              <a:t>(</a:t>
-            </a:r>
-            <a:r>
-              <a:rPr lang="ja-JP" altLang="en-US" sz="3600" dirty="0"/>
-              <a:t>ピアノ演奏のみでしか使えない</a:t>
-            </a:r>
-            <a:r>
-              <a:rPr lang="en-US" altLang="ja-JP" sz="3600" dirty="0"/>
-              <a:t>)</a:t>
-            </a:r>
-          </a:p>
-          <a:p>
-            <a:r>
-              <a:rPr lang="ja-JP" altLang="en-US" sz="3600" dirty="0"/>
-              <a:t>サウンドエフェクトの実装。</a:t>
-            </a:r>
-            <a:endParaRPr lang="en-US" altLang="ja-JP" sz="3600" dirty="0"/>
-          </a:p>
-          <a:p>
-            <a:r>
-              <a:rPr lang="en-US" altLang="ja-JP" sz="3600" dirty="0"/>
-              <a:t>AI</a:t>
-            </a:r>
-            <a:r>
-              <a:rPr lang="ja-JP" altLang="en-US" sz="3600" dirty="0"/>
-              <a:t>モデルが一つしか実装出来なかった。</a:t>
-            </a:r>
-            <a:endParaRPr lang="en-US" altLang="ja-JP" sz="3600" dirty="0"/>
-          </a:p>
-          <a:p>
-            <a:r>
-              <a:rPr lang="en-US" altLang="ja-JP" sz="3600" dirty="0"/>
-              <a:t>AI</a:t>
-            </a:r>
-            <a:r>
-              <a:rPr lang="ja-JP" altLang="en-US" sz="3600" dirty="0"/>
-              <a:t>作成後に編集が出来ない</a:t>
-            </a:r>
+            <a:pPr marL="0" indent="0">
+              <a:buNone/>
+            </a:pPr>
             <a:r>
               <a:rPr lang="ja-JP" altLang="en-US" dirty="0"/>
-              <a:t>。</a:t>
-            </a:r>
+              <a:t>音楽を知らない人でも作曲できるアプリを目指し作成しました。</a:t>
+            </a:r>
+            <a:endParaRPr lang="en-US" altLang="ja-JP" dirty="0"/>
+          </a:p>
+          <a:p>
+            <a:pPr marL="0" indent="0">
+              <a:buNone/>
+            </a:pPr>
+            <a:r>
+              <a:rPr lang="ja-JP" altLang="en-US" dirty="0"/>
+              <a:t>サーバでの</a:t>
+            </a:r>
+            <a:r>
+              <a:rPr lang="en-US" altLang="ja-JP" dirty="0"/>
+              <a:t>WEB</a:t>
+            </a:r>
+            <a:r>
+              <a:rPr lang="ja-JP" altLang="en-US" dirty="0"/>
+              <a:t>開発や自動作曲の作成を完成しましたが</a:t>
+            </a:r>
+            <a:endParaRPr lang="en-US" altLang="ja-JP" dirty="0"/>
+          </a:p>
+          <a:p>
+            <a:pPr marL="0" indent="0">
+              <a:buNone/>
+            </a:pPr>
+            <a:r>
+              <a:rPr lang="ja-JP" altLang="en-US" dirty="0"/>
+              <a:t>まだ改良の余地があるので来年の</a:t>
+            </a:r>
+            <a:r>
+              <a:rPr lang="en-US" altLang="ja-JP" dirty="0"/>
+              <a:t>2</a:t>
+            </a:r>
+            <a:r>
+              <a:rPr lang="ja-JP" altLang="en-US" dirty="0"/>
+              <a:t>年生は是非とも</a:t>
+            </a:r>
+            <a:endParaRPr lang="en-US" altLang="ja-JP" dirty="0"/>
+          </a:p>
+          <a:p>
+            <a:pPr marL="0" indent="0">
+              <a:buNone/>
+            </a:pPr>
+            <a:r>
+              <a:rPr lang="ja-JP" altLang="en-US" dirty="0"/>
+              <a:t>プロジェクトを継いでくれる人を募集しています。</a:t>
+            </a:r>
+            <a:endParaRPr lang="en-US" altLang="ja-JP" dirty="0"/>
+          </a:p>
+          <a:p>
+            <a:pPr marL="0" indent="0">
+              <a:buNone/>
+            </a:pPr>
+            <a:endParaRPr lang="en-US" altLang="ja-JP" dirty="0"/>
+          </a:p>
+          <a:p>
+            <a:pPr marL="0" indent="0">
+              <a:buNone/>
+            </a:pPr>
+            <a:endParaRPr lang="en-US" altLang="ja-JP" dirty="0"/>
+          </a:p>
+          <a:p>
+            <a:pPr marL="0" indent="0">
+              <a:buNone/>
+            </a:pPr>
+            <a:endParaRPr lang="en-US" altLang="ja-JP" dirty="0"/>
+          </a:p>
+          <a:p>
+            <a:pPr marL="0" indent="0">
+              <a:buNone/>
+            </a:pPr>
+            <a:endParaRPr lang="en-US" altLang="ja-JP" dirty="0"/>
+          </a:p>
+          <a:p>
+            <a:pPr marL="0" indent="0">
+              <a:buNone/>
+            </a:pPr>
+            <a:endParaRPr lang="en-US" altLang="ja-JP" dirty="0"/>
+          </a:p>
+          <a:p>
+            <a:pPr marL="0" indent="0">
+              <a:buNone/>
+            </a:pPr>
             <a:endParaRPr lang="en-US" altLang="ja-JP" dirty="0"/>
           </a:p>
         </p:txBody>
       </p:sp>
       <p:sp>
         <p:nvSpPr>
-          <p:cNvPr id="6" name="正方形/長方形 5">
+          <p:cNvPr id="4" name="正方形/長方形 3">
             <a:extLst>
               <a:ext uri="{FF2B5EF4-FFF2-40B4-BE49-F238E27FC236}">
-                <a16:creationId xmlns:a16="http://schemas.microsoft.com/office/drawing/2014/main" id="{4F021AC6-9B95-496A-972D-9A5D9FACFF69}"/>
+                <a16:creationId xmlns:a16="http://schemas.microsoft.com/office/drawing/2014/main" id="{72131188-82E4-44F1-A813-1C2F52714B8D}"/>
               </a:ext>
             </a:extLst>
           </p:cNvPr>
@@ -9822,8 +10394,8 @@
         </p:nvSpPr>
         <p:spPr>
           <a:xfrm>
-            <a:off x="8645236" y="44233"/>
-            <a:ext cx="3546764" cy="1967345"/>
+            <a:off x="8277726" y="0"/>
+            <a:ext cx="3914275" cy="1967345"/>
           </a:xfrm>
           <a:prstGeom prst="rect">
             <a:avLst/>
@@ -9867,7 +10439,7 @@
     </p:spTree>
     <p:extLst>
       <p:ext uri="{BB962C8B-B14F-4D97-AF65-F5344CB8AC3E}">
-        <p14:creationId xmlns:p14="http://schemas.microsoft.com/office/powerpoint/2010/main" val="4137186957"/>
+        <p14:creationId xmlns:p14="http://schemas.microsoft.com/office/powerpoint/2010/main" val="2195877202"/>
       </p:ext>
     </p:extLst>
   </p:cSld>
@@ -9908,6 +10480,55 @@
       </p:grpSpPr>
       <p:sp>
         <p:nvSpPr>
+          <p:cNvPr id="12" name="四角形: 角を丸くする 11">
+            <a:extLst>
+              <a:ext uri="{FF2B5EF4-FFF2-40B4-BE49-F238E27FC236}">
+                <a16:creationId xmlns:a16="http://schemas.microsoft.com/office/drawing/2014/main" id="{B029D5BB-F4E6-4E2D-B33F-519D17E86CA0}"/>
+              </a:ext>
+            </a:extLst>
+          </p:cNvPr>
+          <p:cNvSpPr/>
+          <p:nvPr/>
+        </p:nvSpPr>
+        <p:spPr>
+          <a:xfrm>
+            <a:off x="4828796" y="2262978"/>
+            <a:ext cx="6293771" cy="4048393"/>
+          </a:xfrm>
+          <a:prstGeom prst="roundRect">
+            <a:avLst/>
+          </a:prstGeom>
+          <a:solidFill>
+            <a:schemeClr val="bg1"/>
+          </a:solidFill>
+        </p:spPr>
+        <p:style>
+          <a:lnRef idx="2">
+            <a:schemeClr val="accent1">
+              <a:shade val="50000"/>
+            </a:schemeClr>
+          </a:lnRef>
+          <a:fillRef idx="1">
+            <a:schemeClr val="accent1"/>
+          </a:fillRef>
+          <a:effectRef idx="0">
+            <a:schemeClr val="accent1"/>
+          </a:effectRef>
+          <a:fontRef idx="minor">
+            <a:schemeClr val="lt1"/>
+          </a:fontRef>
+        </p:style>
+        <p:txBody>
+          <a:bodyPr rtlCol="0" anchor="ctr"/>
+          <a:lstStyle/>
+          <a:p>
+            <a:pPr algn="ctr"/>
+            <a:endParaRPr kumimoji="1" lang="ja-JP" altLang="en-US"/>
+          </a:p>
+        </p:txBody>
+      </p:sp>
+      <p:sp>
+        <p:nvSpPr>
           <p:cNvPr id="2" name="タイトル 1">
             <a:extLst>
               <a:ext uri="{FF2B5EF4-FFF2-40B4-BE49-F238E27FC236}">
@@ -9937,36 +10558,6 @@
               </a:rPr>
               <a:t>メンバー紹介</a:t>
             </a:r>
-            <a:endParaRPr kumimoji="1" lang="ja-JP" altLang="en-US" dirty="0"/>
-          </a:p>
-        </p:txBody>
-      </p:sp>
-      <p:sp>
-        <p:nvSpPr>
-          <p:cNvPr id="3" name="コンテンツ プレースホルダー 2">
-            <a:extLst>
-              <a:ext uri="{FF2B5EF4-FFF2-40B4-BE49-F238E27FC236}">
-                <a16:creationId xmlns:a16="http://schemas.microsoft.com/office/drawing/2014/main" id="{F75BFA54-4956-44E3-A200-A79B237D1B62}"/>
-              </a:ext>
-            </a:extLst>
-          </p:cNvPr>
-          <p:cNvSpPr>
-            <a:spLocks noGrp="1"/>
-          </p:cNvSpPr>
-          <p:nvPr>
-            <p:ph idx="1"/>
-          </p:nvPr>
-        </p:nvSpPr>
-        <p:spPr>
-          <a:xfrm>
-            <a:off x="4775200" y="2062302"/>
-            <a:ext cx="6578600" cy="4114661"/>
-          </a:xfrm>
-        </p:spPr>
-        <p:txBody>
-          <a:bodyPr/>
-          <a:lstStyle/>
-          <a:p>
             <a:endParaRPr kumimoji="1" lang="ja-JP" altLang="en-US" dirty="0"/>
           </a:p>
         </p:txBody>
@@ -10033,8 +10624,8 @@
         </p:nvSpPr>
         <p:spPr>
           <a:xfrm>
-            <a:off x="8645236" y="-39110"/>
-            <a:ext cx="3546764" cy="1967345"/>
+            <a:off x="8239225" y="-39110"/>
+            <a:ext cx="3952775" cy="1967345"/>
           </a:xfrm>
           <a:prstGeom prst="rect">
             <a:avLst/>
@@ -10075,6 +10666,42 @@
           </a:p>
         </p:txBody>
       </p:sp>
+      <p:pic>
+        <p:nvPicPr>
+          <p:cNvPr id="11" name="図 10">
+            <a:extLst>
+              <a:ext uri="{FF2B5EF4-FFF2-40B4-BE49-F238E27FC236}">
+                <a16:creationId xmlns:a16="http://schemas.microsoft.com/office/drawing/2014/main" id="{D778B6FD-AD82-48F0-8E33-5E73DE688302}"/>
+              </a:ext>
+            </a:extLst>
+          </p:cNvPr>
+          <p:cNvPicPr>
+            <a:picLocks noChangeAspect="1"/>
+          </p:cNvPicPr>
+          <p:nvPr/>
+        </p:nvPicPr>
+        <p:blipFill>
+          <a:blip r:embed="rId2">
+            <a:extLst>
+              <a:ext uri="{28A0092B-C50C-407E-A947-70E740481C1C}">
+                <a14:useLocalDpi xmlns:a14="http://schemas.microsoft.com/office/drawing/2010/main" val="0"/>
+              </a:ext>
+            </a:extLst>
+          </a:blip>
+          <a:stretch>
+            <a:fillRect/>
+          </a:stretch>
+        </p:blipFill>
+        <p:spPr>
+          <a:xfrm>
+            <a:off x="5735752" y="2165782"/>
+            <a:ext cx="4479860" cy="3908042"/>
+          </a:xfrm>
+          <a:prstGeom prst="rect">
+            <a:avLst/>
+          </a:prstGeom>
+        </p:spPr>
+      </p:pic>
     </p:spTree>
     <p:extLst>
       <p:ext uri="{BB962C8B-B14F-4D97-AF65-F5344CB8AC3E}">
@@ -10209,7 +10836,7 @@
           <p:cNvPr id="2" name="タイトル 1">
             <a:extLst>
               <a:ext uri="{FF2B5EF4-FFF2-40B4-BE49-F238E27FC236}">
-                <a16:creationId xmlns:a16="http://schemas.microsoft.com/office/drawing/2014/main" id="{FFDF732A-E3FE-4DDA-8C88-627BFFF6B3A4}"/>
+                <a16:creationId xmlns:a16="http://schemas.microsoft.com/office/drawing/2014/main" id="{9A72B701-728E-4804-93D5-B902113E04F4}"/>
               </a:ext>
             </a:extLst>
           </p:cNvPr>
@@ -10220,18 +10847,23 @@
             <p:ph type="title"/>
           </p:nvPr>
         </p:nvSpPr>
-        <p:spPr/>
+        <p:spPr>
+          <a:xfrm>
+            <a:off x="293915" y="365125"/>
+            <a:ext cx="8762999" cy="1325563"/>
+          </a:xfrm>
+        </p:spPr>
         <p:txBody>
           <a:bodyPr/>
           <a:lstStyle/>
           <a:p>
             <a:r>
-              <a:rPr kumimoji="1" lang="ja-JP" altLang="en-US" b="1" dirty="0"/>
-              <a:t>既存アプリとの</a:t>
+              <a:rPr lang="en-US" altLang="ja-JP" b="1" dirty="0"/>
+              <a:t>Python</a:t>
             </a:r>
             <a:r>
               <a:rPr lang="ja-JP" altLang="en-US" b="1" dirty="0"/>
-              <a:t>優位性</a:t>
+              <a:t>のライブラリ①</a:t>
             </a:r>
             <a:endParaRPr kumimoji="1" lang="ja-JP" altLang="en-US" b="1" dirty="0"/>
           </a:p>
@@ -10239,10 +10871,10 @@
       </p:sp>
       <p:sp>
         <p:nvSpPr>
-          <p:cNvPr id="3" name="コンテンツ プレースホルダー 2">
+          <p:cNvPr id="3" name="テキスト プレースホルダー 2">
             <a:extLst>
               <a:ext uri="{FF2B5EF4-FFF2-40B4-BE49-F238E27FC236}">
-                <a16:creationId xmlns:a16="http://schemas.microsoft.com/office/drawing/2014/main" id="{66256E41-A4F2-40BF-A3ED-6B9F4B5EE8F5}"/>
+                <a16:creationId xmlns:a16="http://schemas.microsoft.com/office/drawing/2014/main" id="{8A3E2783-46B8-4A3F-BBE0-62453BBA6DBE}"/>
               </a:ext>
             </a:extLst>
           </p:cNvPr>
@@ -10250,66 +10882,231 @@
             <a:spLocks noGrp="1"/>
           </p:cNvSpPr>
           <p:nvPr>
-            <p:ph sz="half" idx="1"/>
+            <p:ph type="body" idx="1"/>
           </p:nvPr>
         </p:nvSpPr>
         <p:spPr>
           <a:xfrm>
-            <a:off x="838200" y="2213813"/>
-            <a:ext cx="9025647" cy="3525506"/>
+            <a:off x="5138057" y="1662120"/>
+            <a:ext cx="5157787" cy="605631"/>
           </a:xfrm>
         </p:spPr>
         <p:txBody>
           <a:bodyPr>
-            <a:normAutofit lnSpcReduction="10000"/>
+            <a:noAutofit/>
           </a:bodyPr>
           <a:lstStyle/>
           <a:p>
             <a:r>
-              <a:rPr lang="en-US" altLang="ja-JP" sz="4800" b="1" i="1" dirty="0" err="1"/>
-              <a:t>b</a:t>
-            </a:r>
-            <a:r>
-              <a:rPr kumimoji="1" lang="en-US" altLang="ja-JP" sz="4800" b="1" i="1" dirty="0" err="1"/>
-              <a:t>itComporser</a:t>
-            </a:r>
-            <a:endParaRPr kumimoji="1" lang="en-US" altLang="ja-JP" sz="4800" b="1" i="1" dirty="0"/>
-          </a:p>
-          <a:p>
-            <a:r>
-              <a:rPr lang="ja-JP" altLang="en-US" sz="3500" dirty="0"/>
-              <a:t>ゲーム音楽と唯一無二のジャンルが作成できる</a:t>
-            </a:r>
-            <a:endParaRPr kumimoji="1" lang="en-US" altLang="ja-JP" sz="3500" dirty="0"/>
-          </a:p>
-          <a:p>
-            <a:r>
-              <a:rPr kumimoji="1" lang="ja-JP" altLang="en-US" sz="3500" dirty="0"/>
-              <a:t>操作が分かりやすく音符を一から設定できる。</a:t>
-            </a:r>
-            <a:endParaRPr kumimoji="1" lang="en-US" altLang="ja-JP" sz="3500" dirty="0"/>
-          </a:p>
-          <a:p>
-            <a:r>
-              <a:rPr lang="ja-JP" altLang="en-US" sz="3500" dirty="0"/>
-              <a:t>楽譜が見える</a:t>
-            </a:r>
-            <a:endParaRPr lang="en-US" altLang="ja-JP" sz="3500" dirty="0"/>
-          </a:p>
-          <a:p>
-            <a:endParaRPr kumimoji="1" lang="en-US" altLang="ja-JP" dirty="0"/>
-          </a:p>
-          <a:p>
-            <a:endParaRPr kumimoji="1" lang="en-US" altLang="ja-JP" dirty="0"/>
+              <a:rPr kumimoji="1" lang="en-US" altLang="ja-JP" sz="4000" dirty="0">
+                <a:solidFill>
+                  <a:srgbClr val="FF0000"/>
+                </a:solidFill>
+              </a:rPr>
+              <a:t>MIDI2audio</a:t>
+            </a:r>
+            <a:endParaRPr kumimoji="1" lang="ja-JP" altLang="en-US" sz="4000" dirty="0">
+              <a:solidFill>
+                <a:srgbClr val="FF0000"/>
+              </a:solidFill>
+            </a:endParaRPr>
           </a:p>
         </p:txBody>
       </p:sp>
       <p:sp>
         <p:nvSpPr>
-          <p:cNvPr id="5" name="正方形/長方形 4">
+          <p:cNvPr id="4" name="コンテンツ プレースホルダー 3">
             <a:extLst>
               <a:ext uri="{FF2B5EF4-FFF2-40B4-BE49-F238E27FC236}">
-                <a16:creationId xmlns:a16="http://schemas.microsoft.com/office/drawing/2014/main" id="{B1BDFDF9-1994-4E12-AAF4-FE7746FF7AD0}"/>
+                <a16:creationId xmlns:a16="http://schemas.microsoft.com/office/drawing/2014/main" id="{C4DD3020-F0F6-4715-A9BF-919D2F699F2C}"/>
+              </a:ext>
+            </a:extLst>
+          </p:cNvPr>
+          <p:cNvSpPr>
+            <a:spLocks noGrp="1"/>
+          </p:cNvSpPr>
+          <p:nvPr>
+            <p:ph sz="half" idx="2"/>
+          </p:nvPr>
+        </p:nvSpPr>
+        <p:spPr>
+          <a:xfrm>
+            <a:off x="5138057" y="2400170"/>
+            <a:ext cx="5157787" cy="967933"/>
+          </a:xfrm>
+        </p:spPr>
+        <p:txBody>
+          <a:bodyPr>
+            <a:normAutofit/>
+          </a:bodyPr>
+          <a:lstStyle/>
+          <a:p>
+            <a:r>
+              <a:rPr kumimoji="1" lang="en-US" altLang="ja-JP" dirty="0"/>
+              <a:t>MIDI</a:t>
+            </a:r>
+            <a:r>
+              <a:rPr kumimoji="1" lang="ja-JP" altLang="en-US" dirty="0"/>
+              <a:t>ファイルを</a:t>
+            </a:r>
+            <a:r>
+              <a:rPr kumimoji="1" lang="en-US" altLang="ja-JP" dirty="0"/>
+              <a:t>MP3,wav</a:t>
+            </a:r>
+            <a:r>
+              <a:rPr kumimoji="1" lang="ja-JP" altLang="en-US" dirty="0"/>
+              <a:t>に形式変更できる。</a:t>
+            </a:r>
+          </a:p>
+        </p:txBody>
+      </p:sp>
+      <p:sp>
+        <p:nvSpPr>
+          <p:cNvPr id="5" name="テキスト プレースホルダー 4">
+            <a:extLst>
+              <a:ext uri="{FF2B5EF4-FFF2-40B4-BE49-F238E27FC236}">
+                <a16:creationId xmlns:a16="http://schemas.microsoft.com/office/drawing/2014/main" id="{C2641514-FE60-465A-802E-14179BC31F50}"/>
+              </a:ext>
+            </a:extLst>
+          </p:cNvPr>
+          <p:cNvSpPr>
+            <a:spLocks noGrp="1"/>
+          </p:cNvSpPr>
+          <p:nvPr>
+            <p:ph type="body" sz="quarter" idx="3"/>
+          </p:nvPr>
+        </p:nvSpPr>
+        <p:spPr>
+          <a:xfrm>
+            <a:off x="536462" y="1455335"/>
+            <a:ext cx="5183188" cy="795564"/>
+          </a:xfrm>
+        </p:spPr>
+        <p:txBody>
+          <a:bodyPr>
+            <a:normAutofit/>
+          </a:bodyPr>
+          <a:lstStyle/>
+          <a:p>
+            <a:r>
+              <a:rPr lang="en-US" altLang="ja-JP" sz="4000" dirty="0">
+                <a:solidFill>
+                  <a:srgbClr val="FF0000"/>
+                </a:solidFill>
+              </a:rPr>
+              <a:t>music21</a:t>
+            </a:r>
+          </a:p>
+        </p:txBody>
+      </p:sp>
+      <p:sp>
+        <p:nvSpPr>
+          <p:cNvPr id="6" name="コンテンツ プレースホルダー 5">
+            <a:extLst>
+              <a:ext uri="{FF2B5EF4-FFF2-40B4-BE49-F238E27FC236}">
+                <a16:creationId xmlns:a16="http://schemas.microsoft.com/office/drawing/2014/main" id="{FC609FD6-3ED4-4CE3-8FC0-2C0F7B63BFF6}"/>
+              </a:ext>
+            </a:extLst>
+          </p:cNvPr>
+          <p:cNvSpPr>
+            <a:spLocks noGrp="1"/>
+          </p:cNvSpPr>
+          <p:nvPr>
+            <p:ph sz="quarter" idx="4"/>
+          </p:nvPr>
+        </p:nvSpPr>
+        <p:spPr>
+          <a:xfrm>
+            <a:off x="293915" y="2650218"/>
+            <a:ext cx="4844142" cy="3684588"/>
+          </a:xfrm>
+        </p:spPr>
+        <p:txBody>
+          <a:bodyPr>
+            <a:normAutofit/>
+          </a:bodyPr>
+          <a:lstStyle/>
+          <a:p>
+            <a:r>
+              <a:rPr lang="en-US" altLang="ja-JP" sz="3000" dirty="0"/>
+              <a:t>music21</a:t>
+            </a:r>
+            <a:r>
+              <a:rPr lang="ja-JP" altLang="en-US" sz="3000" dirty="0"/>
+              <a:t>は、</a:t>
+            </a:r>
+            <a:r>
+              <a:rPr lang="en-US" altLang="ja-JP" sz="3000" dirty="0"/>
+              <a:t>Python</a:t>
+            </a:r>
+            <a:r>
+              <a:rPr lang="ja-JP" altLang="en-US" sz="3000" dirty="0"/>
+              <a:t>の音楽情報処理ライブラリです。</a:t>
+            </a:r>
+            <a:br>
+              <a:rPr lang="ja-JP" altLang="en-US" sz="3000" dirty="0"/>
+            </a:br>
+            <a:r>
+              <a:rPr lang="ja-JP" altLang="en-US" sz="3000" dirty="0"/>
+              <a:t>楽譜や音声を分析するために、利用されています。</a:t>
+            </a:r>
+            <a:endParaRPr lang="en-US" altLang="ja-JP" sz="3000" dirty="0"/>
+          </a:p>
+          <a:p>
+            <a:r>
+              <a:rPr lang="ja-JP" altLang="en-US" sz="3000" dirty="0"/>
+              <a:t>文字列から数値のベースにするために使用しています</a:t>
+            </a:r>
+            <a:r>
+              <a:rPr lang="ja-JP" altLang="en-US" dirty="0"/>
+              <a:t>。</a:t>
+            </a:r>
+            <a:endParaRPr kumimoji="1" lang="ja-JP" altLang="en-US" dirty="0"/>
+          </a:p>
+        </p:txBody>
+      </p:sp>
+      <p:pic>
+        <p:nvPicPr>
+          <p:cNvPr id="8" name="図 7">
+            <a:extLst>
+              <a:ext uri="{FF2B5EF4-FFF2-40B4-BE49-F238E27FC236}">
+                <a16:creationId xmlns:a16="http://schemas.microsoft.com/office/drawing/2014/main" id="{3E02EF9F-B3D8-46FE-BC69-29D7651F7467}"/>
+              </a:ext>
+            </a:extLst>
+          </p:cNvPr>
+          <p:cNvPicPr>
+            <a:picLocks noChangeAspect="1"/>
+          </p:cNvPicPr>
+          <p:nvPr/>
+        </p:nvPicPr>
+        <p:blipFill>
+          <a:blip r:embed="rId2">
+            <a:extLst>
+              <a:ext uri="{28A0092B-C50C-407E-A947-70E740481C1C}">
+                <a14:useLocalDpi xmlns:a14="http://schemas.microsoft.com/office/drawing/2010/main" val="0"/>
+              </a:ext>
+            </a:extLst>
+          </a:blip>
+          <a:stretch>
+            <a:fillRect/>
+          </a:stretch>
+        </p:blipFill>
+        <p:spPr>
+          <a:xfrm>
+            <a:off x="8367939" y="3270876"/>
+            <a:ext cx="3530146" cy="3485524"/>
+          </a:xfrm>
+          <a:prstGeom prst="rect">
+            <a:avLst/>
+          </a:prstGeom>
+        </p:spPr>
+      </p:pic>
+      <p:sp>
+        <p:nvSpPr>
+          <p:cNvPr id="9" name="正方形/長方形 8">
+            <a:extLst>
+              <a:ext uri="{FF2B5EF4-FFF2-40B4-BE49-F238E27FC236}">
+                <a16:creationId xmlns:a16="http://schemas.microsoft.com/office/drawing/2014/main" id="{0D8C69D8-185E-4A2A-BBB0-33995E0FF6BC}"/>
               </a:ext>
             </a:extLst>
           </p:cNvPr>
@@ -10356,14 +11153,76 @@
           <a:lstStyle/>
           <a:p>
             <a:pPr algn="ctr"/>
-            <a:endParaRPr kumimoji="1" lang="ja-JP" altLang="en-US"/>
+            <a:endParaRPr kumimoji="1" lang="ja-JP" altLang="en-US" dirty="0"/>
+          </a:p>
+        </p:txBody>
+      </p:sp>
+      <p:sp>
+        <p:nvSpPr>
+          <p:cNvPr id="10" name="吹き出し: 四角形 9">
+            <a:extLst>
+              <a:ext uri="{FF2B5EF4-FFF2-40B4-BE49-F238E27FC236}">
+                <a16:creationId xmlns:a16="http://schemas.microsoft.com/office/drawing/2014/main" id="{D4DF5B21-6642-447F-98AE-FDE3B3D4D7E5}"/>
+              </a:ext>
+            </a:extLst>
+          </p:cNvPr>
+          <p:cNvSpPr/>
+          <p:nvPr/>
+        </p:nvSpPr>
+        <p:spPr>
+          <a:xfrm>
+            <a:off x="5359626" y="3454992"/>
+            <a:ext cx="2786743" cy="1325563"/>
+          </a:xfrm>
+          <a:prstGeom prst="wedgeRectCallout">
+            <a:avLst>
+              <a:gd name="adj1" fmla="val 55943"/>
+              <a:gd name="adj2" fmla="val 81114"/>
+            </a:avLst>
+          </a:prstGeom>
+          <a:ln/>
+        </p:spPr>
+        <p:style>
+          <a:lnRef idx="2">
+            <a:schemeClr val="dk1"/>
+          </a:lnRef>
+          <a:fillRef idx="1">
+            <a:schemeClr val="lt1"/>
+          </a:fillRef>
+          <a:effectRef idx="0">
+            <a:schemeClr val="dk1"/>
+          </a:effectRef>
+          <a:fontRef idx="minor">
+            <a:schemeClr val="dk1"/>
+          </a:fontRef>
+        </p:style>
+        <p:txBody>
+          <a:bodyPr rtlCol="0" anchor="ctr"/>
+          <a:lstStyle/>
+          <a:p>
+            <a:r>
+              <a:rPr lang="en-US" altLang="ja-JP" dirty="0" err="1"/>
+              <a:t>abc</a:t>
+            </a:r>
+            <a:r>
+              <a:rPr lang="ja-JP" altLang="en-US" dirty="0"/>
+              <a:t>記法から</a:t>
+            </a:r>
+            <a:endParaRPr lang="en-US" altLang="ja-JP" dirty="0"/>
+          </a:p>
+          <a:p>
+            <a:r>
+              <a:rPr lang="ja-JP" altLang="en-US" dirty="0"/>
+              <a:t>連想配列に変換する</a:t>
+            </a:r>
+            <a:endParaRPr lang="en-US" altLang="ja-JP" dirty="0"/>
           </a:p>
         </p:txBody>
       </p:sp>
     </p:spTree>
     <p:extLst>
       <p:ext uri="{BB962C8B-B14F-4D97-AF65-F5344CB8AC3E}">
-        <p14:creationId xmlns:p14="http://schemas.microsoft.com/office/powerpoint/2010/main" val="3832178427"/>
+        <p14:creationId xmlns:p14="http://schemas.microsoft.com/office/powerpoint/2010/main" val="28986287"/>
       </p:ext>
     </p:extLst>
   </p:cSld>
@@ -10386,6 +11245,332 @@
 </file>
 
 <file path=ppt/slides/slide16.xml><?xml version="1.0" encoding="utf-8"?>
+<p:sld xmlns:a="http://schemas.openxmlformats.org/drawingml/2006/main" xmlns:r="http://schemas.openxmlformats.org/officeDocument/2006/relationships" xmlns:p="http://schemas.openxmlformats.org/presentationml/2006/main">
+  <p:cSld>
+    <p:spTree>
+      <p:nvGrpSpPr>
+        <p:cNvPr id="1" name=""/>
+        <p:cNvGrpSpPr/>
+        <p:nvPr/>
+      </p:nvGrpSpPr>
+      <p:grpSpPr>
+        <a:xfrm>
+          <a:off x="0" y="0"/>
+          <a:ext cx="0" cy="0"/>
+          <a:chOff x="0" y="0"/>
+          <a:chExt cx="0" cy="0"/>
+        </a:xfrm>
+      </p:grpSpPr>
+      <p:sp>
+        <p:nvSpPr>
+          <p:cNvPr id="2" name="タイトル 1">
+            <a:extLst>
+              <a:ext uri="{FF2B5EF4-FFF2-40B4-BE49-F238E27FC236}">
+                <a16:creationId xmlns:a16="http://schemas.microsoft.com/office/drawing/2014/main" id="{539E1CAC-99B9-43D8-BE45-B83173503896}"/>
+              </a:ext>
+            </a:extLst>
+          </p:cNvPr>
+          <p:cNvSpPr>
+            <a:spLocks noGrp="1"/>
+          </p:cNvSpPr>
+          <p:nvPr>
+            <p:ph type="title"/>
+          </p:nvPr>
+        </p:nvSpPr>
+        <p:spPr>
+          <a:xfrm>
+            <a:off x="435428" y="261711"/>
+            <a:ext cx="6375919" cy="1069975"/>
+          </a:xfrm>
+        </p:spPr>
+        <p:txBody>
+          <a:bodyPr>
+            <a:normAutofit fontScale="90000"/>
+          </a:bodyPr>
+          <a:lstStyle/>
+          <a:p>
+            <a:br>
+              <a:rPr kumimoji="1" lang="en-US" altLang="ja-JP" dirty="0"/>
+            </a:br>
+            <a:r>
+              <a:rPr kumimoji="1" lang="en-US" altLang="ja-JP" sz="5300" b="1" dirty="0"/>
+              <a:t>Python</a:t>
+            </a:r>
+            <a:r>
+              <a:rPr kumimoji="1" lang="ja-JP" altLang="en-US" sz="5300" b="1" dirty="0"/>
+              <a:t>のライブラリ</a:t>
+            </a:r>
+            <a:r>
+              <a:rPr lang="ja-JP" altLang="en-US" sz="5300" b="1" dirty="0"/>
+              <a:t>②</a:t>
+            </a:r>
+            <a:endParaRPr kumimoji="1" lang="ja-JP" altLang="en-US" sz="5300" b="1" dirty="0"/>
+          </a:p>
+        </p:txBody>
+      </p:sp>
+      <p:pic>
+        <p:nvPicPr>
+          <p:cNvPr id="6" name="図プレースホルダー 5">
+            <a:extLst>
+              <a:ext uri="{FF2B5EF4-FFF2-40B4-BE49-F238E27FC236}">
+                <a16:creationId xmlns:a16="http://schemas.microsoft.com/office/drawing/2014/main" id="{10E2FF79-450F-4D88-A12B-C78DFF6EBEFA}"/>
+              </a:ext>
+            </a:extLst>
+          </p:cNvPr>
+          <p:cNvPicPr>
+            <a:picLocks noGrp="1" noChangeAspect="1"/>
+          </p:cNvPicPr>
+          <p:nvPr>
+            <p:ph type="pic" idx="1"/>
+          </p:nvPr>
+        </p:nvPicPr>
+        <p:blipFill>
+          <a:blip r:embed="rId2">
+            <a:extLst>
+              <a:ext uri="{28A0092B-C50C-407E-A947-70E740481C1C}">
+                <a14:useLocalDpi xmlns:a14="http://schemas.microsoft.com/office/drawing/2010/main" val="0"/>
+              </a:ext>
+            </a:extLst>
+          </a:blip>
+          <a:stretch>
+            <a:fillRect/>
+          </a:stretch>
+        </p:blipFill>
+        <p:spPr>
+          <a:xfrm>
+            <a:off x="6532585" y="1984375"/>
+            <a:ext cx="5533876" cy="4873625"/>
+          </a:xfrm>
+        </p:spPr>
+      </p:pic>
+      <p:sp>
+        <p:nvSpPr>
+          <p:cNvPr id="4" name="テキスト プレースホルダー 3">
+            <a:extLst>
+              <a:ext uri="{FF2B5EF4-FFF2-40B4-BE49-F238E27FC236}">
+                <a16:creationId xmlns:a16="http://schemas.microsoft.com/office/drawing/2014/main" id="{41FF9023-B138-468A-A3A9-1CDC7F7F8865}"/>
+              </a:ext>
+            </a:extLst>
+          </p:cNvPr>
+          <p:cNvSpPr>
+            <a:spLocks noGrp="1"/>
+          </p:cNvSpPr>
+          <p:nvPr>
+            <p:ph type="body" sz="half" idx="2"/>
+          </p:nvPr>
+        </p:nvSpPr>
+        <p:spPr>
+          <a:xfrm>
+            <a:off x="435428" y="1518443"/>
+            <a:ext cx="4976327" cy="758226"/>
+          </a:xfrm>
+        </p:spPr>
+        <p:txBody>
+          <a:bodyPr/>
+          <a:lstStyle/>
+          <a:p>
+            <a:r>
+              <a:rPr lang="en-US" altLang="ja-JP" sz="4400" b="1" dirty="0">
+                <a:solidFill>
+                  <a:srgbClr val="FF0000"/>
+                </a:solidFill>
+              </a:rPr>
+              <a:t>TensorFlow</a:t>
+            </a:r>
+            <a:r>
+              <a:rPr lang="en-US" altLang="ja-JP" sz="4400" b="1" dirty="0"/>
+              <a:t> </a:t>
+            </a:r>
+          </a:p>
+          <a:p>
+            <a:endParaRPr kumimoji="1" lang="ja-JP" altLang="en-US" dirty="0"/>
+          </a:p>
+        </p:txBody>
+      </p:sp>
+      <p:sp>
+        <p:nvSpPr>
+          <p:cNvPr id="7" name="正方形/長方形 6">
+            <a:extLst>
+              <a:ext uri="{FF2B5EF4-FFF2-40B4-BE49-F238E27FC236}">
+                <a16:creationId xmlns:a16="http://schemas.microsoft.com/office/drawing/2014/main" id="{D9DF76DE-B279-4DEE-8A06-AE9F431D1DE1}"/>
+              </a:ext>
+            </a:extLst>
+          </p:cNvPr>
+          <p:cNvSpPr/>
+          <p:nvPr/>
+        </p:nvSpPr>
+        <p:spPr>
+          <a:xfrm>
+            <a:off x="8645237" y="0"/>
+            <a:ext cx="3546764" cy="1967345"/>
+          </a:xfrm>
+          <a:prstGeom prst="rect">
+            <a:avLst/>
+          </a:prstGeom>
+          <a:solidFill>
+            <a:schemeClr val="bg2">
+              <a:lumMod val="50000"/>
+            </a:schemeClr>
+          </a:solidFill>
+          <a:ln>
+            <a:solidFill>
+              <a:schemeClr val="tx1"/>
+            </a:solidFill>
+          </a:ln>
+        </p:spPr>
+        <p:style>
+          <a:lnRef idx="2">
+            <a:schemeClr val="accent1">
+              <a:shade val="50000"/>
+            </a:schemeClr>
+          </a:lnRef>
+          <a:fillRef idx="1">
+            <a:schemeClr val="accent1"/>
+          </a:fillRef>
+          <a:effectRef idx="0">
+            <a:schemeClr val="accent1"/>
+          </a:effectRef>
+          <a:fontRef idx="minor">
+            <a:schemeClr val="lt1"/>
+          </a:fontRef>
+        </p:style>
+        <p:txBody>
+          <a:bodyPr rtlCol="0" anchor="ctr"/>
+          <a:lstStyle/>
+          <a:p>
+            <a:pPr algn="ctr"/>
+            <a:endParaRPr kumimoji="1" lang="ja-JP" altLang="en-US" dirty="0"/>
+          </a:p>
+        </p:txBody>
+      </p:sp>
+      <p:sp>
+        <p:nvSpPr>
+          <p:cNvPr id="9" name="正方形/長方形 8">
+            <a:extLst>
+              <a:ext uri="{FF2B5EF4-FFF2-40B4-BE49-F238E27FC236}">
+                <a16:creationId xmlns:a16="http://schemas.microsoft.com/office/drawing/2014/main" id="{EC49EB9E-4BFF-47BB-9C8F-BC9FBBFD5F1D}"/>
+              </a:ext>
+            </a:extLst>
+          </p:cNvPr>
+          <p:cNvSpPr/>
+          <p:nvPr/>
+        </p:nvSpPr>
+        <p:spPr>
+          <a:xfrm>
+            <a:off x="436585" y="2463426"/>
+            <a:ext cx="5945554" cy="4154984"/>
+          </a:xfrm>
+          <a:prstGeom prst="rect">
+            <a:avLst/>
+          </a:prstGeom>
+        </p:spPr>
+        <p:txBody>
+          <a:bodyPr wrap="square">
+            <a:spAutoFit/>
+          </a:bodyPr>
+          <a:lstStyle/>
+          <a:p>
+            <a:r>
+              <a:rPr lang="en-US" altLang="ja-JP" sz="2400" dirty="0">
+                <a:solidFill>
+                  <a:srgbClr val="3D3D3D"/>
+                </a:solidFill>
+                <a:latin typeface="Roboto"/>
+              </a:rPr>
+              <a:t>TensorFlow </a:t>
+            </a:r>
+            <a:r>
+              <a:rPr lang="ja-JP" altLang="en-US" sz="2400" dirty="0">
+                <a:solidFill>
+                  <a:srgbClr val="3D3D3D"/>
+                </a:solidFill>
+                <a:latin typeface="Roboto"/>
+              </a:rPr>
+              <a:t>の最大の特徴として、ニューラルネットワークを構築できる点が挙げられます。ニューラルネットワークとは、人間の脳の神経回路の一部を模した数理モデルであり、人工知能（ </a:t>
+            </a:r>
+            <a:r>
+              <a:rPr lang="en-US" altLang="ja-JP" sz="2400" dirty="0">
+                <a:solidFill>
+                  <a:srgbClr val="3D3D3D"/>
+                </a:solidFill>
+                <a:latin typeface="Roboto"/>
+              </a:rPr>
+              <a:t>AI </a:t>
+            </a:r>
+            <a:r>
+              <a:rPr lang="ja-JP" altLang="en-US" sz="2400" dirty="0">
+                <a:solidFill>
+                  <a:srgbClr val="3D3D3D"/>
+                </a:solidFill>
+                <a:latin typeface="Roboto"/>
+              </a:rPr>
+              <a:t>）が学習や推論など、人間と同じような高度な判断を行うために必要なものです。</a:t>
+            </a:r>
+            <a:endParaRPr lang="en-US" altLang="ja-JP" sz="2400" dirty="0">
+              <a:solidFill>
+                <a:srgbClr val="3D3D3D"/>
+              </a:solidFill>
+              <a:latin typeface="Roboto"/>
+            </a:endParaRPr>
+          </a:p>
+          <a:p>
+            <a:endParaRPr lang="en-US" altLang="ja-JP" sz="2400" dirty="0">
+              <a:solidFill>
+                <a:srgbClr val="3D3D3D"/>
+              </a:solidFill>
+              <a:latin typeface="Roboto"/>
+            </a:endParaRPr>
+          </a:p>
+          <a:p>
+            <a:r>
+              <a:rPr lang="ja-JP" altLang="en-US" sz="2400" dirty="0"/>
+              <a:t>本プロジェクトでは</a:t>
+            </a:r>
+            <a:endParaRPr lang="en-US" altLang="ja-JP" sz="2400" dirty="0"/>
+          </a:p>
+          <a:p>
+            <a:r>
+              <a:rPr lang="ja-JP" altLang="en-US" sz="2400" dirty="0"/>
+              <a:t>音程と長さでそれぞれ中間層が</a:t>
+            </a:r>
+            <a:r>
+              <a:rPr lang="en-US" altLang="ja-JP" sz="2400" dirty="0"/>
+              <a:t>3</a:t>
+            </a:r>
+            <a:r>
+              <a:rPr lang="ja-JP" altLang="en-US" sz="2400" dirty="0"/>
+              <a:t>層ずつになっております</a:t>
+            </a:r>
+            <a:endParaRPr lang="en-US" altLang="ja-JP" sz="2400" dirty="0"/>
+          </a:p>
+        </p:txBody>
+      </p:sp>
+    </p:spTree>
+    <p:extLst>
+      <p:ext uri="{BB962C8B-B14F-4D97-AF65-F5344CB8AC3E}">
+        <p14:creationId xmlns:p14="http://schemas.microsoft.com/office/powerpoint/2010/main" val="2163784394"/>
+      </p:ext>
+    </p:extLst>
+  </p:cSld>
+  <p:clrMapOvr>
+    <a:masterClrMapping/>
+  </p:clrMapOvr>
+  <mc:AlternateContent xmlns:mc="http://schemas.openxmlformats.org/markup-compatibility/2006" xmlns:p14="http://schemas.microsoft.com/office/powerpoint/2010/main">
+    <mc:Choice Requires="p14">
+      <p:transition spd="slow" p14:dur="800">
+        <p:circle/>
+      </p:transition>
+    </mc:Choice>
+    <mc:Fallback xmlns="">
+      <p:transition spd="slow">
+        <p:circle/>
+      </p:transition>
+    </mc:Fallback>
+  </mc:AlternateContent>
+</p:sld>
+</file>
+
+<file path=ppt/slides/slide17.xml><?xml version="1.0" encoding="utf-8"?>
 <p:sld xmlns:a="http://schemas.openxmlformats.org/drawingml/2006/main" xmlns:r="http://schemas.openxmlformats.org/officeDocument/2006/relationships" xmlns:p="http://schemas.openxmlformats.org/presentationml/2006/main">
   <p:cSld>
     <p:spTree>
@@ -10811,8 +11996,8 @@
         </p:nvSpPr>
         <p:spPr>
           <a:xfrm>
-            <a:off x="733136" y="1462088"/>
-            <a:ext cx="6823364" cy="6832640"/>
+            <a:off x="733136" y="1462089"/>
+            <a:ext cx="6917344" cy="5262979"/>
           </a:xfrm>
           <a:prstGeom prst="rect">
             <a:avLst/>
@@ -10830,14 +12015,14 @@
               <a:buAutoNum type="circleNumDbPlain"/>
             </a:pPr>
             <a:r>
-              <a:rPr lang="en-US" altLang="ja-JP" sz="3200" dirty="0"/>
+              <a:rPr lang="en-US" altLang="ja-JP" sz="2800" dirty="0"/>
               <a:t>bit composer</a:t>
             </a:r>
             <a:r>
-              <a:rPr lang="ja-JP" altLang="en-US" sz="3200" dirty="0"/>
+              <a:rPr lang="ja-JP" altLang="en-US" sz="2800" dirty="0"/>
               <a:t>とは</a:t>
             </a:r>
-            <a:endParaRPr lang="en-US" altLang="ja-JP" sz="3200" dirty="0"/>
+            <a:endParaRPr lang="en-US" altLang="ja-JP" sz="2800" dirty="0"/>
           </a:p>
           <a:p>
             <a:pPr marL="342900" indent="-342900">
@@ -10845,10 +12030,10 @@
               <a:buAutoNum type="circleNumDbPlain"/>
             </a:pPr>
             <a:r>
-              <a:rPr lang="ja-JP" altLang="en-US" sz="3200" dirty="0"/>
+              <a:rPr lang="ja-JP" altLang="en-US" sz="2800" dirty="0"/>
               <a:t>システム構成</a:t>
             </a:r>
-            <a:endParaRPr kumimoji="1" lang="en-US" altLang="ja-JP" sz="3200" dirty="0"/>
+            <a:endParaRPr lang="en-US" altLang="ja-JP" sz="2800" dirty="0"/>
           </a:p>
           <a:p>
             <a:pPr marL="342900" indent="-342900">
@@ -10856,10 +12041,14 @@
               <a:buAutoNum type="circleNumDbPlain"/>
             </a:pPr>
             <a:r>
-              <a:rPr lang="ja-JP" altLang="en-US" sz="3200" dirty="0"/>
-              <a:t>自動作曲の仕組み</a:t>
-            </a:r>
-            <a:endParaRPr lang="en-US" altLang="ja-JP" sz="3200" dirty="0"/>
+              <a:rPr lang="en-US" altLang="ja-JP" sz="2800" dirty="0"/>
+              <a:t>bit composer</a:t>
+            </a:r>
+            <a:r>
+              <a:rPr lang="ja-JP" altLang="en-US" sz="2800" dirty="0"/>
+              <a:t>の機能</a:t>
+            </a:r>
+            <a:endParaRPr lang="en-US" altLang="ja-JP" sz="2800" dirty="0"/>
           </a:p>
           <a:p>
             <a:pPr marL="342900" indent="-342900">
@@ -10867,10 +12056,14 @@
               <a:buAutoNum type="circleNumDbPlain"/>
             </a:pPr>
             <a:r>
-              <a:rPr lang="ja-JP" altLang="en-US" sz="3200" dirty="0"/>
-              <a:t>システムの構成</a:t>
-            </a:r>
-            <a:endParaRPr lang="en-US" altLang="ja-JP" sz="3200" dirty="0"/>
+              <a:rPr kumimoji="1" lang="en-US" altLang="ja-JP" sz="2800" dirty="0"/>
+              <a:t>WEBGUI</a:t>
+            </a:r>
+            <a:r>
+              <a:rPr kumimoji="1" lang="ja-JP" altLang="en-US" sz="2800" dirty="0"/>
+              <a:t>の振る舞い</a:t>
+            </a:r>
+            <a:endParaRPr lang="en-US" altLang="ja-JP" sz="2800" dirty="0"/>
           </a:p>
           <a:p>
             <a:pPr marL="342900" indent="-342900">
@@ -10878,18 +12071,10 @@
               <a:buAutoNum type="circleNumDbPlain"/>
             </a:pPr>
             <a:r>
-              <a:rPr lang="ja-JP" altLang="en-US" sz="3200" dirty="0"/>
-              <a:t>自動作曲の方法①</a:t>
-            </a:r>
-            <a:r>
-              <a:rPr lang="en-US" altLang="ja-JP" sz="3200" dirty="0"/>
-              <a:t>,</a:t>
-            </a:r>
-            <a:r>
-              <a:rPr lang="ja-JP" altLang="en-US" sz="3200" dirty="0"/>
-              <a:t>②</a:t>
-            </a:r>
-            <a:endParaRPr lang="en-US" altLang="ja-JP" sz="3200" dirty="0"/>
+              <a:rPr lang="ja-JP" altLang="en-US" sz="2800" dirty="0"/>
+              <a:t>システムの構成</a:t>
+            </a:r>
+            <a:endParaRPr lang="en-US" altLang="ja-JP" sz="2800" dirty="0"/>
           </a:p>
           <a:p>
             <a:pPr marL="342900" indent="-342900">
@@ -10897,10 +12082,10 @@
               <a:buAutoNum type="circleNumDbPlain"/>
             </a:pPr>
             <a:r>
-              <a:rPr lang="ja-JP" altLang="en-US" sz="3200" dirty="0"/>
-              <a:t>既存のアプリとの比較</a:t>
-            </a:r>
-            <a:endParaRPr lang="en-US" altLang="ja-JP" sz="3200" dirty="0"/>
+              <a:rPr lang="ja-JP" altLang="en-US" sz="2800" dirty="0"/>
+              <a:t>自動作曲①</a:t>
+            </a:r>
+            <a:endParaRPr lang="en-US" altLang="ja-JP" sz="2800" dirty="0"/>
           </a:p>
           <a:p>
             <a:pPr marL="342900" indent="-342900">
@@ -10908,10 +12093,10 @@
               <a:buAutoNum type="circleNumDbPlain"/>
             </a:pPr>
             <a:r>
-              <a:rPr lang="ja-JP" altLang="en-US" sz="3200" dirty="0"/>
-              <a:t>デモンストレーション</a:t>
-            </a:r>
-            <a:endParaRPr lang="en-US" altLang="ja-JP" sz="3200" dirty="0"/>
+              <a:rPr lang="ja-JP" altLang="en-US" sz="2800" dirty="0"/>
+              <a:t>自動作曲の方法②</a:t>
+            </a:r>
+            <a:endParaRPr lang="en-US" altLang="ja-JP" sz="2800" dirty="0"/>
           </a:p>
           <a:p>
             <a:pPr marL="342900" indent="-342900">
@@ -10919,10 +12104,14 @@
               <a:buAutoNum type="circleNumDbPlain"/>
             </a:pPr>
             <a:r>
-              <a:rPr lang="ja-JP" altLang="en-US" sz="3200" dirty="0"/>
-              <a:t>今後の課題</a:t>
-            </a:r>
-            <a:endParaRPr lang="en-US" altLang="ja-JP" sz="3200" dirty="0"/>
+              <a:rPr lang="en-US" altLang="ja-JP" sz="2800" dirty="0"/>
+              <a:t>WEBGUI</a:t>
+            </a:r>
+            <a:r>
+              <a:rPr lang="ja-JP" altLang="en-US" sz="2800" dirty="0"/>
+              <a:t>の仕組み</a:t>
+            </a:r>
+            <a:endParaRPr lang="en-US" altLang="ja-JP" sz="2800" dirty="0"/>
           </a:p>
           <a:p>
             <a:pPr marL="342900" indent="-342900">
@@ -10930,10 +12119,10 @@
               <a:buAutoNum type="circleNumDbPlain"/>
             </a:pPr>
             <a:r>
-              <a:rPr lang="ja-JP" altLang="en-US" sz="3200" dirty="0"/>
-              <a:t>開発で苦労した点</a:t>
-            </a:r>
-            <a:endParaRPr lang="en-US" altLang="ja-JP" sz="3200" dirty="0"/>
+              <a:rPr lang="ja-JP" altLang="en-US" sz="2800" dirty="0"/>
+              <a:t>デモンストレーション</a:t>
+            </a:r>
+            <a:endParaRPr lang="en-US" altLang="ja-JP" sz="2800" dirty="0"/>
           </a:p>
           <a:p>
             <a:pPr marL="342900" indent="-342900">
@@ -10941,41 +12130,32 @@
               <a:buAutoNum type="circleNumDbPlain"/>
             </a:pPr>
             <a:r>
-              <a:rPr lang="ja-JP" altLang="en-US" sz="3200" dirty="0"/>
-              <a:t>メンバー紹介</a:t>
-            </a:r>
-            <a:endParaRPr lang="en-US" altLang="ja-JP" sz="3200" dirty="0"/>
-          </a:p>
-          <a:p>
-            <a:endParaRPr lang="en-US" altLang="ja-JP" sz="3200" dirty="0"/>
+              <a:rPr lang="ja-JP" altLang="en-US" sz="2800" dirty="0"/>
+              <a:t>今後の課題</a:t>
+            </a:r>
+            <a:endParaRPr lang="en-US" altLang="ja-JP" sz="2800" dirty="0"/>
           </a:p>
           <a:p>
             <a:pPr marL="342900" indent="-342900">
               <a:buFont typeface="+mj-ea"/>
               <a:buAutoNum type="circleNumDbPlain"/>
             </a:pPr>
-            <a:endParaRPr lang="en-US" altLang="ja-JP" sz="3200" dirty="0"/>
+            <a:r>
+              <a:rPr lang="ja-JP" altLang="en-US" sz="2800" dirty="0"/>
+              <a:t>まとめ</a:t>
+            </a:r>
+            <a:endParaRPr lang="en-US" altLang="ja-JP" sz="2800" dirty="0"/>
           </a:p>
           <a:p>
             <a:pPr marL="342900" indent="-342900">
               <a:buFont typeface="+mj-ea"/>
               <a:buAutoNum type="circleNumDbPlain"/>
             </a:pPr>
-            <a:endParaRPr lang="en-US" altLang="ja-JP" dirty="0"/>
-          </a:p>
-          <a:p>
-            <a:pPr marL="342900" indent="-342900">
-              <a:buFont typeface="+mj-ea"/>
-              <a:buAutoNum type="circleNumDbPlain"/>
-            </a:pPr>
-            <a:endParaRPr lang="en-US" altLang="ja-JP" dirty="0"/>
-          </a:p>
-          <a:p>
-            <a:pPr marL="342900" indent="-342900">
-              <a:buFont typeface="+mj-ea"/>
-              <a:buAutoNum type="circleNumDbPlain"/>
-            </a:pPr>
-            <a:endParaRPr kumimoji="1" lang="en-US" altLang="ja-JP" dirty="0"/>
+            <a:r>
+              <a:rPr lang="ja-JP" altLang="en-US" sz="2800" dirty="0"/>
+              <a:t>メンバー紹介</a:t>
+            </a:r>
+            <a:endParaRPr lang="en-US" altLang="ja-JP" sz="2800" dirty="0"/>
           </a:p>
         </p:txBody>
       </p:sp>
@@ -10993,8 +12173,8 @@
         </p:nvSpPr>
         <p:spPr>
           <a:xfrm>
-            <a:off x="8645237" y="0"/>
-            <a:ext cx="3546764" cy="1967345"/>
+            <a:off x="8287352" y="0"/>
+            <a:ext cx="3904649" cy="1967345"/>
           </a:xfrm>
           <a:prstGeom prst="rect">
             <a:avLst/>
@@ -11175,7 +12355,7 @@
                   </a:schemeClr>
                 </a:solidFill>
                 <a:effectLst/>
-                <a:latin typeface="游ゴシック" panose="020B0400000000000000" pitchFamily="50" charset="-128"/>
+                <a:latin typeface="Trebuchet MS" panose="020B0603020202020204" pitchFamily="34" charset="0"/>
                 <a:ea typeface="游ゴシック" panose="020B0400000000000000" pitchFamily="50" charset="-128"/>
                 <a:cs typeface="+mn-cs"/>
               </a:rPr>
@@ -11190,7 +12370,7 @@
                   </a:schemeClr>
                 </a:solidFill>
                 <a:effectLst/>
-                <a:latin typeface="游ゴシック" panose="020B0400000000000000" pitchFamily="50" charset="-128"/>
+                <a:latin typeface="Trebuchet MS" panose="020B0603020202020204" pitchFamily="34" charset="0"/>
                 <a:ea typeface="游ゴシック" panose="020B0400000000000000" pitchFamily="50" charset="-128"/>
                 <a:cs typeface="+mn-cs"/>
               </a:rPr>
@@ -11203,6 +12383,7 @@
                   <a:lumOff val="35000"/>
                 </a:schemeClr>
               </a:solidFill>
+              <a:latin typeface="Trebuchet MS" panose="020B0603020202020204" pitchFamily="34" charset="0"/>
             </a:endParaRPr>
           </a:p>
         </p:txBody>
@@ -11221,8 +12402,8 @@
         </p:nvSpPr>
         <p:spPr>
           <a:xfrm>
-            <a:off x="8645237" y="0"/>
-            <a:ext cx="3546764" cy="1967345"/>
+            <a:off x="8296977" y="0"/>
+            <a:ext cx="3895024" cy="1967345"/>
           </a:xfrm>
           <a:prstGeom prst="rect">
             <a:avLst/>
@@ -11323,8 +12504,8 @@
         </p:nvSpPr>
         <p:spPr>
           <a:xfrm>
-            <a:off x="1524000" y="1122363"/>
-            <a:ext cx="9144000" cy="1303337"/>
+            <a:off x="560615" y="527050"/>
+            <a:ext cx="8256814" cy="1303337"/>
           </a:xfrm>
         </p:spPr>
         <p:txBody>
@@ -11367,8 +12548,8 @@
         </p:nvSpPr>
         <p:spPr>
           <a:xfrm>
-            <a:off x="1524000" y="2601118"/>
-            <a:ext cx="9144000" cy="3253581"/>
+            <a:off x="400595" y="2357483"/>
+            <a:ext cx="11631385" cy="4052207"/>
           </a:xfrm>
         </p:spPr>
         <p:txBody>
@@ -11379,8 +12560,16 @@
           <a:p>
             <a:pPr algn="l"/>
             <a:r>
+              <a:rPr kumimoji="1" lang="ja-JP" altLang="en-US" sz="5400" dirty="0"/>
+              <a:t>・</a:t>
+            </a:r>
+            <a:r>
+              <a:rPr lang="ja-JP" altLang="en-US" sz="3600" dirty="0"/>
+              <a:t>ユーザーは</a:t>
+            </a:r>
+            <a:r>
               <a:rPr kumimoji="1" lang="ja-JP" altLang="en-US" sz="3600" dirty="0"/>
-              <a:t>・鍵盤から音楽データを</a:t>
+              <a:t>鍵盤から音楽データを</a:t>
             </a:r>
             <a:r>
               <a:rPr kumimoji="1" lang="en-US" altLang="ja-JP" sz="3600" dirty="0"/>
@@ -11388,21 +12577,73 @@
             </a:r>
             <a:r>
               <a:rPr kumimoji="1" lang="ja-JP" altLang="en-US" sz="3600" dirty="0"/>
-              <a:t>のサーバに送信してオリジナルのゲーム音楽風の音楽を作</a:t>
+              <a:t>のサーバに送信してオリジナルのゲーム音楽風の</a:t>
             </a:r>
             <a:r>
               <a:rPr lang="ja-JP" altLang="en-US" sz="3600" dirty="0"/>
-              <a:t>り曲を聴いたり</a:t>
-            </a:r>
-            <a:endParaRPr lang="en-US" altLang="ja-JP" sz="3600" dirty="0"/>
-          </a:p>
-          <a:p>
-            <a:pPr algn="l"/>
-            <a:r>
-              <a:rPr lang="ja-JP" altLang="en-US" sz="3600" dirty="0"/>
-              <a:t>曲をダウンロードできる</a:t>
-            </a:r>
-            <a:endParaRPr kumimoji="1" lang="ja-JP" altLang="en-US" sz="3600" dirty="0"/>
+              <a:t>曲をダウンロードして聞くこともできます</a:t>
+            </a:r>
+            <a:r>
+              <a:rPr lang="ja-JP" altLang="en-US" sz="4000" dirty="0"/>
+              <a:t>。</a:t>
+            </a:r>
+            <a:endParaRPr kumimoji="1" lang="ja-JP" altLang="en-US" sz="5400" dirty="0"/>
+          </a:p>
+        </p:txBody>
+      </p:sp>
+      <p:sp>
+        <p:nvSpPr>
+          <p:cNvPr id="4" name="正方形/長方形 3">
+            <a:extLst>
+              <a:ext uri="{FF2B5EF4-FFF2-40B4-BE49-F238E27FC236}">
+                <a16:creationId xmlns:a16="http://schemas.microsoft.com/office/drawing/2014/main" id="{67F5EE5A-F1DB-4AAF-B3AD-14EB82B540EB}"/>
+              </a:ext>
+            </a:extLst>
+          </p:cNvPr>
+          <p:cNvSpPr/>
+          <p:nvPr/>
+        </p:nvSpPr>
+        <p:spPr>
+          <a:xfrm>
+            <a:off x="8268101" y="0"/>
+            <a:ext cx="3923899" cy="1967345"/>
+          </a:xfrm>
+          <a:prstGeom prst="rect">
+            <a:avLst/>
+          </a:prstGeom>
+          <a:solidFill>
+            <a:schemeClr val="bg2">
+              <a:lumMod val="50000"/>
+            </a:schemeClr>
+          </a:solidFill>
+          <a:ln>
+            <a:solidFill>
+              <a:schemeClr val="tx1"/>
+            </a:solidFill>
+          </a:ln>
+        </p:spPr>
+        <p:style>
+          <a:lnRef idx="2">
+            <a:schemeClr val="accent1">
+              <a:shade val="50000"/>
+            </a:schemeClr>
+          </a:lnRef>
+          <a:fillRef idx="1">
+            <a:schemeClr val="accent1"/>
+          </a:fillRef>
+          <a:effectRef idx="0">
+            <a:schemeClr val="accent1"/>
+          </a:effectRef>
+          <a:fontRef idx="minor">
+            <a:schemeClr val="lt1"/>
+          </a:fontRef>
+        </p:style>
+        <p:txBody>
+          <a:bodyPr rtlCol="0" anchor="ctr"/>
+          <a:lstStyle/>
+          <a:p>
+            <a:pPr algn="ctr"/>
+            <a:endParaRPr kumimoji="1" lang="ja-JP" altLang="en-US"/>
           </a:p>
         </p:txBody>
       </p:sp>
@@ -11432,6 +12673,238 @@
 </file>
 
 <file path=ppt/slides/slide5.xml><?xml version="1.0" encoding="utf-8"?>
+<p:sld xmlns:a="http://schemas.openxmlformats.org/drawingml/2006/main" xmlns:r="http://schemas.openxmlformats.org/officeDocument/2006/relationships" xmlns:p="http://schemas.openxmlformats.org/presentationml/2006/main">
+  <p:cSld>
+    <p:spTree>
+      <p:nvGrpSpPr>
+        <p:cNvPr id="1" name=""/>
+        <p:cNvGrpSpPr/>
+        <p:nvPr/>
+      </p:nvGrpSpPr>
+      <p:grpSpPr>
+        <a:xfrm>
+          <a:off x="0" y="0"/>
+          <a:ext cx="0" cy="0"/>
+          <a:chOff x="0" y="0"/>
+          <a:chExt cx="0" cy="0"/>
+        </a:xfrm>
+      </p:grpSpPr>
+      <p:sp>
+        <p:nvSpPr>
+          <p:cNvPr id="2" name="タイトル 1">
+            <a:extLst>
+              <a:ext uri="{FF2B5EF4-FFF2-40B4-BE49-F238E27FC236}">
+                <a16:creationId xmlns:a16="http://schemas.microsoft.com/office/drawing/2014/main" id="{3A808DAC-6E3F-4297-8A6E-2FAEBAF0E414}"/>
+              </a:ext>
+            </a:extLst>
+          </p:cNvPr>
+          <p:cNvSpPr>
+            <a:spLocks noGrp="1"/>
+          </p:cNvSpPr>
+          <p:nvPr>
+            <p:ph type="title"/>
+          </p:nvPr>
+        </p:nvSpPr>
+        <p:spPr>
+          <a:xfrm>
+            <a:off x="839788" y="989012"/>
+            <a:ext cx="5062248" cy="673532"/>
+          </a:xfrm>
+        </p:spPr>
+        <p:txBody>
+          <a:bodyPr>
+            <a:normAutofit fontScale="90000"/>
+          </a:bodyPr>
+          <a:lstStyle/>
+          <a:p>
+            <a:r>
+              <a:rPr kumimoji="1" lang="en-US" altLang="ja-JP" sz="4800" b="1" dirty="0"/>
+              <a:t>WEBGUI</a:t>
+            </a:r>
+            <a:r>
+              <a:rPr kumimoji="1" lang="ja-JP" altLang="en-US" sz="4800" b="1" dirty="0"/>
+              <a:t>の振る舞い</a:t>
+            </a:r>
+          </a:p>
+        </p:txBody>
+      </p:sp>
+      <p:pic>
+        <p:nvPicPr>
+          <p:cNvPr id="6" name="図プレースホルダー 5">
+            <a:extLst>
+              <a:ext uri="{FF2B5EF4-FFF2-40B4-BE49-F238E27FC236}">
+                <a16:creationId xmlns:a16="http://schemas.microsoft.com/office/drawing/2014/main" id="{DFBC87AE-945E-4952-AF76-7052469DD345}"/>
+              </a:ext>
+            </a:extLst>
+          </p:cNvPr>
+          <p:cNvPicPr>
+            <a:picLocks noGrp="1" noChangeAspect="1"/>
+          </p:cNvPicPr>
+          <p:nvPr>
+            <p:ph type="pic" idx="1"/>
+          </p:nvPr>
+        </p:nvPicPr>
+        <p:blipFill>
+          <a:blip r:embed="rId3">
+            <a:extLst>
+              <a:ext uri="{28A0092B-C50C-407E-A947-70E740481C1C}">
+                <a14:useLocalDpi xmlns:a14="http://schemas.microsoft.com/office/drawing/2010/main" val="0"/>
+              </a:ext>
+            </a:extLst>
+          </a:blip>
+          <a:srcRect l="21374" r="21374"/>
+          <a:stretch>
+            <a:fillRect/>
+          </a:stretch>
+        </p:blipFill>
+        <p:spPr>
+          <a:xfrm>
+            <a:off x="2628901" y="2472253"/>
+            <a:ext cx="8245524" cy="4284078"/>
+          </a:xfrm>
+        </p:spPr>
+      </p:pic>
+      <p:sp>
+        <p:nvSpPr>
+          <p:cNvPr id="4" name="テキスト プレースホルダー 3">
+            <a:extLst>
+              <a:ext uri="{FF2B5EF4-FFF2-40B4-BE49-F238E27FC236}">
+                <a16:creationId xmlns:a16="http://schemas.microsoft.com/office/drawing/2014/main" id="{E7547DF9-D26C-401C-B92F-78096A655920}"/>
+              </a:ext>
+            </a:extLst>
+          </p:cNvPr>
+          <p:cNvSpPr>
+            <a:spLocks noGrp="1"/>
+          </p:cNvSpPr>
+          <p:nvPr>
+            <p:ph type="body" sz="half" idx="2"/>
+          </p:nvPr>
+        </p:nvSpPr>
+        <p:spPr>
+          <a:xfrm>
+            <a:off x="839789" y="2057400"/>
+            <a:ext cx="3209698" cy="3811588"/>
+          </a:xfrm>
+        </p:spPr>
+        <p:txBody>
+          <a:bodyPr/>
+          <a:lstStyle/>
+          <a:p>
+            <a:r>
+              <a:rPr lang="ja-JP" altLang="en-US" dirty="0"/>
+              <a:t>①楽譜</a:t>
+            </a:r>
+            <a:endParaRPr lang="en-US" altLang="ja-JP" dirty="0"/>
+          </a:p>
+          <a:p>
+            <a:r>
+              <a:rPr kumimoji="1" lang="ja-JP" altLang="en-US" dirty="0"/>
+              <a:t>②</a:t>
+            </a:r>
+            <a:r>
+              <a:rPr lang="ja-JP" altLang="en-US" dirty="0"/>
+              <a:t>ピアノ</a:t>
+            </a:r>
+            <a:endParaRPr lang="en-US" altLang="ja-JP" dirty="0"/>
+          </a:p>
+          <a:p>
+            <a:r>
+              <a:rPr lang="ja-JP" altLang="en-US" dirty="0"/>
+              <a:t>③音符 休符</a:t>
+            </a:r>
+            <a:endParaRPr lang="en-US" altLang="ja-JP" dirty="0"/>
+          </a:p>
+          <a:p>
+            <a:r>
+              <a:rPr lang="ja-JP" altLang="en-US" dirty="0"/>
+              <a:t>④送信</a:t>
+            </a:r>
+            <a:endParaRPr kumimoji="1" lang="ja-JP" altLang="en-US" dirty="0"/>
+          </a:p>
+        </p:txBody>
+      </p:sp>
+      <p:sp>
+        <p:nvSpPr>
+          <p:cNvPr id="7" name="正方形/長方形 6">
+            <a:extLst>
+              <a:ext uri="{FF2B5EF4-FFF2-40B4-BE49-F238E27FC236}">
+                <a16:creationId xmlns:a16="http://schemas.microsoft.com/office/drawing/2014/main" id="{41AB9D3B-5670-400A-BCCB-5F614A7A2168}"/>
+              </a:ext>
+            </a:extLst>
+          </p:cNvPr>
+          <p:cNvSpPr/>
+          <p:nvPr/>
+        </p:nvSpPr>
+        <p:spPr>
+          <a:xfrm>
+            <a:off x="8287352" y="0"/>
+            <a:ext cx="3904649" cy="1944303"/>
+          </a:xfrm>
+          <a:prstGeom prst="rect">
+            <a:avLst/>
+          </a:prstGeom>
+          <a:solidFill>
+            <a:schemeClr val="bg2">
+              <a:lumMod val="50000"/>
+            </a:schemeClr>
+          </a:solidFill>
+          <a:ln>
+            <a:solidFill>
+              <a:schemeClr val="tx1"/>
+            </a:solidFill>
+          </a:ln>
+        </p:spPr>
+        <p:style>
+          <a:lnRef idx="2">
+            <a:schemeClr val="accent1">
+              <a:shade val="50000"/>
+            </a:schemeClr>
+          </a:lnRef>
+          <a:fillRef idx="1">
+            <a:schemeClr val="accent1"/>
+          </a:fillRef>
+          <a:effectRef idx="0">
+            <a:schemeClr val="accent1"/>
+          </a:effectRef>
+          <a:fontRef idx="minor">
+            <a:schemeClr val="lt1"/>
+          </a:fontRef>
+        </p:style>
+        <p:txBody>
+          <a:bodyPr rtlCol="0" anchor="ctr"/>
+          <a:lstStyle/>
+          <a:p>
+            <a:pPr algn="ctr"/>
+            <a:endParaRPr kumimoji="1" lang="ja-JP" altLang="en-US"/>
+          </a:p>
+        </p:txBody>
+      </p:sp>
+    </p:spTree>
+    <p:extLst>
+      <p:ext uri="{BB962C8B-B14F-4D97-AF65-F5344CB8AC3E}">
+        <p14:creationId xmlns:p14="http://schemas.microsoft.com/office/powerpoint/2010/main" val="2566175641"/>
+      </p:ext>
+    </p:extLst>
+  </p:cSld>
+  <p:clrMapOvr>
+    <a:masterClrMapping/>
+  </p:clrMapOvr>
+  <mc:AlternateContent xmlns:mc="http://schemas.openxmlformats.org/markup-compatibility/2006" xmlns:p14="http://schemas.microsoft.com/office/powerpoint/2010/main">
+    <mc:Choice Requires="p14">
+      <p:transition spd="slow" p14:dur="800">
+        <p:circle/>
+      </p:transition>
+    </mc:Choice>
+    <mc:Fallback xmlns="">
+      <p:transition spd="slow">
+        <p:circle/>
+      </p:transition>
+    </mc:Fallback>
+  </mc:AlternateContent>
+</p:sld>
+</file>
+
+<file path=ppt/slides/slide6.xml><?xml version="1.0" encoding="utf-8"?>
 <p:sld xmlns:a="http://schemas.openxmlformats.org/drawingml/2006/main" xmlns:r="http://schemas.openxmlformats.org/officeDocument/2006/relationships" xmlns:p="http://schemas.openxmlformats.org/presentationml/2006/main">
   <p:cSld>
     <p:spTree>
@@ -12257,7 +13730,23 @@
                   <a:schemeClr val="bg1"/>
                 </a:solidFill>
               </a:rPr>
-              <a:t>ユーザーのメロディから生成された曲が返ってくる</a:t>
+              <a:t>自動作曲した曲</a:t>
+            </a:r>
+            <a:endParaRPr lang="en-US" altLang="ja-JP" dirty="0">
+              <a:solidFill>
+                <a:schemeClr val="bg1"/>
+              </a:solidFill>
+            </a:endParaRPr>
+          </a:p>
+          <a:p>
+            <a:pPr algn="ctr"/>
+            <a:r>
+              <a:rPr lang="ja-JP" altLang="en-US" dirty="0">
+                <a:solidFill>
+                  <a:schemeClr val="bg1"/>
+                </a:solidFill>
+              </a:rPr>
+              <a:t>が返ってくる</a:t>
             </a:r>
             <a:endParaRPr kumimoji="1" lang="ja-JP" altLang="en-US" dirty="0">
               <a:solidFill>
@@ -12281,8 +13770,8 @@
         </p:nvSpPr>
         <p:spPr>
           <a:xfrm>
-            <a:off x="8645237" y="0"/>
-            <a:ext cx="3546764" cy="1967345"/>
+            <a:off x="8255201" y="0"/>
+            <a:ext cx="3936800" cy="1967345"/>
           </a:xfrm>
           <a:prstGeom prst="rect">
             <a:avLst/>
@@ -12327,205 +13816,6 @@
     <p:extLst>
       <p:ext uri="{BB962C8B-B14F-4D97-AF65-F5344CB8AC3E}">
         <p14:creationId xmlns:p14="http://schemas.microsoft.com/office/powerpoint/2010/main" val="2826307774"/>
-      </p:ext>
-    </p:extLst>
-  </p:cSld>
-  <p:clrMapOvr>
-    <a:masterClrMapping/>
-  </p:clrMapOvr>
-  <mc:AlternateContent xmlns:mc="http://schemas.openxmlformats.org/markup-compatibility/2006" xmlns:p14="http://schemas.microsoft.com/office/powerpoint/2010/main">
-    <mc:Choice Requires="p14">
-      <p:transition spd="slow" p14:dur="800">
-        <p:circle/>
-      </p:transition>
-    </mc:Choice>
-    <mc:Fallback xmlns="">
-      <p:transition spd="slow">
-        <p:circle/>
-      </p:transition>
-    </mc:Fallback>
-  </mc:AlternateContent>
-</p:sld>
-</file>
-
-<file path=ppt/slides/slide6.xml><?xml version="1.0" encoding="utf-8"?>
-<p:sld xmlns:a="http://schemas.openxmlformats.org/drawingml/2006/main" xmlns:r="http://schemas.openxmlformats.org/officeDocument/2006/relationships" xmlns:p="http://schemas.openxmlformats.org/presentationml/2006/main">
-  <p:cSld>
-    <p:spTree>
-      <p:nvGrpSpPr>
-        <p:cNvPr id="1" name=""/>
-        <p:cNvGrpSpPr/>
-        <p:nvPr/>
-      </p:nvGrpSpPr>
-      <p:grpSpPr>
-        <a:xfrm>
-          <a:off x="0" y="0"/>
-          <a:ext cx="0" cy="0"/>
-          <a:chOff x="0" y="0"/>
-          <a:chExt cx="0" cy="0"/>
-        </a:xfrm>
-      </p:grpSpPr>
-      <p:sp>
-        <p:nvSpPr>
-          <p:cNvPr id="2" name="タイトル 1">
-            <a:extLst>
-              <a:ext uri="{FF2B5EF4-FFF2-40B4-BE49-F238E27FC236}">
-                <a16:creationId xmlns:a16="http://schemas.microsoft.com/office/drawing/2014/main" id="{1954BC50-3672-4E36-B845-B0805C656BB2}"/>
-              </a:ext>
-            </a:extLst>
-          </p:cNvPr>
-          <p:cNvSpPr>
-            <a:spLocks noGrp="1"/>
-          </p:cNvSpPr>
-          <p:nvPr>
-            <p:ph type="ctrTitle"/>
-          </p:nvPr>
-        </p:nvSpPr>
-        <p:spPr>
-          <a:xfrm>
-            <a:off x="718456" y="674914"/>
-            <a:ext cx="8186058" cy="761999"/>
-          </a:xfrm>
-        </p:spPr>
-        <p:txBody>
-          <a:bodyPr>
-            <a:normAutofit/>
-          </a:bodyPr>
-          <a:lstStyle/>
-          <a:p>
-            <a:pPr algn="l"/>
-            <a:r>
-              <a:rPr kumimoji="1" lang="ja-JP" altLang="en-US" sz="4400" dirty="0"/>
-              <a:t>自動作曲の方法について①</a:t>
-            </a:r>
-          </a:p>
-        </p:txBody>
-      </p:sp>
-      <p:sp>
-        <p:nvSpPr>
-          <p:cNvPr id="3" name="字幕 2">
-            <a:extLst>
-              <a:ext uri="{FF2B5EF4-FFF2-40B4-BE49-F238E27FC236}">
-                <a16:creationId xmlns:a16="http://schemas.microsoft.com/office/drawing/2014/main" id="{E0C25DE3-0B4C-4CF0-BA61-8328FBB67271}"/>
-              </a:ext>
-            </a:extLst>
-          </p:cNvPr>
-          <p:cNvSpPr>
-            <a:spLocks noGrp="1"/>
-          </p:cNvSpPr>
-          <p:nvPr>
-            <p:ph type="subTitle" idx="1"/>
-          </p:nvPr>
-        </p:nvSpPr>
-        <p:spPr>
-          <a:xfrm>
-            <a:off x="718456" y="1436913"/>
-            <a:ext cx="6487886" cy="566058"/>
-          </a:xfrm>
-        </p:spPr>
-        <p:txBody>
-          <a:bodyPr>
-            <a:noAutofit/>
-          </a:bodyPr>
-          <a:lstStyle/>
-          <a:p>
-            <a:pPr algn="l"/>
-            <a:r>
-              <a:rPr lang="ja-JP" altLang="en-US" sz="3200" dirty="0"/>
-              <a:t>入力から出力までの工程</a:t>
-            </a:r>
-            <a:endParaRPr lang="en-US" altLang="ja-JP" sz="3200" dirty="0"/>
-          </a:p>
-        </p:txBody>
-      </p:sp>
-      <p:sp>
-        <p:nvSpPr>
-          <p:cNvPr id="4" name="正方形/長方形 3">
-            <a:extLst>
-              <a:ext uri="{FF2B5EF4-FFF2-40B4-BE49-F238E27FC236}">
-                <a16:creationId xmlns:a16="http://schemas.microsoft.com/office/drawing/2014/main" id="{69CD0D9E-E9E7-46E2-B83D-0FDBEAE480FF}"/>
-              </a:ext>
-            </a:extLst>
-          </p:cNvPr>
-          <p:cNvSpPr/>
-          <p:nvPr/>
-        </p:nvSpPr>
-        <p:spPr>
-          <a:xfrm>
-            <a:off x="8645237" y="0"/>
-            <a:ext cx="3546764" cy="1967345"/>
-          </a:xfrm>
-          <a:prstGeom prst="rect">
-            <a:avLst/>
-          </a:prstGeom>
-          <a:solidFill>
-            <a:schemeClr val="bg2">
-              <a:lumMod val="50000"/>
-            </a:schemeClr>
-          </a:solidFill>
-          <a:ln>
-            <a:solidFill>
-              <a:schemeClr val="tx1"/>
-            </a:solidFill>
-          </a:ln>
-        </p:spPr>
-        <p:style>
-          <a:lnRef idx="2">
-            <a:schemeClr val="accent1">
-              <a:shade val="50000"/>
-            </a:schemeClr>
-          </a:lnRef>
-          <a:fillRef idx="1">
-            <a:schemeClr val="accent1"/>
-          </a:fillRef>
-          <a:effectRef idx="0">
-            <a:schemeClr val="accent1"/>
-          </a:effectRef>
-          <a:fontRef idx="minor">
-            <a:schemeClr val="lt1"/>
-          </a:fontRef>
-        </p:style>
-        <p:txBody>
-          <a:bodyPr rtlCol="0" anchor="ctr"/>
-          <a:lstStyle/>
-          <a:p>
-            <a:pPr algn="ctr"/>
-            <a:endParaRPr kumimoji="1" lang="ja-JP" altLang="en-US"/>
-          </a:p>
-        </p:txBody>
-      </p:sp>
-      <p:graphicFrame>
-        <p:nvGraphicFramePr>
-          <p:cNvPr id="9" name="図表 8">
-            <a:extLst>
-              <a:ext uri="{FF2B5EF4-FFF2-40B4-BE49-F238E27FC236}">
-                <a16:creationId xmlns:a16="http://schemas.microsoft.com/office/drawing/2014/main" id="{873D5251-D0E9-4E04-B6EB-993451D4EEE9}"/>
-              </a:ext>
-            </a:extLst>
-          </p:cNvPr>
-          <p:cNvGraphicFramePr/>
-          <p:nvPr>
-            <p:extLst>
-              <p:ext uri="{D42A27DB-BD31-4B8C-83A1-F6EECF244321}">
-                <p14:modId xmlns:p14="http://schemas.microsoft.com/office/powerpoint/2010/main" val="1168711387"/>
-              </p:ext>
-            </p:extLst>
-          </p:nvPr>
-        </p:nvGraphicFramePr>
-        <p:xfrm>
-          <a:off x="718455" y="2373086"/>
-          <a:ext cx="10537373" cy="3810000"/>
-        </p:xfrm>
-        <a:graphic>
-          <a:graphicData uri="http://schemas.openxmlformats.org/drawingml/2006/diagram">
-            <dgm:relIds xmlns:dgm="http://schemas.openxmlformats.org/drawingml/2006/diagram" xmlns:r="http://schemas.openxmlformats.org/officeDocument/2006/relationships" r:dm="rId2" r:lo="rId3" r:qs="rId4" r:cs="rId5"/>
-          </a:graphicData>
-        </a:graphic>
-      </p:graphicFrame>
-    </p:spTree>
-    <p:extLst>
-      <p:ext uri="{BB962C8B-B14F-4D97-AF65-F5344CB8AC3E}">
-        <p14:creationId xmlns:p14="http://schemas.microsoft.com/office/powerpoint/2010/main" val="798640705"/>
       </p:ext>
     </p:extLst>
   </p:cSld>
@@ -12592,13 +13882,8 @@
           <a:p>
             <a:r>
               <a:rPr kumimoji="1" lang="ja-JP" altLang="en-US" dirty="0"/>
-              <a:t>自動作曲の方法について</a:t>
-            </a:r>
-            <a:r>
-              <a:rPr lang="ja-JP" altLang="en-US" dirty="0"/>
-              <a:t>②</a:t>
-            </a:r>
-            <a:endParaRPr kumimoji="1" lang="ja-JP" altLang="en-US" dirty="0"/>
+              <a:t>自動作曲の方法について①</a:t>
+            </a:r>
           </a:p>
         </p:txBody>
       </p:sp>
@@ -14897,8 +16182,8 @@
         </p:nvSpPr>
         <p:spPr>
           <a:xfrm>
-            <a:off x="8645237" y="0"/>
-            <a:ext cx="3546764" cy="1967345"/>
+            <a:off x="8331587" y="0"/>
+            <a:ext cx="3860414" cy="1967345"/>
           </a:xfrm>
           <a:prstGeom prst="rect">
             <a:avLst/>
@@ -15022,18 +16307,7 @@
                   <a:srgbClr val="FF0000"/>
                 </a:solidFill>
               </a:rPr>
-              <a:t>リカレントニューラルネットワー</a:t>
-            </a:r>
-            <a:r>
-              <a:rPr lang="ja-JP" altLang="en-US" sz="3200" dirty="0">
-                <a:solidFill>
-                  <a:srgbClr val="FF0000"/>
-                </a:solidFill>
-                <a:highlight>
-                  <a:srgbClr val="C0C0C0"/>
-                </a:highlight>
-              </a:rPr>
-              <a:t>ク</a:t>
+              <a:t>リカレントニューラルネットワーク</a:t>
             </a:r>
             <a:r>
               <a:rPr lang="en-US" altLang="ja-JP" sz="3200" dirty="0">
@@ -15195,7 +16469,7 @@
           <p:cNvPr id="2" name="タイトル 1">
             <a:extLst>
               <a:ext uri="{FF2B5EF4-FFF2-40B4-BE49-F238E27FC236}">
-                <a16:creationId xmlns:a16="http://schemas.microsoft.com/office/drawing/2014/main" id="{9A72B701-728E-4804-93D5-B902113E04F4}"/>
+                <a16:creationId xmlns:a16="http://schemas.microsoft.com/office/drawing/2014/main" id="{1954BC50-3672-4E36-B845-B0805C656BB2}"/>
               </a:ext>
             </a:extLst>
           </p:cNvPr>
@@ -15203,37 +16477,40 @@
             <a:spLocks noGrp="1"/>
           </p:cNvSpPr>
           <p:nvPr>
-            <p:ph type="title"/>
+            <p:ph type="ctrTitle"/>
           </p:nvPr>
         </p:nvSpPr>
         <p:spPr>
           <a:xfrm>
-            <a:off x="293915" y="365125"/>
-            <a:ext cx="8762999" cy="1325563"/>
+            <a:off x="718456" y="674914"/>
+            <a:ext cx="8186058" cy="761999"/>
           </a:xfrm>
         </p:spPr>
         <p:txBody>
-          <a:bodyPr/>
+          <a:bodyPr>
+            <a:normAutofit/>
+          </a:bodyPr>
           <a:lstStyle/>
           <a:p>
-            <a:r>
-              <a:rPr lang="en-US" altLang="ja-JP" b="1" dirty="0"/>
-              <a:t>Python</a:t>
-            </a:r>
-            <a:r>
-              <a:rPr lang="ja-JP" altLang="en-US" b="1" dirty="0"/>
-              <a:t>のライブラリ①</a:t>
-            </a:r>
-            <a:endParaRPr kumimoji="1" lang="ja-JP" altLang="en-US" b="1" dirty="0"/>
+            <a:pPr algn="l"/>
+            <a:r>
+              <a:rPr kumimoji="1" lang="ja-JP" altLang="en-US" sz="4400" dirty="0"/>
+              <a:t>自動作曲の方法について</a:t>
+            </a:r>
+            <a:r>
+              <a:rPr lang="ja-JP" altLang="en-US" sz="4400" dirty="0"/>
+              <a:t>②</a:t>
+            </a:r>
+            <a:endParaRPr kumimoji="1" lang="ja-JP" altLang="en-US" sz="4400" dirty="0"/>
           </a:p>
         </p:txBody>
       </p:sp>
       <p:sp>
         <p:nvSpPr>
-          <p:cNvPr id="3" name="テキスト プレースホルダー 2">
+          <p:cNvPr id="3" name="字幕 2">
             <a:extLst>
               <a:ext uri="{FF2B5EF4-FFF2-40B4-BE49-F238E27FC236}">
-                <a16:creationId xmlns:a16="http://schemas.microsoft.com/office/drawing/2014/main" id="{8A3E2783-46B8-4A3F-BBE0-62453BBA6DBE}"/>
+                <a16:creationId xmlns:a16="http://schemas.microsoft.com/office/drawing/2014/main" id="{E0C25DE3-0B4C-4CF0-BA61-8328FBB67271}"/>
               </a:ext>
             </a:extLst>
           </p:cNvPr>
@@ -15241,13 +16518,13 @@
             <a:spLocks noGrp="1"/>
           </p:cNvSpPr>
           <p:nvPr>
-            <p:ph type="body" idx="1"/>
+            <p:ph type="subTitle" idx="1"/>
           </p:nvPr>
         </p:nvSpPr>
         <p:spPr>
           <a:xfrm>
-            <a:off x="5138057" y="1662120"/>
-            <a:ext cx="5157787" cy="605631"/>
+            <a:off x="718456" y="1436913"/>
+            <a:ext cx="6487886" cy="566058"/>
           </a:xfrm>
         </p:spPr>
         <p:txBody>
@@ -15256,216 +16533,21 @@
           </a:bodyPr>
           <a:lstStyle/>
           <a:p>
-            <a:r>
-              <a:rPr kumimoji="1" lang="en-US" altLang="ja-JP" sz="4000" dirty="0">
-                <a:solidFill>
-                  <a:srgbClr val="FF0000"/>
-                </a:solidFill>
-              </a:rPr>
-              <a:t>MIDI2audio</a:t>
-            </a:r>
-            <a:endParaRPr kumimoji="1" lang="ja-JP" altLang="en-US" sz="4000" dirty="0">
-              <a:solidFill>
-                <a:srgbClr val="FF0000"/>
-              </a:solidFill>
-            </a:endParaRPr>
+            <a:pPr algn="l"/>
+            <a:r>
+              <a:rPr lang="ja-JP" altLang="en-US" sz="3200" dirty="0"/>
+              <a:t>入力から出力までの工程</a:t>
+            </a:r>
+            <a:endParaRPr lang="en-US" altLang="ja-JP" sz="3200" dirty="0"/>
           </a:p>
         </p:txBody>
       </p:sp>
       <p:sp>
         <p:nvSpPr>
-          <p:cNvPr id="4" name="コンテンツ プレースホルダー 3">
+          <p:cNvPr id="4" name="正方形/長方形 3">
             <a:extLst>
               <a:ext uri="{FF2B5EF4-FFF2-40B4-BE49-F238E27FC236}">
-                <a16:creationId xmlns:a16="http://schemas.microsoft.com/office/drawing/2014/main" id="{C4DD3020-F0F6-4715-A9BF-919D2F699F2C}"/>
-              </a:ext>
-            </a:extLst>
-          </p:cNvPr>
-          <p:cNvSpPr>
-            <a:spLocks noGrp="1"/>
-          </p:cNvSpPr>
-          <p:nvPr>
-            <p:ph sz="half" idx="2"/>
-          </p:nvPr>
-        </p:nvSpPr>
-        <p:spPr>
-          <a:xfrm>
-            <a:off x="5138057" y="2400170"/>
-            <a:ext cx="5157787" cy="967933"/>
-          </a:xfrm>
-        </p:spPr>
-        <p:txBody>
-          <a:bodyPr>
-            <a:normAutofit/>
-          </a:bodyPr>
-          <a:lstStyle/>
-          <a:p>
-            <a:r>
-              <a:rPr kumimoji="1" lang="en-US" altLang="ja-JP" dirty="0"/>
-              <a:t>MIDI</a:t>
-            </a:r>
-            <a:r>
-              <a:rPr kumimoji="1" lang="ja-JP" altLang="en-US" dirty="0"/>
-              <a:t>ファイルを</a:t>
-            </a:r>
-            <a:r>
-              <a:rPr kumimoji="1" lang="en-US" altLang="ja-JP" dirty="0"/>
-              <a:t>MP3,wav</a:t>
-            </a:r>
-            <a:r>
-              <a:rPr kumimoji="1" lang="ja-JP" altLang="en-US" dirty="0"/>
-              <a:t>に形式変更できる。</a:t>
-            </a:r>
-          </a:p>
-        </p:txBody>
-      </p:sp>
-      <p:sp>
-        <p:nvSpPr>
-          <p:cNvPr id="5" name="テキスト プレースホルダー 4">
-            <a:extLst>
-              <a:ext uri="{FF2B5EF4-FFF2-40B4-BE49-F238E27FC236}">
-                <a16:creationId xmlns:a16="http://schemas.microsoft.com/office/drawing/2014/main" id="{C2641514-FE60-465A-802E-14179BC31F50}"/>
-              </a:ext>
-            </a:extLst>
-          </p:cNvPr>
-          <p:cNvSpPr>
-            <a:spLocks noGrp="1"/>
-          </p:cNvSpPr>
-          <p:nvPr>
-            <p:ph type="body" sz="quarter" idx="3"/>
-          </p:nvPr>
-        </p:nvSpPr>
-        <p:spPr>
-          <a:xfrm>
-            <a:off x="536462" y="1455335"/>
-            <a:ext cx="5183188" cy="795564"/>
-          </a:xfrm>
-        </p:spPr>
-        <p:txBody>
-          <a:bodyPr>
-            <a:normAutofit/>
-          </a:bodyPr>
-          <a:lstStyle/>
-          <a:p>
-            <a:r>
-              <a:rPr lang="en-US" altLang="ja-JP" sz="4000" dirty="0">
-                <a:solidFill>
-                  <a:srgbClr val="FF0000"/>
-                </a:solidFill>
-              </a:rPr>
-              <a:t>music21</a:t>
-            </a:r>
-          </a:p>
-        </p:txBody>
-      </p:sp>
-      <p:sp>
-        <p:nvSpPr>
-          <p:cNvPr id="6" name="コンテンツ プレースホルダー 5">
-            <a:extLst>
-              <a:ext uri="{FF2B5EF4-FFF2-40B4-BE49-F238E27FC236}">
-                <a16:creationId xmlns:a16="http://schemas.microsoft.com/office/drawing/2014/main" id="{FC609FD6-3ED4-4CE3-8FC0-2C0F7B63BFF6}"/>
-              </a:ext>
-            </a:extLst>
-          </p:cNvPr>
-          <p:cNvSpPr>
-            <a:spLocks noGrp="1"/>
-          </p:cNvSpPr>
-          <p:nvPr>
-            <p:ph sz="quarter" idx="4"/>
-          </p:nvPr>
-        </p:nvSpPr>
-        <p:spPr>
-          <a:xfrm>
-            <a:off x="293915" y="2650218"/>
-            <a:ext cx="4844142" cy="3684588"/>
-          </a:xfrm>
-        </p:spPr>
-        <p:txBody>
-          <a:bodyPr>
-            <a:normAutofit/>
-          </a:bodyPr>
-          <a:lstStyle/>
-          <a:p>
-            <a:r>
-              <a:rPr lang="en-US" altLang="ja-JP" sz="3000" dirty="0"/>
-              <a:t>music21</a:t>
-            </a:r>
-            <a:r>
-              <a:rPr lang="ja-JP" altLang="en-US" sz="3000" dirty="0"/>
-              <a:t>は、</a:t>
-            </a:r>
-            <a:r>
-              <a:rPr lang="en-US" altLang="ja-JP" sz="3000" dirty="0"/>
-              <a:t>Python</a:t>
-            </a:r>
-            <a:r>
-              <a:rPr lang="ja-JP" altLang="en-US" sz="3000" dirty="0"/>
-              <a:t>の音楽情報処理ライブラリです。</a:t>
-            </a:r>
-            <a:br>
-              <a:rPr lang="ja-JP" altLang="en-US" sz="3000" dirty="0"/>
-            </a:br>
-            <a:r>
-              <a:rPr lang="ja-JP" altLang="en-US" sz="3000" dirty="0"/>
-              <a:t>楽譜や音声を分析するために、利用されています。</a:t>
-            </a:r>
-            <a:endParaRPr lang="en-US" altLang="ja-JP" sz="3000" dirty="0"/>
-          </a:p>
-          <a:p>
-            <a:r>
-              <a:rPr lang="ja-JP" altLang="en-US" sz="3000" dirty="0"/>
-              <a:t>文字列から数値のベースにするために使用しています</a:t>
-            </a:r>
-            <a:r>
-              <a:rPr lang="ja-JP" altLang="en-US" dirty="0"/>
-              <a:t>。</a:t>
-            </a:r>
-            <a:endParaRPr kumimoji="1" lang="ja-JP" altLang="en-US" dirty="0"/>
-          </a:p>
-        </p:txBody>
-      </p:sp>
-      <p:pic>
-        <p:nvPicPr>
-          <p:cNvPr id="8" name="図 7">
-            <a:extLst>
-              <a:ext uri="{FF2B5EF4-FFF2-40B4-BE49-F238E27FC236}">
-                <a16:creationId xmlns:a16="http://schemas.microsoft.com/office/drawing/2014/main" id="{3E02EF9F-B3D8-46FE-BC69-29D7651F7467}"/>
-              </a:ext>
-            </a:extLst>
-          </p:cNvPr>
-          <p:cNvPicPr>
-            <a:picLocks noChangeAspect="1"/>
-          </p:cNvPicPr>
-          <p:nvPr/>
-        </p:nvPicPr>
-        <p:blipFill>
-          <a:blip r:embed="rId2">
-            <a:extLst>
-              <a:ext uri="{28A0092B-C50C-407E-A947-70E740481C1C}">
-                <a14:useLocalDpi xmlns:a14="http://schemas.microsoft.com/office/drawing/2010/main" val="0"/>
-              </a:ext>
-            </a:extLst>
-          </a:blip>
-          <a:stretch>
-            <a:fillRect/>
-          </a:stretch>
-        </p:blipFill>
-        <p:spPr>
-          <a:xfrm>
-            <a:off x="8367939" y="3270876"/>
-            <a:ext cx="3530146" cy="3485524"/>
-          </a:xfrm>
-          <a:prstGeom prst="rect">
-            <a:avLst/>
-          </a:prstGeom>
-        </p:spPr>
-      </p:pic>
-      <p:sp>
-        <p:nvSpPr>
-          <p:cNvPr id="9" name="正方形/長方形 8">
-            <a:extLst>
-              <a:ext uri="{FF2B5EF4-FFF2-40B4-BE49-F238E27FC236}">
-                <a16:creationId xmlns:a16="http://schemas.microsoft.com/office/drawing/2014/main" id="{0D8C69D8-185E-4A2A-BBB0-33995E0FF6BC}"/>
+                <a16:creationId xmlns:a16="http://schemas.microsoft.com/office/drawing/2014/main" id="{69CD0D9E-E9E7-46E2-B83D-0FDBEAE480FF}"/>
               </a:ext>
             </a:extLst>
           </p:cNvPr>
@@ -15474,8 +16556,8 @@
         </p:nvSpPr>
         <p:spPr>
           <a:xfrm>
-            <a:off x="8645237" y="0"/>
-            <a:ext cx="3546764" cy="1967345"/>
+            <a:off x="8306602" y="0"/>
+            <a:ext cx="3885399" cy="1967345"/>
           </a:xfrm>
           <a:prstGeom prst="rect">
             <a:avLst/>
@@ -15512,76 +16594,42 @@
           <a:lstStyle/>
           <a:p>
             <a:pPr algn="ctr"/>
-            <a:endParaRPr kumimoji="1" lang="ja-JP" altLang="en-US" dirty="0"/>
+            <a:endParaRPr kumimoji="1" lang="ja-JP" altLang="en-US"/>
           </a:p>
         </p:txBody>
       </p:sp>
-      <p:sp>
-        <p:nvSpPr>
-          <p:cNvPr id="10" name="吹き出し: 四角形 9">
+      <p:graphicFrame>
+        <p:nvGraphicFramePr>
+          <p:cNvPr id="9" name="図表 8">
             <a:extLst>
               <a:ext uri="{FF2B5EF4-FFF2-40B4-BE49-F238E27FC236}">
-                <a16:creationId xmlns:a16="http://schemas.microsoft.com/office/drawing/2014/main" id="{D4DF5B21-6642-447F-98AE-FDE3B3D4D7E5}"/>
+                <a16:creationId xmlns:a16="http://schemas.microsoft.com/office/drawing/2014/main" id="{873D5251-D0E9-4E04-B6EB-993451D4EEE9}"/>
               </a:ext>
             </a:extLst>
           </p:cNvPr>
-          <p:cNvSpPr/>
-          <p:nvPr/>
-        </p:nvSpPr>
-        <p:spPr>
-          <a:xfrm>
-            <a:off x="5359626" y="3454992"/>
-            <a:ext cx="2786743" cy="1325563"/>
-          </a:xfrm>
-          <a:prstGeom prst="wedgeRectCallout">
-            <a:avLst>
-              <a:gd name="adj1" fmla="val 55943"/>
-              <a:gd name="adj2" fmla="val 81114"/>
-            </a:avLst>
-          </a:prstGeom>
-          <a:ln/>
-        </p:spPr>
-        <p:style>
-          <a:lnRef idx="2">
-            <a:schemeClr val="dk1"/>
-          </a:lnRef>
-          <a:fillRef idx="1">
-            <a:schemeClr val="lt1"/>
-          </a:fillRef>
-          <a:effectRef idx="0">
-            <a:schemeClr val="dk1"/>
-          </a:effectRef>
-          <a:fontRef idx="minor">
-            <a:schemeClr val="dk1"/>
-          </a:fontRef>
-        </p:style>
-        <p:txBody>
-          <a:bodyPr rtlCol="0" anchor="ctr"/>
-          <a:lstStyle/>
-          <a:p>
-            <a:r>
-              <a:rPr lang="en-US" altLang="ja-JP" dirty="0" err="1"/>
-              <a:t>abc</a:t>
-            </a:r>
-            <a:r>
-              <a:rPr lang="ja-JP" altLang="en-US" dirty="0"/>
-              <a:t>記法から</a:t>
-            </a:r>
-            <a:endParaRPr lang="en-US" altLang="ja-JP" dirty="0"/>
-          </a:p>
-          <a:p>
-            <a:r>
-              <a:rPr lang="ja-JP" altLang="en-US" dirty="0"/>
-              <a:t>連想配列に変換する</a:t>
-            </a:r>
-            <a:endParaRPr lang="en-US" altLang="ja-JP" dirty="0"/>
-          </a:p>
-        </p:txBody>
-      </p:sp>
+          <p:cNvGraphicFramePr/>
+          <p:nvPr>
+            <p:extLst>
+              <p:ext uri="{D42A27DB-BD31-4B8C-83A1-F6EECF244321}">
+                <p14:modId xmlns:p14="http://schemas.microsoft.com/office/powerpoint/2010/main" val="579664376"/>
+              </p:ext>
+            </p:extLst>
+          </p:nvPr>
+        </p:nvGraphicFramePr>
+        <p:xfrm>
+          <a:off x="718455" y="2373086"/>
+          <a:ext cx="10537373" cy="3810000"/>
+        </p:xfrm>
+        <a:graphic>
+          <a:graphicData uri="http://schemas.openxmlformats.org/drawingml/2006/diagram">
+            <dgm:relIds xmlns:dgm="http://schemas.openxmlformats.org/drawingml/2006/diagram" xmlns:r="http://schemas.openxmlformats.org/officeDocument/2006/relationships" r:dm="rId3" r:lo="rId4" r:qs="rId5" r:cs="rId6"/>
+          </a:graphicData>
+        </a:graphic>
+      </p:graphicFrame>
     </p:spTree>
     <p:extLst>
       <p:ext uri="{BB962C8B-B14F-4D97-AF65-F5344CB8AC3E}">
-        <p14:creationId xmlns:p14="http://schemas.microsoft.com/office/powerpoint/2010/main" val="28986287"/>
+        <p14:creationId xmlns:p14="http://schemas.microsoft.com/office/powerpoint/2010/main" val="798640705"/>
       </p:ext>
     </p:extLst>
   </p:cSld>
@@ -15625,7 +16673,7 @@
           <p:cNvPr id="2" name="タイトル 1">
             <a:extLst>
               <a:ext uri="{FF2B5EF4-FFF2-40B4-BE49-F238E27FC236}">
-                <a16:creationId xmlns:a16="http://schemas.microsoft.com/office/drawing/2014/main" id="{539E1CAC-99B9-43D8-BE45-B83173503896}"/>
+                <a16:creationId xmlns:a16="http://schemas.microsoft.com/office/drawing/2014/main" id="{07239086-0EF7-4A7E-80FC-A3197BFF5F4A}"/>
               </a:ext>
             </a:extLst>
           </p:cNvPr>
@@ -15636,43 +16684,98 @@
             <p:ph type="title"/>
           </p:nvPr>
         </p:nvSpPr>
+        <p:spPr/>
+        <p:txBody>
+          <a:bodyPr/>
+          <a:lstStyle/>
+          <a:p>
+            <a:r>
+              <a:rPr lang="en-US" altLang="ja-JP" dirty="0"/>
+              <a:t>WEBGUI</a:t>
+            </a:r>
+            <a:r>
+              <a:rPr lang="ja-JP" altLang="en-US" dirty="0"/>
+              <a:t>の仕組み</a:t>
+            </a:r>
+            <a:endParaRPr kumimoji="1" lang="ja-JP" altLang="en-US" dirty="0"/>
+          </a:p>
+        </p:txBody>
+      </p:sp>
+      <p:sp>
+        <p:nvSpPr>
+          <p:cNvPr id="3" name="コンテンツ プレースホルダー 2">
+            <a:extLst>
+              <a:ext uri="{FF2B5EF4-FFF2-40B4-BE49-F238E27FC236}">
+                <a16:creationId xmlns:a16="http://schemas.microsoft.com/office/drawing/2014/main" id="{006610B6-6291-43C4-A94F-98F87E484DCC}"/>
+              </a:ext>
+            </a:extLst>
+          </p:cNvPr>
+          <p:cNvSpPr>
+            <a:spLocks noGrp="1"/>
+          </p:cNvSpPr>
+          <p:nvPr>
+            <p:ph sz="half" idx="1"/>
+          </p:nvPr>
+        </p:nvSpPr>
         <p:spPr>
           <a:xfrm>
-            <a:off x="435428" y="261711"/>
-            <a:ext cx="6375919" cy="1069975"/>
+            <a:off x="643890" y="1990205"/>
+            <a:ext cx="5181600" cy="4351338"/>
           </a:xfrm>
         </p:spPr>
         <p:txBody>
-          <a:bodyPr>
-            <a:normAutofit fontScale="90000"/>
-          </a:bodyPr>
+          <a:bodyPr/>
           <a:lstStyle/>
           <a:p>
-            <a:br>
-              <a:rPr kumimoji="1" lang="en-US" altLang="ja-JP" dirty="0"/>
-            </a:br>
-            <a:r>
-              <a:rPr kumimoji="1" lang="en-US" altLang="ja-JP" sz="5300" b="1" dirty="0"/>
-              <a:t>Python</a:t>
-            </a:r>
-            <a:r>
-              <a:rPr kumimoji="1" lang="ja-JP" altLang="en-US" sz="5300" b="1" dirty="0"/>
-              <a:t>のライブラリ</a:t>
-            </a:r>
-            <a:r>
-              <a:rPr lang="ja-JP" altLang="en-US" sz="5300" b="1" dirty="0"/>
-              <a:t>②</a:t>
-            </a:r>
-            <a:endParaRPr kumimoji="1" lang="ja-JP" altLang="en-US" sz="5300" b="1" dirty="0"/>
+            <a:pPr marL="0" indent="0">
+              <a:buNone/>
+            </a:pPr>
+            <a:r>
+              <a:rPr kumimoji="1" lang="ja-JP" altLang="en-US" dirty="0"/>
+              <a:t>鍵盤を引く動作は</a:t>
+            </a:r>
+            <a:r>
+              <a:rPr lang="ja-JP" altLang="en-US" dirty="0"/>
+              <a:t>イベント処理で音と鍵盤の押下した時の色を変えています。</a:t>
+            </a:r>
+            <a:endParaRPr lang="en-US" altLang="ja-JP" dirty="0"/>
+          </a:p>
+          <a:p>
+            <a:pPr marL="0" indent="0">
+              <a:buNone/>
+            </a:pPr>
+            <a:r>
+              <a:rPr kumimoji="1" lang="ja-JP" altLang="en-US" dirty="0"/>
+              <a:t>また</a:t>
+            </a:r>
+            <a:endParaRPr kumimoji="1" lang="en-US" altLang="ja-JP" dirty="0"/>
+          </a:p>
+          <a:p>
+            <a:pPr marL="0" indent="0">
+              <a:buNone/>
+            </a:pPr>
+            <a:r>
+              <a:rPr lang="ja-JP" altLang="en-US" dirty="0"/>
+              <a:t>楽譜表示は</a:t>
+            </a:r>
+            <a:r>
+              <a:rPr lang="en-US" altLang="ja-JP" dirty="0"/>
+              <a:t>abc.js</a:t>
+            </a:r>
+            <a:r>
+              <a:rPr lang="ja-JP" altLang="en-US" dirty="0"/>
+              <a:t>の機能を使用しています。</a:t>
+            </a:r>
+            <a:endParaRPr kumimoji="1" lang="en-US" altLang="ja-JP" dirty="0"/>
           </a:p>
         </p:txBody>
       </p:sp>
       <p:pic>
         <p:nvPicPr>
-          <p:cNvPr id="6" name="図プレースホルダー 5">
+          <p:cNvPr id="9" name="コンテンツ プレースホルダー 8">
             <a:extLst>
               <a:ext uri="{FF2B5EF4-FFF2-40B4-BE49-F238E27FC236}">
-                <a16:creationId xmlns:a16="http://schemas.microsoft.com/office/drawing/2014/main" id="{10E2FF79-450F-4D88-A12B-C78DFF6EBEFA}"/>
+                <a16:creationId xmlns:a16="http://schemas.microsoft.com/office/drawing/2014/main" id="{D7FE7CF4-D112-403F-8B47-971424D24640}"/>
               </a:ext>
             </a:extLst>
           </p:cNvPr>
@@ -15680,7 +16783,7 @@
             <a:picLocks noGrp="1" noChangeAspect="1"/>
           </p:cNvPicPr>
           <p:nvPr>
-            <p:ph type="pic" idx="1"/>
+            <p:ph sz="half" idx="2"/>
           </p:nvPr>
         </p:nvPicPr>
         <p:blipFill>
@@ -15697,61 +16800,17 @@
         </p:blipFill>
         <p:spPr>
           <a:xfrm>
-            <a:off x="6532585" y="1984375"/>
-            <a:ext cx="5533876" cy="4873625"/>
+            <a:off x="6336975" y="1990205"/>
+            <a:ext cx="4616523" cy="4663021"/>
           </a:xfrm>
         </p:spPr>
       </p:pic>
       <p:sp>
         <p:nvSpPr>
-          <p:cNvPr id="4" name="テキスト プレースホルダー 3">
+          <p:cNvPr id="10" name="正方形/長方形 9">
             <a:extLst>
               <a:ext uri="{FF2B5EF4-FFF2-40B4-BE49-F238E27FC236}">
-                <a16:creationId xmlns:a16="http://schemas.microsoft.com/office/drawing/2014/main" id="{41FF9023-B138-468A-A3A9-1CDC7F7F8865}"/>
-              </a:ext>
-            </a:extLst>
-          </p:cNvPr>
-          <p:cNvSpPr>
-            <a:spLocks noGrp="1"/>
-          </p:cNvSpPr>
-          <p:nvPr>
-            <p:ph type="body" sz="half" idx="2"/>
-          </p:nvPr>
-        </p:nvSpPr>
-        <p:spPr>
-          <a:xfrm>
-            <a:off x="435428" y="1518443"/>
-            <a:ext cx="4976327" cy="758226"/>
-          </a:xfrm>
-        </p:spPr>
-        <p:txBody>
-          <a:bodyPr/>
-          <a:lstStyle/>
-          <a:p>
-            <a:r>
-              <a:rPr lang="en-US" altLang="ja-JP" sz="4400" b="1" dirty="0">
-                <a:solidFill>
-                  <a:srgbClr val="FF0000"/>
-                </a:solidFill>
-              </a:rPr>
-              <a:t>TensorFlow</a:t>
-            </a:r>
-            <a:r>
-              <a:rPr lang="en-US" altLang="ja-JP" sz="4400" b="1" dirty="0"/>
-              <a:t> </a:t>
-            </a:r>
-          </a:p>
-          <a:p>
-            <a:endParaRPr kumimoji="1" lang="ja-JP" altLang="en-US" dirty="0"/>
-          </a:p>
-        </p:txBody>
-      </p:sp>
-      <p:sp>
-        <p:nvSpPr>
-          <p:cNvPr id="7" name="正方形/長方形 6">
-            <a:extLst>
-              <a:ext uri="{FF2B5EF4-FFF2-40B4-BE49-F238E27FC236}">
-                <a16:creationId xmlns:a16="http://schemas.microsoft.com/office/drawing/2014/main" id="{D9DF76DE-B279-4DEE-8A06-AE9F431D1DE1}"/>
+                <a16:creationId xmlns:a16="http://schemas.microsoft.com/office/drawing/2014/main" id="{CBCCDE59-0CB2-42DD-82C5-0F9D949D409F}"/>
               </a:ext>
             </a:extLst>
           </p:cNvPr>
@@ -15760,8 +16819,8 @@
         </p:nvSpPr>
         <p:spPr>
           <a:xfrm>
-            <a:off x="8645237" y="0"/>
-            <a:ext cx="3546764" cy="1967345"/>
+            <a:off x="8287352" y="0"/>
+            <a:ext cx="3904649" cy="1967345"/>
           </a:xfrm>
           <a:prstGeom prst="rect">
             <a:avLst/>
@@ -15798,116 +16857,14 @@
           <a:lstStyle/>
           <a:p>
             <a:pPr algn="ctr"/>
-            <a:endParaRPr kumimoji="1" lang="ja-JP" altLang="en-US" dirty="0"/>
-          </a:p>
-        </p:txBody>
-      </p:sp>
-      <p:sp>
-        <p:nvSpPr>
-          <p:cNvPr id="9" name="正方形/長方形 8">
-            <a:extLst>
-              <a:ext uri="{FF2B5EF4-FFF2-40B4-BE49-F238E27FC236}">
-                <a16:creationId xmlns:a16="http://schemas.microsoft.com/office/drawing/2014/main" id="{EC49EB9E-4BFF-47BB-9C8F-BC9FBBFD5F1D}"/>
-              </a:ext>
-            </a:extLst>
-          </p:cNvPr>
-          <p:cNvSpPr/>
-          <p:nvPr/>
-        </p:nvSpPr>
-        <p:spPr>
-          <a:xfrm>
-            <a:off x="436585" y="2463426"/>
-            <a:ext cx="5945554" cy="4154984"/>
-          </a:xfrm>
-          <a:prstGeom prst="rect">
-            <a:avLst/>
-          </a:prstGeom>
-        </p:spPr>
-        <p:txBody>
-          <a:bodyPr wrap="square">
-            <a:spAutoFit/>
-          </a:bodyPr>
-          <a:lstStyle/>
-          <a:p>
-            <a:r>
-              <a:rPr lang="en-US" altLang="ja-JP" sz="2400" dirty="0">
-                <a:solidFill>
-                  <a:srgbClr val="3D3D3D"/>
-                </a:solidFill>
-                <a:latin typeface="Roboto"/>
-              </a:rPr>
-              <a:t>TensorFlow </a:t>
-            </a:r>
-            <a:r>
-              <a:rPr lang="ja-JP" altLang="en-US" sz="2400" dirty="0">
-                <a:solidFill>
-                  <a:srgbClr val="3D3D3D"/>
-                </a:solidFill>
-                <a:latin typeface="Roboto"/>
-              </a:rPr>
-              <a:t>の最大の特徴として、ニューラルネットワークを構築できる点が挙げられます。ニューラルネットワークとは、人間の脳の神経回路の一部を模した数理モデルであり、人工知能（ </a:t>
-            </a:r>
-            <a:r>
-              <a:rPr lang="en-US" altLang="ja-JP" sz="2400" dirty="0">
-                <a:solidFill>
-                  <a:srgbClr val="3D3D3D"/>
-                </a:solidFill>
-                <a:latin typeface="Roboto"/>
-              </a:rPr>
-              <a:t>AI </a:t>
-            </a:r>
-            <a:r>
-              <a:rPr lang="ja-JP" altLang="en-US" sz="2400" dirty="0">
-                <a:solidFill>
-                  <a:srgbClr val="3D3D3D"/>
-                </a:solidFill>
-                <a:latin typeface="Roboto"/>
-              </a:rPr>
-              <a:t>）が学習や推論など、人間と同じような高度な判断を行うために必要なものです。</a:t>
-            </a:r>
-            <a:endParaRPr lang="en-US" altLang="ja-JP" sz="2400" dirty="0">
-              <a:solidFill>
-                <a:srgbClr val="3D3D3D"/>
-              </a:solidFill>
-              <a:latin typeface="Roboto"/>
-            </a:endParaRPr>
-          </a:p>
-          <a:p>
-            <a:endParaRPr lang="en-US" altLang="ja-JP" sz="2400" dirty="0">
-              <a:solidFill>
-                <a:srgbClr val="3D3D3D"/>
-              </a:solidFill>
-              <a:latin typeface="Roboto"/>
-            </a:endParaRPr>
-          </a:p>
-          <a:p>
-            <a:r>
-              <a:rPr lang="ja-JP" altLang="en-US" sz="2400" dirty="0"/>
-              <a:t>本プロジェクトでは</a:t>
-            </a:r>
-            <a:endParaRPr lang="en-US" altLang="ja-JP" sz="2400" dirty="0"/>
-          </a:p>
-          <a:p>
-            <a:r>
-              <a:rPr lang="ja-JP" altLang="en-US" sz="2400" dirty="0"/>
-              <a:t>音程と長さでそれぞれ中間層が</a:t>
-            </a:r>
-            <a:r>
-              <a:rPr lang="en-US" altLang="ja-JP" sz="2400" dirty="0"/>
-              <a:t>3</a:t>
-            </a:r>
-            <a:r>
-              <a:rPr lang="ja-JP" altLang="en-US" sz="2400" dirty="0"/>
-              <a:t>層ずつになっております</a:t>
-            </a:r>
-            <a:endParaRPr lang="en-US" altLang="ja-JP" sz="2400" dirty="0"/>
+            <a:endParaRPr kumimoji="1" lang="ja-JP" altLang="en-US"/>
           </a:p>
         </p:txBody>
       </p:sp>
     </p:spTree>
     <p:extLst>
       <p:ext uri="{BB962C8B-B14F-4D97-AF65-F5344CB8AC3E}">
-        <p14:creationId xmlns:p14="http://schemas.microsoft.com/office/powerpoint/2010/main" val="2163784394"/>
+        <p14:creationId xmlns:p14="http://schemas.microsoft.com/office/powerpoint/2010/main" val="1842221593"/>
       </p:ext>
     </p:extLst>
   </p:cSld>

--- a/presentation/graduation/bit Composer3 .pptx
+++ b/presentation/graduation/bit Composer3 .pptx
@@ -154,7 +154,7 @@
       </p:ext>
     </p:extLst>
   </p:cmAuthor>
-  <p:cmAuthor id="2" name="長島 光琉" initials="長島" lastIdx="1" clrIdx="1">
+  <p:cmAuthor id="2" name="長島 光琉" initials="長島" lastIdx="2" clrIdx="1">
     <p:extLst>
       <p:ext uri="{19B8F6BF-5375-455C-9EA6-DF929625EA0E}">
         <p15:presenceInfo xmlns:p15="http://schemas.microsoft.com/office/powerpoint/2012/main" userId="S-1-5-21-4206470692-4146437883-2304300903-2481" providerId="AD"/>
@@ -4150,7 +4150,7 @@
           <a:p>
             <a:fld id="{CFE7C3F7-5C92-45C1-81B6-3020317CA2CB}" type="datetimeFigureOut">
               <a:rPr kumimoji="1" lang="ja-JP" altLang="en-US" smtClean="0"/>
-              <a:t>2022/1/26</a:t>
+              <a:t>2022/1/28</a:t>
             </a:fld>
             <a:endParaRPr kumimoji="1" lang="ja-JP" altLang="en-US"/>
           </a:p>
@@ -5889,7 +5889,7 @@
           <a:p>
             <a:fld id="{4A6B28F3-BB62-4EA0-99DF-EF5932BC4FCF}" type="datetimeFigureOut">
               <a:rPr kumimoji="1" lang="ja-JP" altLang="en-US" smtClean="0"/>
-              <a:t>2022/1/26</a:t>
+              <a:t>2022/1/28</a:t>
             </a:fld>
             <a:endParaRPr kumimoji="1" lang="ja-JP" altLang="en-US"/>
           </a:p>
@@ -6131,7 +6131,7 @@
           <a:p>
             <a:fld id="{4A6B28F3-BB62-4EA0-99DF-EF5932BC4FCF}" type="datetimeFigureOut">
               <a:rPr kumimoji="1" lang="ja-JP" altLang="en-US" smtClean="0"/>
-              <a:t>2022/1/26</a:t>
+              <a:t>2022/1/28</a:t>
             </a:fld>
             <a:endParaRPr kumimoji="1" lang="ja-JP" altLang="en-US"/>
           </a:p>
@@ -6383,7 +6383,7 @@
           <a:p>
             <a:fld id="{4A6B28F3-BB62-4EA0-99DF-EF5932BC4FCF}" type="datetimeFigureOut">
               <a:rPr kumimoji="1" lang="ja-JP" altLang="en-US" smtClean="0"/>
-              <a:t>2022/1/26</a:t>
+              <a:t>2022/1/28</a:t>
             </a:fld>
             <a:endParaRPr kumimoji="1" lang="ja-JP" altLang="en-US"/>
           </a:p>
@@ -6625,7 +6625,7 @@
           <a:p>
             <a:fld id="{4A6B28F3-BB62-4EA0-99DF-EF5932BC4FCF}" type="datetimeFigureOut">
               <a:rPr kumimoji="1" lang="ja-JP" altLang="en-US" smtClean="0"/>
-              <a:t>2022/1/26</a:t>
+              <a:t>2022/1/28</a:t>
             </a:fld>
             <a:endParaRPr kumimoji="1" lang="ja-JP" altLang="en-US"/>
           </a:p>
@@ -6912,7 +6912,7 @@
           <a:p>
             <a:fld id="{4A6B28F3-BB62-4EA0-99DF-EF5932BC4FCF}" type="datetimeFigureOut">
               <a:rPr kumimoji="1" lang="ja-JP" altLang="en-US" smtClean="0"/>
-              <a:t>2022/1/26</a:t>
+              <a:t>2022/1/28</a:t>
             </a:fld>
             <a:endParaRPr kumimoji="1" lang="ja-JP" altLang="en-US"/>
           </a:p>
@@ -7253,7 +7253,7 @@
           <a:p>
             <a:fld id="{4A6B28F3-BB62-4EA0-99DF-EF5932BC4FCF}" type="datetimeFigureOut">
               <a:rPr kumimoji="1" lang="ja-JP" altLang="en-US" smtClean="0"/>
-              <a:t>2022/1/26</a:t>
+              <a:t>2022/1/28</a:t>
             </a:fld>
             <a:endParaRPr kumimoji="1" lang="ja-JP" altLang="en-US"/>
           </a:p>
@@ -7741,7 +7741,7 @@
           <a:p>
             <a:fld id="{4A6B28F3-BB62-4EA0-99DF-EF5932BC4FCF}" type="datetimeFigureOut">
               <a:rPr kumimoji="1" lang="ja-JP" altLang="en-US" smtClean="0"/>
-              <a:t>2022/1/26</a:t>
+              <a:t>2022/1/28</a:t>
             </a:fld>
             <a:endParaRPr kumimoji="1" lang="ja-JP" altLang="en-US"/>
           </a:p>
@@ -7894,7 +7894,7 @@
           <a:p>
             <a:fld id="{4A6B28F3-BB62-4EA0-99DF-EF5932BC4FCF}" type="datetimeFigureOut">
               <a:rPr kumimoji="1" lang="ja-JP" altLang="en-US" smtClean="0"/>
-              <a:t>2022/1/26</a:t>
+              <a:t>2022/1/28</a:t>
             </a:fld>
             <a:endParaRPr kumimoji="1" lang="ja-JP" altLang="en-US"/>
           </a:p>
@@ -8019,7 +8019,7 @@
           <a:p>
             <a:fld id="{4A6B28F3-BB62-4EA0-99DF-EF5932BC4FCF}" type="datetimeFigureOut">
               <a:rPr kumimoji="1" lang="ja-JP" altLang="en-US" smtClean="0"/>
-              <a:t>2022/1/26</a:t>
+              <a:t>2022/1/28</a:t>
             </a:fld>
             <a:endParaRPr kumimoji="1" lang="ja-JP" altLang="en-US"/>
           </a:p>
@@ -8374,7 +8374,7 @@
           <a:p>
             <a:fld id="{4A6B28F3-BB62-4EA0-99DF-EF5932BC4FCF}" type="datetimeFigureOut">
               <a:rPr kumimoji="1" lang="ja-JP" altLang="en-US" smtClean="0"/>
-              <a:t>2022/1/26</a:t>
+              <a:t>2022/1/28</a:t>
             </a:fld>
             <a:endParaRPr kumimoji="1" lang="ja-JP" altLang="en-US"/>
           </a:p>
@@ -8674,7 +8674,7 @@
           <a:p>
             <a:fld id="{4A6B28F3-BB62-4EA0-99DF-EF5932BC4FCF}" type="datetimeFigureOut">
               <a:rPr kumimoji="1" lang="ja-JP" altLang="en-US" smtClean="0"/>
-              <a:t>2022/1/26</a:t>
+              <a:t>2022/1/28</a:t>
             </a:fld>
             <a:endParaRPr kumimoji="1" lang="ja-JP" altLang="en-US"/>
           </a:p>
@@ -8980,7 +8980,7 @@
           <a:p>
             <a:fld id="{4A6B28F3-BB62-4EA0-99DF-EF5932BC4FCF}" type="datetimeFigureOut">
               <a:rPr kumimoji="1" lang="ja-JP" altLang="en-US" smtClean="0"/>
-              <a:t>2022/1/26</a:t>
+              <a:t>2022/1/28</a:t>
             </a:fld>
             <a:endParaRPr kumimoji="1" lang="ja-JP" altLang="en-US"/>
           </a:p>
@@ -12707,13 +12707,13 @@
         </p:nvSpPr>
         <p:spPr>
           <a:xfrm>
-            <a:off x="839788" y="989012"/>
-            <a:ext cx="5062248" cy="673532"/>
+            <a:off x="839788" y="389151"/>
+            <a:ext cx="5952898" cy="1273393"/>
           </a:xfrm>
         </p:spPr>
         <p:txBody>
           <a:bodyPr>
-            <a:normAutofit fontScale="90000"/>
+            <a:normAutofit/>
           </a:bodyPr>
           <a:lstStyle/>
           <a:p>
@@ -12723,8 +12723,13 @@
             </a:r>
             <a:r>
               <a:rPr kumimoji="1" lang="ja-JP" altLang="en-US" sz="4800" b="1" dirty="0"/>
-              <a:t>の振る舞い</a:t>
-            </a:r>
+              <a:t>の</a:t>
+            </a:r>
+            <a:r>
+              <a:rPr lang="ja-JP" altLang="en-US" sz="4800" b="1" dirty="0"/>
+              <a:t>操作</a:t>
+            </a:r>
+            <a:endParaRPr kumimoji="1" lang="ja-JP" altLang="en-US" sz="4800" b="1" dirty="0"/>
           </a:p>
         </p:txBody>
       </p:sp>
@@ -12752,15 +12757,14 @@
               </a:ext>
             </a:extLst>
           </a:blip>
-          <a:srcRect l="21374" r="21374"/>
           <a:stretch>
             <a:fillRect/>
           </a:stretch>
         </p:blipFill>
         <p:spPr>
           <a:xfrm>
-            <a:off x="2628901" y="2472253"/>
-            <a:ext cx="8245524" cy="4284078"/>
+            <a:off x="4096375" y="2075247"/>
+            <a:ext cx="7801991" cy="3831771"/>
           </a:xfrm>
         </p:spPr>
       </p:pic>
@@ -12782,8 +12786,8 @@
         </p:nvSpPr>
         <p:spPr>
           <a:xfrm>
-            <a:off x="839789" y="2057400"/>
-            <a:ext cx="3209698" cy="3811588"/>
+            <a:off x="839789" y="2032000"/>
+            <a:ext cx="3209698" cy="2101225"/>
           </a:xfrm>
         </p:spPr>
         <p:txBody>
@@ -12791,34 +12795,37 @@
           <a:lstStyle/>
           <a:p>
             <a:r>
-              <a:rPr lang="ja-JP" altLang="en-US" dirty="0"/>
+              <a:rPr lang="ja-JP" altLang="en-US" sz="2800" dirty="0"/>
               <a:t>①楽譜</a:t>
             </a:r>
-            <a:endParaRPr lang="en-US" altLang="ja-JP" dirty="0"/>
-          </a:p>
-          <a:p>
-            <a:r>
-              <a:rPr kumimoji="1" lang="ja-JP" altLang="en-US" dirty="0"/>
+            <a:endParaRPr lang="en-US" altLang="ja-JP" sz="2800" dirty="0"/>
+          </a:p>
+          <a:p>
+            <a:r>
+              <a:rPr kumimoji="1" lang="ja-JP" altLang="en-US" sz="2800" dirty="0"/>
               <a:t>②</a:t>
             </a:r>
             <a:r>
-              <a:rPr lang="ja-JP" altLang="en-US" dirty="0"/>
+              <a:rPr lang="ja-JP" altLang="en-US" sz="2800" dirty="0"/>
               <a:t>ピアノ</a:t>
             </a:r>
-            <a:endParaRPr lang="en-US" altLang="ja-JP" dirty="0"/>
-          </a:p>
-          <a:p>
-            <a:r>
-              <a:rPr lang="ja-JP" altLang="en-US" dirty="0"/>
+            <a:endParaRPr lang="en-US" altLang="ja-JP" sz="2800" dirty="0"/>
+          </a:p>
+          <a:p>
+            <a:r>
+              <a:rPr lang="ja-JP" altLang="en-US" sz="2800" dirty="0"/>
               <a:t>③音符 休符</a:t>
             </a:r>
-            <a:endParaRPr lang="en-US" altLang="ja-JP" dirty="0"/>
-          </a:p>
-          <a:p>
-            <a:r>
-              <a:rPr lang="ja-JP" altLang="en-US" dirty="0"/>
+            <a:endParaRPr lang="en-US" altLang="ja-JP" sz="2800" dirty="0"/>
+          </a:p>
+          <a:p>
+            <a:r>
+              <a:rPr lang="ja-JP" altLang="en-US" sz="2800" dirty="0"/>
               <a:t>④送信</a:t>
             </a:r>
+            <a:endParaRPr lang="en-US" altLang="ja-JP" sz="2800" dirty="0"/>
+          </a:p>
+          <a:p>
             <a:endParaRPr kumimoji="1" lang="ja-JP" altLang="en-US" dirty="0"/>
           </a:p>
         </p:txBody>
@@ -12876,6 +12883,258 @@
           <a:p>
             <a:pPr algn="ctr"/>
             <a:endParaRPr kumimoji="1" lang="ja-JP" altLang="en-US"/>
+          </a:p>
+        </p:txBody>
+      </p:sp>
+      <p:sp>
+        <p:nvSpPr>
+          <p:cNvPr id="5" name="吹き出し: 四角形 4">
+            <a:extLst>
+              <a:ext uri="{FF2B5EF4-FFF2-40B4-BE49-F238E27FC236}">
+                <a16:creationId xmlns:a16="http://schemas.microsoft.com/office/drawing/2014/main" id="{D44495AE-7036-4E44-A4F9-DD8DD1DF373E}"/>
+              </a:ext>
+            </a:extLst>
+          </p:cNvPr>
+          <p:cNvSpPr/>
+          <p:nvPr/>
+        </p:nvSpPr>
+        <p:spPr>
+          <a:xfrm>
+            <a:off x="9967857" y="2216578"/>
+            <a:ext cx="783925" cy="630487"/>
+          </a:xfrm>
+          <a:prstGeom prst="wedgeRectCallout">
+            <a:avLst>
+              <a:gd name="adj1" fmla="val -94537"/>
+              <a:gd name="adj2" fmla="val 98564"/>
+            </a:avLst>
+          </a:prstGeom>
+        </p:spPr>
+        <p:style>
+          <a:lnRef idx="2">
+            <a:schemeClr val="dk1"/>
+          </a:lnRef>
+          <a:fillRef idx="1">
+            <a:schemeClr val="lt1"/>
+          </a:fillRef>
+          <a:effectRef idx="0">
+            <a:schemeClr val="dk1"/>
+          </a:effectRef>
+          <a:fontRef idx="minor">
+            <a:schemeClr val="dk1"/>
+          </a:fontRef>
+        </p:style>
+        <p:txBody>
+          <a:bodyPr rtlCol="0" anchor="ctr"/>
+          <a:lstStyle/>
+          <a:p>
+            <a:pPr algn="ctr"/>
+            <a:r>
+              <a:rPr kumimoji="1" lang="ja-JP" altLang="en-US" dirty="0"/>
+              <a:t>①</a:t>
+            </a:r>
+          </a:p>
+        </p:txBody>
+      </p:sp>
+      <p:sp>
+        <p:nvSpPr>
+          <p:cNvPr id="9" name="吹き出し: 四角形 8">
+            <a:extLst>
+              <a:ext uri="{FF2B5EF4-FFF2-40B4-BE49-F238E27FC236}">
+                <a16:creationId xmlns:a16="http://schemas.microsoft.com/office/drawing/2014/main" id="{50AE4DAF-C04F-4B05-86A7-994D5991264B}"/>
+              </a:ext>
+            </a:extLst>
+          </p:cNvPr>
+          <p:cNvSpPr/>
+          <p:nvPr/>
+        </p:nvSpPr>
+        <p:spPr>
+          <a:xfrm>
+            <a:off x="5092918" y="3569776"/>
+            <a:ext cx="653143" cy="563449"/>
+          </a:xfrm>
+          <a:prstGeom prst="wedgeRectCallout">
+            <a:avLst>
+              <a:gd name="adj1" fmla="val 136945"/>
+              <a:gd name="adj2" fmla="val 88260"/>
+            </a:avLst>
+          </a:prstGeom>
+        </p:spPr>
+        <p:style>
+          <a:lnRef idx="2">
+            <a:schemeClr val="dk1"/>
+          </a:lnRef>
+          <a:fillRef idx="1">
+            <a:schemeClr val="lt1"/>
+          </a:fillRef>
+          <a:effectRef idx="0">
+            <a:schemeClr val="dk1"/>
+          </a:effectRef>
+          <a:fontRef idx="minor">
+            <a:schemeClr val="dk1"/>
+          </a:fontRef>
+        </p:style>
+        <p:txBody>
+          <a:bodyPr rtlCol="0" anchor="ctr"/>
+          <a:lstStyle/>
+          <a:p>
+            <a:pPr algn="ctr"/>
+            <a:r>
+              <a:rPr lang="ja-JP" altLang="en-US" dirty="0"/>
+              <a:t>②</a:t>
+            </a:r>
+            <a:endParaRPr kumimoji="1" lang="ja-JP" altLang="en-US" dirty="0"/>
+          </a:p>
+        </p:txBody>
+      </p:sp>
+      <p:sp>
+        <p:nvSpPr>
+          <p:cNvPr id="10" name="吹き出し: 四角形 9">
+            <a:extLst>
+              <a:ext uri="{FF2B5EF4-FFF2-40B4-BE49-F238E27FC236}">
+                <a16:creationId xmlns:a16="http://schemas.microsoft.com/office/drawing/2014/main" id="{C5F59958-6ED0-4C0B-B036-11030E727154}"/>
+              </a:ext>
+            </a:extLst>
+          </p:cNvPr>
+          <p:cNvSpPr/>
+          <p:nvPr/>
+        </p:nvSpPr>
+        <p:spPr>
+          <a:xfrm>
+            <a:off x="4869926" y="4738397"/>
+            <a:ext cx="653143" cy="563449"/>
+          </a:xfrm>
+          <a:prstGeom prst="wedgeRectCallout">
+            <a:avLst>
+              <a:gd name="adj1" fmla="val -45276"/>
+              <a:gd name="adj2" fmla="val 77956"/>
+            </a:avLst>
+          </a:prstGeom>
+        </p:spPr>
+        <p:style>
+          <a:lnRef idx="2">
+            <a:schemeClr val="dk1"/>
+          </a:lnRef>
+          <a:fillRef idx="1">
+            <a:schemeClr val="lt1"/>
+          </a:fillRef>
+          <a:effectRef idx="0">
+            <a:schemeClr val="dk1"/>
+          </a:effectRef>
+          <a:fontRef idx="minor">
+            <a:schemeClr val="dk1"/>
+          </a:fontRef>
+        </p:style>
+        <p:txBody>
+          <a:bodyPr rtlCol="0" anchor="ctr"/>
+          <a:lstStyle/>
+          <a:p>
+            <a:pPr algn="ctr"/>
+            <a:r>
+              <a:rPr kumimoji="1" lang="ja-JP" altLang="en-US" dirty="0"/>
+              <a:t>③</a:t>
+            </a:r>
+          </a:p>
+        </p:txBody>
+      </p:sp>
+      <p:sp>
+        <p:nvSpPr>
+          <p:cNvPr id="11" name="吹き出し: 四角形 10">
+            <a:extLst>
+              <a:ext uri="{FF2B5EF4-FFF2-40B4-BE49-F238E27FC236}">
+                <a16:creationId xmlns:a16="http://schemas.microsoft.com/office/drawing/2014/main" id="{4342CBC3-3645-4FD8-98CB-5018117D9859}"/>
+              </a:ext>
+            </a:extLst>
+          </p:cNvPr>
+          <p:cNvSpPr/>
+          <p:nvPr/>
+        </p:nvSpPr>
+        <p:spPr>
+          <a:xfrm>
+            <a:off x="10865982" y="4133225"/>
+            <a:ext cx="653143" cy="656397"/>
+          </a:xfrm>
+          <a:prstGeom prst="wedgeRectCallout">
+            <a:avLst>
+              <a:gd name="adj1" fmla="val -107499"/>
+              <a:gd name="adj2" fmla="val 160387"/>
+            </a:avLst>
+          </a:prstGeom>
+        </p:spPr>
+        <p:style>
+          <a:lnRef idx="2">
+            <a:schemeClr val="dk1"/>
+          </a:lnRef>
+          <a:fillRef idx="1">
+            <a:schemeClr val="lt1"/>
+          </a:fillRef>
+          <a:effectRef idx="0">
+            <a:schemeClr val="dk1"/>
+          </a:effectRef>
+          <a:fontRef idx="minor">
+            <a:schemeClr val="dk1"/>
+          </a:fontRef>
+        </p:style>
+        <p:txBody>
+          <a:bodyPr rtlCol="0" anchor="ctr"/>
+          <a:lstStyle/>
+          <a:p>
+            <a:pPr algn="ctr"/>
+            <a:r>
+              <a:rPr lang="ja-JP" altLang="en-US" dirty="0"/>
+              <a:t>④</a:t>
+            </a:r>
+            <a:endParaRPr kumimoji="1" lang="ja-JP" altLang="en-US" dirty="0"/>
+          </a:p>
+        </p:txBody>
+      </p:sp>
+      <p:sp>
+        <p:nvSpPr>
+          <p:cNvPr id="12" name="テキスト ボックス 11">
+            <a:extLst>
+              <a:ext uri="{FF2B5EF4-FFF2-40B4-BE49-F238E27FC236}">
+                <a16:creationId xmlns:a16="http://schemas.microsoft.com/office/drawing/2014/main" id="{EC1C8BCC-411D-4F83-AABD-4DF9CF64FCE1}"/>
+              </a:ext>
+            </a:extLst>
+          </p:cNvPr>
+          <p:cNvSpPr txBox="1"/>
+          <p:nvPr/>
+        </p:nvSpPr>
+        <p:spPr>
+          <a:xfrm>
+            <a:off x="7997371" y="6037962"/>
+            <a:ext cx="3940972" cy="646331"/>
+          </a:xfrm>
+          <a:prstGeom prst="rect">
+            <a:avLst/>
+          </a:prstGeom>
+          <a:noFill/>
+        </p:spPr>
+        <p:txBody>
+          <a:bodyPr wrap="square" rtlCol="0">
+            <a:spAutoFit/>
+          </a:bodyPr>
+          <a:lstStyle/>
+          <a:p>
+            <a:r>
+              <a:rPr lang="en-US" altLang="ja-JP" dirty="0"/>
+              <a:t>Backspace</a:t>
+            </a:r>
+            <a:r>
+              <a:rPr lang="ja-JP" altLang="en-US" dirty="0"/>
+              <a:t>で削除</a:t>
+            </a:r>
+            <a:r>
+              <a:rPr lang="en-US" altLang="ja-JP" dirty="0"/>
+              <a:t>,</a:t>
+            </a:r>
+          </a:p>
+          <a:p>
+            <a:r>
+              <a:rPr lang="ja-JP" altLang="en-US" dirty="0"/>
+              <a:t>スペースキーで休符ができます。</a:t>
+            </a:r>
+            <a:endParaRPr lang="en-US" altLang="ja-JP" dirty="0"/>
           </a:p>
         </p:txBody>
       </p:sp>

--- a/presentation/graduation/bit Composer3 .pptx
+++ b/presentation/graduation/bit Composer3 .pptx
@@ -11,20 +11,20 @@
     <p:sldId id="259" r:id="rId2"/>
     <p:sldId id="307" r:id="rId3"/>
     <p:sldId id="260" r:id="rId4"/>
-    <p:sldId id="309" r:id="rId5"/>
-    <p:sldId id="310" r:id="rId6"/>
+    <p:sldId id="310" r:id="rId5"/>
+    <p:sldId id="311" r:id="rId6"/>
     <p:sldId id="276" r:id="rId7"/>
     <p:sldId id="283" r:id="rId8"/>
     <p:sldId id="298" r:id="rId9"/>
-    <p:sldId id="311" r:id="rId10"/>
-    <p:sldId id="295" r:id="rId11"/>
-    <p:sldId id="296" r:id="rId12"/>
-    <p:sldId id="308" r:id="rId13"/>
-    <p:sldId id="306" r:id="rId14"/>
-    <p:sldId id="266" r:id="rId15"/>
-    <p:sldId id="302" r:id="rId16"/>
-    <p:sldId id="305" r:id="rId17"/>
-    <p:sldId id="303" r:id="rId18"/>
+    <p:sldId id="295" r:id="rId10"/>
+    <p:sldId id="296" r:id="rId11"/>
+    <p:sldId id="308" r:id="rId12"/>
+    <p:sldId id="306" r:id="rId13"/>
+    <p:sldId id="266" r:id="rId14"/>
+    <p:sldId id="302" r:id="rId15"/>
+    <p:sldId id="305" r:id="rId16"/>
+    <p:sldId id="303" r:id="rId17"/>
+    <p:sldId id="309" r:id="rId18"/>
   </p:sldIdLst>
   <p:sldSz cx="12192000" cy="6858000"/>
   <p:notesSz cx="6858000" cy="9144000"/>
@@ -4150,7 +4150,7 @@
           <a:p>
             <a:fld id="{CFE7C3F7-5C92-45C1-81B6-3020317CA2CB}" type="datetimeFigureOut">
               <a:rPr kumimoji="1" lang="ja-JP" altLang="en-US" smtClean="0"/>
-              <a:t>2022/2/3</a:t>
+              <a:t>2022/2/7</a:t>
             </a:fld>
             <a:endParaRPr kumimoji="1" lang="ja-JP" altLang="en-US"/>
           </a:p>
@@ -4638,80 +4638,10 @@
           <a:lstStyle/>
           <a:p>
             <a:r>
-              <a:rPr lang="ja-JP" altLang="en-US" sz="1200" dirty="0"/>
-              <a:t>・伴奏を加えてより音楽風に近づける。</a:t>
-            </a:r>
-            <a:endParaRPr lang="en-US" altLang="ja-JP" sz="1200" dirty="0"/>
-          </a:p>
-          <a:p>
-            <a:pPr marL="0" marR="0" lvl="0" indent="0" algn="l" defTabSz="914400" rtl="0" eaLnBrk="1" fontAlgn="auto" latinLnBrk="0" hangingPunct="1">
-              <a:lnSpc>
-                <a:spcPct val="100000"/>
-              </a:lnSpc>
-              <a:spcBef>
-                <a:spcPts val="0"/>
-              </a:spcBef>
-              <a:spcAft>
-                <a:spcPts val="0"/>
-              </a:spcAft>
-              <a:buClrTx/>
-              <a:buSzTx/>
-              <a:buFontTx/>
-              <a:buNone/>
-              <a:tabLst/>
-              <a:defRPr/>
-            </a:pPr>
-            <a:r>
-              <a:rPr lang="ja-JP" altLang="en-US" sz="1200" dirty="0"/>
-              <a:t>・</a:t>
-            </a:r>
-            <a:r>
-              <a:rPr lang="ja-JP" altLang="en-US" dirty="0"/>
-              <a:t>事前に用意した</a:t>
-            </a:r>
-            <a:r>
-              <a:rPr lang="en-US" altLang="ja-JP" dirty="0"/>
-              <a:t>MIDI</a:t>
-            </a:r>
-            <a:r>
-              <a:rPr lang="ja-JP" altLang="en-US" dirty="0"/>
-              <a:t>ファイルが読みこめない</a:t>
-            </a:r>
-            <a:r>
-              <a:rPr lang="en-US" altLang="ja-JP" dirty="0"/>
-              <a:t>(</a:t>
-            </a:r>
-            <a:r>
-              <a:rPr lang="ja-JP" altLang="en-US" dirty="0"/>
-              <a:t>ピアノ演奏のみでしか使えない</a:t>
-            </a:r>
-            <a:r>
-              <a:rPr lang="en-US" altLang="ja-JP" dirty="0"/>
-              <a:t>)</a:t>
-            </a:r>
-          </a:p>
-          <a:p>
-            <a:pPr marL="0" marR="0" lvl="0" indent="0" algn="l" defTabSz="914400" rtl="0" eaLnBrk="1" fontAlgn="auto" latinLnBrk="0" hangingPunct="1">
-              <a:lnSpc>
-                <a:spcPct val="100000"/>
-              </a:lnSpc>
-              <a:spcBef>
-                <a:spcPts val="0"/>
-              </a:spcBef>
-              <a:spcAft>
-                <a:spcPts val="0"/>
-              </a:spcAft>
-              <a:buClrTx/>
-              <a:buSzTx/>
-              <a:buFontTx/>
-              <a:buNone/>
-              <a:tabLst/>
-              <a:defRPr/>
-            </a:pPr>
-            <a:r>
-              <a:rPr kumimoji="1" lang="ja-JP" altLang="en-US" sz="1200" dirty="0"/>
-              <a:t>・</a:t>
-            </a:r>
+              <a:rPr lang="ja-JP" altLang="en-US" sz="1200" b="1" dirty="0"/>
+              <a:t>ご清聴ありがとうございました</a:t>
+            </a:r>
+            <a:endParaRPr kumimoji="1" lang="ja-JP" altLang="en-US" dirty="0"/>
           </a:p>
         </p:txBody>
       </p:sp>
@@ -4732,7 +4662,7 @@
           <a:p>
             <a:fld id="{FD808316-81CD-4B36-BDD1-D6460C124C29}" type="slidenum">
               <a:rPr kumimoji="1" lang="ja-JP" altLang="en-US" smtClean="0"/>
-              <a:t>11</a:t>
+              <a:t>13</a:t>
             </a:fld>
             <a:endParaRPr kumimoji="1" lang="ja-JP" altLang="en-US"/>
           </a:p>
@@ -4741,7 +4671,7 @@
     </p:spTree>
     <p:extLst>
       <p:ext uri="{BB962C8B-B14F-4D97-AF65-F5344CB8AC3E}">
-        <p14:creationId xmlns:p14="http://schemas.microsoft.com/office/powerpoint/2010/main" val="203302926"/>
+        <p14:creationId xmlns:p14="http://schemas.microsoft.com/office/powerpoint/2010/main" val="895368357"/>
       </p:ext>
     </p:extLst>
   </p:cSld>
@@ -4796,9 +4726,48 @@
           <a:lstStyle/>
           <a:p>
             <a:r>
-              <a:rPr lang="ja-JP" altLang="en-US" sz="1200" b="1" dirty="0"/>
-              <a:t>ご清聴ありがとうございました</a:t>
-            </a:r>
+              <a:rPr lang="en-US" altLang="ja-JP" sz="1200" b="1" dirty="0"/>
+              <a:t>b</a:t>
+            </a:r>
+            <a:r>
+              <a:rPr kumimoji="1" lang="en-US" altLang="ja-JP" sz="1200" b="1" dirty="0"/>
+              <a:t>it composer</a:t>
+            </a:r>
+            <a:r>
+              <a:rPr kumimoji="1" lang="ja-JP" altLang="en-US" sz="1200" b="1" dirty="0"/>
+              <a:t>の機能</a:t>
+            </a:r>
+            <a:endParaRPr kumimoji="1" lang="en-US" altLang="ja-JP" sz="1200" b="1" dirty="0"/>
+          </a:p>
+          <a:p>
+            <a:pPr algn="l"/>
+            <a:r>
+              <a:rPr kumimoji="1" lang="ja-JP" altLang="en-US" sz="1200" dirty="0"/>
+              <a:t> 鍵盤から音楽データを</a:t>
+            </a:r>
+            <a:r>
+              <a:rPr kumimoji="1" lang="en-US" altLang="ja-JP" sz="1200" dirty="0"/>
+              <a:t>AI</a:t>
+            </a:r>
+            <a:r>
+              <a:rPr kumimoji="1" lang="ja-JP" altLang="en-US" sz="1200" dirty="0"/>
+              <a:t>のサーバに送信してオリジナルのゲーム音楽風の</a:t>
+            </a:r>
+            <a:r>
+              <a:rPr lang="ja-JP" altLang="en-US" sz="1200" dirty="0"/>
+              <a:t>曲を聴いたり</a:t>
+            </a:r>
+            <a:endParaRPr lang="en-US" altLang="ja-JP" sz="1200" dirty="0"/>
+          </a:p>
+          <a:p>
+            <a:pPr algn="l"/>
+            <a:r>
+              <a:rPr lang="ja-JP" altLang="en-US" sz="1200" dirty="0"/>
+              <a:t>・曲をダウンロードできる</a:t>
+            </a:r>
+            <a:endParaRPr kumimoji="1" lang="ja-JP" altLang="en-US" sz="1200" dirty="0"/>
+          </a:p>
+          <a:p>
             <a:endParaRPr kumimoji="1" lang="ja-JP" altLang="en-US" dirty="0"/>
           </a:p>
         </p:txBody>
@@ -4820,7 +4789,7 @@
           <a:p>
             <a:fld id="{FD808316-81CD-4B36-BDD1-D6460C124C29}" type="slidenum">
               <a:rPr kumimoji="1" lang="ja-JP" altLang="en-US" smtClean="0"/>
-              <a:t>14</a:t>
+              <a:t>17</a:t>
             </a:fld>
             <a:endParaRPr kumimoji="1" lang="ja-JP" altLang="en-US"/>
           </a:p>
@@ -4829,7 +4798,7 @@
     </p:spTree>
     <p:extLst>
       <p:ext uri="{BB962C8B-B14F-4D97-AF65-F5344CB8AC3E}">
-        <p14:creationId xmlns:p14="http://schemas.microsoft.com/office/powerpoint/2010/main" val="895368357"/>
+        <p14:creationId xmlns:p14="http://schemas.microsoft.com/office/powerpoint/2010/main" val="1695418619"/>
       </p:ext>
     </p:extLst>
   </p:cSld>
@@ -5076,49 +5045,6 @@
           <a:bodyPr/>
           <a:lstStyle/>
           <a:p>
-            <a:r>
-              <a:rPr lang="en-US" altLang="ja-JP" sz="1200" b="1" dirty="0"/>
-              <a:t>b</a:t>
-            </a:r>
-            <a:r>
-              <a:rPr kumimoji="1" lang="en-US" altLang="ja-JP" sz="1200" b="1" dirty="0"/>
-              <a:t>it composer</a:t>
-            </a:r>
-            <a:r>
-              <a:rPr kumimoji="1" lang="ja-JP" altLang="en-US" sz="1200" b="1" dirty="0"/>
-              <a:t>の機能</a:t>
-            </a:r>
-            <a:endParaRPr kumimoji="1" lang="en-US" altLang="ja-JP" sz="1200" b="1" dirty="0"/>
-          </a:p>
-          <a:p>
-            <a:pPr algn="l"/>
-            <a:r>
-              <a:rPr kumimoji="1" lang="ja-JP" altLang="en-US" sz="1200" dirty="0"/>
-              <a:t> 鍵盤から音楽データを</a:t>
-            </a:r>
-            <a:r>
-              <a:rPr kumimoji="1" lang="en-US" altLang="ja-JP" sz="1200" dirty="0"/>
-              <a:t>AI</a:t>
-            </a:r>
-            <a:r>
-              <a:rPr kumimoji="1" lang="ja-JP" altLang="en-US" sz="1200" dirty="0"/>
-              <a:t>のサーバに送信してオリジナルのゲーム音楽風の</a:t>
-            </a:r>
-            <a:r>
-              <a:rPr lang="ja-JP" altLang="en-US" sz="1200" dirty="0"/>
-              <a:t>曲を聴いたり</a:t>
-            </a:r>
-            <a:endParaRPr lang="en-US" altLang="ja-JP" sz="1200" dirty="0"/>
-          </a:p>
-          <a:p>
-            <a:pPr algn="l"/>
-            <a:r>
-              <a:rPr lang="ja-JP" altLang="en-US" sz="1200" dirty="0"/>
-              <a:t>・曲をダウンロードできる</a:t>
-            </a:r>
-            <a:endParaRPr kumimoji="1" lang="ja-JP" altLang="en-US" sz="1200" dirty="0"/>
-          </a:p>
-          <a:p>
             <a:endParaRPr kumimoji="1" lang="ja-JP" altLang="en-US" dirty="0"/>
           </a:p>
         </p:txBody>
@@ -5149,7 +5075,7 @@
     </p:spTree>
     <p:extLst>
       <p:ext uri="{BB962C8B-B14F-4D97-AF65-F5344CB8AC3E}">
-        <p14:creationId xmlns:p14="http://schemas.microsoft.com/office/powerpoint/2010/main" val="1695418619"/>
+        <p14:creationId xmlns:p14="http://schemas.microsoft.com/office/powerpoint/2010/main" val="133561700"/>
       </p:ext>
     </p:extLst>
   </p:cSld>
@@ -5203,7 +5129,26 @@
           <a:bodyPr/>
           <a:lstStyle/>
           <a:p>
-            <a:endParaRPr kumimoji="1" lang="ja-JP" altLang="en-US" dirty="0"/>
+            <a:r>
+              <a:rPr kumimoji="1" lang="en-US" altLang="ja-JP" dirty="0"/>
+              <a:t>Web</a:t>
+            </a:r>
+            <a:r>
+              <a:rPr kumimoji="1" lang="ja-JP" altLang="en-US" dirty="0"/>
+              <a:t>サーバを公開しているのでユーザーは</a:t>
+            </a:r>
+            <a:r>
+              <a:rPr kumimoji="1" lang="en-US" altLang="ja-JP" dirty="0"/>
+              <a:t>URL</a:t>
+            </a:r>
+            <a:r>
+              <a:rPr kumimoji="1" lang="ja-JP" altLang="en-US" dirty="0"/>
+              <a:t>から参加できます。</a:t>
+            </a:r>
+            <a:endParaRPr kumimoji="1" lang="en-US" altLang="ja-JP" dirty="0"/>
+          </a:p>
+          <a:p>
+            <a:endParaRPr kumimoji="1" lang="en-US" altLang="ja-JP" dirty="0"/>
           </a:p>
         </p:txBody>
       </p:sp>
@@ -5224,7 +5169,7 @@
           <a:p>
             <a:fld id="{FD808316-81CD-4B36-BDD1-D6460C124C29}" type="slidenum">
               <a:rPr kumimoji="1" lang="ja-JP" altLang="en-US" smtClean="0"/>
-              <a:t>5</a:t>
+              <a:t>6</a:t>
             </a:fld>
             <a:endParaRPr kumimoji="1" lang="ja-JP" altLang="en-US"/>
           </a:p>
@@ -5233,7 +5178,7 @@
     </p:spTree>
     <p:extLst>
       <p:ext uri="{BB962C8B-B14F-4D97-AF65-F5344CB8AC3E}">
-        <p14:creationId xmlns:p14="http://schemas.microsoft.com/office/powerpoint/2010/main" val="133561700"/>
+        <p14:creationId xmlns:p14="http://schemas.microsoft.com/office/powerpoint/2010/main" val="810124780"/>
       </p:ext>
     </p:extLst>
   </p:cSld>
@@ -5288,25 +5233,51 @@
           <a:lstStyle/>
           <a:p>
             <a:r>
-              <a:rPr kumimoji="1" lang="en-US" altLang="ja-JP" dirty="0"/>
-              <a:t>Web</a:t>
-            </a:r>
-            <a:r>
-              <a:rPr kumimoji="1" lang="ja-JP" altLang="en-US" dirty="0"/>
-              <a:t>サーバを公開しているのでユーザーは</a:t>
-            </a:r>
-            <a:r>
-              <a:rPr kumimoji="1" lang="en-US" altLang="ja-JP" dirty="0"/>
-              <a:t>URL</a:t>
-            </a:r>
-            <a:r>
-              <a:rPr kumimoji="1" lang="ja-JP" altLang="en-US" dirty="0"/>
-              <a:t>から参加できます。</a:t>
-            </a:r>
-            <a:endParaRPr kumimoji="1" lang="en-US" altLang="ja-JP" dirty="0"/>
-          </a:p>
-          <a:p>
-            <a:endParaRPr kumimoji="1" lang="en-US" altLang="ja-JP" dirty="0"/>
+              <a:rPr lang="ja-JP" altLang="en-US" sz="1200" dirty="0"/>
+              <a:t>どうやって作曲させるのかというと</a:t>
+            </a:r>
+            <a:endParaRPr lang="en-US" altLang="ja-JP" sz="1200" dirty="0"/>
+          </a:p>
+          <a:p>
+            <a:r>
+              <a:rPr lang="ja-JP" altLang="en-US" sz="1200" dirty="0"/>
+              <a:t>リカレントニューラルネットワーク</a:t>
+            </a:r>
+            <a:r>
+              <a:rPr lang="en-US" altLang="ja-JP" sz="1200" dirty="0"/>
+              <a:t>(RNN)</a:t>
+            </a:r>
+            <a:r>
+              <a:rPr lang="ja-JP" altLang="en-US" sz="1200" dirty="0"/>
+              <a:t>で学習をさせた</a:t>
+            </a:r>
+            <a:r>
+              <a:rPr lang="en-US" altLang="ja-JP" sz="1200" dirty="0"/>
+              <a:t>AI</a:t>
+            </a:r>
+            <a:r>
+              <a:rPr lang="ja-JP" altLang="en-US" sz="1200" dirty="0"/>
+              <a:t>で作曲をします。</a:t>
+            </a:r>
+            <a:endParaRPr lang="en-US" altLang="ja-JP" sz="1200" dirty="0"/>
+          </a:p>
+          <a:p>
+            <a:r>
+              <a:rPr lang="en-US" altLang="ja-JP" sz="1200" dirty="0"/>
+              <a:t>RNN</a:t>
+            </a:r>
+            <a:r>
+              <a:rPr lang="ja-JP" altLang="en-US" sz="1200" dirty="0"/>
+              <a:t>は時系列ごとデータを学習させることができることが特徴です。</a:t>
+            </a:r>
+            <a:endParaRPr lang="en-US" altLang="ja-JP" sz="1200" dirty="0"/>
+          </a:p>
+          <a:p>
+            <a:r>
+              <a:rPr lang="ja-JP" altLang="en-US" sz="1200" dirty="0"/>
+              <a:t>自然言語処理の単語の予測でよく使われます。</a:t>
+            </a:r>
+            <a:endParaRPr lang="en-US" altLang="ja-JP" sz="1200" dirty="0"/>
           </a:p>
         </p:txBody>
       </p:sp>
@@ -5327,7 +5298,7 @@
           <a:p>
             <a:fld id="{FD808316-81CD-4B36-BDD1-D6460C124C29}" type="slidenum">
               <a:rPr kumimoji="1" lang="ja-JP" altLang="en-US" smtClean="0"/>
-              <a:t>6</a:t>
+              <a:t>7</a:t>
             </a:fld>
             <a:endParaRPr kumimoji="1" lang="ja-JP" altLang="en-US"/>
           </a:p>
@@ -5336,7 +5307,7 @@
     </p:spTree>
     <p:extLst>
       <p:ext uri="{BB962C8B-B14F-4D97-AF65-F5344CB8AC3E}">
-        <p14:creationId xmlns:p14="http://schemas.microsoft.com/office/powerpoint/2010/main" val="810124780"/>
+        <p14:creationId xmlns:p14="http://schemas.microsoft.com/office/powerpoint/2010/main" val="3280372040"/>
       </p:ext>
     </p:extLst>
   </p:cSld>
@@ -5391,51 +5362,41 @@
           <a:lstStyle/>
           <a:p>
             <a:r>
-              <a:rPr lang="ja-JP" altLang="en-US" sz="1200" dirty="0"/>
-              <a:t>どうやって作曲させるのかというと</a:t>
-            </a:r>
-            <a:endParaRPr lang="en-US" altLang="ja-JP" sz="1200" dirty="0"/>
-          </a:p>
-          <a:p>
-            <a:r>
-              <a:rPr lang="ja-JP" altLang="en-US" sz="1200" dirty="0"/>
-              <a:t>リカレントニューラルネットワーク</a:t>
-            </a:r>
-            <a:r>
-              <a:rPr lang="en-US" altLang="ja-JP" sz="1200" dirty="0"/>
-              <a:t>(RNN)</a:t>
-            </a:r>
-            <a:r>
-              <a:rPr lang="ja-JP" altLang="en-US" sz="1200" dirty="0"/>
-              <a:t>で学習をさせた</a:t>
-            </a:r>
-            <a:r>
-              <a:rPr lang="en-US" altLang="ja-JP" sz="1200" dirty="0"/>
+              <a:rPr kumimoji="1" lang="ja-JP" altLang="en-US" dirty="0"/>
+              <a:t>送信されて</a:t>
+            </a:r>
+            <a:r>
+              <a:rPr kumimoji="1" lang="en-US" altLang="ja-JP" dirty="0" err="1"/>
+              <a:t>abc</a:t>
+            </a:r>
+            <a:r>
+              <a:rPr kumimoji="1" lang="ja-JP" altLang="en-US" dirty="0"/>
+              <a:t>記法から数値データに変換して</a:t>
+            </a:r>
+            <a:r>
+              <a:rPr kumimoji="1" lang="en-US" altLang="ja-JP" dirty="0"/>
               <a:t>AI</a:t>
             </a:r>
             <a:r>
-              <a:rPr lang="ja-JP" altLang="en-US" sz="1200" dirty="0"/>
-              <a:t>で作曲をします。</a:t>
-            </a:r>
-            <a:endParaRPr lang="en-US" altLang="ja-JP" sz="1200" dirty="0"/>
-          </a:p>
-          <a:p>
-            <a:r>
-              <a:rPr lang="en-US" altLang="ja-JP" sz="1200" dirty="0"/>
-              <a:t>RNN</a:t>
-            </a:r>
-            <a:r>
-              <a:rPr lang="ja-JP" altLang="en-US" sz="1200" dirty="0"/>
-              <a:t>は時系列ごとデータを学習させることができることが特徴です。</a:t>
-            </a:r>
-            <a:endParaRPr lang="en-US" altLang="ja-JP" sz="1200" dirty="0"/>
-          </a:p>
-          <a:p>
-            <a:r>
-              <a:rPr lang="ja-JP" altLang="en-US" sz="1200" dirty="0"/>
-              <a:t>自然言語処理の単語の予測でよく使われます。</a:t>
-            </a:r>
-            <a:endParaRPr lang="en-US" altLang="ja-JP" sz="1200" dirty="0"/>
+              <a:rPr kumimoji="1" lang="ja-JP" altLang="en-US" dirty="0"/>
+              <a:t>で予測しその後</a:t>
+            </a:r>
+            <a:r>
+              <a:rPr kumimoji="1" lang="en-US" altLang="ja-JP" dirty="0"/>
+              <a:t>MIDI</a:t>
+            </a:r>
+            <a:r>
+              <a:rPr kumimoji="1" lang="ja-JP" altLang="en-US" dirty="0"/>
+              <a:t>データに変換して</a:t>
+            </a:r>
+            <a:r>
+              <a:rPr kumimoji="1" lang="en-US" altLang="ja-JP" dirty="0"/>
+              <a:t>MP3</a:t>
+            </a:r>
+            <a:r>
+              <a:rPr kumimoji="1" lang="ja-JP" altLang="en-US" dirty="0"/>
+              <a:t>等のファイルとして出力します。</a:t>
+            </a:r>
           </a:p>
         </p:txBody>
       </p:sp>
@@ -5456,7 +5417,7 @@
           <a:p>
             <a:fld id="{FD808316-81CD-4B36-BDD1-D6460C124C29}" type="slidenum">
               <a:rPr kumimoji="1" lang="ja-JP" altLang="en-US" smtClean="0"/>
-              <a:t>7</a:t>
+              <a:t>8</a:t>
             </a:fld>
             <a:endParaRPr kumimoji="1" lang="ja-JP" altLang="en-US"/>
           </a:p>
@@ -5465,7 +5426,7 @@
     </p:spTree>
     <p:extLst>
       <p:ext uri="{BB962C8B-B14F-4D97-AF65-F5344CB8AC3E}">
-        <p14:creationId xmlns:p14="http://schemas.microsoft.com/office/powerpoint/2010/main" val="3280372040"/>
+        <p14:creationId xmlns:p14="http://schemas.microsoft.com/office/powerpoint/2010/main" val="2525734282"/>
       </p:ext>
     </p:extLst>
   </p:cSld>
@@ -5520,16 +5481,60 @@
           <a:lstStyle/>
           <a:p>
             <a:r>
+              <a:rPr kumimoji="1" lang="en-US" altLang="ja-JP" dirty="0"/>
+              <a:t>1 </a:t>
+            </a:r>
+            <a:r>
               <a:rPr kumimoji="1" lang="ja-JP" altLang="en-US" dirty="0"/>
-              <a:t>送信されて</a:t>
-            </a:r>
-            <a:r>
-              <a:rPr kumimoji="1" lang="en-US" altLang="ja-JP" dirty="0" err="1"/>
-              <a:t>abc</a:t>
+              <a:t>作る</a:t>
+            </a:r>
+            <a:r>
+              <a:rPr kumimoji="1" lang="ja-JP" altLang="en-US" dirty="0" err="1"/>
+              <a:t>を</a:t>
             </a:r>
             <a:r>
               <a:rPr kumimoji="1" lang="ja-JP" altLang="en-US" dirty="0"/>
-              <a:t>記法から数値データに変換して</a:t>
+              <a:t>クリック</a:t>
+            </a:r>
+            <a:endParaRPr kumimoji="1" lang="en-US" altLang="ja-JP" dirty="0"/>
+          </a:p>
+          <a:p>
+            <a:r>
+              <a:rPr kumimoji="1" lang="en-US" altLang="ja-JP" dirty="0"/>
+              <a:t>2 </a:t>
+            </a:r>
+            <a:r>
+              <a:rPr kumimoji="1" lang="ja-JP" altLang="en-US" dirty="0"/>
+              <a:t>キーボードで鍵盤を弾いてください</a:t>
+            </a:r>
+            <a:endParaRPr kumimoji="1" lang="en-US" altLang="ja-JP" dirty="0"/>
+          </a:p>
+          <a:p>
+            <a:r>
+              <a:rPr kumimoji="1" lang="en-US" altLang="ja-JP" dirty="0"/>
+              <a:t>3</a:t>
+            </a:r>
+            <a:r>
+              <a:rPr kumimoji="1" lang="ja-JP" altLang="en-US" dirty="0"/>
+              <a:t>　送信ボタンを押したら</a:t>
+            </a:r>
+            <a:endParaRPr kumimoji="1" lang="en-US" altLang="ja-JP" dirty="0"/>
+          </a:p>
+          <a:p>
+            <a:r>
+              <a:rPr kumimoji="1" lang="en-US" altLang="ja-JP" dirty="0"/>
+              <a:t>4</a:t>
+            </a:r>
+            <a:r>
+              <a:rPr kumimoji="1" lang="ja-JP" altLang="en-US" dirty="0"/>
+              <a:t>　曲が流れます。</a:t>
+            </a:r>
+            <a:endParaRPr kumimoji="1" lang="en-US" altLang="ja-JP" dirty="0"/>
+          </a:p>
+          <a:p>
+            <a:r>
+              <a:rPr kumimoji="1" lang="ja-JP" altLang="en-US" dirty="0"/>
+              <a:t>注意</a:t>
             </a:r>
             <a:r>
               <a:rPr kumimoji="1" lang="en-US" altLang="ja-JP" dirty="0"/>
@@ -5537,24 +5542,9 @@
             </a:r>
             <a:r>
               <a:rPr kumimoji="1" lang="ja-JP" altLang="en-US" dirty="0"/>
-              <a:t>で予測しその後</a:t>
-            </a:r>
-            <a:r>
-              <a:rPr kumimoji="1" lang="en-US" altLang="ja-JP" dirty="0"/>
-              <a:t>MIDI</a:t>
-            </a:r>
-            <a:r>
-              <a:rPr kumimoji="1" lang="ja-JP" altLang="en-US" dirty="0"/>
-              <a:t>データに変換して</a:t>
-            </a:r>
-            <a:r>
-              <a:rPr kumimoji="1" lang="en-US" altLang="ja-JP" dirty="0"/>
-              <a:t>MP3</a:t>
-            </a:r>
-            <a:r>
-              <a:rPr kumimoji="1" lang="ja-JP" altLang="en-US" dirty="0"/>
-              <a:t>等のファイルとして出力します。</a:t>
-            </a:r>
+              <a:t>が入っていなかった場合次のバージョンで入れる予定と発表</a:t>
+            </a:r>
+            <a:endParaRPr kumimoji="1" lang="en-US" altLang="ja-JP" dirty="0"/>
           </a:p>
         </p:txBody>
       </p:sp>
@@ -5575,7 +5565,7 @@
           <a:p>
             <a:fld id="{FD808316-81CD-4B36-BDD1-D6460C124C29}" type="slidenum">
               <a:rPr kumimoji="1" lang="ja-JP" altLang="en-US" smtClean="0"/>
-              <a:t>8</a:t>
+              <a:t>9</a:t>
             </a:fld>
             <a:endParaRPr kumimoji="1" lang="ja-JP" altLang="en-US"/>
           </a:p>
@@ -5584,7 +5574,7 @@
     </p:spTree>
     <p:extLst>
       <p:ext uri="{BB962C8B-B14F-4D97-AF65-F5344CB8AC3E}">
-        <p14:creationId xmlns:p14="http://schemas.microsoft.com/office/powerpoint/2010/main" val="2525734282"/>
+        <p14:creationId xmlns:p14="http://schemas.microsoft.com/office/powerpoint/2010/main" val="3836402520"/>
       </p:ext>
     </p:extLst>
   </p:cSld>
@@ -5639,70 +5629,80 @@
           <a:lstStyle/>
           <a:p>
             <a:r>
-              <a:rPr kumimoji="1" lang="en-US" altLang="ja-JP" dirty="0"/>
-              <a:t>1 </a:t>
-            </a:r>
-            <a:r>
-              <a:rPr kumimoji="1" lang="ja-JP" altLang="en-US" dirty="0"/>
-              <a:t>作る</a:t>
-            </a:r>
-            <a:r>
-              <a:rPr kumimoji="1" lang="ja-JP" altLang="en-US" dirty="0" err="1"/>
-              <a:t>を</a:t>
-            </a:r>
-            <a:r>
-              <a:rPr kumimoji="1" lang="ja-JP" altLang="en-US" dirty="0"/>
-              <a:t>クリック</a:t>
-            </a:r>
-            <a:endParaRPr kumimoji="1" lang="en-US" altLang="ja-JP" dirty="0"/>
-          </a:p>
-          <a:p>
-            <a:r>
-              <a:rPr kumimoji="1" lang="en-US" altLang="ja-JP" dirty="0"/>
-              <a:t>2 </a:t>
-            </a:r>
-            <a:r>
-              <a:rPr kumimoji="1" lang="ja-JP" altLang="en-US" dirty="0"/>
-              <a:t>キーボードで鍵盤を弾いてください</a:t>
-            </a:r>
-            <a:endParaRPr kumimoji="1" lang="en-US" altLang="ja-JP" dirty="0"/>
-          </a:p>
-          <a:p>
-            <a:r>
-              <a:rPr kumimoji="1" lang="en-US" altLang="ja-JP" dirty="0"/>
-              <a:t>3</a:t>
-            </a:r>
-            <a:r>
-              <a:rPr kumimoji="1" lang="ja-JP" altLang="en-US" dirty="0"/>
-              <a:t>　送信ボタンを押したら</a:t>
-            </a:r>
-            <a:endParaRPr kumimoji="1" lang="en-US" altLang="ja-JP" dirty="0"/>
-          </a:p>
-          <a:p>
-            <a:r>
-              <a:rPr kumimoji="1" lang="en-US" altLang="ja-JP" dirty="0"/>
-              <a:t>4</a:t>
-            </a:r>
-            <a:r>
-              <a:rPr kumimoji="1" lang="ja-JP" altLang="en-US" dirty="0"/>
-              <a:t>　曲が流れます。</a:t>
-            </a:r>
-            <a:endParaRPr kumimoji="1" lang="en-US" altLang="ja-JP" dirty="0"/>
-          </a:p>
-          <a:p>
-            <a:r>
-              <a:rPr kumimoji="1" lang="ja-JP" altLang="en-US" dirty="0"/>
-              <a:t>注意</a:t>
-            </a:r>
-            <a:r>
-              <a:rPr kumimoji="1" lang="en-US" altLang="ja-JP" dirty="0"/>
-              <a:t>AI</a:t>
-            </a:r>
-            <a:r>
-              <a:rPr kumimoji="1" lang="ja-JP" altLang="en-US" dirty="0"/>
-              <a:t>が入っていなかった場合次のバージョンで入れる予定と発表</a:t>
-            </a:r>
-            <a:endParaRPr kumimoji="1" lang="en-US" altLang="ja-JP" dirty="0"/>
+              <a:rPr lang="ja-JP" altLang="en-US" sz="1200" dirty="0"/>
+              <a:t>・伴奏を加えてより音楽風に近づける。</a:t>
+            </a:r>
+            <a:endParaRPr lang="en-US" altLang="ja-JP" sz="1200" dirty="0"/>
+          </a:p>
+          <a:p>
+            <a:pPr marL="0" marR="0" lvl="0" indent="0" algn="l" defTabSz="914400" rtl="0" eaLnBrk="1" fontAlgn="auto" latinLnBrk="0" hangingPunct="1">
+              <a:lnSpc>
+                <a:spcPct val="100000"/>
+              </a:lnSpc>
+              <a:spcBef>
+                <a:spcPts val="0"/>
+              </a:spcBef>
+              <a:spcAft>
+                <a:spcPts val="0"/>
+              </a:spcAft>
+              <a:buClrTx/>
+              <a:buSzTx/>
+              <a:buFontTx/>
+              <a:buNone/>
+              <a:tabLst/>
+              <a:defRPr/>
+            </a:pPr>
+            <a:r>
+              <a:rPr lang="ja-JP" altLang="en-US" sz="1200" dirty="0"/>
+              <a:t>・</a:t>
+            </a:r>
+            <a:r>
+              <a:rPr lang="ja-JP" altLang="en-US" dirty="0"/>
+              <a:t>事前に用意した</a:t>
+            </a:r>
+            <a:r>
+              <a:rPr lang="en-US" altLang="ja-JP" dirty="0"/>
+              <a:t>MIDI</a:t>
+            </a:r>
+            <a:r>
+              <a:rPr lang="ja-JP" altLang="en-US" dirty="0"/>
+              <a:t>ファイルが読みこめない</a:t>
+            </a:r>
+            <a:r>
+              <a:rPr lang="en-US" altLang="ja-JP" dirty="0"/>
+              <a:t>(</a:t>
+            </a:r>
+            <a:r>
+              <a:rPr lang="ja-JP" altLang="en-US" dirty="0"/>
+              <a:t>ピアノ演奏のみでしか使えない</a:t>
+            </a:r>
+            <a:r>
+              <a:rPr lang="en-US" altLang="ja-JP" dirty="0"/>
+              <a:t>)</a:t>
+            </a:r>
+          </a:p>
+          <a:p>
+            <a:pPr marL="0" marR="0" lvl="0" indent="0" algn="l" defTabSz="914400" rtl="0" eaLnBrk="1" fontAlgn="auto" latinLnBrk="0" hangingPunct="1">
+              <a:lnSpc>
+                <a:spcPct val="100000"/>
+              </a:lnSpc>
+              <a:spcBef>
+                <a:spcPts val="0"/>
+              </a:spcBef>
+              <a:spcAft>
+                <a:spcPts val="0"/>
+              </a:spcAft>
+              <a:buClrTx/>
+              <a:buSzTx/>
+              <a:buFontTx/>
+              <a:buNone/>
+              <a:tabLst/>
+              <a:defRPr/>
+            </a:pPr>
+            <a:r>
+              <a:rPr kumimoji="1" lang="ja-JP" altLang="en-US" sz="1200" dirty="0"/>
+              <a:t>・</a:t>
+            </a:r>
           </a:p>
         </p:txBody>
       </p:sp>
@@ -5732,7 +5732,7 @@
     </p:spTree>
     <p:extLst>
       <p:ext uri="{BB962C8B-B14F-4D97-AF65-F5344CB8AC3E}">
-        <p14:creationId xmlns:p14="http://schemas.microsoft.com/office/powerpoint/2010/main" val="3836402520"/>
+        <p14:creationId xmlns:p14="http://schemas.microsoft.com/office/powerpoint/2010/main" val="203302926"/>
       </p:ext>
     </p:extLst>
   </p:cSld>
@@ -5889,7 +5889,7 @@
           <a:p>
             <a:fld id="{4A6B28F3-BB62-4EA0-99DF-EF5932BC4FCF}" type="datetimeFigureOut">
               <a:rPr kumimoji="1" lang="ja-JP" altLang="en-US" smtClean="0"/>
-              <a:t>2022/2/3</a:t>
+              <a:t>2022/2/7</a:t>
             </a:fld>
             <a:endParaRPr kumimoji="1" lang="ja-JP" altLang="en-US"/>
           </a:p>
@@ -6131,7 +6131,7 @@
           <a:p>
             <a:fld id="{4A6B28F3-BB62-4EA0-99DF-EF5932BC4FCF}" type="datetimeFigureOut">
               <a:rPr kumimoji="1" lang="ja-JP" altLang="en-US" smtClean="0"/>
-              <a:t>2022/2/3</a:t>
+              <a:t>2022/2/7</a:t>
             </a:fld>
             <a:endParaRPr kumimoji="1" lang="ja-JP" altLang="en-US"/>
           </a:p>
@@ -6383,7 +6383,7 @@
           <a:p>
             <a:fld id="{4A6B28F3-BB62-4EA0-99DF-EF5932BC4FCF}" type="datetimeFigureOut">
               <a:rPr kumimoji="1" lang="ja-JP" altLang="en-US" smtClean="0"/>
-              <a:t>2022/2/3</a:t>
+              <a:t>2022/2/7</a:t>
             </a:fld>
             <a:endParaRPr kumimoji="1" lang="ja-JP" altLang="en-US"/>
           </a:p>
@@ -6625,7 +6625,7 @@
           <a:p>
             <a:fld id="{4A6B28F3-BB62-4EA0-99DF-EF5932BC4FCF}" type="datetimeFigureOut">
               <a:rPr kumimoji="1" lang="ja-JP" altLang="en-US" smtClean="0"/>
-              <a:t>2022/2/3</a:t>
+              <a:t>2022/2/7</a:t>
             </a:fld>
             <a:endParaRPr kumimoji="1" lang="ja-JP" altLang="en-US"/>
           </a:p>
@@ -6912,7 +6912,7 @@
           <a:p>
             <a:fld id="{4A6B28F3-BB62-4EA0-99DF-EF5932BC4FCF}" type="datetimeFigureOut">
               <a:rPr kumimoji="1" lang="ja-JP" altLang="en-US" smtClean="0"/>
-              <a:t>2022/2/3</a:t>
+              <a:t>2022/2/7</a:t>
             </a:fld>
             <a:endParaRPr kumimoji="1" lang="ja-JP" altLang="en-US"/>
           </a:p>
@@ -7253,7 +7253,7 @@
           <a:p>
             <a:fld id="{4A6B28F3-BB62-4EA0-99DF-EF5932BC4FCF}" type="datetimeFigureOut">
               <a:rPr kumimoji="1" lang="ja-JP" altLang="en-US" smtClean="0"/>
-              <a:t>2022/2/3</a:t>
+              <a:t>2022/2/7</a:t>
             </a:fld>
             <a:endParaRPr kumimoji="1" lang="ja-JP" altLang="en-US"/>
           </a:p>
@@ -7741,7 +7741,7 @@
           <a:p>
             <a:fld id="{4A6B28F3-BB62-4EA0-99DF-EF5932BC4FCF}" type="datetimeFigureOut">
               <a:rPr kumimoji="1" lang="ja-JP" altLang="en-US" smtClean="0"/>
-              <a:t>2022/2/3</a:t>
+              <a:t>2022/2/7</a:t>
             </a:fld>
             <a:endParaRPr kumimoji="1" lang="ja-JP" altLang="en-US"/>
           </a:p>
@@ -7894,7 +7894,7 @@
           <a:p>
             <a:fld id="{4A6B28F3-BB62-4EA0-99DF-EF5932BC4FCF}" type="datetimeFigureOut">
               <a:rPr kumimoji="1" lang="ja-JP" altLang="en-US" smtClean="0"/>
-              <a:t>2022/2/3</a:t>
+              <a:t>2022/2/7</a:t>
             </a:fld>
             <a:endParaRPr kumimoji="1" lang="ja-JP" altLang="en-US"/>
           </a:p>
@@ -8019,7 +8019,7 @@
           <a:p>
             <a:fld id="{4A6B28F3-BB62-4EA0-99DF-EF5932BC4FCF}" type="datetimeFigureOut">
               <a:rPr kumimoji="1" lang="ja-JP" altLang="en-US" smtClean="0"/>
-              <a:t>2022/2/3</a:t>
+              <a:t>2022/2/7</a:t>
             </a:fld>
             <a:endParaRPr kumimoji="1" lang="ja-JP" altLang="en-US"/>
           </a:p>
@@ -8374,7 +8374,7 @@
           <a:p>
             <a:fld id="{4A6B28F3-BB62-4EA0-99DF-EF5932BC4FCF}" type="datetimeFigureOut">
               <a:rPr kumimoji="1" lang="ja-JP" altLang="en-US" smtClean="0"/>
-              <a:t>2022/2/3</a:t>
+              <a:t>2022/2/7</a:t>
             </a:fld>
             <a:endParaRPr kumimoji="1" lang="ja-JP" altLang="en-US"/>
           </a:p>
@@ -8674,7 +8674,7 @@
           <a:p>
             <a:fld id="{4A6B28F3-BB62-4EA0-99DF-EF5932BC4FCF}" type="datetimeFigureOut">
               <a:rPr kumimoji="1" lang="ja-JP" altLang="en-US" smtClean="0"/>
-              <a:t>2022/2/3</a:t>
+              <a:t>2022/2/7</a:t>
             </a:fld>
             <a:endParaRPr kumimoji="1" lang="ja-JP" altLang="en-US"/>
           </a:p>
@@ -8980,7 +8980,7 @@
           <a:p>
             <a:fld id="{4A6B28F3-BB62-4EA0-99DF-EF5932BC4FCF}" type="datetimeFigureOut">
               <a:rPr kumimoji="1" lang="ja-JP" altLang="en-US" smtClean="0"/>
-              <a:t>2022/2/3</a:t>
+              <a:t>2022/2/7</a:t>
             </a:fld>
             <a:endParaRPr kumimoji="1" lang="ja-JP" altLang="en-US"/>
           </a:p>
@@ -9591,372 +9591,6 @@
           <p:cNvPr id="2" name="タイトル 1">
             <a:extLst>
               <a:ext uri="{FF2B5EF4-FFF2-40B4-BE49-F238E27FC236}">
-                <a16:creationId xmlns:a16="http://schemas.microsoft.com/office/drawing/2014/main" id="{025C00AC-50C2-4AEE-B119-C8EF0488D58A}"/>
-              </a:ext>
-            </a:extLst>
-          </p:cNvPr>
-          <p:cNvSpPr>
-            <a:spLocks noGrp="1"/>
-          </p:cNvSpPr>
-          <p:nvPr>
-            <p:ph type="title"/>
-          </p:nvPr>
-        </p:nvSpPr>
-        <p:spPr>
-          <a:xfrm>
-            <a:off x="838201" y="365125"/>
-            <a:ext cx="7391400" cy="1325563"/>
-          </a:xfrm>
-        </p:spPr>
-        <p:txBody>
-          <a:bodyPr>
-            <a:normAutofit/>
-          </a:bodyPr>
-          <a:lstStyle/>
-          <a:p>
-            <a:r>
-              <a:rPr kumimoji="1" lang="ja-JP" altLang="en-US" sz="3200" b="1" dirty="0"/>
-              <a:t>アプリの使い方</a:t>
-            </a:r>
-            <a:r>
-              <a:rPr kumimoji="1" lang="en-US" altLang="ja-JP" sz="3200" b="1" dirty="0"/>
-              <a:t>(</a:t>
-            </a:r>
-            <a:r>
-              <a:rPr kumimoji="1" lang="ja-JP" altLang="en-US" sz="3200" b="1" dirty="0"/>
-              <a:t>デモンストレーション</a:t>
-            </a:r>
-            <a:r>
-              <a:rPr kumimoji="1" lang="en-US" altLang="ja-JP" sz="3200" dirty="0"/>
-              <a:t>)</a:t>
-            </a:r>
-            <a:endParaRPr kumimoji="1" lang="ja-JP" altLang="en-US" sz="3200" dirty="0"/>
-          </a:p>
-        </p:txBody>
-      </p:sp>
-      <p:sp>
-        <p:nvSpPr>
-          <p:cNvPr id="3" name="テキスト ボックス 2">
-            <a:extLst>
-              <a:ext uri="{FF2B5EF4-FFF2-40B4-BE49-F238E27FC236}">
-                <a16:creationId xmlns:a16="http://schemas.microsoft.com/office/drawing/2014/main" id="{5A11D7B1-58DD-4CF5-A1C5-3743A5F603E7}"/>
-              </a:ext>
-            </a:extLst>
-          </p:cNvPr>
-          <p:cNvSpPr txBox="1"/>
-          <p:nvPr/>
-        </p:nvSpPr>
-        <p:spPr>
-          <a:xfrm>
-            <a:off x="1001729" y="1752851"/>
-            <a:ext cx="7723911" cy="646331"/>
-          </a:xfrm>
-          <a:prstGeom prst="rect">
-            <a:avLst/>
-          </a:prstGeom>
-          <a:noFill/>
-        </p:spPr>
-        <p:txBody>
-          <a:bodyPr wrap="square" rtlCol="0">
-            <a:spAutoFit/>
-          </a:bodyPr>
-          <a:lstStyle/>
-          <a:p>
-            <a:r>
-              <a:rPr lang="en-US" altLang="ja-JP" sz="3600" b="1" dirty="0">
-                <a:hlinkClick r:id="rId3">
-                  <a:extLst>
-                    <a:ext uri="{A12FA001-AC4F-418D-AE19-62706E023703}">
-                      <ahyp:hlinkClr xmlns:ahyp="http://schemas.microsoft.com/office/drawing/2018/hyperlinkcolor" val="tx"/>
-                    </a:ext>
-                  </a:extLst>
-                </a:hlinkClick>
-              </a:rPr>
-              <a:t>http://172.16.220.145/</a:t>
-            </a:r>
-            <a:endParaRPr lang="en-US" altLang="ja-JP" sz="3600" b="1" dirty="0"/>
-          </a:p>
-        </p:txBody>
-      </p:sp>
-      <p:sp>
-        <p:nvSpPr>
-          <p:cNvPr id="5" name="テキスト ボックス 4">
-            <a:extLst>
-              <a:ext uri="{FF2B5EF4-FFF2-40B4-BE49-F238E27FC236}">
-                <a16:creationId xmlns:a16="http://schemas.microsoft.com/office/drawing/2014/main" id="{4BE0FAFE-D088-40D5-95FA-AD210674E3BC}"/>
-              </a:ext>
-            </a:extLst>
-          </p:cNvPr>
-          <p:cNvSpPr txBox="1"/>
-          <p:nvPr/>
-        </p:nvSpPr>
-        <p:spPr>
-          <a:xfrm>
-            <a:off x="6513534" y="3734431"/>
-            <a:ext cx="4992915" cy="954107"/>
-          </a:xfrm>
-          <a:prstGeom prst="rect">
-            <a:avLst/>
-          </a:prstGeom>
-          <a:noFill/>
-        </p:spPr>
-        <p:txBody>
-          <a:bodyPr wrap="square" rtlCol="0">
-            <a:spAutoFit/>
-          </a:bodyPr>
-          <a:lstStyle/>
-          <a:p>
-            <a:r>
-              <a:rPr lang="ja-JP" altLang="en-US" sz="2800" dirty="0"/>
-              <a:t>音楽を</a:t>
-            </a:r>
-            <a:r>
-              <a:rPr kumimoji="1" lang="ja-JP" altLang="en-US" sz="2800" dirty="0"/>
-              <a:t>作成できたら</a:t>
-            </a:r>
-            <a:endParaRPr kumimoji="1" lang="en-US" altLang="ja-JP" sz="2800" dirty="0"/>
-          </a:p>
-          <a:p>
-            <a:r>
-              <a:rPr lang="ja-JP" altLang="en-US" sz="2800" dirty="0">
-                <a:solidFill>
-                  <a:srgbClr val="FF0000"/>
-                </a:solidFill>
-              </a:rPr>
-              <a:t>送信ボタン</a:t>
-            </a:r>
-            <a:r>
-              <a:rPr lang="ja-JP" altLang="en-US" sz="2800" dirty="0"/>
-              <a:t>を押してください</a:t>
-            </a:r>
-            <a:endParaRPr kumimoji="1" lang="ja-JP" altLang="en-US" sz="2800" dirty="0"/>
-          </a:p>
-        </p:txBody>
-      </p:sp>
-      <p:sp>
-        <p:nvSpPr>
-          <p:cNvPr id="6" name="テキスト ボックス 5">
-            <a:extLst>
-              <a:ext uri="{FF2B5EF4-FFF2-40B4-BE49-F238E27FC236}">
-                <a16:creationId xmlns:a16="http://schemas.microsoft.com/office/drawing/2014/main" id="{1EED7E17-895F-498A-AB79-2986A9065572}"/>
-              </a:ext>
-            </a:extLst>
-          </p:cNvPr>
-          <p:cNvSpPr txBox="1"/>
-          <p:nvPr/>
-        </p:nvSpPr>
-        <p:spPr>
-          <a:xfrm>
-            <a:off x="6456219" y="4967740"/>
-            <a:ext cx="3546764" cy="400110"/>
-          </a:xfrm>
-          <a:prstGeom prst="rect">
-            <a:avLst/>
-          </a:prstGeom>
-          <a:noFill/>
-        </p:spPr>
-        <p:txBody>
-          <a:bodyPr wrap="square" rtlCol="0">
-            <a:spAutoFit/>
-          </a:bodyPr>
-          <a:lstStyle/>
-          <a:p>
-            <a:r>
-              <a:rPr kumimoji="1" lang="ja-JP" altLang="en-US" sz="2000" dirty="0">
-                <a:solidFill>
-                  <a:srgbClr val="FF0000"/>
-                </a:solidFill>
-                <a:highlight>
-                  <a:srgbClr val="FFFF00"/>
-                </a:highlight>
-              </a:rPr>
-              <a:t>生成に約一分掛かります</a:t>
-            </a:r>
-            <a:r>
-              <a:rPr lang="ja-JP" altLang="en-US" sz="2000" dirty="0">
-                <a:solidFill>
-                  <a:srgbClr val="FF0000"/>
-                </a:solidFill>
-                <a:highlight>
-                  <a:srgbClr val="FFFF00"/>
-                </a:highlight>
-              </a:rPr>
-              <a:t>。</a:t>
-            </a:r>
-            <a:endParaRPr kumimoji="1" lang="ja-JP" altLang="en-US" sz="2000" dirty="0">
-              <a:solidFill>
-                <a:srgbClr val="FF0000"/>
-              </a:solidFill>
-              <a:highlight>
-                <a:srgbClr val="FFFF00"/>
-              </a:highlight>
-            </a:endParaRPr>
-          </a:p>
-        </p:txBody>
-      </p:sp>
-      <p:sp>
-        <p:nvSpPr>
-          <p:cNvPr id="7" name="正方形/長方形 6">
-            <a:extLst>
-              <a:ext uri="{FF2B5EF4-FFF2-40B4-BE49-F238E27FC236}">
-                <a16:creationId xmlns:a16="http://schemas.microsoft.com/office/drawing/2014/main" id="{FBA0EE7E-F114-45C1-AC10-7408CA7D971A}"/>
-              </a:ext>
-            </a:extLst>
-          </p:cNvPr>
-          <p:cNvSpPr/>
-          <p:nvPr/>
-        </p:nvSpPr>
-        <p:spPr>
-          <a:xfrm>
-            <a:off x="8229601" y="0"/>
-            <a:ext cx="3962400" cy="1967345"/>
-          </a:xfrm>
-          <a:prstGeom prst="rect">
-            <a:avLst/>
-          </a:prstGeom>
-          <a:solidFill>
-            <a:schemeClr val="bg2">
-              <a:lumMod val="50000"/>
-            </a:schemeClr>
-          </a:solidFill>
-          <a:ln>
-            <a:solidFill>
-              <a:schemeClr val="tx1"/>
-            </a:solidFill>
-          </a:ln>
-        </p:spPr>
-        <p:style>
-          <a:lnRef idx="2">
-            <a:schemeClr val="accent1">
-              <a:shade val="50000"/>
-            </a:schemeClr>
-          </a:lnRef>
-          <a:fillRef idx="1">
-            <a:schemeClr val="accent1"/>
-          </a:fillRef>
-          <a:effectRef idx="0">
-            <a:schemeClr val="accent1"/>
-          </a:effectRef>
-          <a:fontRef idx="minor">
-            <a:schemeClr val="lt1"/>
-          </a:fontRef>
-        </p:style>
-        <p:txBody>
-          <a:bodyPr rtlCol="0" anchor="ctr"/>
-          <a:lstStyle/>
-          <a:p>
-            <a:pPr algn="ctr"/>
-            <a:endParaRPr kumimoji="1" lang="ja-JP" altLang="en-US"/>
-          </a:p>
-        </p:txBody>
-      </p:sp>
-      <p:sp>
-        <p:nvSpPr>
-          <p:cNvPr id="8" name="正方形/長方形 7">
-            <a:extLst>
-              <a:ext uri="{FF2B5EF4-FFF2-40B4-BE49-F238E27FC236}">
-                <a16:creationId xmlns:a16="http://schemas.microsoft.com/office/drawing/2014/main" id="{1BEE24F6-7641-4BFD-B136-01A2ED1D96E9}"/>
-              </a:ext>
-            </a:extLst>
-          </p:cNvPr>
-          <p:cNvSpPr/>
-          <p:nvPr/>
-        </p:nvSpPr>
-        <p:spPr>
-          <a:xfrm>
-            <a:off x="505690" y="3605890"/>
-            <a:ext cx="5590310" cy="2723700"/>
-          </a:xfrm>
-          <a:prstGeom prst="rect">
-            <a:avLst/>
-          </a:prstGeom>
-          <a:solidFill>
-            <a:schemeClr val="accent2">
-              <a:lumMod val="75000"/>
-            </a:schemeClr>
-          </a:solidFill>
-          <a:ln>
-            <a:solidFill>
-              <a:schemeClr val="tx1"/>
-            </a:solidFill>
-          </a:ln>
-        </p:spPr>
-        <p:style>
-          <a:lnRef idx="2">
-            <a:schemeClr val="accent1">
-              <a:shade val="50000"/>
-            </a:schemeClr>
-          </a:lnRef>
-          <a:fillRef idx="1">
-            <a:schemeClr val="accent1"/>
-          </a:fillRef>
-          <a:effectRef idx="0">
-            <a:schemeClr val="accent1"/>
-          </a:effectRef>
-          <a:fontRef idx="minor">
-            <a:schemeClr val="lt1"/>
-          </a:fontRef>
-        </p:style>
-        <p:txBody>
-          <a:bodyPr rtlCol="0" anchor="ctr"/>
-          <a:lstStyle/>
-          <a:p>
-            <a:pPr algn="ctr"/>
-            <a:r>
-              <a:rPr lang="ja-JP" altLang="en-US" dirty="0"/>
-              <a:t>デモンストレーションの動画</a:t>
-            </a:r>
-            <a:endParaRPr kumimoji="1" lang="ja-JP" altLang="en-US" dirty="0"/>
-          </a:p>
-        </p:txBody>
-      </p:sp>
-    </p:spTree>
-    <p:extLst>
-      <p:ext uri="{BB962C8B-B14F-4D97-AF65-F5344CB8AC3E}">
-        <p14:creationId xmlns:p14="http://schemas.microsoft.com/office/powerpoint/2010/main" val="3562155098"/>
-      </p:ext>
-    </p:extLst>
-  </p:cSld>
-  <p:clrMapOvr>
-    <a:masterClrMapping/>
-  </p:clrMapOvr>
-  <mc:AlternateContent xmlns:mc="http://schemas.openxmlformats.org/markup-compatibility/2006" xmlns:p14="http://schemas.microsoft.com/office/powerpoint/2010/main">
-    <mc:Choice Requires="p14">
-      <p:transition spd="slow" p14:dur="800">
-        <p:circle/>
-      </p:transition>
-    </mc:Choice>
-    <mc:Fallback xmlns="">
-      <p:transition spd="slow">
-        <p:circle/>
-      </p:transition>
-    </mc:Fallback>
-  </mc:AlternateContent>
-</p:sld>
-</file>
-
-<file path=ppt/slides/slide11.xml><?xml version="1.0" encoding="utf-8"?>
-<p:sld xmlns:a="http://schemas.openxmlformats.org/drawingml/2006/main" xmlns:r="http://schemas.openxmlformats.org/officeDocument/2006/relationships" xmlns:p="http://schemas.openxmlformats.org/presentationml/2006/main">
-  <p:cSld>
-    <p:spTree>
-      <p:nvGrpSpPr>
-        <p:cNvPr id="1" name=""/>
-        <p:cNvGrpSpPr/>
-        <p:nvPr/>
-      </p:nvGrpSpPr>
-      <p:grpSpPr>
-        <a:xfrm>
-          <a:off x="0" y="0"/>
-          <a:ext cx="0" cy="0"/>
-          <a:chOff x="0" y="0"/>
-          <a:chExt cx="0" cy="0"/>
-        </a:xfrm>
-      </p:grpSpPr>
-      <p:sp>
-        <p:nvSpPr>
-          <p:cNvPr id="2" name="タイトル 1">
-            <a:extLst>
-              <a:ext uri="{FF2B5EF4-FFF2-40B4-BE49-F238E27FC236}">
                 <a16:creationId xmlns:a16="http://schemas.microsoft.com/office/drawing/2014/main" id="{A28B3ECD-CB6B-4871-9177-75053AF22875}"/>
               </a:ext>
             </a:extLst>
@@ -10208,7 +9842,7 @@
 </p:sld>
 </file>
 
-<file path=ppt/slides/slide12.xml><?xml version="1.0" encoding="utf-8"?>
+<file path=ppt/slides/slide11.xml><?xml version="1.0" encoding="utf-8"?>
 <p:sld xmlns:a="http://schemas.openxmlformats.org/drawingml/2006/main" xmlns:r="http://schemas.openxmlformats.org/officeDocument/2006/relationships" xmlns:p="http://schemas.openxmlformats.org/presentationml/2006/main">
   <p:cSld>
     <p:spTree>
@@ -10461,7 +10095,7 @@
 </p:sld>
 </file>
 
-<file path=ppt/slides/slide13.xml><?xml version="1.0" encoding="utf-8"?>
+<file path=ppt/slides/slide12.xml><?xml version="1.0" encoding="utf-8"?>
 <p:sld xmlns:a="http://schemas.openxmlformats.org/drawingml/2006/main" xmlns:r="http://schemas.openxmlformats.org/officeDocument/2006/relationships" xmlns:p="http://schemas.openxmlformats.org/presentationml/2006/main">
   <p:cSld>
     <p:spTree>
@@ -10727,7 +10361,7 @@
 </p:sld>
 </file>
 
-<file path=ppt/slides/slide14.xml><?xml version="1.0" encoding="utf-8"?>
+<file path=ppt/slides/slide13.xml><?xml version="1.0" encoding="utf-8"?>
 <p:sld xmlns:a="http://schemas.openxmlformats.org/drawingml/2006/main" xmlns:r="http://schemas.openxmlformats.org/officeDocument/2006/relationships" xmlns:p="http://schemas.openxmlformats.org/presentationml/2006/main">
   <p:cSld>
     <p:spTree>
@@ -10814,7 +10448,7 @@
 </p:sld>
 </file>
 
-<file path=ppt/slides/slide15.xml><?xml version="1.0" encoding="utf-8"?>
+<file path=ppt/slides/slide14.xml><?xml version="1.0" encoding="utf-8"?>
 <p:sld xmlns:a="http://schemas.openxmlformats.org/drawingml/2006/main" xmlns:r="http://schemas.openxmlformats.org/officeDocument/2006/relationships" xmlns:p="http://schemas.openxmlformats.org/presentationml/2006/main">
   <p:cSld>
     <p:spTree>
@@ -11244,7 +10878,7 @@
 </p:sld>
 </file>
 
-<file path=ppt/slides/slide16.xml><?xml version="1.0" encoding="utf-8"?>
+<file path=ppt/slides/slide15.xml><?xml version="1.0" encoding="utf-8"?>
 <p:sld xmlns:a="http://schemas.openxmlformats.org/drawingml/2006/main" xmlns:r="http://schemas.openxmlformats.org/officeDocument/2006/relationships" xmlns:p="http://schemas.openxmlformats.org/presentationml/2006/main">
   <p:cSld>
     <p:spTree>
@@ -11570,7 +11204,7 @@
 </p:sld>
 </file>
 
-<file path=ppt/slides/slide17.xml><?xml version="1.0" encoding="utf-8"?>
+<file path=ppt/slides/slide16.xml><?xml version="1.0" encoding="utf-8"?>
 <p:sld xmlns:a="http://schemas.openxmlformats.org/drawingml/2006/main" xmlns:r="http://schemas.openxmlformats.org/officeDocument/2006/relationships" xmlns:p="http://schemas.openxmlformats.org/presentationml/2006/main">
   <p:cSld>
     <p:spTree>
@@ -11913,6 +11547,193 @@
     <p:extLst>
       <p:ext uri="{BB962C8B-B14F-4D97-AF65-F5344CB8AC3E}">
         <p14:creationId xmlns:p14="http://schemas.microsoft.com/office/powerpoint/2010/main" val="4157861654"/>
+      </p:ext>
+    </p:extLst>
+  </p:cSld>
+  <p:clrMapOvr>
+    <a:masterClrMapping/>
+  </p:clrMapOvr>
+  <mc:AlternateContent xmlns:mc="http://schemas.openxmlformats.org/markup-compatibility/2006" xmlns:p14="http://schemas.microsoft.com/office/powerpoint/2010/main">
+    <mc:Choice Requires="p14">
+      <p:transition spd="slow" p14:dur="800">
+        <p:circle/>
+      </p:transition>
+    </mc:Choice>
+    <mc:Fallback xmlns="">
+      <p:transition spd="slow">
+        <p:circle/>
+      </p:transition>
+    </mc:Fallback>
+  </mc:AlternateContent>
+</p:sld>
+</file>
+
+<file path=ppt/slides/slide17.xml><?xml version="1.0" encoding="utf-8"?>
+<p:sld xmlns:a="http://schemas.openxmlformats.org/drawingml/2006/main" xmlns:r="http://schemas.openxmlformats.org/officeDocument/2006/relationships" xmlns:p="http://schemas.openxmlformats.org/presentationml/2006/main">
+  <p:cSld>
+    <p:spTree>
+      <p:nvGrpSpPr>
+        <p:cNvPr id="1" name=""/>
+        <p:cNvGrpSpPr/>
+        <p:nvPr/>
+      </p:nvGrpSpPr>
+      <p:grpSpPr>
+        <a:xfrm>
+          <a:off x="0" y="0"/>
+          <a:ext cx="0" cy="0"/>
+          <a:chOff x="0" y="0"/>
+          <a:chExt cx="0" cy="0"/>
+        </a:xfrm>
+      </p:grpSpPr>
+      <p:sp>
+        <p:nvSpPr>
+          <p:cNvPr id="2" name="タイトル 1">
+            <a:extLst>
+              <a:ext uri="{FF2B5EF4-FFF2-40B4-BE49-F238E27FC236}">
+                <a16:creationId xmlns:a16="http://schemas.microsoft.com/office/drawing/2014/main" id="{839B07C4-E9DF-4F67-BD06-F0441A00A426}"/>
+              </a:ext>
+            </a:extLst>
+          </p:cNvPr>
+          <p:cNvSpPr>
+            <a:spLocks noGrp="1"/>
+          </p:cNvSpPr>
+          <p:nvPr>
+            <p:ph type="ctrTitle"/>
+          </p:nvPr>
+        </p:nvSpPr>
+        <p:spPr>
+          <a:xfrm>
+            <a:off x="560615" y="527050"/>
+            <a:ext cx="8256814" cy="1303337"/>
+          </a:xfrm>
+        </p:spPr>
+        <p:txBody>
+          <a:bodyPr>
+            <a:normAutofit/>
+          </a:bodyPr>
+          <a:lstStyle/>
+          <a:p>
+            <a:pPr algn="l"/>
+            <a:r>
+              <a:rPr lang="en-US" altLang="ja-JP" sz="6600" b="1" dirty="0"/>
+              <a:t>b</a:t>
+            </a:r>
+            <a:r>
+              <a:rPr kumimoji="1" lang="en-US" altLang="ja-JP" sz="6600" b="1" dirty="0"/>
+              <a:t>it composer</a:t>
+            </a:r>
+            <a:r>
+              <a:rPr kumimoji="1" lang="ja-JP" altLang="en-US" sz="6600" b="1" dirty="0"/>
+              <a:t>の機能</a:t>
+            </a:r>
+          </a:p>
+        </p:txBody>
+      </p:sp>
+      <p:sp>
+        <p:nvSpPr>
+          <p:cNvPr id="3" name="字幕 2">
+            <a:extLst>
+              <a:ext uri="{FF2B5EF4-FFF2-40B4-BE49-F238E27FC236}">
+                <a16:creationId xmlns:a16="http://schemas.microsoft.com/office/drawing/2014/main" id="{9CA4ABDA-9BC8-4D55-A847-B4791DFA0080}"/>
+              </a:ext>
+            </a:extLst>
+          </p:cNvPr>
+          <p:cNvSpPr>
+            <a:spLocks noGrp="1"/>
+          </p:cNvSpPr>
+          <p:nvPr>
+            <p:ph type="subTitle" idx="1"/>
+          </p:nvPr>
+        </p:nvSpPr>
+        <p:spPr>
+          <a:xfrm>
+            <a:off x="400595" y="2357483"/>
+            <a:ext cx="11631385" cy="4052207"/>
+          </a:xfrm>
+        </p:spPr>
+        <p:txBody>
+          <a:bodyPr>
+            <a:normAutofit/>
+          </a:bodyPr>
+          <a:lstStyle/>
+          <a:p>
+            <a:pPr algn="l"/>
+            <a:r>
+              <a:rPr kumimoji="1" lang="ja-JP" altLang="en-US" sz="5400" dirty="0"/>
+              <a:t>・</a:t>
+            </a:r>
+            <a:r>
+              <a:rPr lang="ja-JP" altLang="en-US" sz="4800" dirty="0"/>
+              <a:t>サイト</a:t>
+            </a:r>
+            <a:r>
+              <a:rPr kumimoji="1" lang="ja-JP" altLang="en-US" sz="4800" dirty="0"/>
+              <a:t>から入力したメロディの続きをゲーム風にアレンジして作曲します。</a:t>
+            </a:r>
+            <a:endParaRPr kumimoji="1" lang="en-US" altLang="ja-JP" sz="4800" dirty="0"/>
+          </a:p>
+        </p:txBody>
+      </p:sp>
+      <p:sp>
+        <p:nvSpPr>
+          <p:cNvPr id="4" name="正方形/長方形 3">
+            <a:extLst>
+              <a:ext uri="{FF2B5EF4-FFF2-40B4-BE49-F238E27FC236}">
+                <a16:creationId xmlns:a16="http://schemas.microsoft.com/office/drawing/2014/main" id="{67F5EE5A-F1DB-4AAF-B3AD-14EB82B540EB}"/>
+              </a:ext>
+            </a:extLst>
+          </p:cNvPr>
+          <p:cNvSpPr/>
+          <p:nvPr/>
+        </p:nvSpPr>
+        <p:spPr>
+          <a:xfrm>
+            <a:off x="8268101" y="0"/>
+            <a:ext cx="3923899" cy="1967345"/>
+          </a:xfrm>
+          <a:prstGeom prst="rect">
+            <a:avLst/>
+          </a:prstGeom>
+          <a:solidFill>
+            <a:schemeClr val="bg2">
+              <a:lumMod val="50000"/>
+            </a:schemeClr>
+          </a:solidFill>
+          <a:ln>
+            <a:solidFill>
+              <a:schemeClr val="tx1"/>
+            </a:solidFill>
+          </a:ln>
+        </p:spPr>
+        <p:style>
+          <a:lnRef idx="2">
+            <a:schemeClr val="accent1">
+              <a:shade val="50000"/>
+            </a:schemeClr>
+          </a:lnRef>
+          <a:fillRef idx="1">
+            <a:schemeClr val="accent1"/>
+          </a:fillRef>
+          <a:effectRef idx="0">
+            <a:schemeClr val="accent1"/>
+          </a:effectRef>
+          <a:fontRef idx="minor">
+            <a:schemeClr val="lt1"/>
+          </a:fontRef>
+        </p:style>
+        <p:txBody>
+          <a:bodyPr rtlCol="0" anchor="ctr"/>
+          <a:lstStyle/>
+          <a:p>
+            <a:pPr algn="ctr"/>
+            <a:endParaRPr kumimoji="1" lang="ja-JP" altLang="en-US"/>
+          </a:p>
+        </p:txBody>
+      </p:sp>
+    </p:spTree>
+    <p:extLst>
+      <p:ext uri="{BB962C8B-B14F-4D97-AF65-F5344CB8AC3E}">
+        <p14:creationId xmlns:p14="http://schemas.microsoft.com/office/powerpoint/2010/main" val="3859487932"/>
       </p:ext>
     </p:extLst>
   </p:cSld>
@@ -12361,21 +12182,6 @@
               </a:rPr>
               <a:t>bit composer</a:t>
             </a:r>
-            <a:r>
-              <a:rPr kumimoji="1" lang="ja-JP" altLang="ja-JP" sz="6000" b="1" kern="1200" dirty="0">
-                <a:solidFill>
-                  <a:schemeClr val="tx1">
-                    <a:lumMod val="65000"/>
-                    <a:lumOff val="35000"/>
-                  </a:schemeClr>
-                </a:solidFill>
-                <a:effectLst/>
-                <a:latin typeface="Trebuchet MS" panose="020B0603020202020204" pitchFamily="34" charset="0"/>
-                <a:ea typeface="游ゴシック" panose="020B0400000000000000" pitchFamily="50" charset="-128"/>
-                <a:cs typeface="+mn-cs"/>
-              </a:rPr>
-              <a:t>とは</a:t>
-            </a:r>
             <a:endParaRPr kumimoji="1" lang="ja-JP" altLang="en-US" b="1" dirty="0">
               <a:solidFill>
                 <a:schemeClr val="tx1">
@@ -12470,193 +12276,6 @@
 </file>
 
 <file path=ppt/slides/slide4.xml><?xml version="1.0" encoding="utf-8"?>
-<p:sld xmlns:a="http://schemas.openxmlformats.org/drawingml/2006/main" xmlns:r="http://schemas.openxmlformats.org/officeDocument/2006/relationships" xmlns:p="http://schemas.openxmlformats.org/presentationml/2006/main">
-  <p:cSld>
-    <p:spTree>
-      <p:nvGrpSpPr>
-        <p:cNvPr id="1" name=""/>
-        <p:cNvGrpSpPr/>
-        <p:nvPr/>
-      </p:nvGrpSpPr>
-      <p:grpSpPr>
-        <a:xfrm>
-          <a:off x="0" y="0"/>
-          <a:ext cx="0" cy="0"/>
-          <a:chOff x="0" y="0"/>
-          <a:chExt cx="0" cy="0"/>
-        </a:xfrm>
-      </p:grpSpPr>
-      <p:sp>
-        <p:nvSpPr>
-          <p:cNvPr id="2" name="タイトル 1">
-            <a:extLst>
-              <a:ext uri="{FF2B5EF4-FFF2-40B4-BE49-F238E27FC236}">
-                <a16:creationId xmlns:a16="http://schemas.microsoft.com/office/drawing/2014/main" id="{839B07C4-E9DF-4F67-BD06-F0441A00A426}"/>
-              </a:ext>
-            </a:extLst>
-          </p:cNvPr>
-          <p:cNvSpPr>
-            <a:spLocks noGrp="1"/>
-          </p:cNvSpPr>
-          <p:nvPr>
-            <p:ph type="ctrTitle"/>
-          </p:nvPr>
-        </p:nvSpPr>
-        <p:spPr>
-          <a:xfrm>
-            <a:off x="560615" y="527050"/>
-            <a:ext cx="8256814" cy="1303337"/>
-          </a:xfrm>
-        </p:spPr>
-        <p:txBody>
-          <a:bodyPr>
-            <a:normAutofit/>
-          </a:bodyPr>
-          <a:lstStyle/>
-          <a:p>
-            <a:pPr algn="l"/>
-            <a:r>
-              <a:rPr lang="en-US" altLang="ja-JP" sz="6600" b="1" dirty="0"/>
-              <a:t>b</a:t>
-            </a:r>
-            <a:r>
-              <a:rPr kumimoji="1" lang="en-US" altLang="ja-JP" sz="6600" b="1" dirty="0"/>
-              <a:t>it composer</a:t>
-            </a:r>
-            <a:r>
-              <a:rPr kumimoji="1" lang="ja-JP" altLang="en-US" sz="6600" b="1" dirty="0"/>
-              <a:t>の機能</a:t>
-            </a:r>
-          </a:p>
-        </p:txBody>
-      </p:sp>
-      <p:sp>
-        <p:nvSpPr>
-          <p:cNvPr id="3" name="字幕 2">
-            <a:extLst>
-              <a:ext uri="{FF2B5EF4-FFF2-40B4-BE49-F238E27FC236}">
-                <a16:creationId xmlns:a16="http://schemas.microsoft.com/office/drawing/2014/main" id="{9CA4ABDA-9BC8-4D55-A847-B4791DFA0080}"/>
-              </a:ext>
-            </a:extLst>
-          </p:cNvPr>
-          <p:cNvSpPr>
-            <a:spLocks noGrp="1"/>
-          </p:cNvSpPr>
-          <p:nvPr>
-            <p:ph type="subTitle" idx="1"/>
-          </p:nvPr>
-        </p:nvSpPr>
-        <p:spPr>
-          <a:xfrm>
-            <a:off x="400595" y="2357483"/>
-            <a:ext cx="11631385" cy="4052207"/>
-          </a:xfrm>
-        </p:spPr>
-        <p:txBody>
-          <a:bodyPr>
-            <a:normAutofit/>
-          </a:bodyPr>
-          <a:lstStyle/>
-          <a:p>
-            <a:pPr algn="l"/>
-            <a:r>
-              <a:rPr kumimoji="1" lang="ja-JP" altLang="en-US" sz="5400" dirty="0"/>
-              <a:t>・</a:t>
-            </a:r>
-            <a:r>
-              <a:rPr lang="ja-JP" altLang="en-US" sz="4800" dirty="0"/>
-              <a:t>サイト</a:t>
-            </a:r>
-            <a:r>
-              <a:rPr kumimoji="1" lang="ja-JP" altLang="en-US" sz="4800" dirty="0"/>
-              <a:t>から入力したメロディの続きをゲーム風にアレンジして作曲します。</a:t>
-            </a:r>
-            <a:endParaRPr kumimoji="1" lang="en-US" altLang="ja-JP" sz="4800" dirty="0"/>
-          </a:p>
-        </p:txBody>
-      </p:sp>
-      <p:sp>
-        <p:nvSpPr>
-          <p:cNvPr id="4" name="正方形/長方形 3">
-            <a:extLst>
-              <a:ext uri="{FF2B5EF4-FFF2-40B4-BE49-F238E27FC236}">
-                <a16:creationId xmlns:a16="http://schemas.microsoft.com/office/drawing/2014/main" id="{67F5EE5A-F1DB-4AAF-B3AD-14EB82B540EB}"/>
-              </a:ext>
-            </a:extLst>
-          </p:cNvPr>
-          <p:cNvSpPr/>
-          <p:nvPr/>
-        </p:nvSpPr>
-        <p:spPr>
-          <a:xfrm>
-            <a:off x="8268101" y="0"/>
-            <a:ext cx="3923899" cy="1967345"/>
-          </a:xfrm>
-          <a:prstGeom prst="rect">
-            <a:avLst/>
-          </a:prstGeom>
-          <a:solidFill>
-            <a:schemeClr val="bg2">
-              <a:lumMod val="50000"/>
-            </a:schemeClr>
-          </a:solidFill>
-          <a:ln>
-            <a:solidFill>
-              <a:schemeClr val="tx1"/>
-            </a:solidFill>
-          </a:ln>
-        </p:spPr>
-        <p:style>
-          <a:lnRef idx="2">
-            <a:schemeClr val="accent1">
-              <a:shade val="50000"/>
-            </a:schemeClr>
-          </a:lnRef>
-          <a:fillRef idx="1">
-            <a:schemeClr val="accent1"/>
-          </a:fillRef>
-          <a:effectRef idx="0">
-            <a:schemeClr val="accent1"/>
-          </a:effectRef>
-          <a:fontRef idx="minor">
-            <a:schemeClr val="lt1"/>
-          </a:fontRef>
-        </p:style>
-        <p:txBody>
-          <a:bodyPr rtlCol="0" anchor="ctr"/>
-          <a:lstStyle/>
-          <a:p>
-            <a:pPr algn="ctr"/>
-            <a:endParaRPr kumimoji="1" lang="ja-JP" altLang="en-US"/>
-          </a:p>
-        </p:txBody>
-      </p:sp>
-    </p:spTree>
-    <p:extLst>
-      <p:ext uri="{BB962C8B-B14F-4D97-AF65-F5344CB8AC3E}">
-        <p14:creationId xmlns:p14="http://schemas.microsoft.com/office/powerpoint/2010/main" val="3859487932"/>
-      </p:ext>
-    </p:extLst>
-  </p:cSld>
-  <p:clrMapOvr>
-    <a:masterClrMapping/>
-  </p:clrMapOvr>
-  <mc:AlternateContent xmlns:mc="http://schemas.openxmlformats.org/markup-compatibility/2006" xmlns:p14="http://schemas.microsoft.com/office/powerpoint/2010/main">
-    <mc:Choice Requires="p14">
-      <p:transition spd="slow" p14:dur="800">
-        <p:circle/>
-      </p:transition>
-    </mc:Choice>
-    <mc:Fallback xmlns="">
-      <p:transition spd="slow">
-        <p:circle/>
-      </p:transition>
-    </mc:Fallback>
-  </mc:AlternateContent>
-</p:sld>
-</file>
-
-<file path=ppt/slides/slide5.xml><?xml version="1.0" encoding="utf-8"?>
 <p:sld xmlns:a="http://schemas.openxmlformats.org/drawingml/2006/main" xmlns:r="http://schemas.openxmlformats.org/officeDocument/2006/relationships" xmlns:p="http://schemas.openxmlformats.org/presentationml/2006/main">
   <p:cSld>
     <p:spTree>
@@ -13126,6 +12745,241 @@
     <p:extLst>
       <p:ext uri="{BB962C8B-B14F-4D97-AF65-F5344CB8AC3E}">
         <p14:creationId xmlns:p14="http://schemas.microsoft.com/office/powerpoint/2010/main" val="2566175641"/>
+      </p:ext>
+    </p:extLst>
+  </p:cSld>
+  <p:clrMapOvr>
+    <a:masterClrMapping/>
+  </p:clrMapOvr>
+  <mc:AlternateContent xmlns:mc="http://schemas.openxmlformats.org/markup-compatibility/2006" xmlns:p14="http://schemas.microsoft.com/office/powerpoint/2010/main">
+    <mc:Choice Requires="p14">
+      <p:transition spd="slow" p14:dur="800">
+        <p:circle/>
+      </p:transition>
+    </mc:Choice>
+    <mc:Fallback xmlns="">
+      <p:transition spd="slow">
+        <p:circle/>
+      </p:transition>
+    </mc:Fallback>
+  </mc:AlternateContent>
+</p:sld>
+</file>
+
+<file path=ppt/slides/slide5.xml><?xml version="1.0" encoding="utf-8"?>
+<p:sld xmlns:a="http://schemas.openxmlformats.org/drawingml/2006/main" xmlns:r="http://schemas.openxmlformats.org/officeDocument/2006/relationships" xmlns:p="http://schemas.openxmlformats.org/presentationml/2006/main">
+  <p:cSld>
+    <p:spTree>
+      <p:nvGrpSpPr>
+        <p:cNvPr id="1" name=""/>
+        <p:cNvGrpSpPr/>
+        <p:nvPr/>
+      </p:nvGrpSpPr>
+      <p:grpSpPr>
+        <a:xfrm>
+          <a:off x="0" y="0"/>
+          <a:ext cx="0" cy="0"/>
+          <a:chOff x="0" y="0"/>
+          <a:chExt cx="0" cy="0"/>
+        </a:xfrm>
+      </p:grpSpPr>
+      <p:sp>
+        <p:nvSpPr>
+          <p:cNvPr id="2" name="タイトル 1">
+            <a:extLst>
+              <a:ext uri="{FF2B5EF4-FFF2-40B4-BE49-F238E27FC236}">
+                <a16:creationId xmlns:a16="http://schemas.microsoft.com/office/drawing/2014/main" id="{07239086-0EF7-4A7E-80FC-A3197BFF5F4A}"/>
+              </a:ext>
+            </a:extLst>
+          </p:cNvPr>
+          <p:cNvSpPr>
+            <a:spLocks noGrp="1"/>
+          </p:cNvSpPr>
+          <p:nvPr>
+            <p:ph type="title"/>
+          </p:nvPr>
+        </p:nvSpPr>
+        <p:spPr/>
+        <p:txBody>
+          <a:bodyPr/>
+          <a:lstStyle/>
+          <a:p>
+            <a:r>
+              <a:rPr lang="en-US" altLang="ja-JP" dirty="0"/>
+              <a:t>WEBGUI</a:t>
+            </a:r>
+            <a:r>
+              <a:rPr lang="ja-JP" altLang="en-US" dirty="0"/>
+              <a:t>の仕組み</a:t>
+            </a:r>
+            <a:endParaRPr kumimoji="1" lang="ja-JP" altLang="en-US" dirty="0"/>
+          </a:p>
+        </p:txBody>
+      </p:sp>
+      <p:sp>
+        <p:nvSpPr>
+          <p:cNvPr id="3" name="コンテンツ プレースホルダー 2">
+            <a:extLst>
+              <a:ext uri="{FF2B5EF4-FFF2-40B4-BE49-F238E27FC236}">
+                <a16:creationId xmlns:a16="http://schemas.microsoft.com/office/drawing/2014/main" id="{006610B6-6291-43C4-A94F-98F87E484DCC}"/>
+              </a:ext>
+            </a:extLst>
+          </p:cNvPr>
+          <p:cNvSpPr>
+            <a:spLocks noGrp="1"/>
+          </p:cNvSpPr>
+          <p:nvPr>
+            <p:ph sz="half" idx="1"/>
+          </p:nvPr>
+        </p:nvSpPr>
+        <p:spPr>
+          <a:xfrm>
+            <a:off x="643890" y="1990205"/>
+            <a:ext cx="5181600" cy="4351338"/>
+          </a:xfrm>
+        </p:spPr>
+        <p:txBody>
+          <a:bodyPr/>
+          <a:lstStyle/>
+          <a:p>
+            <a:pPr marL="0" indent="0">
+              <a:buNone/>
+            </a:pPr>
+            <a:r>
+              <a:rPr kumimoji="1" lang="ja-JP" altLang="en-US" dirty="0"/>
+              <a:t>鍵盤を引く動作は</a:t>
+            </a:r>
+            <a:r>
+              <a:rPr lang="ja-JP" altLang="en-US" dirty="0"/>
+              <a:t>イベント処理で音と鍵盤の押下した時の色を変えています。</a:t>
+            </a:r>
+            <a:endParaRPr lang="en-US" altLang="ja-JP" dirty="0"/>
+          </a:p>
+          <a:p>
+            <a:pPr marL="0" indent="0">
+              <a:buNone/>
+            </a:pPr>
+            <a:r>
+              <a:rPr kumimoji="1" lang="ja-JP" altLang="en-US" dirty="0"/>
+              <a:t>また</a:t>
+            </a:r>
+            <a:endParaRPr kumimoji="1" lang="en-US" altLang="ja-JP" dirty="0"/>
+          </a:p>
+          <a:p>
+            <a:pPr marL="0" indent="0">
+              <a:buNone/>
+            </a:pPr>
+            <a:r>
+              <a:rPr lang="ja-JP" altLang="en-US" dirty="0"/>
+              <a:t>楽譜表示は</a:t>
+            </a:r>
+            <a:r>
+              <a:rPr lang="en-US" altLang="ja-JP" dirty="0"/>
+              <a:t>abc.js</a:t>
+            </a:r>
+            <a:r>
+              <a:rPr lang="ja-JP" altLang="en-US" dirty="0"/>
+              <a:t>の機能を使用しています。</a:t>
+            </a:r>
+            <a:endParaRPr kumimoji="1" lang="en-US" altLang="ja-JP" dirty="0"/>
+          </a:p>
+        </p:txBody>
+      </p:sp>
+      <p:pic>
+        <p:nvPicPr>
+          <p:cNvPr id="9" name="コンテンツ プレースホルダー 8">
+            <a:extLst>
+              <a:ext uri="{FF2B5EF4-FFF2-40B4-BE49-F238E27FC236}">
+                <a16:creationId xmlns:a16="http://schemas.microsoft.com/office/drawing/2014/main" id="{D7FE7CF4-D112-403F-8B47-971424D24640}"/>
+              </a:ext>
+            </a:extLst>
+          </p:cNvPr>
+          <p:cNvPicPr>
+            <a:picLocks noGrp="1" noChangeAspect="1"/>
+          </p:cNvPicPr>
+          <p:nvPr>
+            <p:ph sz="half" idx="2"/>
+          </p:nvPr>
+        </p:nvPicPr>
+        <p:blipFill>
+          <a:blip r:embed="rId2">
+            <a:extLst>
+              <a:ext uri="{28A0092B-C50C-407E-A947-70E740481C1C}">
+                <a14:useLocalDpi xmlns:a14="http://schemas.microsoft.com/office/drawing/2010/main" val="0"/>
+              </a:ext>
+            </a:extLst>
+          </a:blip>
+          <a:stretch>
+            <a:fillRect/>
+          </a:stretch>
+        </p:blipFill>
+        <p:spPr>
+          <a:xfrm>
+            <a:off x="6336975" y="1990205"/>
+            <a:ext cx="4616523" cy="4663021"/>
+          </a:xfrm>
+        </p:spPr>
+      </p:pic>
+      <p:sp>
+        <p:nvSpPr>
+          <p:cNvPr id="10" name="正方形/長方形 9">
+            <a:extLst>
+              <a:ext uri="{FF2B5EF4-FFF2-40B4-BE49-F238E27FC236}">
+                <a16:creationId xmlns:a16="http://schemas.microsoft.com/office/drawing/2014/main" id="{CBCCDE59-0CB2-42DD-82C5-0F9D949D409F}"/>
+              </a:ext>
+            </a:extLst>
+          </p:cNvPr>
+          <p:cNvSpPr/>
+          <p:nvPr/>
+        </p:nvSpPr>
+        <p:spPr>
+          <a:xfrm>
+            <a:off x="8287352" y="0"/>
+            <a:ext cx="3904649" cy="1967345"/>
+          </a:xfrm>
+          <a:prstGeom prst="rect">
+            <a:avLst/>
+          </a:prstGeom>
+          <a:solidFill>
+            <a:schemeClr val="bg2">
+              <a:lumMod val="50000"/>
+            </a:schemeClr>
+          </a:solidFill>
+          <a:ln>
+            <a:solidFill>
+              <a:schemeClr val="tx1"/>
+            </a:solidFill>
+          </a:ln>
+        </p:spPr>
+        <p:style>
+          <a:lnRef idx="2">
+            <a:schemeClr val="accent1">
+              <a:shade val="50000"/>
+            </a:schemeClr>
+          </a:lnRef>
+          <a:fillRef idx="1">
+            <a:schemeClr val="accent1"/>
+          </a:fillRef>
+          <a:effectRef idx="0">
+            <a:schemeClr val="accent1"/>
+          </a:effectRef>
+          <a:fontRef idx="minor">
+            <a:schemeClr val="lt1"/>
+          </a:fontRef>
+        </p:style>
+        <p:txBody>
+          <a:bodyPr rtlCol="0" anchor="ctr"/>
+          <a:lstStyle/>
+          <a:p>
+            <a:pPr algn="ctr"/>
+            <a:endParaRPr kumimoji="1" lang="ja-JP" altLang="en-US"/>
+          </a:p>
+        </p:txBody>
+      </p:sp>
+    </p:spTree>
+    <p:extLst>
+      <p:ext uri="{BB962C8B-B14F-4D97-AF65-F5344CB8AC3E}">
+        <p14:creationId xmlns:p14="http://schemas.microsoft.com/office/powerpoint/2010/main" val="1842221593"/>
       </p:ext>
     </p:extLst>
   </p:cSld>
@@ -13884,7 +13738,7 @@
         </p:nvSpPr>
         <p:spPr>
           <a:xfrm>
-            <a:off x="6426153" y="3635113"/>
+            <a:off x="6426669" y="3560852"/>
             <a:ext cx="827628" cy="867768"/>
           </a:xfrm>
           <a:prstGeom prst="upArrow">
@@ -13931,7 +13785,7 @@
         <p:spPr>
           <a:xfrm>
             <a:off x="7718513" y="2503436"/>
-            <a:ext cx="2115562" cy="1387149"/>
+            <a:ext cx="2508760" cy="1387149"/>
           </a:xfrm>
           <a:prstGeom prst="wedgeRectCallout">
             <a:avLst>
@@ -13973,7 +13827,7 @@
                   <a:schemeClr val="bg1"/>
                 </a:solidFill>
               </a:rPr>
-              <a:t>自動作曲した曲</a:t>
+              <a:t>入力した音データから</a:t>
             </a:r>
             <a:endParaRPr lang="en-US" altLang="ja-JP" dirty="0">
               <a:solidFill>
@@ -13984,18 +13838,13 @@
           <a:p>
             <a:pPr algn="ctr"/>
             <a:r>
-              <a:rPr lang="ja-JP" altLang="en-US" dirty="0">
+              <a:rPr kumimoji="1" lang="ja-JP" altLang="en-US" dirty="0">
                 <a:solidFill>
                   <a:schemeClr val="bg1"/>
                 </a:solidFill>
               </a:rPr>
-              <a:t>が返ってくる</a:t>
-            </a:r>
-            <a:endParaRPr kumimoji="1" lang="ja-JP" altLang="en-US" dirty="0">
-              <a:solidFill>
-                <a:schemeClr val="bg1"/>
-              </a:solidFill>
-            </a:endParaRPr>
+              <a:t>自動作曲</a:t>
+            </a:r>
           </a:p>
         </p:txBody>
       </p:sp>
@@ -16969,7 +16818,7 @@
           <p:cNvPr id="2" name="タイトル 1">
             <a:extLst>
               <a:ext uri="{FF2B5EF4-FFF2-40B4-BE49-F238E27FC236}">
-                <a16:creationId xmlns:a16="http://schemas.microsoft.com/office/drawing/2014/main" id="{07239086-0EF7-4A7E-80FC-A3197BFF5F4A}"/>
+                <a16:creationId xmlns:a16="http://schemas.microsoft.com/office/drawing/2014/main" id="{025C00AC-50C2-4AEE-B119-C8EF0488D58A}"/>
               </a:ext>
             </a:extLst>
           </p:cNvPr>
@@ -16980,133 +16829,204 @@
             <p:ph type="title"/>
           </p:nvPr>
         </p:nvSpPr>
-        <p:spPr/>
+        <p:spPr>
+          <a:xfrm>
+            <a:off x="838201" y="365125"/>
+            <a:ext cx="7391400" cy="1325563"/>
+          </a:xfrm>
+        </p:spPr>
         <p:txBody>
-          <a:bodyPr/>
+          <a:bodyPr>
+            <a:normAutofit/>
+          </a:bodyPr>
           <a:lstStyle/>
           <a:p>
             <a:r>
-              <a:rPr lang="en-US" altLang="ja-JP" dirty="0"/>
-              <a:t>WEBGUI</a:t>
-            </a:r>
-            <a:r>
-              <a:rPr lang="ja-JP" altLang="en-US" dirty="0"/>
-              <a:t>の仕組み</a:t>
-            </a:r>
-            <a:endParaRPr kumimoji="1" lang="ja-JP" altLang="en-US" dirty="0"/>
+              <a:rPr kumimoji="1" lang="ja-JP" altLang="en-US" sz="3200" b="1" dirty="0"/>
+              <a:t>アプリの使い方</a:t>
+            </a:r>
+            <a:r>
+              <a:rPr kumimoji="1" lang="en-US" altLang="ja-JP" sz="3200" b="1" dirty="0"/>
+              <a:t>(</a:t>
+            </a:r>
+            <a:r>
+              <a:rPr kumimoji="1" lang="ja-JP" altLang="en-US" sz="3200" b="1" dirty="0"/>
+              <a:t>デモンストレーション</a:t>
+            </a:r>
+            <a:r>
+              <a:rPr kumimoji="1" lang="en-US" altLang="ja-JP" sz="3200" dirty="0"/>
+              <a:t>)</a:t>
+            </a:r>
+            <a:endParaRPr kumimoji="1" lang="ja-JP" altLang="en-US" sz="3200" dirty="0"/>
           </a:p>
         </p:txBody>
       </p:sp>
       <p:sp>
         <p:nvSpPr>
-          <p:cNvPr id="3" name="コンテンツ プレースホルダー 2">
+          <p:cNvPr id="3" name="テキスト ボックス 2">
             <a:extLst>
               <a:ext uri="{FF2B5EF4-FFF2-40B4-BE49-F238E27FC236}">
-                <a16:creationId xmlns:a16="http://schemas.microsoft.com/office/drawing/2014/main" id="{006610B6-6291-43C4-A94F-98F87E484DCC}"/>
+                <a16:creationId xmlns:a16="http://schemas.microsoft.com/office/drawing/2014/main" id="{5A11D7B1-58DD-4CF5-A1C5-3743A5F603E7}"/>
               </a:ext>
             </a:extLst>
           </p:cNvPr>
-          <p:cNvSpPr>
-            <a:spLocks noGrp="1"/>
-          </p:cNvSpPr>
-          <p:nvPr>
-            <p:ph sz="half" idx="1"/>
-          </p:nvPr>
+          <p:cNvSpPr txBox="1"/>
+          <p:nvPr/>
         </p:nvSpPr>
         <p:spPr>
           <a:xfrm>
-            <a:off x="643890" y="1990205"/>
-            <a:ext cx="5181600" cy="4351338"/>
+            <a:off x="1001729" y="1752851"/>
+            <a:ext cx="7723911" cy="646331"/>
           </a:xfrm>
+          <a:prstGeom prst="rect">
+            <a:avLst/>
+          </a:prstGeom>
+          <a:noFill/>
         </p:spPr>
         <p:txBody>
-          <a:bodyPr/>
+          <a:bodyPr wrap="square" rtlCol="0">
+            <a:spAutoFit/>
+          </a:bodyPr>
           <a:lstStyle/>
           <a:p>
-            <a:pPr marL="0" indent="0">
-              <a:buNone/>
-            </a:pPr>
-            <a:r>
-              <a:rPr kumimoji="1" lang="ja-JP" altLang="en-US" dirty="0"/>
-              <a:t>鍵盤を引く動作は</a:t>
-            </a:r>
-            <a:r>
-              <a:rPr lang="ja-JP" altLang="en-US" dirty="0"/>
-              <a:t>イベント処理で音と鍵盤の押下した時の色を変えています。</a:t>
-            </a:r>
-            <a:endParaRPr lang="en-US" altLang="ja-JP" dirty="0"/>
-          </a:p>
-          <a:p>
-            <a:pPr marL="0" indent="0">
-              <a:buNone/>
-            </a:pPr>
-            <a:r>
-              <a:rPr kumimoji="1" lang="ja-JP" altLang="en-US" dirty="0"/>
-              <a:t>また</a:t>
-            </a:r>
-            <a:endParaRPr kumimoji="1" lang="en-US" altLang="ja-JP" dirty="0"/>
-          </a:p>
-          <a:p>
-            <a:pPr marL="0" indent="0">
-              <a:buNone/>
-            </a:pPr>
-            <a:r>
-              <a:rPr lang="ja-JP" altLang="en-US" dirty="0"/>
-              <a:t>楽譜表示は</a:t>
-            </a:r>
-            <a:r>
-              <a:rPr lang="en-US" altLang="ja-JP" dirty="0"/>
-              <a:t>abc.js</a:t>
-            </a:r>
-            <a:r>
-              <a:rPr lang="ja-JP" altLang="en-US" dirty="0"/>
-              <a:t>の機能を使用しています。</a:t>
-            </a:r>
-            <a:endParaRPr kumimoji="1" lang="en-US" altLang="ja-JP" dirty="0"/>
+            <a:r>
+              <a:rPr lang="en-US" altLang="ja-JP" sz="3600" b="1" dirty="0">
+                <a:hlinkClick r:id="rId3">
+                  <a:extLst>
+                    <a:ext uri="{A12FA001-AC4F-418D-AE19-62706E023703}">
+                      <ahyp:hlinkClr xmlns:ahyp="http://schemas.microsoft.com/office/drawing/2018/hyperlinkcolor" val="tx"/>
+                    </a:ext>
+                  </a:extLst>
+                </a:hlinkClick>
+              </a:rPr>
+              <a:t>http://172.16.220.145/</a:t>
+            </a:r>
+            <a:endParaRPr lang="en-US" altLang="ja-JP" sz="3600" b="1" dirty="0"/>
           </a:p>
         </p:txBody>
       </p:sp>
-      <p:pic>
-        <p:nvPicPr>
-          <p:cNvPr id="9" name="コンテンツ プレースホルダー 8">
+      <p:sp>
+        <p:nvSpPr>
+          <p:cNvPr id="5" name="テキスト ボックス 4">
             <a:extLst>
               <a:ext uri="{FF2B5EF4-FFF2-40B4-BE49-F238E27FC236}">
-                <a16:creationId xmlns:a16="http://schemas.microsoft.com/office/drawing/2014/main" id="{D7FE7CF4-D112-403F-8B47-971424D24640}"/>
+                <a16:creationId xmlns:a16="http://schemas.microsoft.com/office/drawing/2014/main" id="{4BE0FAFE-D088-40D5-95FA-AD210674E3BC}"/>
               </a:ext>
             </a:extLst>
           </p:cNvPr>
-          <p:cNvPicPr>
-            <a:picLocks noGrp="1" noChangeAspect="1"/>
-          </p:cNvPicPr>
-          <p:nvPr>
-            <p:ph sz="half" idx="2"/>
-          </p:nvPr>
-        </p:nvPicPr>
-        <p:blipFill>
-          <a:blip r:embed="rId2">
+          <p:cNvSpPr txBox="1"/>
+          <p:nvPr/>
+        </p:nvSpPr>
+        <p:spPr>
+          <a:xfrm>
+            <a:off x="6513534" y="3734431"/>
+            <a:ext cx="4992915" cy="954107"/>
+          </a:xfrm>
+          <a:prstGeom prst="rect">
+            <a:avLst/>
+          </a:prstGeom>
+          <a:noFill/>
+        </p:spPr>
+        <p:txBody>
+          <a:bodyPr wrap="square" rtlCol="0">
+            <a:spAutoFit/>
+          </a:bodyPr>
+          <a:lstStyle/>
+          <a:p>
+            <a:r>
+              <a:rPr lang="ja-JP" altLang="en-US" sz="2800" dirty="0"/>
+              <a:t>音楽を</a:t>
+            </a:r>
+            <a:r>
+              <a:rPr kumimoji="1" lang="ja-JP" altLang="en-US" sz="2800" dirty="0"/>
+              <a:t>作成できたら</a:t>
+            </a:r>
+            <a:endParaRPr kumimoji="1" lang="en-US" altLang="ja-JP" sz="2800" dirty="0"/>
+          </a:p>
+          <a:p>
+            <a:r>
+              <a:rPr lang="ja-JP" altLang="en-US" sz="2800" dirty="0">
+                <a:solidFill>
+                  <a:srgbClr val="FF0000"/>
+                </a:solidFill>
+              </a:rPr>
+              <a:t>送信ボタン</a:t>
+            </a:r>
+            <a:r>
+              <a:rPr lang="ja-JP" altLang="en-US" sz="2800" dirty="0"/>
+              <a:t>を押してください</a:t>
+            </a:r>
+            <a:endParaRPr kumimoji="1" lang="ja-JP" altLang="en-US" sz="2800" dirty="0"/>
+          </a:p>
+        </p:txBody>
+      </p:sp>
+      <p:sp>
+        <p:nvSpPr>
+          <p:cNvPr id="6" name="テキスト ボックス 5">
             <a:extLst>
-              <a:ext uri="{28A0092B-C50C-407E-A947-70E740481C1C}">
-                <a14:useLocalDpi xmlns:a14="http://schemas.microsoft.com/office/drawing/2010/main" val="0"/>
+              <a:ext uri="{FF2B5EF4-FFF2-40B4-BE49-F238E27FC236}">
+                <a16:creationId xmlns:a16="http://schemas.microsoft.com/office/drawing/2014/main" id="{1EED7E17-895F-498A-AB79-2986A9065572}"/>
               </a:ext>
             </a:extLst>
-          </a:blip>
-          <a:stretch>
-            <a:fillRect/>
-          </a:stretch>
-        </p:blipFill>
+          </p:cNvPr>
+          <p:cNvSpPr txBox="1"/>
+          <p:nvPr/>
+        </p:nvSpPr>
         <p:spPr>
           <a:xfrm>
-            <a:off x="6336975" y="1990205"/>
-            <a:ext cx="4616523" cy="4663021"/>
+            <a:off x="6456219" y="4967740"/>
+            <a:ext cx="3546764" cy="400110"/>
           </a:xfrm>
+          <a:prstGeom prst="rect">
+            <a:avLst/>
+          </a:prstGeom>
+          <a:noFill/>
         </p:spPr>
-      </p:pic>
+        <p:txBody>
+          <a:bodyPr wrap="square" rtlCol="0">
+            <a:spAutoFit/>
+          </a:bodyPr>
+          <a:lstStyle/>
+          <a:p>
+            <a:r>
+              <a:rPr kumimoji="1" lang="ja-JP" altLang="en-US" sz="2000" dirty="0">
+                <a:solidFill>
+                  <a:srgbClr val="FF0000"/>
+                </a:solidFill>
+                <a:highlight>
+                  <a:srgbClr val="FFFF00"/>
+                </a:highlight>
+              </a:rPr>
+              <a:t>生成に約一分掛かります</a:t>
+            </a:r>
+            <a:r>
+              <a:rPr lang="ja-JP" altLang="en-US" sz="2000" dirty="0">
+                <a:solidFill>
+                  <a:srgbClr val="FF0000"/>
+                </a:solidFill>
+                <a:highlight>
+                  <a:srgbClr val="FFFF00"/>
+                </a:highlight>
+              </a:rPr>
+              <a:t>。</a:t>
+            </a:r>
+            <a:endParaRPr kumimoji="1" lang="ja-JP" altLang="en-US" sz="2000" dirty="0">
+              <a:solidFill>
+                <a:srgbClr val="FF0000"/>
+              </a:solidFill>
+              <a:highlight>
+                <a:srgbClr val="FFFF00"/>
+              </a:highlight>
+            </a:endParaRPr>
+          </a:p>
+        </p:txBody>
+      </p:sp>
       <p:sp>
         <p:nvSpPr>
-          <p:cNvPr id="10" name="正方形/長方形 9">
+          <p:cNvPr id="7" name="正方形/長方形 6">
             <a:extLst>
               <a:ext uri="{FF2B5EF4-FFF2-40B4-BE49-F238E27FC236}">
-                <a16:creationId xmlns:a16="http://schemas.microsoft.com/office/drawing/2014/main" id="{CBCCDE59-0CB2-42DD-82C5-0F9D949D409F}"/>
+                <a16:creationId xmlns:a16="http://schemas.microsoft.com/office/drawing/2014/main" id="{FBA0EE7E-F114-45C1-AC10-7408CA7D971A}"/>
               </a:ext>
             </a:extLst>
           </p:cNvPr>
@@ -17115,8 +17035,8 @@
         </p:nvSpPr>
         <p:spPr>
           <a:xfrm>
-            <a:off x="8287352" y="0"/>
-            <a:ext cx="3904649" cy="1967345"/>
+            <a:off x="8229601" y="0"/>
+            <a:ext cx="3962400" cy="1967345"/>
           </a:xfrm>
           <a:prstGeom prst="rect">
             <a:avLst/>
@@ -17157,10 +17077,70 @@
           </a:p>
         </p:txBody>
       </p:sp>
+      <p:sp>
+        <p:nvSpPr>
+          <p:cNvPr id="8" name="正方形/長方形 7">
+            <a:extLst>
+              <a:ext uri="{FF2B5EF4-FFF2-40B4-BE49-F238E27FC236}">
+                <a16:creationId xmlns:a16="http://schemas.microsoft.com/office/drawing/2014/main" id="{1BEE24F6-7641-4BFD-B136-01A2ED1D96E9}"/>
+              </a:ext>
+            </a:extLst>
+          </p:cNvPr>
+          <p:cNvSpPr/>
+          <p:nvPr/>
+        </p:nvSpPr>
+        <p:spPr>
+          <a:xfrm>
+            <a:off x="505690" y="3605890"/>
+            <a:ext cx="5590310" cy="2723700"/>
+          </a:xfrm>
+          <a:prstGeom prst="rect">
+            <a:avLst/>
+          </a:prstGeom>
+          <a:solidFill>
+            <a:schemeClr val="accent2">
+              <a:lumMod val="75000"/>
+            </a:schemeClr>
+          </a:solidFill>
+          <a:ln>
+            <a:solidFill>
+              <a:schemeClr val="tx1"/>
+            </a:solidFill>
+          </a:ln>
+        </p:spPr>
+        <p:style>
+          <a:lnRef idx="2">
+            <a:schemeClr val="accent1">
+              <a:shade val="50000"/>
+            </a:schemeClr>
+          </a:lnRef>
+          <a:fillRef idx="1">
+            <a:schemeClr val="accent1"/>
+          </a:fillRef>
+          <a:effectRef idx="0">
+            <a:schemeClr val="accent1"/>
+          </a:effectRef>
+          <a:fontRef idx="minor">
+            <a:schemeClr val="lt1"/>
+          </a:fontRef>
+        </p:style>
+        <p:txBody>
+          <a:bodyPr rtlCol="0" anchor="ctr"/>
+          <a:lstStyle/>
+          <a:p>
+            <a:pPr algn="ctr"/>
+            <a:r>
+              <a:rPr lang="ja-JP" altLang="en-US" dirty="0"/>
+              <a:t>デモンストレーションの動画</a:t>
+            </a:r>
+            <a:endParaRPr kumimoji="1" lang="ja-JP" altLang="en-US" dirty="0"/>
+          </a:p>
+        </p:txBody>
+      </p:sp>
     </p:spTree>
     <p:extLst>
       <p:ext uri="{BB962C8B-B14F-4D97-AF65-F5344CB8AC3E}">
-        <p14:creationId xmlns:p14="http://schemas.microsoft.com/office/powerpoint/2010/main" val="1842221593"/>
+        <p14:creationId xmlns:p14="http://schemas.microsoft.com/office/powerpoint/2010/main" val="3562155098"/>
       </p:ext>
     </p:extLst>
   </p:cSld>

--- a/presentation/graduation/bit Composer3 .pptx
+++ b/presentation/graduation/bit Composer3 .pptx
@@ -11,20 +11,20 @@
     <p:sldId id="259" r:id="rId2"/>
     <p:sldId id="307" r:id="rId3"/>
     <p:sldId id="260" r:id="rId4"/>
-    <p:sldId id="310" r:id="rId5"/>
-    <p:sldId id="311" r:id="rId6"/>
+    <p:sldId id="309" r:id="rId5"/>
+    <p:sldId id="310" r:id="rId6"/>
     <p:sldId id="276" r:id="rId7"/>
     <p:sldId id="283" r:id="rId8"/>
     <p:sldId id="298" r:id="rId9"/>
-    <p:sldId id="295" r:id="rId10"/>
-    <p:sldId id="296" r:id="rId11"/>
-    <p:sldId id="308" r:id="rId12"/>
-    <p:sldId id="306" r:id="rId13"/>
-    <p:sldId id="266" r:id="rId14"/>
-    <p:sldId id="302" r:id="rId15"/>
-    <p:sldId id="305" r:id="rId16"/>
-    <p:sldId id="303" r:id="rId17"/>
-    <p:sldId id="309" r:id="rId18"/>
+    <p:sldId id="311" r:id="rId10"/>
+    <p:sldId id="295" r:id="rId11"/>
+    <p:sldId id="296" r:id="rId12"/>
+    <p:sldId id="308" r:id="rId13"/>
+    <p:sldId id="306" r:id="rId14"/>
+    <p:sldId id="266" r:id="rId15"/>
+    <p:sldId id="302" r:id="rId16"/>
+    <p:sldId id="305" r:id="rId17"/>
+    <p:sldId id="303" r:id="rId18"/>
   </p:sldIdLst>
   <p:sldSz cx="12192000" cy="6858000"/>
   <p:notesSz cx="6858000" cy="9144000"/>
@@ -4150,7 +4150,7 @@
           <a:p>
             <a:fld id="{CFE7C3F7-5C92-45C1-81B6-3020317CA2CB}" type="datetimeFigureOut">
               <a:rPr kumimoji="1" lang="ja-JP" altLang="en-US" smtClean="0"/>
-              <a:t>2022/2/7</a:t>
+              <a:t>2022/2/10</a:t>
             </a:fld>
             <a:endParaRPr kumimoji="1" lang="ja-JP" altLang="en-US"/>
           </a:p>
@@ -4638,10 +4638,80 @@
           <a:lstStyle/>
           <a:p>
             <a:r>
-              <a:rPr lang="ja-JP" altLang="en-US" sz="1200" b="1" dirty="0"/>
-              <a:t>ご清聴ありがとうございました</a:t>
-            </a:r>
-            <a:endParaRPr kumimoji="1" lang="ja-JP" altLang="en-US" dirty="0"/>
+              <a:rPr lang="ja-JP" altLang="en-US" sz="1200" dirty="0"/>
+              <a:t>・伴奏を加えてより音楽風に近づける。</a:t>
+            </a:r>
+            <a:endParaRPr lang="en-US" altLang="ja-JP" sz="1200" dirty="0"/>
+          </a:p>
+          <a:p>
+            <a:pPr marL="0" marR="0" lvl="0" indent="0" algn="l" defTabSz="914400" rtl="0" eaLnBrk="1" fontAlgn="auto" latinLnBrk="0" hangingPunct="1">
+              <a:lnSpc>
+                <a:spcPct val="100000"/>
+              </a:lnSpc>
+              <a:spcBef>
+                <a:spcPts val="0"/>
+              </a:spcBef>
+              <a:spcAft>
+                <a:spcPts val="0"/>
+              </a:spcAft>
+              <a:buClrTx/>
+              <a:buSzTx/>
+              <a:buFontTx/>
+              <a:buNone/>
+              <a:tabLst/>
+              <a:defRPr/>
+            </a:pPr>
+            <a:r>
+              <a:rPr lang="ja-JP" altLang="en-US" sz="1200" dirty="0"/>
+              <a:t>・</a:t>
+            </a:r>
+            <a:r>
+              <a:rPr lang="ja-JP" altLang="en-US" dirty="0"/>
+              <a:t>事前に用意した</a:t>
+            </a:r>
+            <a:r>
+              <a:rPr lang="en-US" altLang="ja-JP" dirty="0"/>
+              <a:t>MIDI</a:t>
+            </a:r>
+            <a:r>
+              <a:rPr lang="ja-JP" altLang="en-US" dirty="0"/>
+              <a:t>ファイルが読みこめない</a:t>
+            </a:r>
+            <a:r>
+              <a:rPr lang="en-US" altLang="ja-JP" dirty="0"/>
+              <a:t>(</a:t>
+            </a:r>
+            <a:r>
+              <a:rPr lang="ja-JP" altLang="en-US" dirty="0"/>
+              <a:t>ピアノ演奏のみでしか使えない</a:t>
+            </a:r>
+            <a:r>
+              <a:rPr lang="en-US" altLang="ja-JP" dirty="0"/>
+              <a:t>)</a:t>
+            </a:r>
+          </a:p>
+          <a:p>
+            <a:pPr marL="0" marR="0" lvl="0" indent="0" algn="l" defTabSz="914400" rtl="0" eaLnBrk="1" fontAlgn="auto" latinLnBrk="0" hangingPunct="1">
+              <a:lnSpc>
+                <a:spcPct val="100000"/>
+              </a:lnSpc>
+              <a:spcBef>
+                <a:spcPts val="0"/>
+              </a:spcBef>
+              <a:spcAft>
+                <a:spcPts val="0"/>
+              </a:spcAft>
+              <a:buClrTx/>
+              <a:buSzTx/>
+              <a:buFontTx/>
+              <a:buNone/>
+              <a:tabLst/>
+              <a:defRPr/>
+            </a:pPr>
+            <a:r>
+              <a:rPr kumimoji="1" lang="ja-JP" altLang="en-US" sz="1200" dirty="0"/>
+              <a:t>・</a:t>
+            </a:r>
           </a:p>
         </p:txBody>
       </p:sp>
@@ -4662,7 +4732,7 @@
           <a:p>
             <a:fld id="{FD808316-81CD-4B36-BDD1-D6460C124C29}" type="slidenum">
               <a:rPr kumimoji="1" lang="ja-JP" altLang="en-US" smtClean="0"/>
-              <a:t>13</a:t>
+              <a:t>11</a:t>
             </a:fld>
             <a:endParaRPr kumimoji="1" lang="ja-JP" altLang="en-US"/>
           </a:p>
@@ -4671,7 +4741,7 @@
     </p:spTree>
     <p:extLst>
       <p:ext uri="{BB962C8B-B14F-4D97-AF65-F5344CB8AC3E}">
-        <p14:creationId xmlns:p14="http://schemas.microsoft.com/office/powerpoint/2010/main" val="895368357"/>
+        <p14:creationId xmlns:p14="http://schemas.microsoft.com/office/powerpoint/2010/main" val="203302926"/>
       </p:ext>
     </p:extLst>
   </p:cSld>
@@ -4726,48 +4796,9 @@
           <a:lstStyle/>
           <a:p>
             <a:r>
-              <a:rPr lang="en-US" altLang="ja-JP" sz="1200" b="1" dirty="0"/>
-              <a:t>b</a:t>
-            </a:r>
-            <a:r>
-              <a:rPr kumimoji="1" lang="en-US" altLang="ja-JP" sz="1200" b="1" dirty="0"/>
-              <a:t>it composer</a:t>
-            </a:r>
-            <a:r>
-              <a:rPr kumimoji="1" lang="ja-JP" altLang="en-US" sz="1200" b="1" dirty="0"/>
-              <a:t>の機能</a:t>
-            </a:r>
-            <a:endParaRPr kumimoji="1" lang="en-US" altLang="ja-JP" sz="1200" b="1" dirty="0"/>
-          </a:p>
-          <a:p>
-            <a:pPr algn="l"/>
-            <a:r>
-              <a:rPr kumimoji="1" lang="ja-JP" altLang="en-US" sz="1200" dirty="0"/>
-              <a:t> 鍵盤から音楽データを</a:t>
-            </a:r>
-            <a:r>
-              <a:rPr kumimoji="1" lang="en-US" altLang="ja-JP" sz="1200" dirty="0"/>
-              <a:t>AI</a:t>
-            </a:r>
-            <a:r>
-              <a:rPr kumimoji="1" lang="ja-JP" altLang="en-US" sz="1200" dirty="0"/>
-              <a:t>のサーバに送信してオリジナルのゲーム音楽風の</a:t>
-            </a:r>
-            <a:r>
-              <a:rPr lang="ja-JP" altLang="en-US" sz="1200" dirty="0"/>
-              <a:t>曲を聴いたり</a:t>
-            </a:r>
-            <a:endParaRPr lang="en-US" altLang="ja-JP" sz="1200" dirty="0"/>
-          </a:p>
-          <a:p>
-            <a:pPr algn="l"/>
-            <a:r>
-              <a:rPr lang="ja-JP" altLang="en-US" sz="1200" dirty="0"/>
-              <a:t>・曲をダウンロードできる</a:t>
-            </a:r>
-            <a:endParaRPr kumimoji="1" lang="ja-JP" altLang="en-US" sz="1200" dirty="0"/>
-          </a:p>
-          <a:p>
+              <a:rPr lang="ja-JP" altLang="en-US" sz="1200" b="1" dirty="0"/>
+              <a:t>ご清聴ありがとうございました</a:t>
+            </a:r>
             <a:endParaRPr kumimoji="1" lang="ja-JP" altLang="en-US" dirty="0"/>
           </a:p>
         </p:txBody>
@@ -4789,7 +4820,7 @@
           <a:p>
             <a:fld id="{FD808316-81CD-4B36-BDD1-D6460C124C29}" type="slidenum">
               <a:rPr kumimoji="1" lang="ja-JP" altLang="en-US" smtClean="0"/>
-              <a:t>17</a:t>
+              <a:t>14</a:t>
             </a:fld>
             <a:endParaRPr kumimoji="1" lang="ja-JP" altLang="en-US"/>
           </a:p>
@@ -4798,7 +4829,7 @@
     </p:spTree>
     <p:extLst>
       <p:ext uri="{BB962C8B-B14F-4D97-AF65-F5344CB8AC3E}">
-        <p14:creationId xmlns:p14="http://schemas.microsoft.com/office/powerpoint/2010/main" val="1695418619"/>
+        <p14:creationId xmlns:p14="http://schemas.microsoft.com/office/powerpoint/2010/main" val="895368357"/>
       </p:ext>
     </p:extLst>
   </p:cSld>
@@ -5045,6 +5076,49 @@
           <a:bodyPr/>
           <a:lstStyle/>
           <a:p>
+            <a:r>
+              <a:rPr lang="en-US" altLang="ja-JP" sz="1200" b="1" dirty="0"/>
+              <a:t>b</a:t>
+            </a:r>
+            <a:r>
+              <a:rPr kumimoji="1" lang="en-US" altLang="ja-JP" sz="1200" b="1" dirty="0"/>
+              <a:t>it composer</a:t>
+            </a:r>
+            <a:r>
+              <a:rPr kumimoji="1" lang="ja-JP" altLang="en-US" sz="1200" b="1" dirty="0"/>
+              <a:t>の機能</a:t>
+            </a:r>
+            <a:endParaRPr kumimoji="1" lang="en-US" altLang="ja-JP" sz="1200" b="1" dirty="0"/>
+          </a:p>
+          <a:p>
+            <a:pPr algn="l"/>
+            <a:r>
+              <a:rPr kumimoji="1" lang="ja-JP" altLang="en-US" sz="1200" dirty="0"/>
+              <a:t> 鍵盤から音楽データを</a:t>
+            </a:r>
+            <a:r>
+              <a:rPr kumimoji="1" lang="en-US" altLang="ja-JP" sz="1200" dirty="0"/>
+              <a:t>AI</a:t>
+            </a:r>
+            <a:r>
+              <a:rPr kumimoji="1" lang="ja-JP" altLang="en-US" sz="1200" dirty="0"/>
+              <a:t>のサーバに送信してオリジナルのゲーム音楽風の</a:t>
+            </a:r>
+            <a:r>
+              <a:rPr lang="ja-JP" altLang="en-US" sz="1200" dirty="0"/>
+              <a:t>曲を聴いたり</a:t>
+            </a:r>
+            <a:endParaRPr lang="en-US" altLang="ja-JP" sz="1200" dirty="0"/>
+          </a:p>
+          <a:p>
+            <a:pPr algn="l"/>
+            <a:r>
+              <a:rPr lang="ja-JP" altLang="en-US" sz="1200" dirty="0"/>
+              <a:t>・曲をダウンロードできる</a:t>
+            </a:r>
+            <a:endParaRPr kumimoji="1" lang="ja-JP" altLang="en-US" sz="1200" dirty="0"/>
+          </a:p>
+          <a:p>
             <a:endParaRPr kumimoji="1" lang="ja-JP" altLang="en-US" dirty="0"/>
           </a:p>
         </p:txBody>
@@ -5075,7 +5149,7 @@
     </p:spTree>
     <p:extLst>
       <p:ext uri="{BB962C8B-B14F-4D97-AF65-F5344CB8AC3E}">
-        <p14:creationId xmlns:p14="http://schemas.microsoft.com/office/powerpoint/2010/main" val="133561700"/>
+        <p14:creationId xmlns:p14="http://schemas.microsoft.com/office/powerpoint/2010/main" val="1695418619"/>
       </p:ext>
     </p:extLst>
   </p:cSld>
@@ -5129,26 +5203,7 @@
           <a:bodyPr/>
           <a:lstStyle/>
           <a:p>
-            <a:r>
-              <a:rPr kumimoji="1" lang="en-US" altLang="ja-JP" dirty="0"/>
-              <a:t>Web</a:t>
-            </a:r>
-            <a:r>
-              <a:rPr kumimoji="1" lang="ja-JP" altLang="en-US" dirty="0"/>
-              <a:t>サーバを公開しているのでユーザーは</a:t>
-            </a:r>
-            <a:r>
-              <a:rPr kumimoji="1" lang="en-US" altLang="ja-JP" dirty="0"/>
-              <a:t>URL</a:t>
-            </a:r>
-            <a:r>
-              <a:rPr kumimoji="1" lang="ja-JP" altLang="en-US" dirty="0"/>
-              <a:t>から参加できます。</a:t>
-            </a:r>
-            <a:endParaRPr kumimoji="1" lang="en-US" altLang="ja-JP" dirty="0"/>
-          </a:p>
-          <a:p>
-            <a:endParaRPr kumimoji="1" lang="en-US" altLang="ja-JP" dirty="0"/>
+            <a:endParaRPr kumimoji="1" lang="ja-JP" altLang="en-US" dirty="0"/>
           </a:p>
         </p:txBody>
       </p:sp>
@@ -5169,7 +5224,7 @@
           <a:p>
             <a:fld id="{FD808316-81CD-4B36-BDD1-D6460C124C29}" type="slidenum">
               <a:rPr kumimoji="1" lang="ja-JP" altLang="en-US" smtClean="0"/>
-              <a:t>6</a:t>
+              <a:t>5</a:t>
             </a:fld>
             <a:endParaRPr kumimoji="1" lang="ja-JP" altLang="en-US"/>
           </a:p>
@@ -5178,7 +5233,7 @@
     </p:spTree>
     <p:extLst>
       <p:ext uri="{BB962C8B-B14F-4D97-AF65-F5344CB8AC3E}">
-        <p14:creationId xmlns:p14="http://schemas.microsoft.com/office/powerpoint/2010/main" val="810124780"/>
+        <p14:creationId xmlns:p14="http://schemas.microsoft.com/office/powerpoint/2010/main" val="133561700"/>
       </p:ext>
     </p:extLst>
   </p:cSld>
@@ -5233,51 +5288,25 @@
           <a:lstStyle/>
           <a:p>
             <a:r>
-              <a:rPr lang="ja-JP" altLang="en-US" sz="1200" dirty="0"/>
-              <a:t>どうやって作曲させるのかというと</a:t>
-            </a:r>
-            <a:endParaRPr lang="en-US" altLang="ja-JP" sz="1200" dirty="0"/>
-          </a:p>
-          <a:p>
-            <a:r>
-              <a:rPr lang="ja-JP" altLang="en-US" sz="1200" dirty="0"/>
-              <a:t>リカレントニューラルネットワーク</a:t>
-            </a:r>
-            <a:r>
-              <a:rPr lang="en-US" altLang="ja-JP" sz="1200" dirty="0"/>
-              <a:t>(RNN)</a:t>
-            </a:r>
-            <a:r>
-              <a:rPr lang="ja-JP" altLang="en-US" sz="1200" dirty="0"/>
-              <a:t>で学習をさせた</a:t>
-            </a:r>
-            <a:r>
-              <a:rPr lang="en-US" altLang="ja-JP" sz="1200" dirty="0"/>
-              <a:t>AI</a:t>
-            </a:r>
-            <a:r>
-              <a:rPr lang="ja-JP" altLang="en-US" sz="1200" dirty="0"/>
-              <a:t>で作曲をします。</a:t>
-            </a:r>
-            <a:endParaRPr lang="en-US" altLang="ja-JP" sz="1200" dirty="0"/>
-          </a:p>
-          <a:p>
-            <a:r>
-              <a:rPr lang="en-US" altLang="ja-JP" sz="1200" dirty="0"/>
-              <a:t>RNN</a:t>
-            </a:r>
-            <a:r>
-              <a:rPr lang="ja-JP" altLang="en-US" sz="1200" dirty="0"/>
-              <a:t>は時系列ごとデータを学習させることができることが特徴です。</a:t>
-            </a:r>
-            <a:endParaRPr lang="en-US" altLang="ja-JP" sz="1200" dirty="0"/>
-          </a:p>
-          <a:p>
-            <a:r>
-              <a:rPr lang="ja-JP" altLang="en-US" sz="1200" dirty="0"/>
-              <a:t>自然言語処理の単語の予測でよく使われます。</a:t>
-            </a:r>
-            <a:endParaRPr lang="en-US" altLang="ja-JP" sz="1200" dirty="0"/>
+              <a:rPr kumimoji="1" lang="en-US" altLang="ja-JP" dirty="0"/>
+              <a:t>Web</a:t>
+            </a:r>
+            <a:r>
+              <a:rPr kumimoji="1" lang="ja-JP" altLang="en-US" dirty="0"/>
+              <a:t>サーバを公開しているのでユーザーは</a:t>
+            </a:r>
+            <a:r>
+              <a:rPr kumimoji="1" lang="en-US" altLang="ja-JP" dirty="0"/>
+              <a:t>URL</a:t>
+            </a:r>
+            <a:r>
+              <a:rPr kumimoji="1" lang="ja-JP" altLang="en-US" dirty="0"/>
+              <a:t>から参加できます。</a:t>
+            </a:r>
+            <a:endParaRPr kumimoji="1" lang="en-US" altLang="ja-JP" dirty="0"/>
+          </a:p>
+          <a:p>
+            <a:endParaRPr kumimoji="1" lang="en-US" altLang="ja-JP" dirty="0"/>
           </a:p>
         </p:txBody>
       </p:sp>
@@ -5298,7 +5327,7 @@
           <a:p>
             <a:fld id="{FD808316-81CD-4B36-BDD1-D6460C124C29}" type="slidenum">
               <a:rPr kumimoji="1" lang="ja-JP" altLang="en-US" smtClean="0"/>
-              <a:t>7</a:t>
+              <a:t>6</a:t>
             </a:fld>
             <a:endParaRPr kumimoji="1" lang="ja-JP" altLang="en-US"/>
           </a:p>
@@ -5307,7 +5336,7 @@
     </p:spTree>
     <p:extLst>
       <p:ext uri="{BB962C8B-B14F-4D97-AF65-F5344CB8AC3E}">
-        <p14:creationId xmlns:p14="http://schemas.microsoft.com/office/powerpoint/2010/main" val="3280372040"/>
+        <p14:creationId xmlns:p14="http://schemas.microsoft.com/office/powerpoint/2010/main" val="810124780"/>
       </p:ext>
     </p:extLst>
   </p:cSld>
@@ -5362,41 +5391,51 @@
           <a:lstStyle/>
           <a:p>
             <a:r>
-              <a:rPr kumimoji="1" lang="ja-JP" altLang="en-US" dirty="0"/>
-              <a:t>送信されて</a:t>
-            </a:r>
-            <a:r>
-              <a:rPr kumimoji="1" lang="en-US" altLang="ja-JP" dirty="0" err="1"/>
-              <a:t>abc</a:t>
-            </a:r>
-            <a:r>
-              <a:rPr kumimoji="1" lang="ja-JP" altLang="en-US" dirty="0"/>
-              <a:t>記法から数値データに変換して</a:t>
-            </a:r>
-            <a:r>
-              <a:rPr kumimoji="1" lang="en-US" altLang="ja-JP" dirty="0"/>
+              <a:rPr lang="ja-JP" altLang="en-US" sz="1200" dirty="0"/>
+              <a:t>どうやって作曲させるのかというと</a:t>
+            </a:r>
+            <a:endParaRPr lang="en-US" altLang="ja-JP" sz="1200" dirty="0"/>
+          </a:p>
+          <a:p>
+            <a:r>
+              <a:rPr lang="ja-JP" altLang="en-US" sz="1200" dirty="0"/>
+              <a:t>リカレントニューラルネットワーク</a:t>
+            </a:r>
+            <a:r>
+              <a:rPr lang="en-US" altLang="ja-JP" sz="1200" dirty="0"/>
+              <a:t>(RNN)</a:t>
+            </a:r>
+            <a:r>
+              <a:rPr lang="ja-JP" altLang="en-US" sz="1200" dirty="0"/>
+              <a:t>で学習をさせた</a:t>
+            </a:r>
+            <a:r>
+              <a:rPr lang="en-US" altLang="ja-JP" sz="1200" dirty="0"/>
               <a:t>AI</a:t>
             </a:r>
             <a:r>
-              <a:rPr kumimoji="1" lang="ja-JP" altLang="en-US" dirty="0"/>
-              <a:t>で予測しその後</a:t>
-            </a:r>
-            <a:r>
-              <a:rPr kumimoji="1" lang="en-US" altLang="ja-JP" dirty="0"/>
-              <a:t>MIDI</a:t>
-            </a:r>
-            <a:r>
-              <a:rPr kumimoji="1" lang="ja-JP" altLang="en-US" dirty="0"/>
-              <a:t>データに変換して</a:t>
-            </a:r>
-            <a:r>
-              <a:rPr kumimoji="1" lang="en-US" altLang="ja-JP" dirty="0"/>
-              <a:t>MP3</a:t>
-            </a:r>
-            <a:r>
-              <a:rPr kumimoji="1" lang="ja-JP" altLang="en-US" dirty="0"/>
-              <a:t>等のファイルとして出力します。</a:t>
-            </a:r>
+              <a:rPr lang="ja-JP" altLang="en-US" sz="1200" dirty="0"/>
+              <a:t>で作曲をします。</a:t>
+            </a:r>
+            <a:endParaRPr lang="en-US" altLang="ja-JP" sz="1200" dirty="0"/>
+          </a:p>
+          <a:p>
+            <a:r>
+              <a:rPr lang="en-US" altLang="ja-JP" sz="1200" dirty="0"/>
+              <a:t>RNN</a:t>
+            </a:r>
+            <a:r>
+              <a:rPr lang="ja-JP" altLang="en-US" sz="1200" dirty="0"/>
+              <a:t>は時系列ごとデータを学習させることができることが特徴です。</a:t>
+            </a:r>
+            <a:endParaRPr lang="en-US" altLang="ja-JP" sz="1200" dirty="0"/>
+          </a:p>
+          <a:p>
+            <a:r>
+              <a:rPr lang="ja-JP" altLang="en-US" sz="1200" dirty="0"/>
+              <a:t>自然言語処理の単語の予測でよく使われます。</a:t>
+            </a:r>
+            <a:endParaRPr lang="en-US" altLang="ja-JP" sz="1200" dirty="0"/>
           </a:p>
         </p:txBody>
       </p:sp>
@@ -5417,7 +5456,7 @@
           <a:p>
             <a:fld id="{FD808316-81CD-4B36-BDD1-D6460C124C29}" type="slidenum">
               <a:rPr kumimoji="1" lang="ja-JP" altLang="en-US" smtClean="0"/>
-              <a:t>8</a:t>
+              <a:t>7</a:t>
             </a:fld>
             <a:endParaRPr kumimoji="1" lang="ja-JP" altLang="en-US"/>
           </a:p>
@@ -5426,7 +5465,7 @@
     </p:spTree>
     <p:extLst>
       <p:ext uri="{BB962C8B-B14F-4D97-AF65-F5344CB8AC3E}">
-        <p14:creationId xmlns:p14="http://schemas.microsoft.com/office/powerpoint/2010/main" val="2525734282"/>
+        <p14:creationId xmlns:p14="http://schemas.microsoft.com/office/powerpoint/2010/main" val="3280372040"/>
       </p:ext>
     </p:extLst>
   </p:cSld>
@@ -5481,60 +5520,16 @@
           <a:lstStyle/>
           <a:p>
             <a:r>
-              <a:rPr kumimoji="1" lang="en-US" altLang="ja-JP" dirty="0"/>
-              <a:t>1 </a:t>
-            </a:r>
-            <a:r>
               <a:rPr kumimoji="1" lang="ja-JP" altLang="en-US" dirty="0"/>
-              <a:t>作る</a:t>
-            </a:r>
-            <a:r>
-              <a:rPr kumimoji="1" lang="ja-JP" altLang="en-US" dirty="0" err="1"/>
-              <a:t>を</a:t>
+              <a:t>送信されて</a:t>
+            </a:r>
+            <a:r>
+              <a:rPr kumimoji="1" lang="en-US" altLang="ja-JP" dirty="0" err="1"/>
+              <a:t>abc</a:t>
             </a:r>
             <a:r>
               <a:rPr kumimoji="1" lang="ja-JP" altLang="en-US" dirty="0"/>
-              <a:t>クリック</a:t>
-            </a:r>
-            <a:endParaRPr kumimoji="1" lang="en-US" altLang="ja-JP" dirty="0"/>
-          </a:p>
-          <a:p>
-            <a:r>
-              <a:rPr kumimoji="1" lang="en-US" altLang="ja-JP" dirty="0"/>
-              <a:t>2 </a:t>
-            </a:r>
-            <a:r>
-              <a:rPr kumimoji="1" lang="ja-JP" altLang="en-US" dirty="0"/>
-              <a:t>キーボードで鍵盤を弾いてください</a:t>
-            </a:r>
-            <a:endParaRPr kumimoji="1" lang="en-US" altLang="ja-JP" dirty="0"/>
-          </a:p>
-          <a:p>
-            <a:r>
-              <a:rPr kumimoji="1" lang="en-US" altLang="ja-JP" dirty="0"/>
-              <a:t>3</a:t>
-            </a:r>
-            <a:r>
-              <a:rPr kumimoji="1" lang="ja-JP" altLang="en-US" dirty="0"/>
-              <a:t>　送信ボタンを押したら</a:t>
-            </a:r>
-            <a:endParaRPr kumimoji="1" lang="en-US" altLang="ja-JP" dirty="0"/>
-          </a:p>
-          <a:p>
-            <a:r>
-              <a:rPr kumimoji="1" lang="en-US" altLang="ja-JP" dirty="0"/>
-              <a:t>4</a:t>
-            </a:r>
-            <a:r>
-              <a:rPr kumimoji="1" lang="ja-JP" altLang="en-US" dirty="0"/>
-              <a:t>　曲が流れます。</a:t>
-            </a:r>
-            <a:endParaRPr kumimoji="1" lang="en-US" altLang="ja-JP" dirty="0"/>
-          </a:p>
-          <a:p>
-            <a:r>
-              <a:rPr kumimoji="1" lang="ja-JP" altLang="en-US" dirty="0"/>
-              <a:t>注意</a:t>
+              <a:t>記法から数値データに変換して</a:t>
             </a:r>
             <a:r>
               <a:rPr kumimoji="1" lang="en-US" altLang="ja-JP" dirty="0"/>
@@ -5542,9 +5537,24 @@
             </a:r>
             <a:r>
               <a:rPr kumimoji="1" lang="ja-JP" altLang="en-US" dirty="0"/>
-              <a:t>が入っていなかった場合次のバージョンで入れる予定と発表</a:t>
-            </a:r>
-            <a:endParaRPr kumimoji="1" lang="en-US" altLang="ja-JP" dirty="0"/>
+              <a:t>で予測しその後</a:t>
+            </a:r>
+            <a:r>
+              <a:rPr kumimoji="1" lang="en-US" altLang="ja-JP" dirty="0"/>
+              <a:t>MIDI</a:t>
+            </a:r>
+            <a:r>
+              <a:rPr kumimoji="1" lang="ja-JP" altLang="en-US" dirty="0"/>
+              <a:t>データに変換して</a:t>
+            </a:r>
+            <a:r>
+              <a:rPr kumimoji="1" lang="en-US" altLang="ja-JP" dirty="0"/>
+              <a:t>MP3</a:t>
+            </a:r>
+            <a:r>
+              <a:rPr kumimoji="1" lang="ja-JP" altLang="en-US" dirty="0"/>
+              <a:t>等のファイルとして出力します。</a:t>
+            </a:r>
           </a:p>
         </p:txBody>
       </p:sp>
@@ -5565,7 +5575,7 @@
           <a:p>
             <a:fld id="{FD808316-81CD-4B36-BDD1-D6460C124C29}" type="slidenum">
               <a:rPr kumimoji="1" lang="ja-JP" altLang="en-US" smtClean="0"/>
-              <a:t>9</a:t>
+              <a:t>8</a:t>
             </a:fld>
             <a:endParaRPr kumimoji="1" lang="ja-JP" altLang="en-US"/>
           </a:p>
@@ -5574,7 +5584,7 @@
     </p:spTree>
     <p:extLst>
       <p:ext uri="{BB962C8B-B14F-4D97-AF65-F5344CB8AC3E}">
-        <p14:creationId xmlns:p14="http://schemas.microsoft.com/office/powerpoint/2010/main" val="3836402520"/>
+        <p14:creationId xmlns:p14="http://schemas.microsoft.com/office/powerpoint/2010/main" val="2525734282"/>
       </p:ext>
     </p:extLst>
   </p:cSld>
@@ -5629,80 +5639,70 @@
           <a:lstStyle/>
           <a:p>
             <a:r>
-              <a:rPr lang="ja-JP" altLang="en-US" sz="1200" dirty="0"/>
-              <a:t>・伴奏を加えてより音楽風に近づける。</a:t>
-            </a:r>
-            <a:endParaRPr lang="en-US" altLang="ja-JP" sz="1200" dirty="0"/>
-          </a:p>
-          <a:p>
-            <a:pPr marL="0" marR="0" lvl="0" indent="0" algn="l" defTabSz="914400" rtl="0" eaLnBrk="1" fontAlgn="auto" latinLnBrk="0" hangingPunct="1">
-              <a:lnSpc>
-                <a:spcPct val="100000"/>
-              </a:lnSpc>
-              <a:spcBef>
-                <a:spcPts val="0"/>
-              </a:spcBef>
-              <a:spcAft>
-                <a:spcPts val="0"/>
-              </a:spcAft>
-              <a:buClrTx/>
-              <a:buSzTx/>
-              <a:buFontTx/>
-              <a:buNone/>
-              <a:tabLst/>
-              <a:defRPr/>
-            </a:pPr>
-            <a:r>
-              <a:rPr lang="ja-JP" altLang="en-US" sz="1200" dirty="0"/>
-              <a:t>・</a:t>
-            </a:r>
-            <a:r>
-              <a:rPr lang="ja-JP" altLang="en-US" dirty="0"/>
-              <a:t>事前に用意した</a:t>
-            </a:r>
-            <a:r>
-              <a:rPr lang="en-US" altLang="ja-JP" dirty="0"/>
-              <a:t>MIDI</a:t>
-            </a:r>
-            <a:r>
-              <a:rPr lang="ja-JP" altLang="en-US" dirty="0"/>
-              <a:t>ファイルが読みこめない</a:t>
-            </a:r>
-            <a:r>
-              <a:rPr lang="en-US" altLang="ja-JP" dirty="0"/>
-              <a:t>(</a:t>
-            </a:r>
-            <a:r>
-              <a:rPr lang="ja-JP" altLang="en-US" dirty="0"/>
-              <a:t>ピアノ演奏のみでしか使えない</a:t>
-            </a:r>
-            <a:r>
-              <a:rPr lang="en-US" altLang="ja-JP" dirty="0"/>
-              <a:t>)</a:t>
-            </a:r>
-          </a:p>
-          <a:p>
-            <a:pPr marL="0" marR="0" lvl="0" indent="0" algn="l" defTabSz="914400" rtl="0" eaLnBrk="1" fontAlgn="auto" latinLnBrk="0" hangingPunct="1">
-              <a:lnSpc>
-                <a:spcPct val="100000"/>
-              </a:lnSpc>
-              <a:spcBef>
-                <a:spcPts val="0"/>
-              </a:spcBef>
-              <a:spcAft>
-                <a:spcPts val="0"/>
-              </a:spcAft>
-              <a:buClrTx/>
-              <a:buSzTx/>
-              <a:buFontTx/>
-              <a:buNone/>
-              <a:tabLst/>
-              <a:defRPr/>
-            </a:pPr>
-            <a:r>
-              <a:rPr kumimoji="1" lang="ja-JP" altLang="en-US" sz="1200" dirty="0"/>
-              <a:t>・</a:t>
-            </a:r>
+              <a:rPr kumimoji="1" lang="en-US" altLang="ja-JP" dirty="0"/>
+              <a:t>1 </a:t>
+            </a:r>
+            <a:r>
+              <a:rPr kumimoji="1" lang="ja-JP" altLang="en-US" dirty="0"/>
+              <a:t>作る</a:t>
+            </a:r>
+            <a:r>
+              <a:rPr kumimoji="1" lang="ja-JP" altLang="en-US" dirty="0" err="1"/>
+              <a:t>を</a:t>
+            </a:r>
+            <a:r>
+              <a:rPr kumimoji="1" lang="ja-JP" altLang="en-US" dirty="0"/>
+              <a:t>クリック</a:t>
+            </a:r>
+            <a:endParaRPr kumimoji="1" lang="en-US" altLang="ja-JP" dirty="0"/>
+          </a:p>
+          <a:p>
+            <a:r>
+              <a:rPr kumimoji="1" lang="en-US" altLang="ja-JP" dirty="0"/>
+              <a:t>2 </a:t>
+            </a:r>
+            <a:r>
+              <a:rPr kumimoji="1" lang="ja-JP" altLang="en-US" dirty="0"/>
+              <a:t>キーボードで鍵盤を弾いてください</a:t>
+            </a:r>
+            <a:endParaRPr kumimoji="1" lang="en-US" altLang="ja-JP" dirty="0"/>
+          </a:p>
+          <a:p>
+            <a:r>
+              <a:rPr kumimoji="1" lang="en-US" altLang="ja-JP" dirty="0"/>
+              <a:t>3</a:t>
+            </a:r>
+            <a:r>
+              <a:rPr kumimoji="1" lang="ja-JP" altLang="en-US" dirty="0"/>
+              <a:t>　送信ボタンを押したら</a:t>
+            </a:r>
+            <a:endParaRPr kumimoji="1" lang="en-US" altLang="ja-JP" dirty="0"/>
+          </a:p>
+          <a:p>
+            <a:r>
+              <a:rPr kumimoji="1" lang="en-US" altLang="ja-JP" dirty="0"/>
+              <a:t>4</a:t>
+            </a:r>
+            <a:r>
+              <a:rPr kumimoji="1" lang="ja-JP" altLang="en-US" dirty="0"/>
+              <a:t>　曲が流れます。</a:t>
+            </a:r>
+            <a:endParaRPr kumimoji="1" lang="en-US" altLang="ja-JP" dirty="0"/>
+          </a:p>
+          <a:p>
+            <a:r>
+              <a:rPr kumimoji="1" lang="ja-JP" altLang="en-US" dirty="0"/>
+              <a:t>注意</a:t>
+            </a:r>
+            <a:r>
+              <a:rPr kumimoji="1" lang="en-US" altLang="ja-JP" dirty="0"/>
+              <a:t>AI</a:t>
+            </a:r>
+            <a:r>
+              <a:rPr kumimoji="1" lang="ja-JP" altLang="en-US" dirty="0"/>
+              <a:t>が入っていなかった場合次のバージョンで入れる予定と発表</a:t>
+            </a:r>
+            <a:endParaRPr kumimoji="1" lang="en-US" altLang="ja-JP" dirty="0"/>
           </a:p>
         </p:txBody>
       </p:sp>
@@ -5732,7 +5732,7 @@
     </p:spTree>
     <p:extLst>
       <p:ext uri="{BB962C8B-B14F-4D97-AF65-F5344CB8AC3E}">
-        <p14:creationId xmlns:p14="http://schemas.microsoft.com/office/powerpoint/2010/main" val="203302926"/>
+        <p14:creationId xmlns:p14="http://schemas.microsoft.com/office/powerpoint/2010/main" val="3836402520"/>
       </p:ext>
     </p:extLst>
   </p:cSld>
@@ -5889,7 +5889,7 @@
           <a:p>
             <a:fld id="{4A6B28F3-BB62-4EA0-99DF-EF5932BC4FCF}" type="datetimeFigureOut">
               <a:rPr kumimoji="1" lang="ja-JP" altLang="en-US" smtClean="0"/>
-              <a:t>2022/2/7</a:t>
+              <a:t>2022/2/10</a:t>
             </a:fld>
             <a:endParaRPr kumimoji="1" lang="ja-JP" altLang="en-US"/>
           </a:p>
@@ -6131,7 +6131,7 @@
           <a:p>
             <a:fld id="{4A6B28F3-BB62-4EA0-99DF-EF5932BC4FCF}" type="datetimeFigureOut">
               <a:rPr kumimoji="1" lang="ja-JP" altLang="en-US" smtClean="0"/>
-              <a:t>2022/2/7</a:t>
+              <a:t>2022/2/10</a:t>
             </a:fld>
             <a:endParaRPr kumimoji="1" lang="ja-JP" altLang="en-US"/>
           </a:p>
@@ -6383,7 +6383,7 @@
           <a:p>
             <a:fld id="{4A6B28F3-BB62-4EA0-99DF-EF5932BC4FCF}" type="datetimeFigureOut">
               <a:rPr kumimoji="1" lang="ja-JP" altLang="en-US" smtClean="0"/>
-              <a:t>2022/2/7</a:t>
+              <a:t>2022/2/10</a:t>
             </a:fld>
             <a:endParaRPr kumimoji="1" lang="ja-JP" altLang="en-US"/>
           </a:p>
@@ -6625,7 +6625,7 @@
           <a:p>
             <a:fld id="{4A6B28F3-BB62-4EA0-99DF-EF5932BC4FCF}" type="datetimeFigureOut">
               <a:rPr kumimoji="1" lang="ja-JP" altLang="en-US" smtClean="0"/>
-              <a:t>2022/2/7</a:t>
+              <a:t>2022/2/10</a:t>
             </a:fld>
             <a:endParaRPr kumimoji="1" lang="ja-JP" altLang="en-US"/>
           </a:p>
@@ -6912,7 +6912,7 @@
           <a:p>
             <a:fld id="{4A6B28F3-BB62-4EA0-99DF-EF5932BC4FCF}" type="datetimeFigureOut">
               <a:rPr kumimoji="1" lang="ja-JP" altLang="en-US" smtClean="0"/>
-              <a:t>2022/2/7</a:t>
+              <a:t>2022/2/10</a:t>
             </a:fld>
             <a:endParaRPr kumimoji="1" lang="ja-JP" altLang="en-US"/>
           </a:p>
@@ -7253,7 +7253,7 @@
           <a:p>
             <a:fld id="{4A6B28F3-BB62-4EA0-99DF-EF5932BC4FCF}" type="datetimeFigureOut">
               <a:rPr kumimoji="1" lang="ja-JP" altLang="en-US" smtClean="0"/>
-              <a:t>2022/2/7</a:t>
+              <a:t>2022/2/10</a:t>
             </a:fld>
             <a:endParaRPr kumimoji="1" lang="ja-JP" altLang="en-US"/>
           </a:p>
@@ -7741,7 +7741,7 @@
           <a:p>
             <a:fld id="{4A6B28F3-BB62-4EA0-99DF-EF5932BC4FCF}" type="datetimeFigureOut">
               <a:rPr kumimoji="1" lang="ja-JP" altLang="en-US" smtClean="0"/>
-              <a:t>2022/2/7</a:t>
+              <a:t>2022/2/10</a:t>
             </a:fld>
             <a:endParaRPr kumimoji="1" lang="ja-JP" altLang="en-US"/>
           </a:p>
@@ -7894,7 +7894,7 @@
           <a:p>
             <a:fld id="{4A6B28F3-BB62-4EA0-99DF-EF5932BC4FCF}" type="datetimeFigureOut">
               <a:rPr kumimoji="1" lang="ja-JP" altLang="en-US" smtClean="0"/>
-              <a:t>2022/2/7</a:t>
+              <a:t>2022/2/10</a:t>
             </a:fld>
             <a:endParaRPr kumimoji="1" lang="ja-JP" altLang="en-US"/>
           </a:p>
@@ -8019,7 +8019,7 @@
           <a:p>
             <a:fld id="{4A6B28F3-BB62-4EA0-99DF-EF5932BC4FCF}" type="datetimeFigureOut">
               <a:rPr kumimoji="1" lang="ja-JP" altLang="en-US" smtClean="0"/>
-              <a:t>2022/2/7</a:t>
+              <a:t>2022/2/10</a:t>
             </a:fld>
             <a:endParaRPr kumimoji="1" lang="ja-JP" altLang="en-US"/>
           </a:p>
@@ -8374,7 +8374,7 @@
           <a:p>
             <a:fld id="{4A6B28F3-BB62-4EA0-99DF-EF5932BC4FCF}" type="datetimeFigureOut">
               <a:rPr kumimoji="1" lang="ja-JP" altLang="en-US" smtClean="0"/>
-              <a:t>2022/2/7</a:t>
+              <a:t>2022/2/10</a:t>
             </a:fld>
             <a:endParaRPr kumimoji="1" lang="ja-JP" altLang="en-US"/>
           </a:p>
@@ -8674,7 +8674,7 @@
           <a:p>
             <a:fld id="{4A6B28F3-BB62-4EA0-99DF-EF5932BC4FCF}" type="datetimeFigureOut">
               <a:rPr kumimoji="1" lang="ja-JP" altLang="en-US" smtClean="0"/>
-              <a:t>2022/2/7</a:t>
+              <a:t>2022/2/10</a:t>
             </a:fld>
             <a:endParaRPr kumimoji="1" lang="ja-JP" altLang="en-US"/>
           </a:p>
@@ -8980,7 +8980,7 @@
           <a:p>
             <a:fld id="{4A6B28F3-BB62-4EA0-99DF-EF5932BC4FCF}" type="datetimeFigureOut">
               <a:rPr kumimoji="1" lang="ja-JP" altLang="en-US" smtClean="0"/>
-              <a:t>2022/2/7</a:t>
+              <a:t>2022/2/10</a:t>
             </a:fld>
             <a:endParaRPr kumimoji="1" lang="ja-JP" altLang="en-US"/>
           </a:p>
@@ -9591,6 +9591,372 @@
           <p:cNvPr id="2" name="タイトル 1">
             <a:extLst>
               <a:ext uri="{FF2B5EF4-FFF2-40B4-BE49-F238E27FC236}">
+                <a16:creationId xmlns:a16="http://schemas.microsoft.com/office/drawing/2014/main" id="{025C00AC-50C2-4AEE-B119-C8EF0488D58A}"/>
+              </a:ext>
+            </a:extLst>
+          </p:cNvPr>
+          <p:cNvSpPr>
+            <a:spLocks noGrp="1"/>
+          </p:cNvSpPr>
+          <p:nvPr>
+            <p:ph type="title"/>
+          </p:nvPr>
+        </p:nvSpPr>
+        <p:spPr>
+          <a:xfrm>
+            <a:off x="838201" y="365125"/>
+            <a:ext cx="7391400" cy="1325563"/>
+          </a:xfrm>
+        </p:spPr>
+        <p:txBody>
+          <a:bodyPr>
+            <a:normAutofit/>
+          </a:bodyPr>
+          <a:lstStyle/>
+          <a:p>
+            <a:r>
+              <a:rPr kumimoji="1" lang="ja-JP" altLang="en-US" sz="3200" b="1" dirty="0"/>
+              <a:t>アプリの使い方</a:t>
+            </a:r>
+            <a:r>
+              <a:rPr kumimoji="1" lang="en-US" altLang="ja-JP" sz="3200" b="1" dirty="0"/>
+              <a:t>(</a:t>
+            </a:r>
+            <a:r>
+              <a:rPr kumimoji="1" lang="ja-JP" altLang="en-US" sz="3200" b="1" dirty="0"/>
+              <a:t>デモンストレーション</a:t>
+            </a:r>
+            <a:r>
+              <a:rPr kumimoji="1" lang="en-US" altLang="ja-JP" sz="3200" dirty="0"/>
+              <a:t>)</a:t>
+            </a:r>
+            <a:endParaRPr kumimoji="1" lang="ja-JP" altLang="en-US" sz="3200" dirty="0"/>
+          </a:p>
+        </p:txBody>
+      </p:sp>
+      <p:sp>
+        <p:nvSpPr>
+          <p:cNvPr id="3" name="テキスト ボックス 2">
+            <a:extLst>
+              <a:ext uri="{FF2B5EF4-FFF2-40B4-BE49-F238E27FC236}">
+                <a16:creationId xmlns:a16="http://schemas.microsoft.com/office/drawing/2014/main" id="{5A11D7B1-58DD-4CF5-A1C5-3743A5F603E7}"/>
+              </a:ext>
+            </a:extLst>
+          </p:cNvPr>
+          <p:cNvSpPr txBox="1"/>
+          <p:nvPr/>
+        </p:nvSpPr>
+        <p:spPr>
+          <a:xfrm>
+            <a:off x="1001729" y="1752851"/>
+            <a:ext cx="7723911" cy="646331"/>
+          </a:xfrm>
+          <a:prstGeom prst="rect">
+            <a:avLst/>
+          </a:prstGeom>
+          <a:noFill/>
+        </p:spPr>
+        <p:txBody>
+          <a:bodyPr wrap="square" rtlCol="0">
+            <a:spAutoFit/>
+          </a:bodyPr>
+          <a:lstStyle/>
+          <a:p>
+            <a:r>
+              <a:rPr lang="en-US" altLang="ja-JP" sz="3600" b="1" dirty="0">
+                <a:hlinkClick r:id="rId3">
+                  <a:extLst>
+                    <a:ext uri="{A12FA001-AC4F-418D-AE19-62706E023703}">
+                      <ahyp:hlinkClr xmlns:ahyp="http://schemas.microsoft.com/office/drawing/2018/hyperlinkcolor" val="tx"/>
+                    </a:ext>
+                  </a:extLst>
+                </a:hlinkClick>
+              </a:rPr>
+              <a:t>http://172.16.220.145/</a:t>
+            </a:r>
+            <a:endParaRPr lang="en-US" altLang="ja-JP" sz="3600" b="1" dirty="0"/>
+          </a:p>
+        </p:txBody>
+      </p:sp>
+      <p:sp>
+        <p:nvSpPr>
+          <p:cNvPr id="5" name="テキスト ボックス 4">
+            <a:extLst>
+              <a:ext uri="{FF2B5EF4-FFF2-40B4-BE49-F238E27FC236}">
+                <a16:creationId xmlns:a16="http://schemas.microsoft.com/office/drawing/2014/main" id="{4BE0FAFE-D088-40D5-95FA-AD210674E3BC}"/>
+              </a:ext>
+            </a:extLst>
+          </p:cNvPr>
+          <p:cNvSpPr txBox="1"/>
+          <p:nvPr/>
+        </p:nvSpPr>
+        <p:spPr>
+          <a:xfrm>
+            <a:off x="6513534" y="3734431"/>
+            <a:ext cx="4992915" cy="954107"/>
+          </a:xfrm>
+          <a:prstGeom prst="rect">
+            <a:avLst/>
+          </a:prstGeom>
+          <a:noFill/>
+        </p:spPr>
+        <p:txBody>
+          <a:bodyPr wrap="square" rtlCol="0">
+            <a:spAutoFit/>
+          </a:bodyPr>
+          <a:lstStyle/>
+          <a:p>
+            <a:r>
+              <a:rPr lang="ja-JP" altLang="en-US" sz="2800" dirty="0"/>
+              <a:t>音楽を</a:t>
+            </a:r>
+            <a:r>
+              <a:rPr kumimoji="1" lang="ja-JP" altLang="en-US" sz="2800" dirty="0"/>
+              <a:t>作成できたら</a:t>
+            </a:r>
+            <a:endParaRPr kumimoji="1" lang="en-US" altLang="ja-JP" sz="2800" dirty="0"/>
+          </a:p>
+          <a:p>
+            <a:r>
+              <a:rPr lang="ja-JP" altLang="en-US" sz="2800" dirty="0">
+                <a:solidFill>
+                  <a:srgbClr val="FF0000"/>
+                </a:solidFill>
+              </a:rPr>
+              <a:t>送信ボタン</a:t>
+            </a:r>
+            <a:r>
+              <a:rPr lang="ja-JP" altLang="en-US" sz="2800" dirty="0"/>
+              <a:t>を押してください</a:t>
+            </a:r>
+            <a:endParaRPr kumimoji="1" lang="ja-JP" altLang="en-US" sz="2800" dirty="0"/>
+          </a:p>
+        </p:txBody>
+      </p:sp>
+      <p:sp>
+        <p:nvSpPr>
+          <p:cNvPr id="6" name="テキスト ボックス 5">
+            <a:extLst>
+              <a:ext uri="{FF2B5EF4-FFF2-40B4-BE49-F238E27FC236}">
+                <a16:creationId xmlns:a16="http://schemas.microsoft.com/office/drawing/2014/main" id="{1EED7E17-895F-498A-AB79-2986A9065572}"/>
+              </a:ext>
+            </a:extLst>
+          </p:cNvPr>
+          <p:cNvSpPr txBox="1"/>
+          <p:nvPr/>
+        </p:nvSpPr>
+        <p:spPr>
+          <a:xfrm>
+            <a:off x="6456219" y="4967740"/>
+            <a:ext cx="3546764" cy="400110"/>
+          </a:xfrm>
+          <a:prstGeom prst="rect">
+            <a:avLst/>
+          </a:prstGeom>
+          <a:noFill/>
+        </p:spPr>
+        <p:txBody>
+          <a:bodyPr wrap="square" rtlCol="0">
+            <a:spAutoFit/>
+          </a:bodyPr>
+          <a:lstStyle/>
+          <a:p>
+            <a:r>
+              <a:rPr kumimoji="1" lang="ja-JP" altLang="en-US" sz="2000" dirty="0">
+                <a:solidFill>
+                  <a:srgbClr val="FF0000"/>
+                </a:solidFill>
+                <a:highlight>
+                  <a:srgbClr val="FFFF00"/>
+                </a:highlight>
+              </a:rPr>
+              <a:t>生成に約一分掛かります</a:t>
+            </a:r>
+            <a:r>
+              <a:rPr lang="ja-JP" altLang="en-US" sz="2000" dirty="0">
+                <a:solidFill>
+                  <a:srgbClr val="FF0000"/>
+                </a:solidFill>
+                <a:highlight>
+                  <a:srgbClr val="FFFF00"/>
+                </a:highlight>
+              </a:rPr>
+              <a:t>。</a:t>
+            </a:r>
+            <a:endParaRPr kumimoji="1" lang="ja-JP" altLang="en-US" sz="2000" dirty="0">
+              <a:solidFill>
+                <a:srgbClr val="FF0000"/>
+              </a:solidFill>
+              <a:highlight>
+                <a:srgbClr val="FFFF00"/>
+              </a:highlight>
+            </a:endParaRPr>
+          </a:p>
+        </p:txBody>
+      </p:sp>
+      <p:sp>
+        <p:nvSpPr>
+          <p:cNvPr id="7" name="正方形/長方形 6">
+            <a:extLst>
+              <a:ext uri="{FF2B5EF4-FFF2-40B4-BE49-F238E27FC236}">
+                <a16:creationId xmlns:a16="http://schemas.microsoft.com/office/drawing/2014/main" id="{FBA0EE7E-F114-45C1-AC10-7408CA7D971A}"/>
+              </a:ext>
+            </a:extLst>
+          </p:cNvPr>
+          <p:cNvSpPr/>
+          <p:nvPr/>
+        </p:nvSpPr>
+        <p:spPr>
+          <a:xfrm>
+            <a:off x="8229601" y="0"/>
+            <a:ext cx="3962400" cy="1967345"/>
+          </a:xfrm>
+          <a:prstGeom prst="rect">
+            <a:avLst/>
+          </a:prstGeom>
+          <a:solidFill>
+            <a:schemeClr val="bg2">
+              <a:lumMod val="50000"/>
+            </a:schemeClr>
+          </a:solidFill>
+          <a:ln>
+            <a:solidFill>
+              <a:schemeClr val="tx1"/>
+            </a:solidFill>
+          </a:ln>
+        </p:spPr>
+        <p:style>
+          <a:lnRef idx="2">
+            <a:schemeClr val="accent1">
+              <a:shade val="50000"/>
+            </a:schemeClr>
+          </a:lnRef>
+          <a:fillRef idx="1">
+            <a:schemeClr val="accent1"/>
+          </a:fillRef>
+          <a:effectRef idx="0">
+            <a:schemeClr val="accent1"/>
+          </a:effectRef>
+          <a:fontRef idx="minor">
+            <a:schemeClr val="lt1"/>
+          </a:fontRef>
+        </p:style>
+        <p:txBody>
+          <a:bodyPr rtlCol="0" anchor="ctr"/>
+          <a:lstStyle/>
+          <a:p>
+            <a:pPr algn="ctr"/>
+            <a:endParaRPr kumimoji="1" lang="ja-JP" altLang="en-US"/>
+          </a:p>
+        </p:txBody>
+      </p:sp>
+      <p:sp>
+        <p:nvSpPr>
+          <p:cNvPr id="8" name="正方形/長方形 7">
+            <a:extLst>
+              <a:ext uri="{FF2B5EF4-FFF2-40B4-BE49-F238E27FC236}">
+                <a16:creationId xmlns:a16="http://schemas.microsoft.com/office/drawing/2014/main" id="{1BEE24F6-7641-4BFD-B136-01A2ED1D96E9}"/>
+              </a:ext>
+            </a:extLst>
+          </p:cNvPr>
+          <p:cNvSpPr/>
+          <p:nvPr/>
+        </p:nvSpPr>
+        <p:spPr>
+          <a:xfrm>
+            <a:off x="505690" y="3605890"/>
+            <a:ext cx="5590310" cy="2723700"/>
+          </a:xfrm>
+          <a:prstGeom prst="rect">
+            <a:avLst/>
+          </a:prstGeom>
+          <a:solidFill>
+            <a:schemeClr val="accent2">
+              <a:lumMod val="75000"/>
+            </a:schemeClr>
+          </a:solidFill>
+          <a:ln>
+            <a:solidFill>
+              <a:schemeClr val="tx1"/>
+            </a:solidFill>
+          </a:ln>
+        </p:spPr>
+        <p:style>
+          <a:lnRef idx="2">
+            <a:schemeClr val="accent1">
+              <a:shade val="50000"/>
+            </a:schemeClr>
+          </a:lnRef>
+          <a:fillRef idx="1">
+            <a:schemeClr val="accent1"/>
+          </a:fillRef>
+          <a:effectRef idx="0">
+            <a:schemeClr val="accent1"/>
+          </a:effectRef>
+          <a:fontRef idx="minor">
+            <a:schemeClr val="lt1"/>
+          </a:fontRef>
+        </p:style>
+        <p:txBody>
+          <a:bodyPr rtlCol="0" anchor="ctr"/>
+          <a:lstStyle/>
+          <a:p>
+            <a:pPr algn="ctr"/>
+            <a:r>
+              <a:rPr lang="ja-JP" altLang="en-US" dirty="0"/>
+              <a:t>デモンストレーションの動画</a:t>
+            </a:r>
+            <a:endParaRPr kumimoji="1" lang="ja-JP" altLang="en-US" dirty="0"/>
+          </a:p>
+        </p:txBody>
+      </p:sp>
+    </p:spTree>
+    <p:extLst>
+      <p:ext uri="{BB962C8B-B14F-4D97-AF65-F5344CB8AC3E}">
+        <p14:creationId xmlns:p14="http://schemas.microsoft.com/office/powerpoint/2010/main" val="3562155098"/>
+      </p:ext>
+    </p:extLst>
+  </p:cSld>
+  <p:clrMapOvr>
+    <a:masterClrMapping/>
+  </p:clrMapOvr>
+  <mc:AlternateContent xmlns:mc="http://schemas.openxmlformats.org/markup-compatibility/2006" xmlns:p14="http://schemas.microsoft.com/office/powerpoint/2010/main">
+    <mc:Choice Requires="p14">
+      <p:transition spd="slow" p14:dur="800">
+        <p:circle/>
+      </p:transition>
+    </mc:Choice>
+    <mc:Fallback xmlns="">
+      <p:transition spd="slow">
+        <p:circle/>
+      </p:transition>
+    </mc:Fallback>
+  </mc:AlternateContent>
+</p:sld>
+</file>
+
+<file path=ppt/slides/slide11.xml><?xml version="1.0" encoding="utf-8"?>
+<p:sld xmlns:a="http://schemas.openxmlformats.org/drawingml/2006/main" xmlns:r="http://schemas.openxmlformats.org/officeDocument/2006/relationships" xmlns:p="http://schemas.openxmlformats.org/presentationml/2006/main">
+  <p:cSld>
+    <p:spTree>
+      <p:nvGrpSpPr>
+        <p:cNvPr id="1" name=""/>
+        <p:cNvGrpSpPr/>
+        <p:nvPr/>
+      </p:nvGrpSpPr>
+      <p:grpSpPr>
+        <a:xfrm>
+          <a:off x="0" y="0"/>
+          <a:ext cx="0" cy="0"/>
+          <a:chOff x="0" y="0"/>
+          <a:chExt cx="0" cy="0"/>
+        </a:xfrm>
+      </p:grpSpPr>
+      <p:sp>
+        <p:nvSpPr>
+          <p:cNvPr id="2" name="タイトル 1">
+            <a:extLst>
+              <a:ext uri="{FF2B5EF4-FFF2-40B4-BE49-F238E27FC236}">
                 <a16:creationId xmlns:a16="http://schemas.microsoft.com/office/drawing/2014/main" id="{A28B3ECD-CB6B-4871-9177-75053AF22875}"/>
               </a:ext>
             </a:extLst>
@@ -9842,7 +10208,7 @@
 </p:sld>
 </file>
 
-<file path=ppt/slides/slide11.xml><?xml version="1.0" encoding="utf-8"?>
+<file path=ppt/slides/slide12.xml><?xml version="1.0" encoding="utf-8"?>
 <p:sld xmlns:a="http://schemas.openxmlformats.org/drawingml/2006/main" xmlns:r="http://schemas.openxmlformats.org/officeDocument/2006/relationships" xmlns:p="http://schemas.openxmlformats.org/presentationml/2006/main">
   <p:cSld>
     <p:spTree>
@@ -10095,7 +10461,7 @@
 </p:sld>
 </file>
 
-<file path=ppt/slides/slide12.xml><?xml version="1.0" encoding="utf-8"?>
+<file path=ppt/slides/slide13.xml><?xml version="1.0" encoding="utf-8"?>
 <p:sld xmlns:a="http://schemas.openxmlformats.org/drawingml/2006/main" xmlns:r="http://schemas.openxmlformats.org/officeDocument/2006/relationships" xmlns:p="http://schemas.openxmlformats.org/presentationml/2006/main">
   <p:cSld>
     <p:spTree>
@@ -10361,7 +10727,7 @@
 </p:sld>
 </file>
 
-<file path=ppt/slides/slide13.xml><?xml version="1.0" encoding="utf-8"?>
+<file path=ppt/slides/slide14.xml><?xml version="1.0" encoding="utf-8"?>
 <p:sld xmlns:a="http://schemas.openxmlformats.org/drawingml/2006/main" xmlns:r="http://schemas.openxmlformats.org/officeDocument/2006/relationships" xmlns:p="http://schemas.openxmlformats.org/presentationml/2006/main">
   <p:cSld>
     <p:spTree>
@@ -10448,7 +10814,7 @@
 </p:sld>
 </file>
 
-<file path=ppt/slides/slide14.xml><?xml version="1.0" encoding="utf-8"?>
+<file path=ppt/slides/slide15.xml><?xml version="1.0" encoding="utf-8"?>
 <p:sld xmlns:a="http://schemas.openxmlformats.org/drawingml/2006/main" xmlns:r="http://schemas.openxmlformats.org/officeDocument/2006/relationships" xmlns:p="http://schemas.openxmlformats.org/presentationml/2006/main">
   <p:cSld>
     <p:spTree>
@@ -10878,7 +11244,7 @@
 </p:sld>
 </file>
 
-<file path=ppt/slides/slide15.xml><?xml version="1.0" encoding="utf-8"?>
+<file path=ppt/slides/slide16.xml><?xml version="1.0" encoding="utf-8"?>
 <p:sld xmlns:a="http://schemas.openxmlformats.org/drawingml/2006/main" xmlns:r="http://schemas.openxmlformats.org/officeDocument/2006/relationships" xmlns:p="http://schemas.openxmlformats.org/presentationml/2006/main">
   <p:cSld>
     <p:spTree>
@@ -11204,7 +11570,7 @@
 </p:sld>
 </file>
 
-<file path=ppt/slides/slide16.xml><?xml version="1.0" encoding="utf-8"?>
+<file path=ppt/slides/slide17.xml><?xml version="1.0" encoding="utf-8"?>
 <p:sld xmlns:a="http://schemas.openxmlformats.org/drawingml/2006/main" xmlns:r="http://schemas.openxmlformats.org/officeDocument/2006/relationships" xmlns:p="http://schemas.openxmlformats.org/presentationml/2006/main">
   <p:cSld>
     <p:spTree>
@@ -11547,193 +11913,6 @@
     <p:extLst>
       <p:ext uri="{BB962C8B-B14F-4D97-AF65-F5344CB8AC3E}">
         <p14:creationId xmlns:p14="http://schemas.microsoft.com/office/powerpoint/2010/main" val="4157861654"/>
-      </p:ext>
-    </p:extLst>
-  </p:cSld>
-  <p:clrMapOvr>
-    <a:masterClrMapping/>
-  </p:clrMapOvr>
-  <mc:AlternateContent xmlns:mc="http://schemas.openxmlformats.org/markup-compatibility/2006" xmlns:p14="http://schemas.microsoft.com/office/powerpoint/2010/main">
-    <mc:Choice Requires="p14">
-      <p:transition spd="slow" p14:dur="800">
-        <p:circle/>
-      </p:transition>
-    </mc:Choice>
-    <mc:Fallback xmlns="">
-      <p:transition spd="slow">
-        <p:circle/>
-      </p:transition>
-    </mc:Fallback>
-  </mc:AlternateContent>
-</p:sld>
-</file>
-
-<file path=ppt/slides/slide17.xml><?xml version="1.0" encoding="utf-8"?>
-<p:sld xmlns:a="http://schemas.openxmlformats.org/drawingml/2006/main" xmlns:r="http://schemas.openxmlformats.org/officeDocument/2006/relationships" xmlns:p="http://schemas.openxmlformats.org/presentationml/2006/main">
-  <p:cSld>
-    <p:spTree>
-      <p:nvGrpSpPr>
-        <p:cNvPr id="1" name=""/>
-        <p:cNvGrpSpPr/>
-        <p:nvPr/>
-      </p:nvGrpSpPr>
-      <p:grpSpPr>
-        <a:xfrm>
-          <a:off x="0" y="0"/>
-          <a:ext cx="0" cy="0"/>
-          <a:chOff x="0" y="0"/>
-          <a:chExt cx="0" cy="0"/>
-        </a:xfrm>
-      </p:grpSpPr>
-      <p:sp>
-        <p:nvSpPr>
-          <p:cNvPr id="2" name="タイトル 1">
-            <a:extLst>
-              <a:ext uri="{FF2B5EF4-FFF2-40B4-BE49-F238E27FC236}">
-                <a16:creationId xmlns:a16="http://schemas.microsoft.com/office/drawing/2014/main" id="{839B07C4-E9DF-4F67-BD06-F0441A00A426}"/>
-              </a:ext>
-            </a:extLst>
-          </p:cNvPr>
-          <p:cNvSpPr>
-            <a:spLocks noGrp="1"/>
-          </p:cNvSpPr>
-          <p:nvPr>
-            <p:ph type="ctrTitle"/>
-          </p:nvPr>
-        </p:nvSpPr>
-        <p:spPr>
-          <a:xfrm>
-            <a:off x="560615" y="527050"/>
-            <a:ext cx="8256814" cy="1303337"/>
-          </a:xfrm>
-        </p:spPr>
-        <p:txBody>
-          <a:bodyPr>
-            <a:normAutofit/>
-          </a:bodyPr>
-          <a:lstStyle/>
-          <a:p>
-            <a:pPr algn="l"/>
-            <a:r>
-              <a:rPr lang="en-US" altLang="ja-JP" sz="6600" b="1" dirty="0"/>
-              <a:t>b</a:t>
-            </a:r>
-            <a:r>
-              <a:rPr kumimoji="1" lang="en-US" altLang="ja-JP" sz="6600" b="1" dirty="0"/>
-              <a:t>it composer</a:t>
-            </a:r>
-            <a:r>
-              <a:rPr kumimoji="1" lang="ja-JP" altLang="en-US" sz="6600" b="1" dirty="0"/>
-              <a:t>の機能</a:t>
-            </a:r>
-          </a:p>
-        </p:txBody>
-      </p:sp>
-      <p:sp>
-        <p:nvSpPr>
-          <p:cNvPr id="3" name="字幕 2">
-            <a:extLst>
-              <a:ext uri="{FF2B5EF4-FFF2-40B4-BE49-F238E27FC236}">
-                <a16:creationId xmlns:a16="http://schemas.microsoft.com/office/drawing/2014/main" id="{9CA4ABDA-9BC8-4D55-A847-B4791DFA0080}"/>
-              </a:ext>
-            </a:extLst>
-          </p:cNvPr>
-          <p:cNvSpPr>
-            <a:spLocks noGrp="1"/>
-          </p:cNvSpPr>
-          <p:nvPr>
-            <p:ph type="subTitle" idx="1"/>
-          </p:nvPr>
-        </p:nvSpPr>
-        <p:spPr>
-          <a:xfrm>
-            <a:off x="400595" y="2357483"/>
-            <a:ext cx="11631385" cy="4052207"/>
-          </a:xfrm>
-        </p:spPr>
-        <p:txBody>
-          <a:bodyPr>
-            <a:normAutofit/>
-          </a:bodyPr>
-          <a:lstStyle/>
-          <a:p>
-            <a:pPr algn="l"/>
-            <a:r>
-              <a:rPr kumimoji="1" lang="ja-JP" altLang="en-US" sz="5400" dirty="0"/>
-              <a:t>・</a:t>
-            </a:r>
-            <a:r>
-              <a:rPr lang="ja-JP" altLang="en-US" sz="4800" dirty="0"/>
-              <a:t>サイト</a:t>
-            </a:r>
-            <a:r>
-              <a:rPr kumimoji="1" lang="ja-JP" altLang="en-US" sz="4800" dirty="0"/>
-              <a:t>から入力したメロディの続きをゲーム風にアレンジして作曲します。</a:t>
-            </a:r>
-            <a:endParaRPr kumimoji="1" lang="en-US" altLang="ja-JP" sz="4800" dirty="0"/>
-          </a:p>
-        </p:txBody>
-      </p:sp>
-      <p:sp>
-        <p:nvSpPr>
-          <p:cNvPr id="4" name="正方形/長方形 3">
-            <a:extLst>
-              <a:ext uri="{FF2B5EF4-FFF2-40B4-BE49-F238E27FC236}">
-                <a16:creationId xmlns:a16="http://schemas.microsoft.com/office/drawing/2014/main" id="{67F5EE5A-F1DB-4AAF-B3AD-14EB82B540EB}"/>
-              </a:ext>
-            </a:extLst>
-          </p:cNvPr>
-          <p:cNvSpPr/>
-          <p:nvPr/>
-        </p:nvSpPr>
-        <p:spPr>
-          <a:xfrm>
-            <a:off x="8268101" y="0"/>
-            <a:ext cx="3923899" cy="1967345"/>
-          </a:xfrm>
-          <a:prstGeom prst="rect">
-            <a:avLst/>
-          </a:prstGeom>
-          <a:solidFill>
-            <a:schemeClr val="bg2">
-              <a:lumMod val="50000"/>
-            </a:schemeClr>
-          </a:solidFill>
-          <a:ln>
-            <a:solidFill>
-              <a:schemeClr val="tx1"/>
-            </a:solidFill>
-          </a:ln>
-        </p:spPr>
-        <p:style>
-          <a:lnRef idx="2">
-            <a:schemeClr val="accent1">
-              <a:shade val="50000"/>
-            </a:schemeClr>
-          </a:lnRef>
-          <a:fillRef idx="1">
-            <a:schemeClr val="accent1"/>
-          </a:fillRef>
-          <a:effectRef idx="0">
-            <a:schemeClr val="accent1"/>
-          </a:effectRef>
-          <a:fontRef idx="minor">
-            <a:schemeClr val="lt1"/>
-          </a:fontRef>
-        </p:style>
-        <p:txBody>
-          <a:bodyPr rtlCol="0" anchor="ctr"/>
-          <a:lstStyle/>
-          <a:p>
-            <a:pPr algn="ctr"/>
-            <a:endParaRPr kumimoji="1" lang="ja-JP" altLang="en-US"/>
-          </a:p>
-        </p:txBody>
-      </p:sp>
-    </p:spTree>
-    <p:extLst>
-      <p:ext uri="{BB962C8B-B14F-4D97-AF65-F5344CB8AC3E}">
-        <p14:creationId xmlns:p14="http://schemas.microsoft.com/office/powerpoint/2010/main" val="3859487932"/>
       </p:ext>
     </p:extLst>
   </p:cSld>
@@ -11818,7 +11997,7 @@
         <p:spPr>
           <a:xfrm>
             <a:off x="733136" y="1462089"/>
-            <a:ext cx="6917344" cy="5262979"/>
+            <a:ext cx="6917344" cy="5693866"/>
           </a:xfrm>
           <a:prstGeom prst="rect">
             <a:avLst/>
@@ -11836,12 +12015,8 @@
               <a:buAutoNum type="circleNumDbPlain"/>
             </a:pPr>
             <a:r>
-              <a:rPr lang="en-US" altLang="ja-JP" sz="2800" dirty="0"/>
-              <a:t>bit composer</a:t>
-            </a:r>
-            <a:r>
               <a:rPr lang="ja-JP" altLang="en-US" sz="2800" dirty="0"/>
-              <a:t>とは</a:t>
+              <a:t>題名</a:t>
             </a:r>
             <a:endParaRPr lang="en-US" altLang="ja-JP" sz="2800" dirty="0"/>
           </a:p>
@@ -11867,7 +12042,7 @@
             </a:r>
             <a:r>
               <a:rPr lang="ja-JP" altLang="en-US" sz="2800" dirty="0"/>
-              <a:t>の機能</a:t>
+              <a:t>とは</a:t>
             </a:r>
             <a:endParaRPr lang="en-US" altLang="ja-JP" sz="2800" dirty="0"/>
           </a:p>
@@ -11877,12 +12052,12 @@
               <a:buAutoNum type="circleNumDbPlain"/>
             </a:pPr>
             <a:r>
-              <a:rPr kumimoji="1" lang="en-US" altLang="ja-JP" sz="2800" dirty="0"/>
-              <a:t>WEBGUI</a:t>
-            </a:r>
-            <a:r>
-              <a:rPr kumimoji="1" lang="ja-JP" altLang="en-US" sz="2800" dirty="0"/>
-              <a:t>の振る舞い</a:t>
+              <a:rPr lang="en-US" altLang="ja-JP" sz="2800" dirty="0"/>
+              <a:t>bit composer</a:t>
+            </a:r>
+            <a:r>
+              <a:rPr lang="ja-JP" altLang="en-US" sz="2800" dirty="0"/>
+              <a:t>の機能</a:t>
             </a:r>
             <a:endParaRPr lang="en-US" altLang="ja-JP" sz="2800" dirty="0"/>
           </a:p>
@@ -11892,8 +12067,16 @@
               <a:buAutoNum type="circleNumDbPlain"/>
             </a:pPr>
             <a:r>
+              <a:rPr kumimoji="1" lang="en-US" altLang="ja-JP" sz="2800" dirty="0"/>
+              <a:t>WEBGUI</a:t>
+            </a:r>
+            <a:r>
+              <a:rPr kumimoji="1" lang="ja-JP" altLang="en-US" sz="2800" dirty="0"/>
+              <a:t>の</a:t>
+            </a:r>
+            <a:r>
               <a:rPr lang="ja-JP" altLang="en-US" sz="2800" dirty="0"/>
-              <a:t>システムの構成</a:t>
+              <a:t>操作</a:t>
             </a:r>
             <a:endParaRPr lang="en-US" altLang="ja-JP" sz="2800" dirty="0"/>
           </a:p>
@@ -11904,7 +12087,7 @@
             </a:pPr>
             <a:r>
               <a:rPr lang="ja-JP" altLang="en-US" sz="2800" dirty="0"/>
-              <a:t>自動作曲①</a:t>
+              <a:t>システムの構成</a:t>
             </a:r>
             <a:endParaRPr lang="en-US" altLang="ja-JP" sz="2800" dirty="0"/>
           </a:p>
@@ -11914,8 +12097,8 @@
               <a:buAutoNum type="circleNumDbPlain"/>
             </a:pPr>
             <a:r>
-              <a:rPr lang="ja-JP" altLang="en-US" sz="2800" dirty="0"/>
-              <a:t>自動作曲の方法②</a:t>
+              <a:rPr lang="ja-JP" altLang="en-US" sz="2800"/>
+              <a:t>自動作曲の方法①</a:t>
             </a:r>
             <a:endParaRPr lang="en-US" altLang="ja-JP" sz="2800" dirty="0"/>
           </a:p>
@@ -11925,12 +12108,8 @@
               <a:buAutoNum type="circleNumDbPlain"/>
             </a:pPr>
             <a:r>
-              <a:rPr lang="en-US" altLang="ja-JP" sz="2800" dirty="0"/>
-              <a:t>WEBGUI</a:t>
-            </a:r>
-            <a:r>
               <a:rPr lang="ja-JP" altLang="en-US" sz="2800" dirty="0"/>
-              <a:t>の仕組み</a:t>
+              <a:t>自動作曲の方法②</a:t>
             </a:r>
             <a:endParaRPr lang="en-US" altLang="ja-JP" sz="2800" dirty="0"/>
           </a:p>
@@ -11940,8 +12119,23 @@
               <a:buAutoNum type="circleNumDbPlain"/>
             </a:pPr>
             <a:r>
+              <a:rPr lang="en-US" altLang="ja-JP" sz="2800" dirty="0"/>
+              <a:t>WEBGUI</a:t>
+            </a:r>
+            <a:r>
               <a:rPr lang="ja-JP" altLang="en-US" sz="2800" dirty="0"/>
-              <a:t>デモンストレーション</a:t>
+              <a:t>の仕組み</a:t>
+            </a:r>
+            <a:endParaRPr lang="en-US" altLang="ja-JP" sz="2800" dirty="0"/>
+          </a:p>
+          <a:p>
+            <a:pPr marL="342900" indent="-342900">
+              <a:buFont typeface="+mj-ea"/>
+              <a:buAutoNum type="circleNumDbPlain"/>
+            </a:pPr>
+            <a:r>
+              <a:rPr lang="ja-JP" altLang="en-US" sz="2800" dirty="0"/>
+              <a:t>アプリの使い方</a:t>
             </a:r>
             <a:endParaRPr lang="en-US" altLang="ja-JP" sz="2800" dirty="0"/>
           </a:p>
@@ -12182,6 +12376,21 @@
               </a:rPr>
               <a:t>bit composer</a:t>
             </a:r>
+            <a:r>
+              <a:rPr kumimoji="1" lang="ja-JP" altLang="ja-JP" sz="6000" b="1" kern="1200" dirty="0">
+                <a:solidFill>
+                  <a:schemeClr val="tx1">
+                    <a:lumMod val="65000"/>
+                    <a:lumOff val="35000"/>
+                  </a:schemeClr>
+                </a:solidFill>
+                <a:effectLst/>
+                <a:latin typeface="Trebuchet MS" panose="020B0603020202020204" pitchFamily="34" charset="0"/>
+                <a:ea typeface="游ゴシック" panose="020B0400000000000000" pitchFamily="50" charset="-128"/>
+                <a:cs typeface="+mn-cs"/>
+              </a:rPr>
+              <a:t>とは</a:t>
+            </a:r>
             <a:endParaRPr kumimoji="1" lang="ja-JP" altLang="en-US" b="1" dirty="0">
               <a:solidFill>
                 <a:schemeClr val="tx1">
@@ -12276,6 +12485,193 @@
 </file>
 
 <file path=ppt/slides/slide4.xml><?xml version="1.0" encoding="utf-8"?>
+<p:sld xmlns:a="http://schemas.openxmlformats.org/drawingml/2006/main" xmlns:r="http://schemas.openxmlformats.org/officeDocument/2006/relationships" xmlns:p="http://schemas.openxmlformats.org/presentationml/2006/main">
+  <p:cSld>
+    <p:spTree>
+      <p:nvGrpSpPr>
+        <p:cNvPr id="1" name=""/>
+        <p:cNvGrpSpPr/>
+        <p:nvPr/>
+      </p:nvGrpSpPr>
+      <p:grpSpPr>
+        <a:xfrm>
+          <a:off x="0" y="0"/>
+          <a:ext cx="0" cy="0"/>
+          <a:chOff x="0" y="0"/>
+          <a:chExt cx="0" cy="0"/>
+        </a:xfrm>
+      </p:grpSpPr>
+      <p:sp>
+        <p:nvSpPr>
+          <p:cNvPr id="2" name="タイトル 1">
+            <a:extLst>
+              <a:ext uri="{FF2B5EF4-FFF2-40B4-BE49-F238E27FC236}">
+                <a16:creationId xmlns:a16="http://schemas.microsoft.com/office/drawing/2014/main" id="{839B07C4-E9DF-4F67-BD06-F0441A00A426}"/>
+              </a:ext>
+            </a:extLst>
+          </p:cNvPr>
+          <p:cNvSpPr>
+            <a:spLocks noGrp="1"/>
+          </p:cNvSpPr>
+          <p:nvPr>
+            <p:ph type="ctrTitle"/>
+          </p:nvPr>
+        </p:nvSpPr>
+        <p:spPr>
+          <a:xfrm>
+            <a:off x="560615" y="527050"/>
+            <a:ext cx="8256814" cy="1303337"/>
+          </a:xfrm>
+        </p:spPr>
+        <p:txBody>
+          <a:bodyPr>
+            <a:normAutofit/>
+          </a:bodyPr>
+          <a:lstStyle/>
+          <a:p>
+            <a:pPr algn="l"/>
+            <a:r>
+              <a:rPr lang="en-US" altLang="ja-JP" sz="6600" b="1" dirty="0"/>
+              <a:t>b</a:t>
+            </a:r>
+            <a:r>
+              <a:rPr kumimoji="1" lang="en-US" altLang="ja-JP" sz="6600" b="1" dirty="0"/>
+              <a:t>it composer</a:t>
+            </a:r>
+            <a:r>
+              <a:rPr kumimoji="1" lang="ja-JP" altLang="en-US" sz="6600" b="1" dirty="0"/>
+              <a:t>の機能</a:t>
+            </a:r>
+          </a:p>
+        </p:txBody>
+      </p:sp>
+      <p:sp>
+        <p:nvSpPr>
+          <p:cNvPr id="3" name="字幕 2">
+            <a:extLst>
+              <a:ext uri="{FF2B5EF4-FFF2-40B4-BE49-F238E27FC236}">
+                <a16:creationId xmlns:a16="http://schemas.microsoft.com/office/drawing/2014/main" id="{9CA4ABDA-9BC8-4D55-A847-B4791DFA0080}"/>
+              </a:ext>
+            </a:extLst>
+          </p:cNvPr>
+          <p:cNvSpPr>
+            <a:spLocks noGrp="1"/>
+          </p:cNvSpPr>
+          <p:nvPr>
+            <p:ph type="subTitle" idx="1"/>
+          </p:nvPr>
+        </p:nvSpPr>
+        <p:spPr>
+          <a:xfrm>
+            <a:off x="400595" y="2357483"/>
+            <a:ext cx="11631385" cy="4052207"/>
+          </a:xfrm>
+        </p:spPr>
+        <p:txBody>
+          <a:bodyPr>
+            <a:normAutofit/>
+          </a:bodyPr>
+          <a:lstStyle/>
+          <a:p>
+            <a:pPr algn="l"/>
+            <a:r>
+              <a:rPr kumimoji="1" lang="ja-JP" altLang="en-US" sz="5400" dirty="0"/>
+              <a:t>・</a:t>
+            </a:r>
+            <a:r>
+              <a:rPr lang="ja-JP" altLang="en-US" sz="4800" dirty="0"/>
+              <a:t>サイト</a:t>
+            </a:r>
+            <a:r>
+              <a:rPr kumimoji="1" lang="ja-JP" altLang="en-US" sz="4800" dirty="0"/>
+              <a:t>から入力したメロディの続きをゲーム風にアレンジして作曲します。</a:t>
+            </a:r>
+            <a:endParaRPr kumimoji="1" lang="en-US" altLang="ja-JP" sz="4800" dirty="0"/>
+          </a:p>
+        </p:txBody>
+      </p:sp>
+      <p:sp>
+        <p:nvSpPr>
+          <p:cNvPr id="4" name="正方形/長方形 3">
+            <a:extLst>
+              <a:ext uri="{FF2B5EF4-FFF2-40B4-BE49-F238E27FC236}">
+                <a16:creationId xmlns:a16="http://schemas.microsoft.com/office/drawing/2014/main" id="{67F5EE5A-F1DB-4AAF-B3AD-14EB82B540EB}"/>
+              </a:ext>
+            </a:extLst>
+          </p:cNvPr>
+          <p:cNvSpPr/>
+          <p:nvPr/>
+        </p:nvSpPr>
+        <p:spPr>
+          <a:xfrm>
+            <a:off x="8268101" y="0"/>
+            <a:ext cx="3923899" cy="1967345"/>
+          </a:xfrm>
+          <a:prstGeom prst="rect">
+            <a:avLst/>
+          </a:prstGeom>
+          <a:solidFill>
+            <a:schemeClr val="bg2">
+              <a:lumMod val="50000"/>
+            </a:schemeClr>
+          </a:solidFill>
+          <a:ln>
+            <a:solidFill>
+              <a:schemeClr val="tx1"/>
+            </a:solidFill>
+          </a:ln>
+        </p:spPr>
+        <p:style>
+          <a:lnRef idx="2">
+            <a:schemeClr val="accent1">
+              <a:shade val="50000"/>
+            </a:schemeClr>
+          </a:lnRef>
+          <a:fillRef idx="1">
+            <a:schemeClr val="accent1"/>
+          </a:fillRef>
+          <a:effectRef idx="0">
+            <a:schemeClr val="accent1"/>
+          </a:effectRef>
+          <a:fontRef idx="minor">
+            <a:schemeClr val="lt1"/>
+          </a:fontRef>
+        </p:style>
+        <p:txBody>
+          <a:bodyPr rtlCol="0" anchor="ctr"/>
+          <a:lstStyle/>
+          <a:p>
+            <a:pPr algn="ctr"/>
+            <a:endParaRPr kumimoji="1" lang="ja-JP" altLang="en-US"/>
+          </a:p>
+        </p:txBody>
+      </p:sp>
+    </p:spTree>
+    <p:extLst>
+      <p:ext uri="{BB962C8B-B14F-4D97-AF65-F5344CB8AC3E}">
+        <p14:creationId xmlns:p14="http://schemas.microsoft.com/office/powerpoint/2010/main" val="3859487932"/>
+      </p:ext>
+    </p:extLst>
+  </p:cSld>
+  <p:clrMapOvr>
+    <a:masterClrMapping/>
+  </p:clrMapOvr>
+  <mc:AlternateContent xmlns:mc="http://schemas.openxmlformats.org/markup-compatibility/2006" xmlns:p14="http://schemas.microsoft.com/office/powerpoint/2010/main">
+    <mc:Choice Requires="p14">
+      <p:transition spd="slow" p14:dur="800">
+        <p:circle/>
+      </p:transition>
+    </mc:Choice>
+    <mc:Fallback xmlns="">
+      <p:transition spd="slow">
+        <p:circle/>
+      </p:transition>
+    </mc:Fallback>
+  </mc:AlternateContent>
+</p:sld>
+</file>
+
+<file path=ppt/slides/slide5.xml><?xml version="1.0" encoding="utf-8"?>
 <p:sld xmlns:a="http://schemas.openxmlformats.org/drawingml/2006/main" xmlns:r="http://schemas.openxmlformats.org/officeDocument/2006/relationships" xmlns:p="http://schemas.openxmlformats.org/presentationml/2006/main">
   <p:cSld>
     <p:spTree>
@@ -12745,241 +13141,6 @@
     <p:extLst>
       <p:ext uri="{BB962C8B-B14F-4D97-AF65-F5344CB8AC3E}">
         <p14:creationId xmlns:p14="http://schemas.microsoft.com/office/powerpoint/2010/main" val="2566175641"/>
-      </p:ext>
-    </p:extLst>
-  </p:cSld>
-  <p:clrMapOvr>
-    <a:masterClrMapping/>
-  </p:clrMapOvr>
-  <mc:AlternateContent xmlns:mc="http://schemas.openxmlformats.org/markup-compatibility/2006" xmlns:p14="http://schemas.microsoft.com/office/powerpoint/2010/main">
-    <mc:Choice Requires="p14">
-      <p:transition spd="slow" p14:dur="800">
-        <p:circle/>
-      </p:transition>
-    </mc:Choice>
-    <mc:Fallback xmlns="">
-      <p:transition spd="slow">
-        <p:circle/>
-      </p:transition>
-    </mc:Fallback>
-  </mc:AlternateContent>
-</p:sld>
-</file>
-
-<file path=ppt/slides/slide5.xml><?xml version="1.0" encoding="utf-8"?>
-<p:sld xmlns:a="http://schemas.openxmlformats.org/drawingml/2006/main" xmlns:r="http://schemas.openxmlformats.org/officeDocument/2006/relationships" xmlns:p="http://schemas.openxmlformats.org/presentationml/2006/main">
-  <p:cSld>
-    <p:spTree>
-      <p:nvGrpSpPr>
-        <p:cNvPr id="1" name=""/>
-        <p:cNvGrpSpPr/>
-        <p:nvPr/>
-      </p:nvGrpSpPr>
-      <p:grpSpPr>
-        <a:xfrm>
-          <a:off x="0" y="0"/>
-          <a:ext cx="0" cy="0"/>
-          <a:chOff x="0" y="0"/>
-          <a:chExt cx="0" cy="0"/>
-        </a:xfrm>
-      </p:grpSpPr>
-      <p:sp>
-        <p:nvSpPr>
-          <p:cNvPr id="2" name="タイトル 1">
-            <a:extLst>
-              <a:ext uri="{FF2B5EF4-FFF2-40B4-BE49-F238E27FC236}">
-                <a16:creationId xmlns:a16="http://schemas.microsoft.com/office/drawing/2014/main" id="{07239086-0EF7-4A7E-80FC-A3197BFF5F4A}"/>
-              </a:ext>
-            </a:extLst>
-          </p:cNvPr>
-          <p:cNvSpPr>
-            <a:spLocks noGrp="1"/>
-          </p:cNvSpPr>
-          <p:nvPr>
-            <p:ph type="title"/>
-          </p:nvPr>
-        </p:nvSpPr>
-        <p:spPr/>
-        <p:txBody>
-          <a:bodyPr/>
-          <a:lstStyle/>
-          <a:p>
-            <a:r>
-              <a:rPr lang="en-US" altLang="ja-JP" dirty="0"/>
-              <a:t>WEBGUI</a:t>
-            </a:r>
-            <a:r>
-              <a:rPr lang="ja-JP" altLang="en-US" dirty="0"/>
-              <a:t>の仕組み</a:t>
-            </a:r>
-            <a:endParaRPr kumimoji="1" lang="ja-JP" altLang="en-US" dirty="0"/>
-          </a:p>
-        </p:txBody>
-      </p:sp>
-      <p:sp>
-        <p:nvSpPr>
-          <p:cNvPr id="3" name="コンテンツ プレースホルダー 2">
-            <a:extLst>
-              <a:ext uri="{FF2B5EF4-FFF2-40B4-BE49-F238E27FC236}">
-                <a16:creationId xmlns:a16="http://schemas.microsoft.com/office/drawing/2014/main" id="{006610B6-6291-43C4-A94F-98F87E484DCC}"/>
-              </a:ext>
-            </a:extLst>
-          </p:cNvPr>
-          <p:cNvSpPr>
-            <a:spLocks noGrp="1"/>
-          </p:cNvSpPr>
-          <p:nvPr>
-            <p:ph sz="half" idx="1"/>
-          </p:nvPr>
-        </p:nvSpPr>
-        <p:spPr>
-          <a:xfrm>
-            <a:off x="643890" y="1990205"/>
-            <a:ext cx="5181600" cy="4351338"/>
-          </a:xfrm>
-        </p:spPr>
-        <p:txBody>
-          <a:bodyPr/>
-          <a:lstStyle/>
-          <a:p>
-            <a:pPr marL="0" indent="0">
-              <a:buNone/>
-            </a:pPr>
-            <a:r>
-              <a:rPr kumimoji="1" lang="ja-JP" altLang="en-US" dirty="0"/>
-              <a:t>鍵盤を引く動作は</a:t>
-            </a:r>
-            <a:r>
-              <a:rPr lang="ja-JP" altLang="en-US" dirty="0"/>
-              <a:t>イベント処理で音と鍵盤の押下した時の色を変えています。</a:t>
-            </a:r>
-            <a:endParaRPr lang="en-US" altLang="ja-JP" dirty="0"/>
-          </a:p>
-          <a:p>
-            <a:pPr marL="0" indent="0">
-              <a:buNone/>
-            </a:pPr>
-            <a:r>
-              <a:rPr kumimoji="1" lang="ja-JP" altLang="en-US" dirty="0"/>
-              <a:t>また</a:t>
-            </a:r>
-            <a:endParaRPr kumimoji="1" lang="en-US" altLang="ja-JP" dirty="0"/>
-          </a:p>
-          <a:p>
-            <a:pPr marL="0" indent="0">
-              <a:buNone/>
-            </a:pPr>
-            <a:r>
-              <a:rPr lang="ja-JP" altLang="en-US" dirty="0"/>
-              <a:t>楽譜表示は</a:t>
-            </a:r>
-            <a:r>
-              <a:rPr lang="en-US" altLang="ja-JP" dirty="0"/>
-              <a:t>abc.js</a:t>
-            </a:r>
-            <a:r>
-              <a:rPr lang="ja-JP" altLang="en-US" dirty="0"/>
-              <a:t>の機能を使用しています。</a:t>
-            </a:r>
-            <a:endParaRPr kumimoji="1" lang="en-US" altLang="ja-JP" dirty="0"/>
-          </a:p>
-        </p:txBody>
-      </p:sp>
-      <p:pic>
-        <p:nvPicPr>
-          <p:cNvPr id="9" name="コンテンツ プレースホルダー 8">
-            <a:extLst>
-              <a:ext uri="{FF2B5EF4-FFF2-40B4-BE49-F238E27FC236}">
-                <a16:creationId xmlns:a16="http://schemas.microsoft.com/office/drawing/2014/main" id="{D7FE7CF4-D112-403F-8B47-971424D24640}"/>
-              </a:ext>
-            </a:extLst>
-          </p:cNvPr>
-          <p:cNvPicPr>
-            <a:picLocks noGrp="1" noChangeAspect="1"/>
-          </p:cNvPicPr>
-          <p:nvPr>
-            <p:ph sz="half" idx="2"/>
-          </p:nvPr>
-        </p:nvPicPr>
-        <p:blipFill>
-          <a:blip r:embed="rId2">
-            <a:extLst>
-              <a:ext uri="{28A0092B-C50C-407E-A947-70E740481C1C}">
-                <a14:useLocalDpi xmlns:a14="http://schemas.microsoft.com/office/drawing/2010/main" val="0"/>
-              </a:ext>
-            </a:extLst>
-          </a:blip>
-          <a:stretch>
-            <a:fillRect/>
-          </a:stretch>
-        </p:blipFill>
-        <p:spPr>
-          <a:xfrm>
-            <a:off x="6336975" y="1990205"/>
-            <a:ext cx="4616523" cy="4663021"/>
-          </a:xfrm>
-        </p:spPr>
-      </p:pic>
-      <p:sp>
-        <p:nvSpPr>
-          <p:cNvPr id="10" name="正方形/長方形 9">
-            <a:extLst>
-              <a:ext uri="{FF2B5EF4-FFF2-40B4-BE49-F238E27FC236}">
-                <a16:creationId xmlns:a16="http://schemas.microsoft.com/office/drawing/2014/main" id="{CBCCDE59-0CB2-42DD-82C5-0F9D949D409F}"/>
-              </a:ext>
-            </a:extLst>
-          </p:cNvPr>
-          <p:cNvSpPr/>
-          <p:nvPr/>
-        </p:nvSpPr>
-        <p:spPr>
-          <a:xfrm>
-            <a:off x="8287352" y="0"/>
-            <a:ext cx="3904649" cy="1967345"/>
-          </a:xfrm>
-          <a:prstGeom prst="rect">
-            <a:avLst/>
-          </a:prstGeom>
-          <a:solidFill>
-            <a:schemeClr val="bg2">
-              <a:lumMod val="50000"/>
-            </a:schemeClr>
-          </a:solidFill>
-          <a:ln>
-            <a:solidFill>
-              <a:schemeClr val="tx1"/>
-            </a:solidFill>
-          </a:ln>
-        </p:spPr>
-        <p:style>
-          <a:lnRef idx="2">
-            <a:schemeClr val="accent1">
-              <a:shade val="50000"/>
-            </a:schemeClr>
-          </a:lnRef>
-          <a:fillRef idx="1">
-            <a:schemeClr val="accent1"/>
-          </a:fillRef>
-          <a:effectRef idx="0">
-            <a:schemeClr val="accent1"/>
-          </a:effectRef>
-          <a:fontRef idx="minor">
-            <a:schemeClr val="lt1"/>
-          </a:fontRef>
-        </p:style>
-        <p:txBody>
-          <a:bodyPr rtlCol="0" anchor="ctr"/>
-          <a:lstStyle/>
-          <a:p>
-            <a:pPr algn="ctr"/>
-            <a:endParaRPr kumimoji="1" lang="ja-JP" altLang="en-US"/>
-          </a:p>
-        </p:txBody>
-      </p:sp>
-    </p:spTree>
-    <p:extLst>
-      <p:ext uri="{BB962C8B-B14F-4D97-AF65-F5344CB8AC3E}">
-        <p14:creationId xmlns:p14="http://schemas.microsoft.com/office/powerpoint/2010/main" val="1842221593"/>
       </p:ext>
     </p:extLst>
   </p:cSld>
@@ -13738,7 +13899,7 @@
         </p:nvSpPr>
         <p:spPr>
           <a:xfrm>
-            <a:off x="6426669" y="3560852"/>
+            <a:off x="6426153" y="3635113"/>
             <a:ext cx="827628" cy="867768"/>
           </a:xfrm>
           <a:prstGeom prst="upArrow">
@@ -13785,7 +13946,7 @@
         <p:spPr>
           <a:xfrm>
             <a:off x="7718513" y="2503436"/>
-            <a:ext cx="2508760" cy="1387149"/>
+            <a:ext cx="2115562" cy="1387149"/>
           </a:xfrm>
           <a:prstGeom prst="wedgeRectCallout">
             <a:avLst>
@@ -13827,7 +13988,7 @@
                   <a:schemeClr val="bg1"/>
                 </a:solidFill>
               </a:rPr>
-              <a:t>入力した音データから</a:t>
+              <a:t>自動作曲した曲</a:t>
             </a:r>
             <a:endParaRPr lang="en-US" altLang="ja-JP" dirty="0">
               <a:solidFill>
@@ -13838,13 +13999,18 @@
           <a:p>
             <a:pPr algn="ctr"/>
             <a:r>
-              <a:rPr kumimoji="1" lang="ja-JP" altLang="en-US" dirty="0">
+              <a:rPr lang="ja-JP" altLang="en-US" dirty="0">
                 <a:solidFill>
                   <a:schemeClr val="bg1"/>
                 </a:solidFill>
               </a:rPr>
-              <a:t>自動作曲</a:t>
-            </a:r>
+              <a:t>が返ってくる</a:t>
+            </a:r>
+            <a:endParaRPr kumimoji="1" lang="ja-JP" altLang="en-US" dirty="0">
+              <a:solidFill>
+                <a:schemeClr val="bg1"/>
+              </a:solidFill>
+            </a:endParaRPr>
           </a:p>
         </p:txBody>
       </p:sp>
@@ -16818,7 +16984,7 @@
           <p:cNvPr id="2" name="タイトル 1">
             <a:extLst>
               <a:ext uri="{FF2B5EF4-FFF2-40B4-BE49-F238E27FC236}">
-                <a16:creationId xmlns:a16="http://schemas.microsoft.com/office/drawing/2014/main" id="{025C00AC-50C2-4AEE-B119-C8EF0488D58A}"/>
+                <a16:creationId xmlns:a16="http://schemas.microsoft.com/office/drawing/2014/main" id="{07239086-0EF7-4A7E-80FC-A3197BFF5F4A}"/>
               </a:ext>
             </a:extLst>
           </p:cNvPr>
@@ -16829,204 +16995,133 @@
             <p:ph type="title"/>
           </p:nvPr>
         </p:nvSpPr>
-        <p:spPr>
-          <a:xfrm>
-            <a:off x="838201" y="365125"/>
-            <a:ext cx="7391400" cy="1325563"/>
-          </a:xfrm>
-        </p:spPr>
+        <p:spPr/>
         <p:txBody>
-          <a:bodyPr>
-            <a:normAutofit/>
-          </a:bodyPr>
+          <a:bodyPr/>
           <a:lstStyle/>
           <a:p>
             <a:r>
-              <a:rPr kumimoji="1" lang="ja-JP" altLang="en-US" sz="3200" b="1" dirty="0"/>
-              <a:t>アプリの使い方</a:t>
-            </a:r>
-            <a:r>
-              <a:rPr kumimoji="1" lang="en-US" altLang="ja-JP" sz="3200" b="1" dirty="0"/>
-              <a:t>(</a:t>
-            </a:r>
-            <a:r>
-              <a:rPr kumimoji="1" lang="ja-JP" altLang="en-US" sz="3200" b="1" dirty="0"/>
-              <a:t>デモンストレーション</a:t>
-            </a:r>
-            <a:r>
-              <a:rPr kumimoji="1" lang="en-US" altLang="ja-JP" sz="3200" dirty="0"/>
-              <a:t>)</a:t>
-            </a:r>
-            <a:endParaRPr kumimoji="1" lang="ja-JP" altLang="en-US" sz="3200" dirty="0"/>
+              <a:rPr lang="en-US" altLang="ja-JP" dirty="0"/>
+              <a:t>WEBGUI</a:t>
+            </a:r>
+            <a:r>
+              <a:rPr lang="ja-JP" altLang="en-US" dirty="0"/>
+              <a:t>の仕組み</a:t>
+            </a:r>
+            <a:endParaRPr kumimoji="1" lang="ja-JP" altLang="en-US" dirty="0"/>
           </a:p>
         </p:txBody>
       </p:sp>
       <p:sp>
         <p:nvSpPr>
-          <p:cNvPr id="3" name="テキスト ボックス 2">
+          <p:cNvPr id="3" name="コンテンツ プレースホルダー 2">
             <a:extLst>
               <a:ext uri="{FF2B5EF4-FFF2-40B4-BE49-F238E27FC236}">
-                <a16:creationId xmlns:a16="http://schemas.microsoft.com/office/drawing/2014/main" id="{5A11D7B1-58DD-4CF5-A1C5-3743A5F603E7}"/>
+                <a16:creationId xmlns:a16="http://schemas.microsoft.com/office/drawing/2014/main" id="{006610B6-6291-43C4-A94F-98F87E484DCC}"/>
               </a:ext>
             </a:extLst>
           </p:cNvPr>
-          <p:cNvSpPr txBox="1"/>
-          <p:nvPr/>
+          <p:cNvSpPr>
+            <a:spLocks noGrp="1"/>
+          </p:cNvSpPr>
+          <p:nvPr>
+            <p:ph sz="half" idx="1"/>
+          </p:nvPr>
         </p:nvSpPr>
         <p:spPr>
           <a:xfrm>
-            <a:off x="1001729" y="1752851"/>
-            <a:ext cx="7723911" cy="646331"/>
+            <a:off x="643890" y="1990205"/>
+            <a:ext cx="5181600" cy="4351338"/>
           </a:xfrm>
-          <a:prstGeom prst="rect">
-            <a:avLst/>
-          </a:prstGeom>
-          <a:noFill/>
         </p:spPr>
         <p:txBody>
-          <a:bodyPr wrap="square" rtlCol="0">
-            <a:spAutoFit/>
-          </a:bodyPr>
+          <a:bodyPr/>
           <a:lstStyle/>
           <a:p>
-            <a:r>
-              <a:rPr lang="en-US" altLang="ja-JP" sz="3600" b="1" dirty="0">
-                <a:hlinkClick r:id="rId3">
-                  <a:extLst>
-                    <a:ext uri="{A12FA001-AC4F-418D-AE19-62706E023703}">
-                      <ahyp:hlinkClr xmlns:ahyp="http://schemas.microsoft.com/office/drawing/2018/hyperlinkcolor" val="tx"/>
-                    </a:ext>
-                  </a:extLst>
-                </a:hlinkClick>
-              </a:rPr>
-              <a:t>http://172.16.220.145/</a:t>
-            </a:r>
-            <a:endParaRPr lang="en-US" altLang="ja-JP" sz="3600" b="1" dirty="0"/>
+            <a:pPr marL="0" indent="0">
+              <a:buNone/>
+            </a:pPr>
+            <a:r>
+              <a:rPr kumimoji="1" lang="ja-JP" altLang="en-US" dirty="0"/>
+              <a:t>鍵盤を引く動作は</a:t>
+            </a:r>
+            <a:r>
+              <a:rPr lang="ja-JP" altLang="en-US" dirty="0"/>
+              <a:t>イベント処理で音と鍵盤の押下した時の色を変えています。</a:t>
+            </a:r>
+            <a:endParaRPr lang="en-US" altLang="ja-JP" dirty="0"/>
+          </a:p>
+          <a:p>
+            <a:pPr marL="0" indent="0">
+              <a:buNone/>
+            </a:pPr>
+            <a:r>
+              <a:rPr kumimoji="1" lang="ja-JP" altLang="en-US" dirty="0"/>
+              <a:t>また</a:t>
+            </a:r>
+            <a:endParaRPr kumimoji="1" lang="en-US" altLang="ja-JP" dirty="0"/>
+          </a:p>
+          <a:p>
+            <a:pPr marL="0" indent="0">
+              <a:buNone/>
+            </a:pPr>
+            <a:r>
+              <a:rPr lang="ja-JP" altLang="en-US" dirty="0"/>
+              <a:t>楽譜表示は</a:t>
+            </a:r>
+            <a:r>
+              <a:rPr lang="en-US" altLang="ja-JP" dirty="0"/>
+              <a:t>abc.js</a:t>
+            </a:r>
+            <a:r>
+              <a:rPr lang="ja-JP" altLang="en-US" dirty="0"/>
+              <a:t>の機能を使用しています。</a:t>
+            </a:r>
+            <a:endParaRPr kumimoji="1" lang="en-US" altLang="ja-JP" dirty="0"/>
           </a:p>
         </p:txBody>
       </p:sp>
-      <p:sp>
-        <p:nvSpPr>
-          <p:cNvPr id="5" name="テキスト ボックス 4">
+      <p:pic>
+        <p:nvPicPr>
+          <p:cNvPr id="9" name="コンテンツ プレースホルダー 8">
             <a:extLst>
               <a:ext uri="{FF2B5EF4-FFF2-40B4-BE49-F238E27FC236}">
-                <a16:creationId xmlns:a16="http://schemas.microsoft.com/office/drawing/2014/main" id="{4BE0FAFE-D088-40D5-95FA-AD210674E3BC}"/>
+                <a16:creationId xmlns:a16="http://schemas.microsoft.com/office/drawing/2014/main" id="{D7FE7CF4-D112-403F-8B47-971424D24640}"/>
               </a:ext>
             </a:extLst>
           </p:cNvPr>
-          <p:cNvSpPr txBox="1"/>
-          <p:nvPr/>
-        </p:nvSpPr>
+          <p:cNvPicPr>
+            <a:picLocks noGrp="1" noChangeAspect="1"/>
+          </p:cNvPicPr>
+          <p:nvPr>
+            <p:ph sz="half" idx="2"/>
+          </p:nvPr>
+        </p:nvPicPr>
+        <p:blipFill>
+          <a:blip r:embed="rId2">
+            <a:extLst>
+              <a:ext uri="{28A0092B-C50C-407E-A947-70E740481C1C}">
+                <a14:useLocalDpi xmlns:a14="http://schemas.microsoft.com/office/drawing/2010/main" val="0"/>
+              </a:ext>
+            </a:extLst>
+          </a:blip>
+          <a:stretch>
+            <a:fillRect/>
+          </a:stretch>
+        </p:blipFill>
         <p:spPr>
           <a:xfrm>
-            <a:off x="6513534" y="3734431"/>
-            <a:ext cx="4992915" cy="954107"/>
+            <a:off x="6336975" y="1990205"/>
+            <a:ext cx="4616523" cy="4663021"/>
           </a:xfrm>
-          <a:prstGeom prst="rect">
-            <a:avLst/>
-          </a:prstGeom>
-          <a:noFill/>
         </p:spPr>
-        <p:txBody>
-          <a:bodyPr wrap="square" rtlCol="0">
-            <a:spAutoFit/>
-          </a:bodyPr>
-          <a:lstStyle/>
-          <a:p>
-            <a:r>
-              <a:rPr lang="ja-JP" altLang="en-US" sz="2800" dirty="0"/>
-              <a:t>音楽を</a:t>
-            </a:r>
-            <a:r>
-              <a:rPr kumimoji="1" lang="ja-JP" altLang="en-US" sz="2800" dirty="0"/>
-              <a:t>作成できたら</a:t>
-            </a:r>
-            <a:endParaRPr kumimoji="1" lang="en-US" altLang="ja-JP" sz="2800" dirty="0"/>
-          </a:p>
-          <a:p>
-            <a:r>
-              <a:rPr lang="ja-JP" altLang="en-US" sz="2800" dirty="0">
-                <a:solidFill>
-                  <a:srgbClr val="FF0000"/>
-                </a:solidFill>
-              </a:rPr>
-              <a:t>送信ボタン</a:t>
-            </a:r>
-            <a:r>
-              <a:rPr lang="ja-JP" altLang="en-US" sz="2800" dirty="0"/>
-              <a:t>を押してください</a:t>
-            </a:r>
-            <a:endParaRPr kumimoji="1" lang="ja-JP" altLang="en-US" sz="2800" dirty="0"/>
-          </a:p>
-        </p:txBody>
-      </p:sp>
+      </p:pic>
       <p:sp>
         <p:nvSpPr>
-          <p:cNvPr id="6" name="テキスト ボックス 5">
+          <p:cNvPr id="10" name="正方形/長方形 9">
             <a:extLst>
               <a:ext uri="{FF2B5EF4-FFF2-40B4-BE49-F238E27FC236}">
-                <a16:creationId xmlns:a16="http://schemas.microsoft.com/office/drawing/2014/main" id="{1EED7E17-895F-498A-AB79-2986A9065572}"/>
-              </a:ext>
-            </a:extLst>
-          </p:cNvPr>
-          <p:cNvSpPr txBox="1"/>
-          <p:nvPr/>
-        </p:nvSpPr>
-        <p:spPr>
-          <a:xfrm>
-            <a:off x="6456219" y="4967740"/>
-            <a:ext cx="3546764" cy="400110"/>
-          </a:xfrm>
-          <a:prstGeom prst="rect">
-            <a:avLst/>
-          </a:prstGeom>
-          <a:noFill/>
-        </p:spPr>
-        <p:txBody>
-          <a:bodyPr wrap="square" rtlCol="0">
-            <a:spAutoFit/>
-          </a:bodyPr>
-          <a:lstStyle/>
-          <a:p>
-            <a:r>
-              <a:rPr kumimoji="1" lang="ja-JP" altLang="en-US" sz="2000" dirty="0">
-                <a:solidFill>
-                  <a:srgbClr val="FF0000"/>
-                </a:solidFill>
-                <a:highlight>
-                  <a:srgbClr val="FFFF00"/>
-                </a:highlight>
-              </a:rPr>
-              <a:t>生成に約一分掛かります</a:t>
-            </a:r>
-            <a:r>
-              <a:rPr lang="ja-JP" altLang="en-US" sz="2000" dirty="0">
-                <a:solidFill>
-                  <a:srgbClr val="FF0000"/>
-                </a:solidFill>
-                <a:highlight>
-                  <a:srgbClr val="FFFF00"/>
-                </a:highlight>
-              </a:rPr>
-              <a:t>。</a:t>
-            </a:r>
-            <a:endParaRPr kumimoji="1" lang="ja-JP" altLang="en-US" sz="2000" dirty="0">
-              <a:solidFill>
-                <a:srgbClr val="FF0000"/>
-              </a:solidFill>
-              <a:highlight>
-                <a:srgbClr val="FFFF00"/>
-              </a:highlight>
-            </a:endParaRPr>
-          </a:p>
-        </p:txBody>
-      </p:sp>
-      <p:sp>
-        <p:nvSpPr>
-          <p:cNvPr id="7" name="正方形/長方形 6">
-            <a:extLst>
-              <a:ext uri="{FF2B5EF4-FFF2-40B4-BE49-F238E27FC236}">
-                <a16:creationId xmlns:a16="http://schemas.microsoft.com/office/drawing/2014/main" id="{FBA0EE7E-F114-45C1-AC10-7408CA7D971A}"/>
+                <a16:creationId xmlns:a16="http://schemas.microsoft.com/office/drawing/2014/main" id="{CBCCDE59-0CB2-42DD-82C5-0F9D949D409F}"/>
               </a:ext>
             </a:extLst>
           </p:cNvPr>
@@ -17035,8 +17130,8 @@
         </p:nvSpPr>
         <p:spPr>
           <a:xfrm>
-            <a:off x="8229601" y="0"/>
-            <a:ext cx="3962400" cy="1967345"/>
+            <a:off x="8287352" y="0"/>
+            <a:ext cx="3904649" cy="1967345"/>
           </a:xfrm>
           <a:prstGeom prst="rect">
             <a:avLst/>
@@ -17077,70 +17172,10 @@
           </a:p>
         </p:txBody>
       </p:sp>
-      <p:sp>
-        <p:nvSpPr>
-          <p:cNvPr id="8" name="正方形/長方形 7">
-            <a:extLst>
-              <a:ext uri="{FF2B5EF4-FFF2-40B4-BE49-F238E27FC236}">
-                <a16:creationId xmlns:a16="http://schemas.microsoft.com/office/drawing/2014/main" id="{1BEE24F6-7641-4BFD-B136-01A2ED1D96E9}"/>
-              </a:ext>
-            </a:extLst>
-          </p:cNvPr>
-          <p:cNvSpPr/>
-          <p:nvPr/>
-        </p:nvSpPr>
-        <p:spPr>
-          <a:xfrm>
-            <a:off x="505690" y="3605890"/>
-            <a:ext cx="5590310" cy="2723700"/>
-          </a:xfrm>
-          <a:prstGeom prst="rect">
-            <a:avLst/>
-          </a:prstGeom>
-          <a:solidFill>
-            <a:schemeClr val="accent2">
-              <a:lumMod val="75000"/>
-            </a:schemeClr>
-          </a:solidFill>
-          <a:ln>
-            <a:solidFill>
-              <a:schemeClr val="tx1"/>
-            </a:solidFill>
-          </a:ln>
-        </p:spPr>
-        <p:style>
-          <a:lnRef idx="2">
-            <a:schemeClr val="accent1">
-              <a:shade val="50000"/>
-            </a:schemeClr>
-          </a:lnRef>
-          <a:fillRef idx="1">
-            <a:schemeClr val="accent1"/>
-          </a:fillRef>
-          <a:effectRef idx="0">
-            <a:schemeClr val="accent1"/>
-          </a:effectRef>
-          <a:fontRef idx="minor">
-            <a:schemeClr val="lt1"/>
-          </a:fontRef>
-        </p:style>
-        <p:txBody>
-          <a:bodyPr rtlCol="0" anchor="ctr"/>
-          <a:lstStyle/>
-          <a:p>
-            <a:pPr algn="ctr"/>
-            <a:r>
-              <a:rPr lang="ja-JP" altLang="en-US" dirty="0"/>
-              <a:t>デモンストレーションの動画</a:t>
-            </a:r>
-            <a:endParaRPr kumimoji="1" lang="ja-JP" altLang="en-US" dirty="0"/>
-          </a:p>
-        </p:txBody>
-      </p:sp>
     </p:spTree>
     <p:extLst>
       <p:ext uri="{BB962C8B-B14F-4D97-AF65-F5344CB8AC3E}">
-        <p14:creationId xmlns:p14="http://schemas.microsoft.com/office/powerpoint/2010/main" val="3562155098"/>
+        <p14:creationId xmlns:p14="http://schemas.microsoft.com/office/powerpoint/2010/main" val="1842221593"/>
       </p:ext>
     </p:extLst>
   </p:cSld>

--- a/presentation/graduation/bit Composer3 .pptx
+++ b/presentation/graduation/bit Composer3 .pptx
@@ -5,26 +5,25 @@
     <p:sldMasterId id="2147483696" r:id="rId1"/>
   </p:sldMasterIdLst>
   <p:notesMasterIdLst>
-    <p:notesMasterId r:id="rId19"/>
+    <p:notesMasterId r:id="rId18"/>
   </p:notesMasterIdLst>
   <p:sldIdLst>
     <p:sldId id="259" r:id="rId2"/>
     <p:sldId id="307" r:id="rId3"/>
     <p:sldId id="260" r:id="rId4"/>
-    <p:sldId id="309" r:id="rId5"/>
+    <p:sldId id="276" r:id="rId5"/>
     <p:sldId id="310" r:id="rId6"/>
-    <p:sldId id="276" r:id="rId7"/>
-    <p:sldId id="283" r:id="rId8"/>
-    <p:sldId id="298" r:id="rId9"/>
-    <p:sldId id="311" r:id="rId10"/>
-    <p:sldId id="295" r:id="rId11"/>
-    <p:sldId id="296" r:id="rId12"/>
-    <p:sldId id="308" r:id="rId13"/>
-    <p:sldId id="306" r:id="rId14"/>
-    <p:sldId id="266" r:id="rId15"/>
-    <p:sldId id="302" r:id="rId16"/>
-    <p:sldId id="305" r:id="rId17"/>
-    <p:sldId id="303" r:id="rId18"/>
+    <p:sldId id="283" r:id="rId7"/>
+    <p:sldId id="298" r:id="rId8"/>
+    <p:sldId id="311" r:id="rId9"/>
+    <p:sldId id="295" r:id="rId10"/>
+    <p:sldId id="296" r:id="rId11"/>
+    <p:sldId id="308" r:id="rId12"/>
+    <p:sldId id="306" r:id="rId13"/>
+    <p:sldId id="266" r:id="rId14"/>
+    <p:sldId id="302" r:id="rId15"/>
+    <p:sldId id="305" r:id="rId16"/>
+    <p:sldId id="303" r:id="rId17"/>
   </p:sldIdLst>
   <p:sldSz cx="12192000" cy="6858000"/>
   <p:notesSz cx="6858000" cy="9144000"/>
@@ -4150,7 +4149,7 @@
           <a:p>
             <a:fld id="{CFE7C3F7-5C92-45C1-81B6-3020317CA2CB}" type="datetimeFigureOut">
               <a:rPr kumimoji="1" lang="ja-JP" altLang="en-US" smtClean="0"/>
-              <a:t>2022/2/10</a:t>
+              <a:t>2022/2/11</a:t>
             </a:fld>
             <a:endParaRPr kumimoji="1" lang="ja-JP" altLang="en-US"/>
           </a:p>
@@ -4638,80 +4637,10 @@
           <a:lstStyle/>
           <a:p>
             <a:r>
-              <a:rPr lang="ja-JP" altLang="en-US" sz="1200" dirty="0"/>
-              <a:t>・伴奏を加えてより音楽風に近づける。</a:t>
-            </a:r>
-            <a:endParaRPr lang="en-US" altLang="ja-JP" sz="1200" dirty="0"/>
-          </a:p>
-          <a:p>
-            <a:pPr marL="0" marR="0" lvl="0" indent="0" algn="l" defTabSz="914400" rtl="0" eaLnBrk="1" fontAlgn="auto" latinLnBrk="0" hangingPunct="1">
-              <a:lnSpc>
-                <a:spcPct val="100000"/>
-              </a:lnSpc>
-              <a:spcBef>
-                <a:spcPts val="0"/>
-              </a:spcBef>
-              <a:spcAft>
-                <a:spcPts val="0"/>
-              </a:spcAft>
-              <a:buClrTx/>
-              <a:buSzTx/>
-              <a:buFontTx/>
-              <a:buNone/>
-              <a:tabLst/>
-              <a:defRPr/>
-            </a:pPr>
-            <a:r>
-              <a:rPr lang="ja-JP" altLang="en-US" sz="1200" dirty="0"/>
-              <a:t>・</a:t>
-            </a:r>
-            <a:r>
-              <a:rPr lang="ja-JP" altLang="en-US" dirty="0"/>
-              <a:t>事前に用意した</a:t>
-            </a:r>
-            <a:r>
-              <a:rPr lang="en-US" altLang="ja-JP" dirty="0"/>
-              <a:t>MIDI</a:t>
-            </a:r>
-            <a:r>
-              <a:rPr lang="ja-JP" altLang="en-US" dirty="0"/>
-              <a:t>ファイルが読みこめない</a:t>
-            </a:r>
-            <a:r>
-              <a:rPr lang="en-US" altLang="ja-JP" dirty="0"/>
-              <a:t>(</a:t>
-            </a:r>
-            <a:r>
-              <a:rPr lang="ja-JP" altLang="en-US" dirty="0"/>
-              <a:t>ピアノ演奏のみでしか使えない</a:t>
-            </a:r>
-            <a:r>
-              <a:rPr lang="en-US" altLang="ja-JP" dirty="0"/>
-              <a:t>)</a:t>
-            </a:r>
-          </a:p>
-          <a:p>
-            <a:pPr marL="0" marR="0" lvl="0" indent="0" algn="l" defTabSz="914400" rtl="0" eaLnBrk="1" fontAlgn="auto" latinLnBrk="0" hangingPunct="1">
-              <a:lnSpc>
-                <a:spcPct val="100000"/>
-              </a:lnSpc>
-              <a:spcBef>
-                <a:spcPts val="0"/>
-              </a:spcBef>
-              <a:spcAft>
-                <a:spcPts val="0"/>
-              </a:spcAft>
-              <a:buClrTx/>
-              <a:buSzTx/>
-              <a:buFontTx/>
-              <a:buNone/>
-              <a:tabLst/>
-              <a:defRPr/>
-            </a:pPr>
-            <a:r>
-              <a:rPr kumimoji="1" lang="ja-JP" altLang="en-US" sz="1200" dirty="0"/>
-              <a:t>・</a:t>
-            </a:r>
+              <a:rPr lang="ja-JP" altLang="en-US" sz="1200" b="1" dirty="0"/>
+              <a:t>ご清聴ありがとうございました</a:t>
+            </a:r>
+            <a:endParaRPr kumimoji="1" lang="ja-JP" altLang="en-US" dirty="0"/>
           </a:p>
         </p:txBody>
       </p:sp>
@@ -4732,95 +4661,7 @@
           <a:p>
             <a:fld id="{FD808316-81CD-4B36-BDD1-D6460C124C29}" type="slidenum">
               <a:rPr kumimoji="1" lang="ja-JP" altLang="en-US" smtClean="0"/>
-              <a:t>11</a:t>
-            </a:fld>
-            <a:endParaRPr kumimoji="1" lang="ja-JP" altLang="en-US"/>
-          </a:p>
-        </p:txBody>
-      </p:sp>
-    </p:spTree>
-    <p:extLst>
-      <p:ext uri="{BB962C8B-B14F-4D97-AF65-F5344CB8AC3E}">
-        <p14:creationId xmlns:p14="http://schemas.microsoft.com/office/powerpoint/2010/main" val="203302926"/>
-      </p:ext>
-    </p:extLst>
-  </p:cSld>
-  <p:clrMapOvr>
-    <a:masterClrMapping/>
-  </p:clrMapOvr>
-</p:notes>
-</file>
-
-<file path=ppt/notesSlides/notesSlide11.xml><?xml version="1.0" encoding="utf-8"?>
-<p:notes xmlns:a="http://schemas.openxmlformats.org/drawingml/2006/main" xmlns:r="http://schemas.openxmlformats.org/officeDocument/2006/relationships" xmlns:p="http://schemas.openxmlformats.org/presentationml/2006/main">
-  <p:cSld>
-    <p:spTree>
-      <p:nvGrpSpPr>
-        <p:cNvPr id="1" name=""/>
-        <p:cNvGrpSpPr/>
-        <p:nvPr/>
-      </p:nvGrpSpPr>
-      <p:grpSpPr>
-        <a:xfrm>
-          <a:off x="0" y="0"/>
-          <a:ext cx="0" cy="0"/>
-          <a:chOff x="0" y="0"/>
-          <a:chExt cx="0" cy="0"/>
-        </a:xfrm>
-      </p:grpSpPr>
-      <p:sp>
-        <p:nvSpPr>
-          <p:cNvPr id="2" name="スライド イメージ プレースホルダー 1"/>
-          <p:cNvSpPr>
-            <a:spLocks noGrp="1" noRot="1" noChangeAspect="1"/>
-          </p:cNvSpPr>
-          <p:nvPr>
-            <p:ph type="sldImg"/>
-          </p:nvPr>
-        </p:nvSpPr>
-        <p:spPr/>
-      </p:sp>
-      <p:sp>
-        <p:nvSpPr>
-          <p:cNvPr id="3" name="ノート プレースホルダー 2"/>
-          <p:cNvSpPr>
-            <a:spLocks noGrp="1"/>
-          </p:cNvSpPr>
-          <p:nvPr>
-            <p:ph type="body" idx="1"/>
-          </p:nvPr>
-        </p:nvSpPr>
-        <p:spPr/>
-        <p:txBody>
-          <a:bodyPr/>
-          <a:lstStyle/>
-          <a:p>
-            <a:r>
-              <a:rPr lang="ja-JP" altLang="en-US" sz="1200" b="1" dirty="0"/>
-              <a:t>ご清聴ありがとうございました</a:t>
-            </a:r>
-            <a:endParaRPr kumimoji="1" lang="ja-JP" altLang="en-US" dirty="0"/>
-          </a:p>
-        </p:txBody>
-      </p:sp>
-      <p:sp>
-        <p:nvSpPr>
-          <p:cNvPr id="4" name="スライド番号プレースホルダー 3"/>
-          <p:cNvSpPr>
-            <a:spLocks noGrp="1"/>
-          </p:cNvSpPr>
-          <p:nvPr>
-            <p:ph type="sldNum" sz="quarter" idx="5"/>
-          </p:nvPr>
-        </p:nvSpPr>
-        <p:spPr/>
-        <p:txBody>
-          <a:bodyPr/>
-          <a:lstStyle/>
-          <a:p>
-            <a:fld id="{FD808316-81CD-4B36-BDD1-D6460C124C29}" type="slidenum">
-              <a:rPr kumimoji="1" lang="ja-JP" altLang="en-US" smtClean="0"/>
-              <a:t>14</a:t>
+              <a:t>13</a:t>
             </a:fld>
             <a:endParaRPr kumimoji="1" lang="ja-JP" altLang="en-US"/>
           </a:p>
@@ -5077,49 +4918,25 @@
           <a:lstStyle/>
           <a:p>
             <a:r>
-              <a:rPr lang="en-US" altLang="ja-JP" sz="1200" b="1" dirty="0"/>
-              <a:t>b</a:t>
-            </a:r>
-            <a:r>
-              <a:rPr kumimoji="1" lang="en-US" altLang="ja-JP" sz="1200" b="1" dirty="0"/>
-              <a:t>it composer</a:t>
-            </a:r>
-            <a:r>
-              <a:rPr kumimoji="1" lang="ja-JP" altLang="en-US" sz="1200" b="1" dirty="0"/>
-              <a:t>の機能</a:t>
-            </a:r>
-            <a:endParaRPr kumimoji="1" lang="en-US" altLang="ja-JP" sz="1200" b="1" dirty="0"/>
-          </a:p>
-          <a:p>
-            <a:pPr algn="l"/>
-            <a:r>
-              <a:rPr kumimoji="1" lang="ja-JP" altLang="en-US" sz="1200" dirty="0"/>
-              <a:t> 鍵盤から音楽データを</a:t>
-            </a:r>
-            <a:r>
-              <a:rPr kumimoji="1" lang="en-US" altLang="ja-JP" sz="1200" dirty="0"/>
-              <a:t>AI</a:t>
-            </a:r>
-            <a:r>
-              <a:rPr kumimoji="1" lang="ja-JP" altLang="en-US" sz="1200" dirty="0"/>
-              <a:t>のサーバに送信してオリジナルのゲーム音楽風の</a:t>
-            </a:r>
-            <a:r>
-              <a:rPr lang="ja-JP" altLang="en-US" sz="1200" dirty="0"/>
-              <a:t>曲を聴いたり</a:t>
-            </a:r>
-            <a:endParaRPr lang="en-US" altLang="ja-JP" sz="1200" dirty="0"/>
-          </a:p>
-          <a:p>
-            <a:pPr algn="l"/>
-            <a:r>
-              <a:rPr lang="ja-JP" altLang="en-US" sz="1200" dirty="0"/>
-              <a:t>・曲をダウンロードできる</a:t>
-            </a:r>
-            <a:endParaRPr kumimoji="1" lang="ja-JP" altLang="en-US" sz="1200" dirty="0"/>
-          </a:p>
-          <a:p>
-            <a:endParaRPr kumimoji="1" lang="ja-JP" altLang="en-US" dirty="0"/>
+              <a:rPr kumimoji="1" lang="en-US" altLang="ja-JP" dirty="0"/>
+              <a:t>Web</a:t>
+            </a:r>
+            <a:r>
+              <a:rPr kumimoji="1" lang="ja-JP" altLang="en-US" dirty="0"/>
+              <a:t>サーバを公開しているのでユーザーは</a:t>
+            </a:r>
+            <a:r>
+              <a:rPr kumimoji="1" lang="en-US" altLang="ja-JP" dirty="0"/>
+              <a:t>URL</a:t>
+            </a:r>
+            <a:r>
+              <a:rPr kumimoji="1" lang="ja-JP" altLang="en-US" dirty="0"/>
+              <a:t>から参加できます。</a:t>
+            </a:r>
+            <a:endParaRPr kumimoji="1" lang="en-US" altLang="ja-JP" dirty="0"/>
+          </a:p>
+          <a:p>
+            <a:endParaRPr kumimoji="1" lang="en-US" altLang="ja-JP" dirty="0"/>
           </a:p>
         </p:txBody>
       </p:sp>
@@ -5149,7 +4966,7 @@
     </p:spTree>
     <p:extLst>
       <p:ext uri="{BB962C8B-B14F-4D97-AF65-F5344CB8AC3E}">
-        <p14:creationId xmlns:p14="http://schemas.microsoft.com/office/powerpoint/2010/main" val="1695418619"/>
+        <p14:creationId xmlns:p14="http://schemas.microsoft.com/office/powerpoint/2010/main" val="810124780"/>
       </p:ext>
     </p:extLst>
   </p:cSld>
@@ -5288,25 +5105,51 @@
           <a:lstStyle/>
           <a:p>
             <a:r>
-              <a:rPr kumimoji="1" lang="en-US" altLang="ja-JP" dirty="0"/>
-              <a:t>Web</a:t>
-            </a:r>
-            <a:r>
-              <a:rPr kumimoji="1" lang="ja-JP" altLang="en-US" dirty="0"/>
-              <a:t>サーバを公開しているのでユーザーは</a:t>
-            </a:r>
-            <a:r>
-              <a:rPr kumimoji="1" lang="en-US" altLang="ja-JP" dirty="0"/>
-              <a:t>URL</a:t>
-            </a:r>
-            <a:r>
-              <a:rPr kumimoji="1" lang="ja-JP" altLang="en-US" dirty="0"/>
-              <a:t>から参加できます。</a:t>
-            </a:r>
-            <a:endParaRPr kumimoji="1" lang="en-US" altLang="ja-JP" dirty="0"/>
-          </a:p>
-          <a:p>
-            <a:endParaRPr kumimoji="1" lang="en-US" altLang="ja-JP" dirty="0"/>
+              <a:rPr lang="ja-JP" altLang="en-US" sz="1200" dirty="0"/>
+              <a:t>どうやって作曲させるのかというと</a:t>
+            </a:r>
+            <a:endParaRPr lang="en-US" altLang="ja-JP" sz="1200" dirty="0"/>
+          </a:p>
+          <a:p>
+            <a:r>
+              <a:rPr lang="ja-JP" altLang="en-US" sz="1200" dirty="0"/>
+              <a:t>リカレントニューラルネットワーク</a:t>
+            </a:r>
+            <a:r>
+              <a:rPr lang="en-US" altLang="ja-JP" sz="1200" dirty="0"/>
+              <a:t>(RNN)</a:t>
+            </a:r>
+            <a:r>
+              <a:rPr lang="ja-JP" altLang="en-US" sz="1200" dirty="0"/>
+              <a:t>で学習をさせた</a:t>
+            </a:r>
+            <a:r>
+              <a:rPr lang="en-US" altLang="ja-JP" sz="1200" dirty="0"/>
+              <a:t>AI</a:t>
+            </a:r>
+            <a:r>
+              <a:rPr lang="ja-JP" altLang="en-US" sz="1200" dirty="0"/>
+              <a:t>で作曲をします。</a:t>
+            </a:r>
+            <a:endParaRPr lang="en-US" altLang="ja-JP" sz="1200" dirty="0"/>
+          </a:p>
+          <a:p>
+            <a:r>
+              <a:rPr lang="en-US" altLang="ja-JP" sz="1200" dirty="0"/>
+              <a:t>RNN</a:t>
+            </a:r>
+            <a:r>
+              <a:rPr lang="ja-JP" altLang="en-US" sz="1200" dirty="0"/>
+              <a:t>は時系列ごとデータを学習させることができることが特徴です。</a:t>
+            </a:r>
+            <a:endParaRPr lang="en-US" altLang="ja-JP" sz="1200" dirty="0"/>
+          </a:p>
+          <a:p>
+            <a:r>
+              <a:rPr lang="ja-JP" altLang="en-US" sz="1200" dirty="0"/>
+              <a:t>自然言語処理の単語の予測でよく使われます。</a:t>
+            </a:r>
+            <a:endParaRPr lang="en-US" altLang="ja-JP" sz="1200" dirty="0"/>
           </a:p>
         </p:txBody>
       </p:sp>
@@ -5336,7 +5179,7 @@
     </p:spTree>
     <p:extLst>
       <p:ext uri="{BB962C8B-B14F-4D97-AF65-F5344CB8AC3E}">
-        <p14:creationId xmlns:p14="http://schemas.microsoft.com/office/powerpoint/2010/main" val="810124780"/>
+        <p14:creationId xmlns:p14="http://schemas.microsoft.com/office/powerpoint/2010/main" val="3280372040"/>
       </p:ext>
     </p:extLst>
   </p:cSld>
@@ -5391,51 +5234,41 @@
           <a:lstStyle/>
           <a:p>
             <a:r>
-              <a:rPr lang="ja-JP" altLang="en-US" sz="1200" dirty="0"/>
-              <a:t>どうやって作曲させるのかというと</a:t>
-            </a:r>
-            <a:endParaRPr lang="en-US" altLang="ja-JP" sz="1200" dirty="0"/>
-          </a:p>
-          <a:p>
-            <a:r>
-              <a:rPr lang="ja-JP" altLang="en-US" sz="1200" dirty="0"/>
-              <a:t>リカレントニューラルネットワーク</a:t>
-            </a:r>
-            <a:r>
-              <a:rPr lang="en-US" altLang="ja-JP" sz="1200" dirty="0"/>
-              <a:t>(RNN)</a:t>
-            </a:r>
-            <a:r>
-              <a:rPr lang="ja-JP" altLang="en-US" sz="1200" dirty="0"/>
-              <a:t>で学習をさせた</a:t>
-            </a:r>
-            <a:r>
-              <a:rPr lang="en-US" altLang="ja-JP" sz="1200" dirty="0"/>
+              <a:rPr kumimoji="1" lang="ja-JP" altLang="en-US" dirty="0"/>
+              <a:t>送信されて</a:t>
+            </a:r>
+            <a:r>
+              <a:rPr kumimoji="1" lang="en-US" altLang="ja-JP" dirty="0" err="1"/>
+              <a:t>abc</a:t>
+            </a:r>
+            <a:r>
+              <a:rPr kumimoji="1" lang="ja-JP" altLang="en-US" dirty="0"/>
+              <a:t>記法から数値データに変換して</a:t>
+            </a:r>
+            <a:r>
+              <a:rPr kumimoji="1" lang="en-US" altLang="ja-JP" dirty="0"/>
               <a:t>AI</a:t>
             </a:r>
             <a:r>
-              <a:rPr lang="ja-JP" altLang="en-US" sz="1200" dirty="0"/>
-              <a:t>で作曲をします。</a:t>
-            </a:r>
-            <a:endParaRPr lang="en-US" altLang="ja-JP" sz="1200" dirty="0"/>
-          </a:p>
-          <a:p>
-            <a:r>
-              <a:rPr lang="en-US" altLang="ja-JP" sz="1200" dirty="0"/>
-              <a:t>RNN</a:t>
-            </a:r>
-            <a:r>
-              <a:rPr lang="ja-JP" altLang="en-US" sz="1200" dirty="0"/>
-              <a:t>は時系列ごとデータを学習させることができることが特徴です。</a:t>
-            </a:r>
-            <a:endParaRPr lang="en-US" altLang="ja-JP" sz="1200" dirty="0"/>
-          </a:p>
-          <a:p>
-            <a:r>
-              <a:rPr lang="ja-JP" altLang="en-US" sz="1200" dirty="0"/>
-              <a:t>自然言語処理の単語の予測でよく使われます。</a:t>
-            </a:r>
-            <a:endParaRPr lang="en-US" altLang="ja-JP" sz="1200" dirty="0"/>
+              <a:rPr kumimoji="1" lang="ja-JP" altLang="en-US" dirty="0"/>
+              <a:t>で予測しその後</a:t>
+            </a:r>
+            <a:r>
+              <a:rPr kumimoji="1" lang="en-US" altLang="ja-JP" dirty="0"/>
+              <a:t>MIDI</a:t>
+            </a:r>
+            <a:r>
+              <a:rPr kumimoji="1" lang="ja-JP" altLang="en-US" dirty="0"/>
+              <a:t>データに変換して</a:t>
+            </a:r>
+            <a:r>
+              <a:rPr kumimoji="1" lang="en-US" altLang="ja-JP" dirty="0"/>
+              <a:t>MP3</a:t>
+            </a:r>
+            <a:r>
+              <a:rPr kumimoji="1" lang="ja-JP" altLang="en-US" dirty="0"/>
+              <a:t>等のファイルとして出力します。</a:t>
+            </a:r>
           </a:p>
         </p:txBody>
       </p:sp>
@@ -5465,7 +5298,7 @@
     </p:spTree>
     <p:extLst>
       <p:ext uri="{BB962C8B-B14F-4D97-AF65-F5344CB8AC3E}">
-        <p14:creationId xmlns:p14="http://schemas.microsoft.com/office/powerpoint/2010/main" val="3280372040"/>
+        <p14:creationId xmlns:p14="http://schemas.microsoft.com/office/powerpoint/2010/main" val="2525734282"/>
       </p:ext>
     </p:extLst>
   </p:cSld>
@@ -5520,16 +5353,60 @@
           <a:lstStyle/>
           <a:p>
             <a:r>
+              <a:rPr kumimoji="1" lang="en-US" altLang="ja-JP" dirty="0"/>
+              <a:t>1 </a:t>
+            </a:r>
+            <a:r>
               <a:rPr kumimoji="1" lang="ja-JP" altLang="en-US" dirty="0"/>
-              <a:t>送信されて</a:t>
-            </a:r>
-            <a:r>
-              <a:rPr kumimoji="1" lang="en-US" altLang="ja-JP" dirty="0" err="1"/>
-              <a:t>abc</a:t>
+              <a:t>作る</a:t>
+            </a:r>
+            <a:r>
+              <a:rPr kumimoji="1" lang="ja-JP" altLang="en-US" dirty="0" err="1"/>
+              <a:t>を</a:t>
             </a:r>
             <a:r>
               <a:rPr kumimoji="1" lang="ja-JP" altLang="en-US" dirty="0"/>
-              <a:t>記法から数値データに変換して</a:t>
+              <a:t>クリック</a:t>
+            </a:r>
+            <a:endParaRPr kumimoji="1" lang="en-US" altLang="ja-JP" dirty="0"/>
+          </a:p>
+          <a:p>
+            <a:r>
+              <a:rPr kumimoji="1" lang="en-US" altLang="ja-JP" dirty="0"/>
+              <a:t>2 </a:t>
+            </a:r>
+            <a:r>
+              <a:rPr kumimoji="1" lang="ja-JP" altLang="en-US" dirty="0"/>
+              <a:t>キーボードで鍵盤を弾いてください</a:t>
+            </a:r>
+            <a:endParaRPr kumimoji="1" lang="en-US" altLang="ja-JP" dirty="0"/>
+          </a:p>
+          <a:p>
+            <a:r>
+              <a:rPr kumimoji="1" lang="en-US" altLang="ja-JP" dirty="0"/>
+              <a:t>3</a:t>
+            </a:r>
+            <a:r>
+              <a:rPr kumimoji="1" lang="ja-JP" altLang="en-US" dirty="0"/>
+              <a:t>　送信ボタンを押したら</a:t>
+            </a:r>
+            <a:endParaRPr kumimoji="1" lang="en-US" altLang="ja-JP" dirty="0"/>
+          </a:p>
+          <a:p>
+            <a:r>
+              <a:rPr kumimoji="1" lang="en-US" altLang="ja-JP" dirty="0"/>
+              <a:t>4</a:t>
+            </a:r>
+            <a:r>
+              <a:rPr kumimoji="1" lang="ja-JP" altLang="en-US" dirty="0"/>
+              <a:t>　曲が流れます。</a:t>
+            </a:r>
+            <a:endParaRPr kumimoji="1" lang="en-US" altLang="ja-JP" dirty="0"/>
+          </a:p>
+          <a:p>
+            <a:r>
+              <a:rPr kumimoji="1" lang="ja-JP" altLang="en-US" dirty="0"/>
+              <a:t>注意</a:t>
             </a:r>
             <a:r>
               <a:rPr kumimoji="1" lang="en-US" altLang="ja-JP" dirty="0"/>
@@ -5537,24 +5414,9 @@
             </a:r>
             <a:r>
               <a:rPr kumimoji="1" lang="ja-JP" altLang="en-US" dirty="0"/>
-              <a:t>で予測しその後</a:t>
-            </a:r>
-            <a:r>
-              <a:rPr kumimoji="1" lang="en-US" altLang="ja-JP" dirty="0"/>
-              <a:t>MIDI</a:t>
-            </a:r>
-            <a:r>
-              <a:rPr kumimoji="1" lang="ja-JP" altLang="en-US" dirty="0"/>
-              <a:t>データに変換して</a:t>
-            </a:r>
-            <a:r>
-              <a:rPr kumimoji="1" lang="en-US" altLang="ja-JP" dirty="0"/>
-              <a:t>MP3</a:t>
-            </a:r>
-            <a:r>
-              <a:rPr kumimoji="1" lang="ja-JP" altLang="en-US" dirty="0"/>
-              <a:t>等のファイルとして出力します。</a:t>
-            </a:r>
+              <a:t>が入っていなかった場合次のバージョンで入れる予定と発表</a:t>
+            </a:r>
+            <a:endParaRPr kumimoji="1" lang="en-US" altLang="ja-JP" dirty="0"/>
           </a:p>
         </p:txBody>
       </p:sp>
@@ -5575,7 +5437,7 @@
           <a:p>
             <a:fld id="{FD808316-81CD-4B36-BDD1-D6460C124C29}" type="slidenum">
               <a:rPr kumimoji="1" lang="ja-JP" altLang="en-US" smtClean="0"/>
-              <a:t>8</a:t>
+              <a:t>9</a:t>
             </a:fld>
             <a:endParaRPr kumimoji="1" lang="ja-JP" altLang="en-US"/>
           </a:p>
@@ -5584,7 +5446,7 @@
     </p:spTree>
     <p:extLst>
       <p:ext uri="{BB962C8B-B14F-4D97-AF65-F5344CB8AC3E}">
-        <p14:creationId xmlns:p14="http://schemas.microsoft.com/office/powerpoint/2010/main" val="2525734282"/>
+        <p14:creationId xmlns:p14="http://schemas.microsoft.com/office/powerpoint/2010/main" val="3836402520"/>
       </p:ext>
     </p:extLst>
   </p:cSld>
@@ -5639,70 +5501,80 @@
           <a:lstStyle/>
           <a:p>
             <a:r>
-              <a:rPr kumimoji="1" lang="en-US" altLang="ja-JP" dirty="0"/>
-              <a:t>1 </a:t>
-            </a:r>
-            <a:r>
-              <a:rPr kumimoji="1" lang="ja-JP" altLang="en-US" dirty="0"/>
-              <a:t>作る</a:t>
-            </a:r>
-            <a:r>
-              <a:rPr kumimoji="1" lang="ja-JP" altLang="en-US" dirty="0" err="1"/>
-              <a:t>を</a:t>
-            </a:r>
-            <a:r>
-              <a:rPr kumimoji="1" lang="ja-JP" altLang="en-US" dirty="0"/>
-              <a:t>クリック</a:t>
-            </a:r>
-            <a:endParaRPr kumimoji="1" lang="en-US" altLang="ja-JP" dirty="0"/>
-          </a:p>
-          <a:p>
-            <a:r>
-              <a:rPr kumimoji="1" lang="en-US" altLang="ja-JP" dirty="0"/>
-              <a:t>2 </a:t>
-            </a:r>
-            <a:r>
-              <a:rPr kumimoji="1" lang="ja-JP" altLang="en-US" dirty="0"/>
-              <a:t>キーボードで鍵盤を弾いてください</a:t>
-            </a:r>
-            <a:endParaRPr kumimoji="1" lang="en-US" altLang="ja-JP" dirty="0"/>
-          </a:p>
-          <a:p>
-            <a:r>
-              <a:rPr kumimoji="1" lang="en-US" altLang="ja-JP" dirty="0"/>
-              <a:t>3</a:t>
-            </a:r>
-            <a:r>
-              <a:rPr kumimoji="1" lang="ja-JP" altLang="en-US" dirty="0"/>
-              <a:t>　送信ボタンを押したら</a:t>
-            </a:r>
-            <a:endParaRPr kumimoji="1" lang="en-US" altLang="ja-JP" dirty="0"/>
-          </a:p>
-          <a:p>
-            <a:r>
-              <a:rPr kumimoji="1" lang="en-US" altLang="ja-JP" dirty="0"/>
-              <a:t>4</a:t>
-            </a:r>
-            <a:r>
-              <a:rPr kumimoji="1" lang="ja-JP" altLang="en-US" dirty="0"/>
-              <a:t>　曲が流れます。</a:t>
-            </a:r>
-            <a:endParaRPr kumimoji="1" lang="en-US" altLang="ja-JP" dirty="0"/>
-          </a:p>
-          <a:p>
-            <a:r>
-              <a:rPr kumimoji="1" lang="ja-JP" altLang="en-US" dirty="0"/>
-              <a:t>注意</a:t>
-            </a:r>
-            <a:r>
-              <a:rPr kumimoji="1" lang="en-US" altLang="ja-JP" dirty="0"/>
-              <a:t>AI</a:t>
-            </a:r>
-            <a:r>
-              <a:rPr kumimoji="1" lang="ja-JP" altLang="en-US" dirty="0"/>
-              <a:t>が入っていなかった場合次のバージョンで入れる予定と発表</a:t>
-            </a:r>
-            <a:endParaRPr kumimoji="1" lang="en-US" altLang="ja-JP" dirty="0"/>
+              <a:rPr lang="ja-JP" altLang="en-US" sz="1200" dirty="0"/>
+              <a:t>・伴奏を加えてより音楽風に近づける。</a:t>
+            </a:r>
+            <a:endParaRPr lang="en-US" altLang="ja-JP" sz="1200" dirty="0"/>
+          </a:p>
+          <a:p>
+            <a:pPr marL="0" marR="0" lvl="0" indent="0" algn="l" defTabSz="914400" rtl="0" eaLnBrk="1" fontAlgn="auto" latinLnBrk="0" hangingPunct="1">
+              <a:lnSpc>
+                <a:spcPct val="100000"/>
+              </a:lnSpc>
+              <a:spcBef>
+                <a:spcPts val="0"/>
+              </a:spcBef>
+              <a:spcAft>
+                <a:spcPts val="0"/>
+              </a:spcAft>
+              <a:buClrTx/>
+              <a:buSzTx/>
+              <a:buFontTx/>
+              <a:buNone/>
+              <a:tabLst/>
+              <a:defRPr/>
+            </a:pPr>
+            <a:r>
+              <a:rPr lang="ja-JP" altLang="en-US" sz="1200" dirty="0"/>
+              <a:t>・</a:t>
+            </a:r>
+            <a:r>
+              <a:rPr lang="ja-JP" altLang="en-US" dirty="0"/>
+              <a:t>事前に用意した</a:t>
+            </a:r>
+            <a:r>
+              <a:rPr lang="en-US" altLang="ja-JP" dirty="0"/>
+              <a:t>MIDI</a:t>
+            </a:r>
+            <a:r>
+              <a:rPr lang="ja-JP" altLang="en-US" dirty="0"/>
+              <a:t>ファイルが読みこめない</a:t>
+            </a:r>
+            <a:r>
+              <a:rPr lang="en-US" altLang="ja-JP" dirty="0"/>
+              <a:t>(</a:t>
+            </a:r>
+            <a:r>
+              <a:rPr lang="ja-JP" altLang="en-US" dirty="0"/>
+              <a:t>ピアノ演奏のみでしか使えない</a:t>
+            </a:r>
+            <a:r>
+              <a:rPr lang="en-US" altLang="ja-JP" dirty="0"/>
+              <a:t>)</a:t>
+            </a:r>
+          </a:p>
+          <a:p>
+            <a:pPr marL="0" marR="0" lvl="0" indent="0" algn="l" defTabSz="914400" rtl="0" eaLnBrk="1" fontAlgn="auto" latinLnBrk="0" hangingPunct="1">
+              <a:lnSpc>
+                <a:spcPct val="100000"/>
+              </a:lnSpc>
+              <a:spcBef>
+                <a:spcPts val="0"/>
+              </a:spcBef>
+              <a:spcAft>
+                <a:spcPts val="0"/>
+              </a:spcAft>
+              <a:buClrTx/>
+              <a:buSzTx/>
+              <a:buFontTx/>
+              <a:buNone/>
+              <a:tabLst/>
+              <a:defRPr/>
+            </a:pPr>
+            <a:r>
+              <a:rPr kumimoji="1" lang="ja-JP" altLang="en-US" sz="1200" dirty="0"/>
+              <a:t>・</a:t>
+            </a:r>
           </a:p>
         </p:txBody>
       </p:sp>
@@ -5732,7 +5604,7 @@
     </p:spTree>
     <p:extLst>
       <p:ext uri="{BB962C8B-B14F-4D97-AF65-F5344CB8AC3E}">
-        <p14:creationId xmlns:p14="http://schemas.microsoft.com/office/powerpoint/2010/main" val="3836402520"/>
+        <p14:creationId xmlns:p14="http://schemas.microsoft.com/office/powerpoint/2010/main" val="203302926"/>
       </p:ext>
     </p:extLst>
   </p:cSld>
@@ -5889,7 +5761,7 @@
           <a:p>
             <a:fld id="{4A6B28F3-BB62-4EA0-99DF-EF5932BC4FCF}" type="datetimeFigureOut">
               <a:rPr kumimoji="1" lang="ja-JP" altLang="en-US" smtClean="0"/>
-              <a:t>2022/2/10</a:t>
+              <a:t>2022/2/11</a:t>
             </a:fld>
             <a:endParaRPr kumimoji="1" lang="ja-JP" altLang="en-US"/>
           </a:p>
@@ -6131,7 +6003,7 @@
           <a:p>
             <a:fld id="{4A6B28F3-BB62-4EA0-99DF-EF5932BC4FCF}" type="datetimeFigureOut">
               <a:rPr kumimoji="1" lang="ja-JP" altLang="en-US" smtClean="0"/>
-              <a:t>2022/2/10</a:t>
+              <a:t>2022/2/11</a:t>
             </a:fld>
             <a:endParaRPr kumimoji="1" lang="ja-JP" altLang="en-US"/>
           </a:p>
@@ -6383,7 +6255,7 @@
           <a:p>
             <a:fld id="{4A6B28F3-BB62-4EA0-99DF-EF5932BC4FCF}" type="datetimeFigureOut">
               <a:rPr kumimoji="1" lang="ja-JP" altLang="en-US" smtClean="0"/>
-              <a:t>2022/2/10</a:t>
+              <a:t>2022/2/11</a:t>
             </a:fld>
             <a:endParaRPr kumimoji="1" lang="ja-JP" altLang="en-US"/>
           </a:p>
@@ -6625,7 +6497,7 @@
           <a:p>
             <a:fld id="{4A6B28F3-BB62-4EA0-99DF-EF5932BC4FCF}" type="datetimeFigureOut">
               <a:rPr kumimoji="1" lang="ja-JP" altLang="en-US" smtClean="0"/>
-              <a:t>2022/2/10</a:t>
+              <a:t>2022/2/11</a:t>
             </a:fld>
             <a:endParaRPr kumimoji="1" lang="ja-JP" altLang="en-US"/>
           </a:p>
@@ -6912,7 +6784,7 @@
           <a:p>
             <a:fld id="{4A6B28F3-BB62-4EA0-99DF-EF5932BC4FCF}" type="datetimeFigureOut">
               <a:rPr kumimoji="1" lang="ja-JP" altLang="en-US" smtClean="0"/>
-              <a:t>2022/2/10</a:t>
+              <a:t>2022/2/11</a:t>
             </a:fld>
             <a:endParaRPr kumimoji="1" lang="ja-JP" altLang="en-US"/>
           </a:p>
@@ -7253,7 +7125,7 @@
           <a:p>
             <a:fld id="{4A6B28F3-BB62-4EA0-99DF-EF5932BC4FCF}" type="datetimeFigureOut">
               <a:rPr kumimoji="1" lang="ja-JP" altLang="en-US" smtClean="0"/>
-              <a:t>2022/2/10</a:t>
+              <a:t>2022/2/11</a:t>
             </a:fld>
             <a:endParaRPr kumimoji="1" lang="ja-JP" altLang="en-US"/>
           </a:p>
@@ -7741,7 +7613,7 @@
           <a:p>
             <a:fld id="{4A6B28F3-BB62-4EA0-99DF-EF5932BC4FCF}" type="datetimeFigureOut">
               <a:rPr kumimoji="1" lang="ja-JP" altLang="en-US" smtClean="0"/>
-              <a:t>2022/2/10</a:t>
+              <a:t>2022/2/11</a:t>
             </a:fld>
             <a:endParaRPr kumimoji="1" lang="ja-JP" altLang="en-US"/>
           </a:p>
@@ -7894,7 +7766,7 @@
           <a:p>
             <a:fld id="{4A6B28F3-BB62-4EA0-99DF-EF5932BC4FCF}" type="datetimeFigureOut">
               <a:rPr kumimoji="1" lang="ja-JP" altLang="en-US" smtClean="0"/>
-              <a:t>2022/2/10</a:t>
+              <a:t>2022/2/11</a:t>
             </a:fld>
             <a:endParaRPr kumimoji="1" lang="ja-JP" altLang="en-US"/>
           </a:p>
@@ -8019,7 +7891,7 @@
           <a:p>
             <a:fld id="{4A6B28F3-BB62-4EA0-99DF-EF5932BC4FCF}" type="datetimeFigureOut">
               <a:rPr kumimoji="1" lang="ja-JP" altLang="en-US" smtClean="0"/>
-              <a:t>2022/2/10</a:t>
+              <a:t>2022/2/11</a:t>
             </a:fld>
             <a:endParaRPr kumimoji="1" lang="ja-JP" altLang="en-US"/>
           </a:p>
@@ -8374,7 +8246,7 @@
           <a:p>
             <a:fld id="{4A6B28F3-BB62-4EA0-99DF-EF5932BC4FCF}" type="datetimeFigureOut">
               <a:rPr kumimoji="1" lang="ja-JP" altLang="en-US" smtClean="0"/>
-              <a:t>2022/2/10</a:t>
+              <a:t>2022/2/11</a:t>
             </a:fld>
             <a:endParaRPr kumimoji="1" lang="ja-JP" altLang="en-US"/>
           </a:p>
@@ -8674,7 +8546,7 @@
           <a:p>
             <a:fld id="{4A6B28F3-BB62-4EA0-99DF-EF5932BC4FCF}" type="datetimeFigureOut">
               <a:rPr kumimoji="1" lang="ja-JP" altLang="en-US" smtClean="0"/>
-              <a:t>2022/2/10</a:t>
+              <a:t>2022/2/11</a:t>
             </a:fld>
             <a:endParaRPr kumimoji="1" lang="ja-JP" altLang="en-US"/>
           </a:p>
@@ -8980,7 +8852,7 @@
           <a:p>
             <a:fld id="{4A6B28F3-BB62-4EA0-99DF-EF5932BC4FCF}" type="datetimeFigureOut">
               <a:rPr kumimoji="1" lang="ja-JP" altLang="en-US" smtClean="0"/>
-              <a:t>2022/2/10</a:t>
+              <a:t>2022/2/11</a:t>
             </a:fld>
             <a:endParaRPr kumimoji="1" lang="ja-JP" altLang="en-US"/>
           </a:p>
@@ -9437,7 +9309,7 @@
         </p:blipFill>
         <p:spPr>
           <a:xfrm>
-            <a:off x="1304462" y="1690603"/>
+            <a:off x="3456605" y="983672"/>
             <a:ext cx="4662171" cy="4662171"/>
           </a:xfrm>
           <a:prstGeom prst="rect">
@@ -9536,10 +9408,6 @@
           </a:bodyPr>
           <a:lstStyle/>
           <a:p>
-            <a:r>
-              <a:rPr lang="ja-JP" altLang="en-US" b="1" dirty="0"/>
-              <a:t>第三回プレゼンテーション</a:t>
-            </a:r>
             <a:endParaRPr kumimoji="1" lang="ja-JP" altLang="en-US" b="1" dirty="0"/>
           </a:p>
         </p:txBody>
@@ -9570,372 +9438,6 @@
 </file>
 
 <file path=ppt/slides/slide10.xml><?xml version="1.0" encoding="utf-8"?>
-<p:sld xmlns:a="http://schemas.openxmlformats.org/drawingml/2006/main" xmlns:r="http://schemas.openxmlformats.org/officeDocument/2006/relationships" xmlns:p="http://schemas.openxmlformats.org/presentationml/2006/main">
-  <p:cSld>
-    <p:spTree>
-      <p:nvGrpSpPr>
-        <p:cNvPr id="1" name=""/>
-        <p:cNvGrpSpPr/>
-        <p:nvPr/>
-      </p:nvGrpSpPr>
-      <p:grpSpPr>
-        <a:xfrm>
-          <a:off x="0" y="0"/>
-          <a:ext cx="0" cy="0"/>
-          <a:chOff x="0" y="0"/>
-          <a:chExt cx="0" cy="0"/>
-        </a:xfrm>
-      </p:grpSpPr>
-      <p:sp>
-        <p:nvSpPr>
-          <p:cNvPr id="2" name="タイトル 1">
-            <a:extLst>
-              <a:ext uri="{FF2B5EF4-FFF2-40B4-BE49-F238E27FC236}">
-                <a16:creationId xmlns:a16="http://schemas.microsoft.com/office/drawing/2014/main" id="{025C00AC-50C2-4AEE-B119-C8EF0488D58A}"/>
-              </a:ext>
-            </a:extLst>
-          </p:cNvPr>
-          <p:cNvSpPr>
-            <a:spLocks noGrp="1"/>
-          </p:cNvSpPr>
-          <p:nvPr>
-            <p:ph type="title"/>
-          </p:nvPr>
-        </p:nvSpPr>
-        <p:spPr>
-          <a:xfrm>
-            <a:off x="838201" y="365125"/>
-            <a:ext cx="7391400" cy="1325563"/>
-          </a:xfrm>
-        </p:spPr>
-        <p:txBody>
-          <a:bodyPr>
-            <a:normAutofit/>
-          </a:bodyPr>
-          <a:lstStyle/>
-          <a:p>
-            <a:r>
-              <a:rPr kumimoji="1" lang="ja-JP" altLang="en-US" sz="3200" b="1" dirty="0"/>
-              <a:t>アプリの使い方</a:t>
-            </a:r>
-            <a:r>
-              <a:rPr kumimoji="1" lang="en-US" altLang="ja-JP" sz="3200" b="1" dirty="0"/>
-              <a:t>(</a:t>
-            </a:r>
-            <a:r>
-              <a:rPr kumimoji="1" lang="ja-JP" altLang="en-US" sz="3200" b="1" dirty="0"/>
-              <a:t>デモンストレーション</a:t>
-            </a:r>
-            <a:r>
-              <a:rPr kumimoji="1" lang="en-US" altLang="ja-JP" sz="3200" dirty="0"/>
-              <a:t>)</a:t>
-            </a:r>
-            <a:endParaRPr kumimoji="1" lang="ja-JP" altLang="en-US" sz="3200" dirty="0"/>
-          </a:p>
-        </p:txBody>
-      </p:sp>
-      <p:sp>
-        <p:nvSpPr>
-          <p:cNvPr id="3" name="テキスト ボックス 2">
-            <a:extLst>
-              <a:ext uri="{FF2B5EF4-FFF2-40B4-BE49-F238E27FC236}">
-                <a16:creationId xmlns:a16="http://schemas.microsoft.com/office/drawing/2014/main" id="{5A11D7B1-58DD-4CF5-A1C5-3743A5F603E7}"/>
-              </a:ext>
-            </a:extLst>
-          </p:cNvPr>
-          <p:cNvSpPr txBox="1"/>
-          <p:nvPr/>
-        </p:nvSpPr>
-        <p:spPr>
-          <a:xfrm>
-            <a:off x="1001729" y="1752851"/>
-            <a:ext cx="7723911" cy="646331"/>
-          </a:xfrm>
-          <a:prstGeom prst="rect">
-            <a:avLst/>
-          </a:prstGeom>
-          <a:noFill/>
-        </p:spPr>
-        <p:txBody>
-          <a:bodyPr wrap="square" rtlCol="0">
-            <a:spAutoFit/>
-          </a:bodyPr>
-          <a:lstStyle/>
-          <a:p>
-            <a:r>
-              <a:rPr lang="en-US" altLang="ja-JP" sz="3600" b="1" dirty="0">
-                <a:hlinkClick r:id="rId3">
-                  <a:extLst>
-                    <a:ext uri="{A12FA001-AC4F-418D-AE19-62706E023703}">
-                      <ahyp:hlinkClr xmlns:ahyp="http://schemas.microsoft.com/office/drawing/2018/hyperlinkcolor" val="tx"/>
-                    </a:ext>
-                  </a:extLst>
-                </a:hlinkClick>
-              </a:rPr>
-              <a:t>http://172.16.220.145/</a:t>
-            </a:r>
-            <a:endParaRPr lang="en-US" altLang="ja-JP" sz="3600" b="1" dirty="0"/>
-          </a:p>
-        </p:txBody>
-      </p:sp>
-      <p:sp>
-        <p:nvSpPr>
-          <p:cNvPr id="5" name="テキスト ボックス 4">
-            <a:extLst>
-              <a:ext uri="{FF2B5EF4-FFF2-40B4-BE49-F238E27FC236}">
-                <a16:creationId xmlns:a16="http://schemas.microsoft.com/office/drawing/2014/main" id="{4BE0FAFE-D088-40D5-95FA-AD210674E3BC}"/>
-              </a:ext>
-            </a:extLst>
-          </p:cNvPr>
-          <p:cNvSpPr txBox="1"/>
-          <p:nvPr/>
-        </p:nvSpPr>
-        <p:spPr>
-          <a:xfrm>
-            <a:off x="6513534" y="3734431"/>
-            <a:ext cx="4992915" cy="954107"/>
-          </a:xfrm>
-          <a:prstGeom prst="rect">
-            <a:avLst/>
-          </a:prstGeom>
-          <a:noFill/>
-        </p:spPr>
-        <p:txBody>
-          <a:bodyPr wrap="square" rtlCol="0">
-            <a:spAutoFit/>
-          </a:bodyPr>
-          <a:lstStyle/>
-          <a:p>
-            <a:r>
-              <a:rPr lang="ja-JP" altLang="en-US" sz="2800" dirty="0"/>
-              <a:t>音楽を</a:t>
-            </a:r>
-            <a:r>
-              <a:rPr kumimoji="1" lang="ja-JP" altLang="en-US" sz="2800" dirty="0"/>
-              <a:t>作成できたら</a:t>
-            </a:r>
-            <a:endParaRPr kumimoji="1" lang="en-US" altLang="ja-JP" sz="2800" dirty="0"/>
-          </a:p>
-          <a:p>
-            <a:r>
-              <a:rPr lang="ja-JP" altLang="en-US" sz="2800" dirty="0">
-                <a:solidFill>
-                  <a:srgbClr val="FF0000"/>
-                </a:solidFill>
-              </a:rPr>
-              <a:t>送信ボタン</a:t>
-            </a:r>
-            <a:r>
-              <a:rPr lang="ja-JP" altLang="en-US" sz="2800" dirty="0"/>
-              <a:t>を押してください</a:t>
-            </a:r>
-            <a:endParaRPr kumimoji="1" lang="ja-JP" altLang="en-US" sz="2800" dirty="0"/>
-          </a:p>
-        </p:txBody>
-      </p:sp>
-      <p:sp>
-        <p:nvSpPr>
-          <p:cNvPr id="6" name="テキスト ボックス 5">
-            <a:extLst>
-              <a:ext uri="{FF2B5EF4-FFF2-40B4-BE49-F238E27FC236}">
-                <a16:creationId xmlns:a16="http://schemas.microsoft.com/office/drawing/2014/main" id="{1EED7E17-895F-498A-AB79-2986A9065572}"/>
-              </a:ext>
-            </a:extLst>
-          </p:cNvPr>
-          <p:cNvSpPr txBox="1"/>
-          <p:nvPr/>
-        </p:nvSpPr>
-        <p:spPr>
-          <a:xfrm>
-            <a:off x="6456219" y="4967740"/>
-            <a:ext cx="3546764" cy="400110"/>
-          </a:xfrm>
-          <a:prstGeom prst="rect">
-            <a:avLst/>
-          </a:prstGeom>
-          <a:noFill/>
-        </p:spPr>
-        <p:txBody>
-          <a:bodyPr wrap="square" rtlCol="0">
-            <a:spAutoFit/>
-          </a:bodyPr>
-          <a:lstStyle/>
-          <a:p>
-            <a:r>
-              <a:rPr kumimoji="1" lang="ja-JP" altLang="en-US" sz="2000" dirty="0">
-                <a:solidFill>
-                  <a:srgbClr val="FF0000"/>
-                </a:solidFill>
-                <a:highlight>
-                  <a:srgbClr val="FFFF00"/>
-                </a:highlight>
-              </a:rPr>
-              <a:t>生成に約一分掛かります</a:t>
-            </a:r>
-            <a:r>
-              <a:rPr lang="ja-JP" altLang="en-US" sz="2000" dirty="0">
-                <a:solidFill>
-                  <a:srgbClr val="FF0000"/>
-                </a:solidFill>
-                <a:highlight>
-                  <a:srgbClr val="FFFF00"/>
-                </a:highlight>
-              </a:rPr>
-              <a:t>。</a:t>
-            </a:r>
-            <a:endParaRPr kumimoji="1" lang="ja-JP" altLang="en-US" sz="2000" dirty="0">
-              <a:solidFill>
-                <a:srgbClr val="FF0000"/>
-              </a:solidFill>
-              <a:highlight>
-                <a:srgbClr val="FFFF00"/>
-              </a:highlight>
-            </a:endParaRPr>
-          </a:p>
-        </p:txBody>
-      </p:sp>
-      <p:sp>
-        <p:nvSpPr>
-          <p:cNvPr id="7" name="正方形/長方形 6">
-            <a:extLst>
-              <a:ext uri="{FF2B5EF4-FFF2-40B4-BE49-F238E27FC236}">
-                <a16:creationId xmlns:a16="http://schemas.microsoft.com/office/drawing/2014/main" id="{FBA0EE7E-F114-45C1-AC10-7408CA7D971A}"/>
-              </a:ext>
-            </a:extLst>
-          </p:cNvPr>
-          <p:cNvSpPr/>
-          <p:nvPr/>
-        </p:nvSpPr>
-        <p:spPr>
-          <a:xfrm>
-            <a:off x="8229601" y="0"/>
-            <a:ext cx="3962400" cy="1967345"/>
-          </a:xfrm>
-          <a:prstGeom prst="rect">
-            <a:avLst/>
-          </a:prstGeom>
-          <a:solidFill>
-            <a:schemeClr val="bg2">
-              <a:lumMod val="50000"/>
-            </a:schemeClr>
-          </a:solidFill>
-          <a:ln>
-            <a:solidFill>
-              <a:schemeClr val="tx1"/>
-            </a:solidFill>
-          </a:ln>
-        </p:spPr>
-        <p:style>
-          <a:lnRef idx="2">
-            <a:schemeClr val="accent1">
-              <a:shade val="50000"/>
-            </a:schemeClr>
-          </a:lnRef>
-          <a:fillRef idx="1">
-            <a:schemeClr val="accent1"/>
-          </a:fillRef>
-          <a:effectRef idx="0">
-            <a:schemeClr val="accent1"/>
-          </a:effectRef>
-          <a:fontRef idx="minor">
-            <a:schemeClr val="lt1"/>
-          </a:fontRef>
-        </p:style>
-        <p:txBody>
-          <a:bodyPr rtlCol="0" anchor="ctr"/>
-          <a:lstStyle/>
-          <a:p>
-            <a:pPr algn="ctr"/>
-            <a:endParaRPr kumimoji="1" lang="ja-JP" altLang="en-US"/>
-          </a:p>
-        </p:txBody>
-      </p:sp>
-      <p:sp>
-        <p:nvSpPr>
-          <p:cNvPr id="8" name="正方形/長方形 7">
-            <a:extLst>
-              <a:ext uri="{FF2B5EF4-FFF2-40B4-BE49-F238E27FC236}">
-                <a16:creationId xmlns:a16="http://schemas.microsoft.com/office/drawing/2014/main" id="{1BEE24F6-7641-4BFD-B136-01A2ED1D96E9}"/>
-              </a:ext>
-            </a:extLst>
-          </p:cNvPr>
-          <p:cNvSpPr/>
-          <p:nvPr/>
-        </p:nvSpPr>
-        <p:spPr>
-          <a:xfrm>
-            <a:off x="505690" y="3605890"/>
-            <a:ext cx="5590310" cy="2723700"/>
-          </a:xfrm>
-          <a:prstGeom prst="rect">
-            <a:avLst/>
-          </a:prstGeom>
-          <a:solidFill>
-            <a:schemeClr val="accent2">
-              <a:lumMod val="75000"/>
-            </a:schemeClr>
-          </a:solidFill>
-          <a:ln>
-            <a:solidFill>
-              <a:schemeClr val="tx1"/>
-            </a:solidFill>
-          </a:ln>
-        </p:spPr>
-        <p:style>
-          <a:lnRef idx="2">
-            <a:schemeClr val="accent1">
-              <a:shade val="50000"/>
-            </a:schemeClr>
-          </a:lnRef>
-          <a:fillRef idx="1">
-            <a:schemeClr val="accent1"/>
-          </a:fillRef>
-          <a:effectRef idx="0">
-            <a:schemeClr val="accent1"/>
-          </a:effectRef>
-          <a:fontRef idx="minor">
-            <a:schemeClr val="lt1"/>
-          </a:fontRef>
-        </p:style>
-        <p:txBody>
-          <a:bodyPr rtlCol="0" anchor="ctr"/>
-          <a:lstStyle/>
-          <a:p>
-            <a:pPr algn="ctr"/>
-            <a:r>
-              <a:rPr lang="ja-JP" altLang="en-US" dirty="0"/>
-              <a:t>デモンストレーションの動画</a:t>
-            </a:r>
-            <a:endParaRPr kumimoji="1" lang="ja-JP" altLang="en-US" dirty="0"/>
-          </a:p>
-        </p:txBody>
-      </p:sp>
-    </p:spTree>
-    <p:extLst>
-      <p:ext uri="{BB962C8B-B14F-4D97-AF65-F5344CB8AC3E}">
-        <p14:creationId xmlns:p14="http://schemas.microsoft.com/office/powerpoint/2010/main" val="3562155098"/>
-      </p:ext>
-    </p:extLst>
-  </p:cSld>
-  <p:clrMapOvr>
-    <a:masterClrMapping/>
-  </p:clrMapOvr>
-  <mc:AlternateContent xmlns:mc="http://schemas.openxmlformats.org/markup-compatibility/2006" xmlns:p14="http://schemas.microsoft.com/office/powerpoint/2010/main">
-    <mc:Choice Requires="p14">
-      <p:transition spd="slow" p14:dur="800">
-        <p:circle/>
-      </p:transition>
-    </mc:Choice>
-    <mc:Fallback xmlns="">
-      <p:transition spd="slow">
-        <p:circle/>
-      </p:transition>
-    </mc:Fallback>
-  </mc:AlternateContent>
-</p:sld>
-</file>
-
-<file path=ppt/slides/slide11.xml><?xml version="1.0" encoding="utf-8"?>
 <p:sld xmlns:a="http://schemas.openxmlformats.org/drawingml/2006/main" xmlns:r="http://schemas.openxmlformats.org/officeDocument/2006/relationships" xmlns:p="http://schemas.openxmlformats.org/presentationml/2006/main">
   <p:cSld>
     <p:spTree>
@@ -10208,7 +9710,7 @@
 </p:sld>
 </file>
 
-<file path=ppt/slides/slide12.xml><?xml version="1.0" encoding="utf-8"?>
+<file path=ppt/slides/slide11.xml><?xml version="1.0" encoding="utf-8"?>
 <p:sld xmlns:a="http://schemas.openxmlformats.org/drawingml/2006/main" xmlns:r="http://schemas.openxmlformats.org/officeDocument/2006/relationships" xmlns:p="http://schemas.openxmlformats.org/presentationml/2006/main">
   <p:cSld>
     <p:spTree>
@@ -10461,7 +9963,7 @@
 </p:sld>
 </file>
 
-<file path=ppt/slides/slide13.xml><?xml version="1.0" encoding="utf-8"?>
+<file path=ppt/slides/slide12.xml><?xml version="1.0" encoding="utf-8"?>
 <p:sld xmlns:a="http://schemas.openxmlformats.org/drawingml/2006/main" xmlns:r="http://schemas.openxmlformats.org/officeDocument/2006/relationships" xmlns:p="http://schemas.openxmlformats.org/presentationml/2006/main">
   <p:cSld>
     <p:spTree>
@@ -10727,7 +10229,7 @@
 </p:sld>
 </file>
 
-<file path=ppt/slides/slide14.xml><?xml version="1.0" encoding="utf-8"?>
+<file path=ppt/slides/slide13.xml><?xml version="1.0" encoding="utf-8"?>
 <p:sld xmlns:a="http://schemas.openxmlformats.org/drawingml/2006/main" xmlns:r="http://schemas.openxmlformats.org/officeDocument/2006/relationships" xmlns:p="http://schemas.openxmlformats.org/presentationml/2006/main">
   <p:cSld>
     <p:spTree>
@@ -10814,7 +10316,7 @@
 </p:sld>
 </file>
 
-<file path=ppt/slides/slide15.xml><?xml version="1.0" encoding="utf-8"?>
+<file path=ppt/slides/slide14.xml><?xml version="1.0" encoding="utf-8"?>
 <p:sld xmlns:a="http://schemas.openxmlformats.org/drawingml/2006/main" xmlns:r="http://schemas.openxmlformats.org/officeDocument/2006/relationships" xmlns:p="http://schemas.openxmlformats.org/presentationml/2006/main">
   <p:cSld>
     <p:spTree>
@@ -11244,7 +10746,7 @@
 </p:sld>
 </file>
 
-<file path=ppt/slides/slide16.xml><?xml version="1.0" encoding="utf-8"?>
+<file path=ppt/slides/slide15.xml><?xml version="1.0" encoding="utf-8"?>
 <p:sld xmlns:a="http://schemas.openxmlformats.org/drawingml/2006/main" xmlns:r="http://schemas.openxmlformats.org/officeDocument/2006/relationships" xmlns:p="http://schemas.openxmlformats.org/presentationml/2006/main">
   <p:cSld>
     <p:spTree>
@@ -11570,7 +11072,7 @@
 </p:sld>
 </file>
 
-<file path=ppt/slides/slide17.xml><?xml version="1.0" encoding="utf-8"?>
+<file path=ppt/slides/slide16.xml><?xml version="1.0" encoding="utf-8"?>
 <p:sld xmlns:a="http://schemas.openxmlformats.org/drawingml/2006/main" xmlns:r="http://schemas.openxmlformats.org/officeDocument/2006/relationships" xmlns:p="http://schemas.openxmlformats.org/presentationml/2006/main">
   <p:cSld>
     <p:spTree>
@@ -11975,10 +11477,9 @@
           <a:lstStyle/>
           <a:p>
             <a:r>
-              <a:rPr lang="ja-JP" altLang="en-US" sz="4800" dirty="0"/>
-              <a:t>目次</a:t>
-            </a:r>
-            <a:endParaRPr kumimoji="1" lang="ja-JP" altLang="en-US" sz="4800" dirty="0"/>
+              <a:rPr kumimoji="1" lang="ja-JP" altLang="en-US" sz="4800" dirty="0"/>
+              <a:t>発表の流れ</a:t>
+            </a:r>
           </a:p>
         </p:txBody>
       </p:sp>
@@ -11996,8 +11497,8 @@
         </p:nvSpPr>
         <p:spPr>
           <a:xfrm>
-            <a:off x="733136" y="1462089"/>
-            <a:ext cx="6917344" cy="5693866"/>
+            <a:off x="1370008" y="2091670"/>
+            <a:ext cx="6917344" cy="4401205"/>
           </a:xfrm>
           <a:prstGeom prst="rect">
             <a:avLst/>
@@ -12016,7 +11517,7 @@
             </a:pPr>
             <a:r>
               <a:rPr lang="ja-JP" altLang="en-US" sz="2800" dirty="0"/>
-              <a:t>題名</a:t>
+              <a:t>アプリの概要と使い方</a:t>
             </a:r>
             <a:endParaRPr lang="en-US" altLang="ja-JP" sz="2800" dirty="0"/>
           </a:p>
@@ -12025,10 +11526,6 @@
               <a:buFont typeface="+mj-ea"/>
               <a:buAutoNum type="circleNumDbPlain"/>
             </a:pPr>
-            <a:r>
-              <a:rPr lang="ja-JP" altLang="en-US" sz="2800" dirty="0"/>
-              <a:t>システム構成</a:t>
-            </a:r>
             <a:endParaRPr lang="en-US" altLang="ja-JP" sz="2800" dirty="0"/>
           </a:p>
           <a:p>
@@ -12038,11 +11535,11 @@
             </a:pPr>
             <a:r>
               <a:rPr lang="en-US" altLang="ja-JP" sz="2800" dirty="0"/>
-              <a:t>bit composer</a:t>
+              <a:t>WEB</a:t>
             </a:r>
             <a:r>
               <a:rPr lang="ja-JP" altLang="en-US" sz="2800" dirty="0"/>
-              <a:t>とは</a:t>
+              <a:t>ページについて</a:t>
             </a:r>
             <a:endParaRPr lang="en-US" altLang="ja-JP" sz="2800" dirty="0"/>
           </a:p>
@@ -12051,14 +11548,6 @@
               <a:buFont typeface="+mj-ea"/>
               <a:buAutoNum type="circleNumDbPlain"/>
             </a:pPr>
-            <a:r>
-              <a:rPr lang="en-US" altLang="ja-JP" sz="2800" dirty="0"/>
-              <a:t>bit composer</a:t>
-            </a:r>
-            <a:r>
-              <a:rPr lang="ja-JP" altLang="en-US" sz="2800" dirty="0"/>
-              <a:t>の機能</a:t>
-            </a:r>
             <a:endParaRPr lang="en-US" altLang="ja-JP" sz="2800" dirty="0"/>
           </a:p>
           <a:p>
@@ -12067,16 +11556,8 @@
               <a:buAutoNum type="circleNumDbPlain"/>
             </a:pPr>
             <a:r>
-              <a:rPr kumimoji="1" lang="en-US" altLang="ja-JP" sz="2800" dirty="0"/>
-              <a:t>WEBGUI</a:t>
-            </a:r>
-            <a:r>
-              <a:rPr kumimoji="1" lang="ja-JP" altLang="en-US" sz="2800" dirty="0"/>
-              <a:t>の</a:t>
-            </a:r>
-            <a:r>
               <a:rPr lang="ja-JP" altLang="en-US" sz="2800" dirty="0"/>
-              <a:t>操作</a:t>
+              <a:t>自動作曲について</a:t>
             </a:r>
             <a:endParaRPr lang="en-US" altLang="ja-JP" sz="2800" dirty="0"/>
           </a:p>
@@ -12085,10 +11566,6 @@
               <a:buFont typeface="+mj-ea"/>
               <a:buAutoNum type="circleNumDbPlain"/>
             </a:pPr>
-            <a:r>
-              <a:rPr lang="ja-JP" altLang="en-US" sz="2800" dirty="0"/>
-              <a:t>システムの構成</a:t>
-            </a:r>
             <a:endParaRPr lang="en-US" altLang="ja-JP" sz="2800" dirty="0"/>
           </a:p>
           <a:p>
@@ -12097,8 +11574,8 @@
               <a:buAutoNum type="circleNumDbPlain"/>
             </a:pPr>
             <a:r>
-              <a:rPr lang="ja-JP" altLang="en-US" sz="2800"/>
-              <a:t>自動作曲の方法①</a:t>
+              <a:rPr lang="ja-JP" altLang="en-US" sz="2800" dirty="0"/>
+              <a:t>今後の課題</a:t>
             </a:r>
             <a:endParaRPr lang="en-US" altLang="ja-JP" sz="2800" dirty="0"/>
           </a:p>
@@ -12107,10 +11584,6 @@
               <a:buFont typeface="+mj-ea"/>
               <a:buAutoNum type="circleNumDbPlain"/>
             </a:pPr>
-            <a:r>
-              <a:rPr lang="ja-JP" altLang="en-US" sz="2800" dirty="0"/>
-              <a:t>自動作曲の方法②</a:t>
-            </a:r>
             <a:endParaRPr lang="en-US" altLang="ja-JP" sz="2800" dirty="0"/>
           </a:p>
           <a:p>
@@ -12119,12 +11592,8 @@
               <a:buAutoNum type="circleNumDbPlain"/>
             </a:pPr>
             <a:r>
-              <a:rPr lang="en-US" altLang="ja-JP" sz="2800" dirty="0"/>
-              <a:t>WEBGUI</a:t>
-            </a:r>
-            <a:r>
               <a:rPr lang="ja-JP" altLang="en-US" sz="2800" dirty="0"/>
-              <a:t>の仕組み</a:t>
+              <a:t>まとめ</a:t>
             </a:r>
             <a:endParaRPr lang="en-US" altLang="ja-JP" sz="2800" dirty="0"/>
           </a:p>
@@ -12133,43 +11602,6 @@
               <a:buFont typeface="+mj-ea"/>
               <a:buAutoNum type="circleNumDbPlain"/>
             </a:pPr>
-            <a:r>
-              <a:rPr lang="ja-JP" altLang="en-US" sz="2800" dirty="0"/>
-              <a:t>アプリの使い方</a:t>
-            </a:r>
-            <a:endParaRPr lang="en-US" altLang="ja-JP" sz="2800" dirty="0"/>
-          </a:p>
-          <a:p>
-            <a:pPr marL="342900" indent="-342900">
-              <a:buFont typeface="+mj-ea"/>
-              <a:buAutoNum type="circleNumDbPlain"/>
-            </a:pPr>
-            <a:r>
-              <a:rPr lang="ja-JP" altLang="en-US" sz="2800" dirty="0"/>
-              <a:t>今後の課題</a:t>
-            </a:r>
-            <a:endParaRPr lang="en-US" altLang="ja-JP" sz="2800" dirty="0"/>
-          </a:p>
-          <a:p>
-            <a:pPr marL="342900" indent="-342900">
-              <a:buFont typeface="+mj-ea"/>
-              <a:buAutoNum type="circleNumDbPlain"/>
-            </a:pPr>
-            <a:r>
-              <a:rPr lang="ja-JP" altLang="en-US" sz="2800" dirty="0"/>
-              <a:t>まとめ</a:t>
-            </a:r>
-            <a:endParaRPr lang="en-US" altLang="ja-JP" sz="2800" dirty="0"/>
-          </a:p>
-          <a:p>
-            <a:pPr marL="342900" indent="-342900">
-              <a:buFont typeface="+mj-ea"/>
-              <a:buAutoNum type="circleNumDbPlain"/>
-            </a:pPr>
-            <a:r>
-              <a:rPr lang="ja-JP" altLang="en-US" sz="2800" dirty="0"/>
-              <a:t>メンバー紹介</a:t>
-            </a:r>
             <a:endParaRPr lang="en-US" altLang="ja-JP" sz="2800" dirty="0"/>
           </a:p>
         </p:txBody>
@@ -12287,7 +11719,7 @@
         <p:spPr>
           <a:xfrm>
             <a:off x="508000" y="2433729"/>
-            <a:ext cx="10913979" cy="1569660"/>
+            <a:ext cx="10913979" cy="2062103"/>
           </a:xfrm>
           <a:prstGeom prst="rect">
             <a:avLst/>
@@ -12305,12 +11737,16 @@
               <a:buChar char="•"/>
             </a:pPr>
             <a:r>
+              <a:rPr lang="ja-JP" altLang="en-US" sz="3200" dirty="0"/>
+              <a:t>続きのメロディを</a:t>
+            </a:r>
+            <a:r>
               <a:rPr lang="en-US" altLang="ja-JP" sz="3200" dirty="0"/>
               <a:t>AI</a:t>
             </a:r>
             <a:r>
               <a:rPr lang="ja-JP" altLang="en-US" sz="3200" dirty="0"/>
-              <a:t>を使ったゲーム音楽風の自動作曲アプリ</a:t>
+              <a:t>が自動作曲</a:t>
             </a:r>
             <a:endParaRPr lang="en-US" altLang="ja-JP" sz="3200" dirty="0"/>
           </a:p>
@@ -12326,10 +11762,10 @@
               <a:buFont typeface="Arial" panose="020B0604020202020204" pitchFamily="34" charset="0"/>
               <a:buChar char="•"/>
             </a:pPr>
-            <a:r>
-              <a:rPr lang="ja-JP" altLang="en-US" sz="3200" dirty="0"/>
-              <a:t>初心者でも簡単に作曲できる</a:t>
-            </a:r>
+            <a:endParaRPr lang="en-US" altLang="ja-JP" sz="3200" dirty="0"/>
+          </a:p>
+          <a:p>
+            <a:endParaRPr lang="en-US" altLang="ja-JP" sz="3200" dirty="0"/>
           </a:p>
         </p:txBody>
       </p:sp>
@@ -12485,684 +11921,6 @@
 </file>
 
 <file path=ppt/slides/slide4.xml><?xml version="1.0" encoding="utf-8"?>
-<p:sld xmlns:a="http://schemas.openxmlformats.org/drawingml/2006/main" xmlns:r="http://schemas.openxmlformats.org/officeDocument/2006/relationships" xmlns:p="http://schemas.openxmlformats.org/presentationml/2006/main">
-  <p:cSld>
-    <p:spTree>
-      <p:nvGrpSpPr>
-        <p:cNvPr id="1" name=""/>
-        <p:cNvGrpSpPr/>
-        <p:nvPr/>
-      </p:nvGrpSpPr>
-      <p:grpSpPr>
-        <a:xfrm>
-          <a:off x="0" y="0"/>
-          <a:ext cx="0" cy="0"/>
-          <a:chOff x="0" y="0"/>
-          <a:chExt cx="0" cy="0"/>
-        </a:xfrm>
-      </p:grpSpPr>
-      <p:sp>
-        <p:nvSpPr>
-          <p:cNvPr id="2" name="タイトル 1">
-            <a:extLst>
-              <a:ext uri="{FF2B5EF4-FFF2-40B4-BE49-F238E27FC236}">
-                <a16:creationId xmlns:a16="http://schemas.microsoft.com/office/drawing/2014/main" id="{839B07C4-E9DF-4F67-BD06-F0441A00A426}"/>
-              </a:ext>
-            </a:extLst>
-          </p:cNvPr>
-          <p:cNvSpPr>
-            <a:spLocks noGrp="1"/>
-          </p:cNvSpPr>
-          <p:nvPr>
-            <p:ph type="ctrTitle"/>
-          </p:nvPr>
-        </p:nvSpPr>
-        <p:spPr>
-          <a:xfrm>
-            <a:off x="560615" y="527050"/>
-            <a:ext cx="8256814" cy="1303337"/>
-          </a:xfrm>
-        </p:spPr>
-        <p:txBody>
-          <a:bodyPr>
-            <a:normAutofit/>
-          </a:bodyPr>
-          <a:lstStyle/>
-          <a:p>
-            <a:pPr algn="l"/>
-            <a:r>
-              <a:rPr lang="en-US" altLang="ja-JP" sz="6600" b="1" dirty="0"/>
-              <a:t>b</a:t>
-            </a:r>
-            <a:r>
-              <a:rPr kumimoji="1" lang="en-US" altLang="ja-JP" sz="6600" b="1" dirty="0"/>
-              <a:t>it composer</a:t>
-            </a:r>
-            <a:r>
-              <a:rPr kumimoji="1" lang="ja-JP" altLang="en-US" sz="6600" b="1" dirty="0"/>
-              <a:t>の機能</a:t>
-            </a:r>
-          </a:p>
-        </p:txBody>
-      </p:sp>
-      <p:sp>
-        <p:nvSpPr>
-          <p:cNvPr id="3" name="字幕 2">
-            <a:extLst>
-              <a:ext uri="{FF2B5EF4-FFF2-40B4-BE49-F238E27FC236}">
-                <a16:creationId xmlns:a16="http://schemas.microsoft.com/office/drawing/2014/main" id="{9CA4ABDA-9BC8-4D55-A847-B4791DFA0080}"/>
-              </a:ext>
-            </a:extLst>
-          </p:cNvPr>
-          <p:cNvSpPr>
-            <a:spLocks noGrp="1"/>
-          </p:cNvSpPr>
-          <p:nvPr>
-            <p:ph type="subTitle" idx="1"/>
-          </p:nvPr>
-        </p:nvSpPr>
-        <p:spPr>
-          <a:xfrm>
-            <a:off x="400595" y="2357483"/>
-            <a:ext cx="11631385" cy="4052207"/>
-          </a:xfrm>
-        </p:spPr>
-        <p:txBody>
-          <a:bodyPr>
-            <a:normAutofit/>
-          </a:bodyPr>
-          <a:lstStyle/>
-          <a:p>
-            <a:pPr algn="l"/>
-            <a:r>
-              <a:rPr kumimoji="1" lang="ja-JP" altLang="en-US" sz="5400" dirty="0"/>
-              <a:t>・</a:t>
-            </a:r>
-            <a:r>
-              <a:rPr lang="ja-JP" altLang="en-US" sz="4800" dirty="0"/>
-              <a:t>サイト</a:t>
-            </a:r>
-            <a:r>
-              <a:rPr kumimoji="1" lang="ja-JP" altLang="en-US" sz="4800" dirty="0"/>
-              <a:t>から入力したメロディの続きをゲーム風にアレンジして作曲します。</a:t>
-            </a:r>
-            <a:endParaRPr kumimoji="1" lang="en-US" altLang="ja-JP" sz="4800" dirty="0"/>
-          </a:p>
-        </p:txBody>
-      </p:sp>
-      <p:sp>
-        <p:nvSpPr>
-          <p:cNvPr id="4" name="正方形/長方形 3">
-            <a:extLst>
-              <a:ext uri="{FF2B5EF4-FFF2-40B4-BE49-F238E27FC236}">
-                <a16:creationId xmlns:a16="http://schemas.microsoft.com/office/drawing/2014/main" id="{67F5EE5A-F1DB-4AAF-B3AD-14EB82B540EB}"/>
-              </a:ext>
-            </a:extLst>
-          </p:cNvPr>
-          <p:cNvSpPr/>
-          <p:nvPr/>
-        </p:nvSpPr>
-        <p:spPr>
-          <a:xfrm>
-            <a:off x="8268101" y="0"/>
-            <a:ext cx="3923899" cy="1967345"/>
-          </a:xfrm>
-          <a:prstGeom prst="rect">
-            <a:avLst/>
-          </a:prstGeom>
-          <a:solidFill>
-            <a:schemeClr val="bg2">
-              <a:lumMod val="50000"/>
-            </a:schemeClr>
-          </a:solidFill>
-          <a:ln>
-            <a:solidFill>
-              <a:schemeClr val="tx1"/>
-            </a:solidFill>
-          </a:ln>
-        </p:spPr>
-        <p:style>
-          <a:lnRef idx="2">
-            <a:schemeClr val="accent1">
-              <a:shade val="50000"/>
-            </a:schemeClr>
-          </a:lnRef>
-          <a:fillRef idx="1">
-            <a:schemeClr val="accent1"/>
-          </a:fillRef>
-          <a:effectRef idx="0">
-            <a:schemeClr val="accent1"/>
-          </a:effectRef>
-          <a:fontRef idx="minor">
-            <a:schemeClr val="lt1"/>
-          </a:fontRef>
-        </p:style>
-        <p:txBody>
-          <a:bodyPr rtlCol="0" anchor="ctr"/>
-          <a:lstStyle/>
-          <a:p>
-            <a:pPr algn="ctr"/>
-            <a:endParaRPr kumimoji="1" lang="ja-JP" altLang="en-US"/>
-          </a:p>
-        </p:txBody>
-      </p:sp>
-    </p:spTree>
-    <p:extLst>
-      <p:ext uri="{BB962C8B-B14F-4D97-AF65-F5344CB8AC3E}">
-        <p14:creationId xmlns:p14="http://schemas.microsoft.com/office/powerpoint/2010/main" val="3859487932"/>
-      </p:ext>
-    </p:extLst>
-  </p:cSld>
-  <p:clrMapOvr>
-    <a:masterClrMapping/>
-  </p:clrMapOvr>
-  <mc:AlternateContent xmlns:mc="http://schemas.openxmlformats.org/markup-compatibility/2006" xmlns:p14="http://schemas.microsoft.com/office/powerpoint/2010/main">
-    <mc:Choice Requires="p14">
-      <p:transition spd="slow" p14:dur="800">
-        <p:circle/>
-      </p:transition>
-    </mc:Choice>
-    <mc:Fallback xmlns="">
-      <p:transition spd="slow">
-        <p:circle/>
-      </p:transition>
-    </mc:Fallback>
-  </mc:AlternateContent>
-</p:sld>
-</file>
-
-<file path=ppt/slides/slide5.xml><?xml version="1.0" encoding="utf-8"?>
-<p:sld xmlns:a="http://schemas.openxmlformats.org/drawingml/2006/main" xmlns:r="http://schemas.openxmlformats.org/officeDocument/2006/relationships" xmlns:p="http://schemas.openxmlformats.org/presentationml/2006/main">
-  <p:cSld>
-    <p:spTree>
-      <p:nvGrpSpPr>
-        <p:cNvPr id="1" name=""/>
-        <p:cNvGrpSpPr/>
-        <p:nvPr/>
-      </p:nvGrpSpPr>
-      <p:grpSpPr>
-        <a:xfrm>
-          <a:off x="0" y="0"/>
-          <a:ext cx="0" cy="0"/>
-          <a:chOff x="0" y="0"/>
-          <a:chExt cx="0" cy="0"/>
-        </a:xfrm>
-      </p:grpSpPr>
-      <p:sp>
-        <p:nvSpPr>
-          <p:cNvPr id="2" name="タイトル 1">
-            <a:extLst>
-              <a:ext uri="{FF2B5EF4-FFF2-40B4-BE49-F238E27FC236}">
-                <a16:creationId xmlns:a16="http://schemas.microsoft.com/office/drawing/2014/main" id="{3A808DAC-6E3F-4297-8A6E-2FAEBAF0E414}"/>
-              </a:ext>
-            </a:extLst>
-          </p:cNvPr>
-          <p:cNvSpPr>
-            <a:spLocks noGrp="1"/>
-          </p:cNvSpPr>
-          <p:nvPr>
-            <p:ph type="title"/>
-          </p:nvPr>
-        </p:nvSpPr>
-        <p:spPr>
-          <a:xfrm>
-            <a:off x="839788" y="389151"/>
-            <a:ext cx="5952898" cy="1273393"/>
-          </a:xfrm>
-        </p:spPr>
-        <p:txBody>
-          <a:bodyPr>
-            <a:normAutofit/>
-          </a:bodyPr>
-          <a:lstStyle/>
-          <a:p>
-            <a:r>
-              <a:rPr kumimoji="1" lang="en-US" altLang="ja-JP" sz="4800" b="1" dirty="0"/>
-              <a:t>WEBGUI</a:t>
-            </a:r>
-            <a:r>
-              <a:rPr kumimoji="1" lang="ja-JP" altLang="en-US" sz="4800" b="1" dirty="0"/>
-              <a:t>の</a:t>
-            </a:r>
-            <a:r>
-              <a:rPr lang="ja-JP" altLang="en-US" sz="4800" b="1" dirty="0"/>
-              <a:t>操作</a:t>
-            </a:r>
-            <a:endParaRPr kumimoji="1" lang="ja-JP" altLang="en-US" sz="4800" b="1" dirty="0"/>
-          </a:p>
-        </p:txBody>
-      </p:sp>
-      <p:pic>
-        <p:nvPicPr>
-          <p:cNvPr id="6" name="図プレースホルダー 5">
-            <a:extLst>
-              <a:ext uri="{FF2B5EF4-FFF2-40B4-BE49-F238E27FC236}">
-                <a16:creationId xmlns:a16="http://schemas.microsoft.com/office/drawing/2014/main" id="{DFBC87AE-945E-4952-AF76-7052469DD345}"/>
-              </a:ext>
-            </a:extLst>
-          </p:cNvPr>
-          <p:cNvPicPr>
-            <a:picLocks noGrp="1" noChangeAspect="1"/>
-          </p:cNvPicPr>
-          <p:nvPr>
-            <p:ph type="pic" idx="1"/>
-          </p:nvPr>
-        </p:nvPicPr>
-        <p:blipFill>
-          <a:blip r:embed="rId3">
-            <a:extLst>
-              <a:ext uri="{28A0092B-C50C-407E-A947-70E740481C1C}">
-                <a14:useLocalDpi xmlns:a14="http://schemas.microsoft.com/office/drawing/2010/main" val="0"/>
-              </a:ext>
-            </a:extLst>
-          </a:blip>
-          <a:stretch>
-            <a:fillRect/>
-          </a:stretch>
-        </p:blipFill>
-        <p:spPr>
-          <a:xfrm>
-            <a:off x="4096375" y="2075247"/>
-            <a:ext cx="7801991" cy="3831771"/>
-          </a:xfrm>
-        </p:spPr>
-      </p:pic>
-      <p:sp>
-        <p:nvSpPr>
-          <p:cNvPr id="4" name="テキスト プレースホルダー 3">
-            <a:extLst>
-              <a:ext uri="{FF2B5EF4-FFF2-40B4-BE49-F238E27FC236}">
-                <a16:creationId xmlns:a16="http://schemas.microsoft.com/office/drawing/2014/main" id="{E7547DF9-D26C-401C-B92F-78096A655920}"/>
-              </a:ext>
-            </a:extLst>
-          </p:cNvPr>
-          <p:cNvSpPr>
-            <a:spLocks noGrp="1"/>
-          </p:cNvSpPr>
-          <p:nvPr>
-            <p:ph type="body" sz="half" idx="2"/>
-          </p:nvPr>
-        </p:nvSpPr>
-        <p:spPr>
-          <a:xfrm>
-            <a:off x="839789" y="2032000"/>
-            <a:ext cx="3209698" cy="2101225"/>
-          </a:xfrm>
-        </p:spPr>
-        <p:txBody>
-          <a:bodyPr/>
-          <a:lstStyle/>
-          <a:p>
-            <a:r>
-              <a:rPr lang="ja-JP" altLang="en-US" sz="2800" dirty="0"/>
-              <a:t>①楽譜</a:t>
-            </a:r>
-            <a:endParaRPr lang="en-US" altLang="ja-JP" sz="2800" dirty="0"/>
-          </a:p>
-          <a:p>
-            <a:r>
-              <a:rPr kumimoji="1" lang="ja-JP" altLang="en-US" sz="2800" dirty="0"/>
-              <a:t>②</a:t>
-            </a:r>
-            <a:r>
-              <a:rPr lang="ja-JP" altLang="en-US" sz="2800" dirty="0"/>
-              <a:t>ピアノ</a:t>
-            </a:r>
-            <a:endParaRPr lang="en-US" altLang="ja-JP" sz="2800" dirty="0"/>
-          </a:p>
-          <a:p>
-            <a:r>
-              <a:rPr lang="ja-JP" altLang="en-US" sz="2800" dirty="0"/>
-              <a:t>③音符 休符</a:t>
-            </a:r>
-            <a:endParaRPr lang="en-US" altLang="ja-JP" sz="2800" dirty="0"/>
-          </a:p>
-          <a:p>
-            <a:r>
-              <a:rPr lang="ja-JP" altLang="en-US" sz="2800" dirty="0"/>
-              <a:t>④送信</a:t>
-            </a:r>
-            <a:endParaRPr lang="en-US" altLang="ja-JP" sz="2800" dirty="0"/>
-          </a:p>
-          <a:p>
-            <a:endParaRPr kumimoji="1" lang="ja-JP" altLang="en-US" dirty="0"/>
-          </a:p>
-        </p:txBody>
-      </p:sp>
-      <p:sp>
-        <p:nvSpPr>
-          <p:cNvPr id="7" name="正方形/長方形 6">
-            <a:extLst>
-              <a:ext uri="{FF2B5EF4-FFF2-40B4-BE49-F238E27FC236}">
-                <a16:creationId xmlns:a16="http://schemas.microsoft.com/office/drawing/2014/main" id="{41AB9D3B-5670-400A-BCCB-5F614A7A2168}"/>
-              </a:ext>
-            </a:extLst>
-          </p:cNvPr>
-          <p:cNvSpPr/>
-          <p:nvPr/>
-        </p:nvSpPr>
-        <p:spPr>
-          <a:xfrm>
-            <a:off x="8287352" y="0"/>
-            <a:ext cx="3904649" cy="1944303"/>
-          </a:xfrm>
-          <a:prstGeom prst="rect">
-            <a:avLst/>
-          </a:prstGeom>
-          <a:solidFill>
-            <a:schemeClr val="bg2">
-              <a:lumMod val="50000"/>
-            </a:schemeClr>
-          </a:solidFill>
-          <a:ln>
-            <a:solidFill>
-              <a:schemeClr val="tx1"/>
-            </a:solidFill>
-          </a:ln>
-        </p:spPr>
-        <p:style>
-          <a:lnRef idx="2">
-            <a:schemeClr val="accent1">
-              <a:shade val="50000"/>
-            </a:schemeClr>
-          </a:lnRef>
-          <a:fillRef idx="1">
-            <a:schemeClr val="accent1"/>
-          </a:fillRef>
-          <a:effectRef idx="0">
-            <a:schemeClr val="accent1"/>
-          </a:effectRef>
-          <a:fontRef idx="minor">
-            <a:schemeClr val="lt1"/>
-          </a:fontRef>
-        </p:style>
-        <p:txBody>
-          <a:bodyPr rtlCol="0" anchor="ctr"/>
-          <a:lstStyle/>
-          <a:p>
-            <a:pPr algn="ctr"/>
-            <a:endParaRPr kumimoji="1" lang="ja-JP" altLang="en-US"/>
-          </a:p>
-        </p:txBody>
-      </p:sp>
-      <p:sp>
-        <p:nvSpPr>
-          <p:cNvPr id="5" name="吹き出し: 四角形 4">
-            <a:extLst>
-              <a:ext uri="{FF2B5EF4-FFF2-40B4-BE49-F238E27FC236}">
-                <a16:creationId xmlns:a16="http://schemas.microsoft.com/office/drawing/2014/main" id="{D44495AE-7036-4E44-A4F9-DD8DD1DF373E}"/>
-              </a:ext>
-            </a:extLst>
-          </p:cNvPr>
-          <p:cNvSpPr/>
-          <p:nvPr/>
-        </p:nvSpPr>
-        <p:spPr>
-          <a:xfrm>
-            <a:off x="9967857" y="2216578"/>
-            <a:ext cx="783925" cy="630487"/>
-          </a:xfrm>
-          <a:prstGeom prst="wedgeRectCallout">
-            <a:avLst>
-              <a:gd name="adj1" fmla="val -94537"/>
-              <a:gd name="adj2" fmla="val 98564"/>
-            </a:avLst>
-          </a:prstGeom>
-        </p:spPr>
-        <p:style>
-          <a:lnRef idx="2">
-            <a:schemeClr val="dk1"/>
-          </a:lnRef>
-          <a:fillRef idx="1">
-            <a:schemeClr val="lt1"/>
-          </a:fillRef>
-          <a:effectRef idx="0">
-            <a:schemeClr val="dk1"/>
-          </a:effectRef>
-          <a:fontRef idx="minor">
-            <a:schemeClr val="dk1"/>
-          </a:fontRef>
-        </p:style>
-        <p:txBody>
-          <a:bodyPr rtlCol="0" anchor="ctr"/>
-          <a:lstStyle/>
-          <a:p>
-            <a:pPr algn="ctr"/>
-            <a:r>
-              <a:rPr kumimoji="1" lang="ja-JP" altLang="en-US" dirty="0"/>
-              <a:t>①</a:t>
-            </a:r>
-          </a:p>
-        </p:txBody>
-      </p:sp>
-      <p:sp>
-        <p:nvSpPr>
-          <p:cNvPr id="9" name="吹き出し: 四角形 8">
-            <a:extLst>
-              <a:ext uri="{FF2B5EF4-FFF2-40B4-BE49-F238E27FC236}">
-                <a16:creationId xmlns:a16="http://schemas.microsoft.com/office/drawing/2014/main" id="{50AE4DAF-C04F-4B05-86A7-994D5991264B}"/>
-              </a:ext>
-            </a:extLst>
-          </p:cNvPr>
-          <p:cNvSpPr/>
-          <p:nvPr/>
-        </p:nvSpPr>
-        <p:spPr>
-          <a:xfrm>
-            <a:off x="5092918" y="3569776"/>
-            <a:ext cx="653143" cy="563449"/>
-          </a:xfrm>
-          <a:prstGeom prst="wedgeRectCallout">
-            <a:avLst>
-              <a:gd name="adj1" fmla="val 136945"/>
-              <a:gd name="adj2" fmla="val 88260"/>
-            </a:avLst>
-          </a:prstGeom>
-        </p:spPr>
-        <p:style>
-          <a:lnRef idx="2">
-            <a:schemeClr val="dk1"/>
-          </a:lnRef>
-          <a:fillRef idx="1">
-            <a:schemeClr val="lt1"/>
-          </a:fillRef>
-          <a:effectRef idx="0">
-            <a:schemeClr val="dk1"/>
-          </a:effectRef>
-          <a:fontRef idx="minor">
-            <a:schemeClr val="dk1"/>
-          </a:fontRef>
-        </p:style>
-        <p:txBody>
-          <a:bodyPr rtlCol="0" anchor="ctr"/>
-          <a:lstStyle/>
-          <a:p>
-            <a:pPr algn="ctr"/>
-            <a:r>
-              <a:rPr lang="ja-JP" altLang="en-US" dirty="0"/>
-              <a:t>②</a:t>
-            </a:r>
-            <a:endParaRPr kumimoji="1" lang="ja-JP" altLang="en-US" dirty="0"/>
-          </a:p>
-        </p:txBody>
-      </p:sp>
-      <p:sp>
-        <p:nvSpPr>
-          <p:cNvPr id="10" name="吹き出し: 四角形 9">
-            <a:extLst>
-              <a:ext uri="{FF2B5EF4-FFF2-40B4-BE49-F238E27FC236}">
-                <a16:creationId xmlns:a16="http://schemas.microsoft.com/office/drawing/2014/main" id="{C5F59958-6ED0-4C0B-B036-11030E727154}"/>
-              </a:ext>
-            </a:extLst>
-          </p:cNvPr>
-          <p:cNvSpPr/>
-          <p:nvPr/>
-        </p:nvSpPr>
-        <p:spPr>
-          <a:xfrm>
-            <a:off x="4869926" y="4738397"/>
-            <a:ext cx="653143" cy="563449"/>
-          </a:xfrm>
-          <a:prstGeom prst="wedgeRectCallout">
-            <a:avLst>
-              <a:gd name="adj1" fmla="val -45276"/>
-              <a:gd name="adj2" fmla="val 77956"/>
-            </a:avLst>
-          </a:prstGeom>
-        </p:spPr>
-        <p:style>
-          <a:lnRef idx="2">
-            <a:schemeClr val="dk1"/>
-          </a:lnRef>
-          <a:fillRef idx="1">
-            <a:schemeClr val="lt1"/>
-          </a:fillRef>
-          <a:effectRef idx="0">
-            <a:schemeClr val="dk1"/>
-          </a:effectRef>
-          <a:fontRef idx="minor">
-            <a:schemeClr val="dk1"/>
-          </a:fontRef>
-        </p:style>
-        <p:txBody>
-          <a:bodyPr rtlCol="0" anchor="ctr"/>
-          <a:lstStyle/>
-          <a:p>
-            <a:pPr algn="ctr"/>
-            <a:r>
-              <a:rPr kumimoji="1" lang="ja-JP" altLang="en-US" dirty="0"/>
-              <a:t>③</a:t>
-            </a:r>
-          </a:p>
-        </p:txBody>
-      </p:sp>
-      <p:sp>
-        <p:nvSpPr>
-          <p:cNvPr id="11" name="吹き出し: 四角形 10">
-            <a:extLst>
-              <a:ext uri="{FF2B5EF4-FFF2-40B4-BE49-F238E27FC236}">
-                <a16:creationId xmlns:a16="http://schemas.microsoft.com/office/drawing/2014/main" id="{4342CBC3-3645-4FD8-98CB-5018117D9859}"/>
-              </a:ext>
-            </a:extLst>
-          </p:cNvPr>
-          <p:cNvSpPr/>
-          <p:nvPr/>
-        </p:nvSpPr>
-        <p:spPr>
-          <a:xfrm>
-            <a:off x="10865982" y="4133225"/>
-            <a:ext cx="653143" cy="656397"/>
-          </a:xfrm>
-          <a:prstGeom prst="wedgeRectCallout">
-            <a:avLst>
-              <a:gd name="adj1" fmla="val -107499"/>
-              <a:gd name="adj2" fmla="val 160387"/>
-            </a:avLst>
-          </a:prstGeom>
-        </p:spPr>
-        <p:style>
-          <a:lnRef idx="2">
-            <a:schemeClr val="dk1"/>
-          </a:lnRef>
-          <a:fillRef idx="1">
-            <a:schemeClr val="lt1"/>
-          </a:fillRef>
-          <a:effectRef idx="0">
-            <a:schemeClr val="dk1"/>
-          </a:effectRef>
-          <a:fontRef idx="minor">
-            <a:schemeClr val="dk1"/>
-          </a:fontRef>
-        </p:style>
-        <p:txBody>
-          <a:bodyPr rtlCol="0" anchor="ctr"/>
-          <a:lstStyle/>
-          <a:p>
-            <a:pPr algn="ctr"/>
-            <a:r>
-              <a:rPr lang="ja-JP" altLang="en-US" dirty="0"/>
-              <a:t>④</a:t>
-            </a:r>
-            <a:endParaRPr kumimoji="1" lang="ja-JP" altLang="en-US" dirty="0"/>
-          </a:p>
-        </p:txBody>
-      </p:sp>
-      <p:sp>
-        <p:nvSpPr>
-          <p:cNvPr id="12" name="テキスト ボックス 11">
-            <a:extLst>
-              <a:ext uri="{FF2B5EF4-FFF2-40B4-BE49-F238E27FC236}">
-                <a16:creationId xmlns:a16="http://schemas.microsoft.com/office/drawing/2014/main" id="{EC1C8BCC-411D-4F83-AABD-4DF9CF64FCE1}"/>
-              </a:ext>
-            </a:extLst>
-          </p:cNvPr>
-          <p:cNvSpPr txBox="1"/>
-          <p:nvPr/>
-        </p:nvSpPr>
-        <p:spPr>
-          <a:xfrm>
-            <a:off x="7997371" y="6037962"/>
-            <a:ext cx="3940972" cy="646331"/>
-          </a:xfrm>
-          <a:prstGeom prst="rect">
-            <a:avLst/>
-          </a:prstGeom>
-          <a:noFill/>
-        </p:spPr>
-        <p:txBody>
-          <a:bodyPr wrap="square" rtlCol="0">
-            <a:spAutoFit/>
-          </a:bodyPr>
-          <a:lstStyle/>
-          <a:p>
-            <a:r>
-              <a:rPr lang="en-US" altLang="ja-JP" dirty="0"/>
-              <a:t>Backspace</a:t>
-            </a:r>
-            <a:r>
-              <a:rPr lang="ja-JP" altLang="en-US" dirty="0"/>
-              <a:t>で削除</a:t>
-            </a:r>
-            <a:r>
-              <a:rPr lang="en-US" altLang="ja-JP" dirty="0"/>
-              <a:t>,</a:t>
-            </a:r>
-          </a:p>
-          <a:p>
-            <a:r>
-              <a:rPr lang="ja-JP" altLang="en-US" dirty="0"/>
-              <a:t>スペースキーで休符ができます。</a:t>
-            </a:r>
-            <a:endParaRPr lang="en-US" altLang="ja-JP" dirty="0"/>
-          </a:p>
-        </p:txBody>
-      </p:sp>
-    </p:spTree>
-    <p:extLst>
-      <p:ext uri="{BB962C8B-B14F-4D97-AF65-F5344CB8AC3E}">
-        <p14:creationId xmlns:p14="http://schemas.microsoft.com/office/powerpoint/2010/main" val="2566175641"/>
-      </p:ext>
-    </p:extLst>
-  </p:cSld>
-  <p:clrMapOvr>
-    <a:masterClrMapping/>
-  </p:clrMapOvr>
-  <mc:AlternateContent xmlns:mc="http://schemas.openxmlformats.org/markup-compatibility/2006" xmlns:p14="http://schemas.microsoft.com/office/powerpoint/2010/main">
-    <mc:Choice Requires="p14">
-      <p:transition spd="slow" p14:dur="800">
-        <p:circle/>
-      </p:transition>
-    </mc:Choice>
-    <mc:Fallback xmlns="">
-      <p:transition spd="slow">
-        <p:circle/>
-      </p:transition>
-    </mc:Fallback>
-  </mc:AlternateContent>
-</p:sld>
-</file>
-
-<file path=ppt/slides/slide6.xml><?xml version="1.0" encoding="utf-8"?>
 <p:sld xmlns:a="http://schemas.openxmlformats.org/drawingml/2006/main" xmlns:r="http://schemas.openxmlformats.org/officeDocument/2006/relationships" xmlns:p="http://schemas.openxmlformats.org/presentationml/2006/main">
   <p:cSld>
     <p:spTree>
@@ -13899,7 +12657,7 @@
         </p:nvSpPr>
         <p:spPr>
           <a:xfrm>
-            <a:off x="6426153" y="3635113"/>
+            <a:off x="6426669" y="3544318"/>
             <a:ext cx="827628" cy="867768"/>
           </a:xfrm>
           <a:prstGeom prst="upArrow">
@@ -14095,7 +12853,226 @@
 </p:sld>
 </file>
 
-<file path=ppt/slides/slide7.xml><?xml version="1.0" encoding="utf-8"?>
+<file path=ppt/slides/slide5.xml><?xml version="1.0" encoding="utf-8"?>
+<p:sld xmlns:a="http://schemas.openxmlformats.org/drawingml/2006/main" xmlns:r="http://schemas.openxmlformats.org/officeDocument/2006/relationships" xmlns:p="http://schemas.openxmlformats.org/presentationml/2006/main">
+  <p:cSld>
+    <p:spTree>
+      <p:nvGrpSpPr>
+        <p:cNvPr id="1" name=""/>
+        <p:cNvGrpSpPr/>
+        <p:nvPr/>
+      </p:nvGrpSpPr>
+      <p:grpSpPr>
+        <a:xfrm>
+          <a:off x="0" y="0"/>
+          <a:ext cx="0" cy="0"/>
+          <a:chOff x="0" y="0"/>
+          <a:chExt cx="0" cy="0"/>
+        </a:xfrm>
+      </p:grpSpPr>
+      <p:sp>
+        <p:nvSpPr>
+          <p:cNvPr id="2" name="タイトル 1">
+            <a:extLst>
+              <a:ext uri="{FF2B5EF4-FFF2-40B4-BE49-F238E27FC236}">
+                <a16:creationId xmlns:a16="http://schemas.microsoft.com/office/drawing/2014/main" id="{3A808DAC-6E3F-4297-8A6E-2FAEBAF0E414}"/>
+              </a:ext>
+            </a:extLst>
+          </p:cNvPr>
+          <p:cNvSpPr>
+            <a:spLocks noGrp="1"/>
+          </p:cNvSpPr>
+          <p:nvPr>
+            <p:ph type="title"/>
+          </p:nvPr>
+        </p:nvSpPr>
+        <p:spPr>
+          <a:xfrm>
+            <a:off x="839788" y="389151"/>
+            <a:ext cx="5952898" cy="1273393"/>
+          </a:xfrm>
+        </p:spPr>
+        <p:txBody>
+          <a:bodyPr>
+            <a:normAutofit/>
+          </a:bodyPr>
+          <a:lstStyle/>
+          <a:p>
+            <a:r>
+              <a:rPr kumimoji="1" lang="en-US" altLang="ja-JP" sz="4800" b="1" dirty="0"/>
+              <a:t>WEBGUI</a:t>
+            </a:r>
+            <a:endParaRPr kumimoji="1" lang="ja-JP" altLang="en-US" sz="4800" b="1" dirty="0"/>
+          </a:p>
+        </p:txBody>
+      </p:sp>
+      <p:pic>
+        <p:nvPicPr>
+          <p:cNvPr id="6" name="図プレースホルダー 5">
+            <a:extLst>
+              <a:ext uri="{FF2B5EF4-FFF2-40B4-BE49-F238E27FC236}">
+                <a16:creationId xmlns:a16="http://schemas.microsoft.com/office/drawing/2014/main" id="{DFBC87AE-945E-4952-AF76-7052469DD345}"/>
+              </a:ext>
+            </a:extLst>
+          </p:cNvPr>
+          <p:cNvPicPr>
+            <a:picLocks noGrp="1" noChangeAspect="1"/>
+          </p:cNvPicPr>
+          <p:nvPr>
+            <p:ph type="pic" idx="1"/>
+          </p:nvPr>
+        </p:nvPicPr>
+        <p:blipFill>
+          <a:blip r:embed="rId3">
+            <a:extLst>
+              <a:ext uri="{28A0092B-C50C-407E-A947-70E740481C1C}">
+                <a14:useLocalDpi xmlns:a14="http://schemas.microsoft.com/office/drawing/2010/main" val="0"/>
+              </a:ext>
+            </a:extLst>
+          </a:blip>
+          <a:stretch>
+            <a:fillRect/>
+          </a:stretch>
+        </p:blipFill>
+        <p:spPr>
+          <a:xfrm>
+            <a:off x="839788" y="2018107"/>
+            <a:ext cx="7801991" cy="3831771"/>
+          </a:xfrm>
+        </p:spPr>
+      </p:pic>
+      <p:sp>
+        <p:nvSpPr>
+          <p:cNvPr id="7" name="正方形/長方形 6">
+            <a:extLst>
+              <a:ext uri="{FF2B5EF4-FFF2-40B4-BE49-F238E27FC236}">
+                <a16:creationId xmlns:a16="http://schemas.microsoft.com/office/drawing/2014/main" id="{41AB9D3B-5670-400A-BCCB-5F614A7A2168}"/>
+              </a:ext>
+            </a:extLst>
+          </p:cNvPr>
+          <p:cNvSpPr/>
+          <p:nvPr/>
+        </p:nvSpPr>
+        <p:spPr>
+          <a:xfrm>
+            <a:off x="8287352" y="0"/>
+            <a:ext cx="3904649" cy="1944303"/>
+          </a:xfrm>
+          <a:prstGeom prst="rect">
+            <a:avLst/>
+          </a:prstGeom>
+          <a:solidFill>
+            <a:schemeClr val="bg2">
+              <a:lumMod val="50000"/>
+            </a:schemeClr>
+          </a:solidFill>
+          <a:ln>
+            <a:solidFill>
+              <a:schemeClr val="tx1"/>
+            </a:solidFill>
+          </a:ln>
+        </p:spPr>
+        <p:style>
+          <a:lnRef idx="2">
+            <a:schemeClr val="accent1">
+              <a:shade val="50000"/>
+            </a:schemeClr>
+          </a:lnRef>
+          <a:fillRef idx="1">
+            <a:schemeClr val="accent1"/>
+          </a:fillRef>
+          <a:effectRef idx="0">
+            <a:schemeClr val="accent1"/>
+          </a:effectRef>
+          <a:fontRef idx="minor">
+            <a:schemeClr val="lt1"/>
+          </a:fontRef>
+        </p:style>
+        <p:txBody>
+          <a:bodyPr rtlCol="0" anchor="ctr"/>
+          <a:lstStyle/>
+          <a:p>
+            <a:pPr algn="ctr"/>
+            <a:endParaRPr kumimoji="1" lang="ja-JP" altLang="en-US"/>
+          </a:p>
+        </p:txBody>
+      </p:sp>
+      <p:sp>
+        <p:nvSpPr>
+          <p:cNvPr id="12" name="テキスト ボックス 11">
+            <a:extLst>
+              <a:ext uri="{FF2B5EF4-FFF2-40B4-BE49-F238E27FC236}">
+                <a16:creationId xmlns:a16="http://schemas.microsoft.com/office/drawing/2014/main" id="{EC1C8BCC-411D-4F83-AABD-4DF9CF64FCE1}"/>
+              </a:ext>
+            </a:extLst>
+          </p:cNvPr>
+          <p:cNvSpPr txBox="1"/>
+          <p:nvPr/>
+        </p:nvSpPr>
+        <p:spPr>
+          <a:xfrm>
+            <a:off x="7997371" y="6037962"/>
+            <a:ext cx="3940972" cy="646331"/>
+          </a:xfrm>
+          <a:prstGeom prst="rect">
+            <a:avLst/>
+          </a:prstGeom>
+          <a:noFill/>
+        </p:spPr>
+        <p:txBody>
+          <a:bodyPr wrap="square" rtlCol="0">
+            <a:spAutoFit/>
+          </a:bodyPr>
+          <a:lstStyle/>
+          <a:p>
+            <a:r>
+              <a:rPr lang="en-US" altLang="ja-JP" dirty="0"/>
+              <a:t>Backspace</a:t>
+            </a:r>
+            <a:r>
+              <a:rPr lang="ja-JP" altLang="en-US" dirty="0"/>
+              <a:t>で削除</a:t>
+            </a:r>
+            <a:r>
+              <a:rPr lang="en-US" altLang="ja-JP" dirty="0"/>
+              <a:t>,</a:t>
+            </a:r>
+          </a:p>
+          <a:p>
+            <a:r>
+              <a:rPr lang="ja-JP" altLang="en-US" dirty="0"/>
+              <a:t>スペースキーで休符ができます。</a:t>
+            </a:r>
+            <a:endParaRPr lang="en-US" altLang="ja-JP" dirty="0"/>
+          </a:p>
+        </p:txBody>
+      </p:sp>
+    </p:spTree>
+    <p:extLst>
+      <p:ext uri="{BB962C8B-B14F-4D97-AF65-F5344CB8AC3E}">
+        <p14:creationId xmlns:p14="http://schemas.microsoft.com/office/powerpoint/2010/main" val="2566175641"/>
+      </p:ext>
+    </p:extLst>
+  </p:cSld>
+  <p:clrMapOvr>
+    <a:masterClrMapping/>
+  </p:clrMapOvr>
+  <mc:AlternateContent xmlns:mc="http://schemas.openxmlformats.org/markup-compatibility/2006" xmlns:p14="http://schemas.microsoft.com/office/powerpoint/2010/main">
+    <mc:Choice Requires="p14">
+      <p:transition spd="slow" p14:dur="800">
+        <p:circle/>
+      </p:transition>
+    </mc:Choice>
+    <mc:Fallback xmlns="">
+      <p:transition spd="slow">
+        <p:circle/>
+      </p:transition>
+    </mc:Fallback>
+  </mc:AlternateContent>
+</p:sld>
+</file>
+
+<file path=ppt/slides/slide6.xml><?xml version="1.0" encoding="utf-8"?>
 <p:sld xmlns:a="http://schemas.openxmlformats.org/drawingml/2006/main" xmlns:r="http://schemas.openxmlformats.org/officeDocument/2006/relationships" xmlns:p="http://schemas.openxmlformats.org/presentationml/2006/main">
   <p:cSld>
     <p:spTree>
@@ -16758,7 +15735,7 @@
 </p:sld>
 </file>
 
-<file path=ppt/slides/slide8.xml><?xml version="1.0" encoding="utf-8"?>
+<file path=ppt/slides/slide7.xml><?xml version="1.0" encoding="utf-8"?>
 <p:sld xmlns:a="http://schemas.openxmlformats.org/drawingml/2006/main" xmlns:r="http://schemas.openxmlformats.org/officeDocument/2006/relationships" xmlns:p="http://schemas.openxmlformats.org/presentationml/2006/main">
   <p:cSld>
     <p:spTree>
@@ -16962,7 +15939,7 @@
 </p:sld>
 </file>
 
-<file path=ppt/slides/slide9.xml><?xml version="1.0" encoding="utf-8"?>
+<file path=ppt/slides/slide8.xml><?xml version="1.0" encoding="utf-8"?>
 <p:sld xmlns:a="http://schemas.openxmlformats.org/drawingml/2006/main" xmlns:r="http://schemas.openxmlformats.org/officeDocument/2006/relationships" xmlns:p="http://schemas.openxmlformats.org/presentationml/2006/main">
   <p:cSld>
     <p:spTree>
@@ -17176,6 +16153,372 @@
     <p:extLst>
       <p:ext uri="{BB962C8B-B14F-4D97-AF65-F5344CB8AC3E}">
         <p14:creationId xmlns:p14="http://schemas.microsoft.com/office/powerpoint/2010/main" val="1842221593"/>
+      </p:ext>
+    </p:extLst>
+  </p:cSld>
+  <p:clrMapOvr>
+    <a:masterClrMapping/>
+  </p:clrMapOvr>
+  <mc:AlternateContent xmlns:mc="http://schemas.openxmlformats.org/markup-compatibility/2006" xmlns:p14="http://schemas.microsoft.com/office/powerpoint/2010/main">
+    <mc:Choice Requires="p14">
+      <p:transition spd="slow" p14:dur="800">
+        <p:circle/>
+      </p:transition>
+    </mc:Choice>
+    <mc:Fallback xmlns="">
+      <p:transition spd="slow">
+        <p:circle/>
+      </p:transition>
+    </mc:Fallback>
+  </mc:AlternateContent>
+</p:sld>
+</file>
+
+<file path=ppt/slides/slide9.xml><?xml version="1.0" encoding="utf-8"?>
+<p:sld xmlns:a="http://schemas.openxmlformats.org/drawingml/2006/main" xmlns:r="http://schemas.openxmlformats.org/officeDocument/2006/relationships" xmlns:p="http://schemas.openxmlformats.org/presentationml/2006/main">
+  <p:cSld>
+    <p:spTree>
+      <p:nvGrpSpPr>
+        <p:cNvPr id="1" name=""/>
+        <p:cNvGrpSpPr/>
+        <p:nvPr/>
+      </p:nvGrpSpPr>
+      <p:grpSpPr>
+        <a:xfrm>
+          <a:off x="0" y="0"/>
+          <a:ext cx="0" cy="0"/>
+          <a:chOff x="0" y="0"/>
+          <a:chExt cx="0" cy="0"/>
+        </a:xfrm>
+      </p:grpSpPr>
+      <p:sp>
+        <p:nvSpPr>
+          <p:cNvPr id="2" name="タイトル 1">
+            <a:extLst>
+              <a:ext uri="{FF2B5EF4-FFF2-40B4-BE49-F238E27FC236}">
+                <a16:creationId xmlns:a16="http://schemas.microsoft.com/office/drawing/2014/main" id="{025C00AC-50C2-4AEE-B119-C8EF0488D58A}"/>
+              </a:ext>
+            </a:extLst>
+          </p:cNvPr>
+          <p:cNvSpPr>
+            <a:spLocks noGrp="1"/>
+          </p:cNvSpPr>
+          <p:nvPr>
+            <p:ph type="title"/>
+          </p:nvPr>
+        </p:nvSpPr>
+        <p:spPr>
+          <a:xfrm>
+            <a:off x="838201" y="365125"/>
+            <a:ext cx="7391400" cy="1325563"/>
+          </a:xfrm>
+        </p:spPr>
+        <p:txBody>
+          <a:bodyPr>
+            <a:normAutofit/>
+          </a:bodyPr>
+          <a:lstStyle/>
+          <a:p>
+            <a:r>
+              <a:rPr kumimoji="1" lang="ja-JP" altLang="en-US" sz="3200" b="1" dirty="0"/>
+              <a:t>アプリの使い方</a:t>
+            </a:r>
+            <a:r>
+              <a:rPr kumimoji="1" lang="en-US" altLang="ja-JP" sz="3200" b="1" dirty="0"/>
+              <a:t>(</a:t>
+            </a:r>
+            <a:r>
+              <a:rPr kumimoji="1" lang="ja-JP" altLang="en-US" sz="3200" b="1" dirty="0"/>
+              <a:t>デモンストレーション</a:t>
+            </a:r>
+            <a:r>
+              <a:rPr kumimoji="1" lang="en-US" altLang="ja-JP" sz="3200" dirty="0"/>
+              <a:t>)</a:t>
+            </a:r>
+            <a:endParaRPr kumimoji="1" lang="ja-JP" altLang="en-US" sz="3200" dirty="0"/>
+          </a:p>
+        </p:txBody>
+      </p:sp>
+      <p:sp>
+        <p:nvSpPr>
+          <p:cNvPr id="3" name="テキスト ボックス 2">
+            <a:extLst>
+              <a:ext uri="{FF2B5EF4-FFF2-40B4-BE49-F238E27FC236}">
+                <a16:creationId xmlns:a16="http://schemas.microsoft.com/office/drawing/2014/main" id="{5A11D7B1-58DD-4CF5-A1C5-3743A5F603E7}"/>
+              </a:ext>
+            </a:extLst>
+          </p:cNvPr>
+          <p:cNvSpPr txBox="1"/>
+          <p:nvPr/>
+        </p:nvSpPr>
+        <p:spPr>
+          <a:xfrm>
+            <a:off x="1001729" y="1752851"/>
+            <a:ext cx="7723911" cy="646331"/>
+          </a:xfrm>
+          <a:prstGeom prst="rect">
+            <a:avLst/>
+          </a:prstGeom>
+          <a:noFill/>
+        </p:spPr>
+        <p:txBody>
+          <a:bodyPr wrap="square" rtlCol="0">
+            <a:spAutoFit/>
+          </a:bodyPr>
+          <a:lstStyle/>
+          <a:p>
+            <a:r>
+              <a:rPr lang="en-US" altLang="ja-JP" sz="3600" b="1" dirty="0">
+                <a:hlinkClick r:id="rId3">
+                  <a:extLst>
+                    <a:ext uri="{A12FA001-AC4F-418D-AE19-62706E023703}">
+                      <ahyp:hlinkClr xmlns:ahyp="http://schemas.microsoft.com/office/drawing/2018/hyperlinkcolor" val="tx"/>
+                    </a:ext>
+                  </a:extLst>
+                </a:hlinkClick>
+              </a:rPr>
+              <a:t>http://172.16.220.145/</a:t>
+            </a:r>
+            <a:endParaRPr lang="en-US" altLang="ja-JP" sz="3600" b="1" dirty="0"/>
+          </a:p>
+        </p:txBody>
+      </p:sp>
+      <p:sp>
+        <p:nvSpPr>
+          <p:cNvPr id="5" name="テキスト ボックス 4">
+            <a:extLst>
+              <a:ext uri="{FF2B5EF4-FFF2-40B4-BE49-F238E27FC236}">
+                <a16:creationId xmlns:a16="http://schemas.microsoft.com/office/drawing/2014/main" id="{4BE0FAFE-D088-40D5-95FA-AD210674E3BC}"/>
+              </a:ext>
+            </a:extLst>
+          </p:cNvPr>
+          <p:cNvSpPr txBox="1"/>
+          <p:nvPr/>
+        </p:nvSpPr>
+        <p:spPr>
+          <a:xfrm>
+            <a:off x="6513534" y="3734431"/>
+            <a:ext cx="4992915" cy="954107"/>
+          </a:xfrm>
+          <a:prstGeom prst="rect">
+            <a:avLst/>
+          </a:prstGeom>
+          <a:noFill/>
+        </p:spPr>
+        <p:txBody>
+          <a:bodyPr wrap="square" rtlCol="0">
+            <a:spAutoFit/>
+          </a:bodyPr>
+          <a:lstStyle/>
+          <a:p>
+            <a:r>
+              <a:rPr lang="ja-JP" altLang="en-US" sz="2800" dirty="0"/>
+              <a:t>音楽を</a:t>
+            </a:r>
+            <a:r>
+              <a:rPr kumimoji="1" lang="ja-JP" altLang="en-US" sz="2800" dirty="0"/>
+              <a:t>作成できたら</a:t>
+            </a:r>
+            <a:endParaRPr kumimoji="1" lang="en-US" altLang="ja-JP" sz="2800" dirty="0"/>
+          </a:p>
+          <a:p>
+            <a:r>
+              <a:rPr lang="ja-JP" altLang="en-US" sz="2800" dirty="0">
+                <a:solidFill>
+                  <a:srgbClr val="FF0000"/>
+                </a:solidFill>
+              </a:rPr>
+              <a:t>送信ボタン</a:t>
+            </a:r>
+            <a:r>
+              <a:rPr lang="ja-JP" altLang="en-US" sz="2800" dirty="0"/>
+              <a:t>を押してください</a:t>
+            </a:r>
+            <a:endParaRPr kumimoji="1" lang="ja-JP" altLang="en-US" sz="2800" dirty="0"/>
+          </a:p>
+        </p:txBody>
+      </p:sp>
+      <p:sp>
+        <p:nvSpPr>
+          <p:cNvPr id="6" name="テキスト ボックス 5">
+            <a:extLst>
+              <a:ext uri="{FF2B5EF4-FFF2-40B4-BE49-F238E27FC236}">
+                <a16:creationId xmlns:a16="http://schemas.microsoft.com/office/drawing/2014/main" id="{1EED7E17-895F-498A-AB79-2986A9065572}"/>
+              </a:ext>
+            </a:extLst>
+          </p:cNvPr>
+          <p:cNvSpPr txBox="1"/>
+          <p:nvPr/>
+        </p:nvSpPr>
+        <p:spPr>
+          <a:xfrm>
+            <a:off x="6456219" y="4967740"/>
+            <a:ext cx="3546764" cy="400110"/>
+          </a:xfrm>
+          <a:prstGeom prst="rect">
+            <a:avLst/>
+          </a:prstGeom>
+          <a:noFill/>
+        </p:spPr>
+        <p:txBody>
+          <a:bodyPr wrap="square" rtlCol="0">
+            <a:spAutoFit/>
+          </a:bodyPr>
+          <a:lstStyle/>
+          <a:p>
+            <a:r>
+              <a:rPr kumimoji="1" lang="ja-JP" altLang="en-US" sz="2000" dirty="0">
+                <a:solidFill>
+                  <a:srgbClr val="FF0000"/>
+                </a:solidFill>
+                <a:highlight>
+                  <a:srgbClr val="FFFF00"/>
+                </a:highlight>
+              </a:rPr>
+              <a:t>生成に約一分掛かります</a:t>
+            </a:r>
+            <a:r>
+              <a:rPr lang="ja-JP" altLang="en-US" sz="2000" dirty="0">
+                <a:solidFill>
+                  <a:srgbClr val="FF0000"/>
+                </a:solidFill>
+                <a:highlight>
+                  <a:srgbClr val="FFFF00"/>
+                </a:highlight>
+              </a:rPr>
+              <a:t>。</a:t>
+            </a:r>
+            <a:endParaRPr kumimoji="1" lang="ja-JP" altLang="en-US" sz="2000" dirty="0">
+              <a:solidFill>
+                <a:srgbClr val="FF0000"/>
+              </a:solidFill>
+              <a:highlight>
+                <a:srgbClr val="FFFF00"/>
+              </a:highlight>
+            </a:endParaRPr>
+          </a:p>
+        </p:txBody>
+      </p:sp>
+      <p:sp>
+        <p:nvSpPr>
+          <p:cNvPr id="7" name="正方形/長方形 6">
+            <a:extLst>
+              <a:ext uri="{FF2B5EF4-FFF2-40B4-BE49-F238E27FC236}">
+                <a16:creationId xmlns:a16="http://schemas.microsoft.com/office/drawing/2014/main" id="{FBA0EE7E-F114-45C1-AC10-7408CA7D971A}"/>
+              </a:ext>
+            </a:extLst>
+          </p:cNvPr>
+          <p:cNvSpPr/>
+          <p:nvPr/>
+        </p:nvSpPr>
+        <p:spPr>
+          <a:xfrm>
+            <a:off x="8229601" y="0"/>
+            <a:ext cx="3962400" cy="1967345"/>
+          </a:xfrm>
+          <a:prstGeom prst="rect">
+            <a:avLst/>
+          </a:prstGeom>
+          <a:solidFill>
+            <a:schemeClr val="bg2">
+              <a:lumMod val="50000"/>
+            </a:schemeClr>
+          </a:solidFill>
+          <a:ln>
+            <a:solidFill>
+              <a:schemeClr val="tx1"/>
+            </a:solidFill>
+          </a:ln>
+        </p:spPr>
+        <p:style>
+          <a:lnRef idx="2">
+            <a:schemeClr val="accent1">
+              <a:shade val="50000"/>
+            </a:schemeClr>
+          </a:lnRef>
+          <a:fillRef idx="1">
+            <a:schemeClr val="accent1"/>
+          </a:fillRef>
+          <a:effectRef idx="0">
+            <a:schemeClr val="accent1"/>
+          </a:effectRef>
+          <a:fontRef idx="minor">
+            <a:schemeClr val="lt1"/>
+          </a:fontRef>
+        </p:style>
+        <p:txBody>
+          <a:bodyPr rtlCol="0" anchor="ctr"/>
+          <a:lstStyle/>
+          <a:p>
+            <a:pPr algn="ctr"/>
+            <a:endParaRPr kumimoji="1" lang="ja-JP" altLang="en-US"/>
+          </a:p>
+        </p:txBody>
+      </p:sp>
+      <p:sp>
+        <p:nvSpPr>
+          <p:cNvPr id="8" name="正方形/長方形 7">
+            <a:extLst>
+              <a:ext uri="{FF2B5EF4-FFF2-40B4-BE49-F238E27FC236}">
+                <a16:creationId xmlns:a16="http://schemas.microsoft.com/office/drawing/2014/main" id="{1BEE24F6-7641-4BFD-B136-01A2ED1D96E9}"/>
+              </a:ext>
+            </a:extLst>
+          </p:cNvPr>
+          <p:cNvSpPr/>
+          <p:nvPr/>
+        </p:nvSpPr>
+        <p:spPr>
+          <a:xfrm>
+            <a:off x="505690" y="3605890"/>
+            <a:ext cx="5590310" cy="2723700"/>
+          </a:xfrm>
+          <a:prstGeom prst="rect">
+            <a:avLst/>
+          </a:prstGeom>
+          <a:solidFill>
+            <a:schemeClr val="accent2">
+              <a:lumMod val="75000"/>
+            </a:schemeClr>
+          </a:solidFill>
+          <a:ln>
+            <a:solidFill>
+              <a:schemeClr val="tx1"/>
+            </a:solidFill>
+          </a:ln>
+        </p:spPr>
+        <p:style>
+          <a:lnRef idx="2">
+            <a:schemeClr val="accent1">
+              <a:shade val="50000"/>
+            </a:schemeClr>
+          </a:lnRef>
+          <a:fillRef idx="1">
+            <a:schemeClr val="accent1"/>
+          </a:fillRef>
+          <a:effectRef idx="0">
+            <a:schemeClr val="accent1"/>
+          </a:effectRef>
+          <a:fontRef idx="minor">
+            <a:schemeClr val="lt1"/>
+          </a:fontRef>
+        </p:style>
+        <p:txBody>
+          <a:bodyPr rtlCol="0" anchor="ctr"/>
+          <a:lstStyle/>
+          <a:p>
+            <a:pPr algn="ctr"/>
+            <a:r>
+              <a:rPr lang="ja-JP" altLang="en-US" dirty="0"/>
+              <a:t>デモンストレーションの動画</a:t>
+            </a:r>
+            <a:endParaRPr kumimoji="1" lang="ja-JP" altLang="en-US" dirty="0"/>
+          </a:p>
+        </p:txBody>
+      </p:sp>
+    </p:spTree>
+    <p:extLst>
+      <p:ext uri="{BB962C8B-B14F-4D97-AF65-F5344CB8AC3E}">
+        <p14:creationId xmlns:p14="http://schemas.microsoft.com/office/powerpoint/2010/main" val="3562155098"/>
       </p:ext>
     </p:extLst>
   </p:cSld>

--- a/presentation/graduation/bit Composer3 .pptx
+++ b/presentation/graduation/bit Composer3 .pptx
@@ -924,377 +924,6 @@
         </a:p>
       </dgm:t>
     </dgm:pt>
-    <dgm:pt modelId="{9AF39F16-B3BA-488E-8267-C9C4B2403B90}">
-      <dgm:prSet phldrT="[テキスト]"/>
-      <dgm:spPr>
-        <a:solidFill>
-          <a:schemeClr val="accent1"/>
-        </a:solidFill>
-      </dgm:spPr>
-      <dgm:t>
-        <a:bodyPr/>
-        <a:lstStyle/>
-        <a:p>
-          <a:r>
-            <a:rPr kumimoji="1" lang="ja-JP" altLang="en-US" dirty="0"/>
-            <a:t>送信</a:t>
-          </a:r>
-          <a:endParaRPr kumimoji="1" lang="en-US" altLang="ja-JP" dirty="0"/>
-        </a:p>
-        <a:p>
-          <a:r>
-            <a:rPr kumimoji="1" lang="en-US" altLang="ja-JP" dirty="0"/>
-            <a:t>(abc</a:t>
-          </a:r>
-          <a:r>
-            <a:rPr kumimoji="1" lang="ja-JP" altLang="en-US" dirty="0"/>
-            <a:t>記法</a:t>
-          </a:r>
-          <a:r>
-            <a:rPr kumimoji="1" lang="en-US" altLang="ja-JP" dirty="0"/>
-            <a:t>)</a:t>
-          </a:r>
-          <a:endParaRPr kumimoji="1" lang="ja-JP" altLang="en-US" dirty="0"/>
-        </a:p>
-      </dgm:t>
-    </dgm:pt>
-    <dgm:pt modelId="{34440E21-E44B-469B-B399-45E684154AA1}" type="parTrans" cxnId="{D99B6699-DBB0-485D-80CF-E4B80381A1F2}">
-      <dgm:prSet/>
-      <dgm:spPr/>
-      <dgm:t>
-        <a:bodyPr/>
-        <a:lstStyle/>
-        <a:p>
-          <a:endParaRPr kumimoji="1" lang="ja-JP" altLang="en-US"/>
-        </a:p>
-      </dgm:t>
-    </dgm:pt>
-    <dgm:pt modelId="{DFAD6BAE-E798-43B5-B6FD-B279863E10D8}" type="sibTrans" cxnId="{D99B6699-DBB0-485D-80CF-E4B80381A1F2}">
-      <dgm:prSet/>
-      <dgm:spPr/>
-      <dgm:t>
-        <a:bodyPr/>
-        <a:lstStyle/>
-        <a:p>
-          <a:endParaRPr kumimoji="1" lang="ja-JP" altLang="en-US"/>
-        </a:p>
-      </dgm:t>
-    </dgm:pt>
-    <dgm:pt modelId="{D628FF1F-88FC-4026-A26C-9D2320ED6B4F}">
-      <dgm:prSet phldrT="[テキスト]"/>
-      <dgm:spPr/>
-      <dgm:t>
-        <a:bodyPr/>
-        <a:lstStyle/>
-        <a:p>
-          <a:r>
-            <a:rPr kumimoji="1" lang="ja-JP" altLang="en-US" dirty="0"/>
-            <a:t>連想配列</a:t>
-          </a:r>
-          <a:endParaRPr kumimoji="1" lang="en-US" altLang="ja-JP" dirty="0"/>
-        </a:p>
-      </dgm:t>
-    </dgm:pt>
-    <dgm:pt modelId="{BFFDF275-3E2D-4F20-AC1A-82B844E799CF}" type="parTrans" cxnId="{9CD2B5D8-E68D-455C-8FB6-74007403CD4C}">
-      <dgm:prSet/>
-      <dgm:spPr/>
-      <dgm:t>
-        <a:bodyPr/>
-        <a:lstStyle/>
-        <a:p>
-          <a:endParaRPr kumimoji="1" lang="ja-JP" altLang="en-US"/>
-        </a:p>
-      </dgm:t>
-    </dgm:pt>
-    <dgm:pt modelId="{93690B9D-2902-4F62-BB91-D37B55BCD98E}" type="sibTrans" cxnId="{9CD2B5D8-E68D-455C-8FB6-74007403CD4C}">
-      <dgm:prSet/>
-      <dgm:spPr/>
-      <dgm:t>
-        <a:bodyPr/>
-        <a:lstStyle/>
-        <a:p>
-          <a:endParaRPr kumimoji="1" lang="ja-JP" altLang="en-US"/>
-        </a:p>
-      </dgm:t>
-    </dgm:pt>
-    <dgm:pt modelId="{0ED53EA4-891D-4247-9DB3-F182FC57A247}">
-      <dgm:prSet phldrT="[テキスト]"/>
-      <dgm:spPr/>
-      <dgm:t>
-        <a:bodyPr/>
-        <a:lstStyle/>
-        <a:p>
-          <a:r>
-            <a:rPr kumimoji="1" lang="ja-JP" altLang="en-US" dirty="0"/>
-            <a:t>音データ</a:t>
-          </a:r>
-          <a:endParaRPr kumimoji="1" lang="en-US" altLang="ja-JP" dirty="0"/>
-        </a:p>
-        <a:p>
-          <a:r>
-            <a:rPr kumimoji="1" lang="en-US" altLang="ja-JP" dirty="0"/>
-            <a:t>(music21)</a:t>
-          </a:r>
-          <a:endParaRPr kumimoji="1" lang="ja-JP" altLang="en-US" dirty="0"/>
-        </a:p>
-      </dgm:t>
-    </dgm:pt>
-    <dgm:pt modelId="{74BF6629-0FBF-4482-A682-8BD97E939E09}" type="parTrans" cxnId="{F6D94876-4E2A-448F-BF31-7CF4C4365C25}">
-      <dgm:prSet/>
-      <dgm:spPr/>
-      <dgm:t>
-        <a:bodyPr/>
-        <a:lstStyle/>
-        <a:p>
-          <a:endParaRPr kumimoji="1" lang="ja-JP" altLang="en-US"/>
-        </a:p>
-      </dgm:t>
-    </dgm:pt>
-    <dgm:pt modelId="{A86C457E-0316-4853-8785-47D2B69CDAB2}" type="sibTrans" cxnId="{F6D94876-4E2A-448F-BF31-7CF4C4365C25}">
-      <dgm:prSet/>
-      <dgm:spPr/>
-      <dgm:t>
-        <a:bodyPr/>
-        <a:lstStyle/>
-        <a:p>
-          <a:endParaRPr kumimoji="1" lang="ja-JP" altLang="en-US"/>
-        </a:p>
-      </dgm:t>
-    </dgm:pt>
-    <dgm:pt modelId="{89886C00-1287-4D4A-AD18-AEC322F6C85E}">
-      <dgm:prSet phldrT="[テキスト]"/>
-      <dgm:spPr>
-        <a:solidFill>
-          <a:srgbClr val="00B050"/>
-        </a:solidFill>
-      </dgm:spPr>
-      <dgm:t>
-        <a:bodyPr/>
-        <a:lstStyle/>
-        <a:p>
-          <a:r>
-            <a:rPr kumimoji="1" lang="en-US" altLang="ja-JP" dirty="0"/>
-            <a:t>AI</a:t>
-          </a:r>
-          <a:r>
-            <a:rPr kumimoji="1" lang="ja-JP" altLang="en-US" dirty="0"/>
-            <a:t>の予測</a:t>
-          </a:r>
-          <a:endParaRPr kumimoji="1" lang="en-US" altLang="ja-JP" dirty="0"/>
-        </a:p>
-        <a:p>
-          <a:r>
-            <a:rPr kumimoji="1" lang="en-US" altLang="ja-JP" dirty="0"/>
-            <a:t>(TensorFlow)</a:t>
-          </a:r>
-          <a:endParaRPr kumimoji="1" lang="ja-JP" altLang="en-US" dirty="0"/>
-        </a:p>
-      </dgm:t>
-    </dgm:pt>
-    <dgm:pt modelId="{9C4AEF81-03B4-46CC-A231-615EA212A393}" type="parTrans" cxnId="{A296980A-2805-4D91-8CCB-7E36227391EC}">
-      <dgm:prSet/>
-      <dgm:spPr/>
-      <dgm:t>
-        <a:bodyPr/>
-        <a:lstStyle/>
-        <a:p>
-          <a:endParaRPr kumimoji="1" lang="ja-JP" altLang="en-US"/>
-        </a:p>
-      </dgm:t>
-    </dgm:pt>
-    <dgm:pt modelId="{4998FAE1-352E-4641-9F4D-E7FABB7A0B5D}" type="sibTrans" cxnId="{A296980A-2805-4D91-8CCB-7E36227391EC}">
-      <dgm:prSet/>
-      <dgm:spPr/>
-      <dgm:t>
-        <a:bodyPr/>
-        <a:lstStyle/>
-        <a:p>
-          <a:endParaRPr kumimoji="1" lang="ja-JP" altLang="en-US"/>
-        </a:p>
-      </dgm:t>
-    </dgm:pt>
-    <dgm:pt modelId="{06C4011F-04D3-454B-92B7-53E0628BADA6}">
-      <dgm:prSet phldrT="[テキスト]"/>
-      <dgm:spPr/>
-      <dgm:t>
-        <a:bodyPr/>
-        <a:lstStyle/>
-        <a:p>
-          <a:r>
-            <a:rPr kumimoji="1" lang="ja-JP" altLang="en-US" dirty="0"/>
-            <a:t>音データ</a:t>
-          </a:r>
-          <a:endParaRPr kumimoji="1" lang="en-US" altLang="ja-JP" dirty="0"/>
-        </a:p>
-        <a:p>
-          <a:r>
-            <a:rPr kumimoji="1" lang="en-US" altLang="ja-JP" dirty="0"/>
-            <a:t>(music21)</a:t>
-          </a:r>
-          <a:endParaRPr kumimoji="1" lang="ja-JP" altLang="en-US" dirty="0"/>
-        </a:p>
-      </dgm:t>
-    </dgm:pt>
-    <dgm:pt modelId="{6B33A090-7F63-437A-9D57-0716611FD31C}" type="parTrans" cxnId="{7E8527B2-FCB6-4191-9977-8235AC3F9DD9}">
-      <dgm:prSet/>
-      <dgm:spPr/>
-      <dgm:t>
-        <a:bodyPr/>
-        <a:lstStyle/>
-        <a:p>
-          <a:endParaRPr kumimoji="1" lang="ja-JP" altLang="en-US"/>
-        </a:p>
-      </dgm:t>
-    </dgm:pt>
-    <dgm:pt modelId="{2DA3BEE6-54E8-4A92-A33E-140EADD137C0}" type="sibTrans" cxnId="{7E8527B2-FCB6-4191-9977-8235AC3F9DD9}">
-      <dgm:prSet/>
-      <dgm:spPr/>
-      <dgm:t>
-        <a:bodyPr/>
-        <a:lstStyle/>
-        <a:p>
-          <a:endParaRPr kumimoji="1" lang="ja-JP" altLang="en-US"/>
-        </a:p>
-      </dgm:t>
-    </dgm:pt>
-    <dgm:pt modelId="{01789AAC-0F30-41C7-BC0E-D6B78ED2D53A}">
-      <dgm:prSet phldrT="[テキスト]"/>
-      <dgm:spPr/>
-      <dgm:t>
-        <a:bodyPr/>
-        <a:lstStyle/>
-        <a:p>
-          <a:r>
-            <a:rPr kumimoji="1" lang="ja-JP" altLang="en-US" dirty="0"/>
-            <a:t>連想配列</a:t>
-          </a:r>
-          <a:endParaRPr kumimoji="1" lang="en-US" altLang="ja-JP" dirty="0"/>
-        </a:p>
-        <a:p>
-          <a:r>
-            <a:rPr kumimoji="1" lang="en-US" altLang="ja-JP" dirty="0"/>
-            <a:t>(music21)</a:t>
-          </a:r>
-          <a:endParaRPr kumimoji="1" lang="ja-JP" altLang="en-US" dirty="0"/>
-        </a:p>
-      </dgm:t>
-    </dgm:pt>
-    <dgm:pt modelId="{BCEA1B4A-63D9-439E-8E0E-9FF5CE7E36D3}" type="parTrans" cxnId="{CA7650A8-C5BF-4DDA-A6F3-F97C067B1E1B}">
-      <dgm:prSet/>
-      <dgm:spPr/>
-      <dgm:t>
-        <a:bodyPr/>
-        <a:lstStyle/>
-        <a:p>
-          <a:endParaRPr kumimoji="1" lang="ja-JP" altLang="en-US"/>
-        </a:p>
-      </dgm:t>
-    </dgm:pt>
-    <dgm:pt modelId="{886ACACD-6F91-4F1B-A000-37A5EFE0EA01}" type="sibTrans" cxnId="{CA7650A8-C5BF-4DDA-A6F3-F97C067B1E1B}">
-      <dgm:prSet/>
-      <dgm:spPr/>
-      <dgm:t>
-        <a:bodyPr/>
-        <a:lstStyle/>
-        <a:p>
-          <a:endParaRPr kumimoji="1" lang="ja-JP" altLang="en-US"/>
-        </a:p>
-      </dgm:t>
-    </dgm:pt>
-    <dgm:pt modelId="{D896DD0F-ADD9-456F-A2F5-20F0200DB800}">
-      <dgm:prSet phldrT="[テキスト]"/>
-      <dgm:spPr/>
-      <dgm:t>
-        <a:bodyPr/>
-        <a:lstStyle/>
-        <a:p>
-          <a:r>
-            <a:rPr kumimoji="1" lang="en-US" altLang="ja-JP" dirty="0"/>
-            <a:t>MIDI</a:t>
-          </a:r>
-          <a:r>
-            <a:rPr kumimoji="1" lang="ja-JP" altLang="en-US" dirty="0"/>
-            <a:t>ファイル</a:t>
-          </a:r>
-          <a:endParaRPr kumimoji="1" lang="en-US" altLang="ja-JP" dirty="0"/>
-        </a:p>
-        <a:p>
-          <a:r>
-            <a:rPr kumimoji="1" lang="en-US" altLang="ja-JP" dirty="0"/>
-            <a:t>(MIDI2audio)</a:t>
-          </a:r>
-          <a:endParaRPr kumimoji="1" lang="ja-JP" altLang="en-US" dirty="0"/>
-        </a:p>
-      </dgm:t>
-    </dgm:pt>
-    <dgm:pt modelId="{1FF4BD7F-BF96-4574-8D87-B6EE76D0E562}" type="parTrans" cxnId="{BD8858B3-1C21-4B1E-B879-331DDD5D8D44}">
-      <dgm:prSet/>
-      <dgm:spPr/>
-      <dgm:t>
-        <a:bodyPr/>
-        <a:lstStyle/>
-        <a:p>
-          <a:endParaRPr kumimoji="1" lang="ja-JP" altLang="en-US"/>
-        </a:p>
-      </dgm:t>
-    </dgm:pt>
-    <dgm:pt modelId="{CC073B3A-D2EF-4BBF-B9A5-532923E19313}" type="sibTrans" cxnId="{BD8858B3-1C21-4B1E-B879-331DDD5D8D44}">
-      <dgm:prSet/>
-      <dgm:spPr/>
-      <dgm:t>
-        <a:bodyPr/>
-        <a:lstStyle/>
-        <a:p>
-          <a:endParaRPr kumimoji="1" lang="ja-JP" altLang="en-US"/>
-        </a:p>
-      </dgm:t>
-    </dgm:pt>
-    <dgm:pt modelId="{662EDF6E-C8D6-4068-A6D4-09F9EAB72A58}">
-      <dgm:prSet phldrT="[テキスト]"/>
-      <dgm:spPr>
-        <a:solidFill>
-          <a:schemeClr val="accent2"/>
-        </a:solidFill>
-      </dgm:spPr>
-      <dgm:t>
-        <a:bodyPr/>
-        <a:lstStyle/>
-        <a:p>
-          <a:r>
-            <a:rPr kumimoji="1" lang="en-US" altLang="ja-JP" dirty="0"/>
-            <a:t>Mp3</a:t>
-          </a:r>
-        </a:p>
-        <a:p>
-          <a:r>
-            <a:rPr kumimoji="1" lang="en-US" altLang="ja-JP" dirty="0"/>
-            <a:t>(wav)</a:t>
-          </a:r>
-        </a:p>
-      </dgm:t>
-    </dgm:pt>
-    <dgm:pt modelId="{F11D49E8-5504-4503-9EB7-8EA9A2822BC4}" type="parTrans" cxnId="{3B525678-C347-4EE8-AC00-955AC61D6AB2}">
-      <dgm:prSet/>
-      <dgm:spPr/>
-      <dgm:t>
-        <a:bodyPr/>
-        <a:lstStyle/>
-        <a:p>
-          <a:endParaRPr kumimoji="1" lang="ja-JP" altLang="en-US"/>
-        </a:p>
-      </dgm:t>
-    </dgm:pt>
-    <dgm:pt modelId="{058E1E13-BFFC-41AA-A35E-518AE47814E9}" type="sibTrans" cxnId="{3B525678-C347-4EE8-AC00-955AC61D6AB2}">
-      <dgm:prSet/>
-      <dgm:spPr/>
-      <dgm:t>
-        <a:bodyPr/>
-        <a:lstStyle/>
-        <a:p>
-          <a:endParaRPr kumimoji="1" lang="ja-JP" altLang="en-US"/>
-        </a:p>
-      </dgm:t>
-    </dgm:pt>
     <dgm:pt modelId="{269AD6AD-28DD-4C98-9C4B-C848C5056550}" type="pres">
       <dgm:prSet presAssocID="{6EDD14C0-30A2-41E2-80FF-7762D8EFBBB5}" presName="Name0" presStyleCnt="0">
         <dgm:presLayoutVars>
@@ -1304,181 +933,9 @@
       </dgm:prSet>
       <dgm:spPr/>
     </dgm:pt>
-    <dgm:pt modelId="{03ACDED1-6BD3-4CF6-BB94-65C3BD5F82EE}" type="pres">
-      <dgm:prSet presAssocID="{9AF39F16-B3BA-488E-8267-C9C4B2403B90}" presName="node" presStyleLbl="node1" presStyleIdx="0" presStyleCnt="8">
-        <dgm:presLayoutVars>
-          <dgm:bulletEnabled val="1"/>
-        </dgm:presLayoutVars>
-      </dgm:prSet>
-      <dgm:spPr/>
-    </dgm:pt>
-    <dgm:pt modelId="{DB2990D1-AAFD-466F-B394-B2796D16F1E8}" type="pres">
-      <dgm:prSet presAssocID="{DFAD6BAE-E798-43B5-B6FD-B279863E10D8}" presName="sibTrans" presStyleLbl="sibTrans1D1" presStyleIdx="0" presStyleCnt="7"/>
-      <dgm:spPr/>
-    </dgm:pt>
-    <dgm:pt modelId="{1190F37C-28A8-48F9-9D78-1ADEED74CC60}" type="pres">
-      <dgm:prSet presAssocID="{DFAD6BAE-E798-43B5-B6FD-B279863E10D8}" presName="connectorText" presStyleLbl="sibTrans1D1" presStyleIdx="0" presStyleCnt="7"/>
-      <dgm:spPr/>
-    </dgm:pt>
-    <dgm:pt modelId="{54B7EF8C-9521-4EB6-98C6-272C19CFEC36}" type="pres">
-      <dgm:prSet presAssocID="{D628FF1F-88FC-4026-A26C-9D2320ED6B4F}" presName="node" presStyleLbl="node1" presStyleIdx="1" presStyleCnt="8">
-        <dgm:presLayoutVars>
-          <dgm:bulletEnabled val="1"/>
-        </dgm:presLayoutVars>
-      </dgm:prSet>
-      <dgm:spPr/>
-    </dgm:pt>
-    <dgm:pt modelId="{8ED5DCCF-99A9-42E4-90CC-F2A8BBA76CB2}" type="pres">
-      <dgm:prSet presAssocID="{93690B9D-2902-4F62-BB91-D37B55BCD98E}" presName="sibTrans" presStyleLbl="sibTrans1D1" presStyleIdx="1" presStyleCnt="7"/>
-      <dgm:spPr/>
-    </dgm:pt>
-    <dgm:pt modelId="{22DF75EF-A567-4197-877C-A36CDB5303F1}" type="pres">
-      <dgm:prSet presAssocID="{93690B9D-2902-4F62-BB91-D37B55BCD98E}" presName="connectorText" presStyleLbl="sibTrans1D1" presStyleIdx="1" presStyleCnt="7"/>
-      <dgm:spPr/>
-    </dgm:pt>
-    <dgm:pt modelId="{144AA11B-2755-45A2-BCDC-5021D6BF450D}" type="pres">
-      <dgm:prSet presAssocID="{0ED53EA4-891D-4247-9DB3-F182FC57A247}" presName="node" presStyleLbl="node1" presStyleIdx="2" presStyleCnt="8">
-        <dgm:presLayoutVars>
-          <dgm:bulletEnabled val="1"/>
-        </dgm:presLayoutVars>
-      </dgm:prSet>
-      <dgm:spPr/>
-    </dgm:pt>
-    <dgm:pt modelId="{B6CF2248-DBB0-4675-92BD-E2263B50C671}" type="pres">
-      <dgm:prSet presAssocID="{A86C457E-0316-4853-8785-47D2B69CDAB2}" presName="sibTrans" presStyleLbl="sibTrans1D1" presStyleIdx="2" presStyleCnt="7"/>
-      <dgm:spPr/>
-    </dgm:pt>
-    <dgm:pt modelId="{89A22DAF-88EF-4738-810C-848FDD24B64E}" type="pres">
-      <dgm:prSet presAssocID="{A86C457E-0316-4853-8785-47D2B69CDAB2}" presName="connectorText" presStyleLbl="sibTrans1D1" presStyleIdx="2" presStyleCnt="7"/>
-      <dgm:spPr/>
-    </dgm:pt>
-    <dgm:pt modelId="{54E80ABD-53F3-4158-B449-220084E31661}" type="pres">
-      <dgm:prSet presAssocID="{89886C00-1287-4D4A-AD18-AEC322F6C85E}" presName="node" presStyleLbl="node1" presStyleIdx="3" presStyleCnt="8">
-        <dgm:presLayoutVars>
-          <dgm:bulletEnabled val="1"/>
-        </dgm:presLayoutVars>
-      </dgm:prSet>
-      <dgm:spPr/>
-    </dgm:pt>
-    <dgm:pt modelId="{6CE6EEFA-A339-42CE-A895-1ED4583F1DFA}" type="pres">
-      <dgm:prSet presAssocID="{4998FAE1-352E-4641-9F4D-E7FABB7A0B5D}" presName="sibTrans" presStyleLbl="sibTrans1D1" presStyleIdx="3" presStyleCnt="7"/>
-      <dgm:spPr/>
-    </dgm:pt>
-    <dgm:pt modelId="{85BC99DB-9C33-4AF8-B3AC-4965AB0F36DB}" type="pres">
-      <dgm:prSet presAssocID="{4998FAE1-352E-4641-9F4D-E7FABB7A0B5D}" presName="connectorText" presStyleLbl="sibTrans1D1" presStyleIdx="3" presStyleCnt="7"/>
-      <dgm:spPr/>
-    </dgm:pt>
-    <dgm:pt modelId="{94DB2BCD-A8CC-4524-BD5A-C6557E9DAF72}" type="pres">
-      <dgm:prSet presAssocID="{06C4011F-04D3-454B-92B7-53E0628BADA6}" presName="node" presStyleLbl="node1" presStyleIdx="4" presStyleCnt="8">
-        <dgm:presLayoutVars>
-          <dgm:bulletEnabled val="1"/>
-        </dgm:presLayoutVars>
-      </dgm:prSet>
-      <dgm:spPr/>
-    </dgm:pt>
-    <dgm:pt modelId="{DDA241DA-7AE7-42C6-BFB5-878A1F2C1E8F}" type="pres">
-      <dgm:prSet presAssocID="{2DA3BEE6-54E8-4A92-A33E-140EADD137C0}" presName="sibTrans" presStyleLbl="sibTrans1D1" presStyleIdx="4" presStyleCnt="7"/>
-      <dgm:spPr/>
-    </dgm:pt>
-    <dgm:pt modelId="{3A72AA0F-03FA-4C10-897A-33F79540EFC3}" type="pres">
-      <dgm:prSet presAssocID="{2DA3BEE6-54E8-4A92-A33E-140EADD137C0}" presName="connectorText" presStyleLbl="sibTrans1D1" presStyleIdx="4" presStyleCnt="7"/>
-      <dgm:spPr/>
-    </dgm:pt>
-    <dgm:pt modelId="{26CE402C-2540-47A2-AF83-FD377DDA73BE}" type="pres">
-      <dgm:prSet presAssocID="{01789AAC-0F30-41C7-BC0E-D6B78ED2D53A}" presName="node" presStyleLbl="node1" presStyleIdx="5" presStyleCnt="8">
-        <dgm:presLayoutVars>
-          <dgm:bulletEnabled val="1"/>
-        </dgm:presLayoutVars>
-      </dgm:prSet>
-      <dgm:spPr/>
-    </dgm:pt>
-    <dgm:pt modelId="{02D1AA07-49ED-46E0-BE50-DC69F0729C14}" type="pres">
-      <dgm:prSet presAssocID="{886ACACD-6F91-4F1B-A000-37A5EFE0EA01}" presName="sibTrans" presStyleLbl="sibTrans1D1" presStyleIdx="5" presStyleCnt="7"/>
-      <dgm:spPr/>
-    </dgm:pt>
-    <dgm:pt modelId="{3C5417B6-0AFA-4EDB-914C-DB7B9E7638F3}" type="pres">
-      <dgm:prSet presAssocID="{886ACACD-6F91-4F1B-A000-37A5EFE0EA01}" presName="connectorText" presStyleLbl="sibTrans1D1" presStyleIdx="5" presStyleCnt="7"/>
-      <dgm:spPr/>
-    </dgm:pt>
-    <dgm:pt modelId="{4AE0AFB3-1C69-4F98-9AD8-CCCB2E80AE5D}" type="pres">
-      <dgm:prSet presAssocID="{D896DD0F-ADD9-456F-A2F5-20F0200DB800}" presName="node" presStyleLbl="node1" presStyleIdx="6" presStyleCnt="8">
-        <dgm:presLayoutVars>
-          <dgm:bulletEnabled val="1"/>
-        </dgm:presLayoutVars>
-      </dgm:prSet>
-      <dgm:spPr/>
-    </dgm:pt>
-    <dgm:pt modelId="{2916A03D-8618-40F9-A7AB-C522537C50D8}" type="pres">
-      <dgm:prSet presAssocID="{CC073B3A-D2EF-4BBF-B9A5-532923E19313}" presName="sibTrans" presStyleLbl="sibTrans1D1" presStyleIdx="6" presStyleCnt="7"/>
-      <dgm:spPr/>
-    </dgm:pt>
-    <dgm:pt modelId="{59A17262-92D3-480D-B92B-425643C3BDB7}" type="pres">
-      <dgm:prSet presAssocID="{CC073B3A-D2EF-4BBF-B9A5-532923E19313}" presName="connectorText" presStyleLbl="sibTrans1D1" presStyleIdx="6" presStyleCnt="7"/>
-      <dgm:spPr/>
-    </dgm:pt>
-    <dgm:pt modelId="{AE8A7875-20CF-4E99-9A32-A0162D9ED8A5}" type="pres">
-      <dgm:prSet presAssocID="{662EDF6E-C8D6-4068-A6D4-09F9EAB72A58}" presName="node" presStyleLbl="node1" presStyleIdx="7" presStyleCnt="8" custLinFactNeighborX="-4601" custLinFactNeighborY="716">
-        <dgm:presLayoutVars>
-          <dgm:bulletEnabled val="1"/>
-        </dgm:presLayoutVars>
-      </dgm:prSet>
-      <dgm:spPr/>
-    </dgm:pt>
   </dgm:ptLst>
   <dgm:cxnLst>
-    <dgm:cxn modelId="{BE371401-1CCB-46C6-9E0B-ED4F399B05B5}" type="presOf" srcId="{DFAD6BAE-E798-43B5-B6FD-B279863E10D8}" destId="{1190F37C-28A8-48F9-9D78-1ADEED74CC60}" srcOrd="1" destOrd="0" presId="urn:microsoft.com/office/officeart/2005/8/layout/bProcess3"/>
-    <dgm:cxn modelId="{68477D06-20E2-4C0B-81E8-463BD85B65DF}" type="presOf" srcId="{2DA3BEE6-54E8-4A92-A33E-140EADD137C0}" destId="{DDA241DA-7AE7-42C6-BFB5-878A1F2C1E8F}" srcOrd="0" destOrd="0" presId="urn:microsoft.com/office/officeart/2005/8/layout/bProcess3"/>
-    <dgm:cxn modelId="{A296980A-2805-4D91-8CCB-7E36227391EC}" srcId="{6EDD14C0-30A2-41E2-80FF-7762D8EFBBB5}" destId="{89886C00-1287-4D4A-AD18-AEC322F6C85E}" srcOrd="3" destOrd="0" parTransId="{9C4AEF81-03B4-46CC-A231-615EA212A393}" sibTransId="{4998FAE1-352E-4641-9F4D-E7FABB7A0B5D}"/>
-    <dgm:cxn modelId="{565EDD16-632F-43D5-AE8F-9B09E8DD67CF}" type="presOf" srcId="{2DA3BEE6-54E8-4A92-A33E-140EADD137C0}" destId="{3A72AA0F-03FA-4C10-897A-33F79540EFC3}" srcOrd="1" destOrd="0" presId="urn:microsoft.com/office/officeart/2005/8/layout/bProcess3"/>
-    <dgm:cxn modelId="{E8217420-9DE2-4E7E-8541-807D4BBA5C6D}" type="presOf" srcId="{886ACACD-6F91-4F1B-A000-37A5EFE0EA01}" destId="{3C5417B6-0AFA-4EDB-914C-DB7B9E7638F3}" srcOrd="1" destOrd="0" presId="urn:microsoft.com/office/officeart/2005/8/layout/bProcess3"/>
-    <dgm:cxn modelId="{9A893A22-2319-4FC5-8019-78A1B57A4B98}" type="presOf" srcId="{662EDF6E-C8D6-4068-A6D4-09F9EAB72A58}" destId="{AE8A7875-20CF-4E99-9A32-A0162D9ED8A5}" srcOrd="0" destOrd="0" presId="urn:microsoft.com/office/officeart/2005/8/layout/bProcess3"/>
-    <dgm:cxn modelId="{1739F326-2E4D-4F2E-B5CB-3CAFCCE83712}" type="presOf" srcId="{DFAD6BAE-E798-43B5-B6FD-B279863E10D8}" destId="{DB2990D1-AAFD-466F-B394-B2796D16F1E8}" srcOrd="0" destOrd="0" presId="urn:microsoft.com/office/officeart/2005/8/layout/bProcess3"/>
-    <dgm:cxn modelId="{DE90572D-D7B0-438B-A79E-7F6ADA7223A1}" type="presOf" srcId="{01789AAC-0F30-41C7-BC0E-D6B78ED2D53A}" destId="{26CE402C-2540-47A2-AF83-FD377DDA73BE}" srcOrd="0" destOrd="0" presId="urn:microsoft.com/office/officeart/2005/8/layout/bProcess3"/>
-    <dgm:cxn modelId="{40DF473A-A1EA-4254-A591-47410DAA1EAF}" type="presOf" srcId="{0ED53EA4-891D-4247-9DB3-F182FC57A247}" destId="{144AA11B-2755-45A2-BCDC-5021D6BF450D}" srcOrd="0" destOrd="0" presId="urn:microsoft.com/office/officeart/2005/8/layout/bProcess3"/>
-    <dgm:cxn modelId="{23ACBE3E-3A41-4219-998D-5FB51E7FE9DE}" type="presOf" srcId="{886ACACD-6F91-4F1B-A000-37A5EFE0EA01}" destId="{02D1AA07-49ED-46E0-BE50-DC69F0729C14}" srcOrd="0" destOrd="0" presId="urn:microsoft.com/office/officeart/2005/8/layout/bProcess3"/>
-    <dgm:cxn modelId="{B850BC68-1845-4287-A31A-5DE1F3CBF2F3}" type="presOf" srcId="{93690B9D-2902-4F62-BB91-D37B55BCD98E}" destId="{8ED5DCCF-99A9-42E4-90CC-F2A8BBA76CB2}" srcOrd="0" destOrd="0" presId="urn:microsoft.com/office/officeart/2005/8/layout/bProcess3"/>
-    <dgm:cxn modelId="{1417D26B-BC95-44A5-AD44-DFAA6FBD613D}" type="presOf" srcId="{93690B9D-2902-4F62-BB91-D37B55BCD98E}" destId="{22DF75EF-A567-4197-877C-A36CDB5303F1}" srcOrd="1" destOrd="0" presId="urn:microsoft.com/office/officeart/2005/8/layout/bProcess3"/>
-    <dgm:cxn modelId="{7CF0834E-E126-4D98-AA69-2FB1906F5254}" type="presOf" srcId="{D896DD0F-ADD9-456F-A2F5-20F0200DB800}" destId="{4AE0AFB3-1C69-4F98-9AD8-CCCB2E80AE5D}" srcOrd="0" destOrd="0" presId="urn:microsoft.com/office/officeart/2005/8/layout/bProcess3"/>
-    <dgm:cxn modelId="{84C88650-E613-4F3B-B73D-86C885DDADA9}" type="presOf" srcId="{CC073B3A-D2EF-4BBF-B9A5-532923E19313}" destId="{59A17262-92D3-480D-B92B-425643C3BDB7}" srcOrd="1" destOrd="0" presId="urn:microsoft.com/office/officeart/2005/8/layout/bProcess3"/>
-    <dgm:cxn modelId="{71D3AB73-6641-4715-AC5E-9D7171EF6AA9}" type="presOf" srcId="{A86C457E-0316-4853-8785-47D2B69CDAB2}" destId="{B6CF2248-DBB0-4675-92BD-E2263B50C671}" srcOrd="0" destOrd="0" presId="urn:microsoft.com/office/officeart/2005/8/layout/bProcess3"/>
-    <dgm:cxn modelId="{F6D94876-4E2A-448F-BF31-7CF4C4365C25}" srcId="{6EDD14C0-30A2-41E2-80FF-7762D8EFBBB5}" destId="{0ED53EA4-891D-4247-9DB3-F182FC57A247}" srcOrd="2" destOrd="0" parTransId="{74BF6629-0FBF-4482-A682-8BD97E939E09}" sibTransId="{A86C457E-0316-4853-8785-47D2B69CDAB2}"/>
-    <dgm:cxn modelId="{3B525678-C347-4EE8-AC00-955AC61D6AB2}" srcId="{6EDD14C0-30A2-41E2-80FF-7762D8EFBBB5}" destId="{662EDF6E-C8D6-4068-A6D4-09F9EAB72A58}" srcOrd="7" destOrd="0" parTransId="{F11D49E8-5504-4503-9EB7-8EA9A2822BC4}" sibTransId="{058E1E13-BFFC-41AA-A35E-518AE47814E9}"/>
-    <dgm:cxn modelId="{883C037A-88EF-4EBB-A21B-22EBEEAB525A}" type="presOf" srcId="{89886C00-1287-4D4A-AD18-AEC322F6C85E}" destId="{54E80ABD-53F3-4158-B449-220084E31661}" srcOrd="0" destOrd="0" presId="urn:microsoft.com/office/officeart/2005/8/layout/bProcess3"/>
-    <dgm:cxn modelId="{C91A808F-F0C8-4AEB-9DF8-3A7CCD03C378}" type="presOf" srcId="{9AF39F16-B3BA-488E-8267-C9C4B2403B90}" destId="{03ACDED1-6BD3-4CF6-BB94-65C3BD5F82EE}" srcOrd="0" destOrd="0" presId="urn:microsoft.com/office/officeart/2005/8/layout/bProcess3"/>
-    <dgm:cxn modelId="{D99B6699-DBB0-485D-80CF-E4B80381A1F2}" srcId="{6EDD14C0-30A2-41E2-80FF-7762D8EFBBB5}" destId="{9AF39F16-B3BA-488E-8267-C9C4B2403B90}" srcOrd="0" destOrd="0" parTransId="{34440E21-E44B-469B-B399-45E684154AA1}" sibTransId="{DFAD6BAE-E798-43B5-B6FD-B279863E10D8}"/>
-    <dgm:cxn modelId="{0199AA9D-3020-4F0C-8951-F0DED0BFB83B}" type="presOf" srcId="{CC073B3A-D2EF-4BBF-B9A5-532923E19313}" destId="{2916A03D-8618-40F9-A7AB-C522537C50D8}" srcOrd="0" destOrd="0" presId="urn:microsoft.com/office/officeart/2005/8/layout/bProcess3"/>
-    <dgm:cxn modelId="{E9475C9F-7A29-4F33-A9F6-C16EE4B76872}" type="presOf" srcId="{4998FAE1-352E-4641-9F4D-E7FABB7A0B5D}" destId="{85BC99DB-9C33-4AF8-B3AC-4965AB0F36DB}" srcOrd="1" destOrd="0" presId="urn:microsoft.com/office/officeart/2005/8/layout/bProcess3"/>
-    <dgm:cxn modelId="{5D0255A3-D15E-45A3-A9A5-E91D7A60BDEC}" type="presOf" srcId="{4998FAE1-352E-4641-9F4D-E7FABB7A0B5D}" destId="{6CE6EEFA-A339-42CE-A895-1ED4583F1DFA}" srcOrd="0" destOrd="0" presId="urn:microsoft.com/office/officeart/2005/8/layout/bProcess3"/>
-    <dgm:cxn modelId="{CA7650A8-C5BF-4DDA-A6F3-F97C067B1E1B}" srcId="{6EDD14C0-30A2-41E2-80FF-7762D8EFBBB5}" destId="{01789AAC-0F30-41C7-BC0E-D6B78ED2D53A}" srcOrd="5" destOrd="0" parTransId="{BCEA1B4A-63D9-439E-8E0E-9FF5CE7E36D3}" sibTransId="{886ACACD-6F91-4F1B-A000-37A5EFE0EA01}"/>
-    <dgm:cxn modelId="{7E8527B2-FCB6-4191-9977-8235AC3F9DD9}" srcId="{6EDD14C0-30A2-41E2-80FF-7762D8EFBBB5}" destId="{06C4011F-04D3-454B-92B7-53E0628BADA6}" srcOrd="4" destOrd="0" parTransId="{6B33A090-7F63-437A-9D57-0716611FD31C}" sibTransId="{2DA3BEE6-54E8-4A92-A33E-140EADD137C0}"/>
-    <dgm:cxn modelId="{BD8858B3-1C21-4B1E-B879-331DDD5D8D44}" srcId="{6EDD14C0-30A2-41E2-80FF-7762D8EFBBB5}" destId="{D896DD0F-ADD9-456F-A2F5-20F0200DB800}" srcOrd="6" destOrd="0" parTransId="{1FF4BD7F-BF96-4574-8D87-B6EE76D0E562}" sibTransId="{CC073B3A-D2EF-4BBF-B9A5-532923E19313}"/>
-    <dgm:cxn modelId="{D92918B6-9ACB-4ADD-8A18-61BB3A0C6AF9}" type="presOf" srcId="{06C4011F-04D3-454B-92B7-53E0628BADA6}" destId="{94DB2BCD-A8CC-4524-BD5A-C6557E9DAF72}" srcOrd="0" destOrd="0" presId="urn:microsoft.com/office/officeart/2005/8/layout/bProcess3"/>
     <dgm:cxn modelId="{A1E63FBA-2688-4614-850D-055F47218354}" type="presOf" srcId="{6EDD14C0-30A2-41E2-80FF-7762D8EFBBB5}" destId="{269AD6AD-28DD-4C98-9C4B-C848C5056550}" srcOrd="0" destOrd="0" presId="urn:microsoft.com/office/officeart/2005/8/layout/bProcess3"/>
-    <dgm:cxn modelId="{9CD2B5D8-E68D-455C-8FB6-74007403CD4C}" srcId="{6EDD14C0-30A2-41E2-80FF-7762D8EFBBB5}" destId="{D628FF1F-88FC-4026-A26C-9D2320ED6B4F}" srcOrd="1" destOrd="0" parTransId="{BFFDF275-3E2D-4F20-AC1A-82B844E799CF}" sibTransId="{93690B9D-2902-4F62-BB91-D37B55BCD98E}"/>
-    <dgm:cxn modelId="{F2DC3AF2-A7B0-492E-B2F7-239609775634}" type="presOf" srcId="{D628FF1F-88FC-4026-A26C-9D2320ED6B4F}" destId="{54B7EF8C-9521-4EB6-98C6-272C19CFEC36}" srcOrd="0" destOrd="0" presId="urn:microsoft.com/office/officeart/2005/8/layout/bProcess3"/>
-    <dgm:cxn modelId="{E2E0EBFF-ED76-4A57-949C-56CEB16D85CE}" type="presOf" srcId="{A86C457E-0316-4853-8785-47D2B69CDAB2}" destId="{89A22DAF-88EF-4738-810C-848FDD24B64E}" srcOrd="1" destOrd="0" presId="urn:microsoft.com/office/officeart/2005/8/layout/bProcess3"/>
-    <dgm:cxn modelId="{B0925197-E326-4165-8FA9-47D0C4E57A2F}" type="presParOf" srcId="{269AD6AD-28DD-4C98-9C4B-C848C5056550}" destId="{03ACDED1-6BD3-4CF6-BB94-65C3BD5F82EE}" srcOrd="0" destOrd="0" presId="urn:microsoft.com/office/officeart/2005/8/layout/bProcess3"/>
-    <dgm:cxn modelId="{2F561FB6-928C-48C4-A398-67080E730019}" type="presParOf" srcId="{269AD6AD-28DD-4C98-9C4B-C848C5056550}" destId="{DB2990D1-AAFD-466F-B394-B2796D16F1E8}" srcOrd="1" destOrd="0" presId="urn:microsoft.com/office/officeart/2005/8/layout/bProcess3"/>
-    <dgm:cxn modelId="{D5785608-9F57-43E6-BFD3-1F4F667DEBB8}" type="presParOf" srcId="{DB2990D1-AAFD-466F-B394-B2796D16F1E8}" destId="{1190F37C-28A8-48F9-9D78-1ADEED74CC60}" srcOrd="0" destOrd="0" presId="urn:microsoft.com/office/officeart/2005/8/layout/bProcess3"/>
-    <dgm:cxn modelId="{CC1584D6-848B-4EF8-A8B7-77362486A44D}" type="presParOf" srcId="{269AD6AD-28DD-4C98-9C4B-C848C5056550}" destId="{54B7EF8C-9521-4EB6-98C6-272C19CFEC36}" srcOrd="2" destOrd="0" presId="urn:microsoft.com/office/officeart/2005/8/layout/bProcess3"/>
-    <dgm:cxn modelId="{07CBF959-5F07-4415-828A-E66EB2E52812}" type="presParOf" srcId="{269AD6AD-28DD-4C98-9C4B-C848C5056550}" destId="{8ED5DCCF-99A9-42E4-90CC-F2A8BBA76CB2}" srcOrd="3" destOrd="0" presId="urn:microsoft.com/office/officeart/2005/8/layout/bProcess3"/>
-    <dgm:cxn modelId="{9890F2EE-6BC1-444B-81F2-32A61DCF9E93}" type="presParOf" srcId="{8ED5DCCF-99A9-42E4-90CC-F2A8BBA76CB2}" destId="{22DF75EF-A567-4197-877C-A36CDB5303F1}" srcOrd="0" destOrd="0" presId="urn:microsoft.com/office/officeart/2005/8/layout/bProcess3"/>
-    <dgm:cxn modelId="{154C6BC0-AB3C-4256-B1C8-892A1F22EA2C}" type="presParOf" srcId="{269AD6AD-28DD-4C98-9C4B-C848C5056550}" destId="{144AA11B-2755-45A2-BCDC-5021D6BF450D}" srcOrd="4" destOrd="0" presId="urn:microsoft.com/office/officeart/2005/8/layout/bProcess3"/>
-    <dgm:cxn modelId="{159E0075-8E0A-4847-9EB1-BEF01567698D}" type="presParOf" srcId="{269AD6AD-28DD-4C98-9C4B-C848C5056550}" destId="{B6CF2248-DBB0-4675-92BD-E2263B50C671}" srcOrd="5" destOrd="0" presId="urn:microsoft.com/office/officeart/2005/8/layout/bProcess3"/>
-    <dgm:cxn modelId="{D87CC6DF-88BC-49F5-9B17-740473DF6915}" type="presParOf" srcId="{B6CF2248-DBB0-4675-92BD-E2263B50C671}" destId="{89A22DAF-88EF-4738-810C-848FDD24B64E}" srcOrd="0" destOrd="0" presId="urn:microsoft.com/office/officeart/2005/8/layout/bProcess3"/>
-    <dgm:cxn modelId="{DE6C7050-6FAC-4277-9965-C0B0FF5D5AD1}" type="presParOf" srcId="{269AD6AD-28DD-4C98-9C4B-C848C5056550}" destId="{54E80ABD-53F3-4158-B449-220084E31661}" srcOrd="6" destOrd="0" presId="urn:microsoft.com/office/officeart/2005/8/layout/bProcess3"/>
-    <dgm:cxn modelId="{E743088D-0CBA-4214-92FA-FEAB933BEFEB}" type="presParOf" srcId="{269AD6AD-28DD-4C98-9C4B-C848C5056550}" destId="{6CE6EEFA-A339-42CE-A895-1ED4583F1DFA}" srcOrd="7" destOrd="0" presId="urn:microsoft.com/office/officeart/2005/8/layout/bProcess3"/>
-    <dgm:cxn modelId="{AD14E319-A028-46DF-8F70-2EA4F4A02E57}" type="presParOf" srcId="{6CE6EEFA-A339-42CE-A895-1ED4583F1DFA}" destId="{85BC99DB-9C33-4AF8-B3AC-4965AB0F36DB}" srcOrd="0" destOrd="0" presId="urn:microsoft.com/office/officeart/2005/8/layout/bProcess3"/>
-    <dgm:cxn modelId="{92A4F4EF-E410-45EA-8D66-4D2FA903F38B}" type="presParOf" srcId="{269AD6AD-28DD-4C98-9C4B-C848C5056550}" destId="{94DB2BCD-A8CC-4524-BD5A-C6557E9DAF72}" srcOrd="8" destOrd="0" presId="urn:microsoft.com/office/officeart/2005/8/layout/bProcess3"/>
-    <dgm:cxn modelId="{115A4BE6-5500-4FCA-9200-93C5BA5EFB26}" type="presParOf" srcId="{269AD6AD-28DD-4C98-9C4B-C848C5056550}" destId="{DDA241DA-7AE7-42C6-BFB5-878A1F2C1E8F}" srcOrd="9" destOrd="0" presId="urn:microsoft.com/office/officeart/2005/8/layout/bProcess3"/>
-    <dgm:cxn modelId="{89B43130-E0CD-423A-824B-997056992608}" type="presParOf" srcId="{DDA241DA-7AE7-42C6-BFB5-878A1F2C1E8F}" destId="{3A72AA0F-03FA-4C10-897A-33F79540EFC3}" srcOrd="0" destOrd="0" presId="urn:microsoft.com/office/officeart/2005/8/layout/bProcess3"/>
-    <dgm:cxn modelId="{E19BDE08-70F4-40F7-A46D-DE1C63A5B9B0}" type="presParOf" srcId="{269AD6AD-28DD-4C98-9C4B-C848C5056550}" destId="{26CE402C-2540-47A2-AF83-FD377DDA73BE}" srcOrd="10" destOrd="0" presId="urn:microsoft.com/office/officeart/2005/8/layout/bProcess3"/>
-    <dgm:cxn modelId="{29ED2B48-595C-4DEC-83B2-5093EB01D937}" type="presParOf" srcId="{269AD6AD-28DD-4C98-9C4B-C848C5056550}" destId="{02D1AA07-49ED-46E0-BE50-DC69F0729C14}" srcOrd="11" destOrd="0" presId="urn:microsoft.com/office/officeart/2005/8/layout/bProcess3"/>
-    <dgm:cxn modelId="{98427130-D233-44A2-809E-9F9CF63BBDFC}" type="presParOf" srcId="{02D1AA07-49ED-46E0-BE50-DC69F0729C14}" destId="{3C5417B6-0AFA-4EDB-914C-DB7B9E7638F3}" srcOrd="0" destOrd="0" presId="urn:microsoft.com/office/officeart/2005/8/layout/bProcess3"/>
-    <dgm:cxn modelId="{EC1BCE19-5364-480F-A182-4B13D8ACA160}" type="presParOf" srcId="{269AD6AD-28DD-4C98-9C4B-C848C5056550}" destId="{4AE0AFB3-1C69-4F98-9AD8-CCCB2E80AE5D}" srcOrd="12" destOrd="0" presId="urn:microsoft.com/office/officeart/2005/8/layout/bProcess3"/>
-    <dgm:cxn modelId="{686AD10F-FFDD-4FF5-AB56-61603382292D}" type="presParOf" srcId="{269AD6AD-28DD-4C98-9C4B-C848C5056550}" destId="{2916A03D-8618-40F9-A7AB-C522537C50D8}" srcOrd="13" destOrd="0" presId="urn:microsoft.com/office/officeart/2005/8/layout/bProcess3"/>
-    <dgm:cxn modelId="{4E155A28-16F5-484D-9287-F5D15D993E27}" type="presParOf" srcId="{2916A03D-8618-40F9-A7AB-C522537C50D8}" destId="{59A17262-92D3-480D-B92B-425643C3BDB7}" srcOrd="0" destOrd="0" presId="urn:microsoft.com/office/officeart/2005/8/layout/bProcess3"/>
-    <dgm:cxn modelId="{0279157A-116B-48A9-9E3A-8D32F3399F00}" type="presParOf" srcId="{269AD6AD-28DD-4C98-9C4B-C848C5056550}" destId="{AE8A7875-20CF-4E99-9A32-A0162D9ED8A5}" srcOrd="14" destOrd="0" presId="urn:microsoft.com/office/officeart/2005/8/layout/bProcess3"/>
   </dgm:cxnLst>
   <dgm:bg/>
   <dgm:whole/>
@@ -1498,1349 +955,6 @@
       <dsp:cNvGrpSpPr/>
     </dsp:nvGrpSpPr>
     <dsp:grpSpPr/>
-    <dsp:sp modelId="{DB2990D1-AAFD-466F-B394-B2796D16F1E8}">
-      <dsp:nvSpPr>
-        <dsp:cNvPr id="0" name=""/>
-        <dsp:cNvSpPr/>
-      </dsp:nvSpPr>
-      <dsp:spPr>
-        <a:xfrm>
-          <a:off x="2246177" y="927239"/>
-          <a:ext cx="485952" cy="91440"/>
-        </a:xfrm>
-        <a:custGeom>
-          <a:avLst/>
-          <a:gdLst/>
-          <a:ahLst/>
-          <a:cxnLst/>
-          <a:rect l="0" t="0" r="0" b="0"/>
-          <a:pathLst>
-            <a:path>
-              <a:moveTo>
-                <a:pt x="0" y="45720"/>
-              </a:moveTo>
-              <a:lnTo>
-                <a:pt x="485952" y="45720"/>
-              </a:lnTo>
-            </a:path>
-          </a:pathLst>
-        </a:custGeom>
-        <a:noFill/>
-        <a:ln w="6350" cap="flat" cmpd="sng" algn="ctr">
-          <a:solidFill>
-            <a:schemeClr val="accent1">
-              <a:hueOff val="0"/>
-              <a:satOff val="0"/>
-              <a:lumOff val="0"/>
-              <a:alphaOff val="0"/>
-            </a:schemeClr>
-          </a:solidFill>
-          <a:prstDash val="solid"/>
-          <a:miter lim="800000"/>
-          <a:tailEnd type="arrow"/>
-        </a:ln>
-        <a:effectLst/>
-      </dsp:spPr>
-      <dsp:style>
-        <a:lnRef idx="1">
-          <a:scrgbClr r="0" g="0" b="0"/>
-        </a:lnRef>
-        <a:fillRef idx="0">
-          <a:scrgbClr r="0" g="0" b="0"/>
-        </a:fillRef>
-        <a:effectRef idx="0">
-          <a:scrgbClr r="0" g="0" b="0"/>
-        </a:effectRef>
-        <a:fontRef idx="minor"/>
-      </dsp:style>
-      <dsp:txBody>
-        <a:bodyPr spcFirstLastPara="0" vert="horz" wrap="square" lIns="12700" tIns="0" rIns="12700" bIns="0" numCol="1" spcCol="1270" anchor="ctr" anchorCtr="0">
-          <a:noAutofit/>
-        </a:bodyPr>
-        <a:lstStyle/>
-        <a:p>
-          <a:pPr marL="0" lvl="0" indent="0" algn="ctr" defTabSz="222250">
-            <a:lnSpc>
-              <a:spcPct val="90000"/>
-            </a:lnSpc>
-            <a:spcBef>
-              <a:spcPct val="0"/>
-            </a:spcBef>
-            <a:spcAft>
-              <a:spcPct val="35000"/>
-            </a:spcAft>
-            <a:buNone/>
-          </a:pPr>
-          <a:endParaRPr kumimoji="1" lang="ja-JP" altLang="en-US" sz="500" kern="1200"/>
-        </a:p>
-      </dsp:txBody>
-      <dsp:txXfrm>
-        <a:off x="2476239" y="970376"/>
-        <a:ext cx="25827" cy="5165"/>
-      </dsp:txXfrm>
-    </dsp:sp>
-    <dsp:sp modelId="{03ACDED1-6BD3-4CF6-BB94-65C3BD5F82EE}">
-      <dsp:nvSpPr>
-        <dsp:cNvPr id="0" name=""/>
-        <dsp:cNvSpPr/>
-      </dsp:nvSpPr>
-      <dsp:spPr>
-        <a:xfrm>
-          <a:off x="2096" y="299195"/>
-          <a:ext cx="2245880" cy="1347528"/>
-        </a:xfrm>
-        <a:prstGeom prst="rect">
-          <a:avLst/>
-        </a:prstGeom>
-        <a:solidFill>
-          <a:schemeClr val="accent1"/>
-        </a:solidFill>
-        <a:ln w="12700" cap="flat" cmpd="sng" algn="ctr">
-          <a:solidFill>
-            <a:schemeClr val="lt1">
-              <a:hueOff val="0"/>
-              <a:satOff val="0"/>
-              <a:lumOff val="0"/>
-              <a:alphaOff val="0"/>
-            </a:schemeClr>
-          </a:solidFill>
-          <a:prstDash val="solid"/>
-          <a:miter lim="800000"/>
-        </a:ln>
-        <a:effectLst/>
-      </dsp:spPr>
-      <dsp:style>
-        <a:lnRef idx="2">
-          <a:scrgbClr r="0" g="0" b="0"/>
-        </a:lnRef>
-        <a:fillRef idx="1">
-          <a:scrgbClr r="0" g="0" b="0"/>
-        </a:fillRef>
-        <a:effectRef idx="0">
-          <a:scrgbClr r="0" g="0" b="0"/>
-        </a:effectRef>
-        <a:fontRef idx="minor">
-          <a:schemeClr val="lt1"/>
-        </a:fontRef>
-      </dsp:style>
-      <dsp:txBody>
-        <a:bodyPr spcFirstLastPara="0" vert="horz" wrap="square" lIns="156464" tIns="156464" rIns="156464" bIns="156464" numCol="1" spcCol="1270" anchor="ctr" anchorCtr="0">
-          <a:noAutofit/>
-        </a:bodyPr>
-        <a:lstStyle/>
-        <a:p>
-          <a:pPr marL="0" lvl="0" indent="0" algn="ctr" defTabSz="977900">
-            <a:lnSpc>
-              <a:spcPct val="90000"/>
-            </a:lnSpc>
-            <a:spcBef>
-              <a:spcPct val="0"/>
-            </a:spcBef>
-            <a:spcAft>
-              <a:spcPct val="35000"/>
-            </a:spcAft>
-            <a:buNone/>
-          </a:pPr>
-          <a:r>
-            <a:rPr kumimoji="1" lang="ja-JP" altLang="en-US" sz="2200" kern="1200" dirty="0"/>
-            <a:t>送信</a:t>
-          </a:r>
-          <a:endParaRPr kumimoji="1" lang="en-US" altLang="ja-JP" sz="2200" kern="1200" dirty="0"/>
-        </a:p>
-        <a:p>
-          <a:pPr marL="0" lvl="0" indent="0" algn="ctr" defTabSz="977900">
-            <a:lnSpc>
-              <a:spcPct val="90000"/>
-            </a:lnSpc>
-            <a:spcBef>
-              <a:spcPct val="0"/>
-            </a:spcBef>
-            <a:spcAft>
-              <a:spcPct val="35000"/>
-            </a:spcAft>
-            <a:buNone/>
-          </a:pPr>
-          <a:r>
-            <a:rPr kumimoji="1" lang="en-US" altLang="ja-JP" sz="2200" kern="1200" dirty="0"/>
-            <a:t>(abc</a:t>
-          </a:r>
-          <a:r>
-            <a:rPr kumimoji="1" lang="ja-JP" altLang="en-US" sz="2200" kern="1200" dirty="0"/>
-            <a:t>記法</a:t>
-          </a:r>
-          <a:r>
-            <a:rPr kumimoji="1" lang="en-US" altLang="ja-JP" sz="2200" kern="1200" dirty="0"/>
-            <a:t>)</a:t>
-          </a:r>
-          <a:endParaRPr kumimoji="1" lang="ja-JP" altLang="en-US" sz="2200" kern="1200" dirty="0"/>
-        </a:p>
-      </dsp:txBody>
-      <dsp:txXfrm>
-        <a:off x="2096" y="299195"/>
-        <a:ext cx="2245880" cy="1347528"/>
-      </dsp:txXfrm>
-    </dsp:sp>
-    <dsp:sp modelId="{8ED5DCCF-99A9-42E4-90CC-F2A8BBA76CB2}">
-      <dsp:nvSpPr>
-        <dsp:cNvPr id="0" name=""/>
-        <dsp:cNvSpPr/>
-      </dsp:nvSpPr>
-      <dsp:spPr>
-        <a:xfrm>
-          <a:off x="5008610" y="927239"/>
-          <a:ext cx="485952" cy="91440"/>
-        </a:xfrm>
-        <a:custGeom>
-          <a:avLst/>
-          <a:gdLst/>
-          <a:ahLst/>
-          <a:cxnLst/>
-          <a:rect l="0" t="0" r="0" b="0"/>
-          <a:pathLst>
-            <a:path>
-              <a:moveTo>
-                <a:pt x="0" y="45720"/>
-              </a:moveTo>
-              <a:lnTo>
-                <a:pt x="485952" y="45720"/>
-              </a:lnTo>
-            </a:path>
-          </a:pathLst>
-        </a:custGeom>
-        <a:noFill/>
-        <a:ln w="6350" cap="flat" cmpd="sng" algn="ctr">
-          <a:solidFill>
-            <a:schemeClr val="accent1">
-              <a:hueOff val="0"/>
-              <a:satOff val="0"/>
-              <a:lumOff val="0"/>
-              <a:alphaOff val="0"/>
-            </a:schemeClr>
-          </a:solidFill>
-          <a:prstDash val="solid"/>
-          <a:miter lim="800000"/>
-          <a:tailEnd type="arrow"/>
-        </a:ln>
-        <a:effectLst/>
-      </dsp:spPr>
-      <dsp:style>
-        <a:lnRef idx="1">
-          <a:scrgbClr r="0" g="0" b="0"/>
-        </a:lnRef>
-        <a:fillRef idx="0">
-          <a:scrgbClr r="0" g="0" b="0"/>
-        </a:fillRef>
-        <a:effectRef idx="0">
-          <a:scrgbClr r="0" g="0" b="0"/>
-        </a:effectRef>
-        <a:fontRef idx="minor"/>
-      </dsp:style>
-      <dsp:txBody>
-        <a:bodyPr spcFirstLastPara="0" vert="horz" wrap="square" lIns="12700" tIns="0" rIns="12700" bIns="0" numCol="1" spcCol="1270" anchor="ctr" anchorCtr="0">
-          <a:noAutofit/>
-        </a:bodyPr>
-        <a:lstStyle/>
-        <a:p>
-          <a:pPr marL="0" lvl="0" indent="0" algn="ctr" defTabSz="222250">
-            <a:lnSpc>
-              <a:spcPct val="90000"/>
-            </a:lnSpc>
-            <a:spcBef>
-              <a:spcPct val="0"/>
-            </a:spcBef>
-            <a:spcAft>
-              <a:spcPct val="35000"/>
-            </a:spcAft>
-            <a:buNone/>
-          </a:pPr>
-          <a:endParaRPr kumimoji="1" lang="ja-JP" altLang="en-US" sz="500" kern="1200"/>
-        </a:p>
-      </dsp:txBody>
-      <dsp:txXfrm>
-        <a:off x="5238672" y="970376"/>
-        <a:ext cx="25827" cy="5165"/>
-      </dsp:txXfrm>
-    </dsp:sp>
-    <dsp:sp modelId="{54B7EF8C-9521-4EB6-98C6-272C19CFEC36}">
-      <dsp:nvSpPr>
-        <dsp:cNvPr id="0" name=""/>
-        <dsp:cNvSpPr/>
-      </dsp:nvSpPr>
-      <dsp:spPr>
-        <a:xfrm>
-          <a:off x="2764529" y="299195"/>
-          <a:ext cx="2245880" cy="1347528"/>
-        </a:xfrm>
-        <a:prstGeom prst="rect">
-          <a:avLst/>
-        </a:prstGeom>
-        <a:solidFill>
-          <a:schemeClr val="accent1">
-            <a:hueOff val="0"/>
-            <a:satOff val="0"/>
-            <a:lumOff val="0"/>
-            <a:alphaOff val="0"/>
-          </a:schemeClr>
-        </a:solidFill>
-        <a:ln w="12700" cap="flat" cmpd="sng" algn="ctr">
-          <a:solidFill>
-            <a:schemeClr val="lt1">
-              <a:hueOff val="0"/>
-              <a:satOff val="0"/>
-              <a:lumOff val="0"/>
-              <a:alphaOff val="0"/>
-            </a:schemeClr>
-          </a:solidFill>
-          <a:prstDash val="solid"/>
-          <a:miter lim="800000"/>
-        </a:ln>
-        <a:effectLst/>
-      </dsp:spPr>
-      <dsp:style>
-        <a:lnRef idx="2">
-          <a:scrgbClr r="0" g="0" b="0"/>
-        </a:lnRef>
-        <a:fillRef idx="1">
-          <a:scrgbClr r="0" g="0" b="0"/>
-        </a:fillRef>
-        <a:effectRef idx="0">
-          <a:scrgbClr r="0" g="0" b="0"/>
-        </a:effectRef>
-        <a:fontRef idx="minor">
-          <a:schemeClr val="lt1"/>
-        </a:fontRef>
-      </dsp:style>
-      <dsp:txBody>
-        <a:bodyPr spcFirstLastPara="0" vert="horz" wrap="square" lIns="156464" tIns="156464" rIns="156464" bIns="156464" numCol="1" spcCol="1270" anchor="ctr" anchorCtr="0">
-          <a:noAutofit/>
-        </a:bodyPr>
-        <a:lstStyle/>
-        <a:p>
-          <a:pPr marL="0" lvl="0" indent="0" algn="ctr" defTabSz="977900">
-            <a:lnSpc>
-              <a:spcPct val="90000"/>
-            </a:lnSpc>
-            <a:spcBef>
-              <a:spcPct val="0"/>
-            </a:spcBef>
-            <a:spcAft>
-              <a:spcPct val="35000"/>
-            </a:spcAft>
-            <a:buNone/>
-          </a:pPr>
-          <a:r>
-            <a:rPr kumimoji="1" lang="ja-JP" altLang="en-US" sz="2200" kern="1200" dirty="0"/>
-            <a:t>連想配列</a:t>
-          </a:r>
-          <a:endParaRPr kumimoji="1" lang="en-US" altLang="ja-JP" sz="2200" kern="1200" dirty="0"/>
-        </a:p>
-      </dsp:txBody>
-      <dsp:txXfrm>
-        <a:off x="2764529" y="299195"/>
-        <a:ext cx="2245880" cy="1347528"/>
-      </dsp:txXfrm>
-    </dsp:sp>
-    <dsp:sp modelId="{B6CF2248-DBB0-4675-92BD-E2263B50C671}">
-      <dsp:nvSpPr>
-        <dsp:cNvPr id="0" name=""/>
-        <dsp:cNvSpPr/>
-      </dsp:nvSpPr>
-      <dsp:spPr>
-        <a:xfrm>
-          <a:off x="7771043" y="927239"/>
-          <a:ext cx="485952" cy="91440"/>
-        </a:xfrm>
-        <a:custGeom>
-          <a:avLst/>
-          <a:gdLst/>
-          <a:ahLst/>
-          <a:cxnLst/>
-          <a:rect l="0" t="0" r="0" b="0"/>
-          <a:pathLst>
-            <a:path>
-              <a:moveTo>
-                <a:pt x="0" y="45720"/>
-              </a:moveTo>
-              <a:lnTo>
-                <a:pt x="485952" y="45720"/>
-              </a:lnTo>
-            </a:path>
-          </a:pathLst>
-        </a:custGeom>
-        <a:noFill/>
-        <a:ln w="6350" cap="flat" cmpd="sng" algn="ctr">
-          <a:solidFill>
-            <a:schemeClr val="accent1">
-              <a:hueOff val="0"/>
-              <a:satOff val="0"/>
-              <a:lumOff val="0"/>
-              <a:alphaOff val="0"/>
-            </a:schemeClr>
-          </a:solidFill>
-          <a:prstDash val="solid"/>
-          <a:miter lim="800000"/>
-          <a:tailEnd type="arrow"/>
-        </a:ln>
-        <a:effectLst/>
-      </dsp:spPr>
-      <dsp:style>
-        <a:lnRef idx="1">
-          <a:scrgbClr r="0" g="0" b="0"/>
-        </a:lnRef>
-        <a:fillRef idx="0">
-          <a:scrgbClr r="0" g="0" b="0"/>
-        </a:fillRef>
-        <a:effectRef idx="0">
-          <a:scrgbClr r="0" g="0" b="0"/>
-        </a:effectRef>
-        <a:fontRef idx="minor"/>
-      </dsp:style>
-      <dsp:txBody>
-        <a:bodyPr spcFirstLastPara="0" vert="horz" wrap="square" lIns="12700" tIns="0" rIns="12700" bIns="0" numCol="1" spcCol="1270" anchor="ctr" anchorCtr="0">
-          <a:noAutofit/>
-        </a:bodyPr>
-        <a:lstStyle/>
-        <a:p>
-          <a:pPr marL="0" lvl="0" indent="0" algn="ctr" defTabSz="222250">
-            <a:lnSpc>
-              <a:spcPct val="90000"/>
-            </a:lnSpc>
-            <a:spcBef>
-              <a:spcPct val="0"/>
-            </a:spcBef>
-            <a:spcAft>
-              <a:spcPct val="35000"/>
-            </a:spcAft>
-            <a:buNone/>
-          </a:pPr>
-          <a:endParaRPr kumimoji="1" lang="ja-JP" altLang="en-US" sz="500" kern="1200"/>
-        </a:p>
-      </dsp:txBody>
-      <dsp:txXfrm>
-        <a:off x="8001105" y="970376"/>
-        <a:ext cx="25827" cy="5165"/>
-      </dsp:txXfrm>
-    </dsp:sp>
-    <dsp:sp modelId="{144AA11B-2755-45A2-BCDC-5021D6BF450D}">
-      <dsp:nvSpPr>
-        <dsp:cNvPr id="0" name=""/>
-        <dsp:cNvSpPr/>
-      </dsp:nvSpPr>
-      <dsp:spPr>
-        <a:xfrm>
-          <a:off x="5526962" y="299195"/>
-          <a:ext cx="2245880" cy="1347528"/>
-        </a:xfrm>
-        <a:prstGeom prst="rect">
-          <a:avLst/>
-        </a:prstGeom>
-        <a:solidFill>
-          <a:schemeClr val="accent1">
-            <a:hueOff val="0"/>
-            <a:satOff val="0"/>
-            <a:lumOff val="0"/>
-            <a:alphaOff val="0"/>
-          </a:schemeClr>
-        </a:solidFill>
-        <a:ln w="12700" cap="flat" cmpd="sng" algn="ctr">
-          <a:solidFill>
-            <a:schemeClr val="lt1">
-              <a:hueOff val="0"/>
-              <a:satOff val="0"/>
-              <a:lumOff val="0"/>
-              <a:alphaOff val="0"/>
-            </a:schemeClr>
-          </a:solidFill>
-          <a:prstDash val="solid"/>
-          <a:miter lim="800000"/>
-        </a:ln>
-        <a:effectLst/>
-      </dsp:spPr>
-      <dsp:style>
-        <a:lnRef idx="2">
-          <a:scrgbClr r="0" g="0" b="0"/>
-        </a:lnRef>
-        <a:fillRef idx="1">
-          <a:scrgbClr r="0" g="0" b="0"/>
-        </a:fillRef>
-        <a:effectRef idx="0">
-          <a:scrgbClr r="0" g="0" b="0"/>
-        </a:effectRef>
-        <a:fontRef idx="minor">
-          <a:schemeClr val="lt1"/>
-        </a:fontRef>
-      </dsp:style>
-      <dsp:txBody>
-        <a:bodyPr spcFirstLastPara="0" vert="horz" wrap="square" lIns="156464" tIns="156464" rIns="156464" bIns="156464" numCol="1" spcCol="1270" anchor="ctr" anchorCtr="0">
-          <a:noAutofit/>
-        </a:bodyPr>
-        <a:lstStyle/>
-        <a:p>
-          <a:pPr marL="0" lvl="0" indent="0" algn="ctr" defTabSz="977900">
-            <a:lnSpc>
-              <a:spcPct val="90000"/>
-            </a:lnSpc>
-            <a:spcBef>
-              <a:spcPct val="0"/>
-            </a:spcBef>
-            <a:spcAft>
-              <a:spcPct val="35000"/>
-            </a:spcAft>
-            <a:buNone/>
-          </a:pPr>
-          <a:r>
-            <a:rPr kumimoji="1" lang="ja-JP" altLang="en-US" sz="2200" kern="1200" dirty="0"/>
-            <a:t>音データ</a:t>
-          </a:r>
-          <a:endParaRPr kumimoji="1" lang="en-US" altLang="ja-JP" sz="2200" kern="1200" dirty="0"/>
-        </a:p>
-        <a:p>
-          <a:pPr marL="0" lvl="0" indent="0" algn="ctr" defTabSz="977900">
-            <a:lnSpc>
-              <a:spcPct val="90000"/>
-            </a:lnSpc>
-            <a:spcBef>
-              <a:spcPct val="0"/>
-            </a:spcBef>
-            <a:spcAft>
-              <a:spcPct val="35000"/>
-            </a:spcAft>
-            <a:buNone/>
-          </a:pPr>
-          <a:r>
-            <a:rPr kumimoji="1" lang="en-US" altLang="ja-JP" sz="2200" kern="1200" dirty="0"/>
-            <a:t>(music21)</a:t>
-          </a:r>
-          <a:endParaRPr kumimoji="1" lang="ja-JP" altLang="en-US" sz="2200" kern="1200" dirty="0"/>
-        </a:p>
-      </dsp:txBody>
-      <dsp:txXfrm>
-        <a:off x="5526962" y="299195"/>
-        <a:ext cx="2245880" cy="1347528"/>
-      </dsp:txXfrm>
-    </dsp:sp>
-    <dsp:sp modelId="{6CE6EEFA-A339-42CE-A895-1ED4583F1DFA}">
-      <dsp:nvSpPr>
-        <dsp:cNvPr id="0" name=""/>
-        <dsp:cNvSpPr/>
-      </dsp:nvSpPr>
-      <dsp:spPr>
-        <a:xfrm>
-          <a:off x="1125036" y="1644923"/>
-          <a:ext cx="8287299" cy="485952"/>
-        </a:xfrm>
-        <a:custGeom>
-          <a:avLst/>
-          <a:gdLst/>
-          <a:ahLst/>
-          <a:cxnLst/>
-          <a:rect l="0" t="0" r="0" b="0"/>
-          <a:pathLst>
-            <a:path>
-              <a:moveTo>
-                <a:pt x="8287299" y="0"/>
-              </a:moveTo>
-              <a:lnTo>
-                <a:pt x="8287299" y="260076"/>
-              </a:lnTo>
-              <a:lnTo>
-                <a:pt x="0" y="260076"/>
-              </a:lnTo>
-              <a:lnTo>
-                <a:pt x="0" y="485952"/>
-              </a:lnTo>
-            </a:path>
-          </a:pathLst>
-        </a:custGeom>
-        <a:noFill/>
-        <a:ln w="6350" cap="flat" cmpd="sng" algn="ctr">
-          <a:solidFill>
-            <a:schemeClr val="accent1">
-              <a:hueOff val="0"/>
-              <a:satOff val="0"/>
-              <a:lumOff val="0"/>
-              <a:alphaOff val="0"/>
-            </a:schemeClr>
-          </a:solidFill>
-          <a:prstDash val="solid"/>
-          <a:miter lim="800000"/>
-          <a:tailEnd type="arrow"/>
-        </a:ln>
-        <a:effectLst/>
-      </dsp:spPr>
-      <dsp:style>
-        <a:lnRef idx="1">
-          <a:scrgbClr r="0" g="0" b="0"/>
-        </a:lnRef>
-        <a:fillRef idx="0">
-          <a:scrgbClr r="0" g="0" b="0"/>
-        </a:fillRef>
-        <a:effectRef idx="0">
-          <a:scrgbClr r="0" g="0" b="0"/>
-        </a:effectRef>
-        <a:fontRef idx="minor"/>
-      </dsp:style>
-      <dsp:txBody>
-        <a:bodyPr spcFirstLastPara="0" vert="horz" wrap="square" lIns="12700" tIns="0" rIns="12700" bIns="0" numCol="1" spcCol="1270" anchor="ctr" anchorCtr="0">
-          <a:noAutofit/>
-        </a:bodyPr>
-        <a:lstStyle/>
-        <a:p>
-          <a:pPr marL="0" lvl="0" indent="0" algn="ctr" defTabSz="222250">
-            <a:lnSpc>
-              <a:spcPct val="90000"/>
-            </a:lnSpc>
-            <a:spcBef>
-              <a:spcPct val="0"/>
-            </a:spcBef>
-            <a:spcAft>
-              <a:spcPct val="35000"/>
-            </a:spcAft>
-            <a:buNone/>
-          </a:pPr>
-          <a:endParaRPr kumimoji="1" lang="ja-JP" altLang="en-US" sz="500" kern="1200"/>
-        </a:p>
-      </dsp:txBody>
-      <dsp:txXfrm>
-        <a:off x="5061101" y="1885317"/>
-        <a:ext cx="415169" cy="5165"/>
-      </dsp:txXfrm>
-    </dsp:sp>
-    <dsp:sp modelId="{54E80ABD-53F3-4158-B449-220084E31661}">
-      <dsp:nvSpPr>
-        <dsp:cNvPr id="0" name=""/>
-        <dsp:cNvSpPr/>
-      </dsp:nvSpPr>
-      <dsp:spPr>
-        <a:xfrm>
-          <a:off x="8289395" y="299195"/>
-          <a:ext cx="2245880" cy="1347528"/>
-        </a:xfrm>
-        <a:prstGeom prst="rect">
-          <a:avLst/>
-        </a:prstGeom>
-        <a:solidFill>
-          <a:srgbClr val="00B050"/>
-        </a:solidFill>
-        <a:ln w="12700" cap="flat" cmpd="sng" algn="ctr">
-          <a:solidFill>
-            <a:schemeClr val="lt1">
-              <a:hueOff val="0"/>
-              <a:satOff val="0"/>
-              <a:lumOff val="0"/>
-              <a:alphaOff val="0"/>
-            </a:schemeClr>
-          </a:solidFill>
-          <a:prstDash val="solid"/>
-          <a:miter lim="800000"/>
-        </a:ln>
-        <a:effectLst/>
-      </dsp:spPr>
-      <dsp:style>
-        <a:lnRef idx="2">
-          <a:scrgbClr r="0" g="0" b="0"/>
-        </a:lnRef>
-        <a:fillRef idx="1">
-          <a:scrgbClr r="0" g="0" b="0"/>
-        </a:fillRef>
-        <a:effectRef idx="0">
-          <a:scrgbClr r="0" g="0" b="0"/>
-        </a:effectRef>
-        <a:fontRef idx="minor">
-          <a:schemeClr val="lt1"/>
-        </a:fontRef>
-      </dsp:style>
-      <dsp:txBody>
-        <a:bodyPr spcFirstLastPara="0" vert="horz" wrap="square" lIns="156464" tIns="156464" rIns="156464" bIns="156464" numCol="1" spcCol="1270" anchor="ctr" anchorCtr="0">
-          <a:noAutofit/>
-        </a:bodyPr>
-        <a:lstStyle/>
-        <a:p>
-          <a:pPr marL="0" lvl="0" indent="0" algn="ctr" defTabSz="977900">
-            <a:lnSpc>
-              <a:spcPct val="90000"/>
-            </a:lnSpc>
-            <a:spcBef>
-              <a:spcPct val="0"/>
-            </a:spcBef>
-            <a:spcAft>
-              <a:spcPct val="35000"/>
-            </a:spcAft>
-            <a:buNone/>
-          </a:pPr>
-          <a:r>
-            <a:rPr kumimoji="1" lang="en-US" altLang="ja-JP" sz="2200" kern="1200" dirty="0"/>
-            <a:t>AI</a:t>
-          </a:r>
-          <a:r>
-            <a:rPr kumimoji="1" lang="ja-JP" altLang="en-US" sz="2200" kern="1200" dirty="0"/>
-            <a:t>の予測</a:t>
-          </a:r>
-          <a:endParaRPr kumimoji="1" lang="en-US" altLang="ja-JP" sz="2200" kern="1200" dirty="0"/>
-        </a:p>
-        <a:p>
-          <a:pPr marL="0" lvl="0" indent="0" algn="ctr" defTabSz="977900">
-            <a:lnSpc>
-              <a:spcPct val="90000"/>
-            </a:lnSpc>
-            <a:spcBef>
-              <a:spcPct val="0"/>
-            </a:spcBef>
-            <a:spcAft>
-              <a:spcPct val="35000"/>
-            </a:spcAft>
-            <a:buNone/>
-          </a:pPr>
-          <a:r>
-            <a:rPr kumimoji="1" lang="en-US" altLang="ja-JP" sz="2200" kern="1200" dirty="0"/>
-            <a:t>(TensorFlow)</a:t>
-          </a:r>
-          <a:endParaRPr kumimoji="1" lang="ja-JP" altLang="en-US" sz="2200" kern="1200" dirty="0"/>
-        </a:p>
-      </dsp:txBody>
-      <dsp:txXfrm>
-        <a:off x="8289395" y="299195"/>
-        <a:ext cx="2245880" cy="1347528"/>
-      </dsp:txXfrm>
-    </dsp:sp>
-    <dsp:sp modelId="{DDA241DA-7AE7-42C6-BFB5-878A1F2C1E8F}">
-      <dsp:nvSpPr>
-        <dsp:cNvPr id="0" name=""/>
-        <dsp:cNvSpPr/>
-      </dsp:nvSpPr>
-      <dsp:spPr>
-        <a:xfrm>
-          <a:off x="2246177" y="2791320"/>
-          <a:ext cx="485952" cy="91440"/>
-        </a:xfrm>
-        <a:custGeom>
-          <a:avLst/>
-          <a:gdLst/>
-          <a:ahLst/>
-          <a:cxnLst/>
-          <a:rect l="0" t="0" r="0" b="0"/>
-          <a:pathLst>
-            <a:path>
-              <a:moveTo>
-                <a:pt x="0" y="45720"/>
-              </a:moveTo>
-              <a:lnTo>
-                <a:pt x="485952" y="45720"/>
-              </a:lnTo>
-            </a:path>
-          </a:pathLst>
-        </a:custGeom>
-        <a:noFill/>
-        <a:ln w="6350" cap="flat" cmpd="sng" algn="ctr">
-          <a:solidFill>
-            <a:schemeClr val="accent1">
-              <a:hueOff val="0"/>
-              <a:satOff val="0"/>
-              <a:lumOff val="0"/>
-              <a:alphaOff val="0"/>
-            </a:schemeClr>
-          </a:solidFill>
-          <a:prstDash val="solid"/>
-          <a:miter lim="800000"/>
-          <a:tailEnd type="arrow"/>
-        </a:ln>
-        <a:effectLst/>
-      </dsp:spPr>
-      <dsp:style>
-        <a:lnRef idx="1">
-          <a:scrgbClr r="0" g="0" b="0"/>
-        </a:lnRef>
-        <a:fillRef idx="0">
-          <a:scrgbClr r="0" g="0" b="0"/>
-        </a:fillRef>
-        <a:effectRef idx="0">
-          <a:scrgbClr r="0" g="0" b="0"/>
-        </a:effectRef>
-        <a:fontRef idx="minor"/>
-      </dsp:style>
-      <dsp:txBody>
-        <a:bodyPr spcFirstLastPara="0" vert="horz" wrap="square" lIns="12700" tIns="0" rIns="12700" bIns="0" numCol="1" spcCol="1270" anchor="ctr" anchorCtr="0">
-          <a:noAutofit/>
-        </a:bodyPr>
-        <a:lstStyle/>
-        <a:p>
-          <a:pPr marL="0" lvl="0" indent="0" algn="ctr" defTabSz="222250">
-            <a:lnSpc>
-              <a:spcPct val="90000"/>
-            </a:lnSpc>
-            <a:spcBef>
-              <a:spcPct val="0"/>
-            </a:spcBef>
-            <a:spcAft>
-              <a:spcPct val="35000"/>
-            </a:spcAft>
-            <a:buNone/>
-          </a:pPr>
-          <a:endParaRPr kumimoji="1" lang="ja-JP" altLang="en-US" sz="500" kern="1200"/>
-        </a:p>
-      </dsp:txBody>
-      <dsp:txXfrm>
-        <a:off x="2476239" y="2834457"/>
-        <a:ext cx="25827" cy="5165"/>
-      </dsp:txXfrm>
-    </dsp:sp>
-    <dsp:sp modelId="{94DB2BCD-A8CC-4524-BD5A-C6557E9DAF72}">
-      <dsp:nvSpPr>
-        <dsp:cNvPr id="0" name=""/>
-        <dsp:cNvSpPr/>
-      </dsp:nvSpPr>
-      <dsp:spPr>
-        <a:xfrm>
-          <a:off x="2096" y="2163276"/>
-          <a:ext cx="2245880" cy="1347528"/>
-        </a:xfrm>
-        <a:prstGeom prst="rect">
-          <a:avLst/>
-        </a:prstGeom>
-        <a:solidFill>
-          <a:schemeClr val="accent1">
-            <a:hueOff val="0"/>
-            <a:satOff val="0"/>
-            <a:lumOff val="0"/>
-            <a:alphaOff val="0"/>
-          </a:schemeClr>
-        </a:solidFill>
-        <a:ln w="12700" cap="flat" cmpd="sng" algn="ctr">
-          <a:solidFill>
-            <a:schemeClr val="lt1">
-              <a:hueOff val="0"/>
-              <a:satOff val="0"/>
-              <a:lumOff val="0"/>
-              <a:alphaOff val="0"/>
-            </a:schemeClr>
-          </a:solidFill>
-          <a:prstDash val="solid"/>
-          <a:miter lim="800000"/>
-        </a:ln>
-        <a:effectLst/>
-      </dsp:spPr>
-      <dsp:style>
-        <a:lnRef idx="2">
-          <a:scrgbClr r="0" g="0" b="0"/>
-        </a:lnRef>
-        <a:fillRef idx="1">
-          <a:scrgbClr r="0" g="0" b="0"/>
-        </a:fillRef>
-        <a:effectRef idx="0">
-          <a:scrgbClr r="0" g="0" b="0"/>
-        </a:effectRef>
-        <a:fontRef idx="minor">
-          <a:schemeClr val="lt1"/>
-        </a:fontRef>
-      </dsp:style>
-      <dsp:txBody>
-        <a:bodyPr spcFirstLastPara="0" vert="horz" wrap="square" lIns="156464" tIns="156464" rIns="156464" bIns="156464" numCol="1" spcCol="1270" anchor="ctr" anchorCtr="0">
-          <a:noAutofit/>
-        </a:bodyPr>
-        <a:lstStyle/>
-        <a:p>
-          <a:pPr marL="0" lvl="0" indent="0" algn="ctr" defTabSz="977900">
-            <a:lnSpc>
-              <a:spcPct val="90000"/>
-            </a:lnSpc>
-            <a:spcBef>
-              <a:spcPct val="0"/>
-            </a:spcBef>
-            <a:spcAft>
-              <a:spcPct val="35000"/>
-            </a:spcAft>
-            <a:buNone/>
-          </a:pPr>
-          <a:r>
-            <a:rPr kumimoji="1" lang="ja-JP" altLang="en-US" sz="2200" kern="1200" dirty="0"/>
-            <a:t>音データ</a:t>
-          </a:r>
-          <a:endParaRPr kumimoji="1" lang="en-US" altLang="ja-JP" sz="2200" kern="1200" dirty="0"/>
-        </a:p>
-        <a:p>
-          <a:pPr marL="0" lvl="0" indent="0" algn="ctr" defTabSz="977900">
-            <a:lnSpc>
-              <a:spcPct val="90000"/>
-            </a:lnSpc>
-            <a:spcBef>
-              <a:spcPct val="0"/>
-            </a:spcBef>
-            <a:spcAft>
-              <a:spcPct val="35000"/>
-            </a:spcAft>
-            <a:buNone/>
-          </a:pPr>
-          <a:r>
-            <a:rPr kumimoji="1" lang="en-US" altLang="ja-JP" sz="2200" kern="1200" dirty="0"/>
-            <a:t>(music21)</a:t>
-          </a:r>
-          <a:endParaRPr kumimoji="1" lang="ja-JP" altLang="en-US" sz="2200" kern="1200" dirty="0"/>
-        </a:p>
-      </dsp:txBody>
-      <dsp:txXfrm>
-        <a:off x="2096" y="2163276"/>
-        <a:ext cx="2245880" cy="1347528"/>
-      </dsp:txXfrm>
-    </dsp:sp>
-    <dsp:sp modelId="{02D1AA07-49ED-46E0-BE50-DC69F0729C14}">
-      <dsp:nvSpPr>
-        <dsp:cNvPr id="0" name=""/>
-        <dsp:cNvSpPr/>
-      </dsp:nvSpPr>
-      <dsp:spPr>
-        <a:xfrm>
-          <a:off x="5008610" y="2791320"/>
-          <a:ext cx="485952" cy="91440"/>
-        </a:xfrm>
-        <a:custGeom>
-          <a:avLst/>
-          <a:gdLst/>
-          <a:ahLst/>
-          <a:cxnLst/>
-          <a:rect l="0" t="0" r="0" b="0"/>
-          <a:pathLst>
-            <a:path>
-              <a:moveTo>
-                <a:pt x="0" y="45720"/>
-              </a:moveTo>
-              <a:lnTo>
-                <a:pt x="485952" y="45720"/>
-              </a:lnTo>
-            </a:path>
-          </a:pathLst>
-        </a:custGeom>
-        <a:noFill/>
-        <a:ln w="6350" cap="flat" cmpd="sng" algn="ctr">
-          <a:solidFill>
-            <a:schemeClr val="accent1">
-              <a:hueOff val="0"/>
-              <a:satOff val="0"/>
-              <a:lumOff val="0"/>
-              <a:alphaOff val="0"/>
-            </a:schemeClr>
-          </a:solidFill>
-          <a:prstDash val="solid"/>
-          <a:miter lim="800000"/>
-          <a:tailEnd type="arrow"/>
-        </a:ln>
-        <a:effectLst/>
-      </dsp:spPr>
-      <dsp:style>
-        <a:lnRef idx="1">
-          <a:scrgbClr r="0" g="0" b="0"/>
-        </a:lnRef>
-        <a:fillRef idx="0">
-          <a:scrgbClr r="0" g="0" b="0"/>
-        </a:fillRef>
-        <a:effectRef idx="0">
-          <a:scrgbClr r="0" g="0" b="0"/>
-        </a:effectRef>
-        <a:fontRef idx="minor"/>
-      </dsp:style>
-      <dsp:txBody>
-        <a:bodyPr spcFirstLastPara="0" vert="horz" wrap="square" lIns="12700" tIns="0" rIns="12700" bIns="0" numCol="1" spcCol="1270" anchor="ctr" anchorCtr="0">
-          <a:noAutofit/>
-        </a:bodyPr>
-        <a:lstStyle/>
-        <a:p>
-          <a:pPr marL="0" lvl="0" indent="0" algn="ctr" defTabSz="222250">
-            <a:lnSpc>
-              <a:spcPct val="90000"/>
-            </a:lnSpc>
-            <a:spcBef>
-              <a:spcPct val="0"/>
-            </a:spcBef>
-            <a:spcAft>
-              <a:spcPct val="35000"/>
-            </a:spcAft>
-            <a:buNone/>
-          </a:pPr>
-          <a:endParaRPr kumimoji="1" lang="ja-JP" altLang="en-US" sz="500" kern="1200"/>
-        </a:p>
-      </dsp:txBody>
-      <dsp:txXfrm>
-        <a:off x="5238672" y="2834457"/>
-        <a:ext cx="25827" cy="5165"/>
-      </dsp:txXfrm>
-    </dsp:sp>
-    <dsp:sp modelId="{26CE402C-2540-47A2-AF83-FD377DDA73BE}">
-      <dsp:nvSpPr>
-        <dsp:cNvPr id="0" name=""/>
-        <dsp:cNvSpPr/>
-      </dsp:nvSpPr>
-      <dsp:spPr>
-        <a:xfrm>
-          <a:off x="2764529" y="2163276"/>
-          <a:ext cx="2245880" cy="1347528"/>
-        </a:xfrm>
-        <a:prstGeom prst="rect">
-          <a:avLst/>
-        </a:prstGeom>
-        <a:solidFill>
-          <a:schemeClr val="accent1">
-            <a:hueOff val="0"/>
-            <a:satOff val="0"/>
-            <a:lumOff val="0"/>
-            <a:alphaOff val="0"/>
-          </a:schemeClr>
-        </a:solidFill>
-        <a:ln w="12700" cap="flat" cmpd="sng" algn="ctr">
-          <a:solidFill>
-            <a:schemeClr val="lt1">
-              <a:hueOff val="0"/>
-              <a:satOff val="0"/>
-              <a:lumOff val="0"/>
-              <a:alphaOff val="0"/>
-            </a:schemeClr>
-          </a:solidFill>
-          <a:prstDash val="solid"/>
-          <a:miter lim="800000"/>
-        </a:ln>
-        <a:effectLst/>
-      </dsp:spPr>
-      <dsp:style>
-        <a:lnRef idx="2">
-          <a:scrgbClr r="0" g="0" b="0"/>
-        </a:lnRef>
-        <a:fillRef idx="1">
-          <a:scrgbClr r="0" g="0" b="0"/>
-        </a:fillRef>
-        <a:effectRef idx="0">
-          <a:scrgbClr r="0" g="0" b="0"/>
-        </a:effectRef>
-        <a:fontRef idx="minor">
-          <a:schemeClr val="lt1"/>
-        </a:fontRef>
-      </dsp:style>
-      <dsp:txBody>
-        <a:bodyPr spcFirstLastPara="0" vert="horz" wrap="square" lIns="156464" tIns="156464" rIns="156464" bIns="156464" numCol="1" spcCol="1270" anchor="ctr" anchorCtr="0">
-          <a:noAutofit/>
-        </a:bodyPr>
-        <a:lstStyle/>
-        <a:p>
-          <a:pPr marL="0" lvl="0" indent="0" algn="ctr" defTabSz="977900">
-            <a:lnSpc>
-              <a:spcPct val="90000"/>
-            </a:lnSpc>
-            <a:spcBef>
-              <a:spcPct val="0"/>
-            </a:spcBef>
-            <a:spcAft>
-              <a:spcPct val="35000"/>
-            </a:spcAft>
-            <a:buNone/>
-          </a:pPr>
-          <a:r>
-            <a:rPr kumimoji="1" lang="ja-JP" altLang="en-US" sz="2200" kern="1200" dirty="0"/>
-            <a:t>連想配列</a:t>
-          </a:r>
-          <a:endParaRPr kumimoji="1" lang="en-US" altLang="ja-JP" sz="2200" kern="1200" dirty="0"/>
-        </a:p>
-        <a:p>
-          <a:pPr marL="0" lvl="0" indent="0" algn="ctr" defTabSz="977900">
-            <a:lnSpc>
-              <a:spcPct val="90000"/>
-            </a:lnSpc>
-            <a:spcBef>
-              <a:spcPct val="0"/>
-            </a:spcBef>
-            <a:spcAft>
-              <a:spcPct val="35000"/>
-            </a:spcAft>
-            <a:buNone/>
-          </a:pPr>
-          <a:r>
-            <a:rPr kumimoji="1" lang="en-US" altLang="ja-JP" sz="2200" kern="1200" dirty="0"/>
-            <a:t>(music21)</a:t>
-          </a:r>
-          <a:endParaRPr kumimoji="1" lang="ja-JP" altLang="en-US" sz="2200" kern="1200" dirty="0"/>
-        </a:p>
-      </dsp:txBody>
-      <dsp:txXfrm>
-        <a:off x="2764529" y="2163276"/>
-        <a:ext cx="2245880" cy="1347528"/>
-      </dsp:txXfrm>
-    </dsp:sp>
-    <dsp:sp modelId="{2916A03D-8618-40F9-A7AB-C522537C50D8}">
-      <dsp:nvSpPr>
-        <dsp:cNvPr id="0" name=""/>
-        <dsp:cNvSpPr/>
-      </dsp:nvSpPr>
-      <dsp:spPr>
-        <a:xfrm>
-          <a:off x="7771043" y="2791320"/>
-          <a:ext cx="382619" cy="91440"/>
-        </a:xfrm>
-        <a:custGeom>
-          <a:avLst/>
-          <a:gdLst/>
-          <a:ahLst/>
-          <a:cxnLst/>
-          <a:rect l="0" t="0" r="0" b="0"/>
-          <a:pathLst>
-            <a:path>
-              <a:moveTo>
-                <a:pt x="0" y="45720"/>
-              </a:moveTo>
-              <a:lnTo>
-                <a:pt x="208409" y="45720"/>
-              </a:lnTo>
-              <a:lnTo>
-                <a:pt x="208409" y="55368"/>
-              </a:lnTo>
-              <a:lnTo>
-                <a:pt x="382619" y="55368"/>
-              </a:lnTo>
-            </a:path>
-          </a:pathLst>
-        </a:custGeom>
-        <a:noFill/>
-        <a:ln w="6350" cap="flat" cmpd="sng" algn="ctr">
-          <a:solidFill>
-            <a:schemeClr val="accent1">
-              <a:hueOff val="0"/>
-              <a:satOff val="0"/>
-              <a:lumOff val="0"/>
-              <a:alphaOff val="0"/>
-            </a:schemeClr>
-          </a:solidFill>
-          <a:prstDash val="solid"/>
-          <a:miter lim="800000"/>
-          <a:tailEnd type="arrow"/>
-        </a:ln>
-        <a:effectLst/>
-      </dsp:spPr>
-      <dsp:style>
-        <a:lnRef idx="1">
-          <a:scrgbClr r="0" g="0" b="0"/>
-        </a:lnRef>
-        <a:fillRef idx="0">
-          <a:scrgbClr r="0" g="0" b="0"/>
-        </a:fillRef>
-        <a:effectRef idx="0">
-          <a:scrgbClr r="0" g="0" b="0"/>
-        </a:effectRef>
-        <a:fontRef idx="minor"/>
-      </dsp:style>
-      <dsp:txBody>
-        <a:bodyPr spcFirstLastPara="0" vert="horz" wrap="square" lIns="12700" tIns="0" rIns="12700" bIns="0" numCol="1" spcCol="1270" anchor="ctr" anchorCtr="0">
-          <a:noAutofit/>
-        </a:bodyPr>
-        <a:lstStyle/>
-        <a:p>
-          <a:pPr marL="0" lvl="0" indent="0" algn="ctr" defTabSz="222250">
-            <a:lnSpc>
-              <a:spcPct val="90000"/>
-            </a:lnSpc>
-            <a:spcBef>
-              <a:spcPct val="0"/>
-            </a:spcBef>
-            <a:spcAft>
-              <a:spcPct val="35000"/>
-            </a:spcAft>
-            <a:buNone/>
-          </a:pPr>
-          <a:endParaRPr kumimoji="1" lang="ja-JP" altLang="en-US" sz="500" kern="1200"/>
-        </a:p>
-      </dsp:txBody>
-      <dsp:txXfrm>
-        <a:off x="7952019" y="2834457"/>
-        <a:ext cx="20666" cy="5165"/>
-      </dsp:txXfrm>
-    </dsp:sp>
-    <dsp:sp modelId="{4AE0AFB3-1C69-4F98-9AD8-CCCB2E80AE5D}">
-      <dsp:nvSpPr>
-        <dsp:cNvPr id="0" name=""/>
-        <dsp:cNvSpPr/>
-      </dsp:nvSpPr>
-      <dsp:spPr>
-        <a:xfrm>
-          <a:off x="5526962" y="2163276"/>
-          <a:ext cx="2245880" cy="1347528"/>
-        </a:xfrm>
-        <a:prstGeom prst="rect">
-          <a:avLst/>
-        </a:prstGeom>
-        <a:solidFill>
-          <a:schemeClr val="accent1">
-            <a:hueOff val="0"/>
-            <a:satOff val="0"/>
-            <a:lumOff val="0"/>
-            <a:alphaOff val="0"/>
-          </a:schemeClr>
-        </a:solidFill>
-        <a:ln w="12700" cap="flat" cmpd="sng" algn="ctr">
-          <a:solidFill>
-            <a:schemeClr val="lt1">
-              <a:hueOff val="0"/>
-              <a:satOff val="0"/>
-              <a:lumOff val="0"/>
-              <a:alphaOff val="0"/>
-            </a:schemeClr>
-          </a:solidFill>
-          <a:prstDash val="solid"/>
-          <a:miter lim="800000"/>
-        </a:ln>
-        <a:effectLst/>
-      </dsp:spPr>
-      <dsp:style>
-        <a:lnRef idx="2">
-          <a:scrgbClr r="0" g="0" b="0"/>
-        </a:lnRef>
-        <a:fillRef idx="1">
-          <a:scrgbClr r="0" g="0" b="0"/>
-        </a:fillRef>
-        <a:effectRef idx="0">
-          <a:scrgbClr r="0" g="0" b="0"/>
-        </a:effectRef>
-        <a:fontRef idx="minor">
-          <a:schemeClr val="lt1"/>
-        </a:fontRef>
-      </dsp:style>
-      <dsp:txBody>
-        <a:bodyPr spcFirstLastPara="0" vert="horz" wrap="square" lIns="156464" tIns="156464" rIns="156464" bIns="156464" numCol="1" spcCol="1270" anchor="ctr" anchorCtr="0">
-          <a:noAutofit/>
-        </a:bodyPr>
-        <a:lstStyle/>
-        <a:p>
-          <a:pPr marL="0" lvl="0" indent="0" algn="ctr" defTabSz="977900">
-            <a:lnSpc>
-              <a:spcPct val="90000"/>
-            </a:lnSpc>
-            <a:spcBef>
-              <a:spcPct val="0"/>
-            </a:spcBef>
-            <a:spcAft>
-              <a:spcPct val="35000"/>
-            </a:spcAft>
-            <a:buNone/>
-          </a:pPr>
-          <a:r>
-            <a:rPr kumimoji="1" lang="en-US" altLang="ja-JP" sz="2200" kern="1200" dirty="0"/>
-            <a:t>MIDI</a:t>
-          </a:r>
-          <a:r>
-            <a:rPr kumimoji="1" lang="ja-JP" altLang="en-US" sz="2200" kern="1200" dirty="0"/>
-            <a:t>ファイル</a:t>
-          </a:r>
-          <a:endParaRPr kumimoji="1" lang="en-US" altLang="ja-JP" sz="2200" kern="1200" dirty="0"/>
-        </a:p>
-        <a:p>
-          <a:pPr marL="0" lvl="0" indent="0" algn="ctr" defTabSz="977900">
-            <a:lnSpc>
-              <a:spcPct val="90000"/>
-            </a:lnSpc>
-            <a:spcBef>
-              <a:spcPct val="0"/>
-            </a:spcBef>
-            <a:spcAft>
-              <a:spcPct val="35000"/>
-            </a:spcAft>
-            <a:buNone/>
-          </a:pPr>
-          <a:r>
-            <a:rPr kumimoji="1" lang="en-US" altLang="ja-JP" sz="2200" kern="1200" dirty="0"/>
-            <a:t>(MIDI2audio)</a:t>
-          </a:r>
-          <a:endParaRPr kumimoji="1" lang="ja-JP" altLang="en-US" sz="2200" kern="1200" dirty="0"/>
-        </a:p>
-      </dsp:txBody>
-      <dsp:txXfrm>
-        <a:off x="5526962" y="2163276"/>
-        <a:ext cx="2245880" cy="1347528"/>
-      </dsp:txXfrm>
-    </dsp:sp>
-    <dsp:sp modelId="{AE8A7875-20CF-4E99-9A32-A0162D9ED8A5}">
-      <dsp:nvSpPr>
-        <dsp:cNvPr id="0" name=""/>
-        <dsp:cNvSpPr/>
-      </dsp:nvSpPr>
-      <dsp:spPr>
-        <a:xfrm>
-          <a:off x="8186062" y="2172924"/>
-          <a:ext cx="2245880" cy="1347528"/>
-        </a:xfrm>
-        <a:prstGeom prst="rect">
-          <a:avLst/>
-        </a:prstGeom>
-        <a:solidFill>
-          <a:schemeClr val="accent2"/>
-        </a:solidFill>
-        <a:ln w="12700" cap="flat" cmpd="sng" algn="ctr">
-          <a:solidFill>
-            <a:schemeClr val="lt1">
-              <a:hueOff val="0"/>
-              <a:satOff val="0"/>
-              <a:lumOff val="0"/>
-              <a:alphaOff val="0"/>
-            </a:schemeClr>
-          </a:solidFill>
-          <a:prstDash val="solid"/>
-          <a:miter lim="800000"/>
-        </a:ln>
-        <a:effectLst/>
-      </dsp:spPr>
-      <dsp:style>
-        <a:lnRef idx="2">
-          <a:scrgbClr r="0" g="0" b="0"/>
-        </a:lnRef>
-        <a:fillRef idx="1">
-          <a:scrgbClr r="0" g="0" b="0"/>
-        </a:fillRef>
-        <a:effectRef idx="0">
-          <a:scrgbClr r="0" g="0" b="0"/>
-        </a:effectRef>
-        <a:fontRef idx="minor">
-          <a:schemeClr val="lt1"/>
-        </a:fontRef>
-      </dsp:style>
-      <dsp:txBody>
-        <a:bodyPr spcFirstLastPara="0" vert="horz" wrap="square" lIns="156464" tIns="156464" rIns="156464" bIns="156464" numCol="1" spcCol="1270" anchor="ctr" anchorCtr="0">
-          <a:noAutofit/>
-        </a:bodyPr>
-        <a:lstStyle/>
-        <a:p>
-          <a:pPr marL="0" lvl="0" indent="0" algn="ctr" defTabSz="977900">
-            <a:lnSpc>
-              <a:spcPct val="90000"/>
-            </a:lnSpc>
-            <a:spcBef>
-              <a:spcPct val="0"/>
-            </a:spcBef>
-            <a:spcAft>
-              <a:spcPct val="35000"/>
-            </a:spcAft>
-            <a:buNone/>
-          </a:pPr>
-          <a:r>
-            <a:rPr kumimoji="1" lang="en-US" altLang="ja-JP" sz="2200" kern="1200" dirty="0"/>
-            <a:t>Mp3</a:t>
-          </a:r>
-        </a:p>
-        <a:p>
-          <a:pPr marL="0" lvl="0" indent="0" algn="ctr" defTabSz="977900">
-            <a:lnSpc>
-              <a:spcPct val="90000"/>
-            </a:lnSpc>
-            <a:spcBef>
-              <a:spcPct val="0"/>
-            </a:spcBef>
-            <a:spcAft>
-              <a:spcPct val="35000"/>
-            </a:spcAft>
-            <a:buNone/>
-          </a:pPr>
-          <a:r>
-            <a:rPr kumimoji="1" lang="en-US" altLang="ja-JP" sz="2200" kern="1200" dirty="0"/>
-            <a:t>(wav)</a:t>
-          </a:r>
-        </a:p>
-      </dsp:txBody>
-      <dsp:txXfrm>
-        <a:off x="8186062" y="2172924"/>
-        <a:ext cx="2245880" cy="1347528"/>
-      </dsp:txXfrm>
-    </dsp:sp>
   </dsp:spTree>
 </dsp:drawing>
 </file>
@@ -13117,48 +11231,8 @@
           <a:p>
             <a:r>
               <a:rPr kumimoji="1" lang="ja-JP" altLang="en-US" dirty="0"/>
-              <a:t>自動作曲の方法について①</a:t>
-            </a:r>
-          </a:p>
-        </p:txBody>
-      </p:sp>
-      <p:sp>
-        <p:nvSpPr>
-          <p:cNvPr id="3" name="テキスト ボックス 2">
-            <a:extLst>
-              <a:ext uri="{FF2B5EF4-FFF2-40B4-BE49-F238E27FC236}">
-                <a16:creationId xmlns:a16="http://schemas.microsoft.com/office/drawing/2014/main" id="{2E50882A-4355-47F4-AF33-BCDDEF29CD40}"/>
-              </a:ext>
-            </a:extLst>
-          </p:cNvPr>
-          <p:cNvSpPr txBox="1"/>
-          <p:nvPr/>
-        </p:nvSpPr>
-        <p:spPr>
-          <a:xfrm>
-            <a:off x="859972" y="2520094"/>
-            <a:ext cx="6850230" cy="1077218"/>
-          </a:xfrm>
-          <a:prstGeom prst="rect">
-            <a:avLst/>
-          </a:prstGeom>
-          <a:noFill/>
-        </p:spPr>
-        <p:txBody>
-          <a:bodyPr wrap="square" rtlCol="0">
-            <a:spAutoFit/>
-          </a:bodyPr>
-          <a:lstStyle/>
-          <a:p>
-            <a:r>
-              <a:rPr lang="en-US" altLang="ja-JP" sz="3200" dirty="0"/>
-              <a:t>RNN</a:t>
-            </a:r>
-            <a:r>
-              <a:rPr lang="ja-JP" altLang="en-US" sz="3200" dirty="0"/>
-              <a:t>は時系列ごとデータを学習させることができることが特徴です。</a:t>
-            </a:r>
-            <a:endParaRPr lang="en-US" altLang="ja-JP" sz="3200" dirty="0"/>
+              <a:t>自動作曲の方法について</a:t>
+            </a:r>
           </a:p>
         </p:txBody>
       </p:sp>
@@ -13176,8 +11250,8 @@
         </p:nvGrpSpPr>
         <p:grpSpPr>
           <a:xfrm>
-            <a:off x="5226621" y="3851711"/>
-            <a:ext cx="4374500" cy="2846486"/>
+            <a:off x="1265414" y="2652689"/>
+            <a:ext cx="5877258" cy="3751268"/>
             <a:chOff x="4753742" y="2059221"/>
             <a:chExt cx="5683239" cy="3920035"/>
           </a:xfrm>
@@ -13584,8 +11658,8 @@
             </p:sp>
           </mc:Fallback>
         </mc:AlternateContent>
-        <mc:AlternateContent xmlns:mc="http://schemas.openxmlformats.org/markup-compatibility/2006" xmlns:a14="http://schemas.microsoft.com/office/drawing/2010/main">
-          <mc:Choice Requires="a14">
+        <mc:AlternateContent xmlns:mc="http://schemas.openxmlformats.org/markup-compatibility/2006">
+          <mc:Choice xmlns:a14="http://schemas.microsoft.com/office/drawing/2010/main" Requires="a14">
             <p:sp>
               <p:nvSpPr>
                 <p:cNvPr id="9" name="フローチャート: 結合子 8">
@@ -13673,7 +11747,7 @@
               </p:txBody>
             </p:sp>
           </mc:Choice>
-          <mc:Fallback xmlns="">
+          <mc:Fallback>
             <p:sp>
               <p:nvSpPr>
                 <p:cNvPr id="9" name="フローチャート: 結合子 8">
@@ -14860,549 +12934,6 @@
           </p:txBody>
         </p:sp>
       </p:grpSp>
-      <p:grpSp>
-        <p:nvGrpSpPr>
-          <p:cNvPr id="23" name="グループ化 22">
-            <a:extLst>
-              <a:ext uri="{FF2B5EF4-FFF2-40B4-BE49-F238E27FC236}">
-                <a16:creationId xmlns:a16="http://schemas.microsoft.com/office/drawing/2014/main" id="{391718B8-C84A-4924-9260-5E8D610C84D3}"/>
-              </a:ext>
-            </a:extLst>
-          </p:cNvPr>
-          <p:cNvGrpSpPr/>
-          <p:nvPr/>
-        </p:nvGrpSpPr>
-        <p:grpSpPr>
-          <a:xfrm>
-            <a:off x="716430" y="3817490"/>
-            <a:ext cx="2475585" cy="2979628"/>
-            <a:chOff x="966797" y="577821"/>
-            <a:chExt cx="1905932" cy="5300325"/>
-          </a:xfrm>
-        </p:grpSpPr>
-        <p:sp>
-          <p:nvSpPr>
-            <p:cNvPr id="24" name="フローチャート: 結合子 23">
-              <a:extLst>
-                <a:ext uri="{FF2B5EF4-FFF2-40B4-BE49-F238E27FC236}">
-                  <a16:creationId xmlns:a16="http://schemas.microsoft.com/office/drawing/2014/main" id="{33EC7030-C6D2-499A-A852-1D563921CE10}"/>
-                </a:ext>
-              </a:extLst>
-            </p:cNvPr>
-            <p:cNvSpPr/>
-            <p:nvPr/>
-          </p:nvSpPr>
-          <p:spPr>
-            <a:xfrm>
-              <a:off x="1755019" y="2068098"/>
-              <a:ext cx="629623" cy="742122"/>
-            </a:xfrm>
-            <a:prstGeom prst="flowChartConnector">
-              <a:avLst/>
-            </a:prstGeom>
-          </p:spPr>
-          <p:style>
-            <a:lnRef idx="2">
-              <a:schemeClr val="accent6">
-                <a:shade val="50000"/>
-              </a:schemeClr>
-            </a:lnRef>
-            <a:fillRef idx="1">
-              <a:schemeClr val="accent6"/>
-            </a:fillRef>
-            <a:effectRef idx="0">
-              <a:schemeClr val="accent6"/>
-            </a:effectRef>
-            <a:fontRef idx="minor">
-              <a:schemeClr val="lt1"/>
-            </a:fontRef>
-          </p:style>
-          <p:txBody>
-            <a:bodyPr rtlCol="0" anchor="ctr"/>
-            <a:lstStyle/>
-            <a:p>
-              <a:pPr algn="ctr"/>
-              <a:r>
-                <a:rPr kumimoji="1" lang="ja-JP" altLang="en-US" dirty="0"/>
-                <a:t>ｙ</a:t>
-              </a:r>
-            </a:p>
-          </p:txBody>
-        </p:sp>
-        <mc:AlternateContent xmlns:mc="http://schemas.openxmlformats.org/markup-compatibility/2006" xmlns:a14="http://schemas.microsoft.com/office/drawing/2010/main">
-          <mc:Choice Requires="a14">
-            <p:sp>
-              <p:nvSpPr>
-                <p:cNvPr id="25" name="フローチャート: 結合子 24">
-                  <a:extLst>
-                    <a:ext uri="{FF2B5EF4-FFF2-40B4-BE49-F238E27FC236}">
-                      <a16:creationId xmlns:a16="http://schemas.microsoft.com/office/drawing/2014/main" id="{061BDBE3-5B1B-453F-9E25-CECB6F585275}"/>
-                    </a:ext>
-                  </a:extLst>
-                </p:cNvPr>
-                <p:cNvSpPr/>
-                <p:nvPr/>
-              </p:nvSpPr>
-              <p:spPr>
-                <a:xfrm>
-                  <a:off x="1755019" y="3561335"/>
-                  <a:ext cx="647775" cy="742122"/>
-                </a:xfrm>
-                <a:prstGeom prst="flowChartConnector">
-                  <a:avLst/>
-                </a:prstGeom>
-              </p:spPr>
-              <p:style>
-                <a:lnRef idx="2">
-                  <a:schemeClr val="accent1">
-                    <a:shade val="50000"/>
-                  </a:schemeClr>
-                </a:lnRef>
-                <a:fillRef idx="1">
-                  <a:schemeClr val="accent1"/>
-                </a:fillRef>
-                <a:effectRef idx="0">
-                  <a:schemeClr val="accent1"/>
-                </a:effectRef>
-                <a:fontRef idx="minor">
-                  <a:schemeClr val="lt1"/>
-                </a:fontRef>
-              </p:style>
-              <p:txBody>
-                <a:bodyPr rtlCol="0" anchor="ctr"/>
-                <a:lstStyle/>
-                <a:p>
-                  <a:pPr algn="ctr"/>
-                  <a14:m>
-                    <m:oMathPara xmlns:m="http://schemas.openxmlformats.org/officeDocument/2006/math">
-                      <m:oMathParaPr>
-                        <m:jc m:val="centerGroup"/>
-                      </m:oMathParaPr>
-                      <m:oMath xmlns:m="http://schemas.openxmlformats.org/officeDocument/2006/math">
-                        <m:r>
-                          <a:rPr lang="en-US" altLang="ja-JP" i="1" smtClean="0">
-                            <a:latin typeface="Cambria Math" panose="02040503050406030204" pitchFamily="18" charset="0"/>
-                          </a:rPr>
-                          <m:t> </m:t>
-                        </m:r>
-                        <m:r>
-                          <a:rPr lang="en-US" altLang="ja-JP" b="0" i="1" smtClean="0">
-                            <a:latin typeface="Cambria Math" panose="02040503050406030204" pitchFamily="18" charset="0"/>
-                          </a:rPr>
-                          <m:t>h</m:t>
-                        </m:r>
-                      </m:oMath>
-                    </m:oMathPara>
-                  </a14:m>
-                  <a:endParaRPr kumimoji="1" lang="ja-JP" altLang="en-US" dirty="0"/>
-                </a:p>
-              </p:txBody>
-            </p:sp>
-          </mc:Choice>
-          <mc:Fallback xmlns="">
-            <p:sp>
-              <p:nvSpPr>
-                <p:cNvPr id="25" name="フローチャート: 結合子 24">
-                  <a:extLst>
-                    <a:ext uri="{FF2B5EF4-FFF2-40B4-BE49-F238E27FC236}">
-                      <a16:creationId xmlns:a16="http://schemas.microsoft.com/office/drawing/2014/main" id="{061BDBE3-5B1B-453F-9E25-CECB6F585275}"/>
-                    </a:ext>
-                  </a:extLst>
-                </p:cNvPr>
-                <p:cNvSpPr>
-                  <a:spLocks noRot="1" noChangeAspect="1" noMove="1" noResize="1" noEditPoints="1" noAdjustHandles="1" noChangeArrowheads="1" noChangeShapeType="1" noTextEdit="1"/>
-                </p:cNvSpPr>
-                <p:nvPr/>
-              </p:nvSpPr>
-              <p:spPr>
-                <a:xfrm>
-                  <a:off x="1755019" y="3561335"/>
-                  <a:ext cx="647775" cy="742122"/>
-                </a:xfrm>
-                <a:prstGeom prst="flowChartConnector">
-                  <a:avLst/>
-                </a:prstGeom>
-                <a:blipFill>
-                  <a:blip r:embed="rId13"/>
-                  <a:stretch>
-                    <a:fillRect/>
-                  </a:stretch>
-                </a:blipFill>
-              </p:spPr>
-              <p:txBody>
-                <a:bodyPr/>
-                <a:lstStyle/>
-                <a:p>
-                  <a:r>
-                    <a:rPr lang="ja-JP" altLang="en-US">
-                      <a:noFill/>
-                    </a:rPr>
-                    <a:t> </a:t>
-                  </a:r>
-                </a:p>
-              </p:txBody>
-            </p:sp>
-          </mc:Fallback>
-        </mc:AlternateContent>
-        <mc:AlternateContent xmlns:mc="http://schemas.openxmlformats.org/markup-compatibility/2006" xmlns:a14="http://schemas.microsoft.com/office/drawing/2010/main">
-          <mc:Choice Requires="a14">
-            <p:sp>
-              <p:nvSpPr>
-                <p:cNvPr id="26" name="フローチャート: 結合子 25">
-                  <a:extLst>
-                    <a:ext uri="{FF2B5EF4-FFF2-40B4-BE49-F238E27FC236}">
-                      <a16:creationId xmlns:a16="http://schemas.microsoft.com/office/drawing/2014/main" id="{6368C4E9-2A48-42E1-8899-6F09A7682B37}"/>
-                    </a:ext>
-                  </a:extLst>
-                </p:cNvPr>
-                <p:cNvSpPr/>
-                <p:nvPr/>
-              </p:nvSpPr>
-              <p:spPr>
-                <a:xfrm>
-                  <a:off x="1755019" y="5136024"/>
-                  <a:ext cx="647775" cy="742122"/>
-                </a:xfrm>
-                <a:prstGeom prst="flowChartConnector">
-                  <a:avLst/>
-                </a:prstGeom>
-              </p:spPr>
-              <p:style>
-                <a:lnRef idx="2">
-                  <a:schemeClr val="accent2">
-                    <a:shade val="50000"/>
-                  </a:schemeClr>
-                </a:lnRef>
-                <a:fillRef idx="1">
-                  <a:schemeClr val="accent2"/>
-                </a:fillRef>
-                <a:effectRef idx="0">
-                  <a:schemeClr val="accent2"/>
-                </a:effectRef>
-                <a:fontRef idx="minor">
-                  <a:schemeClr val="lt1"/>
-                </a:fontRef>
-              </p:style>
-              <p:txBody>
-                <a:bodyPr rtlCol="0" anchor="ctr"/>
-                <a:lstStyle/>
-                <a:p>
-                  <a:pPr algn="ctr"/>
-                  <a14:m>
-                    <m:oMathPara xmlns:m="http://schemas.openxmlformats.org/officeDocument/2006/math">
-                      <m:oMathParaPr>
-                        <m:jc m:val="centerGroup"/>
-                      </m:oMathParaPr>
-                      <m:oMath xmlns:m="http://schemas.openxmlformats.org/officeDocument/2006/math">
-                        <m:r>
-                          <a:rPr kumimoji="1" lang="en-US" altLang="ja-JP" sz="2000" b="0" i="1" smtClean="0">
-                            <a:latin typeface="Cambria Math" panose="02040503050406030204" pitchFamily="18" charset="0"/>
-                          </a:rPr>
-                          <m:t> </m:t>
-                        </m:r>
-                        <m:r>
-                          <a:rPr kumimoji="1" lang="en-US" altLang="ja-JP" sz="2000" b="0" i="1" smtClean="0">
-                            <a:latin typeface="Cambria Math" panose="02040503050406030204" pitchFamily="18" charset="0"/>
-                          </a:rPr>
-                          <m:t>𝑥</m:t>
-                        </m:r>
-                      </m:oMath>
-                    </m:oMathPara>
-                  </a14:m>
-                  <a:endParaRPr kumimoji="1" lang="ja-JP" altLang="en-US" sz="2000" dirty="0"/>
-                </a:p>
-              </p:txBody>
-            </p:sp>
-          </mc:Choice>
-          <mc:Fallback xmlns="">
-            <p:sp>
-              <p:nvSpPr>
-                <p:cNvPr id="26" name="フローチャート: 結合子 25">
-                  <a:extLst>
-                    <a:ext uri="{FF2B5EF4-FFF2-40B4-BE49-F238E27FC236}">
-                      <a16:creationId xmlns:a16="http://schemas.microsoft.com/office/drawing/2014/main" id="{6368C4E9-2A48-42E1-8899-6F09A7682B37}"/>
-                    </a:ext>
-                  </a:extLst>
-                </p:cNvPr>
-                <p:cNvSpPr>
-                  <a:spLocks noRot="1" noChangeAspect="1" noMove="1" noResize="1" noEditPoints="1" noAdjustHandles="1" noChangeArrowheads="1" noChangeShapeType="1" noTextEdit="1"/>
-                </p:cNvSpPr>
-                <p:nvPr/>
-              </p:nvSpPr>
-              <p:spPr>
-                <a:xfrm>
-                  <a:off x="1755019" y="5136024"/>
-                  <a:ext cx="647775" cy="742122"/>
-                </a:xfrm>
-                <a:prstGeom prst="flowChartConnector">
-                  <a:avLst/>
-                </a:prstGeom>
-                <a:blipFill>
-                  <a:blip r:embed="rId14"/>
-                  <a:stretch>
-                    <a:fillRect/>
-                  </a:stretch>
-                </a:blipFill>
-              </p:spPr>
-              <p:txBody>
-                <a:bodyPr/>
-                <a:lstStyle/>
-                <a:p>
-                  <a:r>
-                    <a:rPr lang="ja-JP" altLang="en-US">
-                      <a:noFill/>
-                    </a:rPr>
-                    <a:t> </a:t>
-                  </a:r>
-                </a:p>
-              </p:txBody>
-            </p:sp>
-          </mc:Fallback>
-        </mc:AlternateContent>
-        <p:sp>
-          <p:nvSpPr>
-            <p:cNvPr id="27" name="矢印: 右カーブ 26">
-              <a:extLst>
-                <a:ext uri="{FF2B5EF4-FFF2-40B4-BE49-F238E27FC236}">
-                  <a16:creationId xmlns:a16="http://schemas.microsoft.com/office/drawing/2014/main" id="{4BE64257-4078-4315-AFDE-DC8D987CB3EE}"/>
-                </a:ext>
-              </a:extLst>
-            </p:cNvPr>
-            <p:cNvSpPr/>
-            <p:nvPr/>
-          </p:nvSpPr>
-          <p:spPr>
-            <a:xfrm>
-              <a:off x="966797" y="2623767"/>
-              <a:ext cx="719735" cy="2936797"/>
-            </a:xfrm>
-            <a:prstGeom prst="curvedRightArrow">
-              <a:avLst/>
-            </a:prstGeom>
-            <a:solidFill>
-              <a:schemeClr val="accent6"/>
-            </a:solidFill>
-          </p:spPr>
-          <p:style>
-            <a:lnRef idx="2">
-              <a:schemeClr val="accent1">
-                <a:shade val="50000"/>
-              </a:schemeClr>
-            </a:lnRef>
-            <a:fillRef idx="1">
-              <a:schemeClr val="accent1"/>
-            </a:fillRef>
-            <a:effectRef idx="0">
-              <a:schemeClr val="accent1"/>
-            </a:effectRef>
-            <a:fontRef idx="minor">
-              <a:schemeClr val="lt1"/>
-            </a:fontRef>
-          </p:style>
-          <p:txBody>
-            <a:bodyPr rtlCol="0" anchor="ctr"/>
-            <a:lstStyle/>
-            <a:p>
-              <a:pPr algn="ctr"/>
-              <a:endParaRPr kumimoji="1" lang="ja-JP" altLang="en-US" dirty="0">
-                <a:solidFill>
-                  <a:schemeClr val="tx1"/>
-                </a:solidFill>
-              </a:endParaRPr>
-            </a:p>
-          </p:txBody>
-        </p:sp>
-        <p:sp>
-          <p:nvSpPr>
-            <p:cNvPr id="28" name="矢印: 右 27">
-              <a:extLst>
-                <a:ext uri="{FF2B5EF4-FFF2-40B4-BE49-F238E27FC236}">
-                  <a16:creationId xmlns:a16="http://schemas.microsoft.com/office/drawing/2014/main" id="{5E159CB0-C13A-4F35-9052-65550495FE05}"/>
-                </a:ext>
-              </a:extLst>
-            </p:cNvPr>
-            <p:cNvSpPr/>
-            <p:nvPr/>
-          </p:nvSpPr>
-          <p:spPr>
-            <a:xfrm rot="16200000">
-              <a:off x="1845176" y="2911876"/>
-              <a:ext cx="561809" cy="517124"/>
-            </a:xfrm>
-            <a:prstGeom prst="rightArrow">
-              <a:avLst/>
-            </a:prstGeom>
-            <a:solidFill>
-              <a:schemeClr val="accent6"/>
-            </a:solidFill>
-          </p:spPr>
-          <p:style>
-            <a:lnRef idx="2">
-              <a:schemeClr val="accent1">
-                <a:shade val="50000"/>
-              </a:schemeClr>
-            </a:lnRef>
-            <a:fillRef idx="1">
-              <a:schemeClr val="accent1"/>
-            </a:fillRef>
-            <a:effectRef idx="0">
-              <a:schemeClr val="accent1"/>
-            </a:effectRef>
-            <a:fontRef idx="minor">
-              <a:schemeClr val="lt1"/>
-            </a:fontRef>
-          </p:style>
-          <p:txBody>
-            <a:bodyPr rtlCol="0" anchor="ctr"/>
-            <a:lstStyle/>
-            <a:p>
-              <a:pPr algn="ctr"/>
-              <a:endParaRPr kumimoji="1" lang="ja-JP" altLang="en-US"/>
-            </a:p>
-          </p:txBody>
-        </p:sp>
-        <p:sp>
-          <p:nvSpPr>
-            <p:cNvPr id="29" name="矢印: 右 28">
-              <a:extLst>
-                <a:ext uri="{FF2B5EF4-FFF2-40B4-BE49-F238E27FC236}">
-                  <a16:creationId xmlns:a16="http://schemas.microsoft.com/office/drawing/2014/main" id="{37DFA050-E407-4C28-AFC1-52D738AC70AF}"/>
-                </a:ext>
-              </a:extLst>
-            </p:cNvPr>
-            <p:cNvSpPr/>
-            <p:nvPr/>
-          </p:nvSpPr>
-          <p:spPr>
-            <a:xfrm rot="16200000">
-              <a:off x="1845177" y="4407817"/>
-              <a:ext cx="561809" cy="517124"/>
-            </a:xfrm>
-            <a:prstGeom prst="rightArrow">
-              <a:avLst/>
-            </a:prstGeom>
-            <a:solidFill>
-              <a:schemeClr val="accent2"/>
-            </a:solidFill>
-          </p:spPr>
-          <p:style>
-            <a:lnRef idx="2">
-              <a:schemeClr val="accent1">
-                <a:shade val="50000"/>
-              </a:schemeClr>
-            </a:lnRef>
-            <a:fillRef idx="1">
-              <a:schemeClr val="accent1"/>
-            </a:fillRef>
-            <a:effectRef idx="0">
-              <a:schemeClr val="accent1"/>
-            </a:effectRef>
-            <a:fontRef idx="minor">
-              <a:schemeClr val="lt1"/>
-            </a:fontRef>
-          </p:style>
-          <p:txBody>
-            <a:bodyPr rtlCol="0" anchor="ctr"/>
-            <a:lstStyle/>
-            <a:p>
-              <a:pPr algn="ctr"/>
-              <a:endParaRPr kumimoji="1" lang="ja-JP" altLang="en-US"/>
-            </a:p>
-          </p:txBody>
-        </p:sp>
-        <p:sp>
-          <p:nvSpPr>
-            <p:cNvPr id="30" name="テキスト ボックス 29">
-              <a:extLst>
-                <a:ext uri="{FF2B5EF4-FFF2-40B4-BE49-F238E27FC236}">
-                  <a16:creationId xmlns:a16="http://schemas.microsoft.com/office/drawing/2014/main" id="{7CF4B31C-9996-41A4-89AB-E23EEEEC5BF9}"/>
-                </a:ext>
-              </a:extLst>
-            </p:cNvPr>
-            <p:cNvSpPr txBox="1"/>
-            <p:nvPr/>
-          </p:nvSpPr>
-          <p:spPr>
-            <a:xfrm>
-              <a:off x="1266930" y="577821"/>
-              <a:ext cx="1605799" cy="1311750"/>
-            </a:xfrm>
-            <a:prstGeom prst="rect">
-              <a:avLst/>
-            </a:prstGeom>
-            <a:noFill/>
-          </p:spPr>
-          <p:txBody>
-            <a:bodyPr wrap="square" rtlCol="0">
-              <a:spAutoFit/>
-            </a:bodyPr>
-            <a:lstStyle/>
-            <a:p>
-              <a:r>
-                <a:rPr kumimoji="1" lang="ja-JP" altLang="en-US" sz="4000" dirty="0"/>
-                <a:t>中</a:t>
-              </a:r>
-              <a:r>
-                <a:rPr lang="ja-JP" altLang="en-US" sz="4000" dirty="0"/>
-                <a:t>間</a:t>
-              </a:r>
-              <a:r>
-                <a:rPr kumimoji="1" lang="ja-JP" altLang="en-US" sz="4000" dirty="0"/>
-                <a:t>層</a:t>
-              </a:r>
-            </a:p>
-          </p:txBody>
-        </p:sp>
-      </p:grpSp>
-      <p:sp>
-        <p:nvSpPr>
-          <p:cNvPr id="4" name="矢印: 右 3">
-            <a:extLst>
-              <a:ext uri="{FF2B5EF4-FFF2-40B4-BE49-F238E27FC236}">
-                <a16:creationId xmlns:a16="http://schemas.microsoft.com/office/drawing/2014/main" id="{511DAD3B-B48D-417C-B5A3-55327C0E595A}"/>
-              </a:ext>
-            </a:extLst>
-          </p:cNvPr>
-          <p:cNvSpPr/>
-          <p:nvPr/>
-        </p:nvSpPr>
-        <p:spPr>
-          <a:xfrm>
-            <a:off x="3191915" y="4876403"/>
-            <a:ext cx="1586216" cy="817682"/>
-          </a:xfrm>
-          <a:prstGeom prst="rightArrow">
-            <a:avLst/>
-          </a:prstGeom>
-          <a:solidFill>
-            <a:srgbClr val="00B050"/>
-          </a:solidFill>
-        </p:spPr>
-        <p:style>
-          <a:lnRef idx="2">
-            <a:schemeClr val="accent1">
-              <a:shade val="50000"/>
-            </a:schemeClr>
-          </a:lnRef>
-          <a:fillRef idx="1">
-            <a:schemeClr val="accent1"/>
-          </a:fillRef>
-          <a:effectRef idx="0">
-            <a:schemeClr val="accent1"/>
-          </a:effectRef>
-          <a:fontRef idx="minor">
-            <a:schemeClr val="lt1"/>
-          </a:fontRef>
-        </p:style>
-        <p:txBody>
-          <a:bodyPr rtlCol="0" anchor="ctr"/>
-          <a:lstStyle/>
-          <a:p>
-            <a:pPr algn="ctr"/>
-            <a:endParaRPr kumimoji="1" lang="ja-JP" altLang="en-US" dirty="0"/>
-          </a:p>
-        </p:txBody>
-      </p:sp>
       <p:sp>
         <p:nvSpPr>
           <p:cNvPr id="33" name="正方形/長方形 32">
@@ -15473,7 +13004,7 @@
         </p:nvSpPr>
         <p:spPr>
           <a:xfrm>
-            <a:off x="6058929" y="5096186"/>
+            <a:off x="2309218" y="4339264"/>
             <a:ext cx="346028" cy="378117"/>
           </a:xfrm>
           <a:prstGeom prst="rightArrow">
@@ -15570,6 +13101,626 @@
                 </a:solidFill>
               </a:rPr>
               <a:t>)</a:t>
+            </a:r>
+          </a:p>
+        </p:txBody>
+      </p:sp>
+      <p:sp>
+        <p:nvSpPr>
+          <p:cNvPr id="34" name="矢印: 右 33">
+            <a:extLst>
+              <a:ext uri="{FF2B5EF4-FFF2-40B4-BE49-F238E27FC236}">
+                <a16:creationId xmlns:a16="http://schemas.microsoft.com/office/drawing/2014/main" id="{004ABD9B-C6D9-43B5-AD48-419DA111DE96}"/>
+              </a:ext>
+            </a:extLst>
+          </p:cNvPr>
+          <p:cNvSpPr/>
+          <p:nvPr/>
+        </p:nvSpPr>
+        <p:spPr>
+          <a:xfrm rot="16200000">
+            <a:off x="4746020" y="3498539"/>
+            <a:ext cx="441666" cy="540326"/>
+          </a:xfrm>
+          <a:prstGeom prst="rightArrow">
+            <a:avLst/>
+          </a:prstGeom>
+          <a:solidFill>
+            <a:schemeClr val="accent6"/>
+          </a:solidFill>
+        </p:spPr>
+        <p:style>
+          <a:lnRef idx="2">
+            <a:schemeClr val="accent1">
+              <a:shade val="50000"/>
+            </a:schemeClr>
+          </a:lnRef>
+          <a:fillRef idx="1">
+            <a:schemeClr val="accent1"/>
+          </a:fillRef>
+          <a:effectRef idx="0">
+            <a:schemeClr val="accent1"/>
+          </a:effectRef>
+          <a:fontRef idx="minor">
+            <a:schemeClr val="lt1"/>
+          </a:fontRef>
+        </p:style>
+        <p:txBody>
+          <a:bodyPr rtlCol="0" anchor="ctr"/>
+          <a:lstStyle/>
+          <a:p>
+            <a:pPr algn="ctr"/>
+            <a:endParaRPr kumimoji="1" lang="ja-JP" altLang="en-US"/>
+          </a:p>
+        </p:txBody>
+      </p:sp>
+      <mc:AlternateContent xmlns:mc="http://schemas.openxmlformats.org/markup-compatibility/2006">
+        <mc:Choice xmlns:a14="http://schemas.microsoft.com/office/drawing/2010/main" Requires="a14">
+          <p:sp>
+            <p:nvSpPr>
+              <p:cNvPr id="37" name="フローチャート: 結合子 36">
+                <a:extLst>
+                  <a:ext uri="{FF2B5EF4-FFF2-40B4-BE49-F238E27FC236}">
+                    <a16:creationId xmlns:a16="http://schemas.microsoft.com/office/drawing/2014/main" id="{ED54FD4D-7CE9-4FC4-B6BF-4552E48264FD}"/>
+                  </a:ext>
+                </a:extLst>
+              </p:cNvPr>
+              <p:cNvSpPr/>
+              <p:nvPr/>
+            </p:nvSpPr>
+            <p:spPr>
+              <a:xfrm>
+                <a:off x="8331587" y="5483801"/>
+                <a:ext cx="767457" cy="710172"/>
+              </a:xfrm>
+              <a:prstGeom prst="flowChartConnector">
+                <a:avLst/>
+              </a:prstGeom>
+            </p:spPr>
+            <p:style>
+              <a:lnRef idx="2">
+                <a:schemeClr val="accent2">
+                  <a:shade val="50000"/>
+                </a:schemeClr>
+              </a:lnRef>
+              <a:fillRef idx="1">
+                <a:schemeClr val="accent2"/>
+              </a:fillRef>
+              <a:effectRef idx="0">
+                <a:schemeClr val="accent2"/>
+              </a:effectRef>
+              <a:fontRef idx="minor">
+                <a:schemeClr val="lt1"/>
+              </a:fontRef>
+            </p:style>
+            <p:txBody>
+              <a:bodyPr rtlCol="0" anchor="ctr"/>
+              <a:lstStyle/>
+              <a:p>
+                <a:pPr algn="ctr"/>
+                <a14:m>
+                  <m:oMathPara xmlns:m="http://schemas.openxmlformats.org/officeDocument/2006/math">
+                    <m:oMathParaPr>
+                      <m:jc m:val="centerGroup"/>
+                    </m:oMathParaPr>
+                    <m:oMath xmlns:m="http://schemas.openxmlformats.org/officeDocument/2006/math">
+                      <m:sSub>
+                        <m:sSubPr>
+                          <m:ctrlPr>
+                            <a:rPr lang="en-US" altLang="ja-JP" i="1" smtClean="0">
+                              <a:latin typeface="Cambria Math" panose="02040503050406030204" pitchFamily="18" charset="0"/>
+                            </a:rPr>
+                          </m:ctrlPr>
+                        </m:sSubPr>
+                        <m:e>
+                          <m:r>
+                            <a:rPr lang="en-US" altLang="ja-JP" i="1">
+                              <a:latin typeface="Cambria Math" panose="02040503050406030204" pitchFamily="18" charset="0"/>
+                            </a:rPr>
+                            <m:t>  </m:t>
+                          </m:r>
+                          <m:r>
+                            <a:rPr lang="en-US" altLang="ja-JP" b="0" i="1" smtClean="0">
+                              <a:latin typeface="Cambria Math" panose="02040503050406030204" pitchFamily="18" charset="0"/>
+                            </a:rPr>
+                            <m:t>  </m:t>
+                          </m:r>
+                          <m:r>
+                            <a:rPr lang="en-US" altLang="ja-JP" i="1">
+                              <a:latin typeface="Cambria Math" panose="02040503050406030204" pitchFamily="18" charset="0"/>
+                            </a:rPr>
+                            <m:t>𝑥</m:t>
+                          </m:r>
+                        </m:e>
+                        <m:sub/>
+                      </m:sSub>
+                    </m:oMath>
+                  </m:oMathPara>
+                </a14:m>
+                <a:endParaRPr kumimoji="1" lang="ja-JP" altLang="en-US" dirty="0"/>
+              </a:p>
+            </p:txBody>
+          </p:sp>
+        </mc:Choice>
+        <mc:Fallback>
+          <p:sp>
+            <p:nvSpPr>
+              <p:cNvPr id="37" name="フローチャート: 結合子 36">
+                <a:extLst>
+                  <a:ext uri="{FF2B5EF4-FFF2-40B4-BE49-F238E27FC236}">
+                    <a16:creationId xmlns:a16="http://schemas.microsoft.com/office/drawing/2014/main" id="{ED54FD4D-7CE9-4FC4-B6BF-4552E48264FD}"/>
+                  </a:ext>
+                </a:extLst>
+              </p:cNvPr>
+              <p:cNvSpPr>
+                <a:spLocks noRot="1" noChangeAspect="1" noMove="1" noResize="1" noEditPoints="1" noAdjustHandles="1" noChangeArrowheads="1" noChangeShapeType="1" noTextEdit="1"/>
+              </p:cNvSpPr>
+              <p:nvPr/>
+            </p:nvSpPr>
+            <p:spPr>
+              <a:xfrm>
+                <a:off x="8331587" y="5483801"/>
+                <a:ext cx="767457" cy="710172"/>
+              </a:xfrm>
+              <a:prstGeom prst="flowChartConnector">
+                <a:avLst/>
+              </a:prstGeom>
+              <a:blipFill>
+                <a:blip r:embed="rId13"/>
+                <a:stretch>
+                  <a:fillRect/>
+                </a:stretch>
+              </a:blipFill>
+            </p:spPr>
+            <p:txBody>
+              <a:bodyPr/>
+              <a:lstStyle/>
+              <a:p>
+                <a:r>
+                  <a:rPr lang="ja-JP" altLang="en-US">
+                    <a:noFill/>
+                  </a:rPr>
+                  <a:t> </a:t>
+                </a:r>
+              </a:p>
+            </p:txBody>
+          </p:sp>
+        </mc:Fallback>
+      </mc:AlternateContent>
+      <p:sp>
+        <p:nvSpPr>
+          <p:cNvPr id="31" name="四角形: 角を丸くする 30">
+            <a:extLst>
+              <a:ext uri="{FF2B5EF4-FFF2-40B4-BE49-F238E27FC236}">
+                <a16:creationId xmlns:a16="http://schemas.microsoft.com/office/drawing/2014/main" id="{73BD59BE-A7FD-41E3-AAA4-CBB11BAE5479}"/>
+              </a:ext>
+            </a:extLst>
+          </p:cNvPr>
+          <p:cNvSpPr/>
+          <p:nvPr/>
+        </p:nvSpPr>
+        <p:spPr>
+          <a:xfrm>
+            <a:off x="7953555" y="2769079"/>
+            <a:ext cx="3665536" cy="3830129"/>
+          </a:xfrm>
+          <a:prstGeom prst="roundRect">
+            <a:avLst/>
+          </a:prstGeom>
+          <a:noFill/>
+          <a:ln>
+            <a:prstDash val="dash"/>
+          </a:ln>
+        </p:spPr>
+        <p:style>
+          <a:lnRef idx="2">
+            <a:schemeClr val="accent1">
+              <a:shade val="50000"/>
+            </a:schemeClr>
+          </a:lnRef>
+          <a:fillRef idx="1">
+            <a:schemeClr val="accent1"/>
+          </a:fillRef>
+          <a:effectRef idx="0">
+            <a:schemeClr val="accent1"/>
+          </a:effectRef>
+          <a:fontRef idx="minor">
+            <a:schemeClr val="lt1"/>
+          </a:fontRef>
+        </p:style>
+        <p:txBody>
+          <a:bodyPr rtlCol="0" anchor="ctr"/>
+          <a:lstStyle/>
+          <a:p>
+            <a:pPr algn="ctr"/>
+            <a:endParaRPr kumimoji="1" lang="ja-JP" altLang="en-US"/>
+          </a:p>
+        </p:txBody>
+      </p:sp>
+      <mc:AlternateContent xmlns:mc="http://schemas.openxmlformats.org/markup-compatibility/2006">
+        <mc:Choice xmlns:a14="http://schemas.microsoft.com/office/drawing/2010/main" Requires="a14">
+          <p:sp>
+            <p:nvSpPr>
+              <p:cNvPr id="38" name="フローチャート: 結合子 37">
+                <a:extLst>
+                  <a:ext uri="{FF2B5EF4-FFF2-40B4-BE49-F238E27FC236}">
+                    <a16:creationId xmlns:a16="http://schemas.microsoft.com/office/drawing/2014/main" id="{50B26038-E885-4435-87CA-12164F4AEF46}"/>
+                  </a:ext>
+                </a:extLst>
+              </p:cNvPr>
+              <p:cNvSpPr/>
+              <p:nvPr/>
+            </p:nvSpPr>
+            <p:spPr>
+              <a:xfrm>
+                <a:off x="8318484" y="4278326"/>
+                <a:ext cx="767457" cy="710172"/>
+              </a:xfrm>
+              <a:prstGeom prst="flowChartConnector">
+                <a:avLst/>
+              </a:prstGeom>
+            </p:spPr>
+            <p:style>
+              <a:lnRef idx="2">
+                <a:schemeClr val="accent1">
+                  <a:shade val="50000"/>
+                </a:schemeClr>
+              </a:lnRef>
+              <a:fillRef idx="1">
+                <a:schemeClr val="accent1"/>
+              </a:fillRef>
+              <a:effectRef idx="0">
+                <a:schemeClr val="accent1"/>
+              </a:effectRef>
+              <a:fontRef idx="minor">
+                <a:schemeClr val="lt1"/>
+              </a:fontRef>
+            </p:style>
+            <p:txBody>
+              <a:bodyPr rtlCol="0" anchor="ctr"/>
+              <a:lstStyle/>
+              <a:p>
+                <a:pPr algn="ctr"/>
+                <a14:m>
+                  <m:oMathPara xmlns:m="http://schemas.openxmlformats.org/officeDocument/2006/math">
+                    <m:oMathParaPr>
+                      <m:jc m:val="centerGroup"/>
+                    </m:oMathParaPr>
+                    <m:oMath xmlns:m="http://schemas.openxmlformats.org/officeDocument/2006/math">
+                      <m:r>
+                        <a:rPr lang="en-US" altLang="ja-JP" i="1" smtClean="0">
+                          <a:latin typeface="Cambria Math" panose="02040503050406030204" pitchFamily="18" charset="0"/>
+                        </a:rPr>
+                        <m:t> </m:t>
+                      </m:r>
+                      <m:sSub>
+                        <m:sSubPr>
+                          <m:ctrlPr>
+                            <a:rPr lang="en-US" altLang="ja-JP" i="1">
+                              <a:latin typeface="Cambria Math" panose="02040503050406030204" pitchFamily="18" charset="0"/>
+                            </a:rPr>
+                          </m:ctrlPr>
+                        </m:sSubPr>
+                        <m:e>
+                          <m:r>
+                            <a:rPr lang="en-US" altLang="ja-JP" b="0" i="1" smtClean="0">
+                              <a:latin typeface="Cambria Math" panose="02040503050406030204" pitchFamily="18" charset="0"/>
+                            </a:rPr>
+                            <m:t>  </m:t>
+                          </m:r>
+                          <m:r>
+                            <a:rPr lang="en-US" altLang="ja-JP" i="1">
+                              <a:latin typeface="Cambria Math" panose="02040503050406030204" pitchFamily="18" charset="0"/>
+                            </a:rPr>
+                            <m:t>h</m:t>
+                          </m:r>
+                        </m:e>
+                        <m:sub/>
+                      </m:sSub>
+                    </m:oMath>
+                  </m:oMathPara>
+                </a14:m>
+                <a:endParaRPr kumimoji="1" lang="ja-JP" altLang="en-US" dirty="0"/>
+              </a:p>
+            </p:txBody>
+          </p:sp>
+        </mc:Choice>
+        <mc:Fallback>
+          <p:sp>
+            <p:nvSpPr>
+              <p:cNvPr id="38" name="フローチャート: 結合子 37">
+                <a:extLst>
+                  <a:ext uri="{FF2B5EF4-FFF2-40B4-BE49-F238E27FC236}">
+                    <a16:creationId xmlns:a16="http://schemas.microsoft.com/office/drawing/2014/main" id="{50B26038-E885-4435-87CA-12164F4AEF46}"/>
+                  </a:ext>
+                </a:extLst>
+              </p:cNvPr>
+              <p:cNvSpPr>
+                <a:spLocks noRot="1" noChangeAspect="1" noMove="1" noResize="1" noEditPoints="1" noAdjustHandles="1" noChangeArrowheads="1" noChangeShapeType="1" noTextEdit="1"/>
+              </p:cNvSpPr>
+              <p:nvPr/>
+            </p:nvSpPr>
+            <p:spPr>
+              <a:xfrm>
+                <a:off x="8318484" y="4278326"/>
+                <a:ext cx="767457" cy="710172"/>
+              </a:xfrm>
+              <a:prstGeom prst="flowChartConnector">
+                <a:avLst/>
+              </a:prstGeom>
+              <a:blipFill>
+                <a:blip r:embed="rId14"/>
+                <a:stretch>
+                  <a:fillRect/>
+                </a:stretch>
+              </a:blipFill>
+            </p:spPr>
+            <p:txBody>
+              <a:bodyPr/>
+              <a:lstStyle/>
+              <a:p>
+                <a:r>
+                  <a:rPr lang="ja-JP" altLang="en-US">
+                    <a:noFill/>
+                  </a:rPr>
+                  <a:t> </a:t>
+                </a:r>
+              </a:p>
+            </p:txBody>
+          </p:sp>
+        </mc:Fallback>
+      </mc:AlternateContent>
+      <mc:AlternateContent xmlns:mc="http://schemas.openxmlformats.org/markup-compatibility/2006">
+        <mc:Choice xmlns:a14="http://schemas.microsoft.com/office/drawing/2010/main" Requires="a14">
+          <p:sp>
+            <p:nvSpPr>
+              <p:cNvPr id="39" name="フローチャート: 結合子 38">
+                <a:extLst>
+                  <a:ext uri="{FF2B5EF4-FFF2-40B4-BE49-F238E27FC236}">
+                    <a16:creationId xmlns:a16="http://schemas.microsoft.com/office/drawing/2014/main" id="{0D21D87D-F36D-42BD-B596-65258EBC64DC}"/>
+                  </a:ext>
+                </a:extLst>
+              </p:cNvPr>
+              <p:cNvSpPr/>
+              <p:nvPr/>
+            </p:nvSpPr>
+            <p:spPr>
+              <a:xfrm>
+                <a:off x="8331587" y="3017493"/>
+                <a:ext cx="767457" cy="710172"/>
+              </a:xfrm>
+              <a:prstGeom prst="flowChartConnector">
+                <a:avLst/>
+              </a:prstGeom>
+            </p:spPr>
+            <p:style>
+              <a:lnRef idx="2">
+                <a:schemeClr val="accent6">
+                  <a:shade val="50000"/>
+                </a:schemeClr>
+              </a:lnRef>
+              <a:fillRef idx="1">
+                <a:schemeClr val="accent6"/>
+              </a:fillRef>
+              <a:effectRef idx="0">
+                <a:schemeClr val="accent6"/>
+              </a:effectRef>
+              <a:fontRef idx="minor">
+                <a:schemeClr val="lt1"/>
+              </a:fontRef>
+            </p:style>
+            <p:txBody>
+              <a:bodyPr rtlCol="0" anchor="ctr"/>
+              <a:lstStyle/>
+              <a:p>
+                <a:pPr algn="ctr"/>
+                <a14:m>
+                  <m:oMathPara xmlns:m="http://schemas.openxmlformats.org/officeDocument/2006/math">
+                    <m:oMathParaPr>
+                      <m:jc m:val="centerGroup"/>
+                    </m:oMathParaPr>
+                    <m:oMath xmlns:m="http://schemas.openxmlformats.org/officeDocument/2006/math">
+                      <m:sSub>
+                        <m:sSubPr>
+                          <m:ctrlPr>
+                            <a:rPr lang="en-US" altLang="ja-JP" i="1" smtClean="0">
+                              <a:latin typeface="Cambria Math" panose="02040503050406030204" pitchFamily="18" charset="0"/>
+                            </a:rPr>
+                          </m:ctrlPr>
+                        </m:sSubPr>
+                        <m:e>
+                          <m:r>
+                            <a:rPr lang="en-US" altLang="ja-JP" i="1">
+                              <a:latin typeface="Cambria Math" panose="02040503050406030204" pitchFamily="18" charset="0"/>
+                            </a:rPr>
+                            <m:t>  </m:t>
+                          </m:r>
+                          <m:r>
+                            <a:rPr lang="en-US" altLang="ja-JP" b="0" i="1" smtClean="0">
+                              <a:latin typeface="Cambria Math" panose="02040503050406030204" pitchFamily="18" charset="0"/>
+                            </a:rPr>
+                            <m:t>  </m:t>
+                          </m:r>
+                          <m:r>
+                            <a:rPr lang="en-US" altLang="ja-JP" i="1">
+                              <a:latin typeface="Cambria Math" panose="02040503050406030204" pitchFamily="18" charset="0"/>
+                            </a:rPr>
+                            <m:t>𝑦</m:t>
+                          </m:r>
+                        </m:e>
+                        <m:sub/>
+                      </m:sSub>
+                    </m:oMath>
+                  </m:oMathPara>
+                </a14:m>
+                <a:endParaRPr lang="ja-JP" altLang="en-US" dirty="0"/>
+              </a:p>
+            </p:txBody>
+          </p:sp>
+        </mc:Choice>
+        <mc:Fallback>
+          <p:sp>
+            <p:nvSpPr>
+              <p:cNvPr id="39" name="フローチャート: 結合子 38">
+                <a:extLst>
+                  <a:ext uri="{FF2B5EF4-FFF2-40B4-BE49-F238E27FC236}">
+                    <a16:creationId xmlns:a16="http://schemas.microsoft.com/office/drawing/2014/main" id="{0D21D87D-F36D-42BD-B596-65258EBC64DC}"/>
+                  </a:ext>
+                </a:extLst>
+              </p:cNvPr>
+              <p:cNvSpPr>
+                <a:spLocks noRot="1" noChangeAspect="1" noMove="1" noResize="1" noEditPoints="1" noAdjustHandles="1" noChangeArrowheads="1" noChangeShapeType="1" noTextEdit="1"/>
+              </p:cNvSpPr>
+              <p:nvPr/>
+            </p:nvSpPr>
+            <p:spPr>
+              <a:xfrm>
+                <a:off x="8331587" y="3017493"/>
+                <a:ext cx="767457" cy="710172"/>
+              </a:xfrm>
+              <a:prstGeom prst="flowChartConnector">
+                <a:avLst/>
+              </a:prstGeom>
+              <a:blipFill>
+                <a:blip r:embed="rId15"/>
+                <a:stretch>
+                  <a:fillRect/>
+                </a:stretch>
+              </a:blipFill>
+            </p:spPr>
+            <p:txBody>
+              <a:bodyPr/>
+              <a:lstStyle/>
+              <a:p>
+                <a:r>
+                  <a:rPr lang="ja-JP" altLang="en-US">
+                    <a:noFill/>
+                  </a:rPr>
+                  <a:t> </a:t>
+                </a:r>
+              </a:p>
+            </p:txBody>
+          </p:sp>
+        </mc:Fallback>
+      </mc:AlternateContent>
+      <p:sp>
+        <p:nvSpPr>
+          <p:cNvPr id="32" name="テキスト ボックス 31">
+            <a:extLst>
+              <a:ext uri="{FF2B5EF4-FFF2-40B4-BE49-F238E27FC236}">
+                <a16:creationId xmlns:a16="http://schemas.microsoft.com/office/drawing/2014/main" id="{67AC6EDF-C295-471F-973B-1F147A7677E6}"/>
+              </a:ext>
+            </a:extLst>
+          </p:cNvPr>
+          <p:cNvSpPr txBox="1"/>
+          <p:nvPr/>
+        </p:nvSpPr>
+        <p:spPr>
+          <a:xfrm>
+            <a:off x="9252277" y="3101251"/>
+            <a:ext cx="2053787" cy="523220"/>
+          </a:xfrm>
+          <a:prstGeom prst="rect">
+            <a:avLst/>
+          </a:prstGeom>
+          <a:noFill/>
+        </p:spPr>
+        <p:txBody>
+          <a:bodyPr wrap="square" rtlCol="0">
+            <a:spAutoFit/>
+          </a:bodyPr>
+          <a:lstStyle/>
+          <a:p>
+            <a:r>
+              <a:rPr lang="ja-JP" altLang="en-US" sz="2800" dirty="0">
+                <a:solidFill>
+                  <a:srgbClr val="70AD47"/>
+                </a:solidFill>
+              </a:rPr>
+              <a:t>現在の出力</a:t>
+            </a:r>
+            <a:endParaRPr kumimoji="1" lang="ja-JP" altLang="en-US" sz="2800" dirty="0">
+              <a:solidFill>
+                <a:srgbClr val="70AD47"/>
+              </a:solidFill>
+            </a:endParaRPr>
+          </a:p>
+        </p:txBody>
+      </p:sp>
+      <p:sp>
+        <p:nvSpPr>
+          <p:cNvPr id="40" name="テキスト ボックス 39">
+            <a:extLst>
+              <a:ext uri="{FF2B5EF4-FFF2-40B4-BE49-F238E27FC236}">
+                <a16:creationId xmlns:a16="http://schemas.microsoft.com/office/drawing/2014/main" id="{8F5AC608-72EE-4666-BF3D-B9E43ED6A2C1}"/>
+              </a:ext>
+            </a:extLst>
+          </p:cNvPr>
+          <p:cNvSpPr txBox="1"/>
+          <p:nvPr/>
+        </p:nvSpPr>
+        <p:spPr>
+          <a:xfrm>
+            <a:off x="9252277" y="4339264"/>
+            <a:ext cx="2053787" cy="523220"/>
+          </a:xfrm>
+          <a:prstGeom prst="rect">
+            <a:avLst/>
+          </a:prstGeom>
+          <a:noFill/>
+        </p:spPr>
+        <p:txBody>
+          <a:bodyPr wrap="square" rtlCol="0">
+            <a:spAutoFit/>
+          </a:bodyPr>
+          <a:lstStyle/>
+          <a:p>
+            <a:r>
+              <a:rPr kumimoji="1" lang="ja-JP" altLang="en-US" sz="2800" dirty="0">
+                <a:solidFill>
+                  <a:srgbClr val="4472C4"/>
+                </a:solidFill>
+              </a:rPr>
+              <a:t>現在の記憶</a:t>
+            </a:r>
+          </a:p>
+        </p:txBody>
+      </p:sp>
+      <p:sp>
+        <p:nvSpPr>
+          <p:cNvPr id="41" name="テキスト ボックス 40">
+            <a:extLst>
+              <a:ext uri="{FF2B5EF4-FFF2-40B4-BE49-F238E27FC236}">
+                <a16:creationId xmlns:a16="http://schemas.microsoft.com/office/drawing/2014/main" id="{F4740387-C9C2-46F6-ACF1-0A688EE01AF6}"/>
+              </a:ext>
+            </a:extLst>
+          </p:cNvPr>
+          <p:cNvSpPr txBox="1"/>
+          <p:nvPr/>
+        </p:nvSpPr>
+        <p:spPr>
+          <a:xfrm>
+            <a:off x="9252277" y="5577277"/>
+            <a:ext cx="2053787" cy="523220"/>
+          </a:xfrm>
+          <a:prstGeom prst="rect">
+            <a:avLst/>
+          </a:prstGeom>
+          <a:noFill/>
+        </p:spPr>
+        <p:txBody>
+          <a:bodyPr wrap="square" rtlCol="0">
+            <a:spAutoFit/>
+          </a:bodyPr>
+          <a:lstStyle/>
+          <a:p>
+            <a:r>
+              <a:rPr kumimoji="1" lang="ja-JP" altLang="en-US" sz="2800" dirty="0">
+                <a:solidFill>
+                  <a:srgbClr val="ED7D31"/>
+                </a:solidFill>
+              </a:rPr>
+              <a:t>現在の入力</a:t>
             </a:r>
           </a:p>
         </p:txBody>
@@ -15630,7 +13781,7 @@
                                           </p:stCondLst>
                                         </p:cTn>
                                         <p:tgtEl>
-                                          <p:spTgt spid="23"/>
+                                          <p:spTgt spid="5"/>
                                         </p:tgtEl>
                                         <p:attrNameLst>
                                           <p:attrName>style.visibility</p:attrName>
@@ -15643,59 +13794,6 @@
                                     <p:animEffect transition="in" filter="barn(inVertical)">
                                       <p:cBhvr>
                                         <p:cTn id="7" dur="500"/>
-                                        <p:tgtEl>
-                                          <p:spTgt spid="23"/>
-                                        </p:tgtEl>
-                                      </p:cBhvr>
-                                    </p:animEffect>
-                                  </p:childTnLst>
-                                </p:cTn>
-                              </p:par>
-                            </p:childTnLst>
-                          </p:cTn>
-                        </p:par>
-                      </p:childTnLst>
-                    </p:cTn>
-                  </p:par>
-                  <p:par>
-                    <p:cTn id="8" fill="hold">
-                      <p:stCondLst>
-                        <p:cond delay="indefinite"/>
-                      </p:stCondLst>
-                      <p:childTnLst>
-                        <p:par>
-                          <p:cTn id="9" fill="hold">
-                            <p:stCondLst>
-                              <p:cond delay="0"/>
-                            </p:stCondLst>
-                            <p:childTnLst>
-                              <p:par>
-                                <p:cTn id="10" presetID="16" presetClass="entr" presetSubtype="21" fill="hold" nodeType="clickEffect">
-                                  <p:stCondLst>
-                                    <p:cond delay="0"/>
-                                  </p:stCondLst>
-                                  <p:childTnLst>
-                                    <p:set>
-                                      <p:cBhvr>
-                                        <p:cTn id="11" dur="1" fill="hold">
-                                          <p:stCondLst>
-                                            <p:cond delay="0"/>
-                                          </p:stCondLst>
-                                        </p:cTn>
-                                        <p:tgtEl>
-                                          <p:spTgt spid="5"/>
-                                        </p:tgtEl>
-                                        <p:attrNameLst>
-                                          <p:attrName>style.visibility</p:attrName>
-                                        </p:attrNameLst>
-                                      </p:cBhvr>
-                                      <p:to>
-                                        <p:strVal val="visible"/>
-                                      </p:to>
-                                    </p:set>
-                                    <p:animEffect transition="in" filter="barn(inVertical)">
-                                      <p:cBhvr>
-                                        <p:cTn id="12" dur="500"/>
                                         <p:tgtEl>
                                           <p:spTgt spid="5"/>
                                         </p:tgtEl>
@@ -15782,51 +13880,13 @@
           <a:p>
             <a:pPr algn="l"/>
             <a:r>
+              <a:rPr kumimoji="1" lang="en-US" altLang="ja-JP" sz="4400" dirty="0"/>
+              <a:t>AI</a:t>
+            </a:r>
+            <a:r>
               <a:rPr kumimoji="1" lang="ja-JP" altLang="en-US" sz="4400" dirty="0"/>
-              <a:t>自動作曲の方法について</a:t>
-            </a:r>
-            <a:r>
-              <a:rPr lang="ja-JP" altLang="en-US" sz="4400" dirty="0"/>
-              <a:t>②</a:t>
-            </a:r>
-            <a:endParaRPr kumimoji="1" lang="ja-JP" altLang="en-US" sz="4400" dirty="0"/>
-          </a:p>
-        </p:txBody>
-      </p:sp>
-      <p:sp>
-        <p:nvSpPr>
-          <p:cNvPr id="3" name="字幕 2">
-            <a:extLst>
-              <a:ext uri="{FF2B5EF4-FFF2-40B4-BE49-F238E27FC236}">
-                <a16:creationId xmlns:a16="http://schemas.microsoft.com/office/drawing/2014/main" id="{E0C25DE3-0B4C-4CF0-BA61-8328FBB67271}"/>
-              </a:ext>
-            </a:extLst>
-          </p:cNvPr>
-          <p:cNvSpPr>
-            <a:spLocks noGrp="1"/>
-          </p:cNvSpPr>
-          <p:nvPr>
-            <p:ph type="subTitle" idx="1"/>
-          </p:nvPr>
-        </p:nvSpPr>
-        <p:spPr>
-          <a:xfrm>
-            <a:off x="718456" y="1436913"/>
-            <a:ext cx="6487886" cy="566058"/>
-          </a:xfrm>
-        </p:spPr>
-        <p:txBody>
-          <a:bodyPr>
-            <a:noAutofit/>
-          </a:bodyPr>
-          <a:lstStyle/>
-          <a:p>
-            <a:pPr algn="l"/>
-            <a:r>
-              <a:rPr lang="ja-JP" altLang="en-US" sz="3200" dirty="0"/>
-              <a:t>入力から出力までの工程</a:t>
-            </a:r>
-            <a:endParaRPr lang="en-US" altLang="ja-JP" sz="3200" dirty="0"/>
+              <a:t>がメロディを作る仕組み</a:t>
+            </a:r>
           </a:p>
         </p:txBody>
       </p:sp>
@@ -15899,7 +13959,7 @@
           <p:nvPr>
             <p:extLst>
               <p:ext uri="{D42A27DB-BD31-4B8C-83A1-F6EECF244321}">
-                <p14:modId xmlns:p14="http://schemas.microsoft.com/office/powerpoint/2010/main" val="579664376"/>
+                <p14:modId xmlns:p14="http://schemas.microsoft.com/office/powerpoint/2010/main" val="196186041"/>
               </p:ext>
             </p:extLst>
           </p:nvPr>

--- a/presentation/graduation/bit Composer3 .pptx
+++ b/presentation/graduation/bit Composer3 .pptx
@@ -2263,7 +2263,7 @@
           <a:p>
             <a:fld id="{CFE7C3F7-5C92-45C1-81B6-3020317CA2CB}" type="datetimeFigureOut">
               <a:rPr kumimoji="1" lang="ja-JP" altLang="en-US" smtClean="0"/>
-              <a:t>2022/2/11</a:t>
+              <a:t>2022/2/16</a:t>
             </a:fld>
             <a:endParaRPr kumimoji="1" lang="ja-JP" altLang="en-US"/>
           </a:p>
@@ -3875,7 +3875,7 @@
           <a:p>
             <a:fld id="{4A6B28F3-BB62-4EA0-99DF-EF5932BC4FCF}" type="datetimeFigureOut">
               <a:rPr kumimoji="1" lang="ja-JP" altLang="en-US" smtClean="0"/>
-              <a:t>2022/2/11</a:t>
+              <a:t>2022/2/16</a:t>
             </a:fld>
             <a:endParaRPr kumimoji="1" lang="ja-JP" altLang="en-US"/>
           </a:p>
@@ -4117,7 +4117,7 @@
           <a:p>
             <a:fld id="{4A6B28F3-BB62-4EA0-99DF-EF5932BC4FCF}" type="datetimeFigureOut">
               <a:rPr kumimoji="1" lang="ja-JP" altLang="en-US" smtClean="0"/>
-              <a:t>2022/2/11</a:t>
+              <a:t>2022/2/16</a:t>
             </a:fld>
             <a:endParaRPr kumimoji="1" lang="ja-JP" altLang="en-US"/>
           </a:p>
@@ -4369,7 +4369,7 @@
           <a:p>
             <a:fld id="{4A6B28F3-BB62-4EA0-99DF-EF5932BC4FCF}" type="datetimeFigureOut">
               <a:rPr kumimoji="1" lang="ja-JP" altLang="en-US" smtClean="0"/>
-              <a:t>2022/2/11</a:t>
+              <a:t>2022/2/16</a:t>
             </a:fld>
             <a:endParaRPr kumimoji="1" lang="ja-JP" altLang="en-US"/>
           </a:p>
@@ -4611,7 +4611,7 @@
           <a:p>
             <a:fld id="{4A6B28F3-BB62-4EA0-99DF-EF5932BC4FCF}" type="datetimeFigureOut">
               <a:rPr kumimoji="1" lang="ja-JP" altLang="en-US" smtClean="0"/>
-              <a:t>2022/2/11</a:t>
+              <a:t>2022/2/16</a:t>
             </a:fld>
             <a:endParaRPr kumimoji="1" lang="ja-JP" altLang="en-US"/>
           </a:p>
@@ -4898,7 +4898,7 @@
           <a:p>
             <a:fld id="{4A6B28F3-BB62-4EA0-99DF-EF5932BC4FCF}" type="datetimeFigureOut">
               <a:rPr kumimoji="1" lang="ja-JP" altLang="en-US" smtClean="0"/>
-              <a:t>2022/2/11</a:t>
+              <a:t>2022/2/16</a:t>
             </a:fld>
             <a:endParaRPr kumimoji="1" lang="ja-JP" altLang="en-US"/>
           </a:p>
@@ -5239,7 +5239,7 @@
           <a:p>
             <a:fld id="{4A6B28F3-BB62-4EA0-99DF-EF5932BC4FCF}" type="datetimeFigureOut">
               <a:rPr kumimoji="1" lang="ja-JP" altLang="en-US" smtClean="0"/>
-              <a:t>2022/2/11</a:t>
+              <a:t>2022/2/16</a:t>
             </a:fld>
             <a:endParaRPr kumimoji="1" lang="ja-JP" altLang="en-US"/>
           </a:p>
@@ -5727,7 +5727,7 @@
           <a:p>
             <a:fld id="{4A6B28F3-BB62-4EA0-99DF-EF5932BC4FCF}" type="datetimeFigureOut">
               <a:rPr kumimoji="1" lang="ja-JP" altLang="en-US" smtClean="0"/>
-              <a:t>2022/2/11</a:t>
+              <a:t>2022/2/16</a:t>
             </a:fld>
             <a:endParaRPr kumimoji="1" lang="ja-JP" altLang="en-US"/>
           </a:p>
@@ -5880,7 +5880,7 @@
           <a:p>
             <a:fld id="{4A6B28F3-BB62-4EA0-99DF-EF5932BC4FCF}" type="datetimeFigureOut">
               <a:rPr kumimoji="1" lang="ja-JP" altLang="en-US" smtClean="0"/>
-              <a:t>2022/2/11</a:t>
+              <a:t>2022/2/16</a:t>
             </a:fld>
             <a:endParaRPr kumimoji="1" lang="ja-JP" altLang="en-US"/>
           </a:p>
@@ -6005,7 +6005,7 @@
           <a:p>
             <a:fld id="{4A6B28F3-BB62-4EA0-99DF-EF5932BC4FCF}" type="datetimeFigureOut">
               <a:rPr kumimoji="1" lang="ja-JP" altLang="en-US" smtClean="0"/>
-              <a:t>2022/2/11</a:t>
+              <a:t>2022/2/16</a:t>
             </a:fld>
             <a:endParaRPr kumimoji="1" lang="ja-JP" altLang="en-US"/>
           </a:p>
@@ -6360,7 +6360,7 @@
           <a:p>
             <a:fld id="{4A6B28F3-BB62-4EA0-99DF-EF5932BC4FCF}" type="datetimeFigureOut">
               <a:rPr kumimoji="1" lang="ja-JP" altLang="en-US" smtClean="0"/>
-              <a:t>2022/2/11</a:t>
+              <a:t>2022/2/16</a:t>
             </a:fld>
             <a:endParaRPr kumimoji="1" lang="ja-JP" altLang="en-US"/>
           </a:p>
@@ -6660,7 +6660,7 @@
           <a:p>
             <a:fld id="{4A6B28F3-BB62-4EA0-99DF-EF5932BC4FCF}" type="datetimeFigureOut">
               <a:rPr kumimoji="1" lang="ja-JP" altLang="en-US" smtClean="0"/>
-              <a:t>2022/2/11</a:t>
+              <a:t>2022/2/16</a:t>
             </a:fld>
             <a:endParaRPr kumimoji="1" lang="ja-JP" altLang="en-US"/>
           </a:p>
@@ -6966,7 +6966,7 @@
           <a:p>
             <a:fld id="{4A6B28F3-BB62-4EA0-99DF-EF5932BC4FCF}" type="datetimeFigureOut">
               <a:rPr kumimoji="1" lang="ja-JP" altLang="en-US" smtClean="0"/>
-              <a:t>2022/2/11</a:t>
+              <a:t>2022/2/16</a:t>
             </a:fld>
             <a:endParaRPr kumimoji="1" lang="ja-JP" altLang="en-US"/>
           </a:p>
@@ -9832,7 +9832,7 @@
         </p:nvSpPr>
         <p:spPr>
           <a:xfrm>
-            <a:off x="508000" y="2433729"/>
+            <a:off x="754743" y="1708015"/>
             <a:ext cx="10913979" cy="2062103"/>
           </a:xfrm>
           <a:prstGeom prst="rect">
@@ -10722,7 +10722,7 @@
         </p:nvSpPr>
         <p:spPr>
           <a:xfrm>
-            <a:off x="5272203" y="3622719"/>
+            <a:off x="5264820" y="3518220"/>
             <a:ext cx="870857" cy="897936"/>
           </a:xfrm>
           <a:prstGeom prst="downArrow">
@@ -10771,7 +10771,7 @@
         </p:nvSpPr>
         <p:spPr>
           <a:xfrm>
-            <a:off x="6426669" y="3544318"/>
+            <a:off x="6460389" y="3460271"/>
             <a:ext cx="827628" cy="867768"/>
           </a:xfrm>
           <a:prstGeom prst="upArrow">
@@ -11658,8 +11658,8 @@
             </p:sp>
           </mc:Fallback>
         </mc:AlternateContent>
-        <mc:AlternateContent xmlns:mc="http://schemas.openxmlformats.org/markup-compatibility/2006">
-          <mc:Choice xmlns:a14="http://schemas.microsoft.com/office/drawing/2010/main" Requires="a14">
+        <mc:AlternateContent xmlns:mc="http://schemas.openxmlformats.org/markup-compatibility/2006" xmlns:a14="http://schemas.microsoft.com/office/drawing/2010/main">
+          <mc:Choice Requires="a14">
             <p:sp>
               <p:nvSpPr>
                 <p:cNvPr id="9" name="フローチャート: 結合子 8">
@@ -11747,7 +11747,7 @@
               </p:txBody>
             </p:sp>
           </mc:Choice>
-          <mc:Fallback>
+          <mc:Fallback xmlns="">
             <p:sp>
               <p:nvSpPr>
                 <p:cNvPr id="9" name="フローチャート: 結合子 8">
@@ -13154,8 +13154,8 @@
           </a:p>
         </p:txBody>
       </p:sp>
-      <mc:AlternateContent xmlns:mc="http://schemas.openxmlformats.org/markup-compatibility/2006">
-        <mc:Choice xmlns:a14="http://schemas.microsoft.com/office/drawing/2010/main" Requires="a14">
+      <mc:AlternateContent xmlns:mc="http://schemas.openxmlformats.org/markup-compatibility/2006" xmlns:a14="http://schemas.microsoft.com/office/drawing/2010/main">
+        <mc:Choice Requires="a14">
           <p:sp>
             <p:nvSpPr>
               <p:cNvPr id="37" name="フローチャート: 結合子 36">
@@ -13242,7 +13242,7 @@
             </p:txBody>
           </p:sp>
         </mc:Choice>
-        <mc:Fallback>
+        <mc:Fallback xmlns="">
           <p:sp>
             <p:nvSpPr>
               <p:cNvPr id="37" name="フローチャート: 結合子 36">
@@ -13337,8 +13337,8 @@
           </a:p>
         </p:txBody>
       </p:sp>
-      <mc:AlternateContent xmlns:mc="http://schemas.openxmlformats.org/markup-compatibility/2006">
-        <mc:Choice xmlns:a14="http://schemas.microsoft.com/office/drawing/2010/main" Requires="a14">
+      <mc:AlternateContent xmlns:mc="http://schemas.openxmlformats.org/markup-compatibility/2006" xmlns:a14="http://schemas.microsoft.com/office/drawing/2010/main">
+        <mc:Choice Requires="a14">
           <p:sp>
             <p:nvSpPr>
               <p:cNvPr id="38" name="フローチャート: 結合子 37">
@@ -13425,7 +13425,7 @@
             </p:txBody>
           </p:sp>
         </mc:Choice>
-        <mc:Fallback>
+        <mc:Fallback xmlns="">
           <p:sp>
             <p:nvSpPr>
               <p:cNvPr id="38" name="フローチャート: 結合子 37">
@@ -13470,8 +13470,8 @@
           </p:sp>
         </mc:Fallback>
       </mc:AlternateContent>
-      <mc:AlternateContent xmlns:mc="http://schemas.openxmlformats.org/markup-compatibility/2006">
-        <mc:Choice xmlns:a14="http://schemas.microsoft.com/office/drawing/2010/main" Requires="a14">
+      <mc:AlternateContent xmlns:mc="http://schemas.openxmlformats.org/markup-compatibility/2006" xmlns:a14="http://schemas.microsoft.com/office/drawing/2010/main">
+        <mc:Choice Requires="a14">
           <p:sp>
             <p:nvSpPr>
               <p:cNvPr id="39" name="フローチャート: 結合子 38">
@@ -13558,7 +13558,7 @@
             </p:txBody>
           </p:sp>
         </mc:Choice>
-        <mc:Fallback>
+        <mc:Fallback xmlns="">
           <p:sp>
             <p:nvSpPr>
               <p:cNvPr id="39" name="フローチャート: 結合子 38">

--- a/presentation/graduation/bit Composer3 .pptx
+++ b/presentation/graduation/bit Composer3 .pptx
@@ -4283,7 +4283,7 @@
           <a:p>
             <a:fld id="{CFE7C3F7-5C92-45C1-81B6-3020317CA2CB}" type="datetimeFigureOut">
               <a:rPr kumimoji="1" lang="ja-JP" altLang="en-US" smtClean="0"/>
-              <a:t>2022/2/18</a:t>
+              <a:t>2022/2/21</a:t>
             </a:fld>
             <a:endParaRPr kumimoji="1" lang="ja-JP" altLang="en-US"/>
           </a:p>
@@ -4682,7 +4682,7 @@
             </a:pPr>
             <a:r>
               <a:rPr lang="en-US" altLang="ja-JP" sz="1200" b="1" dirty="0"/>
-              <a:t>http://172.16.220.145/</a:t>
+              <a:t>http://172.16.220.150/</a:t>
             </a:r>
           </a:p>
           <a:p>
@@ -6609,7 +6609,7 @@
           <a:p>
             <a:fld id="{4A6B28F3-BB62-4EA0-99DF-EF5932BC4FCF}" type="datetimeFigureOut">
               <a:rPr kumimoji="1" lang="ja-JP" altLang="en-US" smtClean="0"/>
-              <a:t>2022/2/18</a:t>
+              <a:t>2022/2/21</a:t>
             </a:fld>
             <a:endParaRPr kumimoji="1" lang="ja-JP" altLang="en-US"/>
           </a:p>
@@ -6851,7 +6851,7 @@
           <a:p>
             <a:fld id="{4A6B28F3-BB62-4EA0-99DF-EF5932BC4FCF}" type="datetimeFigureOut">
               <a:rPr kumimoji="1" lang="ja-JP" altLang="en-US" smtClean="0"/>
-              <a:t>2022/2/18</a:t>
+              <a:t>2022/2/21</a:t>
             </a:fld>
             <a:endParaRPr kumimoji="1" lang="ja-JP" altLang="en-US"/>
           </a:p>
@@ -7103,7 +7103,7 @@
           <a:p>
             <a:fld id="{4A6B28F3-BB62-4EA0-99DF-EF5932BC4FCF}" type="datetimeFigureOut">
               <a:rPr kumimoji="1" lang="ja-JP" altLang="en-US" smtClean="0"/>
-              <a:t>2022/2/18</a:t>
+              <a:t>2022/2/21</a:t>
             </a:fld>
             <a:endParaRPr kumimoji="1" lang="ja-JP" altLang="en-US"/>
           </a:p>
@@ -7345,7 +7345,7 @@
           <a:p>
             <a:fld id="{4A6B28F3-BB62-4EA0-99DF-EF5932BC4FCF}" type="datetimeFigureOut">
               <a:rPr kumimoji="1" lang="ja-JP" altLang="en-US" smtClean="0"/>
-              <a:t>2022/2/18</a:t>
+              <a:t>2022/2/21</a:t>
             </a:fld>
             <a:endParaRPr kumimoji="1" lang="ja-JP" altLang="en-US"/>
           </a:p>
@@ -7632,7 +7632,7 @@
           <a:p>
             <a:fld id="{4A6B28F3-BB62-4EA0-99DF-EF5932BC4FCF}" type="datetimeFigureOut">
               <a:rPr kumimoji="1" lang="ja-JP" altLang="en-US" smtClean="0"/>
-              <a:t>2022/2/18</a:t>
+              <a:t>2022/2/21</a:t>
             </a:fld>
             <a:endParaRPr kumimoji="1" lang="ja-JP" altLang="en-US"/>
           </a:p>
@@ -7973,7 +7973,7 @@
           <a:p>
             <a:fld id="{4A6B28F3-BB62-4EA0-99DF-EF5932BC4FCF}" type="datetimeFigureOut">
               <a:rPr kumimoji="1" lang="ja-JP" altLang="en-US" smtClean="0"/>
-              <a:t>2022/2/18</a:t>
+              <a:t>2022/2/21</a:t>
             </a:fld>
             <a:endParaRPr kumimoji="1" lang="ja-JP" altLang="en-US"/>
           </a:p>
@@ -8461,7 +8461,7 @@
           <a:p>
             <a:fld id="{4A6B28F3-BB62-4EA0-99DF-EF5932BC4FCF}" type="datetimeFigureOut">
               <a:rPr kumimoji="1" lang="ja-JP" altLang="en-US" smtClean="0"/>
-              <a:t>2022/2/18</a:t>
+              <a:t>2022/2/21</a:t>
             </a:fld>
             <a:endParaRPr kumimoji="1" lang="ja-JP" altLang="en-US"/>
           </a:p>
@@ -8614,7 +8614,7 @@
           <a:p>
             <a:fld id="{4A6B28F3-BB62-4EA0-99DF-EF5932BC4FCF}" type="datetimeFigureOut">
               <a:rPr kumimoji="1" lang="ja-JP" altLang="en-US" smtClean="0"/>
-              <a:t>2022/2/18</a:t>
+              <a:t>2022/2/21</a:t>
             </a:fld>
             <a:endParaRPr kumimoji="1" lang="ja-JP" altLang="en-US"/>
           </a:p>
@@ -8739,7 +8739,7 @@
           <a:p>
             <a:fld id="{4A6B28F3-BB62-4EA0-99DF-EF5932BC4FCF}" type="datetimeFigureOut">
               <a:rPr kumimoji="1" lang="ja-JP" altLang="en-US" smtClean="0"/>
-              <a:t>2022/2/18</a:t>
+              <a:t>2022/2/21</a:t>
             </a:fld>
             <a:endParaRPr kumimoji="1" lang="ja-JP" altLang="en-US"/>
           </a:p>
@@ -9094,7 +9094,7 @@
           <a:p>
             <a:fld id="{4A6B28F3-BB62-4EA0-99DF-EF5932BC4FCF}" type="datetimeFigureOut">
               <a:rPr kumimoji="1" lang="ja-JP" altLang="en-US" smtClean="0"/>
-              <a:t>2022/2/18</a:t>
+              <a:t>2022/2/21</a:t>
             </a:fld>
             <a:endParaRPr kumimoji="1" lang="ja-JP" altLang="en-US"/>
           </a:p>
@@ -9394,7 +9394,7 @@
           <a:p>
             <a:fld id="{4A6B28F3-BB62-4EA0-99DF-EF5932BC4FCF}" type="datetimeFigureOut">
               <a:rPr kumimoji="1" lang="ja-JP" altLang="en-US" smtClean="0"/>
-              <a:t>2022/2/18</a:t>
+              <a:t>2022/2/21</a:t>
             </a:fld>
             <a:endParaRPr kumimoji="1" lang="ja-JP" altLang="en-US"/>
           </a:p>
@@ -9700,7 +9700,7 @@
           <a:p>
             <a:fld id="{4A6B28F3-BB62-4EA0-99DF-EF5932BC4FCF}" type="datetimeFigureOut">
               <a:rPr kumimoji="1" lang="ja-JP" altLang="en-US" smtClean="0"/>
-              <a:t>2022/2/18</a:t>
+              <a:t>2022/2/21</a:t>
             </a:fld>
             <a:endParaRPr kumimoji="1" lang="ja-JP" altLang="en-US"/>
           </a:p>
@@ -10405,15 +10405,7 @@
           <a:p>
             <a:r>
               <a:rPr lang="ja-JP" altLang="en-US" sz="3600" dirty="0"/>
-              <a:t>メロディ入力</a:t>
-            </a:r>
-            <a:r>
-              <a:rPr lang="ja-JP" altLang="en-US" sz="3600" dirty="0" err="1"/>
-              <a:t>ページののユーザビリティの</a:t>
-            </a:r>
-            <a:r>
-              <a:rPr lang="ja-JP" altLang="en-US" sz="3600" dirty="0"/>
-              <a:t>向上</a:t>
+              <a:t>メロディ入力ページのユーザビリティの向上</a:t>
             </a:r>
             <a:endParaRPr lang="en-US" altLang="ja-JP" sz="3600" dirty="0"/>
           </a:p>
@@ -23213,7 +23205,7 @@
                   </a:extLst>
                 </a:hlinkClick>
               </a:rPr>
-              <a:t>http://172.16.220.145/</a:t>
+              <a:t>http://172.16.220.150/</a:t>
             </a:r>
             <a:endParaRPr lang="en-US" altLang="ja-JP" sz="3600" b="1" dirty="0"/>
           </a:p>

--- a/presentation/graduation/bit Composer3 .pptx
+++ b/presentation/graduation/bit Composer3 .pptx
@@ -5,7 +5,7 @@
     <p:sldMasterId id="2147483696" r:id="rId1"/>
   </p:sldMasterIdLst>
   <p:notesMasterIdLst>
-    <p:notesMasterId r:id="rId20"/>
+    <p:notesMasterId r:id="rId14"/>
   </p:notesMasterIdLst>
   <p:sldIdLst>
     <p:sldId id="259" r:id="rId2"/>
@@ -20,12 +20,6 @@
     <p:sldId id="296" r:id="rId11"/>
     <p:sldId id="308" r:id="rId12"/>
     <p:sldId id="266" r:id="rId13"/>
-    <p:sldId id="306" r:id="rId14"/>
-    <p:sldId id="302" r:id="rId15"/>
-    <p:sldId id="305" r:id="rId16"/>
-    <p:sldId id="311" r:id="rId17"/>
-    <p:sldId id="303" r:id="rId18"/>
-    <p:sldId id="310" r:id="rId19"/>
   </p:sldIdLst>
   <p:sldSz cx="12192000" cy="6858000"/>
   <p:notesSz cx="6858000" cy="9144000"/>
@@ -4660,7 +4654,7 @@
               <a:rPr kumimoji="1" lang="en-US" altLang="ja-JP" sz="1200" b="0" dirty="0"/>
               <a:t>)</a:t>
             </a:r>
-            <a:endParaRPr lang="en-US" altLang="ja-JP" sz="1200" b="1" dirty="0"/>
+            <a:endParaRPr kumimoji="1" lang="en-US" altLang="ja-JP" sz="1200" b="1" dirty="0"/>
           </a:p>
           <a:p>
             <a:pPr marL="0" marR="0" lvl="0" indent="0" algn="l" defTabSz="914400" rtl="0" eaLnBrk="1" fontAlgn="auto" latinLnBrk="0" hangingPunct="1">
@@ -4681,9 +4675,21 @@
               <a:defRPr/>
             </a:pPr>
             <a:r>
-              <a:rPr lang="en-US" altLang="ja-JP" sz="1200" b="1" dirty="0"/>
-              <a:t>http://172.16.220.150/</a:t>
-            </a:r>
+              <a:rPr lang="en-US" altLang="ja-JP" sz="1200" b="1" dirty="0">
+                <a:hlinkClick r:id="rId3">
+                  <a:extLst>
+                    <a:ext uri="{A12FA001-AC4F-418D-AE19-62706E023703}">
+                      <ahyp:hlinkClr xmlns:ahyp="http://schemas.microsoft.com/office/drawing/2018/hyperlinkcolor" val="tx"/>
+                    </a:ext>
+                  </a:extLst>
+                </a:hlinkClick>
+              </a:rPr>
+              <a:t>http://172.16.231.169/</a:t>
+            </a:r>
+            <a:endParaRPr lang="en-US" altLang="ja-JP" sz="1200" b="1" dirty="0"/>
+          </a:p>
+          <a:p>
+            <a:endParaRPr lang="en-US" altLang="ja-JP" sz="1200" b="1" dirty="0"/>
           </a:p>
           <a:p>
             <a:endParaRPr kumimoji="1" lang="en-US" altLang="ja-JP" sz="1200" b="1" dirty="0"/>
@@ -4991,90 +4997,6 @@
 </p:notes>
 </file>
 
-<file path=ppt/notesSlides/notesSlide13.xml><?xml version="1.0" encoding="utf-8"?>
-<p:notes xmlns:a="http://schemas.openxmlformats.org/drawingml/2006/main" xmlns:r="http://schemas.openxmlformats.org/officeDocument/2006/relationships" xmlns:p="http://schemas.openxmlformats.org/presentationml/2006/main">
-  <p:cSld>
-    <p:spTree>
-      <p:nvGrpSpPr>
-        <p:cNvPr id="1" name=""/>
-        <p:cNvGrpSpPr/>
-        <p:nvPr/>
-      </p:nvGrpSpPr>
-      <p:grpSpPr>
-        <a:xfrm>
-          <a:off x="0" y="0"/>
-          <a:ext cx="0" cy="0"/>
-          <a:chOff x="0" y="0"/>
-          <a:chExt cx="0" cy="0"/>
-        </a:xfrm>
-      </p:grpSpPr>
-      <p:sp>
-        <p:nvSpPr>
-          <p:cNvPr id="2" name="スライド イメージ プレースホルダー 1"/>
-          <p:cNvSpPr>
-            <a:spLocks noGrp="1" noRot="1" noChangeAspect="1"/>
-          </p:cNvSpPr>
-          <p:nvPr>
-            <p:ph type="sldImg"/>
-          </p:nvPr>
-        </p:nvSpPr>
-        <p:spPr/>
-      </p:sp>
-      <p:sp>
-        <p:nvSpPr>
-          <p:cNvPr id="3" name="ノート プレースホルダー 2"/>
-          <p:cNvSpPr>
-            <a:spLocks noGrp="1"/>
-          </p:cNvSpPr>
-          <p:nvPr>
-            <p:ph type="body" idx="1"/>
-          </p:nvPr>
-        </p:nvSpPr>
-        <p:spPr/>
-        <p:txBody>
-          <a:bodyPr/>
-          <a:lstStyle/>
-          <a:p>
-            <a:endParaRPr kumimoji="1" lang="ja-JP" altLang="en-US" dirty="0"/>
-          </a:p>
-        </p:txBody>
-      </p:sp>
-      <p:sp>
-        <p:nvSpPr>
-          <p:cNvPr id="4" name="スライド番号プレースホルダー 3"/>
-          <p:cNvSpPr>
-            <a:spLocks noGrp="1"/>
-          </p:cNvSpPr>
-          <p:nvPr>
-            <p:ph type="sldNum" sz="quarter" idx="5"/>
-          </p:nvPr>
-        </p:nvSpPr>
-        <p:spPr/>
-        <p:txBody>
-          <a:bodyPr/>
-          <a:lstStyle/>
-          <a:p>
-            <a:fld id="{FD808316-81CD-4B36-BDD1-D6460C124C29}" type="slidenum">
-              <a:rPr kumimoji="1" lang="ja-JP" altLang="en-US" smtClean="0"/>
-              <a:t>18</a:t>
-            </a:fld>
-            <a:endParaRPr kumimoji="1" lang="ja-JP" altLang="en-US"/>
-          </a:p>
-        </p:txBody>
-      </p:sp>
-    </p:spTree>
-    <p:extLst>
-      <p:ext uri="{BB962C8B-B14F-4D97-AF65-F5344CB8AC3E}">
-        <p14:creationId xmlns:p14="http://schemas.microsoft.com/office/powerpoint/2010/main" val="133561700"/>
-      </p:ext>
-    </p:extLst>
-  </p:cSld>
-  <p:clrMapOvr>
-    <a:masterClrMapping/>
-  </p:clrMapOvr>
-</p:notes>
-</file>
-
 <file path=ppt/notesSlides/notesSlide2.xml><?xml version="1.0" encoding="utf-8"?>
 <p:notes xmlns:a="http://schemas.openxmlformats.org/drawingml/2006/main" xmlns:r="http://schemas.openxmlformats.org/officeDocument/2006/relationships" xmlns:p="http://schemas.openxmlformats.org/presentationml/2006/main">
   <p:cSld>
@@ -5294,15 +5216,19 @@
             </a:pPr>
             <a:r>
               <a:rPr kumimoji="1" lang="ja-JP" altLang="en-US" dirty="0"/>
-              <a:t>そして作曲した曲は</a:t>
+              <a:t>そして作曲した曲は音声ファイルと楽譜などの</a:t>
             </a:r>
             <a:r>
               <a:rPr kumimoji="1" lang="en-US" altLang="ja-JP" dirty="0"/>
-              <a:t>MP3</a:t>
+              <a:t>4</a:t>
+            </a:r>
+            <a:r>
+              <a:rPr kumimoji="1" lang="ja-JP" altLang="en-US" dirty="0" err="1"/>
+              <a:t>つの</a:t>
             </a:r>
             <a:r>
               <a:rPr kumimoji="1" lang="ja-JP" altLang="en-US" dirty="0"/>
-              <a:t>などのファイルとしてダウンロードすることができます。</a:t>
+              <a:t>ファイルをダウンロードすることができます。</a:t>
             </a:r>
             <a:endParaRPr kumimoji="1" lang="en-US" altLang="ja-JP" dirty="0"/>
           </a:p>
@@ -5626,7 +5552,7 @@
             </a:r>
             <a:r>
               <a:rPr kumimoji="1" lang="ja-JP" altLang="en-US" dirty="0"/>
-              <a:t>を使用しています。</a:t>
+              <a:t>ライブラリを使用しています。</a:t>
             </a:r>
           </a:p>
         </p:txBody>
@@ -5713,7 +5639,7 @@
           <a:p>
             <a:r>
               <a:rPr lang="ja-JP" altLang="en-US" sz="1200" dirty="0"/>
-              <a:t>どうやって作曲させるのかというと </a:t>
+              <a:t>次に自動作曲の方法について説明します。 </a:t>
             </a:r>
             <a:r>
               <a:rPr lang="en-US" altLang="ja-JP" sz="1200" dirty="0"/>
@@ -5729,6 +5655,23 @@
             </a:r>
           </a:p>
           <a:p>
+            <a:pPr marL="0" marR="0" lvl="0" indent="0" algn="l" defTabSz="914400" rtl="0" eaLnBrk="1" fontAlgn="auto" latinLnBrk="0" hangingPunct="1">
+              <a:lnSpc>
+                <a:spcPct val="100000"/>
+              </a:lnSpc>
+              <a:spcBef>
+                <a:spcPts val="0"/>
+              </a:spcBef>
+              <a:spcAft>
+                <a:spcPts val="0"/>
+              </a:spcAft>
+              <a:buClrTx/>
+              <a:buSzTx/>
+              <a:buFontTx/>
+              <a:buNone/>
+              <a:tabLst/>
+              <a:defRPr/>
+            </a:pPr>
             <a:r>
               <a:rPr lang="ja-JP" altLang="en-US" sz="1200" dirty="0"/>
               <a:t>リカレントニューラルネットワーク</a:t>
@@ -5747,7 +5690,7 @@
             </a:r>
             <a:r>
               <a:rPr lang="ja-JP" altLang="en-US" sz="1200" dirty="0"/>
-              <a:t>で作曲をします。 </a:t>
+              <a:t>で作曲をします 。 </a:t>
             </a:r>
             <a:r>
               <a:rPr lang="en-US" altLang="ja-JP" sz="1200" dirty="0"/>
@@ -5769,7 +5712,99 @@
             </a:r>
             <a:r>
               <a:rPr lang="ja-JP" altLang="en-US" sz="1200" dirty="0"/>
-              <a:t>は時系列ごとデータを出力することができることが特徴です。</a:t>
+              <a:t>は時系列ごとにデータを出力することが特徴です。</a:t>
+            </a:r>
+            <a:endParaRPr lang="en-US" altLang="ja-JP" sz="1200" dirty="0"/>
+          </a:p>
+          <a:p>
+            <a:pPr marL="0" marR="0" lvl="0" indent="0" algn="l" defTabSz="914400" rtl="0" eaLnBrk="1" fontAlgn="auto" latinLnBrk="0" hangingPunct="1">
+              <a:lnSpc>
+                <a:spcPct val="100000"/>
+              </a:lnSpc>
+              <a:spcBef>
+                <a:spcPts val="0"/>
+              </a:spcBef>
+              <a:spcAft>
+                <a:spcPts val="0"/>
+              </a:spcAft>
+              <a:buClrTx/>
+              <a:buSzTx/>
+              <a:buFontTx/>
+              <a:buNone/>
+              <a:tabLst/>
+              <a:defRPr/>
+            </a:pPr>
+            <a:r>
+              <a:rPr lang="en-US" altLang="ja-JP" sz="1200" dirty="0"/>
+              <a:t>x</a:t>
+            </a:r>
+            <a:r>
+              <a:rPr lang="ja-JP" altLang="en-US" sz="1200" dirty="0"/>
+              <a:t>は入力 </a:t>
+            </a:r>
+            <a:r>
+              <a:rPr lang="en-US" altLang="ja-JP" sz="1200" dirty="0"/>
+              <a:t>y</a:t>
+            </a:r>
+            <a:r>
+              <a:rPr lang="ja-JP" altLang="en-US" sz="1200" dirty="0"/>
+              <a:t>は出力 </a:t>
+            </a:r>
+            <a:r>
+              <a:rPr lang="en-US" altLang="ja-JP" sz="1200" dirty="0"/>
+              <a:t>h</a:t>
+            </a:r>
+            <a:r>
+              <a:rPr lang="ja-JP" altLang="en-US" sz="1200" dirty="0"/>
+              <a:t>はその出力を覚える記憶です</a:t>
+            </a:r>
+            <a:endParaRPr lang="en-US" altLang="ja-JP" sz="1200" dirty="0"/>
+          </a:p>
+          <a:p>
+            <a:pPr marL="0" marR="0" lvl="0" indent="0" algn="l" defTabSz="914400" rtl="0" eaLnBrk="1" fontAlgn="auto" latinLnBrk="0" hangingPunct="1">
+              <a:lnSpc>
+                <a:spcPct val="100000"/>
+              </a:lnSpc>
+              <a:spcBef>
+                <a:spcPts val="0"/>
+              </a:spcBef>
+              <a:spcAft>
+                <a:spcPts val="0"/>
+              </a:spcAft>
+              <a:buClrTx/>
+              <a:buSzTx/>
+              <a:buFontTx/>
+              <a:buNone/>
+              <a:tabLst/>
+              <a:defRPr/>
+            </a:pPr>
+            <a:r>
+              <a:rPr lang="ja-JP" altLang="en-US" sz="1200" dirty="0"/>
+              <a:t>ある時点での出力を入力とするのと記憶につなげていきながら予測をします</a:t>
+            </a:r>
+            <a:endParaRPr lang="en-US" altLang="ja-JP" sz="1200" dirty="0"/>
+          </a:p>
+          <a:p>
+            <a:pPr marL="0" marR="0" lvl="0" indent="0" algn="l" defTabSz="914400" rtl="0" eaLnBrk="1" fontAlgn="auto" latinLnBrk="0" hangingPunct="1">
+              <a:lnSpc>
+                <a:spcPct val="100000"/>
+              </a:lnSpc>
+              <a:spcBef>
+                <a:spcPts val="0"/>
+              </a:spcBef>
+              <a:spcAft>
+                <a:spcPts val="0"/>
+              </a:spcAft>
+              <a:buClrTx/>
+              <a:buSzTx/>
+              <a:buFontTx/>
+              <a:buNone/>
+              <a:tabLst/>
+              <a:defRPr/>
+            </a:pPr>
+            <a:r>
+              <a:rPr lang="ja-JP" altLang="en-US" sz="1200" dirty="0"/>
+              <a:t>自然言語処理の予測でよく使われます。</a:t>
             </a:r>
             <a:endParaRPr lang="en-US" altLang="ja-JP" sz="1200" dirty="0"/>
           </a:p>
@@ -5777,13 +5812,6 @@
             <a:r>
               <a:rPr lang="ja-JP" altLang="en-US" sz="1200" dirty="0"/>
               <a:t>出力を記憶としてつなげていきながら音の予測をしていきます。</a:t>
-            </a:r>
-            <a:endParaRPr lang="en-US" altLang="ja-JP" sz="1200" dirty="0"/>
-          </a:p>
-          <a:p>
-            <a:r>
-              <a:rPr lang="ja-JP" altLang="en-US" sz="1200" dirty="0"/>
-              <a:t>自然言語処理の単語の予測でよく使われます。</a:t>
             </a:r>
             <a:endParaRPr lang="en-US" altLang="ja-JP" sz="1200" dirty="0"/>
           </a:p>
@@ -6119,7 +6147,7 @@
           <a:p>
             <a:r>
               <a:rPr kumimoji="1" lang="ja-JP" altLang="en-US" dirty="0"/>
-              <a:t>生成した音程と音価から</a:t>
+              <a:t>生成した音程と四分音符や二分音符等の音の長さから</a:t>
             </a:r>
             <a:r>
               <a:rPr kumimoji="1" lang="en-US" altLang="ja-JP" dirty="0"/>
@@ -6153,7 +6181,15 @@
             </a:r>
             <a:r>
               <a:rPr kumimoji="1" lang="ja-JP" altLang="en-US" dirty="0"/>
-              <a:t>ファイルに変換します。</a:t>
+              <a:t>ファイルと楽譜の</a:t>
+            </a:r>
+            <a:r>
+              <a:rPr kumimoji="1" lang="en-US" altLang="ja-JP" dirty="0" err="1"/>
+              <a:t>png</a:t>
+            </a:r>
+            <a:r>
+              <a:rPr kumimoji="1" lang="ja-JP" altLang="en-US" dirty="0"/>
+              <a:t>に変換します。</a:t>
             </a:r>
             <a:r>
               <a:rPr kumimoji="1" lang="en-US" altLang="ja-JP" dirty="0"/>
@@ -6187,26 +6223,7 @@
             </a:r>
             <a:r>
               <a:rPr kumimoji="1" lang="ja-JP" altLang="en-US" dirty="0"/>
-              <a:t>を使用して音声ファイル、</a:t>
-            </a:r>
-            <a:endParaRPr kumimoji="1" lang="en-US" altLang="ja-JP" dirty="0"/>
-          </a:p>
-          <a:p>
-            <a:r>
-              <a:rPr kumimoji="1" lang="en-US" altLang="ja-JP" dirty="0" err="1"/>
-              <a:t>LilyPond</a:t>
-            </a:r>
-            <a:r>
-              <a:rPr kumimoji="1" lang="ja-JP" altLang="en-US" dirty="0"/>
-              <a:t>を使用して楽譜を</a:t>
-            </a:r>
-            <a:r>
-              <a:rPr kumimoji="1" lang="en-US" altLang="ja-JP" dirty="0" err="1"/>
-              <a:t>png</a:t>
-            </a:r>
-            <a:r>
-              <a:rPr kumimoji="1" lang="ja-JP" altLang="en-US" dirty="0"/>
-              <a:t>としてファイルを作成します。</a:t>
+              <a:t>を使用して音声ファイルを作成します</a:t>
             </a:r>
             <a:endParaRPr kumimoji="1" lang="en-US" altLang="ja-JP" dirty="0"/>
           </a:p>
@@ -6395,14 +6412,7 @@
           <a:p>
             <a:r>
               <a:rPr kumimoji="1" lang="ja-JP" altLang="en-US" dirty="0"/>
-              <a:t>この画面では作った曲を様々なファイル形式でダウンロードできます。</a:t>
-            </a:r>
-            <a:endParaRPr kumimoji="1" lang="en-US" altLang="ja-JP" dirty="0"/>
-          </a:p>
-          <a:p>
-            <a:r>
-              <a:rPr kumimoji="1" lang="ja-JP" altLang="en-US" dirty="0"/>
-              <a:t>楽譜は右クリックでダウンロードしてください</a:t>
+              <a:t>この画面では作った曲と楽譜を様々なファイル形式でダウンロードできます。</a:t>
             </a:r>
             <a:endParaRPr kumimoji="1" lang="en-US" altLang="ja-JP" dirty="0"/>
           </a:p>
@@ -6416,11 +6426,7 @@
           <a:p>
             <a:r>
               <a:rPr kumimoji="1" lang="ja-JP" altLang="en-US" dirty="0"/>
-              <a:t>以上でデモンストレーションを</a:t>
-            </a:r>
-            <a:r>
-              <a:rPr kumimoji="1" lang="ja-JP" altLang="en-US"/>
-              <a:t>終わります。</a:t>
+              <a:t>以上でデモンストレーションを終わります。</a:t>
             </a:r>
             <a:endParaRPr kumimoji="1" lang="en-US" altLang="ja-JP" dirty="0"/>
           </a:p>
@@ -10167,69 +10173,6 @@
       </p:pic>
       <p:sp>
         <p:nvSpPr>
-          <p:cNvPr id="2" name="正方形/長方形 1">
-            <a:extLst>
-              <a:ext uri="{FF2B5EF4-FFF2-40B4-BE49-F238E27FC236}">
-                <a16:creationId xmlns:a16="http://schemas.microsoft.com/office/drawing/2014/main" id="{A96B3F8B-08D3-48A6-A671-7F37AEE1960C}"/>
-              </a:ext>
-            </a:extLst>
-          </p:cNvPr>
-          <p:cNvSpPr/>
-          <p:nvPr/>
-        </p:nvSpPr>
-        <p:spPr>
-          <a:xfrm>
-            <a:off x="8287352" y="0"/>
-            <a:ext cx="3904648" cy="1967345"/>
-          </a:xfrm>
-          <a:prstGeom prst="rect">
-            <a:avLst/>
-          </a:prstGeom>
-          <a:solidFill>
-            <a:schemeClr val="bg2">
-              <a:lumMod val="50000"/>
-            </a:schemeClr>
-          </a:solidFill>
-          <a:ln>
-            <a:solidFill>
-              <a:schemeClr val="tx1"/>
-            </a:solidFill>
-          </a:ln>
-        </p:spPr>
-        <p:style>
-          <a:lnRef idx="2">
-            <a:schemeClr val="accent1">
-              <a:shade val="50000"/>
-            </a:schemeClr>
-          </a:lnRef>
-          <a:fillRef idx="1">
-            <a:schemeClr val="accent1"/>
-          </a:fillRef>
-          <a:effectRef idx="0">
-            <a:schemeClr val="accent1"/>
-          </a:effectRef>
-          <a:fontRef idx="minor">
-            <a:schemeClr val="lt1"/>
-          </a:fontRef>
-        </p:style>
-        <p:txBody>
-          <a:bodyPr rtlCol="0" anchor="ctr"/>
-          <a:lstStyle/>
-          <a:p>
-            <a:pPr algn="ctr"/>
-            <a:r>
-              <a:rPr lang="ja-JP" altLang="en-US" dirty="0"/>
-              <a:t>発表者の顔</a:t>
-            </a:r>
-          </a:p>
-          <a:p>
-            <a:pPr algn="ctr"/>
-            <a:endParaRPr kumimoji="1" lang="ja-JP" altLang="en-US" dirty="0"/>
-          </a:p>
-        </p:txBody>
-      </p:sp>
-      <p:sp>
-        <p:nvSpPr>
           <p:cNvPr id="5" name="タイトル 4">
             <a:extLst>
               <a:ext uri="{FF2B5EF4-FFF2-40B4-BE49-F238E27FC236}">
@@ -10434,62 +10377,6 @@
           </a:p>
         </p:txBody>
       </p:sp>
-      <p:sp>
-        <p:nvSpPr>
-          <p:cNvPr id="7" name="正方形/長方形 6">
-            <a:extLst>
-              <a:ext uri="{FF2B5EF4-FFF2-40B4-BE49-F238E27FC236}">
-                <a16:creationId xmlns:a16="http://schemas.microsoft.com/office/drawing/2014/main" id="{78352449-6E98-4EF5-BADF-C7DE48F317C9}"/>
-              </a:ext>
-            </a:extLst>
-          </p:cNvPr>
-          <p:cNvSpPr/>
-          <p:nvPr/>
-        </p:nvSpPr>
-        <p:spPr>
-          <a:xfrm>
-            <a:off x="8897257" y="1"/>
-            <a:ext cx="3294744" cy="1662544"/>
-          </a:xfrm>
-          <a:prstGeom prst="rect">
-            <a:avLst/>
-          </a:prstGeom>
-          <a:solidFill>
-            <a:schemeClr val="bg2">
-              <a:lumMod val="50000"/>
-            </a:schemeClr>
-          </a:solidFill>
-          <a:ln>
-            <a:solidFill>
-              <a:schemeClr val="tx1"/>
-            </a:solidFill>
-          </a:ln>
-        </p:spPr>
-        <p:style>
-          <a:lnRef idx="2">
-            <a:schemeClr val="accent1">
-              <a:shade val="50000"/>
-            </a:schemeClr>
-          </a:lnRef>
-          <a:fillRef idx="1">
-            <a:schemeClr val="accent1"/>
-          </a:fillRef>
-          <a:effectRef idx="0">
-            <a:schemeClr val="accent1"/>
-          </a:effectRef>
-          <a:fontRef idx="minor">
-            <a:schemeClr val="lt1"/>
-          </a:fontRef>
-        </p:style>
-        <p:txBody>
-          <a:bodyPr rtlCol="0" anchor="ctr"/>
-          <a:lstStyle/>
-          <a:p>
-            <a:pPr algn="ctr"/>
-            <a:endParaRPr kumimoji="1" lang="ja-JP" altLang="en-US"/>
-          </a:p>
-        </p:txBody>
-      </p:sp>
     </p:spTree>
     <p:extLst>
       <p:ext uri="{BB962C8B-B14F-4D97-AF65-F5344CB8AC3E}">
@@ -10651,7 +10538,7 @@
             </a:pPr>
             <a:r>
               <a:rPr lang="ja-JP" altLang="en-US" dirty="0"/>
-              <a:t>自分たちのプログラムを参考にしていただけると嬉しいです</a:t>
+              <a:t>私たちのプログラムを参考にしていただけると嬉しいです</a:t>
             </a:r>
             <a:endParaRPr lang="en-US" altLang="ja-JP" dirty="0"/>
           </a:p>
@@ -10669,62 +10556,6 @@
               <a:buNone/>
             </a:pPr>
             <a:endParaRPr lang="en-US" altLang="ja-JP" dirty="0"/>
-          </a:p>
-        </p:txBody>
-      </p:sp>
-      <p:sp>
-        <p:nvSpPr>
-          <p:cNvPr id="5" name="正方形/長方形 4">
-            <a:extLst>
-              <a:ext uri="{FF2B5EF4-FFF2-40B4-BE49-F238E27FC236}">
-                <a16:creationId xmlns:a16="http://schemas.microsoft.com/office/drawing/2014/main" id="{BD21D7A2-862C-401F-B54E-A4E9168D3DBE}"/>
-              </a:ext>
-            </a:extLst>
-          </p:cNvPr>
-          <p:cNvSpPr/>
-          <p:nvPr/>
-        </p:nvSpPr>
-        <p:spPr>
-          <a:xfrm>
-            <a:off x="8897257" y="1"/>
-            <a:ext cx="3294744" cy="1662544"/>
-          </a:xfrm>
-          <a:prstGeom prst="rect">
-            <a:avLst/>
-          </a:prstGeom>
-          <a:solidFill>
-            <a:schemeClr val="bg2">
-              <a:lumMod val="50000"/>
-            </a:schemeClr>
-          </a:solidFill>
-          <a:ln>
-            <a:solidFill>
-              <a:schemeClr val="tx1"/>
-            </a:solidFill>
-          </a:ln>
-        </p:spPr>
-        <p:style>
-          <a:lnRef idx="2">
-            <a:schemeClr val="accent1">
-              <a:shade val="50000"/>
-            </a:schemeClr>
-          </a:lnRef>
-          <a:fillRef idx="1">
-            <a:schemeClr val="accent1"/>
-          </a:fillRef>
-          <a:effectRef idx="0">
-            <a:schemeClr val="accent1"/>
-          </a:effectRef>
-          <a:fontRef idx="minor">
-            <a:schemeClr val="lt1"/>
-          </a:fontRef>
-        </p:style>
-        <p:txBody>
-          <a:bodyPr rtlCol="0" anchor="ctr"/>
-          <a:lstStyle/>
-          <a:p>
-            <a:pPr algn="ctr"/>
-            <a:endParaRPr kumimoji="1" lang="ja-JP" altLang="en-US"/>
           </a:p>
         </p:txBody>
       </p:sp>
@@ -10840,2176 +10671,6 @@
 </p:sld>
 </file>
 
-<file path=ppt/slides/slide13.xml><?xml version="1.0" encoding="utf-8"?>
-<p:sld xmlns:a="http://schemas.openxmlformats.org/drawingml/2006/main" xmlns:r="http://schemas.openxmlformats.org/officeDocument/2006/relationships" xmlns:p="http://schemas.openxmlformats.org/presentationml/2006/main">
-  <p:cSld>
-    <p:spTree>
-      <p:nvGrpSpPr>
-        <p:cNvPr id="1" name=""/>
-        <p:cNvGrpSpPr/>
-        <p:nvPr/>
-      </p:nvGrpSpPr>
-      <p:grpSpPr>
-        <a:xfrm>
-          <a:off x="0" y="0"/>
-          <a:ext cx="0" cy="0"/>
-          <a:chOff x="0" y="0"/>
-          <a:chExt cx="0" cy="0"/>
-        </a:xfrm>
-      </p:grpSpPr>
-      <p:sp>
-        <p:nvSpPr>
-          <p:cNvPr id="12" name="四角形: 角を丸くする 11">
-            <a:extLst>
-              <a:ext uri="{FF2B5EF4-FFF2-40B4-BE49-F238E27FC236}">
-                <a16:creationId xmlns:a16="http://schemas.microsoft.com/office/drawing/2014/main" id="{B029D5BB-F4E6-4E2D-B33F-519D17E86CA0}"/>
-              </a:ext>
-            </a:extLst>
-          </p:cNvPr>
-          <p:cNvSpPr/>
-          <p:nvPr/>
-        </p:nvSpPr>
-        <p:spPr>
-          <a:xfrm>
-            <a:off x="4828796" y="2262978"/>
-            <a:ext cx="6293771" cy="4048393"/>
-          </a:xfrm>
-          <a:prstGeom prst="roundRect">
-            <a:avLst/>
-          </a:prstGeom>
-          <a:solidFill>
-            <a:schemeClr val="bg1"/>
-          </a:solidFill>
-        </p:spPr>
-        <p:style>
-          <a:lnRef idx="2">
-            <a:schemeClr val="accent1">
-              <a:shade val="50000"/>
-            </a:schemeClr>
-          </a:lnRef>
-          <a:fillRef idx="1">
-            <a:schemeClr val="accent1"/>
-          </a:fillRef>
-          <a:effectRef idx="0">
-            <a:schemeClr val="accent1"/>
-          </a:effectRef>
-          <a:fontRef idx="minor">
-            <a:schemeClr val="lt1"/>
-          </a:fontRef>
-        </p:style>
-        <p:txBody>
-          <a:bodyPr rtlCol="0" anchor="ctr"/>
-          <a:lstStyle/>
-          <a:p>
-            <a:pPr algn="ctr"/>
-            <a:endParaRPr kumimoji="1" lang="ja-JP" altLang="en-US"/>
-          </a:p>
-        </p:txBody>
-      </p:sp>
-      <p:sp>
-        <p:nvSpPr>
-          <p:cNvPr id="2" name="タイトル 1">
-            <a:extLst>
-              <a:ext uri="{FF2B5EF4-FFF2-40B4-BE49-F238E27FC236}">
-                <a16:creationId xmlns:a16="http://schemas.microsoft.com/office/drawing/2014/main" id="{70949F04-CCFC-4095-97E8-22A29D9269AF}"/>
-              </a:ext>
-            </a:extLst>
-          </p:cNvPr>
-          <p:cNvSpPr>
-            <a:spLocks noGrp="1"/>
-          </p:cNvSpPr>
-          <p:nvPr>
-            <p:ph type="title"/>
-          </p:nvPr>
-        </p:nvSpPr>
-        <p:spPr/>
-        <p:txBody>
-          <a:bodyPr/>
-          <a:lstStyle/>
-          <a:p>
-            <a:r>
-              <a:rPr lang="ja-JP" altLang="ja-JP" b="1" dirty="0">
-                <a:solidFill>
-                  <a:srgbClr val="000000"/>
-                </a:solidFill>
-                <a:latin typeface="游ゴシック" panose="020B0400000000000000" pitchFamily="50" charset="-128"/>
-                <a:ea typeface="游ゴシック" panose="020B0400000000000000" pitchFamily="50" charset="-128"/>
-              </a:rPr>
-              <a:t>メンバー紹介</a:t>
-            </a:r>
-            <a:endParaRPr kumimoji="1" lang="ja-JP" altLang="en-US" dirty="0"/>
-          </a:p>
-        </p:txBody>
-      </p:sp>
-      <p:sp>
-        <p:nvSpPr>
-          <p:cNvPr id="4" name="正方形/長方形 3">
-            <a:extLst>
-              <a:ext uri="{FF2B5EF4-FFF2-40B4-BE49-F238E27FC236}">
-                <a16:creationId xmlns:a16="http://schemas.microsoft.com/office/drawing/2014/main" id="{4109503C-CC5B-4043-A7D0-02BA375E478E}"/>
-              </a:ext>
-            </a:extLst>
-          </p:cNvPr>
-          <p:cNvSpPr/>
-          <p:nvPr/>
-        </p:nvSpPr>
-        <p:spPr>
-          <a:xfrm>
-            <a:off x="838200" y="2062302"/>
-            <a:ext cx="4368800" cy="1938992"/>
-          </a:xfrm>
-          <a:prstGeom prst="rect">
-            <a:avLst/>
-          </a:prstGeom>
-        </p:spPr>
-        <p:txBody>
-          <a:bodyPr wrap="square">
-            <a:spAutoFit/>
-          </a:bodyPr>
-          <a:lstStyle/>
-          <a:p>
-            <a:r>
-              <a:rPr lang="ja-JP" altLang="en-US" sz="4000" dirty="0"/>
-              <a:t>野崎　拓海</a:t>
-            </a:r>
-            <a:endParaRPr lang="en-US" altLang="ja-JP" sz="4000" dirty="0"/>
-          </a:p>
-          <a:p>
-            <a:r>
-              <a:rPr lang="ja-JP" altLang="en-US" sz="4000" dirty="0"/>
-              <a:t>吉川　孟志</a:t>
-            </a:r>
-            <a:endParaRPr lang="en-US" altLang="ja-JP" sz="4000" dirty="0"/>
-          </a:p>
-          <a:p>
-            <a:r>
-              <a:rPr lang="ja-JP" altLang="en-US" sz="4000" dirty="0"/>
-              <a:t>長島　光琉</a:t>
-            </a:r>
-          </a:p>
-        </p:txBody>
-      </p:sp>
-      <p:pic>
-        <p:nvPicPr>
-          <p:cNvPr id="11" name="図 10">
-            <a:extLst>
-              <a:ext uri="{FF2B5EF4-FFF2-40B4-BE49-F238E27FC236}">
-                <a16:creationId xmlns:a16="http://schemas.microsoft.com/office/drawing/2014/main" id="{D778B6FD-AD82-48F0-8E33-5E73DE688302}"/>
-              </a:ext>
-            </a:extLst>
-          </p:cNvPr>
-          <p:cNvPicPr>
-            <a:picLocks noChangeAspect="1"/>
-          </p:cNvPicPr>
-          <p:nvPr/>
-        </p:nvPicPr>
-        <p:blipFill>
-          <a:blip r:embed="rId2">
-            <a:extLst>
-              <a:ext uri="{28A0092B-C50C-407E-A947-70E740481C1C}">
-                <a14:useLocalDpi xmlns:a14="http://schemas.microsoft.com/office/drawing/2010/main" val="0"/>
-              </a:ext>
-            </a:extLst>
-          </a:blip>
-          <a:stretch>
-            <a:fillRect/>
-          </a:stretch>
-        </p:blipFill>
-        <p:spPr>
-          <a:xfrm>
-            <a:off x="5735752" y="2165782"/>
-            <a:ext cx="4479860" cy="3908042"/>
-          </a:xfrm>
-          <a:prstGeom prst="rect">
-            <a:avLst/>
-          </a:prstGeom>
-        </p:spPr>
-      </p:pic>
-      <p:sp>
-        <p:nvSpPr>
-          <p:cNvPr id="7" name="正方形/長方形 6">
-            <a:extLst>
-              <a:ext uri="{FF2B5EF4-FFF2-40B4-BE49-F238E27FC236}">
-                <a16:creationId xmlns:a16="http://schemas.microsoft.com/office/drawing/2014/main" id="{89CB365E-D0A8-4E9E-AA5D-B431972834F0}"/>
-              </a:ext>
-            </a:extLst>
-          </p:cNvPr>
-          <p:cNvSpPr/>
-          <p:nvPr/>
-        </p:nvSpPr>
-        <p:spPr>
-          <a:xfrm>
-            <a:off x="8897257" y="1"/>
-            <a:ext cx="3294744" cy="1662544"/>
-          </a:xfrm>
-          <a:prstGeom prst="rect">
-            <a:avLst/>
-          </a:prstGeom>
-          <a:solidFill>
-            <a:schemeClr val="bg2">
-              <a:lumMod val="50000"/>
-            </a:schemeClr>
-          </a:solidFill>
-          <a:ln>
-            <a:solidFill>
-              <a:schemeClr val="tx1"/>
-            </a:solidFill>
-          </a:ln>
-        </p:spPr>
-        <p:style>
-          <a:lnRef idx="2">
-            <a:schemeClr val="accent1">
-              <a:shade val="50000"/>
-            </a:schemeClr>
-          </a:lnRef>
-          <a:fillRef idx="1">
-            <a:schemeClr val="accent1"/>
-          </a:fillRef>
-          <a:effectRef idx="0">
-            <a:schemeClr val="accent1"/>
-          </a:effectRef>
-          <a:fontRef idx="minor">
-            <a:schemeClr val="lt1"/>
-          </a:fontRef>
-        </p:style>
-        <p:txBody>
-          <a:bodyPr rtlCol="0" anchor="ctr"/>
-          <a:lstStyle/>
-          <a:p>
-            <a:pPr algn="ctr"/>
-            <a:endParaRPr kumimoji="1" lang="ja-JP" altLang="en-US"/>
-          </a:p>
-        </p:txBody>
-      </p:sp>
-    </p:spTree>
-    <p:extLst>
-      <p:ext uri="{BB962C8B-B14F-4D97-AF65-F5344CB8AC3E}">
-        <p14:creationId xmlns:p14="http://schemas.microsoft.com/office/powerpoint/2010/main" val="1047491915"/>
-      </p:ext>
-    </p:extLst>
-  </p:cSld>
-  <p:clrMapOvr>
-    <a:masterClrMapping/>
-  </p:clrMapOvr>
-  <mc:AlternateContent xmlns:mc="http://schemas.openxmlformats.org/markup-compatibility/2006" xmlns:p14="http://schemas.microsoft.com/office/powerpoint/2010/main">
-    <mc:Choice Requires="p14">
-      <p:transition spd="slow" p14:dur="800">
-        <p:circle/>
-      </p:transition>
-    </mc:Choice>
-    <mc:Fallback xmlns="">
-      <p:transition spd="slow">
-        <p:circle/>
-      </p:transition>
-    </mc:Fallback>
-  </mc:AlternateContent>
-</p:sld>
-</file>
-
-<file path=ppt/slides/slide14.xml><?xml version="1.0" encoding="utf-8"?>
-<p:sld xmlns:a="http://schemas.openxmlformats.org/drawingml/2006/main" xmlns:r="http://schemas.openxmlformats.org/officeDocument/2006/relationships" xmlns:p="http://schemas.openxmlformats.org/presentationml/2006/main">
-  <p:cSld>
-    <p:spTree>
-      <p:nvGrpSpPr>
-        <p:cNvPr id="1" name=""/>
-        <p:cNvGrpSpPr/>
-        <p:nvPr/>
-      </p:nvGrpSpPr>
-      <p:grpSpPr>
-        <a:xfrm>
-          <a:off x="0" y="0"/>
-          <a:ext cx="0" cy="0"/>
-          <a:chOff x="0" y="0"/>
-          <a:chExt cx="0" cy="0"/>
-        </a:xfrm>
-      </p:grpSpPr>
-      <p:sp>
-        <p:nvSpPr>
-          <p:cNvPr id="2" name="タイトル 1">
-            <a:extLst>
-              <a:ext uri="{FF2B5EF4-FFF2-40B4-BE49-F238E27FC236}">
-                <a16:creationId xmlns:a16="http://schemas.microsoft.com/office/drawing/2014/main" id="{9A72B701-728E-4804-93D5-B902113E04F4}"/>
-              </a:ext>
-            </a:extLst>
-          </p:cNvPr>
-          <p:cNvSpPr>
-            <a:spLocks noGrp="1"/>
-          </p:cNvSpPr>
-          <p:nvPr>
-            <p:ph type="title"/>
-          </p:nvPr>
-        </p:nvSpPr>
-        <p:spPr>
-          <a:xfrm>
-            <a:off x="293915" y="365125"/>
-            <a:ext cx="8762999" cy="1325563"/>
-          </a:xfrm>
-        </p:spPr>
-        <p:txBody>
-          <a:bodyPr/>
-          <a:lstStyle/>
-          <a:p>
-            <a:r>
-              <a:rPr lang="en-US" altLang="ja-JP" b="1" dirty="0"/>
-              <a:t>Python</a:t>
-            </a:r>
-            <a:r>
-              <a:rPr lang="ja-JP" altLang="en-US" b="1" dirty="0"/>
-              <a:t>のライブラリ①</a:t>
-            </a:r>
-            <a:endParaRPr kumimoji="1" lang="ja-JP" altLang="en-US" b="1" dirty="0"/>
-          </a:p>
-        </p:txBody>
-      </p:sp>
-      <p:sp>
-        <p:nvSpPr>
-          <p:cNvPr id="3" name="テキスト プレースホルダー 2">
-            <a:extLst>
-              <a:ext uri="{FF2B5EF4-FFF2-40B4-BE49-F238E27FC236}">
-                <a16:creationId xmlns:a16="http://schemas.microsoft.com/office/drawing/2014/main" id="{8A3E2783-46B8-4A3F-BBE0-62453BBA6DBE}"/>
-              </a:ext>
-            </a:extLst>
-          </p:cNvPr>
-          <p:cNvSpPr>
-            <a:spLocks noGrp="1"/>
-          </p:cNvSpPr>
-          <p:nvPr>
-            <p:ph type="body" idx="1"/>
-          </p:nvPr>
-        </p:nvSpPr>
-        <p:spPr>
-          <a:xfrm>
-            <a:off x="5138057" y="1662120"/>
-            <a:ext cx="5157787" cy="605631"/>
-          </a:xfrm>
-        </p:spPr>
-        <p:txBody>
-          <a:bodyPr>
-            <a:noAutofit/>
-          </a:bodyPr>
-          <a:lstStyle/>
-          <a:p>
-            <a:r>
-              <a:rPr kumimoji="1" lang="en-US" altLang="ja-JP" sz="4000" dirty="0">
-                <a:solidFill>
-                  <a:srgbClr val="FF0000"/>
-                </a:solidFill>
-              </a:rPr>
-              <a:t>MIDI2audio</a:t>
-            </a:r>
-            <a:endParaRPr kumimoji="1" lang="ja-JP" altLang="en-US" sz="4000" dirty="0">
-              <a:solidFill>
-                <a:srgbClr val="FF0000"/>
-              </a:solidFill>
-            </a:endParaRPr>
-          </a:p>
-        </p:txBody>
-      </p:sp>
-      <p:sp>
-        <p:nvSpPr>
-          <p:cNvPr id="4" name="コンテンツ プレースホルダー 3">
-            <a:extLst>
-              <a:ext uri="{FF2B5EF4-FFF2-40B4-BE49-F238E27FC236}">
-                <a16:creationId xmlns:a16="http://schemas.microsoft.com/office/drawing/2014/main" id="{C4DD3020-F0F6-4715-A9BF-919D2F699F2C}"/>
-              </a:ext>
-            </a:extLst>
-          </p:cNvPr>
-          <p:cNvSpPr>
-            <a:spLocks noGrp="1"/>
-          </p:cNvSpPr>
-          <p:nvPr>
-            <p:ph sz="half" idx="2"/>
-          </p:nvPr>
-        </p:nvSpPr>
-        <p:spPr>
-          <a:xfrm>
-            <a:off x="5138057" y="2400170"/>
-            <a:ext cx="5157787" cy="967933"/>
-          </a:xfrm>
-        </p:spPr>
-        <p:txBody>
-          <a:bodyPr>
-            <a:normAutofit/>
-          </a:bodyPr>
-          <a:lstStyle/>
-          <a:p>
-            <a:r>
-              <a:rPr kumimoji="1" lang="en-US" altLang="ja-JP" dirty="0"/>
-              <a:t>MIDI</a:t>
-            </a:r>
-            <a:r>
-              <a:rPr kumimoji="1" lang="ja-JP" altLang="en-US" dirty="0"/>
-              <a:t>ファイルを</a:t>
-            </a:r>
-            <a:r>
-              <a:rPr kumimoji="1" lang="en-US" altLang="ja-JP" dirty="0"/>
-              <a:t>MP3,wav</a:t>
-            </a:r>
-            <a:r>
-              <a:rPr kumimoji="1" lang="ja-JP" altLang="en-US" dirty="0"/>
-              <a:t>に形式変更できる。</a:t>
-            </a:r>
-          </a:p>
-        </p:txBody>
-      </p:sp>
-      <p:sp>
-        <p:nvSpPr>
-          <p:cNvPr id="5" name="テキスト プレースホルダー 4">
-            <a:extLst>
-              <a:ext uri="{FF2B5EF4-FFF2-40B4-BE49-F238E27FC236}">
-                <a16:creationId xmlns:a16="http://schemas.microsoft.com/office/drawing/2014/main" id="{C2641514-FE60-465A-802E-14179BC31F50}"/>
-              </a:ext>
-            </a:extLst>
-          </p:cNvPr>
-          <p:cNvSpPr>
-            <a:spLocks noGrp="1"/>
-          </p:cNvSpPr>
-          <p:nvPr>
-            <p:ph type="body" sz="quarter" idx="3"/>
-          </p:nvPr>
-        </p:nvSpPr>
-        <p:spPr>
-          <a:xfrm>
-            <a:off x="536462" y="1455335"/>
-            <a:ext cx="5183188" cy="795564"/>
-          </a:xfrm>
-        </p:spPr>
-        <p:txBody>
-          <a:bodyPr>
-            <a:normAutofit/>
-          </a:bodyPr>
-          <a:lstStyle/>
-          <a:p>
-            <a:r>
-              <a:rPr lang="en-US" altLang="ja-JP" sz="4000" dirty="0">
-                <a:solidFill>
-                  <a:srgbClr val="FF0000"/>
-                </a:solidFill>
-              </a:rPr>
-              <a:t>music21</a:t>
-            </a:r>
-          </a:p>
-        </p:txBody>
-      </p:sp>
-      <p:sp>
-        <p:nvSpPr>
-          <p:cNvPr id="6" name="コンテンツ プレースホルダー 5">
-            <a:extLst>
-              <a:ext uri="{FF2B5EF4-FFF2-40B4-BE49-F238E27FC236}">
-                <a16:creationId xmlns:a16="http://schemas.microsoft.com/office/drawing/2014/main" id="{FC609FD6-3ED4-4CE3-8FC0-2C0F7B63BFF6}"/>
-              </a:ext>
-            </a:extLst>
-          </p:cNvPr>
-          <p:cNvSpPr>
-            <a:spLocks noGrp="1"/>
-          </p:cNvSpPr>
-          <p:nvPr>
-            <p:ph sz="quarter" idx="4"/>
-          </p:nvPr>
-        </p:nvSpPr>
-        <p:spPr>
-          <a:xfrm>
-            <a:off x="293915" y="2650218"/>
-            <a:ext cx="4844142" cy="3684588"/>
-          </a:xfrm>
-        </p:spPr>
-        <p:txBody>
-          <a:bodyPr>
-            <a:normAutofit/>
-          </a:bodyPr>
-          <a:lstStyle/>
-          <a:p>
-            <a:r>
-              <a:rPr lang="en-US" altLang="ja-JP" sz="3000" dirty="0"/>
-              <a:t>music21</a:t>
-            </a:r>
-            <a:r>
-              <a:rPr lang="ja-JP" altLang="en-US" sz="3000" dirty="0"/>
-              <a:t>は、</a:t>
-            </a:r>
-            <a:r>
-              <a:rPr lang="en-US" altLang="ja-JP" sz="3000" dirty="0"/>
-              <a:t>Python</a:t>
-            </a:r>
-            <a:r>
-              <a:rPr lang="ja-JP" altLang="en-US" sz="3000" dirty="0"/>
-              <a:t>の音楽情報処理ライブラリです。</a:t>
-            </a:r>
-            <a:br>
-              <a:rPr lang="ja-JP" altLang="en-US" sz="3000" dirty="0"/>
-            </a:br>
-            <a:r>
-              <a:rPr lang="ja-JP" altLang="en-US" sz="3000" dirty="0"/>
-              <a:t>楽譜や音声を分析するために、利用されています。</a:t>
-            </a:r>
-            <a:endParaRPr lang="en-US" altLang="ja-JP" sz="3000" dirty="0"/>
-          </a:p>
-          <a:p>
-            <a:r>
-              <a:rPr lang="ja-JP" altLang="en-US" sz="3000" dirty="0"/>
-              <a:t>文字列から数値のベースにするために使用しています</a:t>
-            </a:r>
-            <a:r>
-              <a:rPr lang="ja-JP" altLang="en-US" dirty="0"/>
-              <a:t>。</a:t>
-            </a:r>
-            <a:endParaRPr kumimoji="1" lang="ja-JP" altLang="en-US" dirty="0"/>
-          </a:p>
-        </p:txBody>
-      </p:sp>
-      <p:pic>
-        <p:nvPicPr>
-          <p:cNvPr id="8" name="図 7">
-            <a:extLst>
-              <a:ext uri="{FF2B5EF4-FFF2-40B4-BE49-F238E27FC236}">
-                <a16:creationId xmlns:a16="http://schemas.microsoft.com/office/drawing/2014/main" id="{3E02EF9F-B3D8-46FE-BC69-29D7651F7467}"/>
-              </a:ext>
-            </a:extLst>
-          </p:cNvPr>
-          <p:cNvPicPr>
-            <a:picLocks noChangeAspect="1"/>
-          </p:cNvPicPr>
-          <p:nvPr/>
-        </p:nvPicPr>
-        <p:blipFill>
-          <a:blip r:embed="rId2">
-            <a:extLst>
-              <a:ext uri="{28A0092B-C50C-407E-A947-70E740481C1C}">
-                <a14:useLocalDpi xmlns:a14="http://schemas.microsoft.com/office/drawing/2010/main" val="0"/>
-              </a:ext>
-            </a:extLst>
-          </a:blip>
-          <a:stretch>
-            <a:fillRect/>
-          </a:stretch>
-        </p:blipFill>
-        <p:spPr>
-          <a:xfrm>
-            <a:off x="8367939" y="3270876"/>
-            <a:ext cx="3530146" cy="3485524"/>
-          </a:xfrm>
-          <a:prstGeom prst="rect">
-            <a:avLst/>
-          </a:prstGeom>
-        </p:spPr>
-      </p:pic>
-      <p:sp>
-        <p:nvSpPr>
-          <p:cNvPr id="9" name="正方形/長方形 8">
-            <a:extLst>
-              <a:ext uri="{FF2B5EF4-FFF2-40B4-BE49-F238E27FC236}">
-                <a16:creationId xmlns:a16="http://schemas.microsoft.com/office/drawing/2014/main" id="{0D8C69D8-185E-4A2A-BBB0-33995E0FF6BC}"/>
-              </a:ext>
-            </a:extLst>
-          </p:cNvPr>
-          <p:cNvSpPr/>
-          <p:nvPr/>
-        </p:nvSpPr>
-        <p:spPr>
-          <a:xfrm>
-            <a:off x="8645237" y="0"/>
-            <a:ext cx="3546764" cy="1967345"/>
-          </a:xfrm>
-          <a:prstGeom prst="rect">
-            <a:avLst/>
-          </a:prstGeom>
-          <a:solidFill>
-            <a:schemeClr val="bg2">
-              <a:lumMod val="50000"/>
-            </a:schemeClr>
-          </a:solidFill>
-          <a:ln>
-            <a:solidFill>
-              <a:schemeClr val="tx1"/>
-            </a:solidFill>
-          </a:ln>
-        </p:spPr>
-        <p:style>
-          <a:lnRef idx="2">
-            <a:schemeClr val="accent1">
-              <a:shade val="50000"/>
-            </a:schemeClr>
-          </a:lnRef>
-          <a:fillRef idx="1">
-            <a:schemeClr val="accent1"/>
-          </a:fillRef>
-          <a:effectRef idx="0">
-            <a:schemeClr val="accent1"/>
-          </a:effectRef>
-          <a:fontRef idx="minor">
-            <a:schemeClr val="lt1"/>
-          </a:fontRef>
-        </p:style>
-        <p:txBody>
-          <a:bodyPr rtlCol="0" anchor="ctr"/>
-          <a:lstStyle/>
-          <a:p>
-            <a:pPr algn="ctr"/>
-            <a:endParaRPr kumimoji="1" lang="ja-JP" altLang="en-US" dirty="0"/>
-          </a:p>
-        </p:txBody>
-      </p:sp>
-      <p:sp>
-        <p:nvSpPr>
-          <p:cNvPr id="10" name="吹き出し: 四角形 9">
-            <a:extLst>
-              <a:ext uri="{FF2B5EF4-FFF2-40B4-BE49-F238E27FC236}">
-                <a16:creationId xmlns:a16="http://schemas.microsoft.com/office/drawing/2014/main" id="{D4DF5B21-6642-447F-98AE-FDE3B3D4D7E5}"/>
-              </a:ext>
-            </a:extLst>
-          </p:cNvPr>
-          <p:cNvSpPr/>
-          <p:nvPr/>
-        </p:nvSpPr>
-        <p:spPr>
-          <a:xfrm>
-            <a:off x="5359626" y="3454992"/>
-            <a:ext cx="2786743" cy="1325563"/>
-          </a:xfrm>
-          <a:prstGeom prst="wedgeRectCallout">
-            <a:avLst>
-              <a:gd name="adj1" fmla="val 55943"/>
-              <a:gd name="adj2" fmla="val 81114"/>
-            </a:avLst>
-          </a:prstGeom>
-          <a:ln/>
-        </p:spPr>
-        <p:style>
-          <a:lnRef idx="2">
-            <a:schemeClr val="dk1"/>
-          </a:lnRef>
-          <a:fillRef idx="1">
-            <a:schemeClr val="lt1"/>
-          </a:fillRef>
-          <a:effectRef idx="0">
-            <a:schemeClr val="dk1"/>
-          </a:effectRef>
-          <a:fontRef idx="minor">
-            <a:schemeClr val="dk1"/>
-          </a:fontRef>
-        </p:style>
-        <p:txBody>
-          <a:bodyPr rtlCol="0" anchor="ctr"/>
-          <a:lstStyle/>
-          <a:p>
-            <a:r>
-              <a:rPr lang="en-US" altLang="ja-JP" dirty="0" err="1"/>
-              <a:t>abc</a:t>
-            </a:r>
-            <a:r>
-              <a:rPr lang="ja-JP" altLang="en-US" dirty="0"/>
-              <a:t>記法から</a:t>
-            </a:r>
-            <a:endParaRPr lang="en-US" altLang="ja-JP" dirty="0"/>
-          </a:p>
-          <a:p>
-            <a:r>
-              <a:rPr lang="ja-JP" altLang="en-US" dirty="0"/>
-              <a:t>連想配列に変換する</a:t>
-            </a:r>
-            <a:endParaRPr lang="en-US" altLang="ja-JP" dirty="0"/>
-          </a:p>
-        </p:txBody>
-      </p:sp>
-    </p:spTree>
-    <p:extLst>
-      <p:ext uri="{BB962C8B-B14F-4D97-AF65-F5344CB8AC3E}">
-        <p14:creationId xmlns:p14="http://schemas.microsoft.com/office/powerpoint/2010/main" val="28986287"/>
-      </p:ext>
-    </p:extLst>
-  </p:cSld>
-  <p:clrMapOvr>
-    <a:masterClrMapping/>
-  </p:clrMapOvr>
-  <mc:AlternateContent xmlns:mc="http://schemas.openxmlformats.org/markup-compatibility/2006" xmlns:p14="http://schemas.microsoft.com/office/powerpoint/2010/main">
-    <mc:Choice Requires="p14">
-      <p:transition spd="slow" p14:dur="800">
-        <p:circle/>
-      </p:transition>
-    </mc:Choice>
-    <mc:Fallback xmlns="">
-      <p:transition spd="slow">
-        <p:circle/>
-      </p:transition>
-    </mc:Fallback>
-  </mc:AlternateContent>
-</p:sld>
-</file>
-
-<file path=ppt/slides/slide15.xml><?xml version="1.0" encoding="utf-8"?>
-<p:sld xmlns:a="http://schemas.openxmlformats.org/drawingml/2006/main" xmlns:r="http://schemas.openxmlformats.org/officeDocument/2006/relationships" xmlns:p="http://schemas.openxmlformats.org/presentationml/2006/main">
-  <p:cSld>
-    <p:spTree>
-      <p:nvGrpSpPr>
-        <p:cNvPr id="1" name=""/>
-        <p:cNvGrpSpPr/>
-        <p:nvPr/>
-      </p:nvGrpSpPr>
-      <p:grpSpPr>
-        <a:xfrm>
-          <a:off x="0" y="0"/>
-          <a:ext cx="0" cy="0"/>
-          <a:chOff x="0" y="0"/>
-          <a:chExt cx="0" cy="0"/>
-        </a:xfrm>
-      </p:grpSpPr>
-      <p:sp>
-        <p:nvSpPr>
-          <p:cNvPr id="2" name="タイトル 1">
-            <a:extLst>
-              <a:ext uri="{FF2B5EF4-FFF2-40B4-BE49-F238E27FC236}">
-                <a16:creationId xmlns:a16="http://schemas.microsoft.com/office/drawing/2014/main" id="{539E1CAC-99B9-43D8-BE45-B83173503896}"/>
-              </a:ext>
-            </a:extLst>
-          </p:cNvPr>
-          <p:cNvSpPr>
-            <a:spLocks noGrp="1"/>
-          </p:cNvSpPr>
-          <p:nvPr>
-            <p:ph type="title"/>
-          </p:nvPr>
-        </p:nvSpPr>
-        <p:spPr>
-          <a:xfrm>
-            <a:off x="435428" y="261711"/>
-            <a:ext cx="6375919" cy="1069975"/>
-          </a:xfrm>
-        </p:spPr>
-        <p:txBody>
-          <a:bodyPr>
-            <a:normAutofit fontScale="90000"/>
-          </a:bodyPr>
-          <a:lstStyle/>
-          <a:p>
-            <a:br>
-              <a:rPr kumimoji="1" lang="en-US" altLang="ja-JP" dirty="0"/>
-            </a:br>
-            <a:r>
-              <a:rPr kumimoji="1" lang="en-US" altLang="ja-JP" sz="5300" b="1" dirty="0"/>
-              <a:t>Python</a:t>
-            </a:r>
-            <a:r>
-              <a:rPr kumimoji="1" lang="ja-JP" altLang="en-US" sz="5300" b="1" dirty="0"/>
-              <a:t>のライブラリ</a:t>
-            </a:r>
-            <a:r>
-              <a:rPr lang="ja-JP" altLang="en-US" sz="5300" b="1" dirty="0"/>
-              <a:t>②</a:t>
-            </a:r>
-            <a:endParaRPr kumimoji="1" lang="ja-JP" altLang="en-US" sz="5300" b="1" dirty="0"/>
-          </a:p>
-        </p:txBody>
-      </p:sp>
-      <p:pic>
-        <p:nvPicPr>
-          <p:cNvPr id="6" name="図プレースホルダー 5">
-            <a:extLst>
-              <a:ext uri="{FF2B5EF4-FFF2-40B4-BE49-F238E27FC236}">
-                <a16:creationId xmlns:a16="http://schemas.microsoft.com/office/drawing/2014/main" id="{10E2FF79-450F-4D88-A12B-C78DFF6EBEFA}"/>
-              </a:ext>
-            </a:extLst>
-          </p:cNvPr>
-          <p:cNvPicPr>
-            <a:picLocks noGrp="1" noChangeAspect="1"/>
-          </p:cNvPicPr>
-          <p:nvPr>
-            <p:ph type="pic" idx="1"/>
-          </p:nvPr>
-        </p:nvPicPr>
-        <p:blipFill>
-          <a:blip r:embed="rId2">
-            <a:extLst>
-              <a:ext uri="{28A0092B-C50C-407E-A947-70E740481C1C}">
-                <a14:useLocalDpi xmlns:a14="http://schemas.microsoft.com/office/drawing/2010/main" val="0"/>
-              </a:ext>
-            </a:extLst>
-          </a:blip>
-          <a:stretch>
-            <a:fillRect/>
-          </a:stretch>
-        </p:blipFill>
-        <p:spPr>
-          <a:xfrm>
-            <a:off x="6532585" y="1984375"/>
-            <a:ext cx="5533876" cy="4873625"/>
-          </a:xfrm>
-        </p:spPr>
-      </p:pic>
-      <p:sp>
-        <p:nvSpPr>
-          <p:cNvPr id="4" name="テキスト プレースホルダー 3">
-            <a:extLst>
-              <a:ext uri="{FF2B5EF4-FFF2-40B4-BE49-F238E27FC236}">
-                <a16:creationId xmlns:a16="http://schemas.microsoft.com/office/drawing/2014/main" id="{41FF9023-B138-468A-A3A9-1CDC7F7F8865}"/>
-              </a:ext>
-            </a:extLst>
-          </p:cNvPr>
-          <p:cNvSpPr>
-            <a:spLocks noGrp="1"/>
-          </p:cNvSpPr>
-          <p:nvPr>
-            <p:ph type="body" sz="half" idx="2"/>
-          </p:nvPr>
-        </p:nvSpPr>
-        <p:spPr>
-          <a:xfrm>
-            <a:off x="435428" y="1518443"/>
-            <a:ext cx="4976327" cy="758226"/>
-          </a:xfrm>
-        </p:spPr>
-        <p:txBody>
-          <a:bodyPr/>
-          <a:lstStyle/>
-          <a:p>
-            <a:r>
-              <a:rPr lang="en-US" altLang="ja-JP" sz="4400" b="1" dirty="0">
-                <a:solidFill>
-                  <a:srgbClr val="FF0000"/>
-                </a:solidFill>
-              </a:rPr>
-              <a:t>TensorFlow</a:t>
-            </a:r>
-            <a:r>
-              <a:rPr lang="en-US" altLang="ja-JP" sz="4400" b="1" dirty="0"/>
-              <a:t> </a:t>
-            </a:r>
-          </a:p>
-          <a:p>
-            <a:endParaRPr kumimoji="1" lang="ja-JP" altLang="en-US" dirty="0"/>
-          </a:p>
-        </p:txBody>
-      </p:sp>
-      <p:sp>
-        <p:nvSpPr>
-          <p:cNvPr id="7" name="正方形/長方形 6">
-            <a:extLst>
-              <a:ext uri="{FF2B5EF4-FFF2-40B4-BE49-F238E27FC236}">
-                <a16:creationId xmlns:a16="http://schemas.microsoft.com/office/drawing/2014/main" id="{D9DF76DE-B279-4DEE-8A06-AE9F431D1DE1}"/>
-              </a:ext>
-            </a:extLst>
-          </p:cNvPr>
-          <p:cNvSpPr/>
-          <p:nvPr/>
-        </p:nvSpPr>
-        <p:spPr>
-          <a:xfrm>
-            <a:off x="8645237" y="0"/>
-            <a:ext cx="3546764" cy="1967345"/>
-          </a:xfrm>
-          <a:prstGeom prst="rect">
-            <a:avLst/>
-          </a:prstGeom>
-          <a:solidFill>
-            <a:schemeClr val="bg2">
-              <a:lumMod val="50000"/>
-            </a:schemeClr>
-          </a:solidFill>
-          <a:ln>
-            <a:solidFill>
-              <a:schemeClr val="tx1"/>
-            </a:solidFill>
-          </a:ln>
-        </p:spPr>
-        <p:style>
-          <a:lnRef idx="2">
-            <a:schemeClr val="accent1">
-              <a:shade val="50000"/>
-            </a:schemeClr>
-          </a:lnRef>
-          <a:fillRef idx="1">
-            <a:schemeClr val="accent1"/>
-          </a:fillRef>
-          <a:effectRef idx="0">
-            <a:schemeClr val="accent1"/>
-          </a:effectRef>
-          <a:fontRef idx="minor">
-            <a:schemeClr val="lt1"/>
-          </a:fontRef>
-        </p:style>
-        <p:txBody>
-          <a:bodyPr rtlCol="0" anchor="ctr"/>
-          <a:lstStyle/>
-          <a:p>
-            <a:pPr algn="ctr"/>
-            <a:endParaRPr kumimoji="1" lang="ja-JP" altLang="en-US" dirty="0"/>
-          </a:p>
-        </p:txBody>
-      </p:sp>
-      <p:sp>
-        <p:nvSpPr>
-          <p:cNvPr id="9" name="正方形/長方形 8">
-            <a:extLst>
-              <a:ext uri="{FF2B5EF4-FFF2-40B4-BE49-F238E27FC236}">
-                <a16:creationId xmlns:a16="http://schemas.microsoft.com/office/drawing/2014/main" id="{EC49EB9E-4BFF-47BB-9C8F-BC9FBBFD5F1D}"/>
-              </a:ext>
-            </a:extLst>
-          </p:cNvPr>
-          <p:cNvSpPr/>
-          <p:nvPr/>
-        </p:nvSpPr>
-        <p:spPr>
-          <a:xfrm>
-            <a:off x="436585" y="2463426"/>
-            <a:ext cx="5945554" cy="4154984"/>
-          </a:xfrm>
-          <a:prstGeom prst="rect">
-            <a:avLst/>
-          </a:prstGeom>
-        </p:spPr>
-        <p:txBody>
-          <a:bodyPr wrap="square">
-            <a:spAutoFit/>
-          </a:bodyPr>
-          <a:lstStyle/>
-          <a:p>
-            <a:r>
-              <a:rPr lang="en-US" altLang="ja-JP" sz="2400" dirty="0">
-                <a:solidFill>
-                  <a:srgbClr val="3D3D3D"/>
-                </a:solidFill>
-                <a:latin typeface="Roboto"/>
-              </a:rPr>
-              <a:t>TensorFlow </a:t>
-            </a:r>
-            <a:r>
-              <a:rPr lang="ja-JP" altLang="en-US" sz="2400" dirty="0">
-                <a:solidFill>
-                  <a:srgbClr val="3D3D3D"/>
-                </a:solidFill>
-                <a:latin typeface="Roboto"/>
-              </a:rPr>
-              <a:t>の最大の特徴として、ニューラルネットワークを構築できる点が挙げられます。ニューラルネットワークとは、人間の脳の神経回路の一部を模した数理モデルであり、人工知能（ </a:t>
-            </a:r>
-            <a:r>
-              <a:rPr lang="en-US" altLang="ja-JP" sz="2400" dirty="0">
-                <a:solidFill>
-                  <a:srgbClr val="3D3D3D"/>
-                </a:solidFill>
-                <a:latin typeface="Roboto"/>
-              </a:rPr>
-              <a:t>AI </a:t>
-            </a:r>
-            <a:r>
-              <a:rPr lang="ja-JP" altLang="en-US" sz="2400" dirty="0">
-                <a:solidFill>
-                  <a:srgbClr val="3D3D3D"/>
-                </a:solidFill>
-                <a:latin typeface="Roboto"/>
-              </a:rPr>
-              <a:t>）が学習や推論など、人間と同じような高度な判断を行うために必要なものです。</a:t>
-            </a:r>
-            <a:endParaRPr lang="en-US" altLang="ja-JP" sz="2400" dirty="0">
-              <a:solidFill>
-                <a:srgbClr val="3D3D3D"/>
-              </a:solidFill>
-              <a:latin typeface="Roboto"/>
-            </a:endParaRPr>
-          </a:p>
-          <a:p>
-            <a:endParaRPr lang="en-US" altLang="ja-JP" sz="2400" dirty="0">
-              <a:solidFill>
-                <a:srgbClr val="3D3D3D"/>
-              </a:solidFill>
-              <a:latin typeface="Roboto"/>
-            </a:endParaRPr>
-          </a:p>
-          <a:p>
-            <a:r>
-              <a:rPr lang="ja-JP" altLang="en-US" sz="2400" dirty="0"/>
-              <a:t>本プロジェクトでは</a:t>
-            </a:r>
-            <a:endParaRPr lang="en-US" altLang="ja-JP" sz="2400" dirty="0"/>
-          </a:p>
-          <a:p>
-            <a:r>
-              <a:rPr lang="ja-JP" altLang="en-US" sz="2400" dirty="0"/>
-              <a:t>音程と長さでそれぞれ中間層が</a:t>
-            </a:r>
-            <a:r>
-              <a:rPr lang="en-US" altLang="ja-JP" sz="2400" dirty="0"/>
-              <a:t>3</a:t>
-            </a:r>
-            <a:r>
-              <a:rPr lang="ja-JP" altLang="en-US" sz="2400" dirty="0"/>
-              <a:t>層ずつになっております</a:t>
-            </a:r>
-            <a:endParaRPr lang="en-US" altLang="ja-JP" sz="2400" dirty="0"/>
-          </a:p>
-        </p:txBody>
-      </p:sp>
-    </p:spTree>
-    <p:extLst>
-      <p:ext uri="{BB962C8B-B14F-4D97-AF65-F5344CB8AC3E}">
-        <p14:creationId xmlns:p14="http://schemas.microsoft.com/office/powerpoint/2010/main" val="2163784394"/>
-      </p:ext>
-    </p:extLst>
-  </p:cSld>
-  <p:clrMapOvr>
-    <a:masterClrMapping/>
-  </p:clrMapOvr>
-  <mc:AlternateContent xmlns:mc="http://schemas.openxmlformats.org/markup-compatibility/2006" xmlns:p14="http://schemas.microsoft.com/office/powerpoint/2010/main">
-    <mc:Choice Requires="p14">
-      <p:transition spd="slow" p14:dur="800">
-        <p:circle/>
-      </p:transition>
-    </mc:Choice>
-    <mc:Fallback xmlns="">
-      <p:transition spd="slow">
-        <p:circle/>
-      </p:transition>
-    </mc:Fallback>
-  </mc:AlternateContent>
-</p:sld>
-</file>
-
-<file path=ppt/slides/slide16.xml><?xml version="1.0" encoding="utf-8"?>
-<p:sld xmlns:a="http://schemas.openxmlformats.org/drawingml/2006/main" xmlns:r="http://schemas.openxmlformats.org/officeDocument/2006/relationships" xmlns:p="http://schemas.openxmlformats.org/presentationml/2006/main">
-  <p:cSld>
-    <p:spTree>
-      <p:nvGrpSpPr>
-        <p:cNvPr id="1" name=""/>
-        <p:cNvGrpSpPr/>
-        <p:nvPr/>
-      </p:nvGrpSpPr>
-      <p:grpSpPr>
-        <a:xfrm>
-          <a:off x="0" y="0"/>
-          <a:ext cx="0" cy="0"/>
-          <a:chOff x="0" y="0"/>
-          <a:chExt cx="0" cy="0"/>
-        </a:xfrm>
-      </p:grpSpPr>
-      <p:sp>
-        <p:nvSpPr>
-          <p:cNvPr id="2" name="タイトル 1">
-            <a:extLst>
-              <a:ext uri="{FF2B5EF4-FFF2-40B4-BE49-F238E27FC236}">
-                <a16:creationId xmlns:a16="http://schemas.microsoft.com/office/drawing/2014/main" id="{07239086-0EF7-4A7E-80FC-A3197BFF5F4A}"/>
-              </a:ext>
-            </a:extLst>
-          </p:cNvPr>
-          <p:cNvSpPr>
-            <a:spLocks noGrp="1"/>
-          </p:cNvSpPr>
-          <p:nvPr>
-            <p:ph type="title"/>
-          </p:nvPr>
-        </p:nvSpPr>
-        <p:spPr/>
-        <p:txBody>
-          <a:bodyPr/>
-          <a:lstStyle/>
-          <a:p>
-            <a:r>
-              <a:rPr lang="en-US" altLang="ja-JP" dirty="0"/>
-              <a:t>WEBGUI</a:t>
-            </a:r>
-            <a:r>
-              <a:rPr lang="ja-JP" altLang="en-US" dirty="0"/>
-              <a:t>の仕組み</a:t>
-            </a:r>
-            <a:endParaRPr kumimoji="1" lang="ja-JP" altLang="en-US" dirty="0"/>
-          </a:p>
-        </p:txBody>
-      </p:sp>
-      <p:sp>
-        <p:nvSpPr>
-          <p:cNvPr id="3" name="コンテンツ プレースホルダー 2">
-            <a:extLst>
-              <a:ext uri="{FF2B5EF4-FFF2-40B4-BE49-F238E27FC236}">
-                <a16:creationId xmlns:a16="http://schemas.microsoft.com/office/drawing/2014/main" id="{006610B6-6291-43C4-A94F-98F87E484DCC}"/>
-              </a:ext>
-            </a:extLst>
-          </p:cNvPr>
-          <p:cNvSpPr>
-            <a:spLocks noGrp="1"/>
-          </p:cNvSpPr>
-          <p:nvPr>
-            <p:ph sz="half" idx="1"/>
-          </p:nvPr>
-        </p:nvSpPr>
-        <p:spPr>
-          <a:xfrm>
-            <a:off x="643890" y="1990205"/>
-            <a:ext cx="5181600" cy="4351338"/>
-          </a:xfrm>
-        </p:spPr>
-        <p:txBody>
-          <a:bodyPr/>
-          <a:lstStyle/>
-          <a:p>
-            <a:pPr marL="0" indent="0">
-              <a:buNone/>
-            </a:pPr>
-            <a:r>
-              <a:rPr kumimoji="1" lang="ja-JP" altLang="en-US" dirty="0"/>
-              <a:t>鍵盤を引く動作は</a:t>
-            </a:r>
-            <a:r>
-              <a:rPr lang="ja-JP" altLang="en-US" dirty="0"/>
-              <a:t>イベント処理で音と鍵盤の押下した時の色を変えています。</a:t>
-            </a:r>
-            <a:endParaRPr lang="en-US" altLang="ja-JP" dirty="0"/>
-          </a:p>
-          <a:p>
-            <a:pPr marL="0" indent="0">
-              <a:buNone/>
-            </a:pPr>
-            <a:r>
-              <a:rPr kumimoji="1" lang="ja-JP" altLang="en-US" dirty="0"/>
-              <a:t>また</a:t>
-            </a:r>
-            <a:endParaRPr kumimoji="1" lang="en-US" altLang="ja-JP" dirty="0"/>
-          </a:p>
-          <a:p>
-            <a:pPr marL="0" indent="0">
-              <a:buNone/>
-            </a:pPr>
-            <a:r>
-              <a:rPr lang="ja-JP" altLang="en-US" dirty="0"/>
-              <a:t>楽譜表示は</a:t>
-            </a:r>
-            <a:r>
-              <a:rPr lang="en-US" altLang="ja-JP" dirty="0"/>
-              <a:t>abc.js</a:t>
-            </a:r>
-            <a:r>
-              <a:rPr lang="ja-JP" altLang="en-US" dirty="0"/>
-              <a:t>の機能を使用しています。</a:t>
-            </a:r>
-            <a:endParaRPr kumimoji="1" lang="en-US" altLang="ja-JP" dirty="0"/>
-          </a:p>
-        </p:txBody>
-      </p:sp>
-      <p:pic>
-        <p:nvPicPr>
-          <p:cNvPr id="9" name="コンテンツ プレースホルダー 8">
-            <a:extLst>
-              <a:ext uri="{FF2B5EF4-FFF2-40B4-BE49-F238E27FC236}">
-                <a16:creationId xmlns:a16="http://schemas.microsoft.com/office/drawing/2014/main" id="{D7FE7CF4-D112-403F-8B47-971424D24640}"/>
-              </a:ext>
-            </a:extLst>
-          </p:cNvPr>
-          <p:cNvPicPr>
-            <a:picLocks noGrp="1" noChangeAspect="1"/>
-          </p:cNvPicPr>
-          <p:nvPr>
-            <p:ph sz="half" idx="2"/>
-          </p:nvPr>
-        </p:nvPicPr>
-        <p:blipFill>
-          <a:blip r:embed="rId2">
-            <a:extLst>
-              <a:ext uri="{28A0092B-C50C-407E-A947-70E740481C1C}">
-                <a14:useLocalDpi xmlns:a14="http://schemas.microsoft.com/office/drawing/2010/main" val="0"/>
-              </a:ext>
-            </a:extLst>
-          </a:blip>
-          <a:stretch>
-            <a:fillRect/>
-          </a:stretch>
-        </p:blipFill>
-        <p:spPr>
-          <a:xfrm>
-            <a:off x="6336975" y="1990205"/>
-            <a:ext cx="4616523" cy="4663021"/>
-          </a:xfrm>
-        </p:spPr>
-      </p:pic>
-      <p:sp>
-        <p:nvSpPr>
-          <p:cNvPr id="10" name="正方形/長方形 9">
-            <a:extLst>
-              <a:ext uri="{FF2B5EF4-FFF2-40B4-BE49-F238E27FC236}">
-                <a16:creationId xmlns:a16="http://schemas.microsoft.com/office/drawing/2014/main" id="{CBCCDE59-0CB2-42DD-82C5-0F9D949D409F}"/>
-              </a:ext>
-            </a:extLst>
-          </p:cNvPr>
-          <p:cNvSpPr/>
-          <p:nvPr/>
-        </p:nvSpPr>
-        <p:spPr>
-          <a:xfrm>
-            <a:off x="8287352" y="0"/>
-            <a:ext cx="3904649" cy="1967345"/>
-          </a:xfrm>
-          <a:prstGeom prst="rect">
-            <a:avLst/>
-          </a:prstGeom>
-          <a:solidFill>
-            <a:schemeClr val="bg2">
-              <a:lumMod val="50000"/>
-            </a:schemeClr>
-          </a:solidFill>
-          <a:ln>
-            <a:solidFill>
-              <a:schemeClr val="tx1"/>
-            </a:solidFill>
-          </a:ln>
-        </p:spPr>
-        <p:style>
-          <a:lnRef idx="2">
-            <a:schemeClr val="accent1">
-              <a:shade val="50000"/>
-            </a:schemeClr>
-          </a:lnRef>
-          <a:fillRef idx="1">
-            <a:schemeClr val="accent1"/>
-          </a:fillRef>
-          <a:effectRef idx="0">
-            <a:schemeClr val="accent1"/>
-          </a:effectRef>
-          <a:fontRef idx="minor">
-            <a:schemeClr val="lt1"/>
-          </a:fontRef>
-        </p:style>
-        <p:txBody>
-          <a:bodyPr rtlCol="0" anchor="ctr"/>
-          <a:lstStyle/>
-          <a:p>
-            <a:pPr algn="ctr"/>
-            <a:endParaRPr kumimoji="1" lang="ja-JP" altLang="en-US"/>
-          </a:p>
-        </p:txBody>
-      </p:sp>
-    </p:spTree>
-    <p:extLst>
-      <p:ext uri="{BB962C8B-B14F-4D97-AF65-F5344CB8AC3E}">
-        <p14:creationId xmlns:p14="http://schemas.microsoft.com/office/powerpoint/2010/main" val="1842221593"/>
-      </p:ext>
-    </p:extLst>
-  </p:cSld>
-  <p:clrMapOvr>
-    <a:masterClrMapping/>
-  </p:clrMapOvr>
-  <mc:AlternateContent xmlns:mc="http://schemas.openxmlformats.org/markup-compatibility/2006" xmlns:p14="http://schemas.microsoft.com/office/powerpoint/2010/main">
-    <mc:Choice Requires="p14">
-      <p:transition spd="slow" p14:dur="800">
-        <p:circle/>
-      </p:transition>
-    </mc:Choice>
-    <mc:Fallback xmlns="">
-      <p:transition spd="slow">
-        <p:circle/>
-      </p:transition>
-    </mc:Fallback>
-  </mc:AlternateContent>
-</p:sld>
-</file>
-
-<file path=ppt/slides/slide17.xml><?xml version="1.0" encoding="utf-8"?>
-<p:sld xmlns:a="http://schemas.openxmlformats.org/drawingml/2006/main" xmlns:r="http://schemas.openxmlformats.org/officeDocument/2006/relationships" xmlns:p="http://schemas.openxmlformats.org/presentationml/2006/main">
-  <p:cSld>
-    <p:spTree>
-      <p:nvGrpSpPr>
-        <p:cNvPr id="1" name=""/>
-        <p:cNvGrpSpPr/>
-        <p:nvPr/>
-      </p:nvGrpSpPr>
-      <p:grpSpPr>
-        <a:xfrm>
-          <a:off x="0" y="0"/>
-          <a:ext cx="0" cy="0"/>
-          <a:chOff x="0" y="0"/>
-          <a:chExt cx="0" cy="0"/>
-        </a:xfrm>
-      </p:grpSpPr>
-      <p:sp>
-        <p:nvSpPr>
-          <p:cNvPr id="2" name="タイトル 1">
-            <a:extLst>
-              <a:ext uri="{FF2B5EF4-FFF2-40B4-BE49-F238E27FC236}">
-                <a16:creationId xmlns:a16="http://schemas.microsoft.com/office/drawing/2014/main" id="{E24197A6-6AD0-4259-A2CD-EB48FFC12C21}"/>
-              </a:ext>
-            </a:extLst>
-          </p:cNvPr>
-          <p:cNvSpPr>
-            <a:spLocks noGrp="1"/>
-          </p:cNvSpPr>
-          <p:nvPr>
-            <p:ph type="title"/>
-          </p:nvPr>
-        </p:nvSpPr>
-        <p:spPr>
-          <a:xfrm>
-            <a:off x="839788" y="365125"/>
-            <a:ext cx="7665583" cy="1325563"/>
-          </a:xfrm>
-        </p:spPr>
-        <p:txBody>
-          <a:bodyPr>
-            <a:normAutofit/>
-          </a:bodyPr>
-          <a:lstStyle/>
-          <a:p>
-            <a:r>
-              <a:rPr kumimoji="1" lang="en-US" altLang="ja-JP" sz="5400" b="1" dirty="0"/>
-              <a:t>J</a:t>
-            </a:r>
-            <a:r>
-              <a:rPr lang="en-US" altLang="ja-JP" sz="5400" b="1" dirty="0"/>
-              <a:t>avaScript</a:t>
-            </a:r>
-            <a:r>
-              <a:rPr lang="ja-JP" altLang="en-US" sz="5400" b="1" dirty="0"/>
-              <a:t>のライブラリ</a:t>
-            </a:r>
-            <a:endParaRPr kumimoji="1" lang="ja-JP" altLang="en-US" sz="5400" b="1" dirty="0"/>
-          </a:p>
-        </p:txBody>
-      </p:sp>
-      <p:sp>
-        <p:nvSpPr>
-          <p:cNvPr id="3" name="テキスト プレースホルダー 2">
-            <a:extLst>
-              <a:ext uri="{FF2B5EF4-FFF2-40B4-BE49-F238E27FC236}">
-                <a16:creationId xmlns:a16="http://schemas.microsoft.com/office/drawing/2014/main" id="{D104D7CC-F779-433D-AE3C-87186E0F5E42}"/>
-              </a:ext>
-            </a:extLst>
-          </p:cNvPr>
-          <p:cNvSpPr>
-            <a:spLocks noGrp="1"/>
-          </p:cNvSpPr>
-          <p:nvPr>
-            <p:ph type="body" idx="1"/>
-          </p:nvPr>
-        </p:nvSpPr>
-        <p:spPr>
-          <a:xfrm>
-            <a:off x="517835" y="1681163"/>
-            <a:ext cx="3850965" cy="823912"/>
-          </a:xfrm>
-        </p:spPr>
-        <p:txBody>
-          <a:bodyPr>
-            <a:normAutofit/>
-          </a:bodyPr>
-          <a:lstStyle/>
-          <a:p>
-            <a:r>
-              <a:rPr lang="en-US" altLang="ja-JP" sz="4000" dirty="0">
-                <a:solidFill>
-                  <a:srgbClr val="FF0000"/>
-                </a:solidFill>
-              </a:rPr>
-              <a:t>a</a:t>
-            </a:r>
-            <a:r>
-              <a:rPr kumimoji="1" lang="en-US" altLang="ja-JP" sz="4000" dirty="0">
-                <a:solidFill>
-                  <a:srgbClr val="FF0000"/>
-                </a:solidFill>
-              </a:rPr>
-              <a:t>bc.js</a:t>
-            </a:r>
-            <a:endParaRPr kumimoji="1" lang="ja-JP" altLang="en-US" sz="4000" dirty="0">
-              <a:solidFill>
-                <a:srgbClr val="FF0000"/>
-              </a:solidFill>
-            </a:endParaRPr>
-          </a:p>
-        </p:txBody>
-      </p:sp>
-      <p:sp>
-        <p:nvSpPr>
-          <p:cNvPr id="4" name="コンテンツ プレースホルダー 3">
-            <a:extLst>
-              <a:ext uri="{FF2B5EF4-FFF2-40B4-BE49-F238E27FC236}">
-                <a16:creationId xmlns:a16="http://schemas.microsoft.com/office/drawing/2014/main" id="{0C8F4E48-21EF-4E13-80A5-4B121603A094}"/>
-              </a:ext>
-            </a:extLst>
-          </p:cNvPr>
-          <p:cNvSpPr>
-            <a:spLocks noGrp="1"/>
-          </p:cNvSpPr>
-          <p:nvPr>
-            <p:ph sz="half" idx="2"/>
-          </p:nvPr>
-        </p:nvSpPr>
-        <p:spPr>
-          <a:xfrm>
-            <a:off x="447902" y="2505075"/>
-            <a:ext cx="5157787" cy="1776639"/>
-          </a:xfrm>
-        </p:spPr>
-        <p:txBody>
-          <a:bodyPr/>
-          <a:lstStyle/>
-          <a:p>
-            <a:r>
-              <a:rPr lang="en-US" altLang="ja-JP" dirty="0"/>
-              <a:t>abc.js</a:t>
-            </a:r>
-            <a:r>
-              <a:rPr lang="ja-JP" altLang="en-US" dirty="0"/>
-              <a:t>とは、ブラウザ上で</a:t>
-            </a:r>
-            <a:endParaRPr lang="en-US" altLang="ja-JP" dirty="0"/>
-          </a:p>
-          <a:p>
-            <a:pPr marL="0" indent="0">
-              <a:buNone/>
-            </a:pPr>
-            <a:r>
-              <a:rPr lang="ja-JP" altLang="en-US" dirty="0"/>
-              <a:t>楽譜を表示するためのソフトウェアである。</a:t>
-            </a:r>
-            <a:r>
-              <a:rPr lang="en-US" altLang="ja-JP" dirty="0"/>
-              <a:t>JavaScript </a:t>
-            </a:r>
-            <a:r>
-              <a:rPr lang="ja-JP" altLang="en-US" dirty="0"/>
-              <a:t>と </a:t>
-            </a:r>
-            <a:r>
-              <a:rPr lang="en-US" altLang="ja-JP" dirty="0"/>
-              <a:t>SVG </a:t>
-            </a:r>
-            <a:r>
-              <a:rPr lang="ja-JP" altLang="en-US" dirty="0"/>
-              <a:t>の技術を用いている。</a:t>
-            </a:r>
-            <a:endParaRPr kumimoji="1" lang="ja-JP" altLang="en-US" dirty="0"/>
-          </a:p>
-        </p:txBody>
-      </p:sp>
-      <p:sp>
-        <p:nvSpPr>
-          <p:cNvPr id="5" name="テキスト プレースホルダー 4">
-            <a:extLst>
-              <a:ext uri="{FF2B5EF4-FFF2-40B4-BE49-F238E27FC236}">
-                <a16:creationId xmlns:a16="http://schemas.microsoft.com/office/drawing/2014/main" id="{DE5078AA-A5F5-43D0-AEE2-E053876479B8}"/>
-              </a:ext>
-            </a:extLst>
-          </p:cNvPr>
-          <p:cNvSpPr>
-            <a:spLocks noGrp="1"/>
-          </p:cNvSpPr>
-          <p:nvPr>
-            <p:ph type="body" sz="quarter" idx="3"/>
-          </p:nvPr>
-        </p:nvSpPr>
-        <p:spPr>
-          <a:xfrm>
-            <a:off x="5416210" y="1681163"/>
-            <a:ext cx="5183188" cy="823912"/>
-          </a:xfrm>
-        </p:spPr>
-        <p:txBody>
-          <a:bodyPr>
-            <a:normAutofit/>
-          </a:bodyPr>
-          <a:lstStyle/>
-          <a:p>
-            <a:r>
-              <a:rPr lang="en-US" altLang="ja-JP" sz="4000" dirty="0">
-                <a:solidFill>
-                  <a:srgbClr val="FF0000"/>
-                </a:solidFill>
-              </a:rPr>
-              <a:t>Bootstrap</a:t>
-            </a:r>
-            <a:endParaRPr kumimoji="1" lang="ja-JP" altLang="en-US" sz="4000" dirty="0">
-              <a:solidFill>
-                <a:srgbClr val="FF0000"/>
-              </a:solidFill>
-            </a:endParaRPr>
-          </a:p>
-        </p:txBody>
-      </p:sp>
-      <p:sp>
-        <p:nvSpPr>
-          <p:cNvPr id="6" name="コンテンツ プレースホルダー 5">
-            <a:extLst>
-              <a:ext uri="{FF2B5EF4-FFF2-40B4-BE49-F238E27FC236}">
-                <a16:creationId xmlns:a16="http://schemas.microsoft.com/office/drawing/2014/main" id="{CE424D67-54E6-4C54-A76D-CB7F8926EA53}"/>
-              </a:ext>
-            </a:extLst>
-          </p:cNvPr>
-          <p:cNvSpPr>
-            <a:spLocks noGrp="1"/>
-          </p:cNvSpPr>
-          <p:nvPr>
-            <p:ph sz="quarter" idx="4"/>
-          </p:nvPr>
-        </p:nvSpPr>
-        <p:spPr>
-          <a:xfrm>
-            <a:off x="5495471" y="2505075"/>
-            <a:ext cx="6019800" cy="3684588"/>
-          </a:xfrm>
-        </p:spPr>
-        <p:txBody>
-          <a:bodyPr/>
-          <a:lstStyle/>
-          <a:p>
-            <a:pPr marL="0" indent="0" fontAlgn="base">
-              <a:buNone/>
-            </a:pPr>
-            <a:r>
-              <a:rPr lang="ja-JP" altLang="en-US" b="1" dirty="0"/>
-              <a:t>デザイン性の確保</a:t>
-            </a:r>
-            <a:endParaRPr lang="en-US" altLang="ja-JP" b="1" dirty="0"/>
-          </a:p>
-          <a:p>
-            <a:pPr marL="0" indent="0" fontAlgn="base">
-              <a:buNone/>
-            </a:pPr>
-            <a:r>
-              <a:rPr lang="ja-JP" altLang="en-US" dirty="0"/>
-              <a:t>「見やすさ」や「使いやすさ」に関わる見栄えも重要な要素とされています。</a:t>
-            </a:r>
-            <a:r>
-              <a:rPr lang="en-US" altLang="ja-JP" dirty="0"/>
-              <a:t>Bootstrap</a:t>
-            </a:r>
-            <a:r>
-              <a:rPr lang="ja-JP" altLang="en-US" dirty="0"/>
-              <a:t>では、あらかじめ用意されている</a:t>
-            </a:r>
-            <a:r>
-              <a:rPr lang="en-US" altLang="ja-JP" dirty="0"/>
-              <a:t>CSS</a:t>
-            </a:r>
-            <a:r>
-              <a:rPr lang="ja-JP" altLang="en-US" dirty="0"/>
-              <a:t>を適用することで、デザインが全くわからない人でも、ある程度の見栄えを確保することが可能です。</a:t>
-            </a:r>
-          </a:p>
-        </p:txBody>
-      </p:sp>
-      <p:sp>
-        <p:nvSpPr>
-          <p:cNvPr id="7" name="正方形/長方形 6">
-            <a:extLst>
-              <a:ext uri="{FF2B5EF4-FFF2-40B4-BE49-F238E27FC236}">
-                <a16:creationId xmlns:a16="http://schemas.microsoft.com/office/drawing/2014/main" id="{B673B75C-03C8-43E5-ABEB-7DA838FC4C6F}"/>
-              </a:ext>
-            </a:extLst>
-          </p:cNvPr>
-          <p:cNvSpPr/>
-          <p:nvPr/>
-        </p:nvSpPr>
-        <p:spPr>
-          <a:xfrm>
-            <a:off x="8645237" y="0"/>
-            <a:ext cx="3546764" cy="1967345"/>
-          </a:xfrm>
-          <a:prstGeom prst="rect">
-            <a:avLst/>
-          </a:prstGeom>
-          <a:solidFill>
-            <a:schemeClr val="bg2">
-              <a:lumMod val="50000"/>
-            </a:schemeClr>
-          </a:solidFill>
-          <a:ln>
-            <a:solidFill>
-              <a:schemeClr val="tx1"/>
-            </a:solidFill>
-          </a:ln>
-        </p:spPr>
-        <p:style>
-          <a:lnRef idx="2">
-            <a:schemeClr val="accent1">
-              <a:shade val="50000"/>
-            </a:schemeClr>
-          </a:lnRef>
-          <a:fillRef idx="1">
-            <a:schemeClr val="accent1"/>
-          </a:fillRef>
-          <a:effectRef idx="0">
-            <a:schemeClr val="accent1"/>
-          </a:effectRef>
-          <a:fontRef idx="minor">
-            <a:schemeClr val="lt1"/>
-          </a:fontRef>
-        </p:style>
-        <p:txBody>
-          <a:bodyPr rtlCol="0" anchor="ctr"/>
-          <a:lstStyle/>
-          <a:p>
-            <a:pPr algn="ctr"/>
-            <a:endParaRPr kumimoji="1" lang="ja-JP" altLang="en-US" dirty="0"/>
-          </a:p>
-        </p:txBody>
-      </p:sp>
-    </p:spTree>
-    <p:extLst>
-      <p:ext uri="{BB962C8B-B14F-4D97-AF65-F5344CB8AC3E}">
-        <p14:creationId xmlns:p14="http://schemas.microsoft.com/office/powerpoint/2010/main" val="4157861654"/>
-      </p:ext>
-    </p:extLst>
-  </p:cSld>
-  <p:clrMapOvr>
-    <a:masterClrMapping/>
-  </p:clrMapOvr>
-  <mc:AlternateContent xmlns:mc="http://schemas.openxmlformats.org/markup-compatibility/2006" xmlns:p14="http://schemas.microsoft.com/office/powerpoint/2010/main">
-    <mc:Choice Requires="p14">
-      <p:transition spd="slow" p14:dur="800">
-        <p:circle/>
-      </p:transition>
-    </mc:Choice>
-    <mc:Fallback xmlns="">
-      <p:transition spd="slow">
-        <p:circle/>
-      </p:transition>
-    </mc:Fallback>
-  </mc:AlternateContent>
-</p:sld>
-</file>
-
-<file path=ppt/slides/slide18.xml><?xml version="1.0" encoding="utf-8"?>
-<p:sld xmlns:a="http://schemas.openxmlformats.org/drawingml/2006/main" xmlns:r="http://schemas.openxmlformats.org/officeDocument/2006/relationships" xmlns:p="http://schemas.openxmlformats.org/presentationml/2006/main">
-  <p:cSld>
-    <p:spTree>
-      <p:nvGrpSpPr>
-        <p:cNvPr id="1" name=""/>
-        <p:cNvGrpSpPr/>
-        <p:nvPr/>
-      </p:nvGrpSpPr>
-      <p:grpSpPr>
-        <a:xfrm>
-          <a:off x="0" y="0"/>
-          <a:ext cx="0" cy="0"/>
-          <a:chOff x="0" y="0"/>
-          <a:chExt cx="0" cy="0"/>
-        </a:xfrm>
-      </p:grpSpPr>
-      <p:sp>
-        <p:nvSpPr>
-          <p:cNvPr id="2" name="タイトル 1">
-            <a:extLst>
-              <a:ext uri="{FF2B5EF4-FFF2-40B4-BE49-F238E27FC236}">
-                <a16:creationId xmlns:a16="http://schemas.microsoft.com/office/drawing/2014/main" id="{3A808DAC-6E3F-4297-8A6E-2FAEBAF0E414}"/>
-              </a:ext>
-            </a:extLst>
-          </p:cNvPr>
-          <p:cNvSpPr>
-            <a:spLocks noGrp="1"/>
-          </p:cNvSpPr>
-          <p:nvPr>
-            <p:ph type="title"/>
-          </p:nvPr>
-        </p:nvSpPr>
-        <p:spPr>
-          <a:xfrm>
-            <a:off x="839788" y="389151"/>
-            <a:ext cx="5952898" cy="1273393"/>
-          </a:xfrm>
-        </p:spPr>
-        <p:txBody>
-          <a:bodyPr>
-            <a:normAutofit/>
-          </a:bodyPr>
-          <a:lstStyle/>
-          <a:p>
-            <a:r>
-              <a:rPr kumimoji="1" lang="en-US" altLang="ja-JP" sz="4800" b="1" dirty="0"/>
-              <a:t>Web</a:t>
-            </a:r>
-            <a:r>
-              <a:rPr kumimoji="1" lang="ja-JP" altLang="en-US" sz="4800" b="1" dirty="0"/>
-              <a:t>ページ</a:t>
-            </a:r>
-          </a:p>
-        </p:txBody>
-      </p:sp>
-      <p:sp>
-        <p:nvSpPr>
-          <p:cNvPr id="7" name="正方形/長方形 6">
-            <a:extLst>
-              <a:ext uri="{FF2B5EF4-FFF2-40B4-BE49-F238E27FC236}">
-                <a16:creationId xmlns:a16="http://schemas.microsoft.com/office/drawing/2014/main" id="{41AB9D3B-5670-400A-BCCB-5F614A7A2168}"/>
-              </a:ext>
-            </a:extLst>
-          </p:cNvPr>
-          <p:cNvSpPr/>
-          <p:nvPr/>
-        </p:nvSpPr>
-        <p:spPr>
-          <a:xfrm>
-            <a:off x="8897257" y="1"/>
-            <a:ext cx="3294744" cy="1662544"/>
-          </a:xfrm>
-          <a:prstGeom prst="rect">
-            <a:avLst/>
-          </a:prstGeom>
-          <a:solidFill>
-            <a:schemeClr val="bg2">
-              <a:lumMod val="50000"/>
-            </a:schemeClr>
-          </a:solidFill>
-          <a:ln>
-            <a:solidFill>
-              <a:schemeClr val="tx1"/>
-            </a:solidFill>
-          </a:ln>
-        </p:spPr>
-        <p:style>
-          <a:lnRef idx="2">
-            <a:schemeClr val="accent1">
-              <a:shade val="50000"/>
-            </a:schemeClr>
-          </a:lnRef>
-          <a:fillRef idx="1">
-            <a:schemeClr val="accent1"/>
-          </a:fillRef>
-          <a:effectRef idx="0">
-            <a:schemeClr val="accent1"/>
-          </a:effectRef>
-          <a:fontRef idx="minor">
-            <a:schemeClr val="lt1"/>
-          </a:fontRef>
-        </p:style>
-        <p:txBody>
-          <a:bodyPr rtlCol="0" anchor="ctr"/>
-          <a:lstStyle/>
-          <a:p>
-            <a:pPr algn="ctr"/>
-            <a:endParaRPr kumimoji="1" lang="ja-JP" altLang="en-US"/>
-          </a:p>
-        </p:txBody>
-      </p:sp>
-      <p:sp>
-        <p:nvSpPr>
-          <p:cNvPr id="5" name="四角形: 角を丸くする 4">
-            <a:extLst>
-              <a:ext uri="{FF2B5EF4-FFF2-40B4-BE49-F238E27FC236}">
-                <a16:creationId xmlns:a16="http://schemas.microsoft.com/office/drawing/2014/main" id="{5F84E326-EAB7-4256-9BC7-1D6105C86E12}"/>
-              </a:ext>
-            </a:extLst>
-          </p:cNvPr>
-          <p:cNvSpPr/>
-          <p:nvPr/>
-        </p:nvSpPr>
-        <p:spPr>
-          <a:xfrm>
-            <a:off x="361837" y="1944301"/>
-            <a:ext cx="3164114" cy="4674213"/>
-          </a:xfrm>
-          <a:prstGeom prst="roundRect">
-            <a:avLst/>
-          </a:prstGeom>
-          <a:noFill/>
-        </p:spPr>
-        <p:style>
-          <a:lnRef idx="2">
-            <a:schemeClr val="accent1">
-              <a:shade val="50000"/>
-            </a:schemeClr>
-          </a:lnRef>
-          <a:fillRef idx="1">
-            <a:schemeClr val="accent1"/>
-          </a:fillRef>
-          <a:effectRef idx="0">
-            <a:schemeClr val="accent1"/>
-          </a:effectRef>
-          <a:fontRef idx="minor">
-            <a:schemeClr val="lt1"/>
-          </a:fontRef>
-        </p:style>
-        <p:txBody>
-          <a:bodyPr rtlCol="0" anchor="ctr"/>
-          <a:lstStyle/>
-          <a:p>
-            <a:pPr algn="ctr"/>
-            <a:endParaRPr kumimoji="1" lang="ja-JP" altLang="en-US" sz="4000" dirty="0">
-              <a:solidFill>
-                <a:schemeClr val="bg2">
-                  <a:lumMod val="25000"/>
-                </a:schemeClr>
-              </a:solidFill>
-            </a:endParaRPr>
-          </a:p>
-        </p:txBody>
-      </p:sp>
-      <p:pic>
-        <p:nvPicPr>
-          <p:cNvPr id="11" name="図 10">
-            <a:extLst>
-              <a:ext uri="{FF2B5EF4-FFF2-40B4-BE49-F238E27FC236}">
-                <a16:creationId xmlns:a16="http://schemas.microsoft.com/office/drawing/2014/main" id="{5F4F0A14-223F-4AF7-B3CF-E927115A623B}"/>
-              </a:ext>
-            </a:extLst>
-          </p:cNvPr>
-          <p:cNvPicPr>
-            <a:picLocks noChangeAspect="1"/>
-          </p:cNvPicPr>
-          <p:nvPr/>
-        </p:nvPicPr>
-        <p:blipFill>
-          <a:blip r:embed="rId3">
-            <a:extLst>
-              <a:ext uri="{28A0092B-C50C-407E-A947-70E740481C1C}">
-                <a14:useLocalDpi xmlns:a14="http://schemas.microsoft.com/office/drawing/2010/main" val="0"/>
-              </a:ext>
-            </a:extLst>
-          </a:blip>
-          <a:stretch>
-            <a:fillRect/>
-          </a:stretch>
-        </p:blipFill>
-        <p:spPr>
-          <a:xfrm>
-            <a:off x="792725" y="3413529"/>
-            <a:ext cx="2291052" cy="2291052"/>
-          </a:xfrm>
-          <a:prstGeom prst="rect">
-            <a:avLst/>
-          </a:prstGeom>
-        </p:spPr>
-      </p:pic>
-      <p:sp>
-        <p:nvSpPr>
-          <p:cNvPr id="8" name="テキスト ボックス 7">
-            <a:extLst>
-              <a:ext uri="{FF2B5EF4-FFF2-40B4-BE49-F238E27FC236}">
-                <a16:creationId xmlns:a16="http://schemas.microsoft.com/office/drawing/2014/main" id="{E8962B73-C287-438B-BABC-D3538BEA0023}"/>
-              </a:ext>
-            </a:extLst>
-          </p:cNvPr>
-          <p:cNvSpPr txBox="1"/>
-          <p:nvPr/>
-        </p:nvSpPr>
-        <p:spPr>
-          <a:xfrm>
-            <a:off x="792725" y="2423886"/>
-            <a:ext cx="2624879" cy="707886"/>
-          </a:xfrm>
-          <a:prstGeom prst="rect">
-            <a:avLst/>
-          </a:prstGeom>
-          <a:noFill/>
-        </p:spPr>
-        <p:txBody>
-          <a:bodyPr wrap="square" rtlCol="0">
-            <a:spAutoFit/>
-          </a:bodyPr>
-          <a:lstStyle/>
-          <a:p>
-            <a:r>
-              <a:rPr kumimoji="1" lang="ja-JP" altLang="en-US" sz="4000" dirty="0">
-                <a:solidFill>
-                  <a:schemeClr val="bg2">
-                    <a:lumMod val="25000"/>
-                  </a:schemeClr>
-                </a:solidFill>
-              </a:rPr>
-              <a:t>タイトル</a:t>
-            </a:r>
-          </a:p>
-        </p:txBody>
-      </p:sp>
-      <p:sp>
-        <p:nvSpPr>
-          <p:cNvPr id="13" name="四角形: 角を丸くする 12">
-            <a:extLst>
-              <a:ext uri="{FF2B5EF4-FFF2-40B4-BE49-F238E27FC236}">
-                <a16:creationId xmlns:a16="http://schemas.microsoft.com/office/drawing/2014/main" id="{DFF7743D-24BB-4CA7-BBFE-62AF9C4D89EC}"/>
-              </a:ext>
-            </a:extLst>
-          </p:cNvPr>
-          <p:cNvSpPr/>
-          <p:nvPr/>
-        </p:nvSpPr>
-        <p:spPr>
-          <a:xfrm>
-            <a:off x="4179604" y="1944301"/>
-            <a:ext cx="3164114" cy="4674213"/>
-          </a:xfrm>
-          <a:prstGeom prst="roundRect">
-            <a:avLst/>
-          </a:prstGeom>
-          <a:noFill/>
-        </p:spPr>
-        <p:style>
-          <a:lnRef idx="2">
-            <a:schemeClr val="accent1">
-              <a:shade val="50000"/>
-            </a:schemeClr>
-          </a:lnRef>
-          <a:fillRef idx="1">
-            <a:schemeClr val="accent1"/>
-          </a:fillRef>
-          <a:effectRef idx="0">
-            <a:schemeClr val="accent1"/>
-          </a:effectRef>
-          <a:fontRef idx="minor">
-            <a:schemeClr val="lt1"/>
-          </a:fontRef>
-        </p:style>
-        <p:txBody>
-          <a:bodyPr rtlCol="0" anchor="ctr"/>
-          <a:lstStyle/>
-          <a:p>
-            <a:pPr algn="ctr"/>
-            <a:endParaRPr kumimoji="1" lang="ja-JP" altLang="en-US" sz="4000" dirty="0">
-              <a:solidFill>
-                <a:schemeClr val="bg2">
-                  <a:lumMod val="25000"/>
-                </a:schemeClr>
-              </a:solidFill>
-            </a:endParaRPr>
-          </a:p>
-        </p:txBody>
-      </p:sp>
-      <p:sp>
-        <p:nvSpPr>
-          <p:cNvPr id="14" name="テキスト ボックス 13">
-            <a:extLst>
-              <a:ext uri="{FF2B5EF4-FFF2-40B4-BE49-F238E27FC236}">
-                <a16:creationId xmlns:a16="http://schemas.microsoft.com/office/drawing/2014/main" id="{316E47C1-F1B1-4445-AE75-26FD35620C00}"/>
-              </a:ext>
-            </a:extLst>
-          </p:cNvPr>
-          <p:cNvSpPr txBox="1"/>
-          <p:nvPr/>
-        </p:nvSpPr>
-        <p:spPr>
-          <a:xfrm>
-            <a:off x="4450835" y="2394858"/>
-            <a:ext cx="2624879" cy="954107"/>
-          </a:xfrm>
-          <a:prstGeom prst="rect">
-            <a:avLst/>
-          </a:prstGeom>
-          <a:noFill/>
-        </p:spPr>
-        <p:txBody>
-          <a:bodyPr wrap="square" rtlCol="0">
-            <a:spAutoFit/>
-          </a:bodyPr>
-          <a:lstStyle/>
-          <a:p>
-            <a:pPr algn="ctr"/>
-            <a:r>
-              <a:rPr kumimoji="1" lang="ja-JP" altLang="en-US" sz="2800" b="1" dirty="0">
-                <a:solidFill>
-                  <a:schemeClr val="bg2">
-                    <a:lumMod val="25000"/>
-                  </a:schemeClr>
-                </a:solidFill>
-              </a:rPr>
-              <a:t>ミュージックエディタ</a:t>
-            </a:r>
-          </a:p>
-        </p:txBody>
-      </p:sp>
-      <p:sp>
-        <p:nvSpPr>
-          <p:cNvPr id="15" name="四角形: 角を丸くする 14">
-            <a:extLst>
-              <a:ext uri="{FF2B5EF4-FFF2-40B4-BE49-F238E27FC236}">
-                <a16:creationId xmlns:a16="http://schemas.microsoft.com/office/drawing/2014/main" id="{F2258237-ECA8-4130-A50F-D4B3B8456A3A}"/>
-              </a:ext>
-            </a:extLst>
-          </p:cNvPr>
-          <p:cNvSpPr/>
-          <p:nvPr/>
-        </p:nvSpPr>
-        <p:spPr>
-          <a:xfrm>
-            <a:off x="7997371" y="1944301"/>
-            <a:ext cx="3164114" cy="4674213"/>
-          </a:xfrm>
-          <a:prstGeom prst="roundRect">
-            <a:avLst/>
-          </a:prstGeom>
-          <a:noFill/>
-        </p:spPr>
-        <p:style>
-          <a:lnRef idx="2">
-            <a:schemeClr val="accent1">
-              <a:shade val="50000"/>
-            </a:schemeClr>
-          </a:lnRef>
-          <a:fillRef idx="1">
-            <a:schemeClr val="accent1"/>
-          </a:fillRef>
-          <a:effectRef idx="0">
-            <a:schemeClr val="accent1"/>
-          </a:effectRef>
-          <a:fontRef idx="minor">
-            <a:schemeClr val="lt1"/>
-          </a:fontRef>
-        </p:style>
-        <p:txBody>
-          <a:bodyPr rtlCol="0" anchor="ctr"/>
-          <a:lstStyle/>
-          <a:p>
-            <a:pPr algn="ctr"/>
-            <a:endParaRPr kumimoji="1" lang="ja-JP" altLang="en-US" sz="4000" dirty="0">
-              <a:solidFill>
-                <a:schemeClr val="bg2">
-                  <a:lumMod val="25000"/>
-                </a:schemeClr>
-              </a:solidFill>
-            </a:endParaRPr>
-          </a:p>
-        </p:txBody>
-      </p:sp>
-      <p:sp>
-        <p:nvSpPr>
-          <p:cNvPr id="16" name="テキスト ボックス 15">
-            <a:extLst>
-              <a:ext uri="{FF2B5EF4-FFF2-40B4-BE49-F238E27FC236}">
-                <a16:creationId xmlns:a16="http://schemas.microsoft.com/office/drawing/2014/main" id="{43BEF55F-E84A-4033-87BA-90BB78DD41EE}"/>
-              </a:ext>
-            </a:extLst>
-          </p:cNvPr>
-          <p:cNvSpPr txBox="1"/>
-          <p:nvPr/>
-        </p:nvSpPr>
-        <p:spPr>
-          <a:xfrm>
-            <a:off x="8428259" y="2423886"/>
-            <a:ext cx="2624879" cy="707886"/>
-          </a:xfrm>
-          <a:prstGeom prst="rect">
-            <a:avLst/>
-          </a:prstGeom>
-          <a:noFill/>
-        </p:spPr>
-        <p:txBody>
-          <a:bodyPr wrap="square" rtlCol="0">
-            <a:spAutoFit/>
-          </a:bodyPr>
-          <a:lstStyle/>
-          <a:p>
-            <a:r>
-              <a:rPr kumimoji="1" lang="ja-JP" altLang="en-US" sz="4000" dirty="0">
-                <a:solidFill>
-                  <a:schemeClr val="bg2">
-                    <a:lumMod val="25000"/>
-                  </a:schemeClr>
-                </a:solidFill>
-              </a:rPr>
-              <a:t>タイトル</a:t>
-            </a:r>
-          </a:p>
-        </p:txBody>
-      </p:sp>
-      <p:grpSp>
-        <p:nvGrpSpPr>
-          <p:cNvPr id="19" name="グループ化 18">
-            <a:extLst>
-              <a:ext uri="{FF2B5EF4-FFF2-40B4-BE49-F238E27FC236}">
-                <a16:creationId xmlns:a16="http://schemas.microsoft.com/office/drawing/2014/main" id="{3E1031C2-73D5-4C3B-8D42-A6436BB69902}"/>
-              </a:ext>
-            </a:extLst>
-          </p:cNvPr>
-          <p:cNvGrpSpPr/>
-          <p:nvPr/>
-        </p:nvGrpSpPr>
-        <p:grpSpPr>
-          <a:xfrm>
-            <a:off x="4299091" y="3982429"/>
-            <a:ext cx="2925140" cy="1359296"/>
-            <a:chOff x="406400" y="3275363"/>
-            <a:chExt cx="4934858" cy="2257231"/>
-          </a:xfrm>
-        </p:grpSpPr>
-        <p:pic>
-          <p:nvPicPr>
-            <p:cNvPr id="17" name="コンテンツ プレースホルダー 21">
-              <a:extLst>
-                <a:ext uri="{FF2B5EF4-FFF2-40B4-BE49-F238E27FC236}">
-                  <a16:creationId xmlns:a16="http://schemas.microsoft.com/office/drawing/2014/main" id="{608CEB36-4A67-4722-8C86-37F6EAA8838A}"/>
-                </a:ext>
-              </a:extLst>
-            </p:cNvPr>
-            <p:cNvPicPr>
-              <a:picLocks noChangeAspect="1"/>
-            </p:cNvPicPr>
-            <p:nvPr/>
-          </p:nvPicPr>
-          <p:blipFill>
-            <a:blip r:embed="rId4">
-              <a:extLst>
-                <a:ext uri="{28A0092B-C50C-407E-A947-70E740481C1C}">
-                  <a14:useLocalDpi xmlns:a14="http://schemas.microsoft.com/office/drawing/2010/main" val="0"/>
-                </a:ext>
-              </a:extLst>
-            </a:blip>
-            <a:stretch>
-              <a:fillRect/>
-            </a:stretch>
-          </p:blipFill>
-          <p:spPr>
-            <a:xfrm>
-              <a:off x="406400" y="4473774"/>
-              <a:ext cx="4934858" cy="1058820"/>
-            </a:xfrm>
-            <a:prstGeom prst="rect">
-              <a:avLst/>
-            </a:prstGeom>
-          </p:spPr>
-        </p:pic>
-        <p:pic>
-          <p:nvPicPr>
-            <p:cNvPr id="18" name="図 17">
-              <a:extLst>
-                <a:ext uri="{FF2B5EF4-FFF2-40B4-BE49-F238E27FC236}">
-                  <a16:creationId xmlns:a16="http://schemas.microsoft.com/office/drawing/2014/main" id="{739E4AE9-DF3D-4AFE-BD8F-80F6E29E11E5}"/>
-                </a:ext>
-              </a:extLst>
-            </p:cNvPr>
-            <p:cNvPicPr>
-              <a:picLocks noChangeAspect="1"/>
-            </p:cNvPicPr>
-            <p:nvPr/>
-          </p:nvPicPr>
-          <p:blipFill>
-            <a:blip r:embed="rId5">
-              <a:extLst>
-                <a:ext uri="{28A0092B-C50C-407E-A947-70E740481C1C}">
-                  <a14:useLocalDpi xmlns:a14="http://schemas.microsoft.com/office/drawing/2010/main" val="0"/>
-                </a:ext>
-              </a:extLst>
-            </a:blip>
-            <a:stretch>
-              <a:fillRect/>
-            </a:stretch>
-          </p:blipFill>
-          <p:spPr>
-            <a:xfrm>
-              <a:off x="754742" y="3275363"/>
-              <a:ext cx="3984931" cy="961345"/>
-            </a:xfrm>
-            <a:prstGeom prst="rect">
-              <a:avLst/>
-            </a:prstGeom>
-          </p:spPr>
-        </p:pic>
-      </p:grpSp>
-    </p:spTree>
-    <p:extLst>
-      <p:ext uri="{BB962C8B-B14F-4D97-AF65-F5344CB8AC3E}">
-        <p14:creationId xmlns:p14="http://schemas.microsoft.com/office/powerpoint/2010/main" val="2566175641"/>
-      </p:ext>
-    </p:extLst>
-  </p:cSld>
-  <p:clrMapOvr>
-    <a:masterClrMapping/>
-  </p:clrMapOvr>
-  <mc:AlternateContent xmlns:mc="http://schemas.openxmlformats.org/markup-compatibility/2006" xmlns:p14="http://schemas.microsoft.com/office/powerpoint/2010/main">
-    <mc:Choice Requires="p14">
-      <p:transition spd="slow" p14:dur="800">
-        <p:circle/>
-      </p:transition>
-    </mc:Choice>
-    <mc:Fallback xmlns="">
-      <p:transition spd="slow">
-        <p:circle/>
-      </p:transition>
-    </mc:Fallback>
-  </mc:AlternateContent>
-</p:sld>
-</file>
-
 <file path=ppt/slides/slide2.xml><?xml version="1.0" encoding="utf-8"?>
 <p:sld xmlns:a="http://schemas.openxmlformats.org/drawingml/2006/main" xmlns:r="http://schemas.openxmlformats.org/officeDocument/2006/relationships" xmlns:p="http://schemas.openxmlformats.org/presentationml/2006/main">
   <p:cSld>
@@ -13188,62 +10849,6 @@
               <a:t>まとめ</a:t>
             </a:r>
             <a:endParaRPr lang="en-US" altLang="ja-JP" sz="2800" dirty="0"/>
-          </a:p>
-        </p:txBody>
-      </p:sp>
-      <p:sp>
-        <p:nvSpPr>
-          <p:cNvPr id="5" name="正方形/長方形 4">
-            <a:extLst>
-              <a:ext uri="{FF2B5EF4-FFF2-40B4-BE49-F238E27FC236}">
-                <a16:creationId xmlns:a16="http://schemas.microsoft.com/office/drawing/2014/main" id="{904E364D-643C-4DBB-924C-7B31E7D31ECA}"/>
-              </a:ext>
-            </a:extLst>
-          </p:cNvPr>
-          <p:cNvSpPr/>
-          <p:nvPr/>
-        </p:nvSpPr>
-        <p:spPr>
-          <a:xfrm>
-            <a:off x="8897257" y="1"/>
-            <a:ext cx="3294744" cy="1662544"/>
-          </a:xfrm>
-          <a:prstGeom prst="rect">
-            <a:avLst/>
-          </a:prstGeom>
-          <a:solidFill>
-            <a:schemeClr val="bg2">
-              <a:lumMod val="50000"/>
-            </a:schemeClr>
-          </a:solidFill>
-          <a:ln>
-            <a:solidFill>
-              <a:schemeClr val="tx1"/>
-            </a:solidFill>
-          </a:ln>
-        </p:spPr>
-        <p:style>
-          <a:lnRef idx="2">
-            <a:schemeClr val="accent1">
-              <a:shade val="50000"/>
-            </a:schemeClr>
-          </a:lnRef>
-          <a:fillRef idx="1">
-            <a:schemeClr val="accent1"/>
-          </a:fillRef>
-          <a:effectRef idx="0">
-            <a:schemeClr val="accent1"/>
-          </a:effectRef>
-          <a:fontRef idx="minor">
-            <a:schemeClr val="lt1"/>
-          </a:fontRef>
-        </p:style>
-        <p:txBody>
-          <a:bodyPr rtlCol="0" anchor="ctr"/>
-          <a:lstStyle/>
-          <a:p>
-            <a:pPr algn="ctr"/>
-            <a:endParaRPr kumimoji="1" lang="ja-JP" altLang="en-US"/>
           </a:p>
         </p:txBody>
       </p:sp>
@@ -13895,62 +11500,6 @@
           <a:ln>
             <a:solidFill>
               <a:schemeClr val="tx2"/>
-            </a:solidFill>
-          </a:ln>
-        </p:spPr>
-        <p:style>
-          <a:lnRef idx="2">
-            <a:schemeClr val="accent1">
-              <a:shade val="50000"/>
-            </a:schemeClr>
-          </a:lnRef>
-          <a:fillRef idx="1">
-            <a:schemeClr val="accent1"/>
-          </a:fillRef>
-          <a:effectRef idx="0">
-            <a:schemeClr val="accent1"/>
-          </a:effectRef>
-          <a:fontRef idx="minor">
-            <a:schemeClr val="lt1"/>
-          </a:fontRef>
-        </p:style>
-        <p:txBody>
-          <a:bodyPr rtlCol="0" anchor="ctr"/>
-          <a:lstStyle/>
-          <a:p>
-            <a:pPr algn="ctr"/>
-            <a:endParaRPr kumimoji="1" lang="ja-JP" altLang="en-US"/>
-          </a:p>
-        </p:txBody>
-      </p:sp>
-      <p:sp>
-        <p:nvSpPr>
-          <p:cNvPr id="18" name="正方形/長方形 17">
-            <a:extLst>
-              <a:ext uri="{FF2B5EF4-FFF2-40B4-BE49-F238E27FC236}">
-                <a16:creationId xmlns:a16="http://schemas.microsoft.com/office/drawing/2014/main" id="{D16386A7-F75F-4BEF-B107-878CE6C6F7D9}"/>
-              </a:ext>
-            </a:extLst>
-          </p:cNvPr>
-          <p:cNvSpPr/>
-          <p:nvPr/>
-        </p:nvSpPr>
-        <p:spPr>
-          <a:xfrm>
-            <a:off x="8897257" y="1"/>
-            <a:ext cx="3294744" cy="1662544"/>
-          </a:xfrm>
-          <a:prstGeom prst="rect">
-            <a:avLst/>
-          </a:prstGeom>
-          <a:solidFill>
-            <a:schemeClr val="bg2">
-              <a:lumMod val="50000"/>
-            </a:schemeClr>
-          </a:solidFill>
-          <a:ln>
-            <a:solidFill>
-              <a:schemeClr val="tx1"/>
             </a:solidFill>
           </a:ln>
         </p:spPr>
@@ -15581,62 +13130,6 @@
           </a:p>
         </p:txBody>
       </p:sp>
-      <p:sp>
-        <p:nvSpPr>
-          <p:cNvPr id="26" name="正方形/長方形 25">
-            <a:extLst>
-              <a:ext uri="{FF2B5EF4-FFF2-40B4-BE49-F238E27FC236}">
-                <a16:creationId xmlns:a16="http://schemas.microsoft.com/office/drawing/2014/main" id="{C1E4EB23-9E52-4F19-B193-AD3040F53B39}"/>
-              </a:ext>
-            </a:extLst>
-          </p:cNvPr>
-          <p:cNvSpPr/>
-          <p:nvPr/>
-        </p:nvSpPr>
-        <p:spPr>
-          <a:xfrm>
-            <a:off x="8897257" y="1"/>
-            <a:ext cx="3294744" cy="1662544"/>
-          </a:xfrm>
-          <a:prstGeom prst="rect">
-            <a:avLst/>
-          </a:prstGeom>
-          <a:solidFill>
-            <a:schemeClr val="bg2">
-              <a:lumMod val="50000"/>
-            </a:schemeClr>
-          </a:solidFill>
-          <a:ln>
-            <a:solidFill>
-              <a:schemeClr val="tx1"/>
-            </a:solidFill>
-          </a:ln>
-        </p:spPr>
-        <p:style>
-          <a:lnRef idx="2">
-            <a:schemeClr val="accent1">
-              <a:shade val="50000"/>
-            </a:schemeClr>
-          </a:lnRef>
-          <a:fillRef idx="1">
-            <a:schemeClr val="accent1"/>
-          </a:fillRef>
-          <a:effectRef idx="0">
-            <a:schemeClr val="accent1"/>
-          </a:effectRef>
-          <a:fontRef idx="minor">
-            <a:schemeClr val="lt1"/>
-          </a:fontRef>
-        </p:style>
-        <p:txBody>
-          <a:bodyPr rtlCol="0" anchor="ctr"/>
-          <a:lstStyle/>
-          <a:p>
-            <a:pPr algn="ctr"/>
-            <a:endParaRPr kumimoji="1" lang="ja-JP" altLang="en-US"/>
-          </a:p>
-        </p:txBody>
-      </p:sp>
       <p:cxnSp>
         <p:nvCxnSpPr>
           <p:cNvPr id="28" name="直線コネクタ 27">
@@ -15734,7 +13227,7 @@
         <p:spPr>
           <a:xfrm>
             <a:off x="8500090" y="4682468"/>
-            <a:ext cx="1941047" cy="1631216"/>
+            <a:ext cx="1941047" cy="1323439"/>
           </a:xfrm>
           <a:prstGeom prst="rect">
             <a:avLst/>
@@ -15762,10 +13255,9 @@
               <a:buChar char="•"/>
             </a:pPr>
             <a:r>
-              <a:rPr lang="en-US" altLang="ja-JP" sz="2000" dirty="0" err="1"/>
-              <a:t>Tensorflow</a:t>
-            </a:r>
-            <a:endParaRPr lang="en-US" altLang="ja-JP" sz="2000" dirty="0"/>
+              <a:rPr lang="en-US" altLang="ja-JP" sz="2000" dirty="0"/>
+              <a:t>TensorFlow</a:t>
+            </a:r>
           </a:p>
           <a:p>
             <a:pPr marL="285750" indent="-285750">
@@ -15788,17 +13280,6 @@
               <a:t>FluidSynth</a:t>
             </a:r>
             <a:endParaRPr lang="en-US" altLang="ja-JP" sz="2000" dirty="0"/>
-          </a:p>
-          <a:p>
-            <a:pPr marL="285750" indent="-285750">
-              <a:buFont typeface="Arial" panose="020B0604020202020204" pitchFamily="34" charset="0"/>
-              <a:buChar char="•"/>
-            </a:pPr>
-            <a:r>
-              <a:rPr lang="en-US" altLang="ja-JP" sz="2000" dirty="0" err="1"/>
-              <a:t>LilyPond</a:t>
-            </a:r>
-            <a:endParaRPr kumimoji="1" lang="ja-JP" altLang="en-US" dirty="0"/>
           </a:p>
         </p:txBody>
       </p:sp>
@@ -16371,62 +13852,6 @@
           </a:fontRef>
         </p:style>
       </p:cxnSp>
-      <p:sp>
-        <p:nvSpPr>
-          <p:cNvPr id="23" name="正方形/長方形 22">
-            <a:extLst>
-              <a:ext uri="{FF2B5EF4-FFF2-40B4-BE49-F238E27FC236}">
-                <a16:creationId xmlns:a16="http://schemas.microsoft.com/office/drawing/2014/main" id="{22B63893-47BE-4141-98EA-B415868371A9}"/>
-              </a:ext>
-            </a:extLst>
-          </p:cNvPr>
-          <p:cNvSpPr/>
-          <p:nvPr/>
-        </p:nvSpPr>
-        <p:spPr>
-          <a:xfrm>
-            <a:off x="8897257" y="1"/>
-            <a:ext cx="3294744" cy="1662544"/>
-          </a:xfrm>
-          <a:prstGeom prst="rect">
-            <a:avLst/>
-          </a:prstGeom>
-          <a:solidFill>
-            <a:schemeClr val="bg2">
-              <a:lumMod val="50000"/>
-            </a:schemeClr>
-          </a:solidFill>
-          <a:ln>
-            <a:solidFill>
-              <a:schemeClr val="tx1"/>
-            </a:solidFill>
-          </a:ln>
-        </p:spPr>
-        <p:style>
-          <a:lnRef idx="2">
-            <a:schemeClr val="accent1">
-              <a:shade val="50000"/>
-            </a:schemeClr>
-          </a:lnRef>
-          <a:fillRef idx="1">
-            <a:schemeClr val="accent1"/>
-          </a:fillRef>
-          <a:effectRef idx="0">
-            <a:schemeClr val="accent1"/>
-          </a:effectRef>
-          <a:fontRef idx="minor">
-            <a:schemeClr val="lt1"/>
-          </a:fontRef>
-        </p:style>
-        <p:txBody>
-          <a:bodyPr rtlCol="0" anchor="ctr"/>
-          <a:lstStyle/>
-          <a:p>
-            <a:pPr algn="ctr"/>
-            <a:endParaRPr kumimoji="1" lang="ja-JP" altLang="en-US"/>
-          </a:p>
-        </p:txBody>
-      </p:sp>
     </p:spTree>
     <p:extLst>
       <p:ext uri="{BB962C8B-B14F-4D97-AF65-F5344CB8AC3E}">
@@ -17023,14 +14448,14 @@
         </p:nvGrpSpPr>
         <p:grpSpPr>
           <a:xfrm>
-            <a:off x="2884492" y="2653561"/>
-            <a:ext cx="767457" cy="3750396"/>
-            <a:chOff x="2884492" y="2653561"/>
-            <a:chExt cx="767457" cy="3750396"/>
+            <a:off x="2883936" y="2487945"/>
+            <a:ext cx="775508" cy="3923986"/>
+            <a:chOff x="2884492" y="2479971"/>
+            <a:chExt cx="775508" cy="3923986"/>
           </a:xfrm>
         </p:grpSpPr>
-        <mc:AlternateContent xmlns:mc="http://schemas.openxmlformats.org/markup-compatibility/2006" xmlns:a14="http://schemas.microsoft.com/office/drawing/2010/main">
-          <mc:Choice Requires="a14">
+        <mc:AlternateContent xmlns:mc="http://schemas.openxmlformats.org/markup-compatibility/2006">
+          <mc:Choice xmlns:a14="http://schemas.microsoft.com/office/drawing/2010/main" Requires="a14">
             <p:sp>
               <p:nvSpPr>
                 <p:cNvPr id="6" name="フローチャート: 結合子 5">
@@ -17045,7 +14470,7 @@
               </p:nvSpPr>
               <p:spPr>
                 <a:xfrm>
-                  <a:off x="2884492" y="2653561"/>
+                  <a:off x="2892543" y="2479971"/>
                   <a:ext cx="767457" cy="710172"/>
                 </a:xfrm>
                 <a:prstGeom prst="flowChartConnector">
@@ -17118,7 +14543,7 @@
               </p:txBody>
             </p:sp>
           </mc:Choice>
-          <mc:Fallback xmlns="">
+          <mc:Fallback>
             <p:sp>
               <p:nvSpPr>
                 <p:cNvPr id="6" name="フローチャート: 結合子 5">
@@ -17135,7 +14560,7 @@
               </p:nvSpPr>
               <p:spPr>
                 <a:xfrm>
-                  <a:off x="2884492" y="2653561"/>
+                  <a:off x="2892543" y="2479971"/>
                   <a:ext cx="767457" cy="710172"/>
                 </a:xfrm>
                 <a:prstGeom prst="flowChartConnector">
@@ -17544,14 +14969,14 @@
         </p:nvGrpSpPr>
         <p:grpSpPr>
           <a:xfrm>
-            <a:off x="6375215" y="2652689"/>
-            <a:ext cx="767457" cy="3751268"/>
-            <a:chOff x="6375215" y="2652689"/>
-            <a:chExt cx="767457" cy="3751268"/>
+            <a:off x="6375215" y="2487945"/>
+            <a:ext cx="789170" cy="3916012"/>
+            <a:chOff x="6375215" y="2487945"/>
+            <a:chExt cx="789170" cy="3916012"/>
           </a:xfrm>
         </p:grpSpPr>
-        <mc:AlternateContent xmlns:mc="http://schemas.openxmlformats.org/markup-compatibility/2006" xmlns:a14="http://schemas.microsoft.com/office/drawing/2010/main">
-          <mc:Choice Requires="a14">
+        <mc:AlternateContent xmlns:mc="http://schemas.openxmlformats.org/markup-compatibility/2006">
+          <mc:Choice xmlns:a14="http://schemas.microsoft.com/office/drawing/2010/main" Requires="a14">
             <p:sp>
               <p:nvSpPr>
                 <p:cNvPr id="13" name="フローチャート: 結合子 12">
@@ -17566,7 +14991,7 @@
               </p:nvSpPr>
               <p:spPr>
                 <a:xfrm>
-                  <a:off x="6375215" y="2652689"/>
+                  <a:off x="6396928" y="2487945"/>
                   <a:ext cx="767457" cy="710172"/>
                 </a:xfrm>
                 <a:prstGeom prst="flowChartConnector">
@@ -17639,7 +15064,7 @@
               </p:txBody>
             </p:sp>
           </mc:Choice>
-          <mc:Fallback xmlns="">
+          <mc:Fallback>
             <p:sp>
               <p:nvSpPr>
                 <p:cNvPr id="13" name="フローチャート: 結合子 12">
@@ -17656,7 +15081,7 @@
               </p:nvSpPr>
               <p:spPr>
                 <a:xfrm>
-                  <a:off x="6375215" y="2652689"/>
+                  <a:off x="6396928" y="2487945"/>
                   <a:ext cx="767457" cy="710172"/>
                 </a:xfrm>
                 <a:prstGeom prst="flowChartConnector">
@@ -18180,14 +15605,14 @@
         </p:nvGrpSpPr>
         <p:grpSpPr>
           <a:xfrm>
-            <a:off x="4587733" y="2661185"/>
-            <a:ext cx="767457" cy="3742772"/>
-            <a:chOff x="4587733" y="2661185"/>
-            <a:chExt cx="767457" cy="3742772"/>
+            <a:off x="4603747" y="2487945"/>
+            <a:ext cx="767457" cy="3916012"/>
+            <a:chOff x="4587733" y="2487945"/>
+            <a:chExt cx="767457" cy="3916012"/>
           </a:xfrm>
         </p:grpSpPr>
-        <mc:AlternateContent xmlns:mc="http://schemas.openxmlformats.org/markup-compatibility/2006" xmlns:a14="http://schemas.microsoft.com/office/drawing/2010/main">
-          <mc:Choice Requires="a14">
+        <mc:AlternateContent xmlns:mc="http://schemas.openxmlformats.org/markup-compatibility/2006">
+          <mc:Choice xmlns:a14="http://schemas.microsoft.com/office/drawing/2010/main" Requires="a14">
             <p:sp>
               <p:nvSpPr>
                 <p:cNvPr id="10" name="フローチャート: 結合子 9">
@@ -18202,7 +15627,7 @@
               </p:nvSpPr>
               <p:spPr>
                 <a:xfrm>
-                  <a:off x="4587733" y="2661185"/>
+                  <a:off x="4587733" y="2487945"/>
                   <a:ext cx="767457" cy="710172"/>
                 </a:xfrm>
                 <a:prstGeom prst="flowChartConnector">
@@ -18275,7 +15700,7 @@
               </p:txBody>
             </p:sp>
           </mc:Choice>
-          <mc:Fallback xmlns="">
+          <mc:Fallback>
             <p:sp>
               <p:nvSpPr>
                 <p:cNvPr id="10" name="フローチャート: 結合子 9">
@@ -18292,7 +15717,7 @@
               </p:nvSpPr>
               <p:spPr>
                 <a:xfrm>
-                  <a:off x="4587733" y="2661185"/>
+                  <a:off x="4587733" y="2487945"/>
                   <a:ext cx="767457" cy="710172"/>
                 </a:xfrm>
                 <a:prstGeom prst="flowChartConnector">
@@ -19279,62 +16704,6 @@
           </p:txBody>
         </p:sp>
       </p:grpSp>
-      <p:sp>
-        <p:nvSpPr>
-          <p:cNvPr id="42" name="正方形/長方形 41">
-            <a:extLst>
-              <a:ext uri="{FF2B5EF4-FFF2-40B4-BE49-F238E27FC236}">
-                <a16:creationId xmlns:a16="http://schemas.microsoft.com/office/drawing/2014/main" id="{216ACBC0-9A4C-47E6-80DD-DFB44D180507}"/>
-              </a:ext>
-            </a:extLst>
-          </p:cNvPr>
-          <p:cNvSpPr/>
-          <p:nvPr/>
-        </p:nvSpPr>
-        <p:spPr>
-          <a:xfrm>
-            <a:off x="8897257" y="1"/>
-            <a:ext cx="3294744" cy="1662544"/>
-          </a:xfrm>
-          <a:prstGeom prst="rect">
-            <a:avLst/>
-          </a:prstGeom>
-          <a:solidFill>
-            <a:schemeClr val="bg2">
-              <a:lumMod val="50000"/>
-            </a:schemeClr>
-          </a:solidFill>
-          <a:ln>
-            <a:solidFill>
-              <a:schemeClr val="tx1"/>
-            </a:solidFill>
-          </a:ln>
-        </p:spPr>
-        <p:style>
-          <a:lnRef idx="2">
-            <a:schemeClr val="accent1">
-              <a:shade val="50000"/>
-            </a:schemeClr>
-          </a:lnRef>
-          <a:fillRef idx="1">
-            <a:schemeClr val="accent1"/>
-          </a:fillRef>
-          <a:effectRef idx="0">
-            <a:schemeClr val="accent1"/>
-          </a:effectRef>
-          <a:fontRef idx="minor">
-            <a:schemeClr val="lt1"/>
-          </a:fontRef>
-        </p:style>
-        <p:txBody>
-          <a:bodyPr rtlCol="0" anchor="ctr"/>
-          <a:lstStyle/>
-          <a:p>
-            <a:pPr algn="ctr"/>
-            <a:endParaRPr kumimoji="1" lang="ja-JP" altLang="en-US"/>
-          </a:p>
-        </p:txBody>
-      </p:sp>
     </p:spTree>
     <p:extLst>
       <p:ext uri="{BB962C8B-B14F-4D97-AF65-F5344CB8AC3E}">
@@ -20717,62 +18086,6 @@
               <a:t>の中から確率の高い音</a:t>
             </a:r>
             <a:endParaRPr kumimoji="1" lang="ja-JP" altLang="en-US" dirty="0"/>
-          </a:p>
-        </p:txBody>
-      </p:sp>
-      <p:sp>
-        <p:nvSpPr>
-          <p:cNvPr id="33" name="正方形/長方形 32">
-            <a:extLst>
-              <a:ext uri="{FF2B5EF4-FFF2-40B4-BE49-F238E27FC236}">
-                <a16:creationId xmlns:a16="http://schemas.microsoft.com/office/drawing/2014/main" id="{02A5A678-99B3-4241-B2FE-AF861BF7052C}"/>
-              </a:ext>
-            </a:extLst>
-          </p:cNvPr>
-          <p:cNvSpPr/>
-          <p:nvPr/>
-        </p:nvSpPr>
-        <p:spPr>
-          <a:xfrm>
-            <a:off x="8897257" y="1"/>
-            <a:ext cx="3294744" cy="1662544"/>
-          </a:xfrm>
-          <a:prstGeom prst="rect">
-            <a:avLst/>
-          </a:prstGeom>
-          <a:solidFill>
-            <a:schemeClr val="bg2">
-              <a:lumMod val="50000"/>
-            </a:schemeClr>
-          </a:solidFill>
-          <a:ln>
-            <a:solidFill>
-              <a:schemeClr val="tx1"/>
-            </a:solidFill>
-          </a:ln>
-        </p:spPr>
-        <p:style>
-          <a:lnRef idx="2">
-            <a:schemeClr val="accent1">
-              <a:shade val="50000"/>
-            </a:schemeClr>
-          </a:lnRef>
-          <a:fillRef idx="1">
-            <a:schemeClr val="accent1"/>
-          </a:fillRef>
-          <a:effectRef idx="0">
-            <a:schemeClr val="accent1"/>
-          </a:effectRef>
-          <a:fontRef idx="minor">
-            <a:schemeClr val="lt1"/>
-          </a:fontRef>
-        </p:style>
-        <p:txBody>
-          <a:bodyPr rtlCol="0" anchor="ctr"/>
-          <a:lstStyle/>
-          <a:p>
-            <a:pPr algn="ctr"/>
-            <a:endParaRPr kumimoji="1" lang="ja-JP" altLang="en-US"/>
           </a:p>
         </p:txBody>
       </p:sp>
@@ -21802,7 +19115,15 @@
                   <a:schemeClr val="tx2"/>
                 </a:solidFill>
               </a:rPr>
-              <a:t>生成した音程と音価</a:t>
+              <a:t>生成した音程と音</a:t>
+            </a:r>
+            <a:r>
+              <a:rPr lang="ja-JP" altLang="en-US" sz="2400" dirty="0">
+                <a:solidFill>
+                  <a:schemeClr val="tx2"/>
+                </a:solidFill>
+              </a:rPr>
+              <a:t>価</a:t>
             </a:r>
             <a:endParaRPr kumimoji="1" lang="en-US" altLang="ja-JP" sz="2400" dirty="0">
               <a:solidFill>
@@ -22035,7 +19356,7 @@
         </p:nvSpPr>
         <p:spPr>
           <a:xfrm>
-            <a:off x="4546599" y="2488540"/>
+            <a:off x="4611915" y="2485940"/>
             <a:ext cx="1843314" cy="523220"/>
           </a:xfrm>
           <a:prstGeom prst="rect">
@@ -22135,7 +19456,7 @@
         </p:nvSpPr>
         <p:spPr>
           <a:xfrm>
-            <a:off x="6769209" y="3431848"/>
+            <a:off x="6769209" y="3587166"/>
             <a:ext cx="1262439" cy="620815"/>
           </a:xfrm>
           <a:prstGeom prst="rightArrow">
@@ -22181,7 +19502,7 @@
         </p:nvSpPr>
         <p:spPr>
           <a:xfrm>
-            <a:off x="8318610" y="2485940"/>
+            <a:off x="8348360" y="2410886"/>
             <a:ext cx="2425299" cy="523220"/>
           </a:xfrm>
           <a:prstGeom prst="rect">
@@ -22259,7 +19580,7 @@
         </p:blipFill>
         <p:spPr>
           <a:xfrm>
-            <a:off x="8318610" y="3130717"/>
+            <a:off x="8318610" y="3247580"/>
             <a:ext cx="1226119" cy="1226119"/>
           </a:xfrm>
           <a:prstGeom prst="rect">
@@ -22295,7 +19616,7 @@
         </p:blipFill>
         <p:spPr>
           <a:xfrm>
-            <a:off x="9727972" y="3339450"/>
+            <a:off x="9727972" y="3429000"/>
             <a:ext cx="868531" cy="868531"/>
           </a:xfrm>
           <a:prstGeom prst="rect">
@@ -22303,176 +19624,6 @@
           </a:prstGeom>
         </p:spPr>
       </p:pic>
-      <p:sp>
-        <p:nvSpPr>
-          <p:cNvPr id="19" name="矢印: 折線 18">
-            <a:extLst>
-              <a:ext uri="{FF2B5EF4-FFF2-40B4-BE49-F238E27FC236}">
-                <a16:creationId xmlns:a16="http://schemas.microsoft.com/office/drawing/2014/main" id="{043370EE-AF6C-4BF0-A606-41B8134D4203}"/>
-              </a:ext>
-            </a:extLst>
-          </p:cNvPr>
-          <p:cNvSpPr/>
-          <p:nvPr/>
-        </p:nvSpPr>
-        <p:spPr>
-          <a:xfrm rot="10800000" flipH="1">
-            <a:off x="5464781" y="4961046"/>
-            <a:ext cx="2706762" cy="1222040"/>
-          </a:xfrm>
-          <a:prstGeom prst="bentArrow">
-            <a:avLst/>
-          </a:prstGeom>
-        </p:spPr>
-        <p:style>
-          <a:lnRef idx="2">
-            <a:schemeClr val="accent1">
-              <a:shade val="50000"/>
-            </a:schemeClr>
-          </a:lnRef>
-          <a:fillRef idx="1">
-            <a:schemeClr val="accent1"/>
-          </a:fillRef>
-          <a:effectRef idx="0">
-            <a:schemeClr val="accent1"/>
-          </a:effectRef>
-          <a:fontRef idx="minor">
-            <a:schemeClr val="lt1"/>
-          </a:fontRef>
-        </p:style>
-        <p:txBody>
-          <a:bodyPr rtlCol="0" anchor="ctr"/>
-          <a:lstStyle/>
-          <a:p>
-            <a:pPr algn="ctr"/>
-            <a:endParaRPr kumimoji="1" lang="ja-JP" altLang="en-US">
-              <a:solidFill>
-                <a:schemeClr val="tx1"/>
-              </a:solidFill>
-            </a:endParaRPr>
-          </a:p>
-        </p:txBody>
-      </p:sp>
-      <p:sp>
-        <p:nvSpPr>
-          <p:cNvPr id="20" name="正方形/長方形 19">
-            <a:extLst>
-              <a:ext uri="{FF2B5EF4-FFF2-40B4-BE49-F238E27FC236}">
-                <a16:creationId xmlns:a16="http://schemas.microsoft.com/office/drawing/2014/main" id="{6F9EDDFA-1868-4316-B656-55794066DDDD}"/>
-              </a:ext>
-            </a:extLst>
-          </p:cNvPr>
-          <p:cNvSpPr/>
-          <p:nvPr/>
-        </p:nvSpPr>
-        <p:spPr>
-          <a:xfrm>
-            <a:off x="8897257" y="1"/>
-            <a:ext cx="3294744" cy="1662544"/>
-          </a:xfrm>
-          <a:prstGeom prst="rect">
-            <a:avLst/>
-          </a:prstGeom>
-          <a:solidFill>
-            <a:schemeClr val="bg2">
-              <a:lumMod val="50000"/>
-            </a:schemeClr>
-          </a:solidFill>
-          <a:ln>
-            <a:solidFill>
-              <a:schemeClr val="tx1"/>
-            </a:solidFill>
-          </a:ln>
-        </p:spPr>
-        <p:style>
-          <a:lnRef idx="2">
-            <a:schemeClr val="accent1">
-              <a:shade val="50000"/>
-            </a:schemeClr>
-          </a:lnRef>
-          <a:fillRef idx="1">
-            <a:schemeClr val="accent1"/>
-          </a:fillRef>
-          <a:effectRef idx="0">
-            <a:schemeClr val="accent1"/>
-          </a:effectRef>
-          <a:fontRef idx="minor">
-            <a:schemeClr val="lt1"/>
-          </a:fontRef>
-        </p:style>
-        <p:txBody>
-          <a:bodyPr rtlCol="0" anchor="ctr"/>
-          <a:lstStyle/>
-          <a:p>
-            <a:pPr algn="ctr"/>
-            <a:endParaRPr kumimoji="1" lang="ja-JP" altLang="en-US"/>
-          </a:p>
-        </p:txBody>
-      </p:sp>
-      <p:sp>
-        <p:nvSpPr>
-          <p:cNvPr id="21" name="テキスト ボックス 20">
-            <a:extLst>
-              <a:ext uri="{FF2B5EF4-FFF2-40B4-BE49-F238E27FC236}">
-                <a16:creationId xmlns:a16="http://schemas.microsoft.com/office/drawing/2014/main" id="{AF55EB50-CC46-4362-990D-87E49B5EA33B}"/>
-              </a:ext>
-            </a:extLst>
-          </p:cNvPr>
-          <p:cNvSpPr txBox="1"/>
-          <p:nvPr/>
-        </p:nvSpPr>
-        <p:spPr>
-          <a:xfrm>
-            <a:off x="8386738" y="4567295"/>
-            <a:ext cx="2425299" cy="523220"/>
-          </a:xfrm>
-          <a:prstGeom prst="rect">
-            <a:avLst/>
-          </a:prstGeom>
-          <a:noFill/>
-          <a:ln>
-            <a:noFill/>
-          </a:ln>
-        </p:spPr>
-        <p:style>
-          <a:lnRef idx="2">
-            <a:schemeClr val="accent2">
-              <a:shade val="50000"/>
-            </a:schemeClr>
-          </a:lnRef>
-          <a:fillRef idx="1">
-            <a:schemeClr val="accent2"/>
-          </a:fillRef>
-          <a:effectRef idx="0">
-            <a:schemeClr val="accent2"/>
-          </a:effectRef>
-          <a:fontRef idx="minor">
-            <a:schemeClr val="lt1"/>
-          </a:fontRef>
-        </p:style>
-        <p:txBody>
-          <a:bodyPr wrap="square" rtlCol="0">
-            <a:spAutoFit/>
-          </a:bodyPr>
-          <a:lstStyle/>
-          <a:p>
-            <a:pPr algn="ctr"/>
-            <a:r>
-              <a:rPr kumimoji="1" lang="en-US" altLang="ja-JP" sz="2800" dirty="0" err="1">
-                <a:solidFill>
-                  <a:srgbClr val="00B050"/>
-                </a:solidFill>
-              </a:rPr>
-              <a:t>LilyPond</a:t>
-            </a:r>
-            <a:endParaRPr kumimoji="1" lang="ja-JP" altLang="en-US" sz="2800" dirty="0">
-              <a:solidFill>
-                <a:srgbClr val="00B050"/>
-              </a:solidFill>
-            </a:endParaRPr>
-          </a:p>
-        </p:txBody>
-      </p:sp>
       <p:pic>
         <p:nvPicPr>
           <p:cNvPr id="22" name="図 21">
@@ -22501,7 +19652,7 @@
         </p:blipFill>
         <p:spPr>
           <a:xfrm>
-            <a:off x="9007931" y="5121081"/>
+            <a:off x="4965103" y="4998663"/>
             <a:ext cx="1182912" cy="1182912"/>
           </a:xfrm>
           <a:prstGeom prst="rect">
@@ -22788,6 +19939,41 @@
                                   </p:childTnLst>
                                 </p:cTn>
                               </p:par>
+                              <p:par>
+                                <p:cTn id="26" presetID="22" presetClass="entr" presetSubtype="8" fill="hold" nodeType="withEffect">
+                                  <p:stCondLst>
+                                    <p:cond delay="0"/>
+                                  </p:stCondLst>
+                                  <p:childTnLst>
+                                    <p:set>
+                                      <p:cBhvr>
+                                        <p:cTn id="27" dur="1" fill="hold">
+                                          <p:stCondLst>
+                                            <p:cond delay="0"/>
+                                          </p:stCondLst>
+                                        </p:cTn>
+                                        <p:tgtEl>
+                                          <p:spTgt spid="22"/>
+                                        </p:tgtEl>
+                                        <p:attrNameLst>
+                                          <p:attrName>style.visibility</p:attrName>
+                                        </p:attrNameLst>
+                                      </p:cBhvr>
+                                      <p:to>
+                                        <p:strVal val="visible"/>
+                                      </p:to>
+                                    </p:set>
+                                    <p:animEffect transition="in" filter="wipe(left)">
+                                      <p:cBhvr>
+                                        <p:cTn id="28" dur="500"/>
+                                        <p:tgtEl>
+                                          <p:spTgt spid="22"/>
+                                        </p:tgtEl>
+                                      </p:cBhvr>
+                                    </p:animEffect>
+                                  </p:childTnLst>
+                                </p:cTn>
+                              </p:par>
                             </p:childTnLst>
                           </p:cTn>
                         </p:par>
@@ -22795,26 +19981,26 @@
                     </p:cTn>
                   </p:par>
                   <p:par>
-                    <p:cTn id="26" fill="hold">
+                    <p:cTn id="29" fill="hold">
                       <p:stCondLst>
                         <p:cond delay="indefinite"/>
                       </p:stCondLst>
                       <p:childTnLst>
                         <p:par>
-                          <p:cTn id="27" fill="hold">
+                          <p:cTn id="30" fill="hold">
                             <p:stCondLst>
                               <p:cond delay="0"/>
                             </p:stCondLst>
                             <p:childTnLst>
                               <p:par>
-                                <p:cTn id="28" presetID="22" presetClass="entr" presetSubtype="8" fill="hold" grpId="0" nodeType="clickEffect">
+                                <p:cTn id="31" presetID="22" presetClass="entr" presetSubtype="8" fill="hold" grpId="0" nodeType="clickEffect">
                                   <p:stCondLst>
                                     <p:cond delay="0"/>
                                   </p:stCondLst>
                                   <p:childTnLst>
                                     <p:set>
                                       <p:cBhvr>
-                                        <p:cTn id="29" dur="1" fill="hold">
+                                        <p:cTn id="32" dur="1" fill="hold">
                                           <p:stCondLst>
                                             <p:cond delay="0"/>
                                           </p:stCondLst>
@@ -22832,44 +20018,9 @@
                                     </p:set>
                                     <p:animEffect transition="in" filter="wipe(left)">
                                       <p:cBhvr>
-                                        <p:cTn id="30" dur="500"/>
+                                        <p:cTn id="33" dur="500"/>
                                         <p:tgtEl>
                                           <p:spTgt spid="15"/>
-                                        </p:tgtEl>
-                                      </p:cBhvr>
-                                    </p:animEffect>
-                                  </p:childTnLst>
-                                </p:cTn>
-                              </p:par>
-                              <p:par>
-                                <p:cTn id="31" presetID="22" presetClass="entr" presetSubtype="8" fill="hold" grpId="0" nodeType="withEffect">
-                                  <p:stCondLst>
-                                    <p:cond delay="0"/>
-                                  </p:stCondLst>
-                                  <p:childTnLst>
-                                    <p:set>
-                                      <p:cBhvr>
-                                        <p:cTn id="32" dur="1" fill="hold">
-                                          <p:stCondLst>
-                                            <p:cond delay="0"/>
-                                          </p:stCondLst>
-                                        </p:cTn>
-                                        <p:tgtEl>
-                                          <p:spTgt spid="19"/>
-                                        </p:tgtEl>
-                                        <p:attrNameLst>
-                                          <p:attrName>style.visibility</p:attrName>
-                                        </p:attrNameLst>
-                                      </p:cBhvr>
-                                      <p:to>
-                                        <p:strVal val="visible"/>
-                                      </p:to>
-                                    </p:set>
-                                    <p:animEffect transition="in" filter="wipe(left)">
-                                      <p:cBhvr>
-                                        <p:cTn id="33" dur="500"/>
-                                        <p:tgtEl>
-                                          <p:spTgt spid="19"/>
                                         </p:tgtEl>
                                       </p:cBhvr>
                                     </p:animEffect>
@@ -22990,76 +20141,6 @@
                                   </p:childTnLst>
                                 </p:cTn>
                               </p:par>
-                              <p:par>
-                                <p:cTn id="44" presetID="22" presetClass="entr" presetSubtype="8" fill="hold" grpId="0" nodeType="withEffect">
-                                  <p:stCondLst>
-                                    <p:cond delay="0"/>
-                                  </p:stCondLst>
-                                  <p:childTnLst>
-                                    <p:set>
-                                      <p:cBhvr>
-                                        <p:cTn id="45" dur="1" fill="hold">
-                                          <p:stCondLst>
-                                            <p:cond delay="0"/>
-                                          </p:stCondLst>
-                                        </p:cTn>
-                                        <p:tgtEl>
-                                          <p:spTgt spid="21"/>
-                                        </p:tgtEl>
-                                        <p:attrNameLst>
-                                          <p:attrName>style.visibility</p:attrName>
-                                        </p:attrNameLst>
-                                      </p:cBhvr>
-                                      <p:to>
-                                        <p:strVal val="visible"/>
-                                      </p:to>
-                                    </p:set>
-                                    <p:animEffect transition="in" filter="wipe(left)">
-                                      <p:cBhvr>
-                                        <p:cTn id="46" dur="500"/>
-                                        <p:tgtEl>
-                                          <p:spTgt spid="21"/>
-                                        </p:tgtEl>
-                                      </p:cBhvr>
-                                    </p:animEffect>
-                                  </p:childTnLst>
-                                </p:cTn>
-                              </p:par>
-                              <p:par>
-                                <p:cTn id="47" presetID="22" presetClass="entr" presetSubtype="8" fill="hold" nodeType="withEffect">
-                                  <p:stCondLst>
-                                    <p:cond delay="0"/>
-                                  </p:stCondLst>
-                                  <p:childTnLst>
-                                    <p:set>
-                                      <p:cBhvr>
-                                        <p:cTn id="48" dur="1" fill="hold">
-                                          <p:stCondLst>
-                                            <p:cond delay="0"/>
-                                          </p:stCondLst>
-                                        </p:cTn>
-                                        <p:tgtEl>
-                                          <p:spTgt spid="22"/>
-                                        </p:tgtEl>
-                                        <p:attrNameLst>
-                                          <p:attrName>style.visibility</p:attrName>
-                                        </p:attrNameLst>
-                                      </p:cBhvr>
-                                      <p:to>
-                                        <p:strVal val="visible"/>
-                                      </p:to>
-                                    </p:set>
-                                    <p:animEffect transition="in" filter="wipe(left)">
-                                      <p:cBhvr>
-                                        <p:cTn id="49" dur="500"/>
-                                        <p:tgtEl>
-                                          <p:spTgt spid="22"/>
-                                        </p:tgtEl>
-                                      </p:cBhvr>
-                                    </p:animEffect>
-                                  </p:childTnLst>
-                                </p:cTn>
-                              </p:par>
                             </p:childTnLst>
                           </p:cTn>
                         </p:par>
@@ -23095,8 +20176,6 @@
       <p:bldP spid="8" grpId="0"/>
       <p:bldP spid="15" grpId="0" animBg="1"/>
       <p:bldP spid="16" grpId="0"/>
-      <p:bldP spid="19" grpId="0" animBg="1"/>
-      <p:bldP spid="21" grpId="0"/>
     </p:bldLst>
   </p:timing>
 </p:sld>
@@ -23205,7 +20284,7 @@
                   </a:extLst>
                 </a:hlinkClick>
               </a:rPr>
-              <a:t>http://172.16.220.150/</a:t>
+              <a:t>http://172.16.231.169/</a:t>
             </a:r>
             <a:endParaRPr lang="en-US" altLang="ja-JP" sz="3600" b="1" dirty="0"/>
           </a:p>
@@ -23384,62 +20463,6 @@
               <a:t>デモンストレーションの動画</a:t>
             </a:r>
             <a:endParaRPr kumimoji="1" lang="ja-JP" altLang="en-US" dirty="0"/>
-          </a:p>
-        </p:txBody>
-      </p:sp>
-      <p:sp>
-        <p:nvSpPr>
-          <p:cNvPr id="9" name="正方形/長方形 8">
-            <a:extLst>
-              <a:ext uri="{FF2B5EF4-FFF2-40B4-BE49-F238E27FC236}">
-                <a16:creationId xmlns:a16="http://schemas.microsoft.com/office/drawing/2014/main" id="{7E3FCAEC-A258-46DD-BE4B-497A7B12D351}"/>
-              </a:ext>
-            </a:extLst>
-          </p:cNvPr>
-          <p:cNvSpPr/>
-          <p:nvPr/>
-        </p:nvSpPr>
-        <p:spPr>
-          <a:xfrm>
-            <a:off x="8897257" y="1"/>
-            <a:ext cx="3294744" cy="1662544"/>
-          </a:xfrm>
-          <a:prstGeom prst="rect">
-            <a:avLst/>
-          </a:prstGeom>
-          <a:solidFill>
-            <a:schemeClr val="bg2">
-              <a:lumMod val="50000"/>
-            </a:schemeClr>
-          </a:solidFill>
-          <a:ln>
-            <a:solidFill>
-              <a:schemeClr val="tx1"/>
-            </a:solidFill>
-          </a:ln>
-        </p:spPr>
-        <p:style>
-          <a:lnRef idx="2">
-            <a:schemeClr val="accent1">
-              <a:shade val="50000"/>
-            </a:schemeClr>
-          </a:lnRef>
-          <a:fillRef idx="1">
-            <a:schemeClr val="accent1"/>
-          </a:fillRef>
-          <a:effectRef idx="0">
-            <a:schemeClr val="accent1"/>
-          </a:effectRef>
-          <a:fontRef idx="minor">
-            <a:schemeClr val="lt1"/>
-          </a:fontRef>
-        </p:style>
-        <p:txBody>
-          <a:bodyPr rtlCol="0" anchor="ctr"/>
-          <a:lstStyle/>
-          <a:p>
-            <a:pPr algn="ctr"/>
-            <a:endParaRPr kumimoji="1" lang="ja-JP" altLang="en-US"/>
           </a:p>
         </p:txBody>
       </p:sp>
